--- a/CDC/L_artiste.pptx
+++ b/CDC/L_artiste.pptx
@@ -5,7 +5,7 @@
     <p:sldMasterId id="2147483648" r:id="rId1"/>
   </p:sldMasterIdLst>
   <p:notesMasterIdLst>
-    <p:notesMasterId r:id="rId7"/>
+    <p:notesMasterId r:id="rId12"/>
   </p:notesMasterIdLst>
   <p:sldIdLst>
     <p:sldId id="256" r:id="rId2"/>
@@ -13,6 +13,11 @@
     <p:sldId id="258" r:id="rId4"/>
     <p:sldId id="259" r:id="rId5"/>
     <p:sldId id="260" r:id="rId6"/>
+    <p:sldId id="261" r:id="rId7"/>
+    <p:sldId id="262" r:id="rId8"/>
+    <p:sldId id="263" r:id="rId9"/>
+    <p:sldId id="264" r:id="rId10"/>
+    <p:sldId id="265" r:id="rId11"/>
   </p:sldIdLst>
   <p:sldSz cx="12192000" cy="6858000"/>
   <p:notesSz cx="6858000" cy="9144000"/>
@@ -121,12 +126,20 @@
             <p14:sldId id="258"/>
             <p14:sldId id="259"/>
             <p14:sldId id="260"/>
+            <p14:sldId id="261"/>
+            <p14:sldId id="262"/>
+            <p14:sldId id="263"/>
+            <p14:sldId id="264"/>
+            <p14:sldId id="265"/>
           </p14:sldIdLst>
         </p14:section>
       </p14:sectionLst>
     </p:ext>
     <p:ext uri="{EFAFB233-063F-42B5-8137-9DF3F51BA10A}">
       <p15:sldGuideLst xmlns:p15="http://schemas.microsoft.com/office/powerpoint/2012/main"/>
+    </p:ext>
+    <p:ext uri="{2D200454-40CA-4A62-9FC3-DE9A4176ACB9}">
+      <p15:notesGuideLst xmlns:p15="http://schemas.microsoft.com/office/powerpoint/2012/main"/>
     </p:ext>
   </p:extLst>
 </p:presentation>
@@ -214,7 +227,7 @@
           <a:p>
             <a:fld id="{CE3F9B10-F744-47E1-871E-98B3AC9B3E4F}" type="datetimeFigureOut">
               <a:rPr lang="fr-FR" smtClean="0"/>
-              <a:t>23/12/2022</a:t>
+              <a:t>02/01/2023</a:t>
             </a:fld>
             <a:endParaRPr lang="fr-FR"/>
           </a:p>
@@ -222,7 +235,48 @@
       </p:sp>
       <p:sp>
         <p:nvSpPr>
-          <p:cNvPr id="4" name="Espace réservé de l'image des diapositives 3"/>
+          <p:cNvPr id="7" name="Espace réservé du numéro de diapositive 6"/>
+          <p:cNvSpPr>
+            <a:spLocks noGrp="1"/>
+          </p:cNvSpPr>
+          <p:nvPr>
+            <p:ph type="sldNum" sz="quarter" idx="5"/>
+          </p:nvPr>
+        </p:nvSpPr>
+        <p:spPr>
+          <a:xfrm>
+            <a:off x="3884613" y="8685213"/>
+            <a:ext cx="2971800" cy="458787"/>
+          </a:xfrm>
+          <a:prstGeom prst="rect">
+            <a:avLst/>
+          </a:prstGeom>
+        </p:spPr>
+        <p:txBody>
+          <a:bodyPr vert="horz" lIns="91440" tIns="45720" rIns="91440" bIns="45720" rtlCol="0" anchor="b"/>
+          <a:lstStyle>
+            <a:lvl1pPr algn="r">
+              <a:defRPr sz="1200"/>
+            </a:lvl1pPr>
+          </a:lstStyle>
+          <a:p>
+            <a:fld id="{76E71219-A99D-471B-86CD-CA487E081E23}" type="slidenum">
+              <a:rPr lang="fr-FR" smtClean="0"/>
+              <a:t>‹N°›</a:t>
+            </a:fld>
+            <a:endParaRPr lang="fr-FR"/>
+          </a:p>
+        </p:txBody>
+      </p:sp>
+      <p:sp>
+        <p:nvSpPr>
+          <p:cNvPr id="8" name="Espace réservé de l'image des diapositives 7">
+            <a:extLst>
+              <a:ext uri="{FF2B5EF4-FFF2-40B4-BE49-F238E27FC236}">
+                <a16:creationId xmlns:a16="http://schemas.microsoft.com/office/drawing/2014/main" id="{1EE99F21-CC01-5859-DC52-055D6D5FAD22}"/>
+              </a:ext>
+            </a:extLst>
+          </p:cNvPr>
           <p:cNvSpPr>
             <a:spLocks noGrp="1" noRot="1" noChangeAspect="1"/>
           </p:cNvSpPr>
@@ -255,66 +309,13 @@
       </p:sp>
       <p:sp>
         <p:nvSpPr>
-          <p:cNvPr id="5" name="Espace réservé des notes 4"/>
-          <p:cNvSpPr>
-            <a:spLocks noGrp="1"/>
-          </p:cNvSpPr>
-          <p:nvPr>
-            <p:ph type="body" sz="quarter" idx="3"/>
-          </p:nvPr>
-        </p:nvSpPr>
-        <p:spPr>
-          <a:xfrm>
-            <a:off x="685800" y="4400550"/>
-            <a:ext cx="5486400" cy="3600450"/>
-          </a:xfrm>
-          <a:prstGeom prst="rect">
-            <a:avLst/>
-          </a:prstGeom>
-        </p:spPr>
-        <p:txBody>
-          <a:bodyPr vert="horz" lIns="91440" tIns="45720" rIns="91440" bIns="45720" rtlCol="0"/>
-          <a:lstStyle/>
-          <a:p>
-            <a:pPr lvl="0"/>
-            <a:r>
-              <a:rPr lang="fr-FR"/>
-              <a:t>Cliquez pour modifier les styles du texte du masque</a:t>
-            </a:r>
-          </a:p>
-          <a:p>
-            <a:pPr lvl="1"/>
-            <a:r>
-              <a:rPr lang="fr-FR"/>
-              <a:t>Deuxième niveau</a:t>
-            </a:r>
-          </a:p>
-          <a:p>
-            <a:pPr lvl="2"/>
-            <a:r>
-              <a:rPr lang="fr-FR"/>
-              <a:t>Troisième niveau</a:t>
-            </a:r>
-          </a:p>
-          <a:p>
-            <a:pPr lvl="3"/>
-            <a:r>
-              <a:rPr lang="fr-FR"/>
-              <a:t>Quatrième niveau</a:t>
-            </a:r>
-          </a:p>
-          <a:p>
-            <a:pPr lvl="4"/>
-            <a:r>
-              <a:rPr lang="fr-FR"/>
-              <a:t>Cinquième niveau</a:t>
-            </a:r>
-          </a:p>
-        </p:txBody>
-      </p:sp>
-      <p:sp>
-        <p:nvSpPr>
-          <p:cNvPr id="6" name="Espace réservé du pied de page 5"/>
+          <p:cNvPr id="9" name="Espace réservé du pied de page 8">
+            <a:extLst>
+              <a:ext uri="{FF2B5EF4-FFF2-40B4-BE49-F238E27FC236}">
+                <a16:creationId xmlns:a16="http://schemas.microsoft.com/office/drawing/2014/main" id="{076719D7-6FD1-4985-AF55-4CC5ADC1D928}"/>
+              </a:ext>
+            </a:extLst>
+          </p:cNvPr>
           <p:cNvSpPr>
             <a:spLocks noGrp="1"/>
           </p:cNvSpPr>
@@ -339,41 +340,6 @@
             </a:lvl1pPr>
           </a:lstStyle>
           <a:p>
-            <a:endParaRPr lang="fr-FR"/>
-          </a:p>
-        </p:txBody>
-      </p:sp>
-      <p:sp>
-        <p:nvSpPr>
-          <p:cNvPr id="7" name="Espace réservé du numéro de diapositive 6"/>
-          <p:cNvSpPr>
-            <a:spLocks noGrp="1"/>
-          </p:cNvSpPr>
-          <p:nvPr>
-            <p:ph type="sldNum" sz="quarter" idx="5"/>
-          </p:nvPr>
-        </p:nvSpPr>
-        <p:spPr>
-          <a:xfrm>
-            <a:off x="3884613" y="8685213"/>
-            <a:ext cx="2971800" cy="458787"/>
-          </a:xfrm>
-          <a:prstGeom prst="rect">
-            <a:avLst/>
-          </a:prstGeom>
-        </p:spPr>
-        <p:txBody>
-          <a:bodyPr vert="horz" lIns="91440" tIns="45720" rIns="91440" bIns="45720" rtlCol="0" anchor="b"/>
-          <a:lstStyle>
-            <a:lvl1pPr algn="r">
-              <a:defRPr sz="1200"/>
-            </a:lvl1pPr>
-          </a:lstStyle>
-          <a:p>
-            <a:fld id="{76E71219-A99D-471B-86CD-CA487E081E23}" type="slidenum">
-              <a:rPr lang="fr-FR" smtClean="0"/>
-              <a:t>‹N°›</a:t>
-            </a:fld>
             <a:endParaRPr lang="fr-FR"/>
           </a:p>
         </p:txBody>
@@ -673,7 +639,7 @@
             <a:fld id="{B61BEF0D-F0BB-DE4B-95CE-6DB70DBA9567}" type="datetimeFigureOut">
               <a:rPr lang="en-US" dirty="0"/>
               <a:pPr/>
-              <a:t>12/23/2022</a:t>
+              <a:t>1/2/2023</a:t>
             </a:fld>
             <a:endParaRPr lang="en-US" dirty="0"/>
           </a:p>
@@ -1106,7 +1072,7 @@
             <a:fld id="{B61BEF0D-F0BB-DE4B-95CE-6DB70DBA9567}" type="datetimeFigureOut">
               <a:rPr lang="en-US" dirty="0"/>
               <a:pPr/>
-              <a:t>12/23/2022</a:t>
+              <a:t>1/2/2023</a:t>
             </a:fld>
             <a:endParaRPr lang="en-US" dirty="0"/>
           </a:p>
@@ -1353,7 +1319,7 @@
             <a:fld id="{B61BEF0D-F0BB-DE4B-95CE-6DB70DBA9567}" type="datetimeFigureOut">
               <a:rPr lang="en-US" dirty="0"/>
               <a:pPr/>
-              <a:t>12/23/2022</a:t>
+              <a:t>1/2/2023</a:t>
             </a:fld>
             <a:endParaRPr lang="en-US" dirty="0"/>
           </a:p>
@@ -1658,7 +1624,7 @@
             <a:fld id="{B61BEF0D-F0BB-DE4B-95CE-6DB70DBA9567}" type="datetimeFigureOut">
               <a:rPr lang="en-US" dirty="0"/>
               <a:pPr/>
-              <a:t>12/23/2022</a:t>
+              <a:t>1/2/2023</a:t>
             </a:fld>
             <a:endParaRPr lang="en-US" dirty="0"/>
           </a:p>
@@ -1973,7 +1939,7 @@
             <a:fld id="{B61BEF0D-F0BB-DE4B-95CE-6DB70DBA9567}" type="datetimeFigureOut">
               <a:rPr lang="en-US" dirty="0"/>
               <a:pPr/>
-              <a:t>12/23/2022</a:t>
+              <a:t>1/2/2023</a:t>
             </a:fld>
             <a:endParaRPr lang="en-US" dirty="0"/>
           </a:p>
@@ -2272,7 +2238,7 @@
             <a:fld id="{B61BEF0D-F0BB-DE4B-95CE-6DB70DBA9567}" type="datetimeFigureOut">
               <a:rPr lang="en-US" dirty="0"/>
               <a:pPr/>
-              <a:t>12/23/2022</a:t>
+              <a:t>1/2/2023</a:t>
             </a:fld>
             <a:endParaRPr lang="en-US" dirty="0"/>
           </a:p>
@@ -2636,7 +2602,7 @@
             <a:fld id="{B61BEF0D-F0BB-DE4B-95CE-6DB70DBA9567}" type="datetimeFigureOut">
               <a:rPr lang="en-US" dirty="0"/>
               <a:pPr/>
-              <a:t>12/23/2022</a:t>
+              <a:t>1/2/2023</a:t>
             </a:fld>
             <a:endParaRPr lang="en-US" dirty="0"/>
           </a:p>
@@ -2807,7 +2773,7 @@
             <a:fld id="{B61BEF0D-F0BB-DE4B-95CE-6DB70DBA9567}" type="datetimeFigureOut">
               <a:rPr lang="en-US" dirty="0"/>
               <a:pPr/>
-              <a:t>12/23/2022</a:t>
+              <a:t>1/2/2023</a:t>
             </a:fld>
             <a:endParaRPr lang="en-US" dirty="0"/>
           </a:p>
@@ -2984,7 +2950,7 @@
             <a:fld id="{B61BEF0D-F0BB-DE4B-95CE-6DB70DBA9567}" type="datetimeFigureOut">
               <a:rPr lang="en-US" dirty="0"/>
               <a:pPr/>
-              <a:t>12/23/2022</a:t>
+              <a:t>1/2/2023</a:t>
             </a:fld>
             <a:endParaRPr lang="en-US" dirty="0"/>
           </a:p>
@@ -3151,7 +3117,7 @@
             <a:fld id="{B61BEF0D-F0BB-DE4B-95CE-6DB70DBA9567}" type="datetimeFigureOut">
               <a:rPr lang="en-US" dirty="0"/>
               <a:pPr/>
-              <a:t>12/23/2022</a:t>
+              <a:t>1/2/2023</a:t>
             </a:fld>
             <a:endParaRPr lang="en-US" dirty="0"/>
           </a:p>
@@ -3398,7 +3364,7 @@
             <a:fld id="{B61BEF0D-F0BB-DE4B-95CE-6DB70DBA9567}" type="datetimeFigureOut">
               <a:rPr lang="en-US" dirty="0"/>
               <a:pPr/>
-              <a:t>12/23/2022</a:t>
+              <a:t>1/2/2023</a:t>
             </a:fld>
             <a:endParaRPr lang="en-US" dirty="0"/>
           </a:p>
@@ -3631,7 +3597,7 @@
             <a:fld id="{B61BEF0D-F0BB-DE4B-95CE-6DB70DBA9567}" type="datetimeFigureOut">
               <a:rPr lang="en-US" dirty="0"/>
               <a:pPr/>
-              <a:t>12/23/2022</a:t>
+              <a:t>1/2/2023</a:t>
             </a:fld>
             <a:endParaRPr lang="en-US" dirty="0"/>
           </a:p>
@@ -4010,7 +3976,7 @@
             <a:fld id="{B61BEF0D-F0BB-DE4B-95CE-6DB70DBA9567}" type="datetimeFigureOut">
               <a:rPr lang="en-US" dirty="0"/>
               <a:pPr/>
-              <a:t>12/23/2022</a:t>
+              <a:t>1/2/2023</a:t>
             </a:fld>
             <a:endParaRPr lang="en-US" dirty="0"/>
           </a:p>
@@ -4125,7 +4091,7 @@
             <a:fld id="{B61BEF0D-F0BB-DE4B-95CE-6DB70DBA9567}" type="datetimeFigureOut">
               <a:rPr lang="en-US" dirty="0"/>
               <a:pPr/>
-              <a:t>12/23/2022</a:t>
+              <a:t>1/2/2023</a:t>
             </a:fld>
             <a:endParaRPr lang="en-US" dirty="0"/>
           </a:p>
@@ -4217,7 +4183,7 @@
             <a:fld id="{B61BEF0D-F0BB-DE4B-95CE-6DB70DBA9567}" type="datetimeFigureOut">
               <a:rPr lang="en-US" dirty="0"/>
               <a:pPr/>
-              <a:t>12/23/2022</a:t>
+              <a:t>1/2/2023</a:t>
             </a:fld>
             <a:endParaRPr lang="en-US" dirty="0"/>
           </a:p>
@@ -4469,7 +4435,7 @@
             <a:fld id="{B61BEF0D-F0BB-DE4B-95CE-6DB70DBA9567}" type="datetimeFigureOut">
               <a:rPr lang="en-US" dirty="0"/>
               <a:pPr/>
-              <a:t>12/23/2022</a:t>
+              <a:t>1/2/2023</a:t>
             </a:fld>
             <a:endParaRPr lang="en-US" dirty="0"/>
           </a:p>
@@ -4749,7 +4715,7 @@
             <a:fld id="{B61BEF0D-F0BB-DE4B-95CE-6DB70DBA9567}" type="datetimeFigureOut">
               <a:rPr lang="en-US" dirty="0"/>
               <a:pPr/>
-              <a:t>12/23/2022</a:t>
+              <a:t>1/2/2023</a:t>
             </a:fld>
             <a:endParaRPr lang="en-US" dirty="0"/>
           </a:p>
@@ -5152,7 +5118,7 @@
             <a:fld id="{B61BEF0D-F0BB-DE4B-95CE-6DB70DBA9567}" type="datetimeFigureOut">
               <a:rPr lang="en-US" dirty="0"/>
               <a:pPr/>
-              <a:t>12/23/2022</a:t>
+              <a:t>1/2/2023</a:t>
             </a:fld>
             <a:endParaRPr lang="en-US" dirty="0"/>
           </a:p>
@@ -5840,6 +5806,128 @@
 </p:sld>
 </file>
 
+<file path=ppt/slides/slide10.xml><?xml version="1.0" encoding="utf-8"?>
+<p:sld xmlns:a="http://schemas.openxmlformats.org/drawingml/2006/main" xmlns:r="http://schemas.openxmlformats.org/officeDocument/2006/relationships" xmlns:p="http://schemas.openxmlformats.org/presentationml/2006/main">
+  <p:cSld>
+    <p:spTree>
+      <p:nvGrpSpPr>
+        <p:cNvPr id="1" name=""/>
+        <p:cNvGrpSpPr/>
+        <p:nvPr/>
+      </p:nvGrpSpPr>
+      <p:grpSpPr>
+        <a:xfrm>
+          <a:off x="0" y="0"/>
+          <a:ext cx="0" cy="0"/>
+          <a:chOff x="0" y="0"/>
+          <a:chExt cx="0" cy="0"/>
+        </a:xfrm>
+      </p:grpSpPr>
+      <p:sp>
+        <p:nvSpPr>
+          <p:cNvPr id="3" name="Espace réservé du contenu 2">
+            <a:extLst>
+              <a:ext uri="{FF2B5EF4-FFF2-40B4-BE49-F238E27FC236}">
+                <a16:creationId xmlns:a16="http://schemas.microsoft.com/office/drawing/2014/main" id="{E209249B-AB26-E703-4BF8-BDB15EA80F2B}"/>
+              </a:ext>
+            </a:extLst>
+          </p:cNvPr>
+          <p:cNvSpPr>
+            <a:spLocks noGrp="1"/>
+          </p:cNvSpPr>
+          <p:nvPr>
+            <p:ph idx="1"/>
+          </p:nvPr>
+        </p:nvSpPr>
+        <p:spPr>
+          <a:xfrm>
+            <a:off x="684212" y="685800"/>
+            <a:ext cx="9053554" cy="2431473"/>
+          </a:xfrm>
+        </p:spPr>
+        <p:txBody>
+          <a:bodyPr/>
+          <a:lstStyle/>
+          <a:p>
+            <a:pPr marL="0" indent="0">
+              <a:buNone/>
+            </a:pPr>
+            <a:r>
+              <a:rPr lang="fr-FR" b="1" u="sng" dirty="0">
+                <a:solidFill>
+                  <a:srgbClr val="751515"/>
+                </a:solidFill>
+              </a:rPr>
+              <a:t>Récapitulatif:</a:t>
+            </a:r>
+          </a:p>
+          <a:p>
+            <a:pPr marL="457200" lvl="1" indent="0">
+              <a:buNone/>
+            </a:pPr>
+            <a:r>
+              <a:rPr lang="fr-FR" dirty="0"/>
+              <a:t>Nous livrons un site internet début juillet de style galerie, comprenant un nouveau logo, une page d’accueil contenant une bio  les dernières peintures et des commentaires, une page galerie contenant les peintures du client, une page de contact.	</a:t>
+            </a:r>
+          </a:p>
+          <a:p>
+            <a:pPr lvl="1"/>
+            <a:endParaRPr lang="fr-FR" dirty="0"/>
+          </a:p>
+        </p:txBody>
+      </p:sp>
+      <p:sp>
+        <p:nvSpPr>
+          <p:cNvPr id="4" name="ZoneTexte 3">
+            <a:extLst>
+              <a:ext uri="{FF2B5EF4-FFF2-40B4-BE49-F238E27FC236}">
+                <a16:creationId xmlns:a16="http://schemas.microsoft.com/office/drawing/2014/main" id="{1AA1E146-9A4F-14A2-2B40-E8F24963E609}"/>
+              </a:ext>
+            </a:extLst>
+          </p:cNvPr>
+          <p:cNvSpPr txBox="1"/>
+          <p:nvPr/>
+        </p:nvSpPr>
+        <p:spPr>
+          <a:xfrm>
+            <a:off x="684212" y="2850079"/>
+            <a:ext cx="1646712" cy="369332"/>
+          </a:xfrm>
+          <a:prstGeom prst="rect">
+            <a:avLst/>
+          </a:prstGeom>
+          <a:noFill/>
+        </p:spPr>
+        <p:txBody>
+          <a:bodyPr wrap="square" rtlCol="0">
+            <a:spAutoFit/>
+          </a:bodyPr>
+          <a:lstStyle/>
+          <a:p>
+            <a:r>
+              <a:rPr lang="fr-FR" b="1" u="sng" dirty="0">
+                <a:solidFill>
+                  <a:srgbClr val="751515"/>
+                </a:solidFill>
+              </a:rPr>
+              <a:t>Planning:</a:t>
+            </a:r>
+          </a:p>
+        </p:txBody>
+      </p:sp>
+    </p:spTree>
+    <p:extLst>
+      <p:ext uri="{BB962C8B-B14F-4D97-AF65-F5344CB8AC3E}">
+        <p14:creationId xmlns:p14="http://schemas.microsoft.com/office/powerpoint/2010/main" val="3690427952"/>
+      </p:ext>
+    </p:extLst>
+  </p:cSld>
+  <p:clrMapOvr>
+    <a:masterClrMapping/>
+  </p:clrMapOvr>
+</p:sld>
+</file>
+
 <file path=ppt/slides/slide2.xml><?xml version="1.0" encoding="utf-8"?>
 <p:sld xmlns:a="http://schemas.openxmlformats.org/drawingml/2006/main" xmlns:r="http://schemas.openxmlformats.org/officeDocument/2006/relationships" xmlns:p="http://schemas.openxmlformats.org/presentationml/2006/main">
   <p:cSld>
@@ -5884,31 +5972,6 @@
       </p:grpSpPr>
       <p:sp>
         <p:nvSpPr>
-          <p:cNvPr id="5" name="Titre 4">
-            <a:extLst>
-              <a:ext uri="{FF2B5EF4-FFF2-40B4-BE49-F238E27FC236}">
-                <a16:creationId xmlns:a16="http://schemas.microsoft.com/office/drawing/2014/main" id="{D5551ABD-6FAB-93DD-EEED-18CCA669329D}"/>
-              </a:ext>
-            </a:extLst>
-          </p:cNvPr>
-          <p:cNvSpPr>
-            <a:spLocks noGrp="1"/>
-          </p:cNvSpPr>
-          <p:nvPr>
-            <p:ph type="title"/>
-          </p:nvPr>
-        </p:nvSpPr>
-        <p:spPr/>
-        <p:txBody>
-          <a:bodyPr/>
-          <a:lstStyle/>
-          <a:p>
-            <a:endParaRPr lang="fr-FR" dirty="0"/>
-          </a:p>
-        </p:txBody>
-      </p:sp>
-      <p:sp>
-        <p:nvSpPr>
           <p:cNvPr id="3" name="Espace réservé du contenu 2">
             <a:extLst>
               <a:ext uri="{FF2B5EF4-FFF2-40B4-BE49-F238E27FC236}">
@@ -5925,8 +5988,8 @@
         </p:nvSpPr>
         <p:spPr>
           <a:xfrm>
-            <a:off x="684212" y="685800"/>
-            <a:ext cx="10823576" cy="6172200"/>
+            <a:off x="457200" y="685800"/>
+            <a:ext cx="11050587" cy="6029696"/>
           </a:xfrm>
         </p:spPr>
         <p:txBody>
@@ -6091,31 +6154,6 @@
           <a:chExt cx="0" cy="0"/>
         </a:xfrm>
       </p:grpSpPr>
-      <p:sp>
-        <p:nvSpPr>
-          <p:cNvPr id="2" name="Titre 1">
-            <a:extLst>
-              <a:ext uri="{FF2B5EF4-FFF2-40B4-BE49-F238E27FC236}">
-                <a16:creationId xmlns:a16="http://schemas.microsoft.com/office/drawing/2014/main" id="{2B299893-F9CD-D377-D0BD-A4BF2EA6F80F}"/>
-              </a:ext>
-            </a:extLst>
-          </p:cNvPr>
-          <p:cNvSpPr>
-            <a:spLocks noGrp="1"/>
-          </p:cNvSpPr>
-          <p:nvPr>
-            <p:ph type="title"/>
-          </p:nvPr>
-        </p:nvSpPr>
-        <p:spPr/>
-        <p:txBody>
-          <a:bodyPr/>
-          <a:lstStyle/>
-          <a:p>
-            <a:endParaRPr lang="fr-FR" dirty="0"/>
-          </a:p>
-        </p:txBody>
-      </p:sp>
       <p:sp>
         <p:nvSpPr>
           <p:cNvPr id="3" name="Espace réservé du contenu 2">
@@ -6515,7 +6553,7 @@
                   <a:srgbClr val="751515"/>
                 </a:solidFill>
               </a:rPr>
-              <a:t>Des ventes grâce a une plus grande accessibilité.</a:t>
+              <a:t>ventes grâce a une plus grande accessibilité.</a:t>
             </a:r>
           </a:p>
         </p:txBody>
@@ -6601,31 +6639,6 @@
       </p:grpSpPr>
       <p:sp>
         <p:nvSpPr>
-          <p:cNvPr id="2" name="Titre 1">
-            <a:extLst>
-              <a:ext uri="{FF2B5EF4-FFF2-40B4-BE49-F238E27FC236}">
-                <a16:creationId xmlns:a16="http://schemas.microsoft.com/office/drawing/2014/main" id="{F044AA3D-1A24-09FC-7BEA-EC3F7796BF1C}"/>
-              </a:ext>
-            </a:extLst>
-          </p:cNvPr>
-          <p:cNvSpPr>
-            <a:spLocks noGrp="1"/>
-          </p:cNvSpPr>
-          <p:nvPr>
-            <p:ph type="title"/>
-          </p:nvPr>
-        </p:nvSpPr>
-        <p:spPr/>
-        <p:txBody>
-          <a:bodyPr/>
-          <a:lstStyle/>
-          <a:p>
-            <a:endParaRPr lang="fr-FR"/>
-          </a:p>
-        </p:txBody>
-      </p:sp>
-      <p:sp>
-        <p:nvSpPr>
           <p:cNvPr id="3" name="Espace réservé du contenu 2">
             <a:extLst>
               <a:ext uri="{FF2B5EF4-FFF2-40B4-BE49-F238E27FC236}">
@@ -6741,46 +6754,14 @@
               <a:buNone/>
             </a:pPr>
             <a:r>
-              <a:rPr lang="fr-FR" b="1" u="sng" dirty="0">
-                <a:solidFill>
-                  <a:srgbClr val="751515"/>
-                </a:solidFill>
-              </a:rPr>
-              <a:t>Site exemple : </a:t>
+              <a:rPr lang="fr-FR" dirty="0"/>
+              <a:t>	Le slogan : Le peintre passionné.</a:t>
             </a:r>
           </a:p>
           <a:p>
             <a:pPr marL="0" indent="0">
               <a:buNone/>
             </a:pPr>
-            <a:r>
-              <a:rPr lang="fr-FR" dirty="0"/>
-              <a:t>			    - </a:t>
-            </a:r>
-            <a:r>
-              <a:rPr lang="fr-FR" dirty="0">
-                <a:hlinkClick r:id="rId2"/>
-              </a:rPr>
-              <a:t>https://jcocheril.wixsite.com/jacquescocheril</a:t>
-            </a:r>
-            <a:endParaRPr lang="fr-FR" dirty="0"/>
-          </a:p>
-          <a:p>
-            <a:pPr marL="0" indent="0">
-              <a:buNone/>
-            </a:pPr>
-            <a:r>
-              <a:rPr lang="fr-FR"/>
-              <a:t>                        - </a:t>
-            </a:r>
-            <a:r>
-              <a:rPr lang="fr-FR" dirty="0"/>
-              <a:t>http://www.joannaflatau-leblog</a:t>
-            </a:r>
-            <a:r>
-              <a:rPr lang="fr-FR"/>
-              <a:t>.com</a:t>
-            </a:r>
             <a:endParaRPr lang="fr-FR" dirty="0"/>
           </a:p>
         </p:txBody>
@@ -6791,6 +6772,318 @@
             <a:extLst>
               <a:ext uri="{FF2B5EF4-FFF2-40B4-BE49-F238E27FC236}">
                 <a16:creationId xmlns:a16="http://schemas.microsoft.com/office/drawing/2014/main" id="{125F0144-20A3-CC92-7FE4-2DDD63E9C0EC}"/>
+              </a:ext>
+            </a:extLst>
+          </p:cNvPr>
+          <p:cNvPicPr>
+            <a:picLocks noChangeAspect="1"/>
+          </p:cNvPicPr>
+          <p:nvPr/>
+        </p:nvPicPr>
+        <p:blipFill>
+          <a:blip r:embed="rId2"/>
+          <a:stretch>
+            <a:fillRect/>
+          </a:stretch>
+        </p:blipFill>
+        <p:spPr>
+          <a:xfrm>
+            <a:off x="4561692" y="1500874"/>
+            <a:ext cx="3500637" cy="815536"/>
+          </a:xfrm>
+          <a:prstGeom prst="rect">
+            <a:avLst/>
+          </a:prstGeom>
+        </p:spPr>
+      </p:pic>
+      <p:sp>
+        <p:nvSpPr>
+          <p:cNvPr id="4" name="ZoneTexte 3">
+            <a:extLst>
+              <a:ext uri="{FF2B5EF4-FFF2-40B4-BE49-F238E27FC236}">
+                <a16:creationId xmlns:a16="http://schemas.microsoft.com/office/drawing/2014/main" id="{F99CA914-1A8C-4C5E-E0D8-5022F803FD62}"/>
+              </a:ext>
+            </a:extLst>
+          </p:cNvPr>
+          <p:cNvSpPr txBox="1"/>
+          <p:nvPr/>
+        </p:nvSpPr>
+        <p:spPr>
+          <a:xfrm>
+            <a:off x="7479908" y="2100966"/>
+            <a:ext cx="587829" cy="215444"/>
+          </a:xfrm>
+          <a:prstGeom prst="rect">
+            <a:avLst/>
+          </a:prstGeom>
+          <a:noFill/>
+        </p:spPr>
+        <p:txBody>
+          <a:bodyPr wrap="square" rtlCol="0">
+            <a:spAutoFit/>
+          </a:bodyPr>
+          <a:lstStyle/>
+          <a:p>
+            <a:r>
+              <a:rPr lang="fr-FR" sz="800" dirty="0">
+                <a:solidFill>
+                  <a:schemeClr val="bg1"/>
+                </a:solidFill>
+              </a:rPr>
+              <a:t>#ceeff4</a:t>
+            </a:r>
+          </a:p>
+        </p:txBody>
+      </p:sp>
+      <p:sp>
+        <p:nvSpPr>
+          <p:cNvPr id="6" name="ZoneTexte 5">
+            <a:extLst>
+              <a:ext uri="{FF2B5EF4-FFF2-40B4-BE49-F238E27FC236}">
+                <a16:creationId xmlns:a16="http://schemas.microsoft.com/office/drawing/2014/main" id="{A466705A-B05E-F515-1739-101FDA6762E0}"/>
+              </a:ext>
+            </a:extLst>
+          </p:cNvPr>
+          <p:cNvSpPr txBox="1"/>
+          <p:nvPr/>
+        </p:nvSpPr>
+        <p:spPr>
+          <a:xfrm>
+            <a:off x="6769993" y="2100966"/>
+            <a:ext cx="587829" cy="215444"/>
+          </a:xfrm>
+          <a:prstGeom prst="rect">
+            <a:avLst/>
+          </a:prstGeom>
+          <a:noFill/>
+        </p:spPr>
+        <p:txBody>
+          <a:bodyPr wrap="square" rtlCol="0">
+            <a:spAutoFit/>
+          </a:bodyPr>
+          <a:lstStyle/>
+          <a:p>
+            <a:r>
+              <a:rPr lang="fr-FR" sz="800" dirty="0">
+                <a:solidFill>
+                  <a:schemeClr val="bg1"/>
+                </a:solidFill>
+              </a:rPr>
+              <a:t>#f59fbd</a:t>
+            </a:r>
+          </a:p>
+        </p:txBody>
+      </p:sp>
+      <p:sp>
+        <p:nvSpPr>
+          <p:cNvPr id="7" name="ZoneTexte 6">
+            <a:extLst>
+              <a:ext uri="{FF2B5EF4-FFF2-40B4-BE49-F238E27FC236}">
+                <a16:creationId xmlns:a16="http://schemas.microsoft.com/office/drawing/2014/main" id="{8B41E3E6-C2B7-F494-5C1E-43AEE6586EE7}"/>
+              </a:ext>
+            </a:extLst>
+          </p:cNvPr>
+          <p:cNvSpPr txBox="1"/>
+          <p:nvPr/>
+        </p:nvSpPr>
+        <p:spPr>
+          <a:xfrm>
+            <a:off x="6018095" y="2100966"/>
+            <a:ext cx="587829" cy="215444"/>
+          </a:xfrm>
+          <a:prstGeom prst="rect">
+            <a:avLst/>
+          </a:prstGeom>
+          <a:noFill/>
+        </p:spPr>
+        <p:txBody>
+          <a:bodyPr wrap="square" rtlCol="0">
+            <a:spAutoFit/>
+          </a:bodyPr>
+          <a:lstStyle/>
+          <a:p>
+            <a:r>
+              <a:rPr lang="fr-FR" sz="800" dirty="0">
+                <a:solidFill>
+                  <a:schemeClr val="bg1"/>
+                </a:solidFill>
+              </a:rPr>
+              <a:t>#f36d8f</a:t>
+            </a:r>
+          </a:p>
+        </p:txBody>
+      </p:sp>
+      <p:sp>
+        <p:nvSpPr>
+          <p:cNvPr id="8" name="ZoneTexte 7">
+            <a:extLst>
+              <a:ext uri="{FF2B5EF4-FFF2-40B4-BE49-F238E27FC236}">
+                <a16:creationId xmlns:a16="http://schemas.microsoft.com/office/drawing/2014/main" id="{1907888D-D91D-EF52-40D9-2D06AD1198A9}"/>
+              </a:ext>
+            </a:extLst>
+          </p:cNvPr>
+          <p:cNvSpPr txBox="1"/>
+          <p:nvPr/>
+        </p:nvSpPr>
+        <p:spPr>
+          <a:xfrm>
+            <a:off x="5294883" y="2100966"/>
+            <a:ext cx="641178" cy="215444"/>
+          </a:xfrm>
+          <a:prstGeom prst="rect">
+            <a:avLst/>
+          </a:prstGeom>
+          <a:noFill/>
+        </p:spPr>
+        <p:txBody>
+          <a:bodyPr wrap="square" rtlCol="0">
+            <a:spAutoFit/>
+          </a:bodyPr>
+          <a:lstStyle/>
+          <a:p>
+            <a:r>
+              <a:rPr lang="fr-FR" sz="800" dirty="0"/>
+              <a:t>#de2e4b</a:t>
+            </a:r>
+          </a:p>
+        </p:txBody>
+      </p:sp>
+      <p:sp>
+        <p:nvSpPr>
+          <p:cNvPr id="9" name="ZoneTexte 8">
+            <a:extLst>
+              <a:ext uri="{FF2B5EF4-FFF2-40B4-BE49-F238E27FC236}">
+                <a16:creationId xmlns:a16="http://schemas.microsoft.com/office/drawing/2014/main" id="{6502D781-8239-C6EB-BAF8-B6E39D0A4D39}"/>
+              </a:ext>
+            </a:extLst>
+          </p:cNvPr>
+          <p:cNvSpPr txBox="1"/>
+          <p:nvPr/>
+        </p:nvSpPr>
+        <p:spPr>
+          <a:xfrm>
+            <a:off x="4571999" y="2100966"/>
+            <a:ext cx="640849" cy="215444"/>
+          </a:xfrm>
+          <a:prstGeom prst="rect">
+            <a:avLst/>
+          </a:prstGeom>
+          <a:noFill/>
+        </p:spPr>
+        <p:txBody>
+          <a:bodyPr wrap="square" rtlCol="0">
+            <a:spAutoFit/>
+          </a:bodyPr>
+          <a:lstStyle/>
+          <a:p>
+            <a:r>
+              <a:rPr lang="fr-FR" sz="800" dirty="0"/>
+              <a:t>#650900</a:t>
+            </a:r>
+          </a:p>
+        </p:txBody>
+      </p:sp>
+    </p:spTree>
+    <p:extLst>
+      <p:ext uri="{BB962C8B-B14F-4D97-AF65-F5344CB8AC3E}">
+        <p14:creationId xmlns:p14="http://schemas.microsoft.com/office/powerpoint/2010/main" val="728227095"/>
+      </p:ext>
+    </p:extLst>
+  </p:cSld>
+  <p:clrMapOvr>
+    <a:masterClrMapping/>
+  </p:clrMapOvr>
+</p:sld>
+</file>
+
+<file path=ppt/slides/slide6.xml><?xml version="1.0" encoding="utf-8"?>
+<p:sld xmlns:a="http://schemas.openxmlformats.org/drawingml/2006/main" xmlns:r="http://schemas.openxmlformats.org/officeDocument/2006/relationships" xmlns:p="http://schemas.openxmlformats.org/presentationml/2006/main">
+  <p:cSld>
+    <p:spTree>
+      <p:nvGrpSpPr>
+        <p:cNvPr id="1" name=""/>
+        <p:cNvGrpSpPr/>
+        <p:nvPr/>
+      </p:nvGrpSpPr>
+      <p:grpSpPr>
+        <a:xfrm>
+          <a:off x="0" y="0"/>
+          <a:ext cx="0" cy="0"/>
+          <a:chOff x="0" y="0"/>
+          <a:chExt cx="0" cy="0"/>
+        </a:xfrm>
+      </p:grpSpPr>
+      <p:sp>
+        <p:nvSpPr>
+          <p:cNvPr id="3" name="Espace réservé du contenu 2">
+            <a:extLst>
+              <a:ext uri="{FF2B5EF4-FFF2-40B4-BE49-F238E27FC236}">
+                <a16:creationId xmlns:a16="http://schemas.microsoft.com/office/drawing/2014/main" id="{56C74CC0-09F7-DCA3-28E2-6B6EF2A5D4AD}"/>
+              </a:ext>
+            </a:extLst>
+          </p:cNvPr>
+          <p:cNvSpPr>
+            <a:spLocks noGrp="1"/>
+          </p:cNvSpPr>
+          <p:nvPr>
+            <p:ph idx="1"/>
+          </p:nvPr>
+        </p:nvSpPr>
+        <p:spPr>
+          <a:xfrm>
+            <a:off x="731713" y="-944033"/>
+            <a:ext cx="8534400" cy="3615267"/>
+          </a:xfrm>
+        </p:spPr>
+        <p:txBody>
+          <a:bodyPr/>
+          <a:lstStyle/>
+          <a:p>
+            <a:pPr marL="0" indent="0">
+              <a:buNone/>
+            </a:pPr>
+            <a:r>
+              <a:rPr lang="fr-FR" b="1" u="sng" dirty="0">
+                <a:solidFill>
+                  <a:srgbClr val="751515"/>
+                </a:solidFill>
+              </a:rPr>
+              <a:t>Site exemple: </a:t>
+            </a:r>
+          </a:p>
+          <a:p>
+            <a:pPr marL="0" indent="0">
+              <a:buNone/>
+            </a:pPr>
+            <a:r>
+              <a:rPr lang="fr-FR" dirty="0"/>
+              <a:t>			    - </a:t>
+            </a:r>
+            <a:r>
+              <a:rPr lang="fr-FR" dirty="0">
+                <a:hlinkClick r:id="rId2"/>
+              </a:rPr>
+              <a:t>https://jcocheril.wixsite.com/jacquescocheril</a:t>
+            </a:r>
+            <a:endParaRPr lang="fr-FR" dirty="0"/>
+          </a:p>
+          <a:p>
+            <a:pPr marL="0" indent="0">
+              <a:buNone/>
+            </a:pPr>
+            <a:r>
+              <a:rPr lang="fr-FR" dirty="0"/>
+              <a:t>			    - http://www.joannaflatau-leblog.com</a:t>
+            </a:r>
+          </a:p>
+        </p:txBody>
+      </p:sp>
+      <p:pic>
+        <p:nvPicPr>
+          <p:cNvPr id="4" name="Image 3">
+            <a:extLst>
+              <a:ext uri="{FF2B5EF4-FFF2-40B4-BE49-F238E27FC236}">
+                <a16:creationId xmlns:a16="http://schemas.microsoft.com/office/drawing/2014/main" id="{80EE0126-9534-3082-E0E5-1E5692A5F5C5}"/>
               </a:ext>
             </a:extLst>
           </p:cNvPr>
@@ -6807,8 +7100,38 @@
         </p:blipFill>
         <p:spPr>
           <a:xfrm>
-            <a:off x="4561692" y="1500874"/>
-            <a:ext cx="3500637" cy="815536"/>
+            <a:off x="1799110" y="2054121"/>
+            <a:ext cx="2968536" cy="3360715"/>
+          </a:xfrm>
+          <a:prstGeom prst="rect">
+            <a:avLst/>
+          </a:prstGeom>
+        </p:spPr>
+      </p:pic>
+      <p:pic>
+        <p:nvPicPr>
+          <p:cNvPr id="6" name="Image 5">
+            <a:extLst>
+              <a:ext uri="{FF2B5EF4-FFF2-40B4-BE49-F238E27FC236}">
+                <a16:creationId xmlns:a16="http://schemas.microsoft.com/office/drawing/2014/main" id="{34F6DB7B-F8E2-424A-A393-5A62181BC917}"/>
+              </a:ext>
+            </a:extLst>
+          </p:cNvPr>
+          <p:cNvPicPr>
+            <a:picLocks noChangeAspect="1"/>
+          </p:cNvPicPr>
+          <p:nvPr/>
+        </p:nvPicPr>
+        <p:blipFill>
+          <a:blip r:embed="rId4"/>
+          <a:stretch>
+            <a:fillRect/>
+          </a:stretch>
+        </p:blipFill>
+        <p:spPr>
+          <a:xfrm>
+            <a:off x="5985164" y="2095995"/>
+            <a:ext cx="3019774" cy="3360716"/>
           </a:xfrm>
           <a:prstGeom prst="rect">
             <a:avLst/>
@@ -6818,7 +7141,1395 @@
     </p:spTree>
     <p:extLst>
       <p:ext uri="{BB962C8B-B14F-4D97-AF65-F5344CB8AC3E}">
-        <p14:creationId xmlns:p14="http://schemas.microsoft.com/office/powerpoint/2010/main" val="728227095"/>
+        <p14:creationId xmlns:p14="http://schemas.microsoft.com/office/powerpoint/2010/main" val="1651569058"/>
+      </p:ext>
+    </p:extLst>
+  </p:cSld>
+  <p:clrMapOvr>
+    <a:masterClrMapping/>
+  </p:clrMapOvr>
+</p:sld>
+</file>
+
+<file path=ppt/slides/slide7.xml><?xml version="1.0" encoding="utf-8"?>
+<p:sld xmlns:a="http://schemas.openxmlformats.org/drawingml/2006/main" xmlns:r="http://schemas.openxmlformats.org/officeDocument/2006/relationships" xmlns:p="http://schemas.openxmlformats.org/presentationml/2006/main">
+  <p:cSld>
+    <p:spTree>
+      <p:nvGrpSpPr>
+        <p:cNvPr id="1" name=""/>
+        <p:cNvGrpSpPr/>
+        <p:nvPr/>
+      </p:nvGrpSpPr>
+      <p:grpSpPr>
+        <a:xfrm>
+          <a:off x="0" y="0"/>
+          <a:ext cx="0" cy="0"/>
+          <a:chOff x="0" y="0"/>
+          <a:chExt cx="0" cy="0"/>
+        </a:xfrm>
+      </p:grpSpPr>
+      <p:sp>
+        <p:nvSpPr>
+          <p:cNvPr id="3" name="Espace réservé du contenu 2">
+            <a:extLst>
+              <a:ext uri="{FF2B5EF4-FFF2-40B4-BE49-F238E27FC236}">
+                <a16:creationId xmlns:a16="http://schemas.microsoft.com/office/drawing/2014/main" id="{2F4828E4-7313-5F64-2274-5E5DC1C0E42B}"/>
+              </a:ext>
+            </a:extLst>
+          </p:cNvPr>
+          <p:cNvSpPr>
+            <a:spLocks noGrp="1"/>
+          </p:cNvSpPr>
+          <p:nvPr>
+            <p:ph idx="1"/>
+          </p:nvPr>
+        </p:nvSpPr>
+        <p:spPr/>
+        <p:txBody>
+          <a:bodyPr/>
+          <a:lstStyle/>
+          <a:p>
+            <a:r>
+              <a:rPr lang="fr-FR" b="1" u="sng" dirty="0">
+                <a:solidFill>
+                  <a:srgbClr val="751515"/>
+                </a:solidFill>
+              </a:rPr>
+              <a:t>Maquettage:</a:t>
+            </a:r>
+          </a:p>
+        </p:txBody>
+      </p:sp>
+    </p:spTree>
+    <p:extLst>
+      <p:ext uri="{BB962C8B-B14F-4D97-AF65-F5344CB8AC3E}">
+        <p14:creationId xmlns:p14="http://schemas.microsoft.com/office/powerpoint/2010/main" val="2417484879"/>
+      </p:ext>
+    </p:extLst>
+  </p:cSld>
+  <p:clrMapOvr>
+    <a:masterClrMapping/>
+  </p:clrMapOvr>
+</p:sld>
+</file>
+
+<file path=ppt/slides/slide8.xml><?xml version="1.0" encoding="utf-8"?>
+<p:sld xmlns:a="http://schemas.openxmlformats.org/drawingml/2006/main" xmlns:r="http://schemas.openxmlformats.org/officeDocument/2006/relationships" xmlns:p="http://schemas.openxmlformats.org/presentationml/2006/main">
+  <p:cSld>
+    <p:spTree>
+      <p:nvGrpSpPr>
+        <p:cNvPr id="1" name=""/>
+        <p:cNvGrpSpPr/>
+        <p:nvPr/>
+      </p:nvGrpSpPr>
+      <p:grpSpPr>
+        <a:xfrm>
+          <a:off x="0" y="0"/>
+          <a:ext cx="0" cy="0"/>
+          <a:chOff x="0" y="0"/>
+          <a:chExt cx="0" cy="0"/>
+        </a:xfrm>
+      </p:grpSpPr>
+      <p:sp>
+        <p:nvSpPr>
+          <p:cNvPr id="3" name="Espace réservé du contenu 2">
+            <a:extLst>
+              <a:ext uri="{FF2B5EF4-FFF2-40B4-BE49-F238E27FC236}">
+                <a16:creationId xmlns:a16="http://schemas.microsoft.com/office/drawing/2014/main" id="{B590736F-5B47-A1FD-002D-3878E229EC56}"/>
+              </a:ext>
+            </a:extLst>
+          </p:cNvPr>
+          <p:cNvSpPr>
+            <a:spLocks noGrp="1"/>
+          </p:cNvSpPr>
+          <p:nvPr>
+            <p:ph idx="1"/>
+          </p:nvPr>
+        </p:nvSpPr>
+        <p:spPr>
+          <a:xfrm>
+            <a:off x="387329" y="117318"/>
+            <a:ext cx="8534400" cy="3615267"/>
+          </a:xfrm>
+        </p:spPr>
+        <p:txBody>
+          <a:bodyPr/>
+          <a:lstStyle/>
+          <a:p>
+            <a:pPr marL="0" indent="0">
+              <a:buNone/>
+            </a:pPr>
+            <a:r>
+              <a:rPr lang="fr-FR" b="1" u="sng" dirty="0">
+                <a:solidFill>
+                  <a:srgbClr val="751515"/>
+                </a:solidFill>
+              </a:rPr>
+              <a:t>Les besoins:</a:t>
+            </a:r>
+          </a:p>
+          <a:p>
+            <a:pPr marL="457200" lvl="1" indent="0">
+              <a:buNone/>
+            </a:pPr>
+            <a:r>
+              <a:rPr lang="fr-FR" dirty="0"/>
+              <a:t>- Utilisation de Facebook pour l’instant.</a:t>
+            </a:r>
+          </a:p>
+          <a:p>
+            <a:pPr marL="457200" lvl="1" indent="0">
+              <a:buNone/>
+            </a:pPr>
+            <a:r>
+              <a:rPr lang="fr-FR" dirty="0"/>
+              <a:t>- Création d’un site type galerie de 3 pages: accueil, galerie, contact. </a:t>
+            </a:r>
+          </a:p>
+          <a:p>
+            <a:pPr marL="457200" lvl="1" indent="0">
+              <a:buNone/>
+            </a:pPr>
+            <a:r>
+              <a:rPr lang="fr-FR" dirty="0"/>
+              <a:t>- Sans Payments, pas de boutique.</a:t>
+            </a:r>
+          </a:p>
+          <a:p>
+            <a:pPr marL="457200" lvl="1" indent="0">
+              <a:buNone/>
+            </a:pPr>
+            <a:r>
+              <a:rPr lang="fr-FR" dirty="0"/>
+              <a:t>- pas de multilingue pour le moment.</a:t>
+            </a:r>
+          </a:p>
+          <a:p>
+            <a:pPr marL="457200" lvl="1" indent="0">
+              <a:buNone/>
+            </a:pPr>
+            <a:r>
+              <a:rPr lang="fr-FR" dirty="0"/>
+              <a:t>- le site doit pouvoir être utilisé sur smartphone.</a:t>
+            </a:r>
+          </a:p>
+          <a:p>
+            <a:pPr marL="457200" lvl="1" indent="0">
+              <a:buNone/>
+            </a:pPr>
+            <a:r>
+              <a:rPr lang="fr-FR" dirty="0"/>
+              <a:t>- mise en place de commentaires.</a:t>
+            </a:r>
+          </a:p>
+          <a:p>
+            <a:pPr lvl="1"/>
+            <a:endParaRPr lang="fr-FR" dirty="0"/>
+          </a:p>
+        </p:txBody>
+      </p:sp>
+      <p:grpSp>
+        <p:nvGrpSpPr>
+          <p:cNvPr id="18" name="Groupe 17">
+            <a:extLst>
+              <a:ext uri="{FF2B5EF4-FFF2-40B4-BE49-F238E27FC236}">
+                <a16:creationId xmlns:a16="http://schemas.microsoft.com/office/drawing/2014/main" id="{22AECB13-E3F0-645F-067C-7BF9DFEC2068}"/>
+              </a:ext>
+            </a:extLst>
+          </p:cNvPr>
+          <p:cNvGrpSpPr/>
+          <p:nvPr/>
+        </p:nvGrpSpPr>
+        <p:grpSpPr>
+          <a:xfrm>
+            <a:off x="3344285" y="3984171"/>
+            <a:ext cx="4568641" cy="2371106"/>
+            <a:chOff x="684212" y="4114800"/>
+            <a:chExt cx="4568641" cy="2371106"/>
+          </a:xfrm>
+        </p:grpSpPr>
+        <p:sp>
+          <p:nvSpPr>
+            <p:cNvPr id="4" name="Ellipse 3">
+              <a:extLst>
+                <a:ext uri="{FF2B5EF4-FFF2-40B4-BE49-F238E27FC236}">
+                  <a16:creationId xmlns:a16="http://schemas.microsoft.com/office/drawing/2014/main" id="{A04CAAF7-BCB3-E57F-F9EE-B7A82F382C87}"/>
+                </a:ext>
+              </a:extLst>
+            </p:cNvPr>
+            <p:cNvSpPr/>
+            <p:nvPr/>
+          </p:nvSpPr>
+          <p:spPr>
+            <a:xfrm>
+              <a:off x="684212" y="4114800"/>
+              <a:ext cx="1572100" cy="659081"/>
+            </a:xfrm>
+            <a:prstGeom prst="ellipse">
+              <a:avLst/>
+            </a:prstGeom>
+            <a:solidFill>
+              <a:schemeClr val="tx1"/>
+            </a:solidFill>
+          </p:spPr>
+          <p:style>
+            <a:lnRef idx="2">
+              <a:schemeClr val="accent1">
+                <a:shade val="50000"/>
+              </a:schemeClr>
+            </a:lnRef>
+            <a:fillRef idx="1">
+              <a:schemeClr val="accent1"/>
+            </a:fillRef>
+            <a:effectRef idx="0">
+              <a:schemeClr val="accent1"/>
+            </a:effectRef>
+            <a:fontRef idx="minor">
+              <a:schemeClr val="lt1"/>
+            </a:fontRef>
+          </p:style>
+          <p:txBody>
+            <a:bodyPr rtlCol="0" anchor="ctr"/>
+            <a:lstStyle/>
+            <a:p>
+              <a:pPr algn="ctr"/>
+              <a:r>
+                <a:rPr lang="fr-FR" sz="1600" dirty="0">
+                  <a:solidFill>
+                    <a:srgbClr val="751515"/>
+                  </a:solidFill>
+                </a:rPr>
+                <a:t>utilisateur</a:t>
+              </a:r>
+            </a:p>
+          </p:txBody>
+        </p:sp>
+        <p:sp>
+          <p:nvSpPr>
+            <p:cNvPr id="7" name="Ellipse 6">
+              <a:extLst>
+                <a:ext uri="{FF2B5EF4-FFF2-40B4-BE49-F238E27FC236}">
+                  <a16:creationId xmlns:a16="http://schemas.microsoft.com/office/drawing/2014/main" id="{6ECCEA1E-4866-6DF3-A533-F40A9A75F3C6}"/>
+                </a:ext>
+              </a:extLst>
+            </p:cNvPr>
+            <p:cNvSpPr/>
+            <p:nvPr/>
+          </p:nvSpPr>
+          <p:spPr>
+            <a:xfrm>
+              <a:off x="3680753" y="4127665"/>
+              <a:ext cx="1572100" cy="659081"/>
+            </a:xfrm>
+            <a:prstGeom prst="ellipse">
+              <a:avLst/>
+            </a:prstGeom>
+            <a:solidFill>
+              <a:schemeClr val="tx1"/>
+            </a:solidFill>
+          </p:spPr>
+          <p:style>
+            <a:lnRef idx="2">
+              <a:schemeClr val="accent1">
+                <a:shade val="50000"/>
+              </a:schemeClr>
+            </a:lnRef>
+            <a:fillRef idx="1">
+              <a:schemeClr val="accent1"/>
+            </a:fillRef>
+            <a:effectRef idx="0">
+              <a:schemeClr val="accent1"/>
+            </a:effectRef>
+            <a:fontRef idx="minor">
+              <a:schemeClr val="lt1"/>
+            </a:fontRef>
+          </p:style>
+          <p:txBody>
+            <a:bodyPr rtlCol="0" anchor="ctr"/>
+            <a:lstStyle/>
+            <a:p>
+              <a:pPr algn="ctr"/>
+              <a:endParaRPr lang="fr-FR"/>
+            </a:p>
+          </p:txBody>
+        </p:sp>
+        <p:sp>
+          <p:nvSpPr>
+            <p:cNvPr id="8" name="Ellipse 7">
+              <a:extLst>
+                <a:ext uri="{FF2B5EF4-FFF2-40B4-BE49-F238E27FC236}">
+                  <a16:creationId xmlns:a16="http://schemas.microsoft.com/office/drawing/2014/main" id="{FBB5C5F5-0972-9D07-F90C-0F9F98AAE31C}"/>
+                </a:ext>
+              </a:extLst>
+            </p:cNvPr>
+            <p:cNvSpPr/>
+            <p:nvPr/>
+          </p:nvSpPr>
+          <p:spPr>
+            <a:xfrm>
+              <a:off x="2036020" y="5021283"/>
+              <a:ext cx="1572100" cy="659081"/>
+            </a:xfrm>
+            <a:prstGeom prst="ellipse">
+              <a:avLst/>
+            </a:prstGeom>
+            <a:solidFill>
+              <a:schemeClr val="tx1"/>
+            </a:solidFill>
+          </p:spPr>
+          <p:style>
+            <a:lnRef idx="2">
+              <a:schemeClr val="accent1">
+                <a:shade val="50000"/>
+              </a:schemeClr>
+            </a:lnRef>
+            <a:fillRef idx="1">
+              <a:schemeClr val="accent1"/>
+            </a:fillRef>
+            <a:effectRef idx="0">
+              <a:schemeClr val="accent1"/>
+            </a:effectRef>
+            <a:fontRef idx="minor">
+              <a:schemeClr val="lt1"/>
+            </a:fontRef>
+          </p:style>
+          <p:txBody>
+            <a:bodyPr rtlCol="0" anchor="ctr"/>
+            <a:lstStyle/>
+            <a:p>
+              <a:pPr algn="ctr"/>
+              <a:endParaRPr lang="fr-FR"/>
+            </a:p>
+          </p:txBody>
+        </p:sp>
+        <p:sp>
+          <p:nvSpPr>
+            <p:cNvPr id="9" name="Organigramme : Terminateur 8">
+              <a:extLst>
+                <a:ext uri="{FF2B5EF4-FFF2-40B4-BE49-F238E27FC236}">
+                  <a16:creationId xmlns:a16="http://schemas.microsoft.com/office/drawing/2014/main" id="{CC83AE3F-FB84-2CDC-6343-12AED17BF5CF}"/>
+                </a:ext>
+              </a:extLst>
+            </p:cNvPr>
+            <p:cNvSpPr/>
+            <p:nvPr/>
+          </p:nvSpPr>
+          <p:spPr>
+            <a:xfrm>
+              <a:off x="1876301" y="5993080"/>
+              <a:ext cx="2020486" cy="492826"/>
+            </a:xfrm>
+            <a:prstGeom prst="flowChartTerminator">
+              <a:avLst/>
+            </a:prstGeom>
+            <a:solidFill>
+              <a:schemeClr val="tx1"/>
+            </a:solidFill>
+          </p:spPr>
+          <p:style>
+            <a:lnRef idx="2">
+              <a:schemeClr val="accent1">
+                <a:shade val="50000"/>
+              </a:schemeClr>
+            </a:lnRef>
+            <a:fillRef idx="1">
+              <a:schemeClr val="accent1"/>
+            </a:fillRef>
+            <a:effectRef idx="0">
+              <a:schemeClr val="accent1"/>
+            </a:effectRef>
+            <a:fontRef idx="minor">
+              <a:schemeClr val="lt1"/>
+            </a:fontRef>
+          </p:style>
+          <p:txBody>
+            <a:bodyPr rtlCol="0" anchor="ctr"/>
+            <a:lstStyle/>
+            <a:p>
+              <a:pPr algn="ctr"/>
+              <a:endParaRPr lang="fr-FR"/>
+            </a:p>
+          </p:txBody>
+        </p:sp>
+        <p:sp>
+          <p:nvSpPr>
+            <p:cNvPr id="12" name="Forme libre : forme 11">
+              <a:extLst>
+                <a:ext uri="{FF2B5EF4-FFF2-40B4-BE49-F238E27FC236}">
+                  <a16:creationId xmlns:a16="http://schemas.microsoft.com/office/drawing/2014/main" id="{F3A0C2CF-6930-6FEE-D286-3B52B90089F3}"/>
+                </a:ext>
+              </a:extLst>
+            </p:cNvPr>
+            <p:cNvSpPr/>
+            <p:nvPr/>
+          </p:nvSpPr>
+          <p:spPr>
+            <a:xfrm>
+              <a:off x="1787236" y="4756068"/>
+              <a:ext cx="2327564" cy="446852"/>
+            </a:xfrm>
+            <a:custGeom>
+              <a:avLst/>
+              <a:gdLst>
+                <a:gd name="connsiteX0" fmla="*/ 0 w 2327564"/>
+                <a:gd name="connsiteY0" fmla="*/ 0 h 446852"/>
+                <a:gd name="connsiteX1" fmla="*/ 11876 w 2327564"/>
+                <a:gd name="connsiteY1" fmla="*/ 95002 h 446852"/>
+                <a:gd name="connsiteX2" fmla="*/ 17813 w 2327564"/>
+                <a:gd name="connsiteY2" fmla="*/ 112815 h 446852"/>
+                <a:gd name="connsiteX3" fmla="*/ 35626 w 2327564"/>
+                <a:gd name="connsiteY3" fmla="*/ 142503 h 446852"/>
+                <a:gd name="connsiteX4" fmla="*/ 41564 w 2327564"/>
+                <a:gd name="connsiteY4" fmla="*/ 160316 h 446852"/>
+                <a:gd name="connsiteX5" fmla="*/ 53439 w 2327564"/>
+                <a:gd name="connsiteY5" fmla="*/ 172192 h 446852"/>
+                <a:gd name="connsiteX6" fmla="*/ 65315 w 2327564"/>
+                <a:gd name="connsiteY6" fmla="*/ 195942 h 446852"/>
+                <a:gd name="connsiteX7" fmla="*/ 118754 w 2327564"/>
+                <a:gd name="connsiteY7" fmla="*/ 261257 h 446852"/>
+                <a:gd name="connsiteX8" fmla="*/ 219694 w 2327564"/>
+                <a:gd name="connsiteY8" fmla="*/ 326571 h 446852"/>
+                <a:gd name="connsiteX9" fmla="*/ 391886 w 2327564"/>
+                <a:gd name="connsiteY9" fmla="*/ 380010 h 446852"/>
+                <a:gd name="connsiteX10" fmla="*/ 415637 w 2327564"/>
+                <a:gd name="connsiteY10" fmla="*/ 385948 h 446852"/>
+                <a:gd name="connsiteX11" fmla="*/ 486889 w 2327564"/>
+                <a:gd name="connsiteY11" fmla="*/ 397823 h 446852"/>
+                <a:gd name="connsiteX12" fmla="*/ 587829 w 2327564"/>
+                <a:gd name="connsiteY12" fmla="*/ 409698 h 446852"/>
+                <a:gd name="connsiteX13" fmla="*/ 831273 w 2327564"/>
+                <a:gd name="connsiteY13" fmla="*/ 421574 h 446852"/>
+                <a:gd name="connsiteX14" fmla="*/ 932213 w 2327564"/>
+                <a:gd name="connsiteY14" fmla="*/ 427511 h 446852"/>
+                <a:gd name="connsiteX15" fmla="*/ 1383476 w 2327564"/>
+                <a:gd name="connsiteY15" fmla="*/ 433449 h 446852"/>
+                <a:gd name="connsiteX16" fmla="*/ 1436915 w 2327564"/>
+                <a:gd name="connsiteY16" fmla="*/ 421574 h 446852"/>
+                <a:gd name="connsiteX17" fmla="*/ 1502229 w 2327564"/>
+                <a:gd name="connsiteY17" fmla="*/ 409698 h 446852"/>
+                <a:gd name="connsiteX18" fmla="*/ 1644733 w 2327564"/>
+                <a:gd name="connsiteY18" fmla="*/ 362197 h 446852"/>
+                <a:gd name="connsiteX19" fmla="*/ 1692234 w 2327564"/>
+                <a:gd name="connsiteY19" fmla="*/ 350322 h 446852"/>
+                <a:gd name="connsiteX20" fmla="*/ 1769424 w 2327564"/>
+                <a:gd name="connsiteY20" fmla="*/ 320633 h 446852"/>
+                <a:gd name="connsiteX21" fmla="*/ 1900052 w 2327564"/>
+                <a:gd name="connsiteY21" fmla="*/ 290945 h 446852"/>
+                <a:gd name="connsiteX22" fmla="*/ 1947554 w 2327564"/>
+                <a:gd name="connsiteY22" fmla="*/ 285007 h 446852"/>
+                <a:gd name="connsiteX23" fmla="*/ 2072245 w 2327564"/>
+                <a:gd name="connsiteY23" fmla="*/ 231568 h 446852"/>
+                <a:gd name="connsiteX24" fmla="*/ 2125683 w 2327564"/>
+                <a:gd name="connsiteY24" fmla="*/ 207818 h 446852"/>
+                <a:gd name="connsiteX25" fmla="*/ 2208811 w 2327564"/>
+                <a:gd name="connsiteY25" fmla="*/ 154379 h 446852"/>
+                <a:gd name="connsiteX26" fmla="*/ 2238499 w 2327564"/>
+                <a:gd name="connsiteY26" fmla="*/ 118753 h 446852"/>
+                <a:gd name="connsiteX27" fmla="*/ 2250374 w 2327564"/>
+                <a:gd name="connsiteY27" fmla="*/ 106877 h 446852"/>
+                <a:gd name="connsiteX28" fmla="*/ 2262250 w 2327564"/>
+                <a:gd name="connsiteY28" fmla="*/ 89064 h 446852"/>
+                <a:gd name="connsiteX29" fmla="*/ 2280063 w 2327564"/>
+                <a:gd name="connsiteY29" fmla="*/ 77189 h 446852"/>
+                <a:gd name="connsiteX30" fmla="*/ 2297876 w 2327564"/>
+                <a:gd name="connsiteY30" fmla="*/ 59376 h 446852"/>
+                <a:gd name="connsiteX31" fmla="*/ 2315689 w 2327564"/>
+                <a:gd name="connsiteY31" fmla="*/ 29688 h 446852"/>
+                <a:gd name="connsiteX32" fmla="*/ 2327564 w 2327564"/>
+                <a:gd name="connsiteY32" fmla="*/ 5937 h 446852"/>
+              </a:gdLst>
+              <a:ahLst/>
+              <a:cxnLst>
+                <a:cxn ang="0">
+                  <a:pos x="connsiteX0" y="connsiteY0"/>
+                </a:cxn>
+                <a:cxn ang="0">
+                  <a:pos x="connsiteX1" y="connsiteY1"/>
+                </a:cxn>
+                <a:cxn ang="0">
+                  <a:pos x="connsiteX2" y="connsiteY2"/>
+                </a:cxn>
+                <a:cxn ang="0">
+                  <a:pos x="connsiteX3" y="connsiteY3"/>
+                </a:cxn>
+                <a:cxn ang="0">
+                  <a:pos x="connsiteX4" y="connsiteY4"/>
+                </a:cxn>
+                <a:cxn ang="0">
+                  <a:pos x="connsiteX5" y="connsiteY5"/>
+                </a:cxn>
+                <a:cxn ang="0">
+                  <a:pos x="connsiteX6" y="connsiteY6"/>
+                </a:cxn>
+                <a:cxn ang="0">
+                  <a:pos x="connsiteX7" y="connsiteY7"/>
+                </a:cxn>
+                <a:cxn ang="0">
+                  <a:pos x="connsiteX8" y="connsiteY8"/>
+                </a:cxn>
+                <a:cxn ang="0">
+                  <a:pos x="connsiteX9" y="connsiteY9"/>
+                </a:cxn>
+                <a:cxn ang="0">
+                  <a:pos x="connsiteX10" y="connsiteY10"/>
+                </a:cxn>
+                <a:cxn ang="0">
+                  <a:pos x="connsiteX11" y="connsiteY11"/>
+                </a:cxn>
+                <a:cxn ang="0">
+                  <a:pos x="connsiteX12" y="connsiteY12"/>
+                </a:cxn>
+                <a:cxn ang="0">
+                  <a:pos x="connsiteX13" y="connsiteY13"/>
+                </a:cxn>
+                <a:cxn ang="0">
+                  <a:pos x="connsiteX14" y="connsiteY14"/>
+                </a:cxn>
+                <a:cxn ang="0">
+                  <a:pos x="connsiteX15" y="connsiteY15"/>
+                </a:cxn>
+                <a:cxn ang="0">
+                  <a:pos x="connsiteX16" y="connsiteY16"/>
+                </a:cxn>
+                <a:cxn ang="0">
+                  <a:pos x="connsiteX17" y="connsiteY17"/>
+                </a:cxn>
+                <a:cxn ang="0">
+                  <a:pos x="connsiteX18" y="connsiteY18"/>
+                </a:cxn>
+                <a:cxn ang="0">
+                  <a:pos x="connsiteX19" y="connsiteY19"/>
+                </a:cxn>
+                <a:cxn ang="0">
+                  <a:pos x="connsiteX20" y="connsiteY20"/>
+                </a:cxn>
+                <a:cxn ang="0">
+                  <a:pos x="connsiteX21" y="connsiteY21"/>
+                </a:cxn>
+                <a:cxn ang="0">
+                  <a:pos x="connsiteX22" y="connsiteY22"/>
+                </a:cxn>
+                <a:cxn ang="0">
+                  <a:pos x="connsiteX23" y="connsiteY23"/>
+                </a:cxn>
+                <a:cxn ang="0">
+                  <a:pos x="connsiteX24" y="connsiteY24"/>
+                </a:cxn>
+                <a:cxn ang="0">
+                  <a:pos x="connsiteX25" y="connsiteY25"/>
+                </a:cxn>
+                <a:cxn ang="0">
+                  <a:pos x="connsiteX26" y="connsiteY26"/>
+                </a:cxn>
+                <a:cxn ang="0">
+                  <a:pos x="connsiteX27" y="connsiteY27"/>
+                </a:cxn>
+                <a:cxn ang="0">
+                  <a:pos x="connsiteX28" y="connsiteY28"/>
+                </a:cxn>
+                <a:cxn ang="0">
+                  <a:pos x="connsiteX29" y="connsiteY29"/>
+                </a:cxn>
+                <a:cxn ang="0">
+                  <a:pos x="connsiteX30" y="connsiteY30"/>
+                </a:cxn>
+                <a:cxn ang="0">
+                  <a:pos x="connsiteX31" y="connsiteY31"/>
+                </a:cxn>
+                <a:cxn ang="0">
+                  <a:pos x="connsiteX32" y="connsiteY32"/>
+                </a:cxn>
+              </a:cxnLst>
+              <a:rect l="l" t="t" r="r" b="b"/>
+              <a:pathLst>
+                <a:path w="2327564" h="446852">
+                  <a:moveTo>
+                    <a:pt x="0" y="0"/>
+                  </a:moveTo>
+                  <a:cubicBezTo>
+                    <a:pt x="3959" y="31667"/>
+                    <a:pt x="6899" y="63479"/>
+                    <a:pt x="11876" y="95002"/>
+                  </a:cubicBezTo>
+                  <a:cubicBezTo>
+                    <a:pt x="12852" y="101184"/>
+                    <a:pt x="15014" y="107217"/>
+                    <a:pt x="17813" y="112815"/>
+                  </a:cubicBezTo>
+                  <a:cubicBezTo>
+                    <a:pt x="22974" y="123137"/>
+                    <a:pt x="30465" y="132181"/>
+                    <a:pt x="35626" y="142503"/>
+                  </a:cubicBezTo>
+                  <a:cubicBezTo>
+                    <a:pt x="38425" y="148101"/>
+                    <a:pt x="38344" y="154949"/>
+                    <a:pt x="41564" y="160316"/>
+                  </a:cubicBezTo>
+                  <a:cubicBezTo>
+                    <a:pt x="44444" y="165116"/>
+                    <a:pt x="50334" y="167534"/>
+                    <a:pt x="53439" y="172192"/>
+                  </a:cubicBezTo>
+                  <a:cubicBezTo>
+                    <a:pt x="58349" y="179557"/>
+                    <a:pt x="60405" y="188577"/>
+                    <a:pt x="65315" y="195942"/>
+                  </a:cubicBezTo>
+                  <a:cubicBezTo>
+                    <a:pt x="74878" y="210286"/>
+                    <a:pt x="100141" y="246366"/>
+                    <a:pt x="118754" y="261257"/>
+                  </a:cubicBezTo>
+                  <a:cubicBezTo>
+                    <a:pt x="136835" y="275722"/>
+                    <a:pt x="203015" y="321011"/>
+                    <a:pt x="219694" y="326571"/>
+                  </a:cubicBezTo>
+                  <a:cubicBezTo>
+                    <a:pt x="449958" y="403325"/>
+                    <a:pt x="297341" y="358999"/>
+                    <a:pt x="391886" y="380010"/>
+                  </a:cubicBezTo>
+                  <a:cubicBezTo>
+                    <a:pt x="399852" y="381780"/>
+                    <a:pt x="407616" y="384444"/>
+                    <a:pt x="415637" y="385948"/>
+                  </a:cubicBezTo>
+                  <a:cubicBezTo>
+                    <a:pt x="439303" y="390385"/>
+                    <a:pt x="463105" y="394068"/>
+                    <a:pt x="486889" y="397823"/>
+                  </a:cubicBezTo>
+                  <a:cubicBezTo>
+                    <a:pt x="517422" y="402644"/>
+                    <a:pt x="558190" y="407955"/>
+                    <a:pt x="587829" y="409698"/>
+                  </a:cubicBezTo>
+                  <a:cubicBezTo>
+                    <a:pt x="668933" y="414469"/>
+                    <a:pt x="750137" y="417377"/>
+                    <a:pt x="831273" y="421574"/>
+                  </a:cubicBezTo>
+                  <a:lnTo>
+                    <a:pt x="932213" y="427511"/>
+                  </a:lnTo>
+                  <a:cubicBezTo>
+                    <a:pt x="1121641" y="456655"/>
+                    <a:pt x="1036154" y="447921"/>
+                    <a:pt x="1383476" y="433449"/>
+                  </a:cubicBezTo>
+                  <a:cubicBezTo>
+                    <a:pt x="1401708" y="432689"/>
+                    <a:pt x="1419022" y="425153"/>
+                    <a:pt x="1436915" y="421574"/>
+                  </a:cubicBezTo>
+                  <a:cubicBezTo>
+                    <a:pt x="1458614" y="417234"/>
+                    <a:pt x="1480458" y="413657"/>
+                    <a:pt x="1502229" y="409698"/>
+                  </a:cubicBezTo>
+                  <a:cubicBezTo>
+                    <a:pt x="1563775" y="383321"/>
+                    <a:pt x="1557845" y="383919"/>
+                    <a:pt x="1644733" y="362197"/>
+                  </a:cubicBezTo>
+                  <a:cubicBezTo>
+                    <a:pt x="1660567" y="358239"/>
+                    <a:pt x="1676751" y="355483"/>
+                    <a:pt x="1692234" y="350322"/>
+                  </a:cubicBezTo>
+                  <a:cubicBezTo>
+                    <a:pt x="1718387" y="341604"/>
+                    <a:pt x="1742680" y="327319"/>
+                    <a:pt x="1769424" y="320633"/>
+                  </a:cubicBezTo>
+                  <a:cubicBezTo>
+                    <a:pt x="1817240" y="308679"/>
+                    <a:pt x="1848153" y="300381"/>
+                    <a:pt x="1900052" y="290945"/>
+                  </a:cubicBezTo>
+                  <a:cubicBezTo>
+                    <a:pt x="1915752" y="288090"/>
+                    <a:pt x="1931720" y="286986"/>
+                    <a:pt x="1947554" y="285007"/>
+                  </a:cubicBezTo>
+                  <a:cubicBezTo>
+                    <a:pt x="2126292" y="213512"/>
+                    <a:pt x="1975903" y="276527"/>
+                    <a:pt x="2072245" y="231568"/>
+                  </a:cubicBezTo>
+                  <a:cubicBezTo>
+                    <a:pt x="2089909" y="223325"/>
+                    <a:pt x="2108434" y="216897"/>
+                    <a:pt x="2125683" y="207818"/>
+                  </a:cubicBezTo>
+                  <a:cubicBezTo>
+                    <a:pt x="2150527" y="194742"/>
+                    <a:pt x="2185039" y="174189"/>
+                    <a:pt x="2208811" y="154379"/>
+                  </a:cubicBezTo>
+                  <a:cubicBezTo>
+                    <a:pt x="2223455" y="142175"/>
+                    <a:pt x="2224801" y="135191"/>
+                    <a:pt x="2238499" y="118753"/>
+                  </a:cubicBezTo>
+                  <a:cubicBezTo>
+                    <a:pt x="2242083" y="114452"/>
+                    <a:pt x="2246877" y="111248"/>
+                    <a:pt x="2250374" y="106877"/>
+                  </a:cubicBezTo>
+                  <a:cubicBezTo>
+                    <a:pt x="2254832" y="101304"/>
+                    <a:pt x="2257204" y="94110"/>
+                    <a:pt x="2262250" y="89064"/>
+                  </a:cubicBezTo>
+                  <a:cubicBezTo>
+                    <a:pt x="2267296" y="84018"/>
+                    <a:pt x="2274581" y="81757"/>
+                    <a:pt x="2280063" y="77189"/>
+                  </a:cubicBezTo>
+                  <a:cubicBezTo>
+                    <a:pt x="2286514" y="71813"/>
+                    <a:pt x="2291938" y="65314"/>
+                    <a:pt x="2297876" y="59376"/>
+                  </a:cubicBezTo>
+                  <a:cubicBezTo>
+                    <a:pt x="2311658" y="18027"/>
+                    <a:pt x="2293954" y="62290"/>
+                    <a:pt x="2315689" y="29688"/>
+                  </a:cubicBezTo>
+                  <a:cubicBezTo>
+                    <a:pt x="2320599" y="22323"/>
+                    <a:pt x="2327564" y="5937"/>
+                    <a:pt x="2327564" y="5937"/>
+                  </a:cubicBezTo>
+                </a:path>
+              </a:pathLst>
+            </a:custGeom>
+            <a:noFill/>
+          </p:spPr>
+          <p:style>
+            <a:lnRef idx="2">
+              <a:schemeClr val="accent1">
+                <a:shade val="50000"/>
+              </a:schemeClr>
+            </a:lnRef>
+            <a:fillRef idx="1">
+              <a:schemeClr val="accent1"/>
+            </a:fillRef>
+            <a:effectRef idx="0">
+              <a:schemeClr val="accent1"/>
+            </a:effectRef>
+            <a:fontRef idx="minor">
+              <a:schemeClr val="lt1"/>
+            </a:fontRef>
+          </p:style>
+          <p:txBody>
+            <a:bodyPr rtlCol="0" anchor="ctr"/>
+            <a:lstStyle/>
+            <a:p>
+              <a:pPr algn="ctr"/>
+              <a:endParaRPr lang="fr-FR" dirty="0"/>
+            </a:p>
+          </p:txBody>
+        </p:sp>
+        <p:sp>
+          <p:nvSpPr>
+            <p:cNvPr id="13" name="Forme libre : forme 12">
+              <a:extLst>
+                <a:ext uri="{FF2B5EF4-FFF2-40B4-BE49-F238E27FC236}">
+                  <a16:creationId xmlns:a16="http://schemas.microsoft.com/office/drawing/2014/main" id="{FA9FF1DE-4FE5-308E-0EDD-263FFC181F4A}"/>
+                </a:ext>
+              </a:extLst>
+            </p:cNvPr>
+            <p:cNvSpPr/>
+            <p:nvPr/>
+          </p:nvSpPr>
+          <p:spPr>
+            <a:xfrm>
+              <a:off x="3657600" y="5041075"/>
+              <a:ext cx="255319" cy="955964"/>
+            </a:xfrm>
+            <a:custGeom>
+              <a:avLst/>
+              <a:gdLst>
+                <a:gd name="connsiteX0" fmla="*/ 136566 w 255319"/>
+                <a:gd name="connsiteY0" fmla="*/ 0 h 955964"/>
+                <a:gd name="connsiteX1" fmla="*/ 178130 w 255319"/>
+                <a:gd name="connsiteY1" fmla="*/ 65315 h 955964"/>
+                <a:gd name="connsiteX2" fmla="*/ 190005 w 255319"/>
+                <a:gd name="connsiteY2" fmla="*/ 83128 h 955964"/>
+                <a:gd name="connsiteX3" fmla="*/ 225631 w 255319"/>
+                <a:gd name="connsiteY3" fmla="*/ 154380 h 955964"/>
+                <a:gd name="connsiteX4" fmla="*/ 237506 w 255319"/>
+                <a:gd name="connsiteY4" fmla="*/ 178130 h 955964"/>
+                <a:gd name="connsiteX5" fmla="*/ 255319 w 255319"/>
+                <a:gd name="connsiteY5" fmla="*/ 249382 h 955964"/>
+                <a:gd name="connsiteX6" fmla="*/ 243444 w 255319"/>
+                <a:gd name="connsiteY6" fmla="*/ 480951 h 955964"/>
+                <a:gd name="connsiteX7" fmla="*/ 243444 w 255319"/>
+                <a:gd name="connsiteY7" fmla="*/ 552203 h 955964"/>
+                <a:gd name="connsiteX8" fmla="*/ 195943 w 255319"/>
+                <a:gd name="connsiteY8" fmla="*/ 653143 h 955964"/>
+                <a:gd name="connsiteX9" fmla="*/ 178130 w 255319"/>
+                <a:gd name="connsiteY9" fmla="*/ 688769 h 955964"/>
+                <a:gd name="connsiteX10" fmla="*/ 166255 w 255319"/>
+                <a:gd name="connsiteY10" fmla="*/ 706582 h 955964"/>
+                <a:gd name="connsiteX11" fmla="*/ 154379 w 255319"/>
+                <a:gd name="connsiteY11" fmla="*/ 730333 h 955964"/>
+                <a:gd name="connsiteX12" fmla="*/ 130629 w 255319"/>
+                <a:gd name="connsiteY12" fmla="*/ 754083 h 955964"/>
+                <a:gd name="connsiteX13" fmla="*/ 106878 w 255319"/>
+                <a:gd name="connsiteY13" fmla="*/ 801585 h 955964"/>
+                <a:gd name="connsiteX14" fmla="*/ 95003 w 255319"/>
+                <a:gd name="connsiteY14" fmla="*/ 825335 h 955964"/>
+                <a:gd name="connsiteX15" fmla="*/ 71252 w 255319"/>
+                <a:gd name="connsiteY15" fmla="*/ 849086 h 955964"/>
+                <a:gd name="connsiteX16" fmla="*/ 35626 w 255319"/>
+                <a:gd name="connsiteY16" fmla="*/ 902525 h 955964"/>
+                <a:gd name="connsiteX17" fmla="*/ 29688 w 255319"/>
+                <a:gd name="connsiteY17" fmla="*/ 920338 h 955964"/>
+                <a:gd name="connsiteX18" fmla="*/ 0 w 255319"/>
+                <a:gd name="connsiteY18" fmla="*/ 955964 h 955964"/>
+              </a:gdLst>
+              <a:ahLst/>
+              <a:cxnLst>
+                <a:cxn ang="0">
+                  <a:pos x="connsiteX0" y="connsiteY0"/>
+                </a:cxn>
+                <a:cxn ang="0">
+                  <a:pos x="connsiteX1" y="connsiteY1"/>
+                </a:cxn>
+                <a:cxn ang="0">
+                  <a:pos x="connsiteX2" y="connsiteY2"/>
+                </a:cxn>
+                <a:cxn ang="0">
+                  <a:pos x="connsiteX3" y="connsiteY3"/>
+                </a:cxn>
+                <a:cxn ang="0">
+                  <a:pos x="connsiteX4" y="connsiteY4"/>
+                </a:cxn>
+                <a:cxn ang="0">
+                  <a:pos x="connsiteX5" y="connsiteY5"/>
+                </a:cxn>
+                <a:cxn ang="0">
+                  <a:pos x="connsiteX6" y="connsiteY6"/>
+                </a:cxn>
+                <a:cxn ang="0">
+                  <a:pos x="connsiteX7" y="connsiteY7"/>
+                </a:cxn>
+                <a:cxn ang="0">
+                  <a:pos x="connsiteX8" y="connsiteY8"/>
+                </a:cxn>
+                <a:cxn ang="0">
+                  <a:pos x="connsiteX9" y="connsiteY9"/>
+                </a:cxn>
+                <a:cxn ang="0">
+                  <a:pos x="connsiteX10" y="connsiteY10"/>
+                </a:cxn>
+                <a:cxn ang="0">
+                  <a:pos x="connsiteX11" y="connsiteY11"/>
+                </a:cxn>
+                <a:cxn ang="0">
+                  <a:pos x="connsiteX12" y="connsiteY12"/>
+                </a:cxn>
+                <a:cxn ang="0">
+                  <a:pos x="connsiteX13" y="connsiteY13"/>
+                </a:cxn>
+                <a:cxn ang="0">
+                  <a:pos x="connsiteX14" y="connsiteY14"/>
+                </a:cxn>
+                <a:cxn ang="0">
+                  <a:pos x="connsiteX15" y="connsiteY15"/>
+                </a:cxn>
+                <a:cxn ang="0">
+                  <a:pos x="connsiteX16" y="connsiteY16"/>
+                </a:cxn>
+                <a:cxn ang="0">
+                  <a:pos x="connsiteX17" y="connsiteY17"/>
+                </a:cxn>
+                <a:cxn ang="0">
+                  <a:pos x="connsiteX18" y="connsiteY18"/>
+                </a:cxn>
+              </a:cxnLst>
+              <a:rect l="l" t="t" r="r" b="b"/>
+              <a:pathLst>
+                <a:path w="255319" h="955964">
+                  <a:moveTo>
+                    <a:pt x="136566" y="0"/>
+                  </a:moveTo>
+                  <a:cubicBezTo>
+                    <a:pt x="186041" y="49475"/>
+                    <a:pt x="152049" y="6631"/>
+                    <a:pt x="178130" y="65315"/>
+                  </a:cubicBezTo>
+                  <a:cubicBezTo>
+                    <a:pt x="181028" y="71836"/>
+                    <a:pt x="186647" y="76831"/>
+                    <a:pt x="190005" y="83128"/>
+                  </a:cubicBezTo>
+                  <a:cubicBezTo>
+                    <a:pt x="202501" y="106558"/>
+                    <a:pt x="213756" y="130629"/>
+                    <a:pt x="225631" y="154380"/>
+                  </a:cubicBezTo>
+                  <a:cubicBezTo>
+                    <a:pt x="229589" y="162297"/>
+                    <a:pt x="235074" y="169619"/>
+                    <a:pt x="237506" y="178130"/>
+                  </a:cubicBezTo>
+                  <a:cubicBezTo>
+                    <a:pt x="252155" y="229398"/>
+                    <a:pt x="246556" y="205565"/>
+                    <a:pt x="255319" y="249382"/>
+                  </a:cubicBezTo>
+                  <a:cubicBezTo>
+                    <a:pt x="251361" y="326572"/>
+                    <a:pt x="248702" y="403839"/>
+                    <a:pt x="243444" y="480951"/>
+                  </a:cubicBezTo>
+                  <a:cubicBezTo>
+                    <a:pt x="238635" y="551480"/>
+                    <a:pt x="230706" y="463043"/>
+                    <a:pt x="243444" y="552203"/>
+                  </a:cubicBezTo>
+                  <a:cubicBezTo>
+                    <a:pt x="216914" y="614106"/>
+                    <a:pt x="232372" y="580285"/>
+                    <a:pt x="195943" y="653143"/>
+                  </a:cubicBezTo>
+                  <a:cubicBezTo>
+                    <a:pt x="190005" y="665018"/>
+                    <a:pt x="185495" y="677722"/>
+                    <a:pt x="178130" y="688769"/>
+                  </a:cubicBezTo>
+                  <a:cubicBezTo>
+                    <a:pt x="174172" y="694707"/>
+                    <a:pt x="169796" y="700386"/>
+                    <a:pt x="166255" y="706582"/>
+                  </a:cubicBezTo>
+                  <a:cubicBezTo>
+                    <a:pt x="161863" y="714267"/>
+                    <a:pt x="159690" y="723252"/>
+                    <a:pt x="154379" y="730333"/>
+                  </a:cubicBezTo>
+                  <a:cubicBezTo>
+                    <a:pt x="147661" y="739290"/>
+                    <a:pt x="138546" y="746166"/>
+                    <a:pt x="130629" y="754083"/>
+                  </a:cubicBezTo>
+                  <a:cubicBezTo>
+                    <a:pt x="119774" y="786647"/>
+                    <a:pt x="130248" y="759518"/>
+                    <a:pt x="106878" y="801585"/>
+                  </a:cubicBezTo>
+                  <a:cubicBezTo>
+                    <a:pt x="102580" y="809322"/>
+                    <a:pt x="100314" y="818254"/>
+                    <a:pt x="95003" y="825335"/>
+                  </a:cubicBezTo>
+                  <a:cubicBezTo>
+                    <a:pt x="88285" y="834292"/>
+                    <a:pt x="79169" y="841169"/>
+                    <a:pt x="71252" y="849086"/>
+                  </a:cubicBezTo>
+                  <a:cubicBezTo>
+                    <a:pt x="35822" y="919949"/>
+                    <a:pt x="90517" y="814701"/>
+                    <a:pt x="35626" y="902525"/>
+                  </a:cubicBezTo>
+                  <a:cubicBezTo>
+                    <a:pt x="32309" y="907832"/>
+                    <a:pt x="32793" y="914904"/>
+                    <a:pt x="29688" y="920338"/>
+                  </a:cubicBezTo>
+                  <a:cubicBezTo>
+                    <a:pt x="20278" y="936806"/>
+                    <a:pt x="12220" y="943744"/>
+                    <a:pt x="0" y="955964"/>
+                  </a:cubicBezTo>
+                </a:path>
+              </a:pathLst>
+            </a:custGeom>
+            <a:noFill/>
+          </p:spPr>
+          <p:style>
+            <a:lnRef idx="2">
+              <a:schemeClr val="accent1">
+                <a:shade val="50000"/>
+              </a:schemeClr>
+            </a:lnRef>
+            <a:fillRef idx="1">
+              <a:schemeClr val="accent1"/>
+            </a:fillRef>
+            <a:effectRef idx="0">
+              <a:schemeClr val="accent1"/>
+            </a:effectRef>
+            <a:fontRef idx="minor">
+              <a:schemeClr val="lt1"/>
+            </a:fontRef>
+          </p:style>
+          <p:txBody>
+            <a:bodyPr rtlCol="0" anchor="ctr"/>
+            <a:lstStyle/>
+            <a:p>
+              <a:pPr algn="ctr"/>
+              <a:endParaRPr lang="fr-FR"/>
+            </a:p>
+          </p:txBody>
+        </p:sp>
+        <p:sp>
+          <p:nvSpPr>
+            <p:cNvPr id="14" name="ZoneTexte 13">
+              <a:extLst>
+                <a:ext uri="{FF2B5EF4-FFF2-40B4-BE49-F238E27FC236}">
+                  <a16:creationId xmlns:a16="http://schemas.microsoft.com/office/drawing/2014/main" id="{5BC6BA37-D4BC-FDA3-077F-C30AF2F85E76}"/>
+                </a:ext>
+              </a:extLst>
+            </p:cNvPr>
+            <p:cNvSpPr txBox="1"/>
+            <p:nvPr/>
+          </p:nvSpPr>
+          <p:spPr>
+            <a:xfrm>
+              <a:off x="2352995" y="5241747"/>
+              <a:ext cx="2113808" cy="276999"/>
+            </a:xfrm>
+            <a:prstGeom prst="rect">
+              <a:avLst/>
+            </a:prstGeom>
+            <a:noFill/>
+          </p:spPr>
+          <p:txBody>
+            <a:bodyPr wrap="square" rtlCol="0">
+              <a:spAutoFit/>
+            </a:bodyPr>
+            <a:lstStyle/>
+            <a:p>
+              <a:r>
+                <a:rPr lang="fr-FR" sz="1200" dirty="0">
+                  <a:solidFill>
+                    <a:srgbClr val="751515"/>
+                  </a:solidFill>
+                </a:rPr>
+                <a:t>Site internet</a:t>
+              </a:r>
+            </a:p>
+          </p:txBody>
+        </p:sp>
+        <p:sp>
+          <p:nvSpPr>
+            <p:cNvPr id="16" name="ZoneTexte 15">
+              <a:extLst>
+                <a:ext uri="{FF2B5EF4-FFF2-40B4-BE49-F238E27FC236}">
+                  <a16:creationId xmlns:a16="http://schemas.microsoft.com/office/drawing/2014/main" id="{B30C8A59-DB3D-8126-CD45-A808EFD7B80E}"/>
+                </a:ext>
+              </a:extLst>
+            </p:cNvPr>
+            <p:cNvSpPr txBox="1"/>
+            <p:nvPr/>
+          </p:nvSpPr>
+          <p:spPr>
+            <a:xfrm>
+              <a:off x="2448688" y="6088778"/>
+              <a:ext cx="2464130" cy="276999"/>
+            </a:xfrm>
+            <a:prstGeom prst="rect">
+              <a:avLst/>
+            </a:prstGeom>
+            <a:noFill/>
+          </p:spPr>
+          <p:txBody>
+            <a:bodyPr wrap="square" rtlCol="0">
+              <a:spAutoFit/>
+            </a:bodyPr>
+            <a:lstStyle/>
+            <a:p>
+              <a:r>
+                <a:rPr lang="fr-FR" sz="1200" dirty="0">
+                  <a:solidFill>
+                    <a:srgbClr val="751515"/>
+                  </a:solidFill>
+                </a:rPr>
+                <a:t>Découvrir</a:t>
+              </a:r>
+            </a:p>
+          </p:txBody>
+        </p:sp>
+      </p:grpSp>
+      <p:sp>
+        <p:nvSpPr>
+          <p:cNvPr id="15" name="ZoneTexte 14">
+            <a:extLst>
+              <a:ext uri="{FF2B5EF4-FFF2-40B4-BE49-F238E27FC236}">
+                <a16:creationId xmlns:a16="http://schemas.microsoft.com/office/drawing/2014/main" id="{59B0855F-15E4-91F6-49B0-2C3682EC5764}"/>
+              </a:ext>
+            </a:extLst>
+          </p:cNvPr>
+          <p:cNvSpPr txBox="1"/>
+          <p:nvPr/>
+        </p:nvSpPr>
+        <p:spPr>
+          <a:xfrm>
+            <a:off x="6688777" y="4166306"/>
+            <a:ext cx="2048494" cy="276999"/>
+          </a:xfrm>
+          <a:prstGeom prst="rect">
+            <a:avLst/>
+          </a:prstGeom>
+          <a:noFill/>
+        </p:spPr>
+        <p:txBody>
+          <a:bodyPr wrap="square" rtlCol="0">
+            <a:spAutoFit/>
+          </a:bodyPr>
+          <a:lstStyle/>
+          <a:p>
+            <a:r>
+              <a:rPr lang="fr-FR" sz="1200" dirty="0">
+                <a:solidFill>
+                  <a:srgbClr val="751515"/>
+                </a:solidFill>
+              </a:rPr>
+              <a:t>Tableaux</a:t>
+            </a:r>
+          </a:p>
+        </p:txBody>
+      </p:sp>
+    </p:spTree>
+    <p:extLst>
+      <p:ext uri="{BB962C8B-B14F-4D97-AF65-F5344CB8AC3E}">
+        <p14:creationId xmlns:p14="http://schemas.microsoft.com/office/powerpoint/2010/main" val="1828321080"/>
+      </p:ext>
+    </p:extLst>
+  </p:cSld>
+  <p:clrMapOvr>
+    <a:masterClrMapping/>
+  </p:clrMapOvr>
+</p:sld>
+</file>
+
+<file path=ppt/slides/slide9.xml><?xml version="1.0" encoding="utf-8"?>
+<p:sld xmlns:a="http://schemas.openxmlformats.org/drawingml/2006/main" xmlns:r="http://schemas.openxmlformats.org/officeDocument/2006/relationships" xmlns:p="http://schemas.openxmlformats.org/presentationml/2006/main">
+  <p:cSld>
+    <p:spTree>
+      <p:nvGrpSpPr>
+        <p:cNvPr id="1" name=""/>
+        <p:cNvGrpSpPr/>
+        <p:nvPr/>
+      </p:nvGrpSpPr>
+      <p:grpSpPr>
+        <a:xfrm>
+          <a:off x="0" y="0"/>
+          <a:ext cx="0" cy="0"/>
+          <a:chOff x="0" y="0"/>
+          <a:chExt cx="0" cy="0"/>
+        </a:xfrm>
+      </p:grpSpPr>
+      <p:sp>
+        <p:nvSpPr>
+          <p:cNvPr id="6" name="ZoneTexte 5">
+            <a:extLst>
+              <a:ext uri="{FF2B5EF4-FFF2-40B4-BE49-F238E27FC236}">
+                <a16:creationId xmlns:a16="http://schemas.microsoft.com/office/drawing/2014/main" id="{C547E21B-BCB9-D52B-C5AB-7AC538003AD4}"/>
+              </a:ext>
+            </a:extLst>
+          </p:cNvPr>
+          <p:cNvSpPr txBox="1"/>
+          <p:nvPr/>
+        </p:nvSpPr>
+        <p:spPr>
+          <a:xfrm>
+            <a:off x="1050966" y="611579"/>
+            <a:ext cx="9429008" cy="2031325"/>
+          </a:xfrm>
+          <a:prstGeom prst="rect">
+            <a:avLst/>
+          </a:prstGeom>
+          <a:noFill/>
+        </p:spPr>
+        <p:txBody>
+          <a:bodyPr wrap="square" rtlCol="0">
+            <a:spAutoFit/>
+          </a:bodyPr>
+          <a:lstStyle/>
+          <a:p>
+            <a:r>
+              <a:rPr lang="fr-FR" b="1" u="sng" dirty="0">
+                <a:solidFill>
+                  <a:srgbClr val="751515"/>
+                </a:solidFill>
+              </a:rPr>
+              <a:t>Les contraintes:</a:t>
+            </a:r>
+          </a:p>
+          <a:p>
+            <a:pPr lvl="1"/>
+            <a:r>
+              <a:rPr lang="fr-FR" dirty="0"/>
+              <a:t>- Présence d’un </a:t>
+            </a:r>
+            <a:r>
+              <a:rPr lang="fr-FR" dirty="0" err="1"/>
+              <a:t>slider</a:t>
+            </a:r>
+            <a:r>
+              <a:rPr lang="fr-FR" dirty="0"/>
+              <a:t> pour visionner les tableaux.</a:t>
+            </a:r>
+          </a:p>
+          <a:p>
+            <a:pPr lvl="1"/>
+            <a:r>
+              <a:rPr lang="fr-FR" dirty="0"/>
+              <a:t>- Développer une base de données pour les commentaires et les tableaux.</a:t>
+            </a:r>
+          </a:p>
+          <a:p>
+            <a:pPr lvl="1"/>
+            <a:r>
+              <a:rPr lang="fr-FR" dirty="0"/>
+              <a:t>- Utilisation du HTML/CSS, JavaScript, MySQL.</a:t>
+            </a:r>
+          </a:p>
+          <a:p>
+            <a:pPr lvl="1"/>
+            <a:r>
+              <a:rPr lang="fr-FR" dirty="0"/>
+              <a:t>- Assurer la maintenance, l’hébergement du site.</a:t>
+            </a:r>
+          </a:p>
+          <a:p>
+            <a:pPr lvl="1"/>
+            <a:r>
+              <a:rPr lang="fr-FR" dirty="0"/>
+              <a:t>- Petite formation pour l’ajout des tableaux.</a:t>
+            </a:r>
+          </a:p>
+          <a:p>
+            <a:endParaRPr lang="fr-FR" dirty="0"/>
+          </a:p>
+        </p:txBody>
+      </p:sp>
+      <p:sp>
+        <p:nvSpPr>
+          <p:cNvPr id="7" name="ZoneTexte 6">
+            <a:extLst>
+              <a:ext uri="{FF2B5EF4-FFF2-40B4-BE49-F238E27FC236}">
+                <a16:creationId xmlns:a16="http://schemas.microsoft.com/office/drawing/2014/main" id="{57C6970D-45B3-E42A-42FC-07A833CD706F}"/>
+              </a:ext>
+            </a:extLst>
+          </p:cNvPr>
+          <p:cNvSpPr txBox="1"/>
+          <p:nvPr/>
+        </p:nvSpPr>
+        <p:spPr>
+          <a:xfrm>
+            <a:off x="1050966" y="2642904"/>
+            <a:ext cx="9619013" cy="1200329"/>
+          </a:xfrm>
+          <a:prstGeom prst="rect">
+            <a:avLst/>
+          </a:prstGeom>
+          <a:noFill/>
+        </p:spPr>
+        <p:txBody>
+          <a:bodyPr wrap="square" rtlCol="0">
+            <a:spAutoFit/>
+          </a:bodyPr>
+          <a:lstStyle/>
+          <a:p>
+            <a:r>
+              <a:rPr lang="fr-FR" b="1" u="sng" dirty="0">
+                <a:solidFill>
+                  <a:srgbClr val="751515"/>
+                </a:solidFill>
+              </a:rPr>
+              <a:t>Les contraintes légales:</a:t>
+            </a:r>
+          </a:p>
+          <a:p>
+            <a:r>
+              <a:rPr lang="fr-FR" dirty="0"/>
+              <a:t>	- Propriétaires du site Mr Soulier.</a:t>
+            </a:r>
+          </a:p>
+          <a:p>
+            <a:r>
+              <a:rPr lang="fr-FR" dirty="0"/>
+              <a:t>	- Maquettage, intégrations ainsi que le code source appartiennent à Mr Pierrot.</a:t>
+            </a:r>
+          </a:p>
+          <a:p>
+            <a:r>
+              <a:rPr lang="fr-FR" dirty="0"/>
+              <a:t>	</a:t>
+            </a:r>
+          </a:p>
+        </p:txBody>
+      </p:sp>
+      <p:sp>
+        <p:nvSpPr>
+          <p:cNvPr id="8" name="ZoneTexte 7">
+            <a:extLst>
+              <a:ext uri="{FF2B5EF4-FFF2-40B4-BE49-F238E27FC236}">
+                <a16:creationId xmlns:a16="http://schemas.microsoft.com/office/drawing/2014/main" id="{D50139A6-F1AF-17F1-F1DF-8CEF331330BB}"/>
+              </a:ext>
+            </a:extLst>
+          </p:cNvPr>
+          <p:cNvSpPr txBox="1"/>
+          <p:nvPr/>
+        </p:nvSpPr>
+        <p:spPr>
+          <a:xfrm>
+            <a:off x="1050966" y="4138551"/>
+            <a:ext cx="9909959" cy="1477328"/>
+          </a:xfrm>
+          <a:prstGeom prst="rect">
+            <a:avLst/>
+          </a:prstGeom>
+          <a:noFill/>
+        </p:spPr>
+        <p:txBody>
+          <a:bodyPr wrap="square" rtlCol="0">
+            <a:spAutoFit/>
+          </a:bodyPr>
+          <a:lstStyle/>
+          <a:p>
+            <a:r>
+              <a:rPr lang="fr-FR" b="1" u="sng" dirty="0">
+                <a:solidFill>
+                  <a:srgbClr val="751515"/>
+                </a:solidFill>
+              </a:rPr>
+              <a:t>Les coûts et délais:</a:t>
+            </a:r>
+          </a:p>
+          <a:p>
+            <a:r>
+              <a:rPr lang="fr-FR" dirty="0"/>
+              <a:t>	- Sites offert soit un gain de 150 euros/jour/développeur pour 10 jours.</a:t>
+            </a:r>
+          </a:p>
+          <a:p>
+            <a:r>
+              <a:rPr lang="fr-FR" dirty="0"/>
+              <a:t>	  comprenant le cahier des charges, le maquettage, la création d’un logo, la 	  	      	  création du site, la création de la base de données, la mise en ligne.</a:t>
+            </a:r>
+          </a:p>
+          <a:p>
+            <a:r>
+              <a:rPr lang="fr-FR" dirty="0"/>
+              <a:t>	- Livraisons prévu le 03 juillet 2023.</a:t>
+            </a:r>
+          </a:p>
+        </p:txBody>
+      </p:sp>
+    </p:spTree>
+    <p:extLst>
+      <p:ext uri="{BB962C8B-B14F-4D97-AF65-F5344CB8AC3E}">
+        <p14:creationId xmlns:p14="http://schemas.microsoft.com/office/powerpoint/2010/main" val="1279676495"/>
       </p:ext>
     </p:extLst>
   </p:cSld>

--- a/CDC/L_artiste.pptx
+++ b/CDC/L_artiste.pptx
@@ -5,7 +5,7 @@
     <p:sldMasterId id="2147483648" r:id="rId1"/>
   </p:sldMasterIdLst>
   <p:notesMasterIdLst>
-    <p:notesMasterId r:id="rId12"/>
+    <p:notesMasterId r:id="rId18"/>
   </p:notesMasterIdLst>
   <p:sldIdLst>
     <p:sldId id="256" r:id="rId2"/>
@@ -14,10 +14,16 @@
     <p:sldId id="259" r:id="rId5"/>
     <p:sldId id="260" r:id="rId6"/>
     <p:sldId id="261" r:id="rId7"/>
-    <p:sldId id="262" r:id="rId8"/>
-    <p:sldId id="263" r:id="rId9"/>
-    <p:sldId id="264" r:id="rId10"/>
-    <p:sldId id="265" r:id="rId11"/>
+    <p:sldId id="263" r:id="rId8"/>
+    <p:sldId id="262" r:id="rId9"/>
+    <p:sldId id="266" r:id="rId10"/>
+    <p:sldId id="267" r:id="rId11"/>
+    <p:sldId id="269" r:id="rId12"/>
+    <p:sldId id="268" r:id="rId13"/>
+    <p:sldId id="270" r:id="rId14"/>
+    <p:sldId id="272" r:id="rId15"/>
+    <p:sldId id="264" r:id="rId16"/>
+    <p:sldId id="265" r:id="rId17"/>
   </p:sldIdLst>
   <p:sldSz cx="12192000" cy="6858000"/>
   <p:notesSz cx="6858000" cy="9144000"/>
@@ -127,8 +133,14 @@
             <p14:sldId id="259"/>
             <p14:sldId id="260"/>
             <p14:sldId id="261"/>
+            <p14:sldId id="263"/>
             <p14:sldId id="262"/>
-            <p14:sldId id="263"/>
+            <p14:sldId id="266"/>
+            <p14:sldId id="267"/>
+            <p14:sldId id="269"/>
+            <p14:sldId id="268"/>
+            <p14:sldId id="270"/>
+            <p14:sldId id="272"/>
             <p14:sldId id="264"/>
             <p14:sldId id="265"/>
           </p14:sldIdLst>
@@ -227,7 +239,7 @@
           <a:p>
             <a:fld id="{CE3F9B10-F744-47E1-871E-98B3AC9B3E4F}" type="datetimeFigureOut">
               <a:rPr lang="fr-FR" smtClean="0"/>
-              <a:t>02/01/2023</a:t>
+              <a:t>31/01/2023</a:t>
             </a:fld>
             <a:endParaRPr lang="fr-FR"/>
           </a:p>
@@ -639,7 +651,7 @@
             <a:fld id="{B61BEF0D-F0BB-DE4B-95CE-6DB70DBA9567}" type="datetimeFigureOut">
               <a:rPr lang="en-US" dirty="0"/>
               <a:pPr/>
-              <a:t>1/2/2023</a:t>
+              <a:t>1/31/2023</a:t>
             </a:fld>
             <a:endParaRPr lang="en-US" dirty="0"/>
           </a:p>
@@ -1072,7 +1084,7 @@
             <a:fld id="{B61BEF0D-F0BB-DE4B-95CE-6DB70DBA9567}" type="datetimeFigureOut">
               <a:rPr lang="en-US" dirty="0"/>
               <a:pPr/>
-              <a:t>1/2/2023</a:t>
+              <a:t>1/31/2023</a:t>
             </a:fld>
             <a:endParaRPr lang="en-US" dirty="0"/>
           </a:p>
@@ -1319,7 +1331,7 @@
             <a:fld id="{B61BEF0D-F0BB-DE4B-95CE-6DB70DBA9567}" type="datetimeFigureOut">
               <a:rPr lang="en-US" dirty="0"/>
               <a:pPr/>
-              <a:t>1/2/2023</a:t>
+              <a:t>1/31/2023</a:t>
             </a:fld>
             <a:endParaRPr lang="en-US" dirty="0"/>
           </a:p>
@@ -1624,7 +1636,7 @@
             <a:fld id="{B61BEF0D-F0BB-DE4B-95CE-6DB70DBA9567}" type="datetimeFigureOut">
               <a:rPr lang="en-US" dirty="0"/>
               <a:pPr/>
-              <a:t>1/2/2023</a:t>
+              <a:t>1/31/2023</a:t>
             </a:fld>
             <a:endParaRPr lang="en-US" dirty="0"/>
           </a:p>
@@ -1939,7 +1951,7 @@
             <a:fld id="{B61BEF0D-F0BB-DE4B-95CE-6DB70DBA9567}" type="datetimeFigureOut">
               <a:rPr lang="en-US" dirty="0"/>
               <a:pPr/>
-              <a:t>1/2/2023</a:t>
+              <a:t>1/31/2023</a:t>
             </a:fld>
             <a:endParaRPr lang="en-US" dirty="0"/>
           </a:p>
@@ -2238,7 +2250,7 @@
             <a:fld id="{B61BEF0D-F0BB-DE4B-95CE-6DB70DBA9567}" type="datetimeFigureOut">
               <a:rPr lang="en-US" dirty="0"/>
               <a:pPr/>
-              <a:t>1/2/2023</a:t>
+              <a:t>1/31/2023</a:t>
             </a:fld>
             <a:endParaRPr lang="en-US" dirty="0"/>
           </a:p>
@@ -2602,7 +2614,7 @@
             <a:fld id="{B61BEF0D-F0BB-DE4B-95CE-6DB70DBA9567}" type="datetimeFigureOut">
               <a:rPr lang="en-US" dirty="0"/>
               <a:pPr/>
-              <a:t>1/2/2023</a:t>
+              <a:t>1/31/2023</a:t>
             </a:fld>
             <a:endParaRPr lang="en-US" dirty="0"/>
           </a:p>
@@ -2773,7 +2785,7 @@
             <a:fld id="{B61BEF0D-F0BB-DE4B-95CE-6DB70DBA9567}" type="datetimeFigureOut">
               <a:rPr lang="en-US" dirty="0"/>
               <a:pPr/>
-              <a:t>1/2/2023</a:t>
+              <a:t>1/31/2023</a:t>
             </a:fld>
             <a:endParaRPr lang="en-US" dirty="0"/>
           </a:p>
@@ -2950,7 +2962,7 @@
             <a:fld id="{B61BEF0D-F0BB-DE4B-95CE-6DB70DBA9567}" type="datetimeFigureOut">
               <a:rPr lang="en-US" dirty="0"/>
               <a:pPr/>
-              <a:t>1/2/2023</a:t>
+              <a:t>1/31/2023</a:t>
             </a:fld>
             <a:endParaRPr lang="en-US" dirty="0"/>
           </a:p>
@@ -3117,7 +3129,7 @@
             <a:fld id="{B61BEF0D-F0BB-DE4B-95CE-6DB70DBA9567}" type="datetimeFigureOut">
               <a:rPr lang="en-US" dirty="0"/>
               <a:pPr/>
-              <a:t>1/2/2023</a:t>
+              <a:t>1/31/2023</a:t>
             </a:fld>
             <a:endParaRPr lang="en-US" dirty="0"/>
           </a:p>
@@ -3364,7 +3376,7 @@
             <a:fld id="{B61BEF0D-F0BB-DE4B-95CE-6DB70DBA9567}" type="datetimeFigureOut">
               <a:rPr lang="en-US" dirty="0"/>
               <a:pPr/>
-              <a:t>1/2/2023</a:t>
+              <a:t>1/31/2023</a:t>
             </a:fld>
             <a:endParaRPr lang="en-US" dirty="0"/>
           </a:p>
@@ -3597,7 +3609,7 @@
             <a:fld id="{B61BEF0D-F0BB-DE4B-95CE-6DB70DBA9567}" type="datetimeFigureOut">
               <a:rPr lang="en-US" dirty="0"/>
               <a:pPr/>
-              <a:t>1/2/2023</a:t>
+              <a:t>1/31/2023</a:t>
             </a:fld>
             <a:endParaRPr lang="en-US" dirty="0"/>
           </a:p>
@@ -3976,7 +3988,7 @@
             <a:fld id="{B61BEF0D-F0BB-DE4B-95CE-6DB70DBA9567}" type="datetimeFigureOut">
               <a:rPr lang="en-US" dirty="0"/>
               <a:pPr/>
-              <a:t>1/2/2023</a:t>
+              <a:t>1/31/2023</a:t>
             </a:fld>
             <a:endParaRPr lang="en-US" dirty="0"/>
           </a:p>
@@ -4091,7 +4103,7 @@
             <a:fld id="{B61BEF0D-F0BB-DE4B-95CE-6DB70DBA9567}" type="datetimeFigureOut">
               <a:rPr lang="en-US" dirty="0"/>
               <a:pPr/>
-              <a:t>1/2/2023</a:t>
+              <a:t>1/31/2023</a:t>
             </a:fld>
             <a:endParaRPr lang="en-US" dirty="0"/>
           </a:p>
@@ -4183,7 +4195,7 @@
             <a:fld id="{B61BEF0D-F0BB-DE4B-95CE-6DB70DBA9567}" type="datetimeFigureOut">
               <a:rPr lang="en-US" dirty="0"/>
               <a:pPr/>
-              <a:t>1/2/2023</a:t>
+              <a:t>1/31/2023</a:t>
             </a:fld>
             <a:endParaRPr lang="en-US" dirty="0"/>
           </a:p>
@@ -4435,7 +4447,7 @@
             <a:fld id="{B61BEF0D-F0BB-DE4B-95CE-6DB70DBA9567}" type="datetimeFigureOut">
               <a:rPr lang="en-US" dirty="0"/>
               <a:pPr/>
-              <a:t>1/2/2023</a:t>
+              <a:t>1/31/2023</a:t>
             </a:fld>
             <a:endParaRPr lang="en-US" dirty="0"/>
           </a:p>
@@ -4715,7 +4727,7 @@
             <a:fld id="{B61BEF0D-F0BB-DE4B-95CE-6DB70DBA9567}" type="datetimeFigureOut">
               <a:rPr lang="en-US" dirty="0"/>
               <a:pPr/>
-              <a:t>1/2/2023</a:t>
+              <a:t>1/31/2023</a:t>
             </a:fld>
             <a:endParaRPr lang="en-US" dirty="0"/>
           </a:p>
@@ -5118,7 +5130,7 @@
             <a:fld id="{B61BEF0D-F0BB-DE4B-95CE-6DB70DBA9567}" type="datetimeFigureOut">
               <a:rPr lang="en-US" dirty="0"/>
               <a:pPr/>
-              <a:t>1/2/2023</a:t>
+              <a:t>1/31/2023</a:t>
             </a:fld>
             <a:endParaRPr lang="en-US" dirty="0"/>
           </a:p>
@@ -5803,10 +5815,890 @@
   <p:clrMapOvr>
     <a:masterClrMapping/>
   </p:clrMapOvr>
+  <p:timing>
+    <p:tnLst>
+      <p:par>
+        <p:cTn id="1" dur="indefinite" restart="never" nodeType="tmRoot">
+          <p:childTnLst>
+            <p:seq concurrent="1" nextAc="seek">
+              <p:cTn id="2" dur="indefinite" nodeType="mainSeq">
+                <p:childTnLst>
+                  <p:par>
+                    <p:cTn id="3" fill="hold">
+                      <p:stCondLst>
+                        <p:cond delay="indefinite"/>
+                      </p:stCondLst>
+                      <p:childTnLst>
+                        <p:par>
+                          <p:cTn id="4" fill="hold">
+                            <p:stCondLst>
+                              <p:cond delay="0"/>
+                            </p:stCondLst>
+                            <p:childTnLst>
+                              <p:par>
+                                <p:cTn id="5" presetID="2" presetClass="entr" presetSubtype="4" fill="hold" grpId="0" nodeType="clickEffect">
+                                  <p:stCondLst>
+                                    <p:cond delay="0"/>
+                                  </p:stCondLst>
+                                  <p:childTnLst>
+                                    <p:set>
+                                      <p:cBhvr>
+                                        <p:cTn id="6" dur="1" fill="hold">
+                                          <p:stCondLst>
+                                            <p:cond delay="0"/>
+                                          </p:stCondLst>
+                                        </p:cTn>
+                                        <p:tgtEl>
+                                          <p:spTgt spid="2"/>
+                                        </p:tgtEl>
+                                        <p:attrNameLst>
+                                          <p:attrName>style.visibility</p:attrName>
+                                        </p:attrNameLst>
+                                      </p:cBhvr>
+                                      <p:to>
+                                        <p:strVal val="visible"/>
+                                      </p:to>
+                                    </p:set>
+                                    <p:anim calcmode="lin" valueType="num">
+                                      <p:cBhvr additive="base">
+                                        <p:cTn id="7" dur="500" fill="hold"/>
+                                        <p:tgtEl>
+                                          <p:spTgt spid="2"/>
+                                        </p:tgtEl>
+                                        <p:attrNameLst>
+                                          <p:attrName>ppt_x</p:attrName>
+                                        </p:attrNameLst>
+                                      </p:cBhvr>
+                                      <p:tavLst>
+                                        <p:tav tm="0">
+                                          <p:val>
+                                            <p:strVal val="#ppt_x"/>
+                                          </p:val>
+                                        </p:tav>
+                                        <p:tav tm="100000">
+                                          <p:val>
+                                            <p:strVal val="#ppt_x"/>
+                                          </p:val>
+                                        </p:tav>
+                                      </p:tavLst>
+                                    </p:anim>
+                                    <p:anim calcmode="lin" valueType="num">
+                                      <p:cBhvr additive="base">
+                                        <p:cTn id="8" dur="500" fill="hold"/>
+                                        <p:tgtEl>
+                                          <p:spTgt spid="2"/>
+                                        </p:tgtEl>
+                                        <p:attrNameLst>
+                                          <p:attrName>ppt_y</p:attrName>
+                                        </p:attrNameLst>
+                                      </p:cBhvr>
+                                      <p:tavLst>
+                                        <p:tav tm="0">
+                                          <p:val>
+                                            <p:strVal val="1+#ppt_h/2"/>
+                                          </p:val>
+                                        </p:tav>
+                                        <p:tav tm="100000">
+                                          <p:val>
+                                            <p:strVal val="#ppt_y"/>
+                                          </p:val>
+                                        </p:tav>
+                                      </p:tavLst>
+                                    </p:anim>
+                                  </p:childTnLst>
+                                </p:cTn>
+                              </p:par>
+                            </p:childTnLst>
+                          </p:cTn>
+                        </p:par>
+                      </p:childTnLst>
+                    </p:cTn>
+                  </p:par>
+                </p:childTnLst>
+              </p:cTn>
+              <p:prevCondLst>
+                <p:cond evt="onPrev" delay="0">
+                  <p:tgtEl>
+                    <p:sldTgt/>
+                  </p:tgtEl>
+                </p:cond>
+              </p:prevCondLst>
+              <p:nextCondLst>
+                <p:cond evt="onNext" delay="0">
+                  <p:tgtEl>
+                    <p:sldTgt/>
+                  </p:tgtEl>
+                </p:cond>
+              </p:nextCondLst>
+            </p:seq>
+          </p:childTnLst>
+        </p:cTn>
+      </p:par>
+    </p:tnLst>
+    <p:bldLst>
+      <p:bldP spid="2" grpId="0"/>
+    </p:bldLst>
+  </p:timing>
 </p:sld>
 </file>
 
 <file path=ppt/slides/slide10.xml><?xml version="1.0" encoding="utf-8"?>
+<p:sld xmlns:a="http://schemas.openxmlformats.org/drawingml/2006/main" xmlns:r="http://schemas.openxmlformats.org/officeDocument/2006/relationships" xmlns:p="http://schemas.openxmlformats.org/presentationml/2006/main">
+  <p:cSld>
+    <p:spTree>
+      <p:nvGrpSpPr>
+        <p:cNvPr id="1" name=""/>
+        <p:cNvGrpSpPr/>
+        <p:nvPr/>
+      </p:nvGrpSpPr>
+      <p:grpSpPr>
+        <a:xfrm>
+          <a:off x="0" y="0"/>
+          <a:ext cx="0" cy="0"/>
+          <a:chOff x="0" y="0"/>
+          <a:chExt cx="0" cy="0"/>
+        </a:xfrm>
+      </p:grpSpPr>
+      <p:sp>
+        <p:nvSpPr>
+          <p:cNvPr id="4" name="ZoneTexte 3">
+            <a:extLst>
+              <a:ext uri="{FF2B5EF4-FFF2-40B4-BE49-F238E27FC236}">
+                <a16:creationId xmlns:a16="http://schemas.microsoft.com/office/drawing/2014/main" id="{BF487348-3258-C35F-0B1E-CAFCD6147FBB}"/>
+              </a:ext>
+            </a:extLst>
+          </p:cNvPr>
+          <p:cNvSpPr txBox="1"/>
+          <p:nvPr/>
+        </p:nvSpPr>
+        <p:spPr>
+          <a:xfrm>
+            <a:off x="457200" y="138223"/>
+            <a:ext cx="2445488" cy="400110"/>
+          </a:xfrm>
+          <a:prstGeom prst="rect">
+            <a:avLst/>
+          </a:prstGeom>
+          <a:noFill/>
+        </p:spPr>
+        <p:txBody>
+          <a:bodyPr wrap="square" rtlCol="0">
+            <a:spAutoFit/>
+          </a:bodyPr>
+          <a:lstStyle/>
+          <a:p>
+            <a:r>
+              <a:rPr lang="fr-FR" sz="2000" b="1" u="sng" dirty="0">
+                <a:solidFill>
+                  <a:srgbClr val="8F1919"/>
+                </a:solidFill>
+              </a:rPr>
+              <a:t>Wireframe:</a:t>
+            </a:r>
+          </a:p>
+        </p:txBody>
+      </p:sp>
+      <p:pic>
+        <p:nvPicPr>
+          <p:cNvPr id="6" name="Image 5">
+            <a:extLst>
+              <a:ext uri="{FF2B5EF4-FFF2-40B4-BE49-F238E27FC236}">
+                <a16:creationId xmlns:a16="http://schemas.microsoft.com/office/drawing/2014/main" id="{C114E8BF-6FCD-B5D3-AE95-0F2BF9E812C8}"/>
+              </a:ext>
+            </a:extLst>
+          </p:cNvPr>
+          <p:cNvPicPr>
+            <a:picLocks noChangeAspect="1"/>
+          </p:cNvPicPr>
+          <p:nvPr/>
+        </p:nvPicPr>
+        <p:blipFill>
+          <a:blip r:embed="rId2"/>
+          <a:stretch>
+            <a:fillRect/>
+          </a:stretch>
+        </p:blipFill>
+        <p:spPr>
+          <a:xfrm>
+            <a:off x="1127050" y="645062"/>
+            <a:ext cx="9803219" cy="5645434"/>
+          </a:xfrm>
+          <a:prstGeom prst="rect">
+            <a:avLst/>
+          </a:prstGeom>
+        </p:spPr>
+      </p:pic>
+    </p:spTree>
+    <p:extLst>
+      <p:ext uri="{BB962C8B-B14F-4D97-AF65-F5344CB8AC3E}">
+        <p14:creationId xmlns:p14="http://schemas.microsoft.com/office/powerpoint/2010/main" val="859062340"/>
+      </p:ext>
+    </p:extLst>
+  </p:cSld>
+  <p:clrMapOvr>
+    <a:masterClrMapping/>
+  </p:clrMapOvr>
+</p:sld>
+</file>
+
+<file path=ppt/slides/slide11.xml><?xml version="1.0" encoding="utf-8"?>
+<p:sld xmlns:a="http://schemas.openxmlformats.org/drawingml/2006/main" xmlns:r="http://schemas.openxmlformats.org/officeDocument/2006/relationships" xmlns:p="http://schemas.openxmlformats.org/presentationml/2006/main">
+  <p:cSld>
+    <p:spTree>
+      <p:nvGrpSpPr>
+        <p:cNvPr id="1" name=""/>
+        <p:cNvGrpSpPr/>
+        <p:nvPr/>
+      </p:nvGrpSpPr>
+      <p:grpSpPr>
+        <a:xfrm>
+          <a:off x="0" y="0"/>
+          <a:ext cx="0" cy="0"/>
+          <a:chOff x="0" y="0"/>
+          <a:chExt cx="0" cy="0"/>
+        </a:xfrm>
+      </p:grpSpPr>
+      <p:sp>
+        <p:nvSpPr>
+          <p:cNvPr id="4" name="ZoneTexte 3">
+            <a:extLst>
+              <a:ext uri="{FF2B5EF4-FFF2-40B4-BE49-F238E27FC236}">
+                <a16:creationId xmlns:a16="http://schemas.microsoft.com/office/drawing/2014/main" id="{BF487348-3258-C35F-0B1E-CAFCD6147FBB}"/>
+              </a:ext>
+            </a:extLst>
+          </p:cNvPr>
+          <p:cNvSpPr txBox="1"/>
+          <p:nvPr/>
+        </p:nvSpPr>
+        <p:spPr>
+          <a:xfrm>
+            <a:off x="457200" y="138223"/>
+            <a:ext cx="2445488" cy="400110"/>
+          </a:xfrm>
+          <a:prstGeom prst="rect">
+            <a:avLst/>
+          </a:prstGeom>
+          <a:noFill/>
+        </p:spPr>
+        <p:txBody>
+          <a:bodyPr wrap="square" rtlCol="0">
+            <a:spAutoFit/>
+          </a:bodyPr>
+          <a:lstStyle/>
+          <a:p>
+            <a:r>
+              <a:rPr lang="fr-FR" sz="2000" b="1" u="sng" dirty="0">
+                <a:solidFill>
+                  <a:srgbClr val="8F1919"/>
+                </a:solidFill>
+              </a:rPr>
+              <a:t>Wireframe:</a:t>
+            </a:r>
+          </a:p>
+        </p:txBody>
+      </p:sp>
+      <p:pic>
+        <p:nvPicPr>
+          <p:cNvPr id="3" name="Image 2">
+            <a:extLst>
+              <a:ext uri="{FF2B5EF4-FFF2-40B4-BE49-F238E27FC236}">
+                <a16:creationId xmlns:a16="http://schemas.microsoft.com/office/drawing/2014/main" id="{68D368DB-5EC4-832C-9746-3D5A7E7EC740}"/>
+              </a:ext>
+            </a:extLst>
+          </p:cNvPr>
+          <p:cNvPicPr>
+            <a:picLocks noChangeAspect="1"/>
+          </p:cNvPicPr>
+          <p:nvPr/>
+        </p:nvPicPr>
+        <p:blipFill>
+          <a:blip r:embed="rId2"/>
+          <a:stretch>
+            <a:fillRect/>
+          </a:stretch>
+        </p:blipFill>
+        <p:spPr>
+          <a:xfrm>
+            <a:off x="457200" y="792903"/>
+            <a:ext cx="11190989" cy="5736483"/>
+          </a:xfrm>
+          <a:prstGeom prst="rect">
+            <a:avLst/>
+          </a:prstGeom>
+        </p:spPr>
+      </p:pic>
+    </p:spTree>
+    <p:extLst>
+      <p:ext uri="{BB962C8B-B14F-4D97-AF65-F5344CB8AC3E}">
+        <p14:creationId xmlns:p14="http://schemas.microsoft.com/office/powerpoint/2010/main" val="2917187414"/>
+      </p:ext>
+    </p:extLst>
+  </p:cSld>
+  <p:clrMapOvr>
+    <a:masterClrMapping/>
+  </p:clrMapOvr>
+</p:sld>
+</file>
+
+<file path=ppt/slides/slide12.xml><?xml version="1.0" encoding="utf-8"?>
+<p:sld xmlns:a="http://schemas.openxmlformats.org/drawingml/2006/main" xmlns:r="http://schemas.openxmlformats.org/officeDocument/2006/relationships" xmlns:p="http://schemas.openxmlformats.org/presentationml/2006/main">
+  <p:cSld>
+    <p:spTree>
+      <p:nvGrpSpPr>
+        <p:cNvPr id="1" name=""/>
+        <p:cNvGrpSpPr/>
+        <p:nvPr/>
+      </p:nvGrpSpPr>
+      <p:grpSpPr>
+        <a:xfrm>
+          <a:off x="0" y="0"/>
+          <a:ext cx="0" cy="0"/>
+          <a:chOff x="0" y="0"/>
+          <a:chExt cx="0" cy="0"/>
+        </a:xfrm>
+      </p:grpSpPr>
+      <p:sp>
+        <p:nvSpPr>
+          <p:cNvPr id="4" name="ZoneTexte 3">
+            <a:extLst>
+              <a:ext uri="{FF2B5EF4-FFF2-40B4-BE49-F238E27FC236}">
+                <a16:creationId xmlns:a16="http://schemas.microsoft.com/office/drawing/2014/main" id="{57BA7665-741A-7068-6C9C-499DA6E224C0}"/>
+              </a:ext>
+            </a:extLst>
+          </p:cNvPr>
+          <p:cNvSpPr txBox="1"/>
+          <p:nvPr/>
+        </p:nvSpPr>
+        <p:spPr>
+          <a:xfrm>
+            <a:off x="499730" y="547576"/>
+            <a:ext cx="1408813" cy="400110"/>
+          </a:xfrm>
+          <a:prstGeom prst="rect">
+            <a:avLst/>
+          </a:prstGeom>
+          <a:noFill/>
+        </p:spPr>
+        <p:txBody>
+          <a:bodyPr wrap="square" rtlCol="0">
+            <a:spAutoFit/>
+          </a:bodyPr>
+          <a:lstStyle/>
+          <a:p>
+            <a:r>
+              <a:rPr lang="fr-FR" sz="2000" b="1" u="sng" dirty="0">
+                <a:solidFill>
+                  <a:srgbClr val="8F1919"/>
+                </a:solidFill>
+              </a:rPr>
+              <a:t>Style </a:t>
+            </a:r>
+            <a:r>
+              <a:rPr lang="fr-FR" sz="2000" b="1" u="sng" dirty="0" err="1">
+                <a:solidFill>
+                  <a:srgbClr val="8F1919"/>
+                </a:solidFill>
+              </a:rPr>
+              <a:t>Title</a:t>
+            </a:r>
+            <a:r>
+              <a:rPr lang="fr-FR" sz="2000" b="1" u="sng" dirty="0">
+                <a:solidFill>
+                  <a:srgbClr val="8F1919"/>
+                </a:solidFill>
+              </a:rPr>
+              <a:t>:</a:t>
+            </a:r>
+          </a:p>
+        </p:txBody>
+      </p:sp>
+      <p:pic>
+        <p:nvPicPr>
+          <p:cNvPr id="6" name="Image 5">
+            <a:extLst>
+              <a:ext uri="{FF2B5EF4-FFF2-40B4-BE49-F238E27FC236}">
+                <a16:creationId xmlns:a16="http://schemas.microsoft.com/office/drawing/2014/main" id="{B0316501-3225-594A-9B5D-54B52C36FBB8}"/>
+              </a:ext>
+            </a:extLst>
+          </p:cNvPr>
+          <p:cNvPicPr>
+            <a:picLocks noChangeAspect="1"/>
+          </p:cNvPicPr>
+          <p:nvPr/>
+        </p:nvPicPr>
+        <p:blipFill>
+          <a:blip r:embed="rId2"/>
+          <a:stretch>
+            <a:fillRect/>
+          </a:stretch>
+        </p:blipFill>
+        <p:spPr>
+          <a:xfrm>
+            <a:off x="2360428" y="1495425"/>
+            <a:ext cx="6645459" cy="4415804"/>
+          </a:xfrm>
+          <a:prstGeom prst="rect">
+            <a:avLst/>
+          </a:prstGeom>
+        </p:spPr>
+      </p:pic>
+    </p:spTree>
+    <p:extLst>
+      <p:ext uri="{BB962C8B-B14F-4D97-AF65-F5344CB8AC3E}">
+        <p14:creationId xmlns:p14="http://schemas.microsoft.com/office/powerpoint/2010/main" val="3316698786"/>
+      </p:ext>
+    </p:extLst>
+  </p:cSld>
+  <p:clrMapOvr>
+    <a:masterClrMapping/>
+  </p:clrMapOvr>
+</p:sld>
+</file>
+
+<file path=ppt/slides/slide13.xml><?xml version="1.0" encoding="utf-8"?>
+<p:sld xmlns:a="http://schemas.openxmlformats.org/drawingml/2006/main" xmlns:r="http://schemas.openxmlformats.org/officeDocument/2006/relationships" xmlns:p="http://schemas.openxmlformats.org/presentationml/2006/main">
+  <p:cSld>
+    <p:spTree>
+      <p:nvGrpSpPr>
+        <p:cNvPr id="1" name=""/>
+        <p:cNvGrpSpPr/>
+        <p:nvPr/>
+      </p:nvGrpSpPr>
+      <p:grpSpPr>
+        <a:xfrm>
+          <a:off x="0" y="0"/>
+          <a:ext cx="0" cy="0"/>
+          <a:chOff x="0" y="0"/>
+          <a:chExt cx="0" cy="0"/>
+        </a:xfrm>
+      </p:grpSpPr>
+      <p:sp>
+        <p:nvSpPr>
+          <p:cNvPr id="4" name="ZoneTexte 3">
+            <a:extLst>
+              <a:ext uri="{FF2B5EF4-FFF2-40B4-BE49-F238E27FC236}">
+                <a16:creationId xmlns:a16="http://schemas.microsoft.com/office/drawing/2014/main" id="{EA95159E-14B9-EA51-E760-8AD76EF08961}"/>
+              </a:ext>
+            </a:extLst>
+          </p:cNvPr>
+          <p:cNvSpPr txBox="1"/>
+          <p:nvPr/>
+        </p:nvSpPr>
+        <p:spPr>
+          <a:xfrm>
+            <a:off x="744279" y="616688"/>
+            <a:ext cx="2328530" cy="400110"/>
+          </a:xfrm>
+          <a:prstGeom prst="rect">
+            <a:avLst/>
+          </a:prstGeom>
+          <a:noFill/>
+        </p:spPr>
+        <p:txBody>
+          <a:bodyPr wrap="square" rtlCol="0">
+            <a:spAutoFit/>
+          </a:bodyPr>
+          <a:lstStyle/>
+          <a:p>
+            <a:r>
+              <a:rPr lang="fr-FR" sz="2000" b="1" u="sng" dirty="0" err="1">
+                <a:solidFill>
+                  <a:srgbClr val="8F1919"/>
+                </a:solidFill>
+              </a:rPr>
+              <a:t>Mockup</a:t>
+            </a:r>
+            <a:r>
+              <a:rPr lang="fr-FR" sz="2000" b="1" u="sng" dirty="0">
+                <a:solidFill>
+                  <a:srgbClr val="8F1919"/>
+                </a:solidFill>
+              </a:rPr>
+              <a:t>:</a:t>
+            </a:r>
+          </a:p>
+        </p:txBody>
+      </p:sp>
+      <p:pic>
+        <p:nvPicPr>
+          <p:cNvPr id="6" name="Image 5">
+            <a:extLst>
+              <a:ext uri="{FF2B5EF4-FFF2-40B4-BE49-F238E27FC236}">
+                <a16:creationId xmlns:a16="http://schemas.microsoft.com/office/drawing/2014/main" id="{9FB551D1-D1B1-B209-E8BF-60658D476CD6}"/>
+              </a:ext>
+            </a:extLst>
+          </p:cNvPr>
+          <p:cNvPicPr>
+            <a:picLocks noChangeAspect="1"/>
+          </p:cNvPicPr>
+          <p:nvPr/>
+        </p:nvPicPr>
+        <p:blipFill>
+          <a:blip r:embed="rId2"/>
+          <a:stretch>
+            <a:fillRect/>
+          </a:stretch>
+        </p:blipFill>
+        <p:spPr>
+          <a:xfrm>
+            <a:off x="3072809" y="625548"/>
+            <a:ext cx="6046384" cy="5606905"/>
+          </a:xfrm>
+          <a:prstGeom prst="rect">
+            <a:avLst/>
+          </a:prstGeom>
+        </p:spPr>
+      </p:pic>
+    </p:spTree>
+    <p:extLst>
+      <p:ext uri="{BB962C8B-B14F-4D97-AF65-F5344CB8AC3E}">
+        <p14:creationId xmlns:p14="http://schemas.microsoft.com/office/powerpoint/2010/main" val="1027061409"/>
+      </p:ext>
+    </p:extLst>
+  </p:cSld>
+  <p:clrMapOvr>
+    <a:masterClrMapping/>
+  </p:clrMapOvr>
+</p:sld>
+</file>
+
+<file path=ppt/slides/slide14.xml><?xml version="1.0" encoding="utf-8"?>
+<p:sld xmlns:a="http://schemas.openxmlformats.org/drawingml/2006/main" xmlns:r="http://schemas.openxmlformats.org/officeDocument/2006/relationships" xmlns:p="http://schemas.openxmlformats.org/presentationml/2006/main">
+  <p:cSld>
+    <p:spTree>
+      <p:nvGrpSpPr>
+        <p:cNvPr id="1" name=""/>
+        <p:cNvGrpSpPr/>
+        <p:nvPr/>
+      </p:nvGrpSpPr>
+      <p:grpSpPr>
+        <a:xfrm>
+          <a:off x="0" y="0"/>
+          <a:ext cx="0" cy="0"/>
+          <a:chOff x="0" y="0"/>
+          <a:chExt cx="0" cy="0"/>
+        </a:xfrm>
+      </p:grpSpPr>
+      <p:sp>
+        <p:nvSpPr>
+          <p:cNvPr id="4" name="ZoneTexte 3">
+            <a:extLst>
+              <a:ext uri="{FF2B5EF4-FFF2-40B4-BE49-F238E27FC236}">
+                <a16:creationId xmlns:a16="http://schemas.microsoft.com/office/drawing/2014/main" id="{EA95159E-14B9-EA51-E760-8AD76EF08961}"/>
+              </a:ext>
+            </a:extLst>
+          </p:cNvPr>
+          <p:cNvSpPr txBox="1"/>
+          <p:nvPr/>
+        </p:nvSpPr>
+        <p:spPr>
+          <a:xfrm>
+            <a:off x="744279" y="616688"/>
+            <a:ext cx="2328530" cy="400110"/>
+          </a:xfrm>
+          <a:prstGeom prst="rect">
+            <a:avLst/>
+          </a:prstGeom>
+          <a:noFill/>
+        </p:spPr>
+        <p:txBody>
+          <a:bodyPr wrap="square" rtlCol="0">
+            <a:spAutoFit/>
+          </a:bodyPr>
+          <a:lstStyle/>
+          <a:p>
+            <a:r>
+              <a:rPr lang="fr-FR" sz="2000" b="1" u="sng" dirty="0" err="1">
+                <a:solidFill>
+                  <a:srgbClr val="8F1919"/>
+                </a:solidFill>
+              </a:rPr>
+              <a:t>Mockup</a:t>
+            </a:r>
+            <a:r>
+              <a:rPr lang="fr-FR" sz="2000" b="1" u="sng" dirty="0">
+                <a:solidFill>
+                  <a:srgbClr val="8F1919"/>
+                </a:solidFill>
+              </a:rPr>
+              <a:t>:</a:t>
+            </a:r>
+          </a:p>
+        </p:txBody>
+      </p:sp>
+      <p:pic>
+        <p:nvPicPr>
+          <p:cNvPr id="3" name="Image 2">
+            <a:extLst>
+              <a:ext uri="{FF2B5EF4-FFF2-40B4-BE49-F238E27FC236}">
+                <a16:creationId xmlns:a16="http://schemas.microsoft.com/office/drawing/2014/main" id="{D61C898B-5A8D-7239-E984-EF216276A305}"/>
+              </a:ext>
+            </a:extLst>
+          </p:cNvPr>
+          <p:cNvPicPr>
+            <a:picLocks noChangeAspect="1"/>
+          </p:cNvPicPr>
+          <p:nvPr/>
+        </p:nvPicPr>
+        <p:blipFill>
+          <a:blip r:embed="rId2"/>
+          <a:stretch>
+            <a:fillRect/>
+          </a:stretch>
+        </p:blipFill>
+        <p:spPr>
+          <a:xfrm>
+            <a:off x="1807534" y="1082827"/>
+            <a:ext cx="9851065" cy="5389410"/>
+          </a:xfrm>
+          <a:prstGeom prst="rect">
+            <a:avLst/>
+          </a:prstGeom>
+        </p:spPr>
+      </p:pic>
+    </p:spTree>
+    <p:extLst>
+      <p:ext uri="{BB962C8B-B14F-4D97-AF65-F5344CB8AC3E}">
+        <p14:creationId xmlns:p14="http://schemas.microsoft.com/office/powerpoint/2010/main" val="4053992554"/>
+      </p:ext>
+    </p:extLst>
+  </p:cSld>
+  <p:clrMapOvr>
+    <a:masterClrMapping/>
+  </p:clrMapOvr>
+</p:sld>
+</file>
+
+<file path=ppt/slides/slide15.xml><?xml version="1.0" encoding="utf-8"?>
+<p:sld xmlns:a="http://schemas.openxmlformats.org/drawingml/2006/main" xmlns:r="http://schemas.openxmlformats.org/officeDocument/2006/relationships" xmlns:p="http://schemas.openxmlformats.org/presentationml/2006/main">
+  <p:cSld>
+    <p:spTree>
+      <p:nvGrpSpPr>
+        <p:cNvPr id="1" name=""/>
+        <p:cNvGrpSpPr/>
+        <p:nvPr/>
+      </p:nvGrpSpPr>
+      <p:grpSpPr>
+        <a:xfrm>
+          <a:off x="0" y="0"/>
+          <a:ext cx="0" cy="0"/>
+          <a:chOff x="0" y="0"/>
+          <a:chExt cx="0" cy="0"/>
+        </a:xfrm>
+      </p:grpSpPr>
+      <p:sp>
+        <p:nvSpPr>
+          <p:cNvPr id="6" name="ZoneTexte 5">
+            <a:extLst>
+              <a:ext uri="{FF2B5EF4-FFF2-40B4-BE49-F238E27FC236}">
+                <a16:creationId xmlns:a16="http://schemas.microsoft.com/office/drawing/2014/main" id="{C547E21B-BCB9-D52B-C5AB-7AC538003AD4}"/>
+              </a:ext>
+            </a:extLst>
+          </p:cNvPr>
+          <p:cNvSpPr txBox="1"/>
+          <p:nvPr/>
+        </p:nvSpPr>
+        <p:spPr>
+          <a:xfrm>
+            <a:off x="1050966" y="611579"/>
+            <a:ext cx="9429008" cy="2031325"/>
+          </a:xfrm>
+          <a:prstGeom prst="rect">
+            <a:avLst/>
+          </a:prstGeom>
+          <a:noFill/>
+        </p:spPr>
+        <p:txBody>
+          <a:bodyPr wrap="square" rtlCol="0">
+            <a:spAutoFit/>
+          </a:bodyPr>
+          <a:lstStyle/>
+          <a:p>
+            <a:r>
+              <a:rPr lang="fr-FR" b="1" u="sng" dirty="0">
+                <a:solidFill>
+                  <a:srgbClr val="751515"/>
+                </a:solidFill>
+              </a:rPr>
+              <a:t>Les contraintes:</a:t>
+            </a:r>
+          </a:p>
+          <a:p>
+            <a:pPr lvl="1"/>
+            <a:r>
+              <a:rPr lang="fr-FR" dirty="0"/>
+              <a:t>- Présence d’un </a:t>
+            </a:r>
+            <a:r>
+              <a:rPr lang="fr-FR" dirty="0" err="1"/>
+              <a:t>slider</a:t>
+            </a:r>
+            <a:r>
+              <a:rPr lang="fr-FR" dirty="0"/>
+              <a:t> pour visionner les tableaux.</a:t>
+            </a:r>
+          </a:p>
+          <a:p>
+            <a:pPr lvl="1"/>
+            <a:r>
+              <a:rPr lang="fr-FR" dirty="0"/>
+              <a:t>- Développer une base de données pour les commentaires et les tableaux.</a:t>
+            </a:r>
+          </a:p>
+          <a:p>
+            <a:pPr lvl="1"/>
+            <a:r>
+              <a:rPr lang="fr-FR" dirty="0"/>
+              <a:t>- Utilisation du HTML/CSS, JavaScript, MySQL.</a:t>
+            </a:r>
+          </a:p>
+          <a:p>
+            <a:pPr lvl="1"/>
+            <a:r>
+              <a:rPr lang="fr-FR" dirty="0"/>
+              <a:t>- Assurer la maintenance, l’hébergement du site.</a:t>
+            </a:r>
+          </a:p>
+          <a:p>
+            <a:pPr lvl="1"/>
+            <a:r>
+              <a:rPr lang="fr-FR" dirty="0"/>
+              <a:t>- Petite formation pour l’ajout des tableaux.</a:t>
+            </a:r>
+          </a:p>
+          <a:p>
+            <a:endParaRPr lang="fr-FR" dirty="0"/>
+          </a:p>
+        </p:txBody>
+      </p:sp>
+      <p:sp>
+        <p:nvSpPr>
+          <p:cNvPr id="7" name="ZoneTexte 6">
+            <a:extLst>
+              <a:ext uri="{FF2B5EF4-FFF2-40B4-BE49-F238E27FC236}">
+                <a16:creationId xmlns:a16="http://schemas.microsoft.com/office/drawing/2014/main" id="{57C6970D-45B3-E42A-42FC-07A833CD706F}"/>
+              </a:ext>
+            </a:extLst>
+          </p:cNvPr>
+          <p:cNvSpPr txBox="1"/>
+          <p:nvPr/>
+        </p:nvSpPr>
+        <p:spPr>
+          <a:xfrm>
+            <a:off x="1050966" y="2642904"/>
+            <a:ext cx="9619013" cy="1200329"/>
+          </a:xfrm>
+          <a:prstGeom prst="rect">
+            <a:avLst/>
+          </a:prstGeom>
+          <a:noFill/>
+        </p:spPr>
+        <p:txBody>
+          <a:bodyPr wrap="square" rtlCol="0">
+            <a:spAutoFit/>
+          </a:bodyPr>
+          <a:lstStyle/>
+          <a:p>
+            <a:r>
+              <a:rPr lang="fr-FR" b="1" u="sng" dirty="0">
+                <a:solidFill>
+                  <a:srgbClr val="751515"/>
+                </a:solidFill>
+              </a:rPr>
+              <a:t>Les contraintes légales:</a:t>
+            </a:r>
+          </a:p>
+          <a:p>
+            <a:r>
+              <a:rPr lang="fr-FR" dirty="0"/>
+              <a:t>	- Propriétaires du site Mr Soulier.</a:t>
+            </a:r>
+          </a:p>
+          <a:p>
+            <a:r>
+              <a:rPr lang="fr-FR" dirty="0"/>
+              <a:t>	- Maquettage, intégrations ainsi que le code source appartiennent à Mr Pierrot.</a:t>
+            </a:r>
+          </a:p>
+          <a:p>
+            <a:r>
+              <a:rPr lang="fr-FR" dirty="0"/>
+              <a:t>	</a:t>
+            </a:r>
+          </a:p>
+        </p:txBody>
+      </p:sp>
+      <p:sp>
+        <p:nvSpPr>
+          <p:cNvPr id="8" name="ZoneTexte 7">
+            <a:extLst>
+              <a:ext uri="{FF2B5EF4-FFF2-40B4-BE49-F238E27FC236}">
+                <a16:creationId xmlns:a16="http://schemas.microsoft.com/office/drawing/2014/main" id="{D50139A6-F1AF-17F1-F1DF-8CEF331330BB}"/>
+              </a:ext>
+            </a:extLst>
+          </p:cNvPr>
+          <p:cNvSpPr txBox="1"/>
+          <p:nvPr/>
+        </p:nvSpPr>
+        <p:spPr>
+          <a:xfrm>
+            <a:off x="1050966" y="4138551"/>
+            <a:ext cx="9909959" cy="1477328"/>
+          </a:xfrm>
+          <a:prstGeom prst="rect">
+            <a:avLst/>
+          </a:prstGeom>
+          <a:noFill/>
+        </p:spPr>
+        <p:txBody>
+          <a:bodyPr wrap="square" rtlCol="0">
+            <a:spAutoFit/>
+          </a:bodyPr>
+          <a:lstStyle/>
+          <a:p>
+            <a:r>
+              <a:rPr lang="fr-FR" b="1" u="sng" dirty="0">
+                <a:solidFill>
+                  <a:srgbClr val="751515"/>
+                </a:solidFill>
+              </a:rPr>
+              <a:t>Les coûts et délais:</a:t>
+            </a:r>
+          </a:p>
+          <a:p>
+            <a:r>
+              <a:rPr lang="fr-FR" dirty="0"/>
+              <a:t>	- Sites offert soit un gain de 150 euros/jour/développeur pour 10 jours.</a:t>
+            </a:r>
+          </a:p>
+          <a:p>
+            <a:r>
+              <a:rPr lang="fr-FR" dirty="0"/>
+              <a:t>	  comprenant le cahier des charges, le maquettage, la création d’un logo, la 	  	      	  création du site, la création de la base de données, la mise en ligne.</a:t>
+            </a:r>
+          </a:p>
+          <a:p>
+            <a:r>
+              <a:rPr lang="fr-FR" dirty="0"/>
+              <a:t>	- Livraisons prévu le 03 juillet 2023.</a:t>
+            </a:r>
+          </a:p>
+        </p:txBody>
+      </p:sp>
+    </p:spTree>
+    <p:extLst>
+      <p:ext uri="{BB962C8B-B14F-4D97-AF65-F5344CB8AC3E}">
+        <p14:creationId xmlns:p14="http://schemas.microsoft.com/office/powerpoint/2010/main" val="1279676495"/>
+      </p:ext>
+    </p:extLst>
+  </p:cSld>
+  <p:clrMapOvr>
+    <a:masterClrMapping/>
+  </p:clrMapOvr>
+</p:sld>
+</file>
+
+<file path=ppt/slides/slide16.xml><?xml version="1.0" encoding="utf-8"?>
 <p:sld xmlns:a="http://schemas.openxmlformats.org/drawingml/2006/main" xmlns:r="http://schemas.openxmlformats.org/officeDocument/2006/relationships" xmlns:p="http://schemas.openxmlformats.org/presentationml/2006/main">
   <p:cSld>
     <p:spTree>
@@ -6134,6 +7026,1419 @@
   <p:clrMapOvr>
     <a:masterClrMapping/>
   </p:clrMapOvr>
+  <p:timing>
+    <p:tnLst>
+      <p:par>
+        <p:cTn id="1" dur="indefinite" restart="never" nodeType="tmRoot">
+          <p:childTnLst>
+            <p:seq concurrent="1" nextAc="seek">
+              <p:cTn id="2" dur="indefinite" nodeType="mainSeq">
+                <p:childTnLst>
+                  <p:par>
+                    <p:cTn id="3" fill="hold">
+                      <p:stCondLst>
+                        <p:cond delay="indefinite"/>
+                      </p:stCondLst>
+                      <p:childTnLst>
+                        <p:par>
+                          <p:cTn id="4" fill="hold">
+                            <p:stCondLst>
+                              <p:cond delay="0"/>
+                            </p:stCondLst>
+                            <p:childTnLst>
+                              <p:par>
+                                <p:cTn id="5" presetID="42" presetClass="entr" presetSubtype="0" fill="hold" grpId="0" nodeType="clickEffect">
+                                  <p:stCondLst>
+                                    <p:cond delay="0"/>
+                                  </p:stCondLst>
+                                  <p:childTnLst>
+                                    <p:set>
+                                      <p:cBhvr>
+                                        <p:cTn id="6" dur="1" fill="hold">
+                                          <p:stCondLst>
+                                            <p:cond delay="0"/>
+                                          </p:stCondLst>
+                                        </p:cTn>
+                                        <p:tgtEl>
+                                          <p:spTgt spid="3">
+                                            <p:txEl>
+                                              <p:pRg st="0" end="0"/>
+                                            </p:txEl>
+                                          </p:spTgt>
+                                        </p:tgtEl>
+                                        <p:attrNameLst>
+                                          <p:attrName>style.visibility</p:attrName>
+                                        </p:attrNameLst>
+                                      </p:cBhvr>
+                                      <p:to>
+                                        <p:strVal val="visible"/>
+                                      </p:to>
+                                    </p:set>
+                                    <p:animEffect transition="in" filter="fade">
+                                      <p:cBhvr>
+                                        <p:cTn id="7" dur="1000"/>
+                                        <p:tgtEl>
+                                          <p:spTgt spid="3">
+                                            <p:txEl>
+                                              <p:pRg st="0" end="0"/>
+                                            </p:txEl>
+                                          </p:spTgt>
+                                        </p:tgtEl>
+                                      </p:cBhvr>
+                                    </p:animEffect>
+                                    <p:anim calcmode="lin" valueType="num">
+                                      <p:cBhvr>
+                                        <p:cTn id="8" dur="1000" fill="hold"/>
+                                        <p:tgtEl>
+                                          <p:spTgt spid="3">
+                                            <p:txEl>
+                                              <p:pRg st="0" end="0"/>
+                                            </p:txEl>
+                                          </p:spTgt>
+                                        </p:tgtEl>
+                                        <p:attrNameLst>
+                                          <p:attrName>ppt_x</p:attrName>
+                                        </p:attrNameLst>
+                                      </p:cBhvr>
+                                      <p:tavLst>
+                                        <p:tav tm="0">
+                                          <p:val>
+                                            <p:strVal val="#ppt_x"/>
+                                          </p:val>
+                                        </p:tav>
+                                        <p:tav tm="100000">
+                                          <p:val>
+                                            <p:strVal val="#ppt_x"/>
+                                          </p:val>
+                                        </p:tav>
+                                      </p:tavLst>
+                                    </p:anim>
+                                    <p:anim calcmode="lin" valueType="num">
+                                      <p:cBhvr>
+                                        <p:cTn id="9" dur="1000" fill="hold"/>
+                                        <p:tgtEl>
+                                          <p:spTgt spid="3">
+                                            <p:txEl>
+                                              <p:pRg st="0" end="0"/>
+                                            </p:txEl>
+                                          </p:spTgt>
+                                        </p:tgtEl>
+                                        <p:attrNameLst>
+                                          <p:attrName>ppt_y</p:attrName>
+                                        </p:attrNameLst>
+                                      </p:cBhvr>
+                                      <p:tavLst>
+                                        <p:tav tm="0">
+                                          <p:val>
+                                            <p:strVal val="#ppt_y+.1"/>
+                                          </p:val>
+                                        </p:tav>
+                                        <p:tav tm="100000">
+                                          <p:val>
+                                            <p:strVal val="#ppt_y"/>
+                                          </p:val>
+                                        </p:tav>
+                                      </p:tavLst>
+                                    </p:anim>
+                                  </p:childTnLst>
+                                </p:cTn>
+                              </p:par>
+                            </p:childTnLst>
+                          </p:cTn>
+                        </p:par>
+                      </p:childTnLst>
+                    </p:cTn>
+                  </p:par>
+                  <p:par>
+                    <p:cTn id="10" fill="hold">
+                      <p:stCondLst>
+                        <p:cond delay="indefinite"/>
+                      </p:stCondLst>
+                      <p:childTnLst>
+                        <p:par>
+                          <p:cTn id="11" fill="hold">
+                            <p:stCondLst>
+                              <p:cond delay="0"/>
+                            </p:stCondLst>
+                            <p:childTnLst>
+                              <p:par>
+                                <p:cTn id="12" presetID="42" presetClass="entr" presetSubtype="0" fill="hold" grpId="0" nodeType="clickEffect">
+                                  <p:stCondLst>
+                                    <p:cond delay="0"/>
+                                  </p:stCondLst>
+                                  <p:childTnLst>
+                                    <p:set>
+                                      <p:cBhvr>
+                                        <p:cTn id="13" dur="1" fill="hold">
+                                          <p:stCondLst>
+                                            <p:cond delay="0"/>
+                                          </p:stCondLst>
+                                        </p:cTn>
+                                        <p:tgtEl>
+                                          <p:spTgt spid="3">
+                                            <p:txEl>
+                                              <p:pRg st="1" end="1"/>
+                                            </p:txEl>
+                                          </p:spTgt>
+                                        </p:tgtEl>
+                                        <p:attrNameLst>
+                                          <p:attrName>style.visibility</p:attrName>
+                                        </p:attrNameLst>
+                                      </p:cBhvr>
+                                      <p:to>
+                                        <p:strVal val="visible"/>
+                                      </p:to>
+                                    </p:set>
+                                    <p:animEffect transition="in" filter="fade">
+                                      <p:cBhvr>
+                                        <p:cTn id="14" dur="1000"/>
+                                        <p:tgtEl>
+                                          <p:spTgt spid="3">
+                                            <p:txEl>
+                                              <p:pRg st="1" end="1"/>
+                                            </p:txEl>
+                                          </p:spTgt>
+                                        </p:tgtEl>
+                                      </p:cBhvr>
+                                    </p:animEffect>
+                                    <p:anim calcmode="lin" valueType="num">
+                                      <p:cBhvr>
+                                        <p:cTn id="15" dur="1000" fill="hold"/>
+                                        <p:tgtEl>
+                                          <p:spTgt spid="3">
+                                            <p:txEl>
+                                              <p:pRg st="1" end="1"/>
+                                            </p:txEl>
+                                          </p:spTgt>
+                                        </p:tgtEl>
+                                        <p:attrNameLst>
+                                          <p:attrName>ppt_x</p:attrName>
+                                        </p:attrNameLst>
+                                      </p:cBhvr>
+                                      <p:tavLst>
+                                        <p:tav tm="0">
+                                          <p:val>
+                                            <p:strVal val="#ppt_x"/>
+                                          </p:val>
+                                        </p:tav>
+                                        <p:tav tm="100000">
+                                          <p:val>
+                                            <p:strVal val="#ppt_x"/>
+                                          </p:val>
+                                        </p:tav>
+                                      </p:tavLst>
+                                    </p:anim>
+                                    <p:anim calcmode="lin" valueType="num">
+                                      <p:cBhvr>
+                                        <p:cTn id="16" dur="1000" fill="hold"/>
+                                        <p:tgtEl>
+                                          <p:spTgt spid="3">
+                                            <p:txEl>
+                                              <p:pRg st="1" end="1"/>
+                                            </p:txEl>
+                                          </p:spTgt>
+                                        </p:tgtEl>
+                                        <p:attrNameLst>
+                                          <p:attrName>ppt_y</p:attrName>
+                                        </p:attrNameLst>
+                                      </p:cBhvr>
+                                      <p:tavLst>
+                                        <p:tav tm="0">
+                                          <p:val>
+                                            <p:strVal val="#ppt_y+.1"/>
+                                          </p:val>
+                                        </p:tav>
+                                        <p:tav tm="100000">
+                                          <p:val>
+                                            <p:strVal val="#ppt_y"/>
+                                          </p:val>
+                                        </p:tav>
+                                      </p:tavLst>
+                                    </p:anim>
+                                  </p:childTnLst>
+                                </p:cTn>
+                              </p:par>
+                            </p:childTnLst>
+                          </p:cTn>
+                        </p:par>
+                      </p:childTnLst>
+                    </p:cTn>
+                  </p:par>
+                  <p:par>
+                    <p:cTn id="17" fill="hold">
+                      <p:stCondLst>
+                        <p:cond delay="indefinite"/>
+                      </p:stCondLst>
+                      <p:childTnLst>
+                        <p:par>
+                          <p:cTn id="18" fill="hold">
+                            <p:stCondLst>
+                              <p:cond delay="0"/>
+                            </p:stCondLst>
+                            <p:childTnLst>
+                              <p:par>
+                                <p:cTn id="19" presetID="42" presetClass="entr" presetSubtype="0" fill="hold" grpId="0" nodeType="clickEffect">
+                                  <p:stCondLst>
+                                    <p:cond delay="0"/>
+                                  </p:stCondLst>
+                                  <p:childTnLst>
+                                    <p:set>
+                                      <p:cBhvr>
+                                        <p:cTn id="20" dur="1" fill="hold">
+                                          <p:stCondLst>
+                                            <p:cond delay="0"/>
+                                          </p:stCondLst>
+                                        </p:cTn>
+                                        <p:tgtEl>
+                                          <p:spTgt spid="3">
+                                            <p:txEl>
+                                              <p:pRg st="2" end="2"/>
+                                            </p:txEl>
+                                          </p:spTgt>
+                                        </p:tgtEl>
+                                        <p:attrNameLst>
+                                          <p:attrName>style.visibility</p:attrName>
+                                        </p:attrNameLst>
+                                      </p:cBhvr>
+                                      <p:to>
+                                        <p:strVal val="visible"/>
+                                      </p:to>
+                                    </p:set>
+                                    <p:animEffect transition="in" filter="fade">
+                                      <p:cBhvr>
+                                        <p:cTn id="21" dur="1000"/>
+                                        <p:tgtEl>
+                                          <p:spTgt spid="3">
+                                            <p:txEl>
+                                              <p:pRg st="2" end="2"/>
+                                            </p:txEl>
+                                          </p:spTgt>
+                                        </p:tgtEl>
+                                      </p:cBhvr>
+                                    </p:animEffect>
+                                    <p:anim calcmode="lin" valueType="num">
+                                      <p:cBhvr>
+                                        <p:cTn id="22" dur="1000" fill="hold"/>
+                                        <p:tgtEl>
+                                          <p:spTgt spid="3">
+                                            <p:txEl>
+                                              <p:pRg st="2" end="2"/>
+                                            </p:txEl>
+                                          </p:spTgt>
+                                        </p:tgtEl>
+                                        <p:attrNameLst>
+                                          <p:attrName>ppt_x</p:attrName>
+                                        </p:attrNameLst>
+                                      </p:cBhvr>
+                                      <p:tavLst>
+                                        <p:tav tm="0">
+                                          <p:val>
+                                            <p:strVal val="#ppt_x"/>
+                                          </p:val>
+                                        </p:tav>
+                                        <p:tav tm="100000">
+                                          <p:val>
+                                            <p:strVal val="#ppt_x"/>
+                                          </p:val>
+                                        </p:tav>
+                                      </p:tavLst>
+                                    </p:anim>
+                                    <p:anim calcmode="lin" valueType="num">
+                                      <p:cBhvr>
+                                        <p:cTn id="23" dur="1000" fill="hold"/>
+                                        <p:tgtEl>
+                                          <p:spTgt spid="3">
+                                            <p:txEl>
+                                              <p:pRg st="2" end="2"/>
+                                            </p:txEl>
+                                          </p:spTgt>
+                                        </p:tgtEl>
+                                        <p:attrNameLst>
+                                          <p:attrName>ppt_y</p:attrName>
+                                        </p:attrNameLst>
+                                      </p:cBhvr>
+                                      <p:tavLst>
+                                        <p:tav tm="0">
+                                          <p:val>
+                                            <p:strVal val="#ppt_y+.1"/>
+                                          </p:val>
+                                        </p:tav>
+                                        <p:tav tm="100000">
+                                          <p:val>
+                                            <p:strVal val="#ppt_y"/>
+                                          </p:val>
+                                        </p:tav>
+                                      </p:tavLst>
+                                    </p:anim>
+                                  </p:childTnLst>
+                                </p:cTn>
+                              </p:par>
+                            </p:childTnLst>
+                          </p:cTn>
+                        </p:par>
+                      </p:childTnLst>
+                    </p:cTn>
+                  </p:par>
+                  <p:par>
+                    <p:cTn id="24" fill="hold">
+                      <p:stCondLst>
+                        <p:cond delay="indefinite"/>
+                      </p:stCondLst>
+                      <p:childTnLst>
+                        <p:par>
+                          <p:cTn id="25" fill="hold">
+                            <p:stCondLst>
+                              <p:cond delay="0"/>
+                            </p:stCondLst>
+                            <p:childTnLst>
+                              <p:par>
+                                <p:cTn id="26" presetID="42" presetClass="entr" presetSubtype="0" fill="hold" grpId="0" nodeType="clickEffect">
+                                  <p:stCondLst>
+                                    <p:cond delay="0"/>
+                                  </p:stCondLst>
+                                  <p:childTnLst>
+                                    <p:set>
+                                      <p:cBhvr>
+                                        <p:cTn id="27" dur="1" fill="hold">
+                                          <p:stCondLst>
+                                            <p:cond delay="0"/>
+                                          </p:stCondLst>
+                                        </p:cTn>
+                                        <p:tgtEl>
+                                          <p:spTgt spid="3">
+                                            <p:txEl>
+                                              <p:pRg st="3" end="3"/>
+                                            </p:txEl>
+                                          </p:spTgt>
+                                        </p:tgtEl>
+                                        <p:attrNameLst>
+                                          <p:attrName>style.visibility</p:attrName>
+                                        </p:attrNameLst>
+                                      </p:cBhvr>
+                                      <p:to>
+                                        <p:strVal val="visible"/>
+                                      </p:to>
+                                    </p:set>
+                                    <p:animEffect transition="in" filter="fade">
+                                      <p:cBhvr>
+                                        <p:cTn id="28" dur="1000"/>
+                                        <p:tgtEl>
+                                          <p:spTgt spid="3">
+                                            <p:txEl>
+                                              <p:pRg st="3" end="3"/>
+                                            </p:txEl>
+                                          </p:spTgt>
+                                        </p:tgtEl>
+                                      </p:cBhvr>
+                                    </p:animEffect>
+                                    <p:anim calcmode="lin" valueType="num">
+                                      <p:cBhvr>
+                                        <p:cTn id="29" dur="1000" fill="hold"/>
+                                        <p:tgtEl>
+                                          <p:spTgt spid="3">
+                                            <p:txEl>
+                                              <p:pRg st="3" end="3"/>
+                                            </p:txEl>
+                                          </p:spTgt>
+                                        </p:tgtEl>
+                                        <p:attrNameLst>
+                                          <p:attrName>ppt_x</p:attrName>
+                                        </p:attrNameLst>
+                                      </p:cBhvr>
+                                      <p:tavLst>
+                                        <p:tav tm="0">
+                                          <p:val>
+                                            <p:strVal val="#ppt_x"/>
+                                          </p:val>
+                                        </p:tav>
+                                        <p:tav tm="100000">
+                                          <p:val>
+                                            <p:strVal val="#ppt_x"/>
+                                          </p:val>
+                                        </p:tav>
+                                      </p:tavLst>
+                                    </p:anim>
+                                    <p:anim calcmode="lin" valueType="num">
+                                      <p:cBhvr>
+                                        <p:cTn id="30" dur="1000" fill="hold"/>
+                                        <p:tgtEl>
+                                          <p:spTgt spid="3">
+                                            <p:txEl>
+                                              <p:pRg st="3" end="3"/>
+                                            </p:txEl>
+                                          </p:spTgt>
+                                        </p:tgtEl>
+                                        <p:attrNameLst>
+                                          <p:attrName>ppt_y</p:attrName>
+                                        </p:attrNameLst>
+                                      </p:cBhvr>
+                                      <p:tavLst>
+                                        <p:tav tm="0">
+                                          <p:val>
+                                            <p:strVal val="#ppt_y+.1"/>
+                                          </p:val>
+                                        </p:tav>
+                                        <p:tav tm="100000">
+                                          <p:val>
+                                            <p:strVal val="#ppt_y"/>
+                                          </p:val>
+                                        </p:tav>
+                                      </p:tavLst>
+                                    </p:anim>
+                                  </p:childTnLst>
+                                </p:cTn>
+                              </p:par>
+                            </p:childTnLst>
+                          </p:cTn>
+                        </p:par>
+                      </p:childTnLst>
+                    </p:cTn>
+                  </p:par>
+                  <p:par>
+                    <p:cTn id="31" fill="hold">
+                      <p:stCondLst>
+                        <p:cond delay="indefinite"/>
+                      </p:stCondLst>
+                      <p:childTnLst>
+                        <p:par>
+                          <p:cTn id="32" fill="hold">
+                            <p:stCondLst>
+                              <p:cond delay="0"/>
+                            </p:stCondLst>
+                            <p:childTnLst>
+                              <p:par>
+                                <p:cTn id="33" presetID="42" presetClass="entr" presetSubtype="0" fill="hold" grpId="0" nodeType="clickEffect">
+                                  <p:stCondLst>
+                                    <p:cond delay="0"/>
+                                  </p:stCondLst>
+                                  <p:childTnLst>
+                                    <p:set>
+                                      <p:cBhvr>
+                                        <p:cTn id="34" dur="1" fill="hold">
+                                          <p:stCondLst>
+                                            <p:cond delay="0"/>
+                                          </p:stCondLst>
+                                        </p:cTn>
+                                        <p:tgtEl>
+                                          <p:spTgt spid="3">
+                                            <p:txEl>
+                                              <p:pRg st="4" end="4"/>
+                                            </p:txEl>
+                                          </p:spTgt>
+                                        </p:tgtEl>
+                                        <p:attrNameLst>
+                                          <p:attrName>style.visibility</p:attrName>
+                                        </p:attrNameLst>
+                                      </p:cBhvr>
+                                      <p:to>
+                                        <p:strVal val="visible"/>
+                                      </p:to>
+                                    </p:set>
+                                    <p:animEffect transition="in" filter="fade">
+                                      <p:cBhvr>
+                                        <p:cTn id="35" dur="1000"/>
+                                        <p:tgtEl>
+                                          <p:spTgt spid="3">
+                                            <p:txEl>
+                                              <p:pRg st="4" end="4"/>
+                                            </p:txEl>
+                                          </p:spTgt>
+                                        </p:tgtEl>
+                                      </p:cBhvr>
+                                    </p:animEffect>
+                                    <p:anim calcmode="lin" valueType="num">
+                                      <p:cBhvr>
+                                        <p:cTn id="36" dur="1000" fill="hold"/>
+                                        <p:tgtEl>
+                                          <p:spTgt spid="3">
+                                            <p:txEl>
+                                              <p:pRg st="4" end="4"/>
+                                            </p:txEl>
+                                          </p:spTgt>
+                                        </p:tgtEl>
+                                        <p:attrNameLst>
+                                          <p:attrName>ppt_x</p:attrName>
+                                        </p:attrNameLst>
+                                      </p:cBhvr>
+                                      <p:tavLst>
+                                        <p:tav tm="0">
+                                          <p:val>
+                                            <p:strVal val="#ppt_x"/>
+                                          </p:val>
+                                        </p:tav>
+                                        <p:tav tm="100000">
+                                          <p:val>
+                                            <p:strVal val="#ppt_x"/>
+                                          </p:val>
+                                        </p:tav>
+                                      </p:tavLst>
+                                    </p:anim>
+                                    <p:anim calcmode="lin" valueType="num">
+                                      <p:cBhvr>
+                                        <p:cTn id="37" dur="1000" fill="hold"/>
+                                        <p:tgtEl>
+                                          <p:spTgt spid="3">
+                                            <p:txEl>
+                                              <p:pRg st="4" end="4"/>
+                                            </p:txEl>
+                                          </p:spTgt>
+                                        </p:tgtEl>
+                                        <p:attrNameLst>
+                                          <p:attrName>ppt_y</p:attrName>
+                                        </p:attrNameLst>
+                                      </p:cBhvr>
+                                      <p:tavLst>
+                                        <p:tav tm="0">
+                                          <p:val>
+                                            <p:strVal val="#ppt_y+.1"/>
+                                          </p:val>
+                                        </p:tav>
+                                        <p:tav tm="100000">
+                                          <p:val>
+                                            <p:strVal val="#ppt_y"/>
+                                          </p:val>
+                                        </p:tav>
+                                      </p:tavLst>
+                                    </p:anim>
+                                  </p:childTnLst>
+                                </p:cTn>
+                              </p:par>
+                            </p:childTnLst>
+                          </p:cTn>
+                        </p:par>
+                      </p:childTnLst>
+                    </p:cTn>
+                  </p:par>
+                  <p:par>
+                    <p:cTn id="38" fill="hold">
+                      <p:stCondLst>
+                        <p:cond delay="indefinite"/>
+                      </p:stCondLst>
+                      <p:childTnLst>
+                        <p:par>
+                          <p:cTn id="39" fill="hold">
+                            <p:stCondLst>
+                              <p:cond delay="0"/>
+                            </p:stCondLst>
+                            <p:childTnLst>
+                              <p:par>
+                                <p:cTn id="40" presetID="42" presetClass="entr" presetSubtype="0" fill="hold" grpId="0" nodeType="clickEffect">
+                                  <p:stCondLst>
+                                    <p:cond delay="0"/>
+                                  </p:stCondLst>
+                                  <p:childTnLst>
+                                    <p:set>
+                                      <p:cBhvr>
+                                        <p:cTn id="41" dur="1" fill="hold">
+                                          <p:stCondLst>
+                                            <p:cond delay="0"/>
+                                          </p:stCondLst>
+                                        </p:cTn>
+                                        <p:tgtEl>
+                                          <p:spTgt spid="3">
+                                            <p:txEl>
+                                              <p:pRg st="5" end="5"/>
+                                            </p:txEl>
+                                          </p:spTgt>
+                                        </p:tgtEl>
+                                        <p:attrNameLst>
+                                          <p:attrName>style.visibility</p:attrName>
+                                        </p:attrNameLst>
+                                      </p:cBhvr>
+                                      <p:to>
+                                        <p:strVal val="visible"/>
+                                      </p:to>
+                                    </p:set>
+                                    <p:animEffect transition="in" filter="fade">
+                                      <p:cBhvr>
+                                        <p:cTn id="42" dur="1000"/>
+                                        <p:tgtEl>
+                                          <p:spTgt spid="3">
+                                            <p:txEl>
+                                              <p:pRg st="5" end="5"/>
+                                            </p:txEl>
+                                          </p:spTgt>
+                                        </p:tgtEl>
+                                      </p:cBhvr>
+                                    </p:animEffect>
+                                    <p:anim calcmode="lin" valueType="num">
+                                      <p:cBhvr>
+                                        <p:cTn id="43" dur="1000" fill="hold"/>
+                                        <p:tgtEl>
+                                          <p:spTgt spid="3">
+                                            <p:txEl>
+                                              <p:pRg st="5" end="5"/>
+                                            </p:txEl>
+                                          </p:spTgt>
+                                        </p:tgtEl>
+                                        <p:attrNameLst>
+                                          <p:attrName>ppt_x</p:attrName>
+                                        </p:attrNameLst>
+                                      </p:cBhvr>
+                                      <p:tavLst>
+                                        <p:tav tm="0">
+                                          <p:val>
+                                            <p:strVal val="#ppt_x"/>
+                                          </p:val>
+                                        </p:tav>
+                                        <p:tav tm="100000">
+                                          <p:val>
+                                            <p:strVal val="#ppt_x"/>
+                                          </p:val>
+                                        </p:tav>
+                                      </p:tavLst>
+                                    </p:anim>
+                                    <p:anim calcmode="lin" valueType="num">
+                                      <p:cBhvr>
+                                        <p:cTn id="44" dur="1000" fill="hold"/>
+                                        <p:tgtEl>
+                                          <p:spTgt spid="3">
+                                            <p:txEl>
+                                              <p:pRg st="5" end="5"/>
+                                            </p:txEl>
+                                          </p:spTgt>
+                                        </p:tgtEl>
+                                        <p:attrNameLst>
+                                          <p:attrName>ppt_y</p:attrName>
+                                        </p:attrNameLst>
+                                      </p:cBhvr>
+                                      <p:tavLst>
+                                        <p:tav tm="0">
+                                          <p:val>
+                                            <p:strVal val="#ppt_y+.1"/>
+                                          </p:val>
+                                        </p:tav>
+                                        <p:tav tm="100000">
+                                          <p:val>
+                                            <p:strVal val="#ppt_y"/>
+                                          </p:val>
+                                        </p:tav>
+                                      </p:tavLst>
+                                    </p:anim>
+                                  </p:childTnLst>
+                                </p:cTn>
+                              </p:par>
+                            </p:childTnLst>
+                          </p:cTn>
+                        </p:par>
+                      </p:childTnLst>
+                    </p:cTn>
+                  </p:par>
+                  <p:par>
+                    <p:cTn id="45" fill="hold">
+                      <p:stCondLst>
+                        <p:cond delay="indefinite"/>
+                      </p:stCondLst>
+                      <p:childTnLst>
+                        <p:par>
+                          <p:cTn id="46" fill="hold">
+                            <p:stCondLst>
+                              <p:cond delay="0"/>
+                            </p:stCondLst>
+                            <p:childTnLst>
+                              <p:par>
+                                <p:cTn id="47" presetID="42" presetClass="entr" presetSubtype="0" fill="hold" grpId="0" nodeType="clickEffect">
+                                  <p:stCondLst>
+                                    <p:cond delay="0"/>
+                                  </p:stCondLst>
+                                  <p:childTnLst>
+                                    <p:set>
+                                      <p:cBhvr>
+                                        <p:cTn id="48" dur="1" fill="hold">
+                                          <p:stCondLst>
+                                            <p:cond delay="0"/>
+                                          </p:stCondLst>
+                                        </p:cTn>
+                                        <p:tgtEl>
+                                          <p:spTgt spid="3">
+                                            <p:txEl>
+                                              <p:pRg st="6" end="6"/>
+                                            </p:txEl>
+                                          </p:spTgt>
+                                        </p:tgtEl>
+                                        <p:attrNameLst>
+                                          <p:attrName>style.visibility</p:attrName>
+                                        </p:attrNameLst>
+                                      </p:cBhvr>
+                                      <p:to>
+                                        <p:strVal val="visible"/>
+                                      </p:to>
+                                    </p:set>
+                                    <p:animEffect transition="in" filter="fade">
+                                      <p:cBhvr>
+                                        <p:cTn id="49" dur="1000"/>
+                                        <p:tgtEl>
+                                          <p:spTgt spid="3">
+                                            <p:txEl>
+                                              <p:pRg st="6" end="6"/>
+                                            </p:txEl>
+                                          </p:spTgt>
+                                        </p:tgtEl>
+                                      </p:cBhvr>
+                                    </p:animEffect>
+                                    <p:anim calcmode="lin" valueType="num">
+                                      <p:cBhvr>
+                                        <p:cTn id="50" dur="1000" fill="hold"/>
+                                        <p:tgtEl>
+                                          <p:spTgt spid="3">
+                                            <p:txEl>
+                                              <p:pRg st="6" end="6"/>
+                                            </p:txEl>
+                                          </p:spTgt>
+                                        </p:tgtEl>
+                                        <p:attrNameLst>
+                                          <p:attrName>ppt_x</p:attrName>
+                                        </p:attrNameLst>
+                                      </p:cBhvr>
+                                      <p:tavLst>
+                                        <p:tav tm="0">
+                                          <p:val>
+                                            <p:strVal val="#ppt_x"/>
+                                          </p:val>
+                                        </p:tav>
+                                        <p:tav tm="100000">
+                                          <p:val>
+                                            <p:strVal val="#ppt_x"/>
+                                          </p:val>
+                                        </p:tav>
+                                      </p:tavLst>
+                                    </p:anim>
+                                    <p:anim calcmode="lin" valueType="num">
+                                      <p:cBhvr>
+                                        <p:cTn id="51" dur="1000" fill="hold"/>
+                                        <p:tgtEl>
+                                          <p:spTgt spid="3">
+                                            <p:txEl>
+                                              <p:pRg st="6" end="6"/>
+                                            </p:txEl>
+                                          </p:spTgt>
+                                        </p:tgtEl>
+                                        <p:attrNameLst>
+                                          <p:attrName>ppt_y</p:attrName>
+                                        </p:attrNameLst>
+                                      </p:cBhvr>
+                                      <p:tavLst>
+                                        <p:tav tm="0">
+                                          <p:val>
+                                            <p:strVal val="#ppt_y+.1"/>
+                                          </p:val>
+                                        </p:tav>
+                                        <p:tav tm="100000">
+                                          <p:val>
+                                            <p:strVal val="#ppt_y"/>
+                                          </p:val>
+                                        </p:tav>
+                                      </p:tavLst>
+                                    </p:anim>
+                                  </p:childTnLst>
+                                </p:cTn>
+                              </p:par>
+                            </p:childTnLst>
+                          </p:cTn>
+                        </p:par>
+                      </p:childTnLst>
+                    </p:cTn>
+                  </p:par>
+                  <p:par>
+                    <p:cTn id="52" fill="hold">
+                      <p:stCondLst>
+                        <p:cond delay="indefinite"/>
+                      </p:stCondLst>
+                      <p:childTnLst>
+                        <p:par>
+                          <p:cTn id="53" fill="hold">
+                            <p:stCondLst>
+                              <p:cond delay="0"/>
+                            </p:stCondLst>
+                            <p:childTnLst>
+                              <p:par>
+                                <p:cTn id="54" presetID="42" presetClass="entr" presetSubtype="0" fill="hold" grpId="0" nodeType="clickEffect">
+                                  <p:stCondLst>
+                                    <p:cond delay="0"/>
+                                  </p:stCondLst>
+                                  <p:childTnLst>
+                                    <p:set>
+                                      <p:cBhvr>
+                                        <p:cTn id="55" dur="1" fill="hold">
+                                          <p:stCondLst>
+                                            <p:cond delay="0"/>
+                                          </p:stCondLst>
+                                        </p:cTn>
+                                        <p:tgtEl>
+                                          <p:spTgt spid="3">
+                                            <p:txEl>
+                                              <p:pRg st="8" end="8"/>
+                                            </p:txEl>
+                                          </p:spTgt>
+                                        </p:tgtEl>
+                                        <p:attrNameLst>
+                                          <p:attrName>style.visibility</p:attrName>
+                                        </p:attrNameLst>
+                                      </p:cBhvr>
+                                      <p:to>
+                                        <p:strVal val="visible"/>
+                                      </p:to>
+                                    </p:set>
+                                    <p:animEffect transition="in" filter="fade">
+                                      <p:cBhvr>
+                                        <p:cTn id="56" dur="1000"/>
+                                        <p:tgtEl>
+                                          <p:spTgt spid="3">
+                                            <p:txEl>
+                                              <p:pRg st="8" end="8"/>
+                                            </p:txEl>
+                                          </p:spTgt>
+                                        </p:tgtEl>
+                                      </p:cBhvr>
+                                    </p:animEffect>
+                                    <p:anim calcmode="lin" valueType="num">
+                                      <p:cBhvr>
+                                        <p:cTn id="57" dur="1000" fill="hold"/>
+                                        <p:tgtEl>
+                                          <p:spTgt spid="3">
+                                            <p:txEl>
+                                              <p:pRg st="8" end="8"/>
+                                            </p:txEl>
+                                          </p:spTgt>
+                                        </p:tgtEl>
+                                        <p:attrNameLst>
+                                          <p:attrName>ppt_x</p:attrName>
+                                        </p:attrNameLst>
+                                      </p:cBhvr>
+                                      <p:tavLst>
+                                        <p:tav tm="0">
+                                          <p:val>
+                                            <p:strVal val="#ppt_x"/>
+                                          </p:val>
+                                        </p:tav>
+                                        <p:tav tm="100000">
+                                          <p:val>
+                                            <p:strVal val="#ppt_x"/>
+                                          </p:val>
+                                        </p:tav>
+                                      </p:tavLst>
+                                    </p:anim>
+                                    <p:anim calcmode="lin" valueType="num">
+                                      <p:cBhvr>
+                                        <p:cTn id="58" dur="1000" fill="hold"/>
+                                        <p:tgtEl>
+                                          <p:spTgt spid="3">
+                                            <p:txEl>
+                                              <p:pRg st="8" end="8"/>
+                                            </p:txEl>
+                                          </p:spTgt>
+                                        </p:tgtEl>
+                                        <p:attrNameLst>
+                                          <p:attrName>ppt_y</p:attrName>
+                                        </p:attrNameLst>
+                                      </p:cBhvr>
+                                      <p:tavLst>
+                                        <p:tav tm="0">
+                                          <p:val>
+                                            <p:strVal val="#ppt_y+.1"/>
+                                          </p:val>
+                                        </p:tav>
+                                        <p:tav tm="100000">
+                                          <p:val>
+                                            <p:strVal val="#ppt_y"/>
+                                          </p:val>
+                                        </p:tav>
+                                      </p:tavLst>
+                                    </p:anim>
+                                  </p:childTnLst>
+                                </p:cTn>
+                              </p:par>
+                            </p:childTnLst>
+                          </p:cTn>
+                        </p:par>
+                      </p:childTnLst>
+                    </p:cTn>
+                  </p:par>
+                  <p:par>
+                    <p:cTn id="59" fill="hold">
+                      <p:stCondLst>
+                        <p:cond delay="indefinite"/>
+                      </p:stCondLst>
+                      <p:childTnLst>
+                        <p:par>
+                          <p:cTn id="60" fill="hold">
+                            <p:stCondLst>
+                              <p:cond delay="0"/>
+                            </p:stCondLst>
+                            <p:childTnLst>
+                              <p:par>
+                                <p:cTn id="61" presetID="42" presetClass="entr" presetSubtype="0" fill="hold" grpId="0" nodeType="clickEffect">
+                                  <p:stCondLst>
+                                    <p:cond delay="0"/>
+                                  </p:stCondLst>
+                                  <p:childTnLst>
+                                    <p:set>
+                                      <p:cBhvr>
+                                        <p:cTn id="62" dur="1" fill="hold">
+                                          <p:stCondLst>
+                                            <p:cond delay="0"/>
+                                          </p:stCondLst>
+                                        </p:cTn>
+                                        <p:tgtEl>
+                                          <p:spTgt spid="3">
+                                            <p:txEl>
+                                              <p:pRg st="9" end="9"/>
+                                            </p:txEl>
+                                          </p:spTgt>
+                                        </p:tgtEl>
+                                        <p:attrNameLst>
+                                          <p:attrName>style.visibility</p:attrName>
+                                        </p:attrNameLst>
+                                      </p:cBhvr>
+                                      <p:to>
+                                        <p:strVal val="visible"/>
+                                      </p:to>
+                                    </p:set>
+                                    <p:animEffect transition="in" filter="fade">
+                                      <p:cBhvr>
+                                        <p:cTn id="63" dur="1000"/>
+                                        <p:tgtEl>
+                                          <p:spTgt spid="3">
+                                            <p:txEl>
+                                              <p:pRg st="9" end="9"/>
+                                            </p:txEl>
+                                          </p:spTgt>
+                                        </p:tgtEl>
+                                      </p:cBhvr>
+                                    </p:animEffect>
+                                    <p:anim calcmode="lin" valueType="num">
+                                      <p:cBhvr>
+                                        <p:cTn id="64" dur="1000" fill="hold"/>
+                                        <p:tgtEl>
+                                          <p:spTgt spid="3">
+                                            <p:txEl>
+                                              <p:pRg st="9" end="9"/>
+                                            </p:txEl>
+                                          </p:spTgt>
+                                        </p:tgtEl>
+                                        <p:attrNameLst>
+                                          <p:attrName>ppt_x</p:attrName>
+                                        </p:attrNameLst>
+                                      </p:cBhvr>
+                                      <p:tavLst>
+                                        <p:tav tm="0">
+                                          <p:val>
+                                            <p:strVal val="#ppt_x"/>
+                                          </p:val>
+                                        </p:tav>
+                                        <p:tav tm="100000">
+                                          <p:val>
+                                            <p:strVal val="#ppt_x"/>
+                                          </p:val>
+                                        </p:tav>
+                                      </p:tavLst>
+                                    </p:anim>
+                                    <p:anim calcmode="lin" valueType="num">
+                                      <p:cBhvr>
+                                        <p:cTn id="65" dur="1000" fill="hold"/>
+                                        <p:tgtEl>
+                                          <p:spTgt spid="3">
+                                            <p:txEl>
+                                              <p:pRg st="9" end="9"/>
+                                            </p:txEl>
+                                          </p:spTgt>
+                                        </p:tgtEl>
+                                        <p:attrNameLst>
+                                          <p:attrName>ppt_y</p:attrName>
+                                        </p:attrNameLst>
+                                      </p:cBhvr>
+                                      <p:tavLst>
+                                        <p:tav tm="0">
+                                          <p:val>
+                                            <p:strVal val="#ppt_y+.1"/>
+                                          </p:val>
+                                        </p:tav>
+                                        <p:tav tm="100000">
+                                          <p:val>
+                                            <p:strVal val="#ppt_y"/>
+                                          </p:val>
+                                        </p:tav>
+                                      </p:tavLst>
+                                    </p:anim>
+                                  </p:childTnLst>
+                                </p:cTn>
+                              </p:par>
+                            </p:childTnLst>
+                          </p:cTn>
+                        </p:par>
+                      </p:childTnLst>
+                    </p:cTn>
+                  </p:par>
+                  <p:par>
+                    <p:cTn id="66" fill="hold">
+                      <p:stCondLst>
+                        <p:cond delay="indefinite"/>
+                      </p:stCondLst>
+                      <p:childTnLst>
+                        <p:par>
+                          <p:cTn id="67" fill="hold">
+                            <p:stCondLst>
+                              <p:cond delay="0"/>
+                            </p:stCondLst>
+                            <p:childTnLst>
+                              <p:par>
+                                <p:cTn id="68" presetID="42" presetClass="entr" presetSubtype="0" fill="hold" grpId="0" nodeType="clickEffect">
+                                  <p:stCondLst>
+                                    <p:cond delay="0"/>
+                                  </p:stCondLst>
+                                  <p:childTnLst>
+                                    <p:set>
+                                      <p:cBhvr>
+                                        <p:cTn id="69" dur="1" fill="hold">
+                                          <p:stCondLst>
+                                            <p:cond delay="0"/>
+                                          </p:stCondLst>
+                                        </p:cTn>
+                                        <p:tgtEl>
+                                          <p:spTgt spid="3">
+                                            <p:txEl>
+                                              <p:pRg st="10" end="10"/>
+                                            </p:txEl>
+                                          </p:spTgt>
+                                        </p:tgtEl>
+                                        <p:attrNameLst>
+                                          <p:attrName>style.visibility</p:attrName>
+                                        </p:attrNameLst>
+                                      </p:cBhvr>
+                                      <p:to>
+                                        <p:strVal val="visible"/>
+                                      </p:to>
+                                    </p:set>
+                                    <p:animEffect transition="in" filter="fade">
+                                      <p:cBhvr>
+                                        <p:cTn id="70" dur="1000"/>
+                                        <p:tgtEl>
+                                          <p:spTgt spid="3">
+                                            <p:txEl>
+                                              <p:pRg st="10" end="10"/>
+                                            </p:txEl>
+                                          </p:spTgt>
+                                        </p:tgtEl>
+                                      </p:cBhvr>
+                                    </p:animEffect>
+                                    <p:anim calcmode="lin" valueType="num">
+                                      <p:cBhvr>
+                                        <p:cTn id="71" dur="1000" fill="hold"/>
+                                        <p:tgtEl>
+                                          <p:spTgt spid="3">
+                                            <p:txEl>
+                                              <p:pRg st="10" end="10"/>
+                                            </p:txEl>
+                                          </p:spTgt>
+                                        </p:tgtEl>
+                                        <p:attrNameLst>
+                                          <p:attrName>ppt_x</p:attrName>
+                                        </p:attrNameLst>
+                                      </p:cBhvr>
+                                      <p:tavLst>
+                                        <p:tav tm="0">
+                                          <p:val>
+                                            <p:strVal val="#ppt_x"/>
+                                          </p:val>
+                                        </p:tav>
+                                        <p:tav tm="100000">
+                                          <p:val>
+                                            <p:strVal val="#ppt_x"/>
+                                          </p:val>
+                                        </p:tav>
+                                      </p:tavLst>
+                                    </p:anim>
+                                    <p:anim calcmode="lin" valueType="num">
+                                      <p:cBhvr>
+                                        <p:cTn id="72" dur="1000" fill="hold"/>
+                                        <p:tgtEl>
+                                          <p:spTgt spid="3">
+                                            <p:txEl>
+                                              <p:pRg st="10" end="10"/>
+                                            </p:txEl>
+                                          </p:spTgt>
+                                        </p:tgtEl>
+                                        <p:attrNameLst>
+                                          <p:attrName>ppt_y</p:attrName>
+                                        </p:attrNameLst>
+                                      </p:cBhvr>
+                                      <p:tavLst>
+                                        <p:tav tm="0">
+                                          <p:val>
+                                            <p:strVal val="#ppt_y+.1"/>
+                                          </p:val>
+                                        </p:tav>
+                                        <p:tav tm="100000">
+                                          <p:val>
+                                            <p:strVal val="#ppt_y"/>
+                                          </p:val>
+                                        </p:tav>
+                                      </p:tavLst>
+                                    </p:anim>
+                                  </p:childTnLst>
+                                </p:cTn>
+                              </p:par>
+                            </p:childTnLst>
+                          </p:cTn>
+                        </p:par>
+                      </p:childTnLst>
+                    </p:cTn>
+                  </p:par>
+                  <p:par>
+                    <p:cTn id="73" fill="hold">
+                      <p:stCondLst>
+                        <p:cond delay="indefinite"/>
+                      </p:stCondLst>
+                      <p:childTnLst>
+                        <p:par>
+                          <p:cTn id="74" fill="hold">
+                            <p:stCondLst>
+                              <p:cond delay="0"/>
+                            </p:stCondLst>
+                            <p:childTnLst>
+                              <p:par>
+                                <p:cTn id="75" presetID="42" presetClass="entr" presetSubtype="0" fill="hold" grpId="0" nodeType="clickEffect">
+                                  <p:stCondLst>
+                                    <p:cond delay="0"/>
+                                  </p:stCondLst>
+                                  <p:childTnLst>
+                                    <p:set>
+                                      <p:cBhvr>
+                                        <p:cTn id="76" dur="1" fill="hold">
+                                          <p:stCondLst>
+                                            <p:cond delay="0"/>
+                                          </p:stCondLst>
+                                        </p:cTn>
+                                        <p:tgtEl>
+                                          <p:spTgt spid="3">
+                                            <p:txEl>
+                                              <p:pRg st="11" end="11"/>
+                                            </p:txEl>
+                                          </p:spTgt>
+                                        </p:tgtEl>
+                                        <p:attrNameLst>
+                                          <p:attrName>style.visibility</p:attrName>
+                                        </p:attrNameLst>
+                                      </p:cBhvr>
+                                      <p:to>
+                                        <p:strVal val="visible"/>
+                                      </p:to>
+                                    </p:set>
+                                    <p:animEffect transition="in" filter="fade">
+                                      <p:cBhvr>
+                                        <p:cTn id="77" dur="1000"/>
+                                        <p:tgtEl>
+                                          <p:spTgt spid="3">
+                                            <p:txEl>
+                                              <p:pRg st="11" end="11"/>
+                                            </p:txEl>
+                                          </p:spTgt>
+                                        </p:tgtEl>
+                                      </p:cBhvr>
+                                    </p:animEffect>
+                                    <p:anim calcmode="lin" valueType="num">
+                                      <p:cBhvr>
+                                        <p:cTn id="78" dur="1000" fill="hold"/>
+                                        <p:tgtEl>
+                                          <p:spTgt spid="3">
+                                            <p:txEl>
+                                              <p:pRg st="11" end="11"/>
+                                            </p:txEl>
+                                          </p:spTgt>
+                                        </p:tgtEl>
+                                        <p:attrNameLst>
+                                          <p:attrName>ppt_x</p:attrName>
+                                        </p:attrNameLst>
+                                      </p:cBhvr>
+                                      <p:tavLst>
+                                        <p:tav tm="0">
+                                          <p:val>
+                                            <p:strVal val="#ppt_x"/>
+                                          </p:val>
+                                        </p:tav>
+                                        <p:tav tm="100000">
+                                          <p:val>
+                                            <p:strVal val="#ppt_x"/>
+                                          </p:val>
+                                        </p:tav>
+                                      </p:tavLst>
+                                    </p:anim>
+                                    <p:anim calcmode="lin" valueType="num">
+                                      <p:cBhvr>
+                                        <p:cTn id="79" dur="1000" fill="hold"/>
+                                        <p:tgtEl>
+                                          <p:spTgt spid="3">
+                                            <p:txEl>
+                                              <p:pRg st="11" end="11"/>
+                                            </p:txEl>
+                                          </p:spTgt>
+                                        </p:tgtEl>
+                                        <p:attrNameLst>
+                                          <p:attrName>ppt_y</p:attrName>
+                                        </p:attrNameLst>
+                                      </p:cBhvr>
+                                      <p:tavLst>
+                                        <p:tav tm="0">
+                                          <p:val>
+                                            <p:strVal val="#ppt_y+.1"/>
+                                          </p:val>
+                                        </p:tav>
+                                        <p:tav tm="100000">
+                                          <p:val>
+                                            <p:strVal val="#ppt_y"/>
+                                          </p:val>
+                                        </p:tav>
+                                      </p:tavLst>
+                                    </p:anim>
+                                  </p:childTnLst>
+                                </p:cTn>
+                              </p:par>
+                            </p:childTnLst>
+                          </p:cTn>
+                        </p:par>
+                      </p:childTnLst>
+                    </p:cTn>
+                  </p:par>
+                  <p:par>
+                    <p:cTn id="80" fill="hold">
+                      <p:stCondLst>
+                        <p:cond delay="indefinite"/>
+                      </p:stCondLst>
+                      <p:childTnLst>
+                        <p:par>
+                          <p:cTn id="81" fill="hold">
+                            <p:stCondLst>
+                              <p:cond delay="0"/>
+                            </p:stCondLst>
+                            <p:childTnLst>
+                              <p:par>
+                                <p:cTn id="82" presetID="42" presetClass="entr" presetSubtype="0" fill="hold" grpId="0" nodeType="clickEffect">
+                                  <p:stCondLst>
+                                    <p:cond delay="0"/>
+                                  </p:stCondLst>
+                                  <p:childTnLst>
+                                    <p:set>
+                                      <p:cBhvr>
+                                        <p:cTn id="83" dur="1" fill="hold">
+                                          <p:stCondLst>
+                                            <p:cond delay="0"/>
+                                          </p:stCondLst>
+                                        </p:cTn>
+                                        <p:tgtEl>
+                                          <p:spTgt spid="3">
+                                            <p:txEl>
+                                              <p:pRg st="12" end="12"/>
+                                            </p:txEl>
+                                          </p:spTgt>
+                                        </p:tgtEl>
+                                        <p:attrNameLst>
+                                          <p:attrName>style.visibility</p:attrName>
+                                        </p:attrNameLst>
+                                      </p:cBhvr>
+                                      <p:to>
+                                        <p:strVal val="visible"/>
+                                      </p:to>
+                                    </p:set>
+                                    <p:animEffect transition="in" filter="fade">
+                                      <p:cBhvr>
+                                        <p:cTn id="84" dur="1000"/>
+                                        <p:tgtEl>
+                                          <p:spTgt spid="3">
+                                            <p:txEl>
+                                              <p:pRg st="12" end="12"/>
+                                            </p:txEl>
+                                          </p:spTgt>
+                                        </p:tgtEl>
+                                      </p:cBhvr>
+                                    </p:animEffect>
+                                    <p:anim calcmode="lin" valueType="num">
+                                      <p:cBhvr>
+                                        <p:cTn id="85" dur="1000" fill="hold"/>
+                                        <p:tgtEl>
+                                          <p:spTgt spid="3">
+                                            <p:txEl>
+                                              <p:pRg st="12" end="12"/>
+                                            </p:txEl>
+                                          </p:spTgt>
+                                        </p:tgtEl>
+                                        <p:attrNameLst>
+                                          <p:attrName>ppt_x</p:attrName>
+                                        </p:attrNameLst>
+                                      </p:cBhvr>
+                                      <p:tavLst>
+                                        <p:tav tm="0">
+                                          <p:val>
+                                            <p:strVal val="#ppt_x"/>
+                                          </p:val>
+                                        </p:tav>
+                                        <p:tav tm="100000">
+                                          <p:val>
+                                            <p:strVal val="#ppt_x"/>
+                                          </p:val>
+                                        </p:tav>
+                                      </p:tavLst>
+                                    </p:anim>
+                                    <p:anim calcmode="lin" valueType="num">
+                                      <p:cBhvr>
+                                        <p:cTn id="86" dur="1000" fill="hold"/>
+                                        <p:tgtEl>
+                                          <p:spTgt spid="3">
+                                            <p:txEl>
+                                              <p:pRg st="12" end="12"/>
+                                            </p:txEl>
+                                          </p:spTgt>
+                                        </p:tgtEl>
+                                        <p:attrNameLst>
+                                          <p:attrName>ppt_y</p:attrName>
+                                        </p:attrNameLst>
+                                      </p:cBhvr>
+                                      <p:tavLst>
+                                        <p:tav tm="0">
+                                          <p:val>
+                                            <p:strVal val="#ppt_y+.1"/>
+                                          </p:val>
+                                        </p:tav>
+                                        <p:tav tm="100000">
+                                          <p:val>
+                                            <p:strVal val="#ppt_y"/>
+                                          </p:val>
+                                        </p:tav>
+                                      </p:tavLst>
+                                    </p:anim>
+                                  </p:childTnLst>
+                                </p:cTn>
+                              </p:par>
+                            </p:childTnLst>
+                          </p:cTn>
+                        </p:par>
+                      </p:childTnLst>
+                    </p:cTn>
+                  </p:par>
+                </p:childTnLst>
+              </p:cTn>
+              <p:prevCondLst>
+                <p:cond evt="onPrev" delay="0">
+                  <p:tgtEl>
+                    <p:sldTgt/>
+                  </p:tgtEl>
+                </p:cond>
+              </p:prevCondLst>
+              <p:nextCondLst>
+                <p:cond evt="onNext" delay="0">
+                  <p:tgtEl>
+                    <p:sldTgt/>
+                  </p:tgtEl>
+                </p:cond>
+              </p:nextCondLst>
+            </p:seq>
+          </p:childTnLst>
+        </p:cTn>
+      </p:par>
+    </p:tnLst>
+    <p:bldLst>
+      <p:bldP spid="3" grpId="0" build="p"/>
+    </p:bldLst>
+  </p:timing>
 </p:sld>
 </file>
 
@@ -6409,7 +8714,7 @@
         </p:blipFill>
         <p:spPr>
           <a:xfrm>
-            <a:off x="679487" y="573515"/>
+            <a:off x="772509" y="662628"/>
             <a:ext cx="10824615" cy="5532744"/>
           </a:xfrm>
         </p:spPr>
@@ -6485,7 +8790,7 @@
         <p:spPr>
           <a:xfrm>
             <a:off x="3430576" y="3998025"/>
-            <a:ext cx="2566626" cy="369332"/>
+            <a:ext cx="2566626" cy="1200329"/>
           </a:xfrm>
           <a:prstGeom prst="rect">
             <a:avLst/>
@@ -6505,6 +8810,23 @@
                 </a:solidFill>
               </a:rPr>
               <a:t>Manque de visibilités.</a:t>
+            </a:r>
+          </a:p>
+          <a:p>
+            <a:endParaRPr lang="fr-FR" dirty="0">
+              <a:solidFill>
+                <a:srgbClr val="751515"/>
+              </a:solidFill>
+            </a:endParaRPr>
+          </a:p>
+          <a:p>
+            <a:r>
+              <a:rPr lang="fr-FR" dirty="0">
+                <a:solidFill>
+                  <a:srgbClr val="751515"/>
+                </a:solidFill>
+              </a:rPr>
+              <a:t>Un seul style de peinture.</a:t>
             </a:r>
           </a:p>
         </p:txBody>
@@ -6523,8 +8845,8 @@
         </p:nvSpPr>
         <p:spPr>
           <a:xfrm>
-            <a:off x="6280982" y="3887167"/>
-            <a:ext cx="2396359" cy="1200329"/>
+            <a:off x="6358172" y="4025667"/>
+            <a:ext cx="2396359" cy="923330"/>
           </a:xfrm>
           <a:prstGeom prst="rect">
             <a:avLst/>
@@ -6543,17 +8865,7 @@
                   <a:srgbClr val="751515"/>
                 </a:solidFill>
               </a:rPr>
-              <a:t>Augmentation des </a:t>
-            </a:r>
-          </a:p>
-          <a:p>
-            <a:r>
-              <a:rPr lang="fr-FR" dirty="0">
-                <a:solidFill>
-                  <a:srgbClr val="751515"/>
-                </a:solidFill>
-              </a:rPr>
-              <a:t>ventes grâce a une plus grande accessibilité.</a:t>
+              <a:t>Région qui fait la part belle au métier artistique.</a:t>
             </a:r>
           </a:p>
         </p:txBody>
@@ -6572,8 +8884,8 @@
         </p:nvSpPr>
         <p:spPr>
           <a:xfrm>
-            <a:off x="9005263" y="3887167"/>
-            <a:ext cx="2314910" cy="1200329"/>
+            <a:off x="9282214" y="3610169"/>
+            <a:ext cx="2314910" cy="1754326"/>
           </a:xfrm>
           <a:prstGeom prst="rect">
             <a:avLst/>
@@ -6586,14 +8898,11 @@
           </a:bodyPr>
           <a:lstStyle/>
           <a:p>
-            <a:r>
-              <a:rPr lang="fr-FR" dirty="0">
-                <a:solidFill>
-                  <a:srgbClr val="751515"/>
-                </a:solidFill>
-              </a:rPr>
-              <a:t>Couverture Médiatique faible.</a:t>
-            </a:r>
+            <a:endParaRPr lang="fr-FR" dirty="0">
+              <a:solidFill>
+                <a:srgbClr val="751515"/>
+              </a:solidFill>
+            </a:endParaRPr>
           </a:p>
           <a:p>
             <a:r>
@@ -6603,6 +8912,23 @@
                 </a:solidFill>
               </a:rPr>
               <a:t>De nombreux concurrents.</a:t>
+            </a:r>
+          </a:p>
+          <a:p>
+            <a:endParaRPr lang="fr-FR" dirty="0">
+              <a:solidFill>
+                <a:srgbClr val="751515"/>
+              </a:solidFill>
+            </a:endParaRPr>
+          </a:p>
+          <a:p>
+            <a:r>
+              <a:rPr lang="fr-FR" dirty="0">
+                <a:solidFill>
+                  <a:srgbClr val="751515"/>
+                </a:solidFill>
+              </a:rPr>
+              <a:t>Perte du pouvoir d’achat.</a:t>
             </a:r>
           </a:p>
         </p:txBody>
@@ -7173,68 +9499,6 @@
           <p:cNvPr id="3" name="Espace réservé du contenu 2">
             <a:extLst>
               <a:ext uri="{FF2B5EF4-FFF2-40B4-BE49-F238E27FC236}">
-                <a16:creationId xmlns:a16="http://schemas.microsoft.com/office/drawing/2014/main" id="{2F4828E4-7313-5F64-2274-5E5DC1C0E42B}"/>
-              </a:ext>
-            </a:extLst>
-          </p:cNvPr>
-          <p:cNvSpPr>
-            <a:spLocks noGrp="1"/>
-          </p:cNvSpPr>
-          <p:nvPr>
-            <p:ph idx="1"/>
-          </p:nvPr>
-        </p:nvSpPr>
-        <p:spPr/>
-        <p:txBody>
-          <a:bodyPr/>
-          <a:lstStyle/>
-          <a:p>
-            <a:r>
-              <a:rPr lang="fr-FR" b="1" u="sng" dirty="0">
-                <a:solidFill>
-                  <a:srgbClr val="751515"/>
-                </a:solidFill>
-              </a:rPr>
-              <a:t>Maquettage:</a:t>
-            </a:r>
-          </a:p>
-        </p:txBody>
-      </p:sp>
-    </p:spTree>
-    <p:extLst>
-      <p:ext uri="{BB962C8B-B14F-4D97-AF65-F5344CB8AC3E}">
-        <p14:creationId xmlns:p14="http://schemas.microsoft.com/office/powerpoint/2010/main" val="2417484879"/>
-      </p:ext>
-    </p:extLst>
-  </p:cSld>
-  <p:clrMapOvr>
-    <a:masterClrMapping/>
-  </p:clrMapOvr>
-</p:sld>
-</file>
-
-<file path=ppt/slides/slide8.xml><?xml version="1.0" encoding="utf-8"?>
-<p:sld xmlns:a="http://schemas.openxmlformats.org/drawingml/2006/main" xmlns:r="http://schemas.openxmlformats.org/officeDocument/2006/relationships" xmlns:p="http://schemas.openxmlformats.org/presentationml/2006/main">
-  <p:cSld>
-    <p:spTree>
-      <p:nvGrpSpPr>
-        <p:cNvPr id="1" name=""/>
-        <p:cNvGrpSpPr/>
-        <p:nvPr/>
-      </p:nvGrpSpPr>
-      <p:grpSpPr>
-        <a:xfrm>
-          <a:off x="0" y="0"/>
-          <a:ext cx="0" cy="0"/>
-          <a:chOff x="0" y="0"/>
-          <a:chExt cx="0" cy="0"/>
-        </a:xfrm>
-      </p:grpSpPr>
-      <p:sp>
-        <p:nvSpPr>
-          <p:cNvPr id="3" name="Espace réservé du contenu 2">
-            <a:extLst>
-              <a:ext uri="{FF2B5EF4-FFF2-40B4-BE49-F238E27FC236}">
                 <a16:creationId xmlns:a16="http://schemas.microsoft.com/office/drawing/2014/main" id="{B590736F-5B47-A1FD-002D-3878E229EC56}"/>
               </a:ext>
             </a:extLst>
@@ -7342,7 +9606,7 @@
         </p:nvGrpSpPr>
         <p:grpSpPr>
           <a:xfrm>
-            <a:off x="3344285" y="3984171"/>
+            <a:off x="3353413" y="3871084"/>
             <a:ext cx="4568641" cy="2371106"/>
             <a:chOff x="684212" y="4114800"/>
             <a:chExt cx="4568641" cy="2371106"/>
@@ -7553,634 +9817,6 @@
         </p:sp>
         <p:sp>
           <p:nvSpPr>
-            <p:cNvPr id="12" name="Forme libre : forme 11">
-              <a:extLst>
-                <a:ext uri="{FF2B5EF4-FFF2-40B4-BE49-F238E27FC236}">
-                  <a16:creationId xmlns:a16="http://schemas.microsoft.com/office/drawing/2014/main" id="{F3A0C2CF-6930-6FEE-D286-3B52B90089F3}"/>
-                </a:ext>
-              </a:extLst>
-            </p:cNvPr>
-            <p:cNvSpPr/>
-            <p:nvPr/>
-          </p:nvSpPr>
-          <p:spPr>
-            <a:xfrm>
-              <a:off x="1787236" y="4756068"/>
-              <a:ext cx="2327564" cy="446852"/>
-            </a:xfrm>
-            <a:custGeom>
-              <a:avLst/>
-              <a:gdLst>
-                <a:gd name="connsiteX0" fmla="*/ 0 w 2327564"/>
-                <a:gd name="connsiteY0" fmla="*/ 0 h 446852"/>
-                <a:gd name="connsiteX1" fmla="*/ 11876 w 2327564"/>
-                <a:gd name="connsiteY1" fmla="*/ 95002 h 446852"/>
-                <a:gd name="connsiteX2" fmla="*/ 17813 w 2327564"/>
-                <a:gd name="connsiteY2" fmla="*/ 112815 h 446852"/>
-                <a:gd name="connsiteX3" fmla="*/ 35626 w 2327564"/>
-                <a:gd name="connsiteY3" fmla="*/ 142503 h 446852"/>
-                <a:gd name="connsiteX4" fmla="*/ 41564 w 2327564"/>
-                <a:gd name="connsiteY4" fmla="*/ 160316 h 446852"/>
-                <a:gd name="connsiteX5" fmla="*/ 53439 w 2327564"/>
-                <a:gd name="connsiteY5" fmla="*/ 172192 h 446852"/>
-                <a:gd name="connsiteX6" fmla="*/ 65315 w 2327564"/>
-                <a:gd name="connsiteY6" fmla="*/ 195942 h 446852"/>
-                <a:gd name="connsiteX7" fmla="*/ 118754 w 2327564"/>
-                <a:gd name="connsiteY7" fmla="*/ 261257 h 446852"/>
-                <a:gd name="connsiteX8" fmla="*/ 219694 w 2327564"/>
-                <a:gd name="connsiteY8" fmla="*/ 326571 h 446852"/>
-                <a:gd name="connsiteX9" fmla="*/ 391886 w 2327564"/>
-                <a:gd name="connsiteY9" fmla="*/ 380010 h 446852"/>
-                <a:gd name="connsiteX10" fmla="*/ 415637 w 2327564"/>
-                <a:gd name="connsiteY10" fmla="*/ 385948 h 446852"/>
-                <a:gd name="connsiteX11" fmla="*/ 486889 w 2327564"/>
-                <a:gd name="connsiteY11" fmla="*/ 397823 h 446852"/>
-                <a:gd name="connsiteX12" fmla="*/ 587829 w 2327564"/>
-                <a:gd name="connsiteY12" fmla="*/ 409698 h 446852"/>
-                <a:gd name="connsiteX13" fmla="*/ 831273 w 2327564"/>
-                <a:gd name="connsiteY13" fmla="*/ 421574 h 446852"/>
-                <a:gd name="connsiteX14" fmla="*/ 932213 w 2327564"/>
-                <a:gd name="connsiteY14" fmla="*/ 427511 h 446852"/>
-                <a:gd name="connsiteX15" fmla="*/ 1383476 w 2327564"/>
-                <a:gd name="connsiteY15" fmla="*/ 433449 h 446852"/>
-                <a:gd name="connsiteX16" fmla="*/ 1436915 w 2327564"/>
-                <a:gd name="connsiteY16" fmla="*/ 421574 h 446852"/>
-                <a:gd name="connsiteX17" fmla="*/ 1502229 w 2327564"/>
-                <a:gd name="connsiteY17" fmla="*/ 409698 h 446852"/>
-                <a:gd name="connsiteX18" fmla="*/ 1644733 w 2327564"/>
-                <a:gd name="connsiteY18" fmla="*/ 362197 h 446852"/>
-                <a:gd name="connsiteX19" fmla="*/ 1692234 w 2327564"/>
-                <a:gd name="connsiteY19" fmla="*/ 350322 h 446852"/>
-                <a:gd name="connsiteX20" fmla="*/ 1769424 w 2327564"/>
-                <a:gd name="connsiteY20" fmla="*/ 320633 h 446852"/>
-                <a:gd name="connsiteX21" fmla="*/ 1900052 w 2327564"/>
-                <a:gd name="connsiteY21" fmla="*/ 290945 h 446852"/>
-                <a:gd name="connsiteX22" fmla="*/ 1947554 w 2327564"/>
-                <a:gd name="connsiteY22" fmla="*/ 285007 h 446852"/>
-                <a:gd name="connsiteX23" fmla="*/ 2072245 w 2327564"/>
-                <a:gd name="connsiteY23" fmla="*/ 231568 h 446852"/>
-                <a:gd name="connsiteX24" fmla="*/ 2125683 w 2327564"/>
-                <a:gd name="connsiteY24" fmla="*/ 207818 h 446852"/>
-                <a:gd name="connsiteX25" fmla="*/ 2208811 w 2327564"/>
-                <a:gd name="connsiteY25" fmla="*/ 154379 h 446852"/>
-                <a:gd name="connsiteX26" fmla="*/ 2238499 w 2327564"/>
-                <a:gd name="connsiteY26" fmla="*/ 118753 h 446852"/>
-                <a:gd name="connsiteX27" fmla="*/ 2250374 w 2327564"/>
-                <a:gd name="connsiteY27" fmla="*/ 106877 h 446852"/>
-                <a:gd name="connsiteX28" fmla="*/ 2262250 w 2327564"/>
-                <a:gd name="connsiteY28" fmla="*/ 89064 h 446852"/>
-                <a:gd name="connsiteX29" fmla="*/ 2280063 w 2327564"/>
-                <a:gd name="connsiteY29" fmla="*/ 77189 h 446852"/>
-                <a:gd name="connsiteX30" fmla="*/ 2297876 w 2327564"/>
-                <a:gd name="connsiteY30" fmla="*/ 59376 h 446852"/>
-                <a:gd name="connsiteX31" fmla="*/ 2315689 w 2327564"/>
-                <a:gd name="connsiteY31" fmla="*/ 29688 h 446852"/>
-                <a:gd name="connsiteX32" fmla="*/ 2327564 w 2327564"/>
-                <a:gd name="connsiteY32" fmla="*/ 5937 h 446852"/>
-              </a:gdLst>
-              <a:ahLst/>
-              <a:cxnLst>
-                <a:cxn ang="0">
-                  <a:pos x="connsiteX0" y="connsiteY0"/>
-                </a:cxn>
-                <a:cxn ang="0">
-                  <a:pos x="connsiteX1" y="connsiteY1"/>
-                </a:cxn>
-                <a:cxn ang="0">
-                  <a:pos x="connsiteX2" y="connsiteY2"/>
-                </a:cxn>
-                <a:cxn ang="0">
-                  <a:pos x="connsiteX3" y="connsiteY3"/>
-                </a:cxn>
-                <a:cxn ang="0">
-                  <a:pos x="connsiteX4" y="connsiteY4"/>
-                </a:cxn>
-                <a:cxn ang="0">
-                  <a:pos x="connsiteX5" y="connsiteY5"/>
-                </a:cxn>
-                <a:cxn ang="0">
-                  <a:pos x="connsiteX6" y="connsiteY6"/>
-                </a:cxn>
-                <a:cxn ang="0">
-                  <a:pos x="connsiteX7" y="connsiteY7"/>
-                </a:cxn>
-                <a:cxn ang="0">
-                  <a:pos x="connsiteX8" y="connsiteY8"/>
-                </a:cxn>
-                <a:cxn ang="0">
-                  <a:pos x="connsiteX9" y="connsiteY9"/>
-                </a:cxn>
-                <a:cxn ang="0">
-                  <a:pos x="connsiteX10" y="connsiteY10"/>
-                </a:cxn>
-                <a:cxn ang="0">
-                  <a:pos x="connsiteX11" y="connsiteY11"/>
-                </a:cxn>
-                <a:cxn ang="0">
-                  <a:pos x="connsiteX12" y="connsiteY12"/>
-                </a:cxn>
-                <a:cxn ang="0">
-                  <a:pos x="connsiteX13" y="connsiteY13"/>
-                </a:cxn>
-                <a:cxn ang="0">
-                  <a:pos x="connsiteX14" y="connsiteY14"/>
-                </a:cxn>
-                <a:cxn ang="0">
-                  <a:pos x="connsiteX15" y="connsiteY15"/>
-                </a:cxn>
-                <a:cxn ang="0">
-                  <a:pos x="connsiteX16" y="connsiteY16"/>
-                </a:cxn>
-                <a:cxn ang="0">
-                  <a:pos x="connsiteX17" y="connsiteY17"/>
-                </a:cxn>
-                <a:cxn ang="0">
-                  <a:pos x="connsiteX18" y="connsiteY18"/>
-                </a:cxn>
-                <a:cxn ang="0">
-                  <a:pos x="connsiteX19" y="connsiteY19"/>
-                </a:cxn>
-                <a:cxn ang="0">
-                  <a:pos x="connsiteX20" y="connsiteY20"/>
-                </a:cxn>
-                <a:cxn ang="0">
-                  <a:pos x="connsiteX21" y="connsiteY21"/>
-                </a:cxn>
-                <a:cxn ang="0">
-                  <a:pos x="connsiteX22" y="connsiteY22"/>
-                </a:cxn>
-                <a:cxn ang="0">
-                  <a:pos x="connsiteX23" y="connsiteY23"/>
-                </a:cxn>
-                <a:cxn ang="0">
-                  <a:pos x="connsiteX24" y="connsiteY24"/>
-                </a:cxn>
-                <a:cxn ang="0">
-                  <a:pos x="connsiteX25" y="connsiteY25"/>
-                </a:cxn>
-                <a:cxn ang="0">
-                  <a:pos x="connsiteX26" y="connsiteY26"/>
-                </a:cxn>
-                <a:cxn ang="0">
-                  <a:pos x="connsiteX27" y="connsiteY27"/>
-                </a:cxn>
-                <a:cxn ang="0">
-                  <a:pos x="connsiteX28" y="connsiteY28"/>
-                </a:cxn>
-                <a:cxn ang="0">
-                  <a:pos x="connsiteX29" y="connsiteY29"/>
-                </a:cxn>
-                <a:cxn ang="0">
-                  <a:pos x="connsiteX30" y="connsiteY30"/>
-                </a:cxn>
-                <a:cxn ang="0">
-                  <a:pos x="connsiteX31" y="connsiteY31"/>
-                </a:cxn>
-                <a:cxn ang="0">
-                  <a:pos x="connsiteX32" y="connsiteY32"/>
-                </a:cxn>
-              </a:cxnLst>
-              <a:rect l="l" t="t" r="r" b="b"/>
-              <a:pathLst>
-                <a:path w="2327564" h="446852">
-                  <a:moveTo>
-                    <a:pt x="0" y="0"/>
-                  </a:moveTo>
-                  <a:cubicBezTo>
-                    <a:pt x="3959" y="31667"/>
-                    <a:pt x="6899" y="63479"/>
-                    <a:pt x="11876" y="95002"/>
-                  </a:cubicBezTo>
-                  <a:cubicBezTo>
-                    <a:pt x="12852" y="101184"/>
-                    <a:pt x="15014" y="107217"/>
-                    <a:pt x="17813" y="112815"/>
-                  </a:cubicBezTo>
-                  <a:cubicBezTo>
-                    <a:pt x="22974" y="123137"/>
-                    <a:pt x="30465" y="132181"/>
-                    <a:pt x="35626" y="142503"/>
-                  </a:cubicBezTo>
-                  <a:cubicBezTo>
-                    <a:pt x="38425" y="148101"/>
-                    <a:pt x="38344" y="154949"/>
-                    <a:pt x="41564" y="160316"/>
-                  </a:cubicBezTo>
-                  <a:cubicBezTo>
-                    <a:pt x="44444" y="165116"/>
-                    <a:pt x="50334" y="167534"/>
-                    <a:pt x="53439" y="172192"/>
-                  </a:cubicBezTo>
-                  <a:cubicBezTo>
-                    <a:pt x="58349" y="179557"/>
-                    <a:pt x="60405" y="188577"/>
-                    <a:pt x="65315" y="195942"/>
-                  </a:cubicBezTo>
-                  <a:cubicBezTo>
-                    <a:pt x="74878" y="210286"/>
-                    <a:pt x="100141" y="246366"/>
-                    <a:pt x="118754" y="261257"/>
-                  </a:cubicBezTo>
-                  <a:cubicBezTo>
-                    <a:pt x="136835" y="275722"/>
-                    <a:pt x="203015" y="321011"/>
-                    <a:pt x="219694" y="326571"/>
-                  </a:cubicBezTo>
-                  <a:cubicBezTo>
-                    <a:pt x="449958" y="403325"/>
-                    <a:pt x="297341" y="358999"/>
-                    <a:pt x="391886" y="380010"/>
-                  </a:cubicBezTo>
-                  <a:cubicBezTo>
-                    <a:pt x="399852" y="381780"/>
-                    <a:pt x="407616" y="384444"/>
-                    <a:pt x="415637" y="385948"/>
-                  </a:cubicBezTo>
-                  <a:cubicBezTo>
-                    <a:pt x="439303" y="390385"/>
-                    <a:pt x="463105" y="394068"/>
-                    <a:pt x="486889" y="397823"/>
-                  </a:cubicBezTo>
-                  <a:cubicBezTo>
-                    <a:pt x="517422" y="402644"/>
-                    <a:pt x="558190" y="407955"/>
-                    <a:pt x="587829" y="409698"/>
-                  </a:cubicBezTo>
-                  <a:cubicBezTo>
-                    <a:pt x="668933" y="414469"/>
-                    <a:pt x="750137" y="417377"/>
-                    <a:pt x="831273" y="421574"/>
-                  </a:cubicBezTo>
-                  <a:lnTo>
-                    <a:pt x="932213" y="427511"/>
-                  </a:lnTo>
-                  <a:cubicBezTo>
-                    <a:pt x="1121641" y="456655"/>
-                    <a:pt x="1036154" y="447921"/>
-                    <a:pt x="1383476" y="433449"/>
-                  </a:cubicBezTo>
-                  <a:cubicBezTo>
-                    <a:pt x="1401708" y="432689"/>
-                    <a:pt x="1419022" y="425153"/>
-                    <a:pt x="1436915" y="421574"/>
-                  </a:cubicBezTo>
-                  <a:cubicBezTo>
-                    <a:pt x="1458614" y="417234"/>
-                    <a:pt x="1480458" y="413657"/>
-                    <a:pt x="1502229" y="409698"/>
-                  </a:cubicBezTo>
-                  <a:cubicBezTo>
-                    <a:pt x="1563775" y="383321"/>
-                    <a:pt x="1557845" y="383919"/>
-                    <a:pt x="1644733" y="362197"/>
-                  </a:cubicBezTo>
-                  <a:cubicBezTo>
-                    <a:pt x="1660567" y="358239"/>
-                    <a:pt x="1676751" y="355483"/>
-                    <a:pt x="1692234" y="350322"/>
-                  </a:cubicBezTo>
-                  <a:cubicBezTo>
-                    <a:pt x="1718387" y="341604"/>
-                    <a:pt x="1742680" y="327319"/>
-                    <a:pt x="1769424" y="320633"/>
-                  </a:cubicBezTo>
-                  <a:cubicBezTo>
-                    <a:pt x="1817240" y="308679"/>
-                    <a:pt x="1848153" y="300381"/>
-                    <a:pt x="1900052" y="290945"/>
-                  </a:cubicBezTo>
-                  <a:cubicBezTo>
-                    <a:pt x="1915752" y="288090"/>
-                    <a:pt x="1931720" y="286986"/>
-                    <a:pt x="1947554" y="285007"/>
-                  </a:cubicBezTo>
-                  <a:cubicBezTo>
-                    <a:pt x="2126292" y="213512"/>
-                    <a:pt x="1975903" y="276527"/>
-                    <a:pt x="2072245" y="231568"/>
-                  </a:cubicBezTo>
-                  <a:cubicBezTo>
-                    <a:pt x="2089909" y="223325"/>
-                    <a:pt x="2108434" y="216897"/>
-                    <a:pt x="2125683" y="207818"/>
-                  </a:cubicBezTo>
-                  <a:cubicBezTo>
-                    <a:pt x="2150527" y="194742"/>
-                    <a:pt x="2185039" y="174189"/>
-                    <a:pt x="2208811" y="154379"/>
-                  </a:cubicBezTo>
-                  <a:cubicBezTo>
-                    <a:pt x="2223455" y="142175"/>
-                    <a:pt x="2224801" y="135191"/>
-                    <a:pt x="2238499" y="118753"/>
-                  </a:cubicBezTo>
-                  <a:cubicBezTo>
-                    <a:pt x="2242083" y="114452"/>
-                    <a:pt x="2246877" y="111248"/>
-                    <a:pt x="2250374" y="106877"/>
-                  </a:cubicBezTo>
-                  <a:cubicBezTo>
-                    <a:pt x="2254832" y="101304"/>
-                    <a:pt x="2257204" y="94110"/>
-                    <a:pt x="2262250" y="89064"/>
-                  </a:cubicBezTo>
-                  <a:cubicBezTo>
-                    <a:pt x="2267296" y="84018"/>
-                    <a:pt x="2274581" y="81757"/>
-                    <a:pt x="2280063" y="77189"/>
-                  </a:cubicBezTo>
-                  <a:cubicBezTo>
-                    <a:pt x="2286514" y="71813"/>
-                    <a:pt x="2291938" y="65314"/>
-                    <a:pt x="2297876" y="59376"/>
-                  </a:cubicBezTo>
-                  <a:cubicBezTo>
-                    <a:pt x="2311658" y="18027"/>
-                    <a:pt x="2293954" y="62290"/>
-                    <a:pt x="2315689" y="29688"/>
-                  </a:cubicBezTo>
-                  <a:cubicBezTo>
-                    <a:pt x="2320599" y="22323"/>
-                    <a:pt x="2327564" y="5937"/>
-                    <a:pt x="2327564" y="5937"/>
-                  </a:cubicBezTo>
-                </a:path>
-              </a:pathLst>
-            </a:custGeom>
-            <a:noFill/>
-          </p:spPr>
-          <p:style>
-            <a:lnRef idx="2">
-              <a:schemeClr val="accent1">
-                <a:shade val="50000"/>
-              </a:schemeClr>
-            </a:lnRef>
-            <a:fillRef idx="1">
-              <a:schemeClr val="accent1"/>
-            </a:fillRef>
-            <a:effectRef idx="0">
-              <a:schemeClr val="accent1"/>
-            </a:effectRef>
-            <a:fontRef idx="minor">
-              <a:schemeClr val="lt1"/>
-            </a:fontRef>
-          </p:style>
-          <p:txBody>
-            <a:bodyPr rtlCol="0" anchor="ctr"/>
-            <a:lstStyle/>
-            <a:p>
-              <a:pPr algn="ctr"/>
-              <a:endParaRPr lang="fr-FR" dirty="0"/>
-            </a:p>
-          </p:txBody>
-        </p:sp>
-        <p:sp>
-          <p:nvSpPr>
-            <p:cNvPr id="13" name="Forme libre : forme 12">
-              <a:extLst>
-                <a:ext uri="{FF2B5EF4-FFF2-40B4-BE49-F238E27FC236}">
-                  <a16:creationId xmlns:a16="http://schemas.microsoft.com/office/drawing/2014/main" id="{FA9FF1DE-4FE5-308E-0EDD-263FFC181F4A}"/>
-                </a:ext>
-              </a:extLst>
-            </p:cNvPr>
-            <p:cNvSpPr/>
-            <p:nvPr/>
-          </p:nvSpPr>
-          <p:spPr>
-            <a:xfrm>
-              <a:off x="3657600" y="5041075"/>
-              <a:ext cx="255319" cy="955964"/>
-            </a:xfrm>
-            <a:custGeom>
-              <a:avLst/>
-              <a:gdLst>
-                <a:gd name="connsiteX0" fmla="*/ 136566 w 255319"/>
-                <a:gd name="connsiteY0" fmla="*/ 0 h 955964"/>
-                <a:gd name="connsiteX1" fmla="*/ 178130 w 255319"/>
-                <a:gd name="connsiteY1" fmla="*/ 65315 h 955964"/>
-                <a:gd name="connsiteX2" fmla="*/ 190005 w 255319"/>
-                <a:gd name="connsiteY2" fmla="*/ 83128 h 955964"/>
-                <a:gd name="connsiteX3" fmla="*/ 225631 w 255319"/>
-                <a:gd name="connsiteY3" fmla="*/ 154380 h 955964"/>
-                <a:gd name="connsiteX4" fmla="*/ 237506 w 255319"/>
-                <a:gd name="connsiteY4" fmla="*/ 178130 h 955964"/>
-                <a:gd name="connsiteX5" fmla="*/ 255319 w 255319"/>
-                <a:gd name="connsiteY5" fmla="*/ 249382 h 955964"/>
-                <a:gd name="connsiteX6" fmla="*/ 243444 w 255319"/>
-                <a:gd name="connsiteY6" fmla="*/ 480951 h 955964"/>
-                <a:gd name="connsiteX7" fmla="*/ 243444 w 255319"/>
-                <a:gd name="connsiteY7" fmla="*/ 552203 h 955964"/>
-                <a:gd name="connsiteX8" fmla="*/ 195943 w 255319"/>
-                <a:gd name="connsiteY8" fmla="*/ 653143 h 955964"/>
-                <a:gd name="connsiteX9" fmla="*/ 178130 w 255319"/>
-                <a:gd name="connsiteY9" fmla="*/ 688769 h 955964"/>
-                <a:gd name="connsiteX10" fmla="*/ 166255 w 255319"/>
-                <a:gd name="connsiteY10" fmla="*/ 706582 h 955964"/>
-                <a:gd name="connsiteX11" fmla="*/ 154379 w 255319"/>
-                <a:gd name="connsiteY11" fmla="*/ 730333 h 955964"/>
-                <a:gd name="connsiteX12" fmla="*/ 130629 w 255319"/>
-                <a:gd name="connsiteY12" fmla="*/ 754083 h 955964"/>
-                <a:gd name="connsiteX13" fmla="*/ 106878 w 255319"/>
-                <a:gd name="connsiteY13" fmla="*/ 801585 h 955964"/>
-                <a:gd name="connsiteX14" fmla="*/ 95003 w 255319"/>
-                <a:gd name="connsiteY14" fmla="*/ 825335 h 955964"/>
-                <a:gd name="connsiteX15" fmla="*/ 71252 w 255319"/>
-                <a:gd name="connsiteY15" fmla="*/ 849086 h 955964"/>
-                <a:gd name="connsiteX16" fmla="*/ 35626 w 255319"/>
-                <a:gd name="connsiteY16" fmla="*/ 902525 h 955964"/>
-                <a:gd name="connsiteX17" fmla="*/ 29688 w 255319"/>
-                <a:gd name="connsiteY17" fmla="*/ 920338 h 955964"/>
-                <a:gd name="connsiteX18" fmla="*/ 0 w 255319"/>
-                <a:gd name="connsiteY18" fmla="*/ 955964 h 955964"/>
-              </a:gdLst>
-              <a:ahLst/>
-              <a:cxnLst>
-                <a:cxn ang="0">
-                  <a:pos x="connsiteX0" y="connsiteY0"/>
-                </a:cxn>
-                <a:cxn ang="0">
-                  <a:pos x="connsiteX1" y="connsiteY1"/>
-                </a:cxn>
-                <a:cxn ang="0">
-                  <a:pos x="connsiteX2" y="connsiteY2"/>
-                </a:cxn>
-                <a:cxn ang="0">
-                  <a:pos x="connsiteX3" y="connsiteY3"/>
-                </a:cxn>
-                <a:cxn ang="0">
-                  <a:pos x="connsiteX4" y="connsiteY4"/>
-                </a:cxn>
-                <a:cxn ang="0">
-                  <a:pos x="connsiteX5" y="connsiteY5"/>
-                </a:cxn>
-                <a:cxn ang="0">
-                  <a:pos x="connsiteX6" y="connsiteY6"/>
-                </a:cxn>
-                <a:cxn ang="0">
-                  <a:pos x="connsiteX7" y="connsiteY7"/>
-                </a:cxn>
-                <a:cxn ang="0">
-                  <a:pos x="connsiteX8" y="connsiteY8"/>
-                </a:cxn>
-                <a:cxn ang="0">
-                  <a:pos x="connsiteX9" y="connsiteY9"/>
-                </a:cxn>
-                <a:cxn ang="0">
-                  <a:pos x="connsiteX10" y="connsiteY10"/>
-                </a:cxn>
-                <a:cxn ang="0">
-                  <a:pos x="connsiteX11" y="connsiteY11"/>
-                </a:cxn>
-                <a:cxn ang="0">
-                  <a:pos x="connsiteX12" y="connsiteY12"/>
-                </a:cxn>
-                <a:cxn ang="0">
-                  <a:pos x="connsiteX13" y="connsiteY13"/>
-                </a:cxn>
-                <a:cxn ang="0">
-                  <a:pos x="connsiteX14" y="connsiteY14"/>
-                </a:cxn>
-                <a:cxn ang="0">
-                  <a:pos x="connsiteX15" y="connsiteY15"/>
-                </a:cxn>
-                <a:cxn ang="0">
-                  <a:pos x="connsiteX16" y="connsiteY16"/>
-                </a:cxn>
-                <a:cxn ang="0">
-                  <a:pos x="connsiteX17" y="connsiteY17"/>
-                </a:cxn>
-                <a:cxn ang="0">
-                  <a:pos x="connsiteX18" y="connsiteY18"/>
-                </a:cxn>
-              </a:cxnLst>
-              <a:rect l="l" t="t" r="r" b="b"/>
-              <a:pathLst>
-                <a:path w="255319" h="955964">
-                  <a:moveTo>
-                    <a:pt x="136566" y="0"/>
-                  </a:moveTo>
-                  <a:cubicBezTo>
-                    <a:pt x="186041" y="49475"/>
-                    <a:pt x="152049" y="6631"/>
-                    <a:pt x="178130" y="65315"/>
-                  </a:cubicBezTo>
-                  <a:cubicBezTo>
-                    <a:pt x="181028" y="71836"/>
-                    <a:pt x="186647" y="76831"/>
-                    <a:pt x="190005" y="83128"/>
-                  </a:cubicBezTo>
-                  <a:cubicBezTo>
-                    <a:pt x="202501" y="106558"/>
-                    <a:pt x="213756" y="130629"/>
-                    <a:pt x="225631" y="154380"/>
-                  </a:cubicBezTo>
-                  <a:cubicBezTo>
-                    <a:pt x="229589" y="162297"/>
-                    <a:pt x="235074" y="169619"/>
-                    <a:pt x="237506" y="178130"/>
-                  </a:cubicBezTo>
-                  <a:cubicBezTo>
-                    <a:pt x="252155" y="229398"/>
-                    <a:pt x="246556" y="205565"/>
-                    <a:pt x="255319" y="249382"/>
-                  </a:cubicBezTo>
-                  <a:cubicBezTo>
-                    <a:pt x="251361" y="326572"/>
-                    <a:pt x="248702" y="403839"/>
-                    <a:pt x="243444" y="480951"/>
-                  </a:cubicBezTo>
-                  <a:cubicBezTo>
-                    <a:pt x="238635" y="551480"/>
-                    <a:pt x="230706" y="463043"/>
-                    <a:pt x="243444" y="552203"/>
-                  </a:cubicBezTo>
-                  <a:cubicBezTo>
-                    <a:pt x="216914" y="614106"/>
-                    <a:pt x="232372" y="580285"/>
-                    <a:pt x="195943" y="653143"/>
-                  </a:cubicBezTo>
-                  <a:cubicBezTo>
-                    <a:pt x="190005" y="665018"/>
-                    <a:pt x="185495" y="677722"/>
-                    <a:pt x="178130" y="688769"/>
-                  </a:cubicBezTo>
-                  <a:cubicBezTo>
-                    <a:pt x="174172" y="694707"/>
-                    <a:pt x="169796" y="700386"/>
-                    <a:pt x="166255" y="706582"/>
-                  </a:cubicBezTo>
-                  <a:cubicBezTo>
-                    <a:pt x="161863" y="714267"/>
-                    <a:pt x="159690" y="723252"/>
-                    <a:pt x="154379" y="730333"/>
-                  </a:cubicBezTo>
-                  <a:cubicBezTo>
-                    <a:pt x="147661" y="739290"/>
-                    <a:pt x="138546" y="746166"/>
-                    <a:pt x="130629" y="754083"/>
-                  </a:cubicBezTo>
-                  <a:cubicBezTo>
-                    <a:pt x="119774" y="786647"/>
-                    <a:pt x="130248" y="759518"/>
-                    <a:pt x="106878" y="801585"/>
-                  </a:cubicBezTo>
-                  <a:cubicBezTo>
-                    <a:pt x="102580" y="809322"/>
-                    <a:pt x="100314" y="818254"/>
-                    <a:pt x="95003" y="825335"/>
-                  </a:cubicBezTo>
-                  <a:cubicBezTo>
-                    <a:pt x="88285" y="834292"/>
-                    <a:pt x="79169" y="841169"/>
-                    <a:pt x="71252" y="849086"/>
-                  </a:cubicBezTo>
-                  <a:cubicBezTo>
-                    <a:pt x="35822" y="919949"/>
-                    <a:pt x="90517" y="814701"/>
-                    <a:pt x="35626" y="902525"/>
-                  </a:cubicBezTo>
-                  <a:cubicBezTo>
-                    <a:pt x="32309" y="907832"/>
-                    <a:pt x="32793" y="914904"/>
-                    <a:pt x="29688" y="920338"/>
-                  </a:cubicBezTo>
-                  <a:cubicBezTo>
-                    <a:pt x="20278" y="936806"/>
-                    <a:pt x="12220" y="943744"/>
-                    <a:pt x="0" y="955964"/>
-                  </a:cubicBezTo>
-                </a:path>
-              </a:pathLst>
-            </a:custGeom>
-            <a:noFill/>
-          </p:spPr>
-          <p:style>
-            <a:lnRef idx="2">
-              <a:schemeClr val="accent1">
-                <a:shade val="50000"/>
-              </a:schemeClr>
-            </a:lnRef>
-            <a:fillRef idx="1">
-              <a:schemeClr val="accent1"/>
-            </a:fillRef>
-            <a:effectRef idx="0">
-              <a:schemeClr val="accent1"/>
-            </a:effectRef>
-            <a:fontRef idx="minor">
-              <a:schemeClr val="lt1"/>
-            </a:fontRef>
-          </p:style>
-          <p:txBody>
-            <a:bodyPr rtlCol="0" anchor="ctr"/>
-            <a:lstStyle/>
-            <a:p>
-              <a:pPr algn="ctr"/>
-              <a:endParaRPr lang="fr-FR"/>
-            </a:p>
-          </p:txBody>
-        </p:sp>
-        <p:sp>
-          <p:nvSpPr>
             <p:cNvPr id="14" name="ZoneTexte 13">
               <a:extLst>
                 <a:ext uri="{FF2B5EF4-FFF2-40B4-BE49-F238E27FC236}">
@@ -8297,10 +9933,308 @@
           </a:p>
         </p:txBody>
       </p:sp>
+      <p:sp>
+        <p:nvSpPr>
+          <p:cNvPr id="11" name="Arc 10">
+            <a:extLst>
+              <a:ext uri="{FF2B5EF4-FFF2-40B4-BE49-F238E27FC236}">
+                <a16:creationId xmlns:a16="http://schemas.microsoft.com/office/drawing/2014/main" id="{AC1F743A-835E-2134-74F2-2C58CFFA500C}"/>
+              </a:ext>
+            </a:extLst>
+          </p:cNvPr>
+          <p:cNvSpPr/>
+          <p:nvPr/>
+        </p:nvSpPr>
+        <p:spPr>
+          <a:xfrm rot="10800000">
+            <a:off x="4526952" y="4075609"/>
+            <a:ext cx="2221565" cy="792000"/>
+          </a:xfrm>
+          <a:prstGeom prst="arc">
+            <a:avLst>
+              <a:gd name="adj1" fmla="val 10723134"/>
+              <a:gd name="adj2" fmla="val 0"/>
+            </a:avLst>
+          </a:prstGeom>
+          <a:ln w="19050">
+            <a:solidFill>
+              <a:schemeClr val="bg1">
+                <a:alpha val="60000"/>
+              </a:schemeClr>
+            </a:solidFill>
+          </a:ln>
+        </p:spPr>
+        <p:style>
+          <a:lnRef idx="1">
+            <a:schemeClr val="accent1"/>
+          </a:lnRef>
+          <a:fillRef idx="0">
+            <a:schemeClr val="accent1"/>
+          </a:fillRef>
+          <a:effectRef idx="0">
+            <a:schemeClr val="accent1"/>
+          </a:effectRef>
+          <a:fontRef idx="minor">
+            <a:schemeClr val="tx1"/>
+          </a:fontRef>
+        </p:style>
+        <p:txBody>
+          <a:bodyPr rtlCol="0" anchor="ctr"/>
+          <a:lstStyle/>
+          <a:p>
+            <a:pPr algn="ctr"/>
+            <a:endParaRPr lang="fr-FR"/>
+          </a:p>
+        </p:txBody>
+      </p:sp>
+      <p:sp>
+        <p:nvSpPr>
+          <p:cNvPr id="17" name="Triangle isocèle 16">
+            <a:extLst>
+              <a:ext uri="{FF2B5EF4-FFF2-40B4-BE49-F238E27FC236}">
+                <a16:creationId xmlns:a16="http://schemas.microsoft.com/office/drawing/2014/main" id="{123EE1A4-71F5-F431-94E4-63BD5EB97FAB}"/>
+              </a:ext>
+            </a:extLst>
+          </p:cNvPr>
+          <p:cNvSpPr/>
+          <p:nvPr/>
+        </p:nvSpPr>
+        <p:spPr>
+          <a:xfrm rot="1602194">
+            <a:off x="6678230" y="4427581"/>
+            <a:ext cx="140576" cy="151577"/>
+          </a:xfrm>
+          <a:prstGeom prst="triangle">
+            <a:avLst/>
+          </a:prstGeom>
+        </p:spPr>
+        <p:style>
+          <a:lnRef idx="2">
+            <a:schemeClr val="dk1">
+              <a:shade val="50000"/>
+            </a:schemeClr>
+          </a:lnRef>
+          <a:fillRef idx="1">
+            <a:schemeClr val="dk1"/>
+          </a:fillRef>
+          <a:effectRef idx="0">
+            <a:schemeClr val="dk1"/>
+          </a:effectRef>
+          <a:fontRef idx="minor">
+            <a:schemeClr val="lt1"/>
+          </a:fontRef>
+        </p:style>
+        <p:txBody>
+          <a:bodyPr rtlCol="0" anchor="ctr"/>
+          <a:lstStyle/>
+          <a:p>
+            <a:pPr algn="ctr"/>
+            <a:endParaRPr lang="fr-FR"/>
+          </a:p>
+        </p:txBody>
+      </p:sp>
+      <p:sp>
+        <p:nvSpPr>
+          <p:cNvPr id="19" name="Arc 18">
+            <a:extLst>
+              <a:ext uri="{FF2B5EF4-FFF2-40B4-BE49-F238E27FC236}">
+                <a16:creationId xmlns:a16="http://schemas.microsoft.com/office/drawing/2014/main" id="{E6AC596C-2A4D-7BFE-C911-7C1016D256CB}"/>
+              </a:ext>
+            </a:extLst>
+          </p:cNvPr>
+          <p:cNvSpPr/>
+          <p:nvPr/>
+        </p:nvSpPr>
+        <p:spPr>
+          <a:xfrm rot="2982496">
+            <a:off x="5238449" y="4382331"/>
+            <a:ext cx="1083378" cy="1899987"/>
+          </a:xfrm>
+          <a:prstGeom prst="arc">
+            <a:avLst/>
+          </a:prstGeom>
+          <a:noFill/>
+          <a:ln w="25400">
+            <a:solidFill>
+              <a:schemeClr val="bg1">
+                <a:alpha val="60000"/>
+              </a:schemeClr>
+            </a:solidFill>
+          </a:ln>
+        </p:spPr>
+        <p:style>
+          <a:lnRef idx="1">
+            <a:schemeClr val="accent1"/>
+          </a:lnRef>
+          <a:fillRef idx="0">
+            <a:schemeClr val="accent1"/>
+          </a:fillRef>
+          <a:effectRef idx="0">
+            <a:schemeClr val="accent1"/>
+          </a:effectRef>
+          <a:fontRef idx="minor">
+            <a:schemeClr val="tx1"/>
+          </a:fontRef>
+        </p:style>
+        <p:txBody>
+          <a:bodyPr rtlCol="0" anchor="ctr"/>
+          <a:lstStyle/>
+          <a:p>
+            <a:pPr algn="ctr"/>
+            <a:endParaRPr lang="fr-FR"/>
+          </a:p>
+        </p:txBody>
+      </p:sp>
+      <p:sp>
+        <p:nvSpPr>
+          <p:cNvPr id="20" name="Triangle isocèle 19">
+            <a:extLst>
+              <a:ext uri="{FF2B5EF4-FFF2-40B4-BE49-F238E27FC236}">
+                <a16:creationId xmlns:a16="http://schemas.microsoft.com/office/drawing/2014/main" id="{231A63F3-7C05-DA28-D1BE-4B83DB3C1B93}"/>
+              </a:ext>
+            </a:extLst>
+          </p:cNvPr>
+          <p:cNvSpPr/>
+          <p:nvPr/>
+        </p:nvSpPr>
+        <p:spPr>
+          <a:xfrm rot="13768093">
+            <a:off x="6042603" y="5697511"/>
+            <a:ext cx="106791" cy="126815"/>
+          </a:xfrm>
+          <a:prstGeom prst="triangle">
+            <a:avLst/>
+          </a:prstGeom>
+        </p:spPr>
+        <p:style>
+          <a:lnRef idx="2">
+            <a:schemeClr val="accent1">
+              <a:shade val="50000"/>
+            </a:schemeClr>
+          </a:lnRef>
+          <a:fillRef idx="1">
+            <a:schemeClr val="accent1"/>
+          </a:fillRef>
+          <a:effectRef idx="0">
+            <a:schemeClr val="accent1"/>
+          </a:effectRef>
+          <a:fontRef idx="minor">
+            <a:schemeClr val="lt1"/>
+          </a:fontRef>
+        </p:style>
+        <p:txBody>
+          <a:bodyPr rtlCol="0" anchor="ctr"/>
+          <a:lstStyle/>
+          <a:p>
+            <a:pPr algn="ctr"/>
+            <a:endParaRPr lang="fr-FR"/>
+          </a:p>
+        </p:txBody>
+      </p:sp>
     </p:spTree>
     <p:extLst>
       <p:ext uri="{BB962C8B-B14F-4D97-AF65-F5344CB8AC3E}">
         <p14:creationId xmlns:p14="http://schemas.microsoft.com/office/powerpoint/2010/main" val="1828321080"/>
+      </p:ext>
+    </p:extLst>
+  </p:cSld>
+  <p:clrMapOvr>
+    <a:masterClrMapping/>
+  </p:clrMapOvr>
+</p:sld>
+</file>
+
+<file path=ppt/slides/slide8.xml><?xml version="1.0" encoding="utf-8"?>
+<p:sld xmlns:a="http://schemas.openxmlformats.org/drawingml/2006/main" xmlns:r="http://schemas.openxmlformats.org/officeDocument/2006/relationships" xmlns:p="http://schemas.openxmlformats.org/presentationml/2006/main">
+  <p:cSld>
+    <p:spTree>
+      <p:nvGrpSpPr>
+        <p:cNvPr id="1" name=""/>
+        <p:cNvGrpSpPr/>
+        <p:nvPr/>
+      </p:nvGrpSpPr>
+      <p:grpSpPr>
+        <a:xfrm>
+          <a:off x="0" y="0"/>
+          <a:ext cx="0" cy="0"/>
+          <a:chOff x="0" y="0"/>
+          <a:chExt cx="0" cy="0"/>
+        </a:xfrm>
+      </p:grpSpPr>
+      <p:sp>
+        <p:nvSpPr>
+          <p:cNvPr id="3" name="Espace réservé du contenu 2">
+            <a:extLst>
+              <a:ext uri="{FF2B5EF4-FFF2-40B4-BE49-F238E27FC236}">
+                <a16:creationId xmlns:a16="http://schemas.microsoft.com/office/drawing/2014/main" id="{2F4828E4-7313-5F64-2274-5E5DC1C0E42B}"/>
+              </a:ext>
+            </a:extLst>
+          </p:cNvPr>
+          <p:cNvSpPr>
+            <a:spLocks noGrp="1"/>
+          </p:cNvSpPr>
+          <p:nvPr>
+            <p:ph idx="1"/>
+          </p:nvPr>
+        </p:nvSpPr>
+        <p:spPr>
+          <a:xfrm>
+            <a:off x="684212" y="685800"/>
+            <a:ext cx="2345182" cy="813391"/>
+          </a:xfrm>
+        </p:spPr>
+        <p:txBody>
+          <a:bodyPr/>
+          <a:lstStyle/>
+          <a:p>
+            <a:pPr marL="0" indent="0">
+              <a:buNone/>
+            </a:pPr>
+            <a:r>
+              <a:rPr lang="fr-FR" b="1" u="sng" dirty="0">
+                <a:solidFill>
+                  <a:srgbClr val="751515"/>
+                </a:solidFill>
+              </a:rPr>
+              <a:t>Maquettage:</a:t>
+            </a:r>
+          </a:p>
+        </p:txBody>
+      </p:sp>
+      <p:pic>
+        <p:nvPicPr>
+          <p:cNvPr id="6" name="Image 5">
+            <a:extLst>
+              <a:ext uri="{FF2B5EF4-FFF2-40B4-BE49-F238E27FC236}">
+                <a16:creationId xmlns:a16="http://schemas.microsoft.com/office/drawing/2014/main" id="{B4C03A27-D96A-548C-36FB-4BCF8E2D5090}"/>
+              </a:ext>
+            </a:extLst>
+          </p:cNvPr>
+          <p:cNvPicPr>
+            <a:picLocks noChangeAspect="1"/>
+          </p:cNvPicPr>
+          <p:nvPr/>
+        </p:nvPicPr>
+        <p:blipFill>
+          <a:blip r:embed="rId2"/>
+          <a:stretch>
+            <a:fillRect/>
+          </a:stretch>
+        </p:blipFill>
+        <p:spPr>
+          <a:xfrm>
+            <a:off x="3127633" y="1848018"/>
+            <a:ext cx="4985009" cy="3161963"/>
+          </a:xfrm>
+          <a:prstGeom prst="rect">
+            <a:avLst/>
+          </a:prstGeom>
+        </p:spPr>
+      </p:pic>
+    </p:spTree>
+    <p:extLst>
+      <p:ext uri="{BB962C8B-B14F-4D97-AF65-F5344CB8AC3E}">
+        <p14:creationId xmlns:p14="http://schemas.microsoft.com/office/powerpoint/2010/main" val="2417484879"/>
       </p:ext>
     </p:extLst>
   </p:cSld>
@@ -8329,10 +10263,10 @@
       </p:grpSpPr>
       <p:sp>
         <p:nvSpPr>
-          <p:cNvPr id="6" name="ZoneTexte 5">
+          <p:cNvPr id="4" name="ZoneTexte 3">
             <a:extLst>
               <a:ext uri="{FF2B5EF4-FFF2-40B4-BE49-F238E27FC236}">
-                <a16:creationId xmlns:a16="http://schemas.microsoft.com/office/drawing/2014/main" id="{C547E21B-BCB9-D52B-C5AB-7AC538003AD4}"/>
+                <a16:creationId xmlns:a16="http://schemas.microsoft.com/office/drawing/2014/main" id="{4621F259-1F04-9B5A-8812-4A8DDED1E49B}"/>
               </a:ext>
             </a:extLst>
           </p:cNvPr>
@@ -8341,8 +10275,8 @@
         </p:nvSpPr>
         <p:spPr>
           <a:xfrm>
-            <a:off x="1050966" y="611579"/>
-            <a:ext cx="9429008" cy="2031325"/>
+            <a:off x="691116" y="265814"/>
+            <a:ext cx="2392325" cy="400110"/>
           </a:xfrm>
           <a:prstGeom prst="rect">
             <a:avLst/>
@@ -8356,180 +10290,88 @@
           <a:lstStyle/>
           <a:p>
             <a:r>
+              <a:rPr lang="fr-FR" sz="2000" b="1" u="sng" dirty="0">
+                <a:solidFill>
+                  <a:srgbClr val="8F1919"/>
+                </a:solidFill>
+              </a:rPr>
+              <a:t>Zoning</a:t>
+            </a:r>
+            <a:r>
               <a:rPr lang="fr-FR" b="1" u="sng" dirty="0">
                 <a:solidFill>
-                  <a:srgbClr val="751515"/>
+                  <a:srgbClr val="8F1919"/>
                 </a:solidFill>
               </a:rPr>
-              <a:t>Les contraintes:</a:t>
-            </a:r>
-          </a:p>
-          <a:p>
-            <a:pPr lvl="1"/>
-            <a:r>
-              <a:rPr lang="fr-FR" dirty="0"/>
-              <a:t>- Présence d’un </a:t>
-            </a:r>
-            <a:r>
-              <a:rPr lang="fr-FR" dirty="0" err="1"/>
-              <a:t>slider</a:t>
-            </a:r>
-            <a:r>
-              <a:rPr lang="fr-FR" dirty="0"/>
-              <a:t> pour visionner les tableaux.</a:t>
-            </a:r>
-          </a:p>
-          <a:p>
-            <a:pPr lvl="1"/>
-            <a:r>
-              <a:rPr lang="fr-FR" dirty="0"/>
-              <a:t>- Développer une base de données pour les commentaires et les tableaux.</a:t>
-            </a:r>
-          </a:p>
-          <a:p>
-            <a:pPr lvl="1"/>
-            <a:r>
-              <a:rPr lang="fr-FR" dirty="0"/>
-              <a:t>- Utilisation du HTML/CSS, JavaScript, MySQL.</a:t>
-            </a:r>
-          </a:p>
-          <a:p>
-            <a:pPr lvl="1"/>
-            <a:r>
-              <a:rPr lang="fr-FR" dirty="0"/>
-              <a:t>- Assurer la maintenance, l’hébergement du site.</a:t>
-            </a:r>
-          </a:p>
-          <a:p>
-            <a:pPr lvl="1"/>
-            <a:r>
-              <a:rPr lang="fr-FR" dirty="0"/>
-              <a:t>- Petite formation pour l’ajout des tableaux.</a:t>
-            </a:r>
-          </a:p>
-          <a:p>
-            <a:endParaRPr lang="fr-FR" dirty="0"/>
-          </a:p>
-        </p:txBody>
-      </p:sp>
-      <p:sp>
-        <p:nvSpPr>
-          <p:cNvPr id="7" name="ZoneTexte 6">
+              <a:t>:</a:t>
+            </a:r>
+          </a:p>
+        </p:txBody>
+      </p:sp>
+      <p:pic>
+        <p:nvPicPr>
+          <p:cNvPr id="6" name="Image 5">
             <a:extLst>
               <a:ext uri="{FF2B5EF4-FFF2-40B4-BE49-F238E27FC236}">
-                <a16:creationId xmlns:a16="http://schemas.microsoft.com/office/drawing/2014/main" id="{57C6970D-45B3-E42A-42FC-07A833CD706F}"/>
+                <a16:creationId xmlns:a16="http://schemas.microsoft.com/office/drawing/2014/main" id="{29F5E604-492A-EDF3-526D-8A44DE1EFCA6}"/>
               </a:ext>
             </a:extLst>
           </p:cNvPr>
-          <p:cNvSpPr txBox="1"/>
+          <p:cNvPicPr>
+            <a:picLocks noChangeAspect="1"/>
+          </p:cNvPicPr>
           <p:nvPr/>
-        </p:nvSpPr>
+        </p:nvPicPr>
+        <p:blipFill>
+          <a:blip r:embed="rId2"/>
+          <a:stretch>
+            <a:fillRect/>
+          </a:stretch>
+        </p:blipFill>
         <p:spPr>
           <a:xfrm>
-            <a:off x="1050966" y="2642904"/>
-            <a:ext cx="9619013" cy="1200329"/>
+            <a:off x="344339" y="1071274"/>
+            <a:ext cx="5772084" cy="3926028"/>
           </a:xfrm>
           <a:prstGeom prst="rect">
             <a:avLst/>
           </a:prstGeom>
-          <a:noFill/>
         </p:spPr>
-        <p:txBody>
-          <a:bodyPr wrap="square" rtlCol="0">
-            <a:spAutoFit/>
-          </a:bodyPr>
-          <a:lstStyle/>
-          <a:p>
-            <a:r>
-              <a:rPr lang="fr-FR" b="1" u="sng" dirty="0">
-                <a:solidFill>
-                  <a:srgbClr val="751515"/>
-                </a:solidFill>
-              </a:rPr>
-              <a:t>Les contraintes légales:</a:t>
-            </a:r>
-          </a:p>
-          <a:p>
-            <a:r>
-              <a:rPr lang="fr-FR" dirty="0"/>
-              <a:t>	- Propriétaires du site Mr Soulier.</a:t>
-            </a:r>
-          </a:p>
-          <a:p>
-            <a:r>
-              <a:rPr lang="fr-FR" dirty="0"/>
-              <a:t>	- Maquettage, intégrations ainsi que le code source appartiennent à Mr Pierrot.</a:t>
-            </a:r>
-          </a:p>
-          <a:p>
-            <a:r>
-              <a:rPr lang="fr-FR" dirty="0"/>
-              <a:t>	</a:t>
-            </a:r>
-          </a:p>
-        </p:txBody>
-      </p:sp>
-      <p:sp>
-        <p:nvSpPr>
-          <p:cNvPr id="8" name="ZoneTexte 7">
+      </p:pic>
+      <p:pic>
+        <p:nvPicPr>
+          <p:cNvPr id="8" name="Image 7">
             <a:extLst>
               <a:ext uri="{FF2B5EF4-FFF2-40B4-BE49-F238E27FC236}">
-                <a16:creationId xmlns:a16="http://schemas.microsoft.com/office/drawing/2014/main" id="{D50139A6-F1AF-17F1-F1DF-8CEF331330BB}"/>
+                <a16:creationId xmlns:a16="http://schemas.microsoft.com/office/drawing/2014/main" id="{FFBFA800-E64C-3C3F-131C-0BD211A751BB}"/>
               </a:ext>
             </a:extLst>
           </p:cNvPr>
-          <p:cNvSpPr txBox="1"/>
+          <p:cNvPicPr>
+            <a:picLocks noChangeAspect="1"/>
+          </p:cNvPicPr>
           <p:nvPr/>
-        </p:nvSpPr>
+        </p:nvPicPr>
+        <p:blipFill>
+          <a:blip r:embed="rId3"/>
+          <a:stretch>
+            <a:fillRect/>
+          </a:stretch>
+        </p:blipFill>
         <p:spPr>
           <a:xfrm>
-            <a:off x="1050966" y="4138551"/>
-            <a:ext cx="9909959" cy="1477328"/>
+            <a:off x="6407016" y="1071274"/>
+            <a:ext cx="5751942" cy="3926028"/>
           </a:xfrm>
           <a:prstGeom prst="rect">
             <a:avLst/>
           </a:prstGeom>
-          <a:noFill/>
         </p:spPr>
-        <p:txBody>
-          <a:bodyPr wrap="square" rtlCol="0">
-            <a:spAutoFit/>
-          </a:bodyPr>
-          <a:lstStyle/>
-          <a:p>
-            <a:r>
-              <a:rPr lang="fr-FR" b="1" u="sng" dirty="0">
-                <a:solidFill>
-                  <a:srgbClr val="751515"/>
-                </a:solidFill>
-              </a:rPr>
-              <a:t>Les coûts et délais:</a:t>
-            </a:r>
-          </a:p>
-          <a:p>
-            <a:r>
-              <a:rPr lang="fr-FR" dirty="0"/>
-              <a:t>	- Sites offert soit un gain de 150 euros/jour/développeur pour 10 jours.</a:t>
-            </a:r>
-          </a:p>
-          <a:p>
-            <a:r>
-              <a:rPr lang="fr-FR" dirty="0"/>
-              <a:t>	  comprenant le cahier des charges, le maquettage, la création d’un logo, la 	  	      	  création du site, la création de la base de données, la mise en ligne.</a:t>
-            </a:r>
-          </a:p>
-          <a:p>
-            <a:r>
-              <a:rPr lang="fr-FR" dirty="0"/>
-              <a:t>	- Livraisons prévu le 03 juillet 2023.</a:t>
-            </a:r>
-          </a:p>
-        </p:txBody>
-      </p:sp>
+      </p:pic>
     </p:spTree>
     <p:extLst>
       <p:ext uri="{BB962C8B-B14F-4D97-AF65-F5344CB8AC3E}">
-        <p14:creationId xmlns:p14="http://schemas.microsoft.com/office/powerpoint/2010/main" val="1279676495"/>
+        <p14:creationId xmlns:p14="http://schemas.microsoft.com/office/powerpoint/2010/main" val="244449949"/>
       </p:ext>
     </p:extLst>
   </p:cSld>

--- a/CDC/L_artiste.pptx
+++ b/CDC/L_artiste.pptx
@@ -5,7 +5,7 @@
     <p:sldMasterId id="2147483648" r:id="rId1"/>
   </p:sldMasterIdLst>
   <p:notesMasterIdLst>
-    <p:notesMasterId r:id="rId18"/>
+    <p:notesMasterId r:id="rId19"/>
   </p:notesMasterIdLst>
   <p:sldIdLst>
     <p:sldId id="256" r:id="rId2"/>
@@ -24,6 +24,7 @@
     <p:sldId id="272" r:id="rId15"/>
     <p:sldId id="264" r:id="rId16"/>
     <p:sldId id="265" r:id="rId17"/>
+    <p:sldId id="273" r:id="rId18"/>
   </p:sldIdLst>
   <p:sldSz cx="12192000" cy="6858000"/>
   <p:notesSz cx="6858000" cy="9144000"/>
@@ -143,6 +144,7 @@
             <p14:sldId id="272"/>
             <p14:sldId id="264"/>
             <p14:sldId id="265"/>
+            <p14:sldId id="273"/>
           </p14:sldIdLst>
         </p14:section>
       </p14:sectionLst>
@@ -239,7 +241,7 @@
           <a:p>
             <a:fld id="{CE3F9B10-F744-47E1-871E-98B3AC9B3E4F}" type="datetimeFigureOut">
               <a:rPr lang="fr-FR" smtClean="0"/>
-              <a:t>31/01/2023</a:t>
+              <a:t>09/02/2023</a:t>
             </a:fld>
             <a:endParaRPr lang="fr-FR"/>
           </a:p>
@@ -651,7 +653,7 @@
             <a:fld id="{B61BEF0D-F0BB-DE4B-95CE-6DB70DBA9567}" type="datetimeFigureOut">
               <a:rPr lang="en-US" dirty="0"/>
               <a:pPr/>
-              <a:t>1/31/2023</a:t>
+              <a:t>2/9/2023</a:t>
             </a:fld>
             <a:endParaRPr lang="en-US" dirty="0"/>
           </a:p>
@@ -1084,7 +1086,7 @@
             <a:fld id="{B61BEF0D-F0BB-DE4B-95CE-6DB70DBA9567}" type="datetimeFigureOut">
               <a:rPr lang="en-US" dirty="0"/>
               <a:pPr/>
-              <a:t>1/31/2023</a:t>
+              <a:t>2/9/2023</a:t>
             </a:fld>
             <a:endParaRPr lang="en-US" dirty="0"/>
           </a:p>
@@ -1331,7 +1333,7 @@
             <a:fld id="{B61BEF0D-F0BB-DE4B-95CE-6DB70DBA9567}" type="datetimeFigureOut">
               <a:rPr lang="en-US" dirty="0"/>
               <a:pPr/>
-              <a:t>1/31/2023</a:t>
+              <a:t>2/9/2023</a:t>
             </a:fld>
             <a:endParaRPr lang="en-US" dirty="0"/>
           </a:p>
@@ -1636,7 +1638,7 @@
             <a:fld id="{B61BEF0D-F0BB-DE4B-95CE-6DB70DBA9567}" type="datetimeFigureOut">
               <a:rPr lang="en-US" dirty="0"/>
               <a:pPr/>
-              <a:t>1/31/2023</a:t>
+              <a:t>2/9/2023</a:t>
             </a:fld>
             <a:endParaRPr lang="en-US" dirty="0"/>
           </a:p>
@@ -1951,7 +1953,7 @@
             <a:fld id="{B61BEF0D-F0BB-DE4B-95CE-6DB70DBA9567}" type="datetimeFigureOut">
               <a:rPr lang="en-US" dirty="0"/>
               <a:pPr/>
-              <a:t>1/31/2023</a:t>
+              <a:t>2/9/2023</a:t>
             </a:fld>
             <a:endParaRPr lang="en-US" dirty="0"/>
           </a:p>
@@ -2250,7 +2252,7 @@
             <a:fld id="{B61BEF0D-F0BB-DE4B-95CE-6DB70DBA9567}" type="datetimeFigureOut">
               <a:rPr lang="en-US" dirty="0"/>
               <a:pPr/>
-              <a:t>1/31/2023</a:t>
+              <a:t>2/9/2023</a:t>
             </a:fld>
             <a:endParaRPr lang="en-US" dirty="0"/>
           </a:p>
@@ -2614,7 +2616,7 @@
             <a:fld id="{B61BEF0D-F0BB-DE4B-95CE-6DB70DBA9567}" type="datetimeFigureOut">
               <a:rPr lang="en-US" dirty="0"/>
               <a:pPr/>
-              <a:t>1/31/2023</a:t>
+              <a:t>2/9/2023</a:t>
             </a:fld>
             <a:endParaRPr lang="en-US" dirty="0"/>
           </a:p>
@@ -2785,7 +2787,7 @@
             <a:fld id="{B61BEF0D-F0BB-DE4B-95CE-6DB70DBA9567}" type="datetimeFigureOut">
               <a:rPr lang="en-US" dirty="0"/>
               <a:pPr/>
-              <a:t>1/31/2023</a:t>
+              <a:t>2/9/2023</a:t>
             </a:fld>
             <a:endParaRPr lang="en-US" dirty="0"/>
           </a:p>
@@ -2962,7 +2964,7 @@
             <a:fld id="{B61BEF0D-F0BB-DE4B-95CE-6DB70DBA9567}" type="datetimeFigureOut">
               <a:rPr lang="en-US" dirty="0"/>
               <a:pPr/>
-              <a:t>1/31/2023</a:t>
+              <a:t>2/9/2023</a:t>
             </a:fld>
             <a:endParaRPr lang="en-US" dirty="0"/>
           </a:p>
@@ -3129,7 +3131,7 @@
             <a:fld id="{B61BEF0D-F0BB-DE4B-95CE-6DB70DBA9567}" type="datetimeFigureOut">
               <a:rPr lang="en-US" dirty="0"/>
               <a:pPr/>
-              <a:t>1/31/2023</a:t>
+              <a:t>2/9/2023</a:t>
             </a:fld>
             <a:endParaRPr lang="en-US" dirty="0"/>
           </a:p>
@@ -3376,7 +3378,7 @@
             <a:fld id="{B61BEF0D-F0BB-DE4B-95CE-6DB70DBA9567}" type="datetimeFigureOut">
               <a:rPr lang="en-US" dirty="0"/>
               <a:pPr/>
-              <a:t>1/31/2023</a:t>
+              <a:t>2/9/2023</a:t>
             </a:fld>
             <a:endParaRPr lang="en-US" dirty="0"/>
           </a:p>
@@ -3609,7 +3611,7 @@
             <a:fld id="{B61BEF0D-F0BB-DE4B-95CE-6DB70DBA9567}" type="datetimeFigureOut">
               <a:rPr lang="en-US" dirty="0"/>
               <a:pPr/>
-              <a:t>1/31/2023</a:t>
+              <a:t>2/9/2023</a:t>
             </a:fld>
             <a:endParaRPr lang="en-US" dirty="0"/>
           </a:p>
@@ -3988,7 +3990,7 @@
             <a:fld id="{B61BEF0D-F0BB-DE4B-95CE-6DB70DBA9567}" type="datetimeFigureOut">
               <a:rPr lang="en-US" dirty="0"/>
               <a:pPr/>
-              <a:t>1/31/2023</a:t>
+              <a:t>2/9/2023</a:t>
             </a:fld>
             <a:endParaRPr lang="en-US" dirty="0"/>
           </a:p>
@@ -4103,7 +4105,7 @@
             <a:fld id="{B61BEF0D-F0BB-DE4B-95CE-6DB70DBA9567}" type="datetimeFigureOut">
               <a:rPr lang="en-US" dirty="0"/>
               <a:pPr/>
-              <a:t>1/31/2023</a:t>
+              <a:t>2/9/2023</a:t>
             </a:fld>
             <a:endParaRPr lang="en-US" dirty="0"/>
           </a:p>
@@ -4195,7 +4197,7 @@
             <a:fld id="{B61BEF0D-F0BB-DE4B-95CE-6DB70DBA9567}" type="datetimeFigureOut">
               <a:rPr lang="en-US" dirty="0"/>
               <a:pPr/>
-              <a:t>1/31/2023</a:t>
+              <a:t>2/9/2023</a:t>
             </a:fld>
             <a:endParaRPr lang="en-US" dirty="0"/>
           </a:p>
@@ -4447,7 +4449,7 @@
             <a:fld id="{B61BEF0D-F0BB-DE4B-95CE-6DB70DBA9567}" type="datetimeFigureOut">
               <a:rPr lang="en-US" dirty="0"/>
               <a:pPr/>
-              <a:t>1/31/2023</a:t>
+              <a:t>2/9/2023</a:t>
             </a:fld>
             <a:endParaRPr lang="en-US" dirty="0"/>
           </a:p>
@@ -4727,7 +4729,7 @@
             <a:fld id="{B61BEF0D-F0BB-DE4B-95CE-6DB70DBA9567}" type="datetimeFigureOut">
               <a:rPr lang="en-US" dirty="0"/>
               <a:pPr/>
-              <a:t>1/31/2023</a:t>
+              <a:t>2/9/2023</a:t>
             </a:fld>
             <a:endParaRPr lang="en-US" dirty="0"/>
           </a:p>
@@ -5130,7 +5132,7 @@
             <a:fld id="{B61BEF0D-F0BB-DE4B-95CE-6DB70DBA9567}" type="datetimeFigureOut">
               <a:rPr lang="en-US" dirty="0"/>
               <a:pPr/>
-              <a:t>1/31/2023</a:t>
+              <a:t>2/9/2023</a:t>
             </a:fld>
             <a:endParaRPr lang="en-US" dirty="0"/>
           </a:p>
@@ -6733,7 +6735,7 @@
         </p:nvSpPr>
         <p:spPr>
           <a:xfrm>
-            <a:off x="684212" y="685800"/>
+            <a:off x="1218602" y="2003961"/>
             <a:ext cx="9053554" cy="2431473"/>
           </a:xfrm>
         </p:spPr>
@@ -6759,7 +6761,7 @@
             </a:pPr>
             <a:r>
               <a:rPr lang="fr-FR" dirty="0"/>
-              <a:t>Nous livrons un site internet début juillet de style galerie, comprenant un nouveau logo, une page d’accueil contenant une bio  les dernières peintures et des commentaires, une page galerie contenant les peintures du client, une page de contact.	</a:t>
+              <a:t>Nous livrons un site internet début juillet de style galerie, comprenant un nouveau logo, une page d’accueil contenant une bio  la dernière peinture et des commentaires, une page galerie contenant les peintures du client, une page de contact, une page de gestion des tableaux.	</a:t>
             </a:r>
           </a:p>
           <a:p>
@@ -6768,12 +6770,42 @@
           </a:p>
         </p:txBody>
       </p:sp>
+    </p:spTree>
+    <p:extLst>
+      <p:ext uri="{BB962C8B-B14F-4D97-AF65-F5344CB8AC3E}">
+        <p14:creationId xmlns:p14="http://schemas.microsoft.com/office/powerpoint/2010/main" val="3690427952"/>
+      </p:ext>
+    </p:extLst>
+  </p:cSld>
+  <p:clrMapOvr>
+    <a:masterClrMapping/>
+  </p:clrMapOvr>
+</p:sld>
+</file>
+
+<file path=ppt/slides/slide17.xml><?xml version="1.0" encoding="utf-8"?>
+<p:sld xmlns:a="http://schemas.openxmlformats.org/drawingml/2006/main" xmlns:r="http://schemas.openxmlformats.org/officeDocument/2006/relationships" xmlns:p="http://schemas.openxmlformats.org/presentationml/2006/main">
+  <p:cSld>
+    <p:spTree>
+      <p:nvGrpSpPr>
+        <p:cNvPr id="1" name=""/>
+        <p:cNvGrpSpPr/>
+        <p:nvPr/>
+      </p:nvGrpSpPr>
+      <p:grpSpPr>
+        <a:xfrm>
+          <a:off x="0" y="0"/>
+          <a:ext cx="0" cy="0"/>
+          <a:chOff x="0" y="0"/>
+          <a:chExt cx="0" cy="0"/>
+        </a:xfrm>
+      </p:grpSpPr>
       <p:sp>
         <p:nvSpPr>
           <p:cNvPr id="4" name="ZoneTexte 3">
             <a:extLst>
               <a:ext uri="{FF2B5EF4-FFF2-40B4-BE49-F238E27FC236}">
-                <a16:creationId xmlns:a16="http://schemas.microsoft.com/office/drawing/2014/main" id="{1AA1E146-9A4F-14A2-2B40-E8F24963E609}"/>
+                <a16:creationId xmlns:a16="http://schemas.microsoft.com/office/drawing/2014/main" id="{2A66F914-04BA-DAC5-3CB8-39C1C8CBFE25}"/>
               </a:ext>
             </a:extLst>
           </p:cNvPr>
@@ -6782,8 +6814,8 @@
         </p:nvSpPr>
         <p:spPr>
           <a:xfrm>
-            <a:off x="684212" y="2850079"/>
-            <a:ext cx="1646712" cy="369332"/>
+            <a:off x="950026" y="528452"/>
+            <a:ext cx="2844140" cy="646331"/>
           </a:xfrm>
           <a:prstGeom prst="rect">
             <a:avLst/>
@@ -6805,12 +6837,45 @@
               <a:t>Planning:</a:t>
             </a:r>
           </a:p>
-        </p:txBody>
-      </p:sp>
+          <a:p>
+            <a:endParaRPr lang="fr-FR" dirty="0"/>
+          </a:p>
+        </p:txBody>
+      </p:sp>
+      <p:pic>
+        <p:nvPicPr>
+          <p:cNvPr id="6" name="Image 5">
+            <a:extLst>
+              <a:ext uri="{FF2B5EF4-FFF2-40B4-BE49-F238E27FC236}">
+                <a16:creationId xmlns:a16="http://schemas.microsoft.com/office/drawing/2014/main" id="{1E25515D-80E7-CBC6-C036-7660A343731E}"/>
+              </a:ext>
+            </a:extLst>
+          </p:cNvPr>
+          <p:cNvPicPr>
+            <a:picLocks noChangeAspect="1"/>
+          </p:cNvPicPr>
+          <p:nvPr/>
+        </p:nvPicPr>
+        <p:blipFill>
+          <a:blip r:embed="rId2"/>
+          <a:stretch>
+            <a:fillRect/>
+          </a:stretch>
+        </p:blipFill>
+        <p:spPr>
+          <a:xfrm>
+            <a:off x="2600696" y="876504"/>
+            <a:ext cx="8390279" cy="5877509"/>
+          </a:xfrm>
+          <a:prstGeom prst="rect">
+            <a:avLst/>
+          </a:prstGeom>
+        </p:spPr>
+      </p:pic>
     </p:spTree>
     <p:extLst>
       <p:ext uri="{BB962C8B-B14F-4D97-AF65-F5344CB8AC3E}">
-        <p14:creationId xmlns:p14="http://schemas.microsoft.com/office/powerpoint/2010/main" val="3690427952"/>
+        <p14:creationId xmlns:p14="http://schemas.microsoft.com/office/powerpoint/2010/main" val="2368108637"/>
       </p:ext>
     </p:extLst>
   </p:cSld>
@@ -8503,7 +8568,7 @@
             </a:pPr>
             <a:r>
               <a:rPr lang="fr-FR" dirty="0"/>
-              <a:t>	- Se faire connaitre.</a:t>
+              <a:t>	- Avoir une plus grande visibilité.</a:t>
             </a:r>
           </a:p>
           <a:p>
@@ -10001,7 +10066,7 @@
         </p:nvSpPr>
         <p:spPr>
           <a:xfrm rot="1602194">
-            <a:off x="6678230" y="4427581"/>
+            <a:off x="6678229" y="4417814"/>
             <a:ext cx="140576" cy="151577"/>
           </a:xfrm>
           <a:prstGeom prst="triangle">

--- a/CDC/L_artiste.pptx
+++ b/CDC/L_artiste.pptx
@@ -241,7 +241,7 @@
           <a:p>
             <a:fld id="{CE3F9B10-F744-47E1-871E-98B3AC9B3E4F}" type="datetimeFigureOut">
               <a:rPr lang="fr-FR" smtClean="0"/>
-              <a:t>09/02/2023</a:t>
+              <a:t>10/02/2023</a:t>
             </a:fld>
             <a:endParaRPr lang="fr-FR"/>
           </a:p>
@@ -653,7 +653,7 @@
             <a:fld id="{B61BEF0D-F0BB-DE4B-95CE-6DB70DBA9567}" type="datetimeFigureOut">
               <a:rPr lang="en-US" dirty="0"/>
               <a:pPr/>
-              <a:t>2/9/2023</a:t>
+              <a:t>2/10/2023</a:t>
             </a:fld>
             <a:endParaRPr lang="en-US" dirty="0"/>
           </a:p>
@@ -1086,7 +1086,7 @@
             <a:fld id="{B61BEF0D-F0BB-DE4B-95CE-6DB70DBA9567}" type="datetimeFigureOut">
               <a:rPr lang="en-US" dirty="0"/>
               <a:pPr/>
-              <a:t>2/9/2023</a:t>
+              <a:t>2/10/2023</a:t>
             </a:fld>
             <a:endParaRPr lang="en-US" dirty="0"/>
           </a:p>
@@ -1333,7 +1333,7 @@
             <a:fld id="{B61BEF0D-F0BB-DE4B-95CE-6DB70DBA9567}" type="datetimeFigureOut">
               <a:rPr lang="en-US" dirty="0"/>
               <a:pPr/>
-              <a:t>2/9/2023</a:t>
+              <a:t>2/10/2023</a:t>
             </a:fld>
             <a:endParaRPr lang="en-US" dirty="0"/>
           </a:p>
@@ -1638,7 +1638,7 @@
             <a:fld id="{B61BEF0D-F0BB-DE4B-95CE-6DB70DBA9567}" type="datetimeFigureOut">
               <a:rPr lang="en-US" dirty="0"/>
               <a:pPr/>
-              <a:t>2/9/2023</a:t>
+              <a:t>2/10/2023</a:t>
             </a:fld>
             <a:endParaRPr lang="en-US" dirty="0"/>
           </a:p>
@@ -1953,7 +1953,7 @@
             <a:fld id="{B61BEF0D-F0BB-DE4B-95CE-6DB70DBA9567}" type="datetimeFigureOut">
               <a:rPr lang="en-US" dirty="0"/>
               <a:pPr/>
-              <a:t>2/9/2023</a:t>
+              <a:t>2/10/2023</a:t>
             </a:fld>
             <a:endParaRPr lang="en-US" dirty="0"/>
           </a:p>
@@ -2252,7 +2252,7 @@
             <a:fld id="{B61BEF0D-F0BB-DE4B-95CE-6DB70DBA9567}" type="datetimeFigureOut">
               <a:rPr lang="en-US" dirty="0"/>
               <a:pPr/>
-              <a:t>2/9/2023</a:t>
+              <a:t>2/10/2023</a:t>
             </a:fld>
             <a:endParaRPr lang="en-US" dirty="0"/>
           </a:p>
@@ -2616,7 +2616,7 @@
             <a:fld id="{B61BEF0D-F0BB-DE4B-95CE-6DB70DBA9567}" type="datetimeFigureOut">
               <a:rPr lang="en-US" dirty="0"/>
               <a:pPr/>
-              <a:t>2/9/2023</a:t>
+              <a:t>2/10/2023</a:t>
             </a:fld>
             <a:endParaRPr lang="en-US" dirty="0"/>
           </a:p>
@@ -2787,7 +2787,7 @@
             <a:fld id="{B61BEF0D-F0BB-DE4B-95CE-6DB70DBA9567}" type="datetimeFigureOut">
               <a:rPr lang="en-US" dirty="0"/>
               <a:pPr/>
-              <a:t>2/9/2023</a:t>
+              <a:t>2/10/2023</a:t>
             </a:fld>
             <a:endParaRPr lang="en-US" dirty="0"/>
           </a:p>
@@ -2964,7 +2964,7 @@
             <a:fld id="{B61BEF0D-F0BB-DE4B-95CE-6DB70DBA9567}" type="datetimeFigureOut">
               <a:rPr lang="en-US" dirty="0"/>
               <a:pPr/>
-              <a:t>2/9/2023</a:t>
+              <a:t>2/10/2023</a:t>
             </a:fld>
             <a:endParaRPr lang="en-US" dirty="0"/>
           </a:p>
@@ -3131,7 +3131,7 @@
             <a:fld id="{B61BEF0D-F0BB-DE4B-95CE-6DB70DBA9567}" type="datetimeFigureOut">
               <a:rPr lang="en-US" dirty="0"/>
               <a:pPr/>
-              <a:t>2/9/2023</a:t>
+              <a:t>2/10/2023</a:t>
             </a:fld>
             <a:endParaRPr lang="en-US" dirty="0"/>
           </a:p>
@@ -3378,7 +3378,7 @@
             <a:fld id="{B61BEF0D-F0BB-DE4B-95CE-6DB70DBA9567}" type="datetimeFigureOut">
               <a:rPr lang="en-US" dirty="0"/>
               <a:pPr/>
-              <a:t>2/9/2023</a:t>
+              <a:t>2/10/2023</a:t>
             </a:fld>
             <a:endParaRPr lang="en-US" dirty="0"/>
           </a:p>
@@ -3611,7 +3611,7 @@
             <a:fld id="{B61BEF0D-F0BB-DE4B-95CE-6DB70DBA9567}" type="datetimeFigureOut">
               <a:rPr lang="en-US" dirty="0"/>
               <a:pPr/>
-              <a:t>2/9/2023</a:t>
+              <a:t>2/10/2023</a:t>
             </a:fld>
             <a:endParaRPr lang="en-US" dirty="0"/>
           </a:p>
@@ -3990,7 +3990,7 @@
             <a:fld id="{B61BEF0D-F0BB-DE4B-95CE-6DB70DBA9567}" type="datetimeFigureOut">
               <a:rPr lang="en-US" dirty="0"/>
               <a:pPr/>
-              <a:t>2/9/2023</a:t>
+              <a:t>2/10/2023</a:t>
             </a:fld>
             <a:endParaRPr lang="en-US" dirty="0"/>
           </a:p>
@@ -4105,7 +4105,7 @@
             <a:fld id="{B61BEF0D-F0BB-DE4B-95CE-6DB70DBA9567}" type="datetimeFigureOut">
               <a:rPr lang="en-US" dirty="0"/>
               <a:pPr/>
-              <a:t>2/9/2023</a:t>
+              <a:t>2/10/2023</a:t>
             </a:fld>
             <a:endParaRPr lang="en-US" dirty="0"/>
           </a:p>
@@ -4197,7 +4197,7 @@
             <a:fld id="{B61BEF0D-F0BB-DE4B-95CE-6DB70DBA9567}" type="datetimeFigureOut">
               <a:rPr lang="en-US" dirty="0"/>
               <a:pPr/>
-              <a:t>2/9/2023</a:t>
+              <a:t>2/10/2023</a:t>
             </a:fld>
             <a:endParaRPr lang="en-US" dirty="0"/>
           </a:p>
@@ -4449,7 +4449,7 @@
             <a:fld id="{B61BEF0D-F0BB-DE4B-95CE-6DB70DBA9567}" type="datetimeFigureOut">
               <a:rPr lang="en-US" dirty="0"/>
               <a:pPr/>
-              <a:t>2/9/2023</a:t>
+              <a:t>2/10/2023</a:t>
             </a:fld>
             <a:endParaRPr lang="en-US" dirty="0"/>
           </a:p>
@@ -4729,7 +4729,7 @@
             <a:fld id="{B61BEF0D-F0BB-DE4B-95CE-6DB70DBA9567}" type="datetimeFigureOut">
               <a:rPr lang="en-US" dirty="0"/>
               <a:pPr/>
-              <a:t>2/9/2023</a:t>
+              <a:t>2/10/2023</a:t>
             </a:fld>
             <a:endParaRPr lang="en-US" dirty="0"/>
           </a:p>
@@ -5132,7 +5132,7 @@
             <a:fld id="{B61BEF0D-F0BB-DE4B-95CE-6DB70DBA9567}" type="datetimeFigureOut">
               <a:rPr lang="en-US" dirty="0"/>
               <a:pPr/>
-              <a:t>2/9/2023</a:t>
+              <a:t>2/10/2023</a:t>
             </a:fld>
             <a:endParaRPr lang="en-US" dirty="0"/>
           </a:p>
@@ -6529,15 +6529,7 @@
             <a:pPr lvl="1"/>
             <a:r>
               <a:rPr lang="fr-FR" dirty="0"/>
-              <a:t>- Présence d’un </a:t>
-            </a:r>
-            <a:r>
-              <a:rPr lang="fr-FR" dirty="0" err="1"/>
-              <a:t>slider</a:t>
-            </a:r>
-            <a:r>
-              <a:rPr lang="fr-FR" dirty="0"/>
-              <a:t> pour visionner les tableaux.</a:t>
+              <a:t>- Présence d’un carrousel pour visionner les tableaux.</a:t>
             </a:r>
           </a:p>
           <a:p>
@@ -6551,7 +6543,7 @@
             <a:pPr lvl="1"/>
             <a:r>
               <a:rPr lang="fr-FR" dirty="0"/>
-              <a:t>- Utilisation du HTML/CSS, JavaScript, MySQL.</a:t>
+              <a:t>- Utilisation du HTML/CSS, JavaScript, PHP, MySQL.</a:t>
             </a:r>
           </a:p>
           <a:p>
@@ -6682,7 +6674,15 @@
           <a:p>
             <a:r>
               <a:rPr lang="fr-FR" dirty="0"/>
-              <a:t>	- Livraisons prévu le 03 juillet 2023.</a:t>
+              <a:t>	- Livraisons prévu </a:t>
+            </a:r>
+            <a:r>
+              <a:rPr lang="fr-FR" dirty="0" err="1"/>
+              <a:t>debut</a:t>
+            </a:r>
+            <a:r>
+              <a:rPr lang="fr-FR" dirty="0"/>
+              <a:t> juillet 2023.</a:t>
             </a:r>
           </a:p>
         </p:txBody>
@@ -8577,7 +8577,7 @@
             </a:pPr>
             <a:r>
               <a:rPr lang="fr-FR" dirty="0"/>
-              <a:t>	- Toucher un plus grand publique.</a:t>
+              <a:t>	- Toucher un plus large publique.</a:t>
             </a:r>
           </a:p>
           <a:p>
@@ -8930,7 +8930,7 @@
                   <a:srgbClr val="751515"/>
                 </a:solidFill>
               </a:rPr>
-              <a:t>Région qui fait la part belle au métier artistique.</a:t>
+              <a:t>Région qui fait la part belle aux artistique.</a:t>
             </a:r>
           </a:p>
         </p:txBody>
@@ -9098,7 +9098,7 @@
             </a:pPr>
             <a:r>
               <a:rPr lang="fr-FR" dirty="0"/>
-              <a:t>                      - Possibilité de slide sur la galerie.</a:t>
+              <a:t>                      - Possibilité d’ajouter des commentaires</a:t>
             </a:r>
           </a:p>
           <a:p>
@@ -9113,9 +9113,15 @@
               <a:rPr lang="fr-FR" dirty="0" err="1"/>
               <a:t>brushed</a:t>
             </a:r>
+            <a:endParaRPr lang="fr-FR" dirty="0"/>
+          </a:p>
+          <a:p>
+            <a:pPr marL="0" indent="0">
+              <a:buNone/>
+            </a:pPr>
             <a:r>
               <a:rPr lang="fr-FR" dirty="0"/>
-              <a:t>.</a:t>
+              <a:t>			  -  Affichage d’un carrousel</a:t>
             </a:r>
           </a:p>
           <a:p>
@@ -9179,7 +9185,7 @@
         </p:blipFill>
         <p:spPr>
           <a:xfrm>
-            <a:off x="4561692" y="1500874"/>
+            <a:off x="4571999" y="1535534"/>
             <a:ext cx="3500637" cy="815536"/>
           </a:xfrm>
           <a:prstGeom prst="rect">
@@ -9279,7 +9285,7 @@
         </p:nvSpPr>
         <p:spPr>
           <a:xfrm>
-            <a:off x="6018095" y="2100966"/>
+            <a:off x="6005152" y="2100966"/>
             <a:ext cx="587829" cy="215444"/>
           </a:xfrm>
           <a:prstGeom prst="rect">
@@ -9659,10 +9665,10 @@
       </p:sp>
       <p:grpSp>
         <p:nvGrpSpPr>
-          <p:cNvPr id="18" name="Groupe 17">
+          <p:cNvPr id="2" name="Groupe 1">
             <a:extLst>
               <a:ext uri="{FF2B5EF4-FFF2-40B4-BE49-F238E27FC236}">
-                <a16:creationId xmlns:a16="http://schemas.microsoft.com/office/drawing/2014/main" id="{22AECB13-E3F0-645F-067C-7BF9DFEC2068}"/>
+                <a16:creationId xmlns:a16="http://schemas.microsoft.com/office/drawing/2014/main" id="{F2AA259E-0216-8617-6653-DCBD2A531A64}"/>
               </a:ext>
             </a:extLst>
           </p:cNvPr>
@@ -9672,17 +9678,358 @@
         <p:grpSpPr>
           <a:xfrm>
             <a:off x="3353413" y="3871084"/>
-            <a:ext cx="4568641" cy="2371106"/>
-            <a:chOff x="684212" y="4114800"/>
-            <a:chExt cx="4568641" cy="2371106"/>
+            <a:ext cx="5383858" cy="2371106"/>
+            <a:chOff x="3353413" y="3871084"/>
+            <a:chExt cx="5383858" cy="2371106"/>
           </a:xfrm>
         </p:grpSpPr>
+        <p:grpSp>
+          <p:nvGrpSpPr>
+            <p:cNvPr id="18" name="Groupe 17">
+              <a:extLst>
+                <a:ext uri="{FF2B5EF4-FFF2-40B4-BE49-F238E27FC236}">
+                  <a16:creationId xmlns:a16="http://schemas.microsoft.com/office/drawing/2014/main" id="{22AECB13-E3F0-645F-067C-7BF9DFEC2068}"/>
+                </a:ext>
+              </a:extLst>
+            </p:cNvPr>
+            <p:cNvGrpSpPr/>
+            <p:nvPr/>
+          </p:nvGrpSpPr>
+          <p:grpSpPr>
+            <a:xfrm>
+              <a:off x="3353413" y="3871084"/>
+              <a:ext cx="4568641" cy="2371106"/>
+              <a:chOff x="684212" y="4114800"/>
+              <a:chExt cx="4568641" cy="2371106"/>
+            </a:xfrm>
+          </p:grpSpPr>
+          <p:sp>
+            <p:nvSpPr>
+              <p:cNvPr id="4" name="Ellipse 3">
+                <a:extLst>
+                  <a:ext uri="{FF2B5EF4-FFF2-40B4-BE49-F238E27FC236}">
+                    <a16:creationId xmlns:a16="http://schemas.microsoft.com/office/drawing/2014/main" id="{A04CAAF7-BCB3-E57F-F9EE-B7A82F382C87}"/>
+                  </a:ext>
+                </a:extLst>
+              </p:cNvPr>
+              <p:cNvSpPr/>
+              <p:nvPr/>
+            </p:nvSpPr>
+            <p:spPr>
+              <a:xfrm>
+                <a:off x="684212" y="4114800"/>
+                <a:ext cx="1572100" cy="659081"/>
+              </a:xfrm>
+              <a:prstGeom prst="ellipse">
+                <a:avLst/>
+              </a:prstGeom>
+              <a:solidFill>
+                <a:schemeClr val="tx1"/>
+              </a:solidFill>
+            </p:spPr>
+            <p:style>
+              <a:lnRef idx="2">
+                <a:schemeClr val="accent1">
+                  <a:shade val="50000"/>
+                </a:schemeClr>
+              </a:lnRef>
+              <a:fillRef idx="1">
+                <a:schemeClr val="accent1"/>
+              </a:fillRef>
+              <a:effectRef idx="0">
+                <a:schemeClr val="accent1"/>
+              </a:effectRef>
+              <a:fontRef idx="minor">
+                <a:schemeClr val="lt1"/>
+              </a:fontRef>
+            </p:style>
+            <p:txBody>
+              <a:bodyPr rtlCol="0" anchor="ctr"/>
+              <a:lstStyle/>
+              <a:p>
+                <a:pPr algn="ctr"/>
+                <a:r>
+                  <a:rPr lang="fr-FR" sz="1600" dirty="0">
+                    <a:solidFill>
+                      <a:srgbClr val="751515"/>
+                    </a:solidFill>
+                  </a:rPr>
+                  <a:t>utilisateur</a:t>
+                </a:r>
+              </a:p>
+            </p:txBody>
+          </p:sp>
+          <p:sp>
+            <p:nvSpPr>
+              <p:cNvPr id="7" name="Ellipse 6">
+                <a:extLst>
+                  <a:ext uri="{FF2B5EF4-FFF2-40B4-BE49-F238E27FC236}">
+                    <a16:creationId xmlns:a16="http://schemas.microsoft.com/office/drawing/2014/main" id="{6ECCEA1E-4866-6DF3-A533-F40A9A75F3C6}"/>
+                  </a:ext>
+                </a:extLst>
+              </p:cNvPr>
+              <p:cNvSpPr/>
+              <p:nvPr/>
+            </p:nvSpPr>
+            <p:spPr>
+              <a:xfrm>
+                <a:off x="3680753" y="4127665"/>
+                <a:ext cx="1572100" cy="659081"/>
+              </a:xfrm>
+              <a:prstGeom prst="ellipse">
+                <a:avLst/>
+              </a:prstGeom>
+              <a:solidFill>
+                <a:schemeClr val="tx1"/>
+              </a:solidFill>
+            </p:spPr>
+            <p:style>
+              <a:lnRef idx="2">
+                <a:schemeClr val="accent1">
+                  <a:shade val="50000"/>
+                </a:schemeClr>
+              </a:lnRef>
+              <a:fillRef idx="1">
+                <a:schemeClr val="accent1"/>
+              </a:fillRef>
+              <a:effectRef idx="0">
+                <a:schemeClr val="accent1"/>
+              </a:effectRef>
+              <a:fontRef idx="minor">
+                <a:schemeClr val="lt1"/>
+              </a:fontRef>
+            </p:style>
+            <p:txBody>
+              <a:bodyPr rtlCol="0" anchor="ctr"/>
+              <a:lstStyle/>
+              <a:p>
+                <a:pPr algn="ctr"/>
+                <a:endParaRPr lang="fr-FR"/>
+              </a:p>
+            </p:txBody>
+          </p:sp>
+          <p:sp>
+            <p:nvSpPr>
+              <p:cNvPr id="8" name="Ellipse 7">
+                <a:extLst>
+                  <a:ext uri="{FF2B5EF4-FFF2-40B4-BE49-F238E27FC236}">
+                    <a16:creationId xmlns:a16="http://schemas.microsoft.com/office/drawing/2014/main" id="{FBB5C5F5-0972-9D07-F90C-0F9F98AAE31C}"/>
+                  </a:ext>
+                </a:extLst>
+              </p:cNvPr>
+              <p:cNvSpPr/>
+              <p:nvPr/>
+            </p:nvSpPr>
+            <p:spPr>
+              <a:xfrm>
+                <a:off x="2036020" y="5021283"/>
+                <a:ext cx="1572100" cy="659081"/>
+              </a:xfrm>
+              <a:prstGeom prst="ellipse">
+                <a:avLst/>
+              </a:prstGeom>
+              <a:solidFill>
+                <a:schemeClr val="tx1"/>
+              </a:solidFill>
+            </p:spPr>
+            <p:style>
+              <a:lnRef idx="2">
+                <a:schemeClr val="accent1">
+                  <a:shade val="50000"/>
+                </a:schemeClr>
+              </a:lnRef>
+              <a:fillRef idx="1">
+                <a:schemeClr val="accent1"/>
+              </a:fillRef>
+              <a:effectRef idx="0">
+                <a:schemeClr val="accent1"/>
+              </a:effectRef>
+              <a:fontRef idx="minor">
+                <a:schemeClr val="lt1"/>
+              </a:fontRef>
+            </p:style>
+            <p:txBody>
+              <a:bodyPr rtlCol="0" anchor="ctr"/>
+              <a:lstStyle/>
+              <a:p>
+                <a:pPr algn="ctr"/>
+                <a:endParaRPr lang="fr-FR"/>
+              </a:p>
+            </p:txBody>
+          </p:sp>
+          <p:sp>
+            <p:nvSpPr>
+              <p:cNvPr id="9" name="Organigramme : Terminateur 8">
+                <a:extLst>
+                  <a:ext uri="{FF2B5EF4-FFF2-40B4-BE49-F238E27FC236}">
+                    <a16:creationId xmlns:a16="http://schemas.microsoft.com/office/drawing/2014/main" id="{CC83AE3F-FB84-2CDC-6343-12AED17BF5CF}"/>
+                  </a:ext>
+                </a:extLst>
+              </p:cNvPr>
+              <p:cNvSpPr/>
+              <p:nvPr/>
+            </p:nvSpPr>
+            <p:spPr>
+              <a:xfrm>
+                <a:off x="1876301" y="5993080"/>
+                <a:ext cx="2020486" cy="492826"/>
+              </a:xfrm>
+              <a:prstGeom prst="flowChartTerminator">
+                <a:avLst/>
+              </a:prstGeom>
+              <a:solidFill>
+                <a:schemeClr val="tx1"/>
+              </a:solidFill>
+            </p:spPr>
+            <p:style>
+              <a:lnRef idx="2">
+                <a:schemeClr val="accent1">
+                  <a:shade val="50000"/>
+                </a:schemeClr>
+              </a:lnRef>
+              <a:fillRef idx="1">
+                <a:schemeClr val="accent1"/>
+              </a:fillRef>
+              <a:effectRef idx="0">
+                <a:schemeClr val="accent1"/>
+              </a:effectRef>
+              <a:fontRef idx="minor">
+                <a:schemeClr val="lt1"/>
+              </a:fontRef>
+            </p:style>
+            <p:txBody>
+              <a:bodyPr rtlCol="0" anchor="ctr"/>
+              <a:lstStyle/>
+              <a:p>
+                <a:pPr algn="ctr"/>
+                <a:endParaRPr lang="fr-FR"/>
+              </a:p>
+            </p:txBody>
+          </p:sp>
+          <p:sp>
+            <p:nvSpPr>
+              <p:cNvPr id="14" name="ZoneTexte 13">
+                <a:extLst>
+                  <a:ext uri="{FF2B5EF4-FFF2-40B4-BE49-F238E27FC236}">
+                    <a16:creationId xmlns:a16="http://schemas.microsoft.com/office/drawing/2014/main" id="{5BC6BA37-D4BC-FDA3-077F-C30AF2F85E76}"/>
+                  </a:ext>
+                </a:extLst>
+              </p:cNvPr>
+              <p:cNvSpPr txBox="1"/>
+              <p:nvPr/>
+            </p:nvSpPr>
+            <p:spPr>
+              <a:xfrm>
+                <a:off x="2352995" y="5241747"/>
+                <a:ext cx="2113808" cy="276999"/>
+              </a:xfrm>
+              <a:prstGeom prst="rect">
+                <a:avLst/>
+              </a:prstGeom>
+              <a:noFill/>
+            </p:spPr>
+            <p:txBody>
+              <a:bodyPr wrap="square" rtlCol="0">
+                <a:spAutoFit/>
+              </a:bodyPr>
+              <a:lstStyle/>
+              <a:p>
+                <a:r>
+                  <a:rPr lang="fr-FR" sz="1200" dirty="0">
+                    <a:solidFill>
+                      <a:srgbClr val="751515"/>
+                    </a:solidFill>
+                  </a:rPr>
+                  <a:t>Site internet</a:t>
+                </a:r>
+              </a:p>
+            </p:txBody>
+          </p:sp>
+          <p:sp>
+            <p:nvSpPr>
+              <p:cNvPr id="16" name="ZoneTexte 15">
+                <a:extLst>
+                  <a:ext uri="{FF2B5EF4-FFF2-40B4-BE49-F238E27FC236}">
+                    <a16:creationId xmlns:a16="http://schemas.microsoft.com/office/drawing/2014/main" id="{B30C8A59-DB3D-8126-CD45-A808EFD7B80E}"/>
+                  </a:ext>
+                </a:extLst>
+              </p:cNvPr>
+              <p:cNvSpPr txBox="1"/>
+              <p:nvPr/>
+            </p:nvSpPr>
+            <p:spPr>
+              <a:xfrm>
+                <a:off x="2448688" y="6088778"/>
+                <a:ext cx="2464130" cy="276999"/>
+              </a:xfrm>
+              <a:prstGeom prst="rect">
+                <a:avLst/>
+              </a:prstGeom>
+              <a:noFill/>
+            </p:spPr>
+            <p:txBody>
+              <a:bodyPr wrap="square" rtlCol="0">
+                <a:spAutoFit/>
+              </a:bodyPr>
+              <a:lstStyle/>
+              <a:p>
+                <a:r>
+                  <a:rPr lang="fr-FR" sz="1200" dirty="0">
+                    <a:solidFill>
+                      <a:srgbClr val="751515"/>
+                    </a:solidFill>
+                  </a:rPr>
+                  <a:t>Découvrir</a:t>
+                </a:r>
+              </a:p>
+            </p:txBody>
+          </p:sp>
+        </p:grpSp>
         <p:sp>
           <p:nvSpPr>
-            <p:cNvPr id="4" name="Ellipse 3">
+            <p:cNvPr id="15" name="ZoneTexte 14">
               <a:extLst>
                 <a:ext uri="{FF2B5EF4-FFF2-40B4-BE49-F238E27FC236}">
-                  <a16:creationId xmlns:a16="http://schemas.microsoft.com/office/drawing/2014/main" id="{A04CAAF7-BCB3-E57F-F9EE-B7A82F382C87}"/>
+                  <a16:creationId xmlns:a16="http://schemas.microsoft.com/office/drawing/2014/main" id="{59B0855F-15E4-91F6-49B0-2C3682EC5764}"/>
+                </a:ext>
+              </a:extLst>
+            </p:cNvPr>
+            <p:cNvSpPr txBox="1"/>
+            <p:nvPr/>
+          </p:nvSpPr>
+          <p:spPr>
+            <a:xfrm>
+              <a:off x="6688777" y="4166306"/>
+              <a:ext cx="2048494" cy="276999"/>
+            </a:xfrm>
+            <a:prstGeom prst="rect">
+              <a:avLst/>
+            </a:prstGeom>
+            <a:noFill/>
+          </p:spPr>
+          <p:txBody>
+            <a:bodyPr wrap="square" rtlCol="0">
+              <a:spAutoFit/>
+            </a:bodyPr>
+            <a:lstStyle/>
+            <a:p>
+              <a:r>
+                <a:rPr lang="fr-FR" sz="1200" dirty="0">
+                  <a:solidFill>
+                    <a:srgbClr val="751515"/>
+                  </a:solidFill>
+                </a:rPr>
+                <a:t>Tableaux</a:t>
+              </a:r>
+            </a:p>
+          </p:txBody>
+        </p:sp>
+        <p:sp>
+          <p:nvSpPr>
+            <p:cNvPr id="11" name="Arc 10">
+              <a:extLst>
+                <a:ext uri="{FF2B5EF4-FFF2-40B4-BE49-F238E27FC236}">
+                  <a16:creationId xmlns:a16="http://schemas.microsoft.com/office/drawing/2014/main" id="{AC1F743A-835E-2134-74F2-2C58CFFA500C}"/>
                 </a:ext>
               </a:extLst>
             </p:cNvPr>
@@ -9690,28 +10037,79 @@
             <p:nvPr/>
           </p:nvSpPr>
           <p:spPr>
-            <a:xfrm>
-              <a:off x="684212" y="4114800"/>
-              <a:ext cx="1572100" cy="659081"/>
+            <a:xfrm rot="10800000">
+              <a:off x="4526952" y="4075609"/>
+              <a:ext cx="2221565" cy="792000"/>
             </a:xfrm>
-            <a:prstGeom prst="ellipse">
+            <a:prstGeom prst="arc">
+              <a:avLst>
+                <a:gd name="adj1" fmla="val 10723134"/>
+                <a:gd name="adj2" fmla="val 0"/>
+              </a:avLst>
+            </a:prstGeom>
+            <a:ln w="19050">
+              <a:solidFill>
+                <a:schemeClr val="bg1">
+                  <a:alpha val="60000"/>
+                </a:schemeClr>
+              </a:solidFill>
+            </a:ln>
+          </p:spPr>
+          <p:style>
+            <a:lnRef idx="1">
+              <a:schemeClr val="accent1"/>
+            </a:lnRef>
+            <a:fillRef idx="0">
+              <a:schemeClr val="accent1"/>
+            </a:fillRef>
+            <a:effectRef idx="0">
+              <a:schemeClr val="accent1"/>
+            </a:effectRef>
+            <a:fontRef idx="minor">
+              <a:schemeClr val="tx1"/>
+            </a:fontRef>
+          </p:style>
+          <p:txBody>
+            <a:bodyPr rtlCol="0" anchor="ctr"/>
+            <a:lstStyle/>
+            <a:p>
+              <a:pPr algn="ctr"/>
+              <a:endParaRPr lang="fr-FR"/>
+            </a:p>
+          </p:txBody>
+        </p:sp>
+        <p:sp>
+          <p:nvSpPr>
+            <p:cNvPr id="17" name="Triangle isocèle 16">
+              <a:extLst>
+                <a:ext uri="{FF2B5EF4-FFF2-40B4-BE49-F238E27FC236}">
+                  <a16:creationId xmlns:a16="http://schemas.microsoft.com/office/drawing/2014/main" id="{123EE1A4-71F5-F431-94E4-63BD5EB97FAB}"/>
+                </a:ext>
+              </a:extLst>
+            </p:cNvPr>
+            <p:cNvSpPr/>
+            <p:nvPr/>
+          </p:nvSpPr>
+          <p:spPr>
+            <a:xfrm rot="1602194">
+              <a:off x="6678229" y="4417814"/>
+              <a:ext cx="140576" cy="151577"/>
+            </a:xfrm>
+            <a:prstGeom prst="triangle">
               <a:avLst/>
             </a:prstGeom>
-            <a:solidFill>
-              <a:schemeClr val="tx1"/>
-            </a:solidFill>
           </p:spPr>
           <p:style>
             <a:lnRef idx="2">
-              <a:schemeClr val="accent1">
+              <a:schemeClr val="dk1">
                 <a:shade val="50000"/>
               </a:schemeClr>
             </a:lnRef>
             <a:fillRef idx="1">
-              <a:schemeClr val="accent1"/>
+              <a:schemeClr val="dk1"/>
             </a:fillRef>
             <a:effectRef idx="0">
-              <a:schemeClr val="accent1"/>
+              <a:schemeClr val="dk1"/>
             </a:effectRef>
             <a:fontRef idx="minor">
               <a:schemeClr val="lt1"/>
@@ -9722,23 +10120,16 @@
             <a:lstStyle/>
             <a:p>
               <a:pPr algn="ctr"/>
-              <a:r>
-                <a:rPr lang="fr-FR" sz="1600" dirty="0">
-                  <a:solidFill>
-                    <a:srgbClr val="751515"/>
-                  </a:solidFill>
-                </a:rPr>
-                <a:t>utilisateur</a:t>
-              </a:r>
+              <a:endParaRPr lang="fr-FR"/>
             </a:p>
           </p:txBody>
         </p:sp>
         <p:sp>
           <p:nvSpPr>
-            <p:cNvPr id="7" name="Ellipse 6">
+            <p:cNvPr id="19" name="Arc 18">
               <a:extLst>
                 <a:ext uri="{FF2B5EF4-FFF2-40B4-BE49-F238E27FC236}">
-                  <a16:creationId xmlns:a16="http://schemas.microsoft.com/office/drawing/2014/main" id="{6ECCEA1E-4866-6DF3-A533-F40A9A75F3C6}"/>
+                  <a16:creationId xmlns:a16="http://schemas.microsoft.com/office/drawing/2014/main" id="{E6AC596C-2A4D-7BFE-C911-7C1016D256CB}"/>
                 </a:ext>
               </a:extLst>
             </p:cNvPr>
@@ -9746,16 +10137,65 @@
             <p:nvPr/>
           </p:nvSpPr>
           <p:spPr>
-            <a:xfrm>
-              <a:off x="3680753" y="4127665"/>
-              <a:ext cx="1572100" cy="659081"/>
+            <a:xfrm rot="2982496">
+              <a:off x="5238449" y="4382331"/>
+              <a:ext cx="1083378" cy="1899987"/>
             </a:xfrm>
-            <a:prstGeom prst="ellipse">
+            <a:prstGeom prst="arc">
               <a:avLst/>
             </a:prstGeom>
-            <a:solidFill>
+            <a:noFill/>
+            <a:ln w="25400">
+              <a:solidFill>
+                <a:schemeClr val="bg1">
+                  <a:alpha val="60000"/>
+                </a:schemeClr>
+              </a:solidFill>
+            </a:ln>
+          </p:spPr>
+          <p:style>
+            <a:lnRef idx="1">
+              <a:schemeClr val="accent1"/>
+            </a:lnRef>
+            <a:fillRef idx="0">
+              <a:schemeClr val="accent1"/>
+            </a:fillRef>
+            <a:effectRef idx="0">
+              <a:schemeClr val="accent1"/>
+            </a:effectRef>
+            <a:fontRef idx="minor">
               <a:schemeClr val="tx1"/>
-            </a:solidFill>
+            </a:fontRef>
+          </p:style>
+          <p:txBody>
+            <a:bodyPr rtlCol="0" anchor="ctr"/>
+            <a:lstStyle/>
+            <a:p>
+              <a:pPr algn="ctr"/>
+              <a:endParaRPr lang="fr-FR"/>
+            </a:p>
+          </p:txBody>
+        </p:sp>
+        <p:sp>
+          <p:nvSpPr>
+            <p:cNvPr id="20" name="Triangle isocèle 19">
+              <a:extLst>
+                <a:ext uri="{FF2B5EF4-FFF2-40B4-BE49-F238E27FC236}">
+                  <a16:creationId xmlns:a16="http://schemas.microsoft.com/office/drawing/2014/main" id="{231A63F3-7C05-DA28-D1BE-4B83DB3C1B93}"/>
+                </a:ext>
+              </a:extLst>
+            </p:cNvPr>
+            <p:cNvSpPr/>
+            <p:nvPr/>
+          </p:nvSpPr>
+          <p:spPr>
+            <a:xfrm rot="13768093">
+              <a:off x="6042603" y="5697511"/>
+              <a:ext cx="106791" cy="126815"/>
+            </a:xfrm>
+            <a:prstGeom prst="triangle">
+              <a:avLst/>
+            </a:prstGeom>
           </p:spPr>
           <p:style>
             <a:lnRef idx="2">
@@ -9782,420 +10222,7 @@
             </a:p>
           </p:txBody>
         </p:sp>
-        <p:sp>
-          <p:nvSpPr>
-            <p:cNvPr id="8" name="Ellipse 7">
-              <a:extLst>
-                <a:ext uri="{FF2B5EF4-FFF2-40B4-BE49-F238E27FC236}">
-                  <a16:creationId xmlns:a16="http://schemas.microsoft.com/office/drawing/2014/main" id="{FBB5C5F5-0972-9D07-F90C-0F9F98AAE31C}"/>
-                </a:ext>
-              </a:extLst>
-            </p:cNvPr>
-            <p:cNvSpPr/>
-            <p:nvPr/>
-          </p:nvSpPr>
-          <p:spPr>
-            <a:xfrm>
-              <a:off x="2036020" y="5021283"/>
-              <a:ext cx="1572100" cy="659081"/>
-            </a:xfrm>
-            <a:prstGeom prst="ellipse">
-              <a:avLst/>
-            </a:prstGeom>
-            <a:solidFill>
-              <a:schemeClr val="tx1"/>
-            </a:solidFill>
-          </p:spPr>
-          <p:style>
-            <a:lnRef idx="2">
-              <a:schemeClr val="accent1">
-                <a:shade val="50000"/>
-              </a:schemeClr>
-            </a:lnRef>
-            <a:fillRef idx="1">
-              <a:schemeClr val="accent1"/>
-            </a:fillRef>
-            <a:effectRef idx="0">
-              <a:schemeClr val="accent1"/>
-            </a:effectRef>
-            <a:fontRef idx="minor">
-              <a:schemeClr val="lt1"/>
-            </a:fontRef>
-          </p:style>
-          <p:txBody>
-            <a:bodyPr rtlCol="0" anchor="ctr"/>
-            <a:lstStyle/>
-            <a:p>
-              <a:pPr algn="ctr"/>
-              <a:endParaRPr lang="fr-FR"/>
-            </a:p>
-          </p:txBody>
-        </p:sp>
-        <p:sp>
-          <p:nvSpPr>
-            <p:cNvPr id="9" name="Organigramme : Terminateur 8">
-              <a:extLst>
-                <a:ext uri="{FF2B5EF4-FFF2-40B4-BE49-F238E27FC236}">
-                  <a16:creationId xmlns:a16="http://schemas.microsoft.com/office/drawing/2014/main" id="{CC83AE3F-FB84-2CDC-6343-12AED17BF5CF}"/>
-                </a:ext>
-              </a:extLst>
-            </p:cNvPr>
-            <p:cNvSpPr/>
-            <p:nvPr/>
-          </p:nvSpPr>
-          <p:spPr>
-            <a:xfrm>
-              <a:off x="1876301" y="5993080"/>
-              <a:ext cx="2020486" cy="492826"/>
-            </a:xfrm>
-            <a:prstGeom prst="flowChartTerminator">
-              <a:avLst/>
-            </a:prstGeom>
-            <a:solidFill>
-              <a:schemeClr val="tx1"/>
-            </a:solidFill>
-          </p:spPr>
-          <p:style>
-            <a:lnRef idx="2">
-              <a:schemeClr val="accent1">
-                <a:shade val="50000"/>
-              </a:schemeClr>
-            </a:lnRef>
-            <a:fillRef idx="1">
-              <a:schemeClr val="accent1"/>
-            </a:fillRef>
-            <a:effectRef idx="0">
-              <a:schemeClr val="accent1"/>
-            </a:effectRef>
-            <a:fontRef idx="minor">
-              <a:schemeClr val="lt1"/>
-            </a:fontRef>
-          </p:style>
-          <p:txBody>
-            <a:bodyPr rtlCol="0" anchor="ctr"/>
-            <a:lstStyle/>
-            <a:p>
-              <a:pPr algn="ctr"/>
-              <a:endParaRPr lang="fr-FR"/>
-            </a:p>
-          </p:txBody>
-        </p:sp>
-        <p:sp>
-          <p:nvSpPr>
-            <p:cNvPr id="14" name="ZoneTexte 13">
-              <a:extLst>
-                <a:ext uri="{FF2B5EF4-FFF2-40B4-BE49-F238E27FC236}">
-                  <a16:creationId xmlns:a16="http://schemas.microsoft.com/office/drawing/2014/main" id="{5BC6BA37-D4BC-FDA3-077F-C30AF2F85E76}"/>
-                </a:ext>
-              </a:extLst>
-            </p:cNvPr>
-            <p:cNvSpPr txBox="1"/>
-            <p:nvPr/>
-          </p:nvSpPr>
-          <p:spPr>
-            <a:xfrm>
-              <a:off x="2352995" y="5241747"/>
-              <a:ext cx="2113808" cy="276999"/>
-            </a:xfrm>
-            <a:prstGeom prst="rect">
-              <a:avLst/>
-            </a:prstGeom>
-            <a:noFill/>
-          </p:spPr>
-          <p:txBody>
-            <a:bodyPr wrap="square" rtlCol="0">
-              <a:spAutoFit/>
-            </a:bodyPr>
-            <a:lstStyle/>
-            <a:p>
-              <a:r>
-                <a:rPr lang="fr-FR" sz="1200" dirty="0">
-                  <a:solidFill>
-                    <a:srgbClr val="751515"/>
-                  </a:solidFill>
-                </a:rPr>
-                <a:t>Site internet</a:t>
-              </a:r>
-            </a:p>
-          </p:txBody>
-        </p:sp>
-        <p:sp>
-          <p:nvSpPr>
-            <p:cNvPr id="16" name="ZoneTexte 15">
-              <a:extLst>
-                <a:ext uri="{FF2B5EF4-FFF2-40B4-BE49-F238E27FC236}">
-                  <a16:creationId xmlns:a16="http://schemas.microsoft.com/office/drawing/2014/main" id="{B30C8A59-DB3D-8126-CD45-A808EFD7B80E}"/>
-                </a:ext>
-              </a:extLst>
-            </p:cNvPr>
-            <p:cNvSpPr txBox="1"/>
-            <p:nvPr/>
-          </p:nvSpPr>
-          <p:spPr>
-            <a:xfrm>
-              <a:off x="2448688" y="6088778"/>
-              <a:ext cx="2464130" cy="276999"/>
-            </a:xfrm>
-            <a:prstGeom prst="rect">
-              <a:avLst/>
-            </a:prstGeom>
-            <a:noFill/>
-          </p:spPr>
-          <p:txBody>
-            <a:bodyPr wrap="square" rtlCol="0">
-              <a:spAutoFit/>
-            </a:bodyPr>
-            <a:lstStyle/>
-            <a:p>
-              <a:r>
-                <a:rPr lang="fr-FR" sz="1200" dirty="0">
-                  <a:solidFill>
-                    <a:srgbClr val="751515"/>
-                  </a:solidFill>
-                </a:rPr>
-                <a:t>Découvrir</a:t>
-              </a:r>
-            </a:p>
-          </p:txBody>
-        </p:sp>
       </p:grpSp>
-      <p:sp>
-        <p:nvSpPr>
-          <p:cNvPr id="15" name="ZoneTexte 14">
-            <a:extLst>
-              <a:ext uri="{FF2B5EF4-FFF2-40B4-BE49-F238E27FC236}">
-                <a16:creationId xmlns:a16="http://schemas.microsoft.com/office/drawing/2014/main" id="{59B0855F-15E4-91F6-49B0-2C3682EC5764}"/>
-              </a:ext>
-            </a:extLst>
-          </p:cNvPr>
-          <p:cNvSpPr txBox="1"/>
-          <p:nvPr/>
-        </p:nvSpPr>
-        <p:spPr>
-          <a:xfrm>
-            <a:off x="6688777" y="4166306"/>
-            <a:ext cx="2048494" cy="276999"/>
-          </a:xfrm>
-          <a:prstGeom prst="rect">
-            <a:avLst/>
-          </a:prstGeom>
-          <a:noFill/>
-        </p:spPr>
-        <p:txBody>
-          <a:bodyPr wrap="square" rtlCol="0">
-            <a:spAutoFit/>
-          </a:bodyPr>
-          <a:lstStyle/>
-          <a:p>
-            <a:r>
-              <a:rPr lang="fr-FR" sz="1200" dirty="0">
-                <a:solidFill>
-                  <a:srgbClr val="751515"/>
-                </a:solidFill>
-              </a:rPr>
-              <a:t>Tableaux</a:t>
-            </a:r>
-          </a:p>
-        </p:txBody>
-      </p:sp>
-      <p:sp>
-        <p:nvSpPr>
-          <p:cNvPr id="11" name="Arc 10">
-            <a:extLst>
-              <a:ext uri="{FF2B5EF4-FFF2-40B4-BE49-F238E27FC236}">
-                <a16:creationId xmlns:a16="http://schemas.microsoft.com/office/drawing/2014/main" id="{AC1F743A-835E-2134-74F2-2C58CFFA500C}"/>
-              </a:ext>
-            </a:extLst>
-          </p:cNvPr>
-          <p:cNvSpPr/>
-          <p:nvPr/>
-        </p:nvSpPr>
-        <p:spPr>
-          <a:xfrm rot="10800000">
-            <a:off x="4526952" y="4075609"/>
-            <a:ext cx="2221565" cy="792000"/>
-          </a:xfrm>
-          <a:prstGeom prst="arc">
-            <a:avLst>
-              <a:gd name="adj1" fmla="val 10723134"/>
-              <a:gd name="adj2" fmla="val 0"/>
-            </a:avLst>
-          </a:prstGeom>
-          <a:ln w="19050">
-            <a:solidFill>
-              <a:schemeClr val="bg1">
-                <a:alpha val="60000"/>
-              </a:schemeClr>
-            </a:solidFill>
-          </a:ln>
-        </p:spPr>
-        <p:style>
-          <a:lnRef idx="1">
-            <a:schemeClr val="accent1"/>
-          </a:lnRef>
-          <a:fillRef idx="0">
-            <a:schemeClr val="accent1"/>
-          </a:fillRef>
-          <a:effectRef idx="0">
-            <a:schemeClr val="accent1"/>
-          </a:effectRef>
-          <a:fontRef idx="minor">
-            <a:schemeClr val="tx1"/>
-          </a:fontRef>
-        </p:style>
-        <p:txBody>
-          <a:bodyPr rtlCol="0" anchor="ctr"/>
-          <a:lstStyle/>
-          <a:p>
-            <a:pPr algn="ctr"/>
-            <a:endParaRPr lang="fr-FR"/>
-          </a:p>
-        </p:txBody>
-      </p:sp>
-      <p:sp>
-        <p:nvSpPr>
-          <p:cNvPr id="17" name="Triangle isocèle 16">
-            <a:extLst>
-              <a:ext uri="{FF2B5EF4-FFF2-40B4-BE49-F238E27FC236}">
-                <a16:creationId xmlns:a16="http://schemas.microsoft.com/office/drawing/2014/main" id="{123EE1A4-71F5-F431-94E4-63BD5EB97FAB}"/>
-              </a:ext>
-            </a:extLst>
-          </p:cNvPr>
-          <p:cNvSpPr/>
-          <p:nvPr/>
-        </p:nvSpPr>
-        <p:spPr>
-          <a:xfrm rot="1602194">
-            <a:off x="6678229" y="4417814"/>
-            <a:ext cx="140576" cy="151577"/>
-          </a:xfrm>
-          <a:prstGeom prst="triangle">
-            <a:avLst/>
-          </a:prstGeom>
-        </p:spPr>
-        <p:style>
-          <a:lnRef idx="2">
-            <a:schemeClr val="dk1">
-              <a:shade val="50000"/>
-            </a:schemeClr>
-          </a:lnRef>
-          <a:fillRef idx="1">
-            <a:schemeClr val="dk1"/>
-          </a:fillRef>
-          <a:effectRef idx="0">
-            <a:schemeClr val="dk1"/>
-          </a:effectRef>
-          <a:fontRef idx="minor">
-            <a:schemeClr val="lt1"/>
-          </a:fontRef>
-        </p:style>
-        <p:txBody>
-          <a:bodyPr rtlCol="0" anchor="ctr"/>
-          <a:lstStyle/>
-          <a:p>
-            <a:pPr algn="ctr"/>
-            <a:endParaRPr lang="fr-FR"/>
-          </a:p>
-        </p:txBody>
-      </p:sp>
-      <p:sp>
-        <p:nvSpPr>
-          <p:cNvPr id="19" name="Arc 18">
-            <a:extLst>
-              <a:ext uri="{FF2B5EF4-FFF2-40B4-BE49-F238E27FC236}">
-                <a16:creationId xmlns:a16="http://schemas.microsoft.com/office/drawing/2014/main" id="{E6AC596C-2A4D-7BFE-C911-7C1016D256CB}"/>
-              </a:ext>
-            </a:extLst>
-          </p:cNvPr>
-          <p:cNvSpPr/>
-          <p:nvPr/>
-        </p:nvSpPr>
-        <p:spPr>
-          <a:xfrm rot="2982496">
-            <a:off x="5238449" y="4382331"/>
-            <a:ext cx="1083378" cy="1899987"/>
-          </a:xfrm>
-          <a:prstGeom prst="arc">
-            <a:avLst/>
-          </a:prstGeom>
-          <a:noFill/>
-          <a:ln w="25400">
-            <a:solidFill>
-              <a:schemeClr val="bg1">
-                <a:alpha val="60000"/>
-              </a:schemeClr>
-            </a:solidFill>
-          </a:ln>
-        </p:spPr>
-        <p:style>
-          <a:lnRef idx="1">
-            <a:schemeClr val="accent1"/>
-          </a:lnRef>
-          <a:fillRef idx="0">
-            <a:schemeClr val="accent1"/>
-          </a:fillRef>
-          <a:effectRef idx="0">
-            <a:schemeClr val="accent1"/>
-          </a:effectRef>
-          <a:fontRef idx="minor">
-            <a:schemeClr val="tx1"/>
-          </a:fontRef>
-        </p:style>
-        <p:txBody>
-          <a:bodyPr rtlCol="0" anchor="ctr"/>
-          <a:lstStyle/>
-          <a:p>
-            <a:pPr algn="ctr"/>
-            <a:endParaRPr lang="fr-FR"/>
-          </a:p>
-        </p:txBody>
-      </p:sp>
-      <p:sp>
-        <p:nvSpPr>
-          <p:cNvPr id="20" name="Triangle isocèle 19">
-            <a:extLst>
-              <a:ext uri="{FF2B5EF4-FFF2-40B4-BE49-F238E27FC236}">
-                <a16:creationId xmlns:a16="http://schemas.microsoft.com/office/drawing/2014/main" id="{231A63F3-7C05-DA28-D1BE-4B83DB3C1B93}"/>
-              </a:ext>
-            </a:extLst>
-          </p:cNvPr>
-          <p:cNvSpPr/>
-          <p:nvPr/>
-        </p:nvSpPr>
-        <p:spPr>
-          <a:xfrm rot="13768093">
-            <a:off x="6042603" y="5697511"/>
-            <a:ext cx="106791" cy="126815"/>
-          </a:xfrm>
-          <a:prstGeom prst="triangle">
-            <a:avLst/>
-          </a:prstGeom>
-        </p:spPr>
-        <p:style>
-          <a:lnRef idx="2">
-            <a:schemeClr val="accent1">
-              <a:shade val="50000"/>
-            </a:schemeClr>
-          </a:lnRef>
-          <a:fillRef idx="1">
-            <a:schemeClr val="accent1"/>
-          </a:fillRef>
-          <a:effectRef idx="0">
-            <a:schemeClr val="accent1"/>
-          </a:effectRef>
-          <a:fontRef idx="minor">
-            <a:schemeClr val="lt1"/>
-          </a:fontRef>
-        </p:style>
-        <p:txBody>
-          <a:bodyPr rtlCol="0" anchor="ctr"/>
-          <a:lstStyle/>
-          <a:p>
-            <a:pPr algn="ctr"/>
-            <a:endParaRPr lang="fr-FR"/>
-          </a:p>
-        </p:txBody>
-      </p:sp>
     </p:spTree>
     <p:extLst>
       <p:ext uri="{BB962C8B-B14F-4D97-AF65-F5344CB8AC3E}">

--- a/CDC/L_artiste.pptx
+++ b/CDC/L_artiste.pptx
@@ -5,26 +5,33 @@
     <p:sldMasterId id="2147483648" r:id="rId1"/>
   </p:sldMasterIdLst>
   <p:notesMasterIdLst>
-    <p:notesMasterId r:id="rId19"/>
+    <p:notesMasterId r:id="rId26"/>
   </p:notesMasterIdLst>
   <p:sldIdLst>
     <p:sldId id="256" r:id="rId2"/>
     <p:sldId id="257" r:id="rId3"/>
     <p:sldId id="258" r:id="rId4"/>
     <p:sldId id="259" r:id="rId5"/>
-    <p:sldId id="260" r:id="rId6"/>
-    <p:sldId id="261" r:id="rId7"/>
-    <p:sldId id="263" r:id="rId8"/>
-    <p:sldId id="262" r:id="rId9"/>
-    <p:sldId id="266" r:id="rId10"/>
-    <p:sldId id="267" r:id="rId11"/>
-    <p:sldId id="269" r:id="rId12"/>
-    <p:sldId id="268" r:id="rId13"/>
-    <p:sldId id="270" r:id="rId14"/>
-    <p:sldId id="272" r:id="rId15"/>
-    <p:sldId id="264" r:id="rId16"/>
-    <p:sldId id="265" r:id="rId17"/>
-    <p:sldId id="273" r:id="rId18"/>
+    <p:sldId id="263" r:id="rId6"/>
+    <p:sldId id="264" r:id="rId7"/>
+    <p:sldId id="261" r:id="rId8"/>
+    <p:sldId id="274" r:id="rId9"/>
+    <p:sldId id="276" r:id="rId10"/>
+    <p:sldId id="277" r:id="rId11"/>
+    <p:sldId id="262" r:id="rId12"/>
+    <p:sldId id="260" r:id="rId13"/>
+    <p:sldId id="266" r:id="rId14"/>
+    <p:sldId id="267" r:id="rId15"/>
+    <p:sldId id="269" r:id="rId16"/>
+    <p:sldId id="268" r:id="rId17"/>
+    <p:sldId id="270" r:id="rId18"/>
+    <p:sldId id="272" r:id="rId19"/>
+    <p:sldId id="278" r:id="rId20"/>
+    <p:sldId id="279" r:id="rId21"/>
+    <p:sldId id="280" r:id="rId22"/>
+    <p:sldId id="265" r:id="rId23"/>
+    <p:sldId id="275" r:id="rId24"/>
+    <p:sldId id="273" r:id="rId25"/>
   </p:sldIdLst>
   <p:sldSz cx="12192000" cy="6858000"/>
   <p:notesSz cx="6858000" cy="9144000"/>
@@ -132,18 +139,25 @@
             <p14:sldId id="257"/>
             <p14:sldId id="258"/>
             <p14:sldId id="259"/>
+            <p14:sldId id="263"/>
+            <p14:sldId id="264"/>
+            <p14:sldId id="261"/>
+            <p14:sldId id="274"/>
+            <p14:sldId id="276"/>
+            <p14:sldId id="277"/>
+            <p14:sldId id="262"/>
             <p14:sldId id="260"/>
-            <p14:sldId id="261"/>
-            <p14:sldId id="263"/>
-            <p14:sldId id="262"/>
             <p14:sldId id="266"/>
             <p14:sldId id="267"/>
             <p14:sldId id="269"/>
             <p14:sldId id="268"/>
             <p14:sldId id="270"/>
             <p14:sldId id="272"/>
-            <p14:sldId id="264"/>
+            <p14:sldId id="278"/>
+            <p14:sldId id="279"/>
+            <p14:sldId id="280"/>
             <p14:sldId id="265"/>
+            <p14:sldId id="275"/>
             <p14:sldId id="273"/>
           </p14:sldIdLst>
         </p14:section>
@@ -241,7 +255,7 @@
           <a:p>
             <a:fld id="{CE3F9B10-F744-47E1-871E-98B3AC9B3E4F}" type="datetimeFigureOut">
               <a:rPr lang="fr-FR" smtClean="0"/>
-              <a:t>10/02/2023</a:t>
+              <a:t>06/03/2023</a:t>
             </a:fld>
             <a:endParaRPr lang="fr-FR"/>
           </a:p>
@@ -653,7 +667,7 @@
             <a:fld id="{B61BEF0D-F0BB-DE4B-95CE-6DB70DBA9567}" type="datetimeFigureOut">
               <a:rPr lang="en-US" dirty="0"/>
               <a:pPr/>
-              <a:t>2/10/2023</a:t>
+              <a:t>3/6/2023</a:t>
             </a:fld>
             <a:endParaRPr lang="en-US" dirty="0"/>
           </a:p>
@@ -1086,7 +1100,7 @@
             <a:fld id="{B61BEF0D-F0BB-DE4B-95CE-6DB70DBA9567}" type="datetimeFigureOut">
               <a:rPr lang="en-US" dirty="0"/>
               <a:pPr/>
-              <a:t>2/10/2023</a:t>
+              <a:t>3/6/2023</a:t>
             </a:fld>
             <a:endParaRPr lang="en-US" dirty="0"/>
           </a:p>
@@ -1333,7 +1347,7 @@
             <a:fld id="{B61BEF0D-F0BB-DE4B-95CE-6DB70DBA9567}" type="datetimeFigureOut">
               <a:rPr lang="en-US" dirty="0"/>
               <a:pPr/>
-              <a:t>2/10/2023</a:t>
+              <a:t>3/6/2023</a:t>
             </a:fld>
             <a:endParaRPr lang="en-US" dirty="0"/>
           </a:p>
@@ -1638,7 +1652,7 @@
             <a:fld id="{B61BEF0D-F0BB-DE4B-95CE-6DB70DBA9567}" type="datetimeFigureOut">
               <a:rPr lang="en-US" dirty="0"/>
               <a:pPr/>
-              <a:t>2/10/2023</a:t>
+              <a:t>3/6/2023</a:t>
             </a:fld>
             <a:endParaRPr lang="en-US" dirty="0"/>
           </a:p>
@@ -1953,7 +1967,7 @@
             <a:fld id="{B61BEF0D-F0BB-DE4B-95CE-6DB70DBA9567}" type="datetimeFigureOut">
               <a:rPr lang="en-US" dirty="0"/>
               <a:pPr/>
-              <a:t>2/10/2023</a:t>
+              <a:t>3/6/2023</a:t>
             </a:fld>
             <a:endParaRPr lang="en-US" dirty="0"/>
           </a:p>
@@ -2252,7 +2266,7 @@
             <a:fld id="{B61BEF0D-F0BB-DE4B-95CE-6DB70DBA9567}" type="datetimeFigureOut">
               <a:rPr lang="en-US" dirty="0"/>
               <a:pPr/>
-              <a:t>2/10/2023</a:t>
+              <a:t>3/6/2023</a:t>
             </a:fld>
             <a:endParaRPr lang="en-US" dirty="0"/>
           </a:p>
@@ -2616,7 +2630,7 @@
             <a:fld id="{B61BEF0D-F0BB-DE4B-95CE-6DB70DBA9567}" type="datetimeFigureOut">
               <a:rPr lang="en-US" dirty="0"/>
               <a:pPr/>
-              <a:t>2/10/2023</a:t>
+              <a:t>3/6/2023</a:t>
             </a:fld>
             <a:endParaRPr lang="en-US" dirty="0"/>
           </a:p>
@@ -2787,7 +2801,7 @@
             <a:fld id="{B61BEF0D-F0BB-DE4B-95CE-6DB70DBA9567}" type="datetimeFigureOut">
               <a:rPr lang="en-US" dirty="0"/>
               <a:pPr/>
-              <a:t>2/10/2023</a:t>
+              <a:t>3/6/2023</a:t>
             </a:fld>
             <a:endParaRPr lang="en-US" dirty="0"/>
           </a:p>
@@ -2964,7 +2978,7 @@
             <a:fld id="{B61BEF0D-F0BB-DE4B-95CE-6DB70DBA9567}" type="datetimeFigureOut">
               <a:rPr lang="en-US" dirty="0"/>
               <a:pPr/>
-              <a:t>2/10/2023</a:t>
+              <a:t>3/6/2023</a:t>
             </a:fld>
             <a:endParaRPr lang="en-US" dirty="0"/>
           </a:p>
@@ -3131,7 +3145,7 @@
             <a:fld id="{B61BEF0D-F0BB-DE4B-95CE-6DB70DBA9567}" type="datetimeFigureOut">
               <a:rPr lang="en-US" dirty="0"/>
               <a:pPr/>
-              <a:t>2/10/2023</a:t>
+              <a:t>3/6/2023</a:t>
             </a:fld>
             <a:endParaRPr lang="en-US" dirty="0"/>
           </a:p>
@@ -3378,7 +3392,7 @@
             <a:fld id="{B61BEF0D-F0BB-DE4B-95CE-6DB70DBA9567}" type="datetimeFigureOut">
               <a:rPr lang="en-US" dirty="0"/>
               <a:pPr/>
-              <a:t>2/10/2023</a:t>
+              <a:t>3/6/2023</a:t>
             </a:fld>
             <a:endParaRPr lang="en-US" dirty="0"/>
           </a:p>
@@ -3611,7 +3625,7 @@
             <a:fld id="{B61BEF0D-F0BB-DE4B-95CE-6DB70DBA9567}" type="datetimeFigureOut">
               <a:rPr lang="en-US" dirty="0"/>
               <a:pPr/>
-              <a:t>2/10/2023</a:t>
+              <a:t>3/6/2023</a:t>
             </a:fld>
             <a:endParaRPr lang="en-US" dirty="0"/>
           </a:p>
@@ -3990,7 +4004,7 @@
             <a:fld id="{B61BEF0D-F0BB-DE4B-95CE-6DB70DBA9567}" type="datetimeFigureOut">
               <a:rPr lang="en-US" dirty="0"/>
               <a:pPr/>
-              <a:t>2/10/2023</a:t>
+              <a:t>3/6/2023</a:t>
             </a:fld>
             <a:endParaRPr lang="en-US" dirty="0"/>
           </a:p>
@@ -4105,7 +4119,7 @@
             <a:fld id="{B61BEF0D-F0BB-DE4B-95CE-6DB70DBA9567}" type="datetimeFigureOut">
               <a:rPr lang="en-US" dirty="0"/>
               <a:pPr/>
-              <a:t>2/10/2023</a:t>
+              <a:t>3/6/2023</a:t>
             </a:fld>
             <a:endParaRPr lang="en-US" dirty="0"/>
           </a:p>
@@ -4197,7 +4211,7 @@
             <a:fld id="{B61BEF0D-F0BB-DE4B-95CE-6DB70DBA9567}" type="datetimeFigureOut">
               <a:rPr lang="en-US" dirty="0"/>
               <a:pPr/>
-              <a:t>2/10/2023</a:t>
+              <a:t>3/6/2023</a:t>
             </a:fld>
             <a:endParaRPr lang="en-US" dirty="0"/>
           </a:p>
@@ -4449,7 +4463,7 @@
             <a:fld id="{B61BEF0D-F0BB-DE4B-95CE-6DB70DBA9567}" type="datetimeFigureOut">
               <a:rPr lang="en-US" dirty="0"/>
               <a:pPr/>
-              <a:t>2/10/2023</a:t>
+              <a:t>3/6/2023</a:t>
             </a:fld>
             <a:endParaRPr lang="en-US" dirty="0"/>
           </a:p>
@@ -4729,7 +4743,7 @@
             <a:fld id="{B61BEF0D-F0BB-DE4B-95CE-6DB70DBA9567}" type="datetimeFigureOut">
               <a:rPr lang="en-US" dirty="0"/>
               <a:pPr/>
-              <a:t>2/10/2023</a:t>
+              <a:t>3/6/2023</a:t>
             </a:fld>
             <a:endParaRPr lang="en-US" dirty="0"/>
           </a:p>
@@ -5132,7 +5146,7 @@
             <a:fld id="{B61BEF0D-F0BB-DE4B-95CE-6DB70DBA9567}" type="datetimeFigureOut">
               <a:rPr lang="en-US" dirty="0"/>
               <a:pPr/>
-              <a:t>2/10/2023</a:t>
+              <a:t>3/6/2023</a:t>
             </a:fld>
             <a:endParaRPr lang="en-US" dirty="0"/>
           </a:p>
@@ -5961,6 +5975,784 @@
           <a:chExt cx="0" cy="0"/>
         </a:xfrm>
       </p:grpSpPr>
+      <p:pic>
+        <p:nvPicPr>
+          <p:cNvPr id="5" name="Image 4">
+            <a:extLst>
+              <a:ext uri="{FF2B5EF4-FFF2-40B4-BE49-F238E27FC236}">
+                <a16:creationId xmlns:a16="http://schemas.microsoft.com/office/drawing/2014/main" id="{C2EF05CA-A740-E3DF-C713-D11FCF089B5A}"/>
+              </a:ext>
+            </a:extLst>
+          </p:cNvPr>
+          <p:cNvPicPr>
+            <a:picLocks noChangeAspect="1"/>
+          </p:cNvPicPr>
+          <p:nvPr/>
+        </p:nvPicPr>
+        <p:blipFill>
+          <a:blip r:embed="rId2"/>
+          <a:stretch>
+            <a:fillRect/>
+          </a:stretch>
+        </p:blipFill>
+        <p:spPr>
+          <a:xfrm>
+            <a:off x="531073" y="1613378"/>
+            <a:ext cx="6446737" cy="4598319"/>
+          </a:xfrm>
+          <a:prstGeom prst="rect">
+            <a:avLst/>
+          </a:prstGeom>
+        </p:spPr>
+      </p:pic>
+      <p:sp>
+        <p:nvSpPr>
+          <p:cNvPr id="6" name="ZoneTexte 5">
+            <a:extLst>
+              <a:ext uri="{FF2B5EF4-FFF2-40B4-BE49-F238E27FC236}">
+                <a16:creationId xmlns:a16="http://schemas.microsoft.com/office/drawing/2014/main" id="{5C3D46B9-E4B2-B08C-05F6-3D8B67EAE695}"/>
+              </a:ext>
+            </a:extLst>
+          </p:cNvPr>
+          <p:cNvSpPr txBox="1"/>
+          <p:nvPr/>
+        </p:nvSpPr>
+        <p:spPr>
+          <a:xfrm>
+            <a:off x="1145969" y="219694"/>
+            <a:ext cx="7697089" cy="923330"/>
+          </a:xfrm>
+          <a:prstGeom prst="rect">
+            <a:avLst/>
+          </a:prstGeom>
+          <a:noFill/>
+        </p:spPr>
+        <p:txBody>
+          <a:bodyPr wrap="square" rtlCol="0">
+            <a:spAutoFit/>
+          </a:bodyPr>
+          <a:lstStyle/>
+          <a:p>
+            <a:r>
+              <a:rPr lang="fr-FR" b="1" u="sng" dirty="0">
+                <a:solidFill>
+                  <a:srgbClr val="8F1919"/>
+                </a:solidFill>
+              </a:rPr>
+              <a:t>Diagramme de séquence:</a:t>
+            </a:r>
+            <a:r>
+              <a:rPr lang="fr-FR" dirty="0">
+                <a:solidFill>
+                  <a:srgbClr val="8F1919"/>
+                </a:solidFill>
+              </a:rPr>
+              <a:t> </a:t>
+            </a:r>
+            <a:r>
+              <a:rPr lang="fr-FR" dirty="0">
+                <a:solidFill>
+                  <a:schemeClr val="bg1"/>
+                </a:solidFill>
+              </a:rPr>
+              <a:t>Décrire comment le système interagit avec les acteurs et les éléments entre eux dans une dimension de temps.</a:t>
+            </a:r>
+            <a:endParaRPr lang="fr-FR" b="1" u="sng" dirty="0">
+              <a:solidFill>
+                <a:srgbClr val="8F1919"/>
+              </a:solidFill>
+            </a:endParaRPr>
+          </a:p>
+        </p:txBody>
+      </p:sp>
+      <p:sp>
+        <p:nvSpPr>
+          <p:cNvPr id="7" name="ZoneTexte 6">
+            <a:extLst>
+              <a:ext uri="{FF2B5EF4-FFF2-40B4-BE49-F238E27FC236}">
+                <a16:creationId xmlns:a16="http://schemas.microsoft.com/office/drawing/2014/main" id="{A0250F0B-5988-9DA7-C6C3-AAAF6923767D}"/>
+              </a:ext>
+            </a:extLst>
+          </p:cNvPr>
+          <p:cNvSpPr txBox="1"/>
+          <p:nvPr/>
+        </p:nvSpPr>
+        <p:spPr>
+          <a:xfrm>
+            <a:off x="7882359" y="1750646"/>
+            <a:ext cx="3778568" cy="2800767"/>
+          </a:xfrm>
+          <a:prstGeom prst="rect">
+            <a:avLst/>
+          </a:prstGeom>
+          <a:noFill/>
+        </p:spPr>
+        <p:txBody>
+          <a:bodyPr wrap="square" rtlCol="0">
+            <a:spAutoFit/>
+          </a:bodyPr>
+          <a:lstStyle/>
+          <a:p>
+            <a:r>
+              <a:rPr lang="fr-FR" sz="1600" dirty="0">
+                <a:solidFill>
+                  <a:schemeClr val="bg1"/>
+                </a:solidFill>
+              </a:rPr>
+              <a:t>Point de départ l’administrateur choisit de supprimer un tableau, le système lui renvoi la liste des tableaux récupéré dans la base de données. L’administrateur choisit le tableau a supprimer, le système lui demande une confirmation; après confirmation le tableau est supprimer de la base de données et une confirmation est retournée à l’administrateur. Point final.</a:t>
+            </a:r>
+          </a:p>
+        </p:txBody>
+      </p:sp>
+    </p:spTree>
+    <p:extLst>
+      <p:ext uri="{BB962C8B-B14F-4D97-AF65-F5344CB8AC3E}">
+        <p14:creationId xmlns:p14="http://schemas.microsoft.com/office/powerpoint/2010/main" val="4112584605"/>
+      </p:ext>
+    </p:extLst>
+  </p:cSld>
+  <p:clrMapOvr>
+    <a:masterClrMapping/>
+  </p:clrMapOvr>
+</p:sld>
+</file>
+
+<file path=ppt/slides/slide11.xml><?xml version="1.0" encoding="utf-8"?>
+<p:sld xmlns:a="http://schemas.openxmlformats.org/drawingml/2006/main" xmlns:r="http://schemas.openxmlformats.org/officeDocument/2006/relationships" xmlns:p="http://schemas.openxmlformats.org/presentationml/2006/main">
+  <p:cSld>
+    <p:spTree>
+      <p:nvGrpSpPr>
+        <p:cNvPr id="1" name=""/>
+        <p:cNvGrpSpPr/>
+        <p:nvPr/>
+      </p:nvGrpSpPr>
+      <p:grpSpPr>
+        <a:xfrm>
+          <a:off x="0" y="0"/>
+          <a:ext cx="0" cy="0"/>
+          <a:chOff x="0" y="0"/>
+          <a:chExt cx="0" cy="0"/>
+        </a:xfrm>
+      </p:grpSpPr>
+      <p:sp>
+        <p:nvSpPr>
+          <p:cNvPr id="3" name="Espace réservé du contenu 2">
+            <a:extLst>
+              <a:ext uri="{FF2B5EF4-FFF2-40B4-BE49-F238E27FC236}">
+                <a16:creationId xmlns:a16="http://schemas.microsoft.com/office/drawing/2014/main" id="{2F4828E4-7313-5F64-2274-5E5DC1C0E42B}"/>
+              </a:ext>
+            </a:extLst>
+          </p:cNvPr>
+          <p:cNvSpPr>
+            <a:spLocks noGrp="1"/>
+          </p:cNvSpPr>
+          <p:nvPr>
+            <p:ph idx="1"/>
+          </p:nvPr>
+        </p:nvSpPr>
+        <p:spPr>
+          <a:xfrm>
+            <a:off x="684212" y="685800"/>
+            <a:ext cx="2345182" cy="813391"/>
+          </a:xfrm>
+        </p:spPr>
+        <p:txBody>
+          <a:bodyPr/>
+          <a:lstStyle/>
+          <a:p>
+            <a:pPr marL="0" indent="0">
+              <a:buNone/>
+            </a:pPr>
+            <a:r>
+              <a:rPr lang="fr-FR" b="1" u="sng" dirty="0">
+                <a:solidFill>
+                  <a:srgbClr val="751515"/>
+                </a:solidFill>
+              </a:rPr>
+              <a:t>Maquettage:</a:t>
+            </a:r>
+          </a:p>
+        </p:txBody>
+      </p:sp>
+      <p:pic>
+        <p:nvPicPr>
+          <p:cNvPr id="6" name="Image 5">
+            <a:extLst>
+              <a:ext uri="{FF2B5EF4-FFF2-40B4-BE49-F238E27FC236}">
+                <a16:creationId xmlns:a16="http://schemas.microsoft.com/office/drawing/2014/main" id="{B4C03A27-D96A-548C-36FB-4BCF8E2D5090}"/>
+              </a:ext>
+            </a:extLst>
+          </p:cNvPr>
+          <p:cNvPicPr>
+            <a:picLocks noChangeAspect="1"/>
+          </p:cNvPicPr>
+          <p:nvPr/>
+        </p:nvPicPr>
+        <p:blipFill>
+          <a:blip r:embed="rId2"/>
+          <a:stretch>
+            <a:fillRect/>
+          </a:stretch>
+        </p:blipFill>
+        <p:spPr>
+          <a:xfrm>
+            <a:off x="3127633" y="1848018"/>
+            <a:ext cx="4985009" cy="3161963"/>
+          </a:xfrm>
+          <a:prstGeom prst="rect">
+            <a:avLst/>
+          </a:prstGeom>
+        </p:spPr>
+      </p:pic>
+    </p:spTree>
+    <p:extLst>
+      <p:ext uri="{BB962C8B-B14F-4D97-AF65-F5344CB8AC3E}">
+        <p14:creationId xmlns:p14="http://schemas.microsoft.com/office/powerpoint/2010/main" val="2417484879"/>
+      </p:ext>
+    </p:extLst>
+  </p:cSld>
+  <p:clrMapOvr>
+    <a:masterClrMapping/>
+  </p:clrMapOvr>
+</p:sld>
+</file>
+
+<file path=ppt/slides/slide12.xml><?xml version="1.0" encoding="utf-8"?>
+<p:sld xmlns:a="http://schemas.openxmlformats.org/drawingml/2006/main" xmlns:r="http://schemas.openxmlformats.org/officeDocument/2006/relationships" xmlns:p="http://schemas.openxmlformats.org/presentationml/2006/main">
+  <p:cSld>
+    <p:spTree>
+      <p:nvGrpSpPr>
+        <p:cNvPr id="1" name=""/>
+        <p:cNvGrpSpPr/>
+        <p:nvPr/>
+      </p:nvGrpSpPr>
+      <p:grpSpPr>
+        <a:xfrm>
+          <a:off x="0" y="0"/>
+          <a:ext cx="0" cy="0"/>
+          <a:chOff x="0" y="0"/>
+          <a:chExt cx="0" cy="0"/>
+        </a:xfrm>
+      </p:grpSpPr>
+      <p:sp>
+        <p:nvSpPr>
+          <p:cNvPr id="3" name="Espace réservé du contenu 2">
+            <a:extLst>
+              <a:ext uri="{FF2B5EF4-FFF2-40B4-BE49-F238E27FC236}">
+                <a16:creationId xmlns:a16="http://schemas.microsoft.com/office/drawing/2014/main" id="{6DA8A935-ECE1-FE60-4019-67800596440D}"/>
+              </a:ext>
+            </a:extLst>
+          </p:cNvPr>
+          <p:cNvSpPr>
+            <a:spLocks noGrp="1"/>
+          </p:cNvSpPr>
+          <p:nvPr>
+            <p:ph idx="1"/>
+          </p:nvPr>
+        </p:nvSpPr>
+        <p:spPr>
+          <a:xfrm>
+            <a:off x="684212" y="685801"/>
+            <a:ext cx="8523583" cy="5332228"/>
+          </a:xfrm>
+        </p:spPr>
+        <p:txBody>
+          <a:bodyPr>
+            <a:normAutofit/>
+          </a:bodyPr>
+          <a:lstStyle/>
+          <a:p>
+            <a:pPr marL="0" indent="0">
+              <a:buNone/>
+            </a:pPr>
+            <a:r>
+              <a:rPr lang="fr-FR" b="1" u="sng" dirty="0">
+                <a:solidFill>
+                  <a:srgbClr val="751515"/>
+                </a:solidFill>
+              </a:rPr>
+              <a:t>La charte graphique:</a:t>
+            </a:r>
+          </a:p>
+          <a:p>
+            <a:pPr marL="0" indent="0">
+              <a:buNone/>
+            </a:pPr>
+            <a:r>
+              <a:rPr lang="fr-FR" dirty="0"/>
+              <a:t>   La palette de couleur :</a:t>
+            </a:r>
+          </a:p>
+          <a:p>
+            <a:endParaRPr lang="fr-FR" dirty="0"/>
+          </a:p>
+          <a:p>
+            <a:endParaRPr lang="fr-FR" dirty="0"/>
+          </a:p>
+          <a:p>
+            <a:pPr marL="0" indent="0">
+              <a:buNone/>
+            </a:pPr>
+            <a:r>
+              <a:rPr lang="fr-FR" dirty="0"/>
+              <a:t>   Les effets : - agrandissement des images par clic de la souris.</a:t>
+            </a:r>
+          </a:p>
+          <a:p>
+            <a:pPr marL="0" indent="0">
+              <a:buNone/>
+            </a:pPr>
+            <a:r>
+              <a:rPr lang="fr-FR" dirty="0"/>
+              <a:t>                      - Possibilité d’ajouter des commentaires</a:t>
+            </a:r>
+          </a:p>
+          <a:p>
+            <a:pPr marL="0" indent="0">
+              <a:buNone/>
+            </a:pPr>
+            <a:r>
+              <a:rPr lang="fr-FR" dirty="0"/>
+              <a:t>                      - Utilisation de la police </a:t>
+            </a:r>
+            <a:r>
+              <a:rPr lang="fr-FR" dirty="0" err="1"/>
+              <a:t>brushed</a:t>
+            </a:r>
+            <a:endParaRPr lang="fr-FR" dirty="0"/>
+          </a:p>
+          <a:p>
+            <a:pPr marL="0" indent="0">
+              <a:buNone/>
+            </a:pPr>
+            <a:r>
+              <a:rPr lang="fr-FR" dirty="0"/>
+              <a:t>			  -  Affichage d’un carrousel</a:t>
+            </a:r>
+          </a:p>
+          <a:p>
+            <a:pPr marL="0" indent="0">
+              <a:buNone/>
+            </a:pPr>
+            <a:r>
+              <a:rPr lang="fr-FR" b="1" u="sng" dirty="0">
+                <a:solidFill>
+                  <a:srgbClr val="751515"/>
+                </a:solidFill>
+              </a:rPr>
+              <a:t>Eléments à conserver:</a:t>
+            </a:r>
+          </a:p>
+          <a:p>
+            <a:pPr marL="0" indent="0">
+              <a:buNone/>
+            </a:pPr>
+            <a:r>
+              <a:rPr lang="fr-FR" dirty="0"/>
+              <a:t>	Le tableau de la carte de visite.</a:t>
+            </a:r>
+          </a:p>
+          <a:p>
+            <a:pPr marL="0" indent="0">
+              <a:buNone/>
+            </a:pPr>
+            <a:r>
+              <a:rPr lang="fr-FR" dirty="0"/>
+              <a:t>	Le slogan : Le peintre passionné.</a:t>
+            </a:r>
+          </a:p>
+          <a:p>
+            <a:pPr marL="0" indent="0">
+              <a:buNone/>
+            </a:pPr>
+            <a:endParaRPr lang="fr-FR" dirty="0"/>
+          </a:p>
+        </p:txBody>
+      </p:sp>
+      <p:pic>
+        <p:nvPicPr>
+          <p:cNvPr id="5" name="Image 4">
+            <a:extLst>
+              <a:ext uri="{FF2B5EF4-FFF2-40B4-BE49-F238E27FC236}">
+                <a16:creationId xmlns:a16="http://schemas.microsoft.com/office/drawing/2014/main" id="{125F0144-20A3-CC92-7FE4-2DDD63E9C0EC}"/>
+              </a:ext>
+            </a:extLst>
+          </p:cNvPr>
+          <p:cNvPicPr>
+            <a:picLocks noChangeAspect="1"/>
+          </p:cNvPicPr>
+          <p:nvPr/>
+        </p:nvPicPr>
+        <p:blipFill>
+          <a:blip r:embed="rId2"/>
+          <a:stretch>
+            <a:fillRect/>
+          </a:stretch>
+        </p:blipFill>
+        <p:spPr>
+          <a:xfrm>
+            <a:off x="4571999" y="1535534"/>
+            <a:ext cx="3500637" cy="815536"/>
+          </a:xfrm>
+          <a:prstGeom prst="rect">
+            <a:avLst/>
+          </a:prstGeom>
+        </p:spPr>
+      </p:pic>
+      <p:sp>
+        <p:nvSpPr>
+          <p:cNvPr id="4" name="ZoneTexte 3">
+            <a:extLst>
+              <a:ext uri="{FF2B5EF4-FFF2-40B4-BE49-F238E27FC236}">
+                <a16:creationId xmlns:a16="http://schemas.microsoft.com/office/drawing/2014/main" id="{F99CA914-1A8C-4C5E-E0D8-5022F803FD62}"/>
+              </a:ext>
+            </a:extLst>
+          </p:cNvPr>
+          <p:cNvSpPr txBox="1"/>
+          <p:nvPr/>
+        </p:nvSpPr>
+        <p:spPr>
+          <a:xfrm>
+            <a:off x="7479908" y="2100966"/>
+            <a:ext cx="587829" cy="215444"/>
+          </a:xfrm>
+          <a:prstGeom prst="rect">
+            <a:avLst/>
+          </a:prstGeom>
+          <a:noFill/>
+        </p:spPr>
+        <p:txBody>
+          <a:bodyPr wrap="square" rtlCol="0">
+            <a:spAutoFit/>
+          </a:bodyPr>
+          <a:lstStyle/>
+          <a:p>
+            <a:r>
+              <a:rPr lang="fr-FR" sz="800" dirty="0">
+                <a:solidFill>
+                  <a:schemeClr val="bg1"/>
+                </a:solidFill>
+              </a:rPr>
+              <a:t>#ceeff4</a:t>
+            </a:r>
+          </a:p>
+        </p:txBody>
+      </p:sp>
+      <p:sp>
+        <p:nvSpPr>
+          <p:cNvPr id="6" name="ZoneTexte 5">
+            <a:extLst>
+              <a:ext uri="{FF2B5EF4-FFF2-40B4-BE49-F238E27FC236}">
+                <a16:creationId xmlns:a16="http://schemas.microsoft.com/office/drawing/2014/main" id="{A466705A-B05E-F515-1739-101FDA6762E0}"/>
+              </a:ext>
+            </a:extLst>
+          </p:cNvPr>
+          <p:cNvSpPr txBox="1"/>
+          <p:nvPr/>
+        </p:nvSpPr>
+        <p:spPr>
+          <a:xfrm>
+            <a:off x="6769993" y="2100966"/>
+            <a:ext cx="587829" cy="215444"/>
+          </a:xfrm>
+          <a:prstGeom prst="rect">
+            <a:avLst/>
+          </a:prstGeom>
+          <a:noFill/>
+        </p:spPr>
+        <p:txBody>
+          <a:bodyPr wrap="square" rtlCol="0">
+            <a:spAutoFit/>
+          </a:bodyPr>
+          <a:lstStyle/>
+          <a:p>
+            <a:r>
+              <a:rPr lang="fr-FR" sz="800" dirty="0">
+                <a:solidFill>
+                  <a:schemeClr val="bg1"/>
+                </a:solidFill>
+              </a:rPr>
+              <a:t>#f59fbd</a:t>
+            </a:r>
+          </a:p>
+        </p:txBody>
+      </p:sp>
+      <p:sp>
+        <p:nvSpPr>
+          <p:cNvPr id="7" name="ZoneTexte 6">
+            <a:extLst>
+              <a:ext uri="{FF2B5EF4-FFF2-40B4-BE49-F238E27FC236}">
+                <a16:creationId xmlns:a16="http://schemas.microsoft.com/office/drawing/2014/main" id="{8B41E3E6-C2B7-F494-5C1E-43AEE6586EE7}"/>
+              </a:ext>
+            </a:extLst>
+          </p:cNvPr>
+          <p:cNvSpPr txBox="1"/>
+          <p:nvPr/>
+        </p:nvSpPr>
+        <p:spPr>
+          <a:xfrm>
+            <a:off x="6005152" y="2100966"/>
+            <a:ext cx="587829" cy="215444"/>
+          </a:xfrm>
+          <a:prstGeom prst="rect">
+            <a:avLst/>
+          </a:prstGeom>
+          <a:noFill/>
+        </p:spPr>
+        <p:txBody>
+          <a:bodyPr wrap="square" rtlCol="0">
+            <a:spAutoFit/>
+          </a:bodyPr>
+          <a:lstStyle/>
+          <a:p>
+            <a:r>
+              <a:rPr lang="fr-FR" sz="800" dirty="0">
+                <a:solidFill>
+                  <a:schemeClr val="bg1"/>
+                </a:solidFill>
+              </a:rPr>
+              <a:t>#f36d8f</a:t>
+            </a:r>
+          </a:p>
+        </p:txBody>
+      </p:sp>
+      <p:sp>
+        <p:nvSpPr>
+          <p:cNvPr id="8" name="ZoneTexte 7">
+            <a:extLst>
+              <a:ext uri="{FF2B5EF4-FFF2-40B4-BE49-F238E27FC236}">
+                <a16:creationId xmlns:a16="http://schemas.microsoft.com/office/drawing/2014/main" id="{1907888D-D91D-EF52-40D9-2D06AD1198A9}"/>
+              </a:ext>
+            </a:extLst>
+          </p:cNvPr>
+          <p:cNvSpPr txBox="1"/>
+          <p:nvPr/>
+        </p:nvSpPr>
+        <p:spPr>
+          <a:xfrm>
+            <a:off x="5294883" y="2100966"/>
+            <a:ext cx="641178" cy="215444"/>
+          </a:xfrm>
+          <a:prstGeom prst="rect">
+            <a:avLst/>
+          </a:prstGeom>
+          <a:noFill/>
+        </p:spPr>
+        <p:txBody>
+          <a:bodyPr wrap="square" rtlCol="0">
+            <a:spAutoFit/>
+          </a:bodyPr>
+          <a:lstStyle/>
+          <a:p>
+            <a:r>
+              <a:rPr lang="fr-FR" sz="800" dirty="0"/>
+              <a:t>#de2e4b</a:t>
+            </a:r>
+          </a:p>
+        </p:txBody>
+      </p:sp>
+      <p:sp>
+        <p:nvSpPr>
+          <p:cNvPr id="9" name="ZoneTexte 8">
+            <a:extLst>
+              <a:ext uri="{FF2B5EF4-FFF2-40B4-BE49-F238E27FC236}">
+                <a16:creationId xmlns:a16="http://schemas.microsoft.com/office/drawing/2014/main" id="{6502D781-8239-C6EB-BAF8-B6E39D0A4D39}"/>
+              </a:ext>
+            </a:extLst>
+          </p:cNvPr>
+          <p:cNvSpPr txBox="1"/>
+          <p:nvPr/>
+        </p:nvSpPr>
+        <p:spPr>
+          <a:xfrm>
+            <a:off x="4571999" y="2100966"/>
+            <a:ext cx="640849" cy="215444"/>
+          </a:xfrm>
+          <a:prstGeom prst="rect">
+            <a:avLst/>
+          </a:prstGeom>
+          <a:noFill/>
+        </p:spPr>
+        <p:txBody>
+          <a:bodyPr wrap="square" rtlCol="0">
+            <a:spAutoFit/>
+          </a:bodyPr>
+          <a:lstStyle/>
+          <a:p>
+            <a:r>
+              <a:rPr lang="fr-FR" sz="800" dirty="0"/>
+              <a:t>#650900</a:t>
+            </a:r>
+          </a:p>
+        </p:txBody>
+      </p:sp>
+    </p:spTree>
+    <p:extLst>
+      <p:ext uri="{BB962C8B-B14F-4D97-AF65-F5344CB8AC3E}">
+        <p14:creationId xmlns:p14="http://schemas.microsoft.com/office/powerpoint/2010/main" val="728227095"/>
+      </p:ext>
+    </p:extLst>
+  </p:cSld>
+  <p:clrMapOvr>
+    <a:masterClrMapping/>
+  </p:clrMapOvr>
+</p:sld>
+</file>
+
+<file path=ppt/slides/slide13.xml><?xml version="1.0" encoding="utf-8"?>
+<p:sld xmlns:a="http://schemas.openxmlformats.org/drawingml/2006/main" xmlns:r="http://schemas.openxmlformats.org/officeDocument/2006/relationships" xmlns:p="http://schemas.openxmlformats.org/presentationml/2006/main">
+  <p:cSld>
+    <p:spTree>
+      <p:nvGrpSpPr>
+        <p:cNvPr id="1" name=""/>
+        <p:cNvGrpSpPr/>
+        <p:nvPr/>
+      </p:nvGrpSpPr>
+      <p:grpSpPr>
+        <a:xfrm>
+          <a:off x="0" y="0"/>
+          <a:ext cx="0" cy="0"/>
+          <a:chOff x="0" y="0"/>
+          <a:chExt cx="0" cy="0"/>
+        </a:xfrm>
+      </p:grpSpPr>
+      <p:sp>
+        <p:nvSpPr>
+          <p:cNvPr id="4" name="ZoneTexte 3">
+            <a:extLst>
+              <a:ext uri="{FF2B5EF4-FFF2-40B4-BE49-F238E27FC236}">
+                <a16:creationId xmlns:a16="http://schemas.microsoft.com/office/drawing/2014/main" id="{4621F259-1F04-9B5A-8812-4A8DDED1E49B}"/>
+              </a:ext>
+            </a:extLst>
+          </p:cNvPr>
+          <p:cNvSpPr txBox="1"/>
+          <p:nvPr/>
+        </p:nvSpPr>
+        <p:spPr>
+          <a:xfrm>
+            <a:off x="691116" y="265814"/>
+            <a:ext cx="2392325" cy="400110"/>
+          </a:xfrm>
+          <a:prstGeom prst="rect">
+            <a:avLst/>
+          </a:prstGeom>
+          <a:noFill/>
+        </p:spPr>
+        <p:txBody>
+          <a:bodyPr wrap="square" rtlCol="0">
+            <a:spAutoFit/>
+          </a:bodyPr>
+          <a:lstStyle/>
+          <a:p>
+            <a:r>
+              <a:rPr lang="fr-FR" sz="2000" b="1" u="sng" dirty="0">
+                <a:solidFill>
+                  <a:srgbClr val="8F1919"/>
+                </a:solidFill>
+              </a:rPr>
+              <a:t>Zoning</a:t>
+            </a:r>
+            <a:r>
+              <a:rPr lang="fr-FR" b="1" u="sng" dirty="0">
+                <a:solidFill>
+                  <a:srgbClr val="8F1919"/>
+                </a:solidFill>
+              </a:rPr>
+              <a:t>:</a:t>
+            </a:r>
+          </a:p>
+        </p:txBody>
+      </p:sp>
+      <p:pic>
+        <p:nvPicPr>
+          <p:cNvPr id="6" name="Image 5">
+            <a:extLst>
+              <a:ext uri="{FF2B5EF4-FFF2-40B4-BE49-F238E27FC236}">
+                <a16:creationId xmlns:a16="http://schemas.microsoft.com/office/drawing/2014/main" id="{29F5E604-492A-EDF3-526D-8A44DE1EFCA6}"/>
+              </a:ext>
+            </a:extLst>
+          </p:cNvPr>
+          <p:cNvPicPr>
+            <a:picLocks noChangeAspect="1"/>
+          </p:cNvPicPr>
+          <p:nvPr/>
+        </p:nvPicPr>
+        <p:blipFill>
+          <a:blip r:embed="rId2"/>
+          <a:stretch>
+            <a:fillRect/>
+          </a:stretch>
+        </p:blipFill>
+        <p:spPr>
+          <a:xfrm>
+            <a:off x="344339" y="1071274"/>
+            <a:ext cx="5772084" cy="3926028"/>
+          </a:xfrm>
+          <a:prstGeom prst="rect">
+            <a:avLst/>
+          </a:prstGeom>
+        </p:spPr>
+      </p:pic>
+      <p:pic>
+        <p:nvPicPr>
+          <p:cNvPr id="8" name="Image 7">
+            <a:extLst>
+              <a:ext uri="{FF2B5EF4-FFF2-40B4-BE49-F238E27FC236}">
+                <a16:creationId xmlns:a16="http://schemas.microsoft.com/office/drawing/2014/main" id="{FFBFA800-E64C-3C3F-131C-0BD211A751BB}"/>
+              </a:ext>
+            </a:extLst>
+          </p:cNvPr>
+          <p:cNvPicPr>
+            <a:picLocks noChangeAspect="1"/>
+          </p:cNvPicPr>
+          <p:nvPr/>
+        </p:nvPicPr>
+        <p:blipFill>
+          <a:blip r:embed="rId3"/>
+          <a:stretch>
+            <a:fillRect/>
+          </a:stretch>
+        </p:blipFill>
+        <p:spPr>
+          <a:xfrm>
+            <a:off x="6407016" y="1071274"/>
+            <a:ext cx="5751942" cy="3926028"/>
+          </a:xfrm>
+          <a:prstGeom prst="rect">
+            <a:avLst/>
+          </a:prstGeom>
+        </p:spPr>
+      </p:pic>
+    </p:spTree>
+    <p:extLst>
+      <p:ext uri="{BB962C8B-B14F-4D97-AF65-F5344CB8AC3E}">
+        <p14:creationId xmlns:p14="http://schemas.microsoft.com/office/powerpoint/2010/main" val="244449949"/>
+      </p:ext>
+    </p:extLst>
+  </p:cSld>
+  <p:clrMapOvr>
+    <a:masterClrMapping/>
+  </p:clrMapOvr>
+</p:sld>
+</file>
+
+<file path=ppt/slides/slide14.xml><?xml version="1.0" encoding="utf-8"?>
+<p:sld xmlns:a="http://schemas.openxmlformats.org/drawingml/2006/main" xmlns:r="http://schemas.openxmlformats.org/officeDocument/2006/relationships" xmlns:p="http://schemas.openxmlformats.org/presentationml/2006/main">
+  <p:cSld>
+    <p:spTree>
+      <p:nvGrpSpPr>
+        <p:cNvPr id="1" name=""/>
+        <p:cNvGrpSpPr/>
+        <p:nvPr/>
+      </p:nvGrpSpPr>
+      <p:grpSpPr>
+        <a:xfrm>
+          <a:off x="0" y="0"/>
+          <a:ext cx="0" cy="0"/>
+          <a:chOff x="0" y="0"/>
+          <a:chExt cx="0" cy="0"/>
+        </a:xfrm>
+      </p:grpSpPr>
       <p:sp>
         <p:nvSpPr>
           <p:cNvPr id="4" name="ZoneTexte 3">
@@ -6043,7 +6835,7 @@
 </p:sld>
 </file>
 
-<file path=ppt/slides/slide11.xml><?xml version="1.0" encoding="utf-8"?>
+<file path=ppt/slides/slide15.xml><?xml version="1.0" encoding="utf-8"?>
 <p:sld xmlns:a="http://schemas.openxmlformats.org/drawingml/2006/main" xmlns:r="http://schemas.openxmlformats.org/officeDocument/2006/relationships" xmlns:p="http://schemas.openxmlformats.org/presentationml/2006/main">
   <p:cSld>
     <p:spTree>
@@ -6142,7 +6934,7 @@
 </p:sld>
 </file>
 
-<file path=ppt/slides/slide12.xml><?xml version="1.0" encoding="utf-8"?>
+<file path=ppt/slides/slide16.xml><?xml version="1.0" encoding="utf-8"?>
 <p:sld xmlns:a="http://schemas.openxmlformats.org/drawingml/2006/main" xmlns:r="http://schemas.openxmlformats.org/officeDocument/2006/relationships" xmlns:p="http://schemas.openxmlformats.org/presentationml/2006/main">
   <p:cSld>
     <p:spTree>
@@ -6257,7 +7049,7 @@
 </p:sld>
 </file>
 
-<file path=ppt/slides/slide13.xml><?xml version="1.0" encoding="utf-8"?>
+<file path=ppt/slides/slide17.xml><?xml version="1.0" encoding="utf-8"?>
 <p:sld xmlns:a="http://schemas.openxmlformats.org/drawingml/2006/main" xmlns:r="http://schemas.openxmlformats.org/officeDocument/2006/relationships" xmlns:p="http://schemas.openxmlformats.org/presentationml/2006/main">
   <p:cSld>
     <p:spTree>
@@ -6323,10 +7115,10 @@
       </p:sp>
       <p:pic>
         <p:nvPicPr>
-          <p:cNvPr id="6" name="Image 5">
+          <p:cNvPr id="3" name="Image 2">
             <a:extLst>
               <a:ext uri="{FF2B5EF4-FFF2-40B4-BE49-F238E27FC236}">
-                <a16:creationId xmlns:a16="http://schemas.microsoft.com/office/drawing/2014/main" id="{9FB551D1-D1B1-B209-E8BF-60658D476CD6}"/>
+                <a16:creationId xmlns:a16="http://schemas.microsoft.com/office/drawing/2014/main" id="{25C5AA37-CE1D-D6DB-BC20-65A55B85082F}"/>
               </a:ext>
             </a:extLst>
           </p:cNvPr>
@@ -6343,8 +7135,8 @@
         </p:blipFill>
         <p:spPr>
           <a:xfrm>
-            <a:off x="3072809" y="625548"/>
-            <a:ext cx="6046384" cy="5606905"/>
+            <a:off x="2998519" y="515549"/>
+            <a:ext cx="6733309" cy="5826902"/>
           </a:xfrm>
           <a:prstGeom prst="rect">
             <a:avLst/>
@@ -6364,7 +7156,7 @@
 </p:sld>
 </file>
 
-<file path=ppt/slides/slide14.xml><?xml version="1.0" encoding="utf-8"?>
+<file path=ppt/slides/slide18.xml><?xml version="1.0" encoding="utf-8"?>
 <p:sld xmlns:a="http://schemas.openxmlformats.org/drawingml/2006/main" xmlns:r="http://schemas.openxmlformats.org/officeDocument/2006/relationships" xmlns:p="http://schemas.openxmlformats.org/presentationml/2006/main">
   <p:cSld>
     <p:spTree>
@@ -6430,10 +7222,10 @@
       </p:sp>
       <p:pic>
         <p:nvPicPr>
-          <p:cNvPr id="3" name="Image 2">
+          <p:cNvPr id="5" name="Image 4">
             <a:extLst>
               <a:ext uri="{FF2B5EF4-FFF2-40B4-BE49-F238E27FC236}">
-                <a16:creationId xmlns:a16="http://schemas.microsoft.com/office/drawing/2014/main" id="{D61C898B-5A8D-7239-E984-EF216276A305}"/>
+                <a16:creationId xmlns:a16="http://schemas.microsoft.com/office/drawing/2014/main" id="{425F713A-2A4A-C996-EC08-FE0B3512E515}"/>
               </a:ext>
             </a:extLst>
           </p:cNvPr>
@@ -6450,8 +7242,8 @@
         </p:blipFill>
         <p:spPr>
           <a:xfrm>
-            <a:off x="1807534" y="1082827"/>
-            <a:ext cx="9851065" cy="5389410"/>
+            <a:off x="1929740" y="1100795"/>
+            <a:ext cx="9834426" cy="5495709"/>
           </a:xfrm>
           <a:prstGeom prst="rect">
             <a:avLst/>
@@ -6471,7 +7263,7 @@
 </p:sld>
 </file>
 
-<file path=ppt/slides/slide15.xml><?xml version="1.0" encoding="utf-8"?>
+<file path=ppt/slides/slide19.xml><?xml version="1.0" encoding="utf-8"?>
 <p:sld xmlns:a="http://schemas.openxmlformats.org/drawingml/2006/main" xmlns:r="http://schemas.openxmlformats.org/officeDocument/2006/relationships" xmlns:p="http://schemas.openxmlformats.org/presentationml/2006/main">
   <p:cSld>
     <p:spTree>
@@ -6490,10 +7282,10 @@
       </p:grpSpPr>
       <p:sp>
         <p:nvSpPr>
-          <p:cNvPr id="6" name="ZoneTexte 5">
+          <p:cNvPr id="4" name="ZoneTexte 3">
             <a:extLst>
               <a:ext uri="{FF2B5EF4-FFF2-40B4-BE49-F238E27FC236}">
-                <a16:creationId xmlns:a16="http://schemas.microsoft.com/office/drawing/2014/main" id="{C547E21B-BCB9-D52B-C5AB-7AC538003AD4}"/>
+                <a16:creationId xmlns:a16="http://schemas.microsoft.com/office/drawing/2014/main" id="{6CA7CD19-5F0D-1EAD-ABBE-BB1CFE1D9594}"/>
               </a:ext>
             </a:extLst>
           </p:cNvPr>
@@ -6502,8 +7294,8 @@
         </p:nvSpPr>
         <p:spPr>
           <a:xfrm>
-            <a:off x="1050966" y="611579"/>
-            <a:ext cx="9429008" cy="2031325"/>
+            <a:off x="1284789" y="868101"/>
+            <a:ext cx="10208871" cy="2031325"/>
           </a:xfrm>
           <a:prstGeom prst="rect">
             <a:avLst/>
@@ -6519,363 +7311,137 @@
             <a:r>
               <a:rPr lang="fr-FR" b="1" u="sng" dirty="0">
                 <a:solidFill>
-                  <a:srgbClr val="751515"/>
+                  <a:srgbClr val="8F1919"/>
                 </a:solidFill>
               </a:rPr>
-              <a:t>Les contraintes:</a:t>
-            </a:r>
-          </a:p>
-          <a:p>
-            <a:pPr lvl="1"/>
-            <a:r>
-              <a:rPr lang="fr-FR" dirty="0"/>
-              <a:t>- Présence d’un carrousel pour visionner les tableaux.</a:t>
-            </a:r>
-          </a:p>
-          <a:p>
-            <a:pPr lvl="1"/>
-            <a:r>
-              <a:rPr lang="fr-FR" dirty="0"/>
-              <a:t>- Développer une base de données pour les commentaires et les tableaux.</a:t>
-            </a:r>
-          </a:p>
-          <a:p>
-            <a:pPr lvl="1"/>
-            <a:r>
-              <a:rPr lang="fr-FR" dirty="0"/>
-              <a:t>- Utilisation du HTML/CSS, JavaScript, PHP, MySQL.</a:t>
-            </a:r>
-          </a:p>
-          <a:p>
-            <a:pPr lvl="1"/>
-            <a:r>
-              <a:rPr lang="fr-FR" dirty="0"/>
-              <a:t>- Assurer la maintenance, l’hébergement du site.</a:t>
-            </a:r>
-          </a:p>
-          <a:p>
-            <a:pPr lvl="1"/>
-            <a:r>
-              <a:rPr lang="fr-FR" dirty="0"/>
-              <a:t>- Petite formation pour l’ajout des tableaux.</a:t>
-            </a:r>
-          </a:p>
-          <a:p>
-            <a:endParaRPr lang="fr-FR" dirty="0"/>
-          </a:p>
-        </p:txBody>
-      </p:sp>
-      <p:sp>
-        <p:nvSpPr>
-          <p:cNvPr id="7" name="ZoneTexte 6">
-            <a:extLst>
-              <a:ext uri="{FF2B5EF4-FFF2-40B4-BE49-F238E27FC236}">
-                <a16:creationId xmlns:a16="http://schemas.microsoft.com/office/drawing/2014/main" id="{57C6970D-45B3-E42A-42FC-07A833CD706F}"/>
-              </a:ext>
-            </a:extLst>
-          </p:cNvPr>
-          <p:cNvSpPr txBox="1"/>
-          <p:nvPr/>
-        </p:nvSpPr>
-        <p:spPr>
-          <a:xfrm>
-            <a:off x="1050966" y="2642904"/>
-            <a:ext cx="9619013" cy="1200329"/>
-          </a:xfrm>
-          <a:prstGeom prst="rect">
-            <a:avLst/>
-          </a:prstGeom>
-          <a:noFill/>
-        </p:spPr>
-        <p:txBody>
-          <a:bodyPr wrap="square" rtlCol="0">
-            <a:spAutoFit/>
-          </a:bodyPr>
-          <a:lstStyle/>
-          <a:p>
-            <a:r>
-              <a:rPr lang="fr-FR" b="1" u="sng" dirty="0">
-                <a:solidFill>
-                  <a:srgbClr val="751515"/>
+              <a:t>Outils techniques:</a:t>
+            </a:r>
+          </a:p>
+          <a:p>
+            <a:endParaRPr lang="fr-FR" b="1" u="sng" dirty="0">
+              <a:solidFill>
+                <a:srgbClr val="8F1919"/>
+              </a:solidFill>
+            </a:endParaRPr>
+          </a:p>
+          <a:p>
+            <a:pPr marL="285750" indent="-285750">
+              <a:buFontTx/>
+              <a:buChar char="-"/>
+            </a:pPr>
+            <a:r>
+              <a:rPr lang="fr-FR" dirty="0">
+                <a:solidFill>
+                  <a:schemeClr val="bg1"/>
                 </a:solidFill>
               </a:rPr>
-              <a:t>Les contraintes légales:</a:t>
-            </a:r>
-          </a:p>
-          <a:p>
-            <a:r>
-              <a:rPr lang="fr-FR" dirty="0"/>
-              <a:t>	- Propriétaires du site Mr Soulier.</a:t>
-            </a:r>
-          </a:p>
-          <a:p>
-            <a:r>
-              <a:rPr lang="fr-FR" dirty="0"/>
-              <a:t>	- Maquettage, intégrations ainsi que le code source appartiennent à Mr Pierrot.</a:t>
-            </a:r>
-          </a:p>
-          <a:p>
-            <a:r>
-              <a:rPr lang="fr-FR" dirty="0"/>
-              <a:t>	</a:t>
-            </a:r>
-          </a:p>
-        </p:txBody>
-      </p:sp>
-      <p:sp>
-        <p:nvSpPr>
-          <p:cNvPr id="8" name="ZoneTexte 7">
-            <a:extLst>
-              <a:ext uri="{FF2B5EF4-FFF2-40B4-BE49-F238E27FC236}">
-                <a16:creationId xmlns:a16="http://schemas.microsoft.com/office/drawing/2014/main" id="{D50139A6-F1AF-17F1-F1DF-8CEF331330BB}"/>
-              </a:ext>
-            </a:extLst>
-          </p:cNvPr>
-          <p:cNvSpPr txBox="1"/>
-          <p:nvPr/>
-        </p:nvSpPr>
-        <p:spPr>
-          <a:xfrm>
-            <a:off x="1050966" y="4138551"/>
-            <a:ext cx="9909959" cy="1477328"/>
-          </a:xfrm>
-          <a:prstGeom prst="rect">
-            <a:avLst/>
-          </a:prstGeom>
-          <a:noFill/>
-        </p:spPr>
-        <p:txBody>
-          <a:bodyPr wrap="square" rtlCol="0">
-            <a:spAutoFit/>
-          </a:bodyPr>
-          <a:lstStyle/>
-          <a:p>
-            <a:r>
-              <a:rPr lang="fr-FR" b="1" u="sng" dirty="0">
-                <a:solidFill>
-                  <a:srgbClr val="751515"/>
+              <a:t>Utilisation du langage de balisage HTML pour la structure des pages</a:t>
+            </a:r>
+          </a:p>
+          <a:p>
+            <a:pPr marL="285750" indent="-285750">
+              <a:buFontTx/>
+              <a:buChar char="-"/>
+            </a:pPr>
+            <a:r>
+              <a:rPr lang="fr-FR" dirty="0">
+                <a:solidFill>
+                  <a:schemeClr val="bg1"/>
                 </a:solidFill>
               </a:rPr>
-              <a:t>Les coûts et délais:</a:t>
-            </a:r>
-          </a:p>
-          <a:p>
-            <a:r>
-              <a:rPr lang="fr-FR" dirty="0"/>
-              <a:t>	- Sites offert soit un gain de 150 euros/jour/développeur pour 10 jours.</a:t>
-            </a:r>
-          </a:p>
-          <a:p>
-            <a:r>
-              <a:rPr lang="fr-FR" dirty="0"/>
-              <a:t>	  comprenant le cahier des charges, le maquettage, la création d’un logo, la 	  	      	  création du site, la création de la base de données, la mise en ligne.</a:t>
-            </a:r>
-          </a:p>
-          <a:p>
-            <a:r>
-              <a:rPr lang="fr-FR" dirty="0"/>
-              <a:t>	- Livraisons prévu </a:t>
-            </a:r>
-            <a:r>
-              <a:rPr lang="fr-FR" dirty="0" err="1"/>
-              <a:t>debut</a:t>
-            </a:r>
-            <a:r>
-              <a:rPr lang="fr-FR" dirty="0"/>
-              <a:t> juillet 2023.</a:t>
-            </a:r>
+              <a:t>Utilisation du langage de style CSS pour le placement et la mise en forme</a:t>
+            </a:r>
+          </a:p>
+          <a:p>
+            <a:pPr marL="285750" indent="-285750">
+              <a:buFontTx/>
+              <a:buChar char="-"/>
+            </a:pPr>
+            <a:r>
+              <a:rPr lang="fr-FR" dirty="0">
+                <a:solidFill>
+                  <a:schemeClr val="bg1"/>
+                </a:solidFill>
+              </a:rPr>
+              <a:t>Utilisation du langage de programmation Javascript pour le rendu dynamique</a:t>
+            </a:r>
+          </a:p>
+          <a:p>
+            <a:pPr marL="285750" indent="-285750">
+              <a:buFontTx/>
+              <a:buChar char="-"/>
+            </a:pPr>
+            <a:r>
+              <a:rPr lang="fr-FR" dirty="0">
+                <a:solidFill>
+                  <a:schemeClr val="bg1"/>
+                </a:solidFill>
+              </a:rPr>
+              <a:t>Utilisation d’un </a:t>
+            </a:r>
+            <a:r>
+              <a:rPr lang="fr-FR" dirty="0" err="1">
+                <a:solidFill>
+                  <a:schemeClr val="bg1"/>
+                </a:solidFill>
+              </a:rPr>
+              <a:t>framework</a:t>
+            </a:r>
+            <a:r>
+              <a:rPr lang="fr-FR" dirty="0">
+                <a:solidFill>
+                  <a:schemeClr val="bg1"/>
+                </a:solidFill>
+              </a:rPr>
+              <a:t> (</a:t>
+            </a:r>
+            <a:r>
+              <a:rPr lang="fr-FR" dirty="0" err="1">
+                <a:solidFill>
+                  <a:schemeClr val="bg1"/>
+                </a:solidFill>
+              </a:rPr>
+              <a:t>splide</a:t>
+            </a:r>
+            <a:r>
+              <a:rPr lang="fr-FR" dirty="0">
+                <a:solidFill>
+                  <a:schemeClr val="bg1"/>
+                </a:solidFill>
+              </a:rPr>
+              <a:t>)pour la création de vignettes pour le </a:t>
+            </a:r>
+            <a:r>
+              <a:rPr lang="fr-FR" dirty="0" err="1">
+                <a:solidFill>
+                  <a:schemeClr val="bg1"/>
+                </a:solidFill>
+              </a:rPr>
+              <a:t>slider</a:t>
+            </a:r>
+            <a:endParaRPr lang="fr-FR" dirty="0">
+              <a:solidFill>
+                <a:schemeClr val="bg1"/>
+              </a:solidFill>
+            </a:endParaRPr>
+          </a:p>
+          <a:p>
+            <a:pPr marL="285750" indent="-285750">
+              <a:buFontTx/>
+              <a:buChar char="-"/>
+            </a:pPr>
+            <a:endParaRPr lang="fr-FR" dirty="0">
+              <a:solidFill>
+                <a:schemeClr val="bg1"/>
+              </a:solidFill>
+            </a:endParaRPr>
           </a:p>
         </p:txBody>
       </p:sp>
     </p:spTree>
     <p:extLst>
       <p:ext uri="{BB962C8B-B14F-4D97-AF65-F5344CB8AC3E}">
-        <p14:creationId xmlns:p14="http://schemas.microsoft.com/office/powerpoint/2010/main" val="1279676495"/>
-      </p:ext>
-    </p:extLst>
-  </p:cSld>
-  <p:clrMapOvr>
-    <a:masterClrMapping/>
-  </p:clrMapOvr>
-</p:sld>
-</file>
-
-<file path=ppt/slides/slide16.xml><?xml version="1.0" encoding="utf-8"?>
-<p:sld xmlns:a="http://schemas.openxmlformats.org/drawingml/2006/main" xmlns:r="http://schemas.openxmlformats.org/officeDocument/2006/relationships" xmlns:p="http://schemas.openxmlformats.org/presentationml/2006/main">
-  <p:cSld>
-    <p:spTree>
-      <p:nvGrpSpPr>
-        <p:cNvPr id="1" name=""/>
-        <p:cNvGrpSpPr/>
-        <p:nvPr/>
-      </p:nvGrpSpPr>
-      <p:grpSpPr>
-        <a:xfrm>
-          <a:off x="0" y="0"/>
-          <a:ext cx="0" cy="0"/>
-          <a:chOff x="0" y="0"/>
-          <a:chExt cx="0" cy="0"/>
-        </a:xfrm>
-      </p:grpSpPr>
-      <p:sp>
-        <p:nvSpPr>
-          <p:cNvPr id="3" name="Espace réservé du contenu 2">
-            <a:extLst>
-              <a:ext uri="{FF2B5EF4-FFF2-40B4-BE49-F238E27FC236}">
-                <a16:creationId xmlns:a16="http://schemas.microsoft.com/office/drawing/2014/main" id="{E209249B-AB26-E703-4BF8-BDB15EA80F2B}"/>
-              </a:ext>
-            </a:extLst>
-          </p:cNvPr>
-          <p:cNvSpPr>
-            <a:spLocks noGrp="1"/>
-          </p:cNvSpPr>
-          <p:nvPr>
-            <p:ph idx="1"/>
-          </p:nvPr>
-        </p:nvSpPr>
-        <p:spPr>
-          <a:xfrm>
-            <a:off x="1218602" y="2003961"/>
-            <a:ext cx="9053554" cy="2431473"/>
-          </a:xfrm>
-        </p:spPr>
-        <p:txBody>
-          <a:bodyPr/>
-          <a:lstStyle/>
-          <a:p>
-            <a:pPr marL="0" indent="0">
-              <a:buNone/>
-            </a:pPr>
-            <a:r>
-              <a:rPr lang="fr-FR" b="1" u="sng" dirty="0">
-                <a:solidFill>
-                  <a:srgbClr val="751515"/>
-                </a:solidFill>
-              </a:rPr>
-              <a:t>Récapitulatif:</a:t>
-            </a:r>
-          </a:p>
-          <a:p>
-            <a:pPr marL="457200" lvl="1" indent="0">
-              <a:buNone/>
-            </a:pPr>
-            <a:r>
-              <a:rPr lang="fr-FR" dirty="0"/>
-              <a:t>Nous livrons un site internet début juillet de style galerie, comprenant un nouveau logo, une page d’accueil contenant une bio  la dernière peinture et des commentaires, une page galerie contenant les peintures du client, une page de contact, une page de gestion des tableaux.	</a:t>
-            </a:r>
-          </a:p>
-          <a:p>
-            <a:pPr lvl="1"/>
-            <a:endParaRPr lang="fr-FR" dirty="0"/>
-          </a:p>
-        </p:txBody>
-      </p:sp>
-    </p:spTree>
-    <p:extLst>
-      <p:ext uri="{BB962C8B-B14F-4D97-AF65-F5344CB8AC3E}">
-        <p14:creationId xmlns:p14="http://schemas.microsoft.com/office/powerpoint/2010/main" val="3690427952"/>
-      </p:ext>
-    </p:extLst>
-  </p:cSld>
-  <p:clrMapOvr>
-    <a:masterClrMapping/>
-  </p:clrMapOvr>
-</p:sld>
-</file>
-
-<file path=ppt/slides/slide17.xml><?xml version="1.0" encoding="utf-8"?>
-<p:sld xmlns:a="http://schemas.openxmlformats.org/drawingml/2006/main" xmlns:r="http://schemas.openxmlformats.org/officeDocument/2006/relationships" xmlns:p="http://schemas.openxmlformats.org/presentationml/2006/main">
-  <p:cSld>
-    <p:spTree>
-      <p:nvGrpSpPr>
-        <p:cNvPr id="1" name=""/>
-        <p:cNvGrpSpPr/>
-        <p:nvPr/>
-      </p:nvGrpSpPr>
-      <p:grpSpPr>
-        <a:xfrm>
-          <a:off x="0" y="0"/>
-          <a:ext cx="0" cy="0"/>
-          <a:chOff x="0" y="0"/>
-          <a:chExt cx="0" cy="0"/>
-        </a:xfrm>
-      </p:grpSpPr>
-      <p:sp>
-        <p:nvSpPr>
-          <p:cNvPr id="4" name="ZoneTexte 3">
-            <a:extLst>
-              <a:ext uri="{FF2B5EF4-FFF2-40B4-BE49-F238E27FC236}">
-                <a16:creationId xmlns:a16="http://schemas.microsoft.com/office/drawing/2014/main" id="{2A66F914-04BA-DAC5-3CB8-39C1C8CBFE25}"/>
-              </a:ext>
-            </a:extLst>
-          </p:cNvPr>
-          <p:cNvSpPr txBox="1"/>
-          <p:nvPr/>
-        </p:nvSpPr>
-        <p:spPr>
-          <a:xfrm>
-            <a:off x="950026" y="528452"/>
-            <a:ext cx="2844140" cy="646331"/>
-          </a:xfrm>
-          <a:prstGeom prst="rect">
-            <a:avLst/>
-          </a:prstGeom>
-          <a:noFill/>
-        </p:spPr>
-        <p:txBody>
-          <a:bodyPr wrap="square" rtlCol="0">
-            <a:spAutoFit/>
-          </a:bodyPr>
-          <a:lstStyle/>
-          <a:p>
-            <a:r>
-              <a:rPr lang="fr-FR" b="1" u="sng" dirty="0">
-                <a:solidFill>
-                  <a:srgbClr val="751515"/>
-                </a:solidFill>
-              </a:rPr>
-              <a:t>Planning:</a:t>
-            </a:r>
-          </a:p>
-          <a:p>
-            <a:endParaRPr lang="fr-FR" dirty="0"/>
-          </a:p>
-        </p:txBody>
-      </p:sp>
-      <p:pic>
-        <p:nvPicPr>
-          <p:cNvPr id="6" name="Image 5">
-            <a:extLst>
-              <a:ext uri="{FF2B5EF4-FFF2-40B4-BE49-F238E27FC236}">
-                <a16:creationId xmlns:a16="http://schemas.microsoft.com/office/drawing/2014/main" id="{1E25515D-80E7-CBC6-C036-7660A343731E}"/>
-              </a:ext>
-            </a:extLst>
-          </p:cNvPr>
-          <p:cNvPicPr>
-            <a:picLocks noChangeAspect="1"/>
-          </p:cNvPicPr>
-          <p:nvPr/>
-        </p:nvPicPr>
-        <p:blipFill>
-          <a:blip r:embed="rId2"/>
-          <a:stretch>
-            <a:fillRect/>
-          </a:stretch>
-        </p:blipFill>
-        <p:spPr>
-          <a:xfrm>
-            <a:off x="2600696" y="876504"/>
-            <a:ext cx="8390279" cy="5877509"/>
-          </a:xfrm>
-          <a:prstGeom prst="rect">
-            <a:avLst/>
-          </a:prstGeom>
-        </p:spPr>
-      </p:pic>
-    </p:spTree>
-    <p:extLst>
-      <p:ext uri="{BB962C8B-B14F-4D97-AF65-F5344CB8AC3E}">
-        <p14:creationId xmlns:p14="http://schemas.microsoft.com/office/powerpoint/2010/main" val="2368108637"/>
+        <p14:creationId xmlns:p14="http://schemas.microsoft.com/office/powerpoint/2010/main" val="1282592321"/>
       </p:ext>
     </p:extLst>
   </p:cSld>
@@ -8507,6 +9073,675 @@
 </p:sld>
 </file>
 
+<file path=ppt/slides/slide20.xml><?xml version="1.0" encoding="utf-8"?>
+<p:sld xmlns:a="http://schemas.openxmlformats.org/drawingml/2006/main" xmlns:r="http://schemas.openxmlformats.org/officeDocument/2006/relationships" xmlns:p="http://schemas.openxmlformats.org/presentationml/2006/main">
+  <p:cSld>
+    <p:spTree>
+      <p:nvGrpSpPr>
+        <p:cNvPr id="1" name=""/>
+        <p:cNvGrpSpPr/>
+        <p:nvPr/>
+      </p:nvGrpSpPr>
+      <p:grpSpPr>
+        <a:xfrm>
+          <a:off x="0" y="0"/>
+          <a:ext cx="0" cy="0"/>
+          <a:chOff x="0" y="0"/>
+          <a:chExt cx="0" cy="0"/>
+        </a:xfrm>
+      </p:grpSpPr>
+      <p:sp>
+        <p:nvSpPr>
+          <p:cNvPr id="4" name="ZoneTexte 3">
+            <a:extLst>
+              <a:ext uri="{FF2B5EF4-FFF2-40B4-BE49-F238E27FC236}">
+                <a16:creationId xmlns:a16="http://schemas.microsoft.com/office/drawing/2014/main" id="{47A50AC8-1AD1-7E31-B9CE-943E885052FC}"/>
+              </a:ext>
+            </a:extLst>
+          </p:cNvPr>
+          <p:cNvSpPr txBox="1"/>
+          <p:nvPr/>
+        </p:nvSpPr>
+        <p:spPr>
+          <a:xfrm>
+            <a:off x="960699" y="682906"/>
+            <a:ext cx="9838481" cy="923330"/>
+          </a:xfrm>
+          <a:prstGeom prst="rect">
+            <a:avLst/>
+          </a:prstGeom>
+          <a:noFill/>
+        </p:spPr>
+        <p:txBody>
+          <a:bodyPr wrap="square" rtlCol="0">
+            <a:spAutoFit/>
+          </a:bodyPr>
+          <a:lstStyle/>
+          <a:p>
+            <a:r>
+              <a:rPr lang="fr-FR" b="1" u="sng" dirty="0">
+                <a:solidFill>
+                  <a:srgbClr val="8F1919"/>
+                </a:solidFill>
+              </a:rPr>
+              <a:t>Fonctionnalité front:</a:t>
+            </a:r>
+          </a:p>
+          <a:p>
+            <a:endParaRPr lang="fr-FR" b="1" u="sng" dirty="0">
+              <a:solidFill>
+                <a:srgbClr val="8F1919"/>
+              </a:solidFill>
+            </a:endParaRPr>
+          </a:p>
+          <a:p>
+            <a:r>
+              <a:rPr lang="fr-FR" dirty="0">
+                <a:solidFill>
+                  <a:schemeClr val="bg1"/>
+                </a:solidFill>
+              </a:rPr>
+              <a:t>Création d’avis visiteurs</a:t>
+            </a:r>
+          </a:p>
+        </p:txBody>
+      </p:sp>
+      <p:pic>
+        <p:nvPicPr>
+          <p:cNvPr id="6" name="Image 5">
+            <a:extLst>
+              <a:ext uri="{FF2B5EF4-FFF2-40B4-BE49-F238E27FC236}">
+                <a16:creationId xmlns:a16="http://schemas.microsoft.com/office/drawing/2014/main" id="{6C54ED65-BF81-992D-4ADF-2B5AD394E439}"/>
+              </a:ext>
+            </a:extLst>
+          </p:cNvPr>
+          <p:cNvPicPr>
+            <a:picLocks noChangeAspect="1"/>
+          </p:cNvPicPr>
+          <p:nvPr/>
+        </p:nvPicPr>
+        <p:blipFill>
+          <a:blip r:embed="rId2"/>
+          <a:stretch>
+            <a:fillRect/>
+          </a:stretch>
+        </p:blipFill>
+        <p:spPr>
+          <a:xfrm>
+            <a:off x="665166" y="1953492"/>
+            <a:ext cx="3864602" cy="3794166"/>
+          </a:xfrm>
+          <a:prstGeom prst="rect">
+            <a:avLst/>
+          </a:prstGeom>
+        </p:spPr>
+      </p:pic>
+      <p:pic>
+        <p:nvPicPr>
+          <p:cNvPr id="10" name="Image 9">
+            <a:extLst>
+              <a:ext uri="{FF2B5EF4-FFF2-40B4-BE49-F238E27FC236}">
+                <a16:creationId xmlns:a16="http://schemas.microsoft.com/office/drawing/2014/main" id="{921B55B9-62C8-44E9-A519-048BCC8F4A55}"/>
+              </a:ext>
+            </a:extLst>
+          </p:cNvPr>
+          <p:cNvPicPr>
+            <a:picLocks noChangeAspect="1"/>
+          </p:cNvPicPr>
+          <p:nvPr/>
+        </p:nvPicPr>
+        <p:blipFill>
+          <a:blip r:embed="rId3"/>
+          <a:stretch>
+            <a:fillRect/>
+          </a:stretch>
+        </p:blipFill>
+        <p:spPr>
+          <a:xfrm>
+            <a:off x="4903996" y="2606634"/>
+            <a:ext cx="7151438" cy="3880504"/>
+          </a:xfrm>
+          <a:prstGeom prst="rect">
+            <a:avLst/>
+          </a:prstGeom>
+        </p:spPr>
+      </p:pic>
+      <p:pic>
+        <p:nvPicPr>
+          <p:cNvPr id="14" name="Image 13">
+            <a:extLst>
+              <a:ext uri="{FF2B5EF4-FFF2-40B4-BE49-F238E27FC236}">
+                <a16:creationId xmlns:a16="http://schemas.microsoft.com/office/drawing/2014/main" id="{2CC676BF-7715-B3CF-CB94-C9764598D015}"/>
+              </a:ext>
+            </a:extLst>
+          </p:cNvPr>
+          <p:cNvPicPr>
+            <a:picLocks noChangeAspect="1"/>
+          </p:cNvPicPr>
+          <p:nvPr/>
+        </p:nvPicPr>
+        <p:blipFill>
+          <a:blip r:embed="rId4"/>
+          <a:stretch>
+            <a:fillRect/>
+          </a:stretch>
+        </p:blipFill>
+        <p:spPr>
+          <a:xfrm>
+            <a:off x="4903996" y="1698729"/>
+            <a:ext cx="3716976" cy="907905"/>
+          </a:xfrm>
+          <a:prstGeom prst="rect">
+            <a:avLst/>
+          </a:prstGeom>
+        </p:spPr>
+      </p:pic>
+    </p:spTree>
+    <p:extLst>
+      <p:ext uri="{BB962C8B-B14F-4D97-AF65-F5344CB8AC3E}">
+        <p14:creationId xmlns:p14="http://schemas.microsoft.com/office/powerpoint/2010/main" val="4070325940"/>
+      </p:ext>
+    </p:extLst>
+  </p:cSld>
+  <p:clrMapOvr>
+    <a:masterClrMapping/>
+  </p:clrMapOvr>
+</p:sld>
+</file>
+
+<file path=ppt/slides/slide21.xml><?xml version="1.0" encoding="utf-8"?>
+<p:sld xmlns:a="http://schemas.openxmlformats.org/drawingml/2006/main" xmlns:r="http://schemas.openxmlformats.org/officeDocument/2006/relationships" xmlns:p="http://schemas.openxmlformats.org/presentationml/2006/main">
+  <p:cSld>
+    <p:spTree>
+      <p:nvGrpSpPr>
+        <p:cNvPr id="1" name=""/>
+        <p:cNvGrpSpPr/>
+        <p:nvPr/>
+      </p:nvGrpSpPr>
+      <p:grpSpPr>
+        <a:xfrm>
+          <a:off x="0" y="0"/>
+          <a:ext cx="0" cy="0"/>
+          <a:chOff x="0" y="0"/>
+          <a:chExt cx="0" cy="0"/>
+        </a:xfrm>
+      </p:grpSpPr>
+      <p:sp>
+        <p:nvSpPr>
+          <p:cNvPr id="7" name="ZoneTexte 6">
+            <a:extLst>
+              <a:ext uri="{FF2B5EF4-FFF2-40B4-BE49-F238E27FC236}">
+                <a16:creationId xmlns:a16="http://schemas.microsoft.com/office/drawing/2014/main" id="{6909ECCF-75ED-F0AE-C896-F58BC3C22773}"/>
+              </a:ext>
+            </a:extLst>
+          </p:cNvPr>
+          <p:cNvSpPr txBox="1"/>
+          <p:nvPr/>
+        </p:nvSpPr>
+        <p:spPr>
+          <a:xfrm>
+            <a:off x="6898511" y="251414"/>
+            <a:ext cx="5013141" cy="2585323"/>
+          </a:xfrm>
+          <a:prstGeom prst="rect">
+            <a:avLst/>
+          </a:prstGeom>
+          <a:noFill/>
+        </p:spPr>
+        <p:txBody>
+          <a:bodyPr wrap="square" rtlCol="0">
+            <a:spAutoFit/>
+          </a:bodyPr>
+          <a:lstStyle/>
+          <a:p>
+            <a:r>
+              <a:rPr lang="fr-FR" dirty="0">
+                <a:solidFill>
+                  <a:schemeClr val="bg1"/>
+                </a:solidFill>
+              </a:rPr>
+              <a:t>Je récupère les balises input/ </a:t>
+            </a:r>
+            <a:r>
+              <a:rPr lang="fr-FR" dirty="0" err="1">
+                <a:solidFill>
+                  <a:schemeClr val="bg1"/>
+                </a:solidFill>
+              </a:rPr>
+              <a:t>textarea</a:t>
+            </a:r>
+            <a:r>
+              <a:rPr lang="fr-FR" dirty="0">
+                <a:solidFill>
+                  <a:schemeClr val="bg1"/>
+                </a:solidFill>
+              </a:rPr>
+              <a:t> et le bouton avec des </a:t>
+            </a:r>
+            <a:r>
+              <a:rPr lang="fr-FR" dirty="0" err="1">
+                <a:solidFill>
+                  <a:schemeClr val="bg1"/>
+                </a:solidFill>
+              </a:rPr>
+              <a:t>queryselector</a:t>
+            </a:r>
+            <a:r>
+              <a:rPr lang="fr-FR" dirty="0">
+                <a:solidFill>
+                  <a:schemeClr val="bg1"/>
+                </a:solidFill>
+              </a:rPr>
+              <a:t> via </a:t>
+            </a:r>
+            <a:r>
+              <a:rPr lang="fr-FR" dirty="0" err="1">
+                <a:solidFill>
+                  <a:schemeClr val="bg1"/>
+                </a:solidFill>
+              </a:rPr>
+              <a:t>l’id</a:t>
+            </a:r>
+            <a:r>
+              <a:rPr lang="fr-FR" dirty="0">
+                <a:solidFill>
+                  <a:schemeClr val="bg1"/>
+                </a:solidFill>
+              </a:rPr>
+              <a:t> ou la classe. Je met un écouteur d’événement sur le bouton de soumission; au clique je récupère les valeurs écrites par le visiteur ou si un des champs est vide j’envoie un message d’alerte pour remplir tout </a:t>
+            </a:r>
+            <a:r>
+              <a:rPr lang="fr-FR">
+                <a:solidFill>
+                  <a:schemeClr val="bg1"/>
+                </a:solidFill>
+              </a:rPr>
+              <a:t>les champs.</a:t>
+            </a:r>
+          </a:p>
+          <a:p>
+            <a:endParaRPr lang="fr-FR" dirty="0">
+              <a:solidFill>
+                <a:schemeClr val="bg1"/>
+              </a:solidFill>
+            </a:endParaRPr>
+          </a:p>
+        </p:txBody>
+      </p:sp>
+      <p:pic>
+        <p:nvPicPr>
+          <p:cNvPr id="9" name="Image 8">
+            <a:extLst>
+              <a:ext uri="{FF2B5EF4-FFF2-40B4-BE49-F238E27FC236}">
+                <a16:creationId xmlns:a16="http://schemas.microsoft.com/office/drawing/2014/main" id="{E4E3CA2A-04A6-A5DC-201D-0D3AD6938453}"/>
+              </a:ext>
+            </a:extLst>
+          </p:cNvPr>
+          <p:cNvPicPr>
+            <a:picLocks noChangeAspect="1"/>
+          </p:cNvPicPr>
+          <p:nvPr/>
+        </p:nvPicPr>
+        <p:blipFill>
+          <a:blip r:embed="rId2"/>
+          <a:stretch>
+            <a:fillRect/>
+          </a:stretch>
+        </p:blipFill>
+        <p:spPr>
+          <a:xfrm>
+            <a:off x="280348" y="2005740"/>
+            <a:ext cx="6256062" cy="4600846"/>
+          </a:xfrm>
+          <a:prstGeom prst="rect">
+            <a:avLst/>
+          </a:prstGeom>
+        </p:spPr>
+      </p:pic>
+      <p:pic>
+        <p:nvPicPr>
+          <p:cNvPr id="6" name="Image 5">
+            <a:extLst>
+              <a:ext uri="{FF2B5EF4-FFF2-40B4-BE49-F238E27FC236}">
+                <a16:creationId xmlns:a16="http://schemas.microsoft.com/office/drawing/2014/main" id="{52A209EF-C0E9-5E53-0241-28A9E98F5C8E}"/>
+              </a:ext>
+            </a:extLst>
+          </p:cNvPr>
+          <p:cNvPicPr>
+            <a:picLocks noChangeAspect="1"/>
+          </p:cNvPicPr>
+          <p:nvPr/>
+        </p:nvPicPr>
+        <p:blipFill>
+          <a:blip r:embed="rId3"/>
+          <a:stretch>
+            <a:fillRect/>
+          </a:stretch>
+        </p:blipFill>
+        <p:spPr>
+          <a:xfrm>
+            <a:off x="280348" y="364229"/>
+            <a:ext cx="5522026" cy="1699594"/>
+          </a:xfrm>
+          <a:prstGeom prst="rect">
+            <a:avLst/>
+          </a:prstGeom>
+        </p:spPr>
+      </p:pic>
+    </p:spTree>
+    <p:extLst>
+      <p:ext uri="{BB962C8B-B14F-4D97-AF65-F5344CB8AC3E}">
+        <p14:creationId xmlns:p14="http://schemas.microsoft.com/office/powerpoint/2010/main" val="1107590566"/>
+      </p:ext>
+    </p:extLst>
+  </p:cSld>
+  <p:clrMapOvr>
+    <a:masterClrMapping/>
+  </p:clrMapOvr>
+</p:sld>
+</file>
+
+<file path=ppt/slides/slide22.xml><?xml version="1.0" encoding="utf-8"?>
+<p:sld xmlns:a="http://schemas.openxmlformats.org/drawingml/2006/main" xmlns:r="http://schemas.openxmlformats.org/officeDocument/2006/relationships" xmlns:p="http://schemas.openxmlformats.org/presentationml/2006/main">
+  <p:cSld>
+    <p:spTree>
+      <p:nvGrpSpPr>
+        <p:cNvPr id="1" name=""/>
+        <p:cNvGrpSpPr/>
+        <p:nvPr/>
+      </p:nvGrpSpPr>
+      <p:grpSpPr>
+        <a:xfrm>
+          <a:off x="0" y="0"/>
+          <a:ext cx="0" cy="0"/>
+          <a:chOff x="0" y="0"/>
+          <a:chExt cx="0" cy="0"/>
+        </a:xfrm>
+      </p:grpSpPr>
+      <p:sp>
+        <p:nvSpPr>
+          <p:cNvPr id="3" name="Espace réservé du contenu 2">
+            <a:extLst>
+              <a:ext uri="{FF2B5EF4-FFF2-40B4-BE49-F238E27FC236}">
+                <a16:creationId xmlns:a16="http://schemas.microsoft.com/office/drawing/2014/main" id="{E209249B-AB26-E703-4BF8-BDB15EA80F2B}"/>
+              </a:ext>
+            </a:extLst>
+          </p:cNvPr>
+          <p:cNvSpPr>
+            <a:spLocks noGrp="1"/>
+          </p:cNvSpPr>
+          <p:nvPr>
+            <p:ph idx="1"/>
+          </p:nvPr>
+        </p:nvSpPr>
+        <p:spPr>
+          <a:xfrm>
+            <a:off x="1218602" y="2003961"/>
+            <a:ext cx="9053554" cy="2431473"/>
+          </a:xfrm>
+        </p:spPr>
+        <p:txBody>
+          <a:bodyPr/>
+          <a:lstStyle/>
+          <a:p>
+            <a:pPr marL="0" indent="0">
+              <a:buNone/>
+            </a:pPr>
+            <a:r>
+              <a:rPr lang="fr-FR" b="1" u="sng" dirty="0">
+                <a:solidFill>
+                  <a:srgbClr val="751515"/>
+                </a:solidFill>
+              </a:rPr>
+              <a:t>Récapitulatif:</a:t>
+            </a:r>
+          </a:p>
+          <a:p>
+            <a:pPr marL="457200" lvl="1" indent="0">
+              <a:buNone/>
+            </a:pPr>
+            <a:r>
+              <a:rPr lang="fr-FR" dirty="0"/>
+              <a:t>Nous livrons un site internet début juillet de style galerie, comprenant un nouveau logo, une page d’accueil contenant une bio  la dernière peinture et des commentaires, une page galerie contenant les peintures du client, une page de contact, une page de gestion des tableaux.	</a:t>
+            </a:r>
+          </a:p>
+          <a:p>
+            <a:pPr lvl="1"/>
+            <a:endParaRPr lang="fr-FR" dirty="0"/>
+          </a:p>
+        </p:txBody>
+      </p:sp>
+    </p:spTree>
+    <p:extLst>
+      <p:ext uri="{BB962C8B-B14F-4D97-AF65-F5344CB8AC3E}">
+        <p14:creationId xmlns:p14="http://schemas.microsoft.com/office/powerpoint/2010/main" val="3690427952"/>
+      </p:ext>
+    </p:extLst>
+  </p:cSld>
+  <p:clrMapOvr>
+    <a:masterClrMapping/>
+  </p:clrMapOvr>
+</p:sld>
+</file>
+
+<file path=ppt/slides/slide23.xml><?xml version="1.0" encoding="utf-8"?>
+<p:sld xmlns:a="http://schemas.openxmlformats.org/drawingml/2006/main" xmlns:r="http://schemas.openxmlformats.org/officeDocument/2006/relationships" xmlns:p="http://schemas.openxmlformats.org/presentationml/2006/main">
+  <p:cSld>
+    <p:spTree>
+      <p:nvGrpSpPr>
+        <p:cNvPr id="1" name=""/>
+        <p:cNvGrpSpPr/>
+        <p:nvPr/>
+      </p:nvGrpSpPr>
+      <p:grpSpPr>
+        <a:xfrm>
+          <a:off x="0" y="0"/>
+          <a:ext cx="0" cy="0"/>
+          <a:chOff x="0" y="0"/>
+          <a:chExt cx="0" cy="0"/>
+        </a:xfrm>
+      </p:grpSpPr>
+      <p:sp>
+        <p:nvSpPr>
+          <p:cNvPr id="4" name="ZoneTexte 3">
+            <a:extLst>
+              <a:ext uri="{FF2B5EF4-FFF2-40B4-BE49-F238E27FC236}">
+                <a16:creationId xmlns:a16="http://schemas.microsoft.com/office/drawing/2014/main" id="{A36F338B-F922-DB62-2584-A41AD766EB27}"/>
+              </a:ext>
+            </a:extLst>
+          </p:cNvPr>
+          <p:cNvSpPr txBox="1"/>
+          <p:nvPr/>
+        </p:nvSpPr>
+        <p:spPr>
+          <a:xfrm>
+            <a:off x="1213659" y="2227811"/>
+            <a:ext cx="9077498" cy="2031325"/>
+          </a:xfrm>
+          <a:prstGeom prst="rect">
+            <a:avLst/>
+          </a:prstGeom>
+          <a:noFill/>
+        </p:spPr>
+        <p:txBody>
+          <a:bodyPr wrap="square" rtlCol="0">
+            <a:spAutoFit/>
+          </a:bodyPr>
+          <a:lstStyle/>
+          <a:p>
+            <a:r>
+              <a:rPr lang="fr-FR" b="1" u="sng" dirty="0">
+                <a:solidFill>
+                  <a:srgbClr val="751515"/>
+                </a:solidFill>
+              </a:rPr>
+              <a:t>Les coûts et délais:</a:t>
+            </a:r>
+          </a:p>
+          <a:p>
+            <a:r>
+              <a:rPr lang="fr-FR" dirty="0"/>
+              <a:t>	</a:t>
+            </a:r>
+            <a:r>
+              <a:rPr lang="fr-FR" dirty="0">
+                <a:solidFill>
+                  <a:schemeClr val="bg1"/>
+                </a:solidFill>
+              </a:rPr>
+              <a:t>- Site offert soit un gain de 150 euros/jour/développeur pour 10 jours.</a:t>
+            </a:r>
+          </a:p>
+          <a:p>
+            <a:r>
+              <a:rPr lang="fr-FR" dirty="0">
+                <a:solidFill>
+                  <a:schemeClr val="bg1"/>
+                </a:solidFill>
+              </a:rPr>
+              <a:t>	  comprenant le cahier des charges, le maquettage, la création d’un logo, 	  la création du site, la création de la base de données.</a:t>
+            </a:r>
+          </a:p>
+          <a:p>
+            <a:r>
+              <a:rPr lang="fr-FR" dirty="0">
+                <a:solidFill>
+                  <a:schemeClr val="bg1"/>
+                </a:solidFill>
+              </a:rPr>
+              <a:t>	  Les frais de  mise en ligne a  la charge du client.</a:t>
+            </a:r>
+          </a:p>
+          <a:p>
+            <a:r>
+              <a:rPr lang="fr-FR" dirty="0">
+                <a:solidFill>
+                  <a:schemeClr val="bg1"/>
+                </a:solidFill>
+              </a:rPr>
+              <a:t>	- Livraisons prévu début juillet 2023.</a:t>
+            </a:r>
+          </a:p>
+          <a:p>
+            <a:endParaRPr lang="fr-FR" dirty="0"/>
+          </a:p>
+        </p:txBody>
+      </p:sp>
+    </p:spTree>
+    <p:extLst>
+      <p:ext uri="{BB962C8B-B14F-4D97-AF65-F5344CB8AC3E}">
+        <p14:creationId xmlns:p14="http://schemas.microsoft.com/office/powerpoint/2010/main" val="1317641096"/>
+      </p:ext>
+    </p:extLst>
+  </p:cSld>
+  <p:clrMapOvr>
+    <a:masterClrMapping/>
+  </p:clrMapOvr>
+</p:sld>
+</file>
+
+<file path=ppt/slides/slide24.xml><?xml version="1.0" encoding="utf-8"?>
+<p:sld xmlns:a="http://schemas.openxmlformats.org/drawingml/2006/main" xmlns:r="http://schemas.openxmlformats.org/officeDocument/2006/relationships" xmlns:p="http://schemas.openxmlformats.org/presentationml/2006/main">
+  <p:cSld>
+    <p:spTree>
+      <p:nvGrpSpPr>
+        <p:cNvPr id="1" name=""/>
+        <p:cNvGrpSpPr/>
+        <p:nvPr/>
+      </p:nvGrpSpPr>
+      <p:grpSpPr>
+        <a:xfrm>
+          <a:off x="0" y="0"/>
+          <a:ext cx="0" cy="0"/>
+          <a:chOff x="0" y="0"/>
+          <a:chExt cx="0" cy="0"/>
+        </a:xfrm>
+      </p:grpSpPr>
+      <p:sp>
+        <p:nvSpPr>
+          <p:cNvPr id="4" name="ZoneTexte 3">
+            <a:extLst>
+              <a:ext uri="{FF2B5EF4-FFF2-40B4-BE49-F238E27FC236}">
+                <a16:creationId xmlns:a16="http://schemas.microsoft.com/office/drawing/2014/main" id="{2A66F914-04BA-DAC5-3CB8-39C1C8CBFE25}"/>
+              </a:ext>
+            </a:extLst>
+          </p:cNvPr>
+          <p:cNvSpPr txBox="1"/>
+          <p:nvPr/>
+        </p:nvSpPr>
+        <p:spPr>
+          <a:xfrm>
+            <a:off x="950026" y="528452"/>
+            <a:ext cx="2844140" cy="646331"/>
+          </a:xfrm>
+          <a:prstGeom prst="rect">
+            <a:avLst/>
+          </a:prstGeom>
+          <a:noFill/>
+        </p:spPr>
+        <p:txBody>
+          <a:bodyPr wrap="square" rtlCol="0">
+            <a:spAutoFit/>
+          </a:bodyPr>
+          <a:lstStyle/>
+          <a:p>
+            <a:r>
+              <a:rPr lang="fr-FR" b="1" u="sng" dirty="0">
+                <a:solidFill>
+                  <a:srgbClr val="751515"/>
+                </a:solidFill>
+              </a:rPr>
+              <a:t>Planning:</a:t>
+            </a:r>
+          </a:p>
+          <a:p>
+            <a:endParaRPr lang="fr-FR" dirty="0"/>
+          </a:p>
+        </p:txBody>
+      </p:sp>
+      <p:pic>
+        <p:nvPicPr>
+          <p:cNvPr id="6" name="Image 5">
+            <a:extLst>
+              <a:ext uri="{FF2B5EF4-FFF2-40B4-BE49-F238E27FC236}">
+                <a16:creationId xmlns:a16="http://schemas.microsoft.com/office/drawing/2014/main" id="{1E25515D-80E7-CBC6-C036-7660A343731E}"/>
+              </a:ext>
+            </a:extLst>
+          </p:cNvPr>
+          <p:cNvPicPr>
+            <a:picLocks noChangeAspect="1"/>
+          </p:cNvPicPr>
+          <p:nvPr/>
+        </p:nvPicPr>
+        <p:blipFill>
+          <a:blip r:embed="rId2"/>
+          <a:stretch>
+            <a:fillRect/>
+          </a:stretch>
+        </p:blipFill>
+        <p:spPr>
+          <a:xfrm>
+            <a:off x="2600696" y="876504"/>
+            <a:ext cx="8390279" cy="5877509"/>
+          </a:xfrm>
+          <a:prstGeom prst="rect">
+            <a:avLst/>
+          </a:prstGeom>
+        </p:spPr>
+      </p:pic>
+    </p:spTree>
+    <p:extLst>
+      <p:ext uri="{BB962C8B-B14F-4D97-AF65-F5344CB8AC3E}">
+        <p14:creationId xmlns:p14="http://schemas.microsoft.com/office/powerpoint/2010/main" val="2368108637"/>
+      </p:ext>
+    </p:extLst>
+  </p:cSld>
+  <p:clrMapOvr>
+    <a:masterClrMapping/>
+  </p:clrMapOvr>
+</p:sld>
+</file>
+
 <file path=ppt/slides/slide3.xml><?xml version="1.0" encoding="utf-8"?>
 <p:sld xmlns:a="http://schemas.openxmlformats.org/drawingml/2006/main" xmlns:r="http://schemas.openxmlformats.org/officeDocument/2006/relationships" xmlns:p="http://schemas.openxmlformats.org/presentationml/2006/main">
   <p:cSld>
@@ -9012,543 +10247,6 @@
 </file>
 
 <file path=ppt/slides/slide5.xml><?xml version="1.0" encoding="utf-8"?>
-<p:sld xmlns:a="http://schemas.openxmlformats.org/drawingml/2006/main" xmlns:r="http://schemas.openxmlformats.org/officeDocument/2006/relationships" xmlns:p="http://schemas.openxmlformats.org/presentationml/2006/main">
-  <p:cSld>
-    <p:spTree>
-      <p:nvGrpSpPr>
-        <p:cNvPr id="1" name=""/>
-        <p:cNvGrpSpPr/>
-        <p:nvPr/>
-      </p:nvGrpSpPr>
-      <p:grpSpPr>
-        <a:xfrm>
-          <a:off x="0" y="0"/>
-          <a:ext cx="0" cy="0"/>
-          <a:chOff x="0" y="0"/>
-          <a:chExt cx="0" cy="0"/>
-        </a:xfrm>
-      </p:grpSpPr>
-      <p:sp>
-        <p:nvSpPr>
-          <p:cNvPr id="3" name="Espace réservé du contenu 2">
-            <a:extLst>
-              <a:ext uri="{FF2B5EF4-FFF2-40B4-BE49-F238E27FC236}">
-                <a16:creationId xmlns:a16="http://schemas.microsoft.com/office/drawing/2014/main" id="{6DA8A935-ECE1-FE60-4019-67800596440D}"/>
-              </a:ext>
-            </a:extLst>
-          </p:cNvPr>
-          <p:cNvSpPr>
-            <a:spLocks noGrp="1"/>
-          </p:cNvSpPr>
-          <p:nvPr>
-            <p:ph idx="1"/>
-          </p:nvPr>
-        </p:nvSpPr>
-        <p:spPr>
-          <a:xfrm>
-            <a:off x="684212" y="685801"/>
-            <a:ext cx="8523583" cy="5332228"/>
-          </a:xfrm>
-        </p:spPr>
-        <p:txBody>
-          <a:bodyPr>
-            <a:normAutofit/>
-          </a:bodyPr>
-          <a:lstStyle/>
-          <a:p>
-            <a:pPr marL="0" indent="0">
-              <a:buNone/>
-            </a:pPr>
-            <a:r>
-              <a:rPr lang="fr-FR" b="1" u="sng" dirty="0">
-                <a:solidFill>
-                  <a:srgbClr val="751515"/>
-                </a:solidFill>
-              </a:rPr>
-              <a:t>La charte graphique:</a:t>
-            </a:r>
-          </a:p>
-          <a:p>
-            <a:pPr marL="0" indent="0">
-              <a:buNone/>
-            </a:pPr>
-            <a:r>
-              <a:rPr lang="fr-FR" dirty="0"/>
-              <a:t>   La palette de couleur :</a:t>
-            </a:r>
-          </a:p>
-          <a:p>
-            <a:endParaRPr lang="fr-FR" dirty="0"/>
-          </a:p>
-          <a:p>
-            <a:endParaRPr lang="fr-FR" dirty="0"/>
-          </a:p>
-          <a:p>
-            <a:pPr marL="0" indent="0">
-              <a:buNone/>
-            </a:pPr>
-            <a:r>
-              <a:rPr lang="fr-FR" dirty="0"/>
-              <a:t>   Les effets : - agrandissement des images par clic de la souris.</a:t>
-            </a:r>
-          </a:p>
-          <a:p>
-            <a:pPr marL="0" indent="0">
-              <a:buNone/>
-            </a:pPr>
-            <a:r>
-              <a:rPr lang="fr-FR" dirty="0"/>
-              <a:t>                      - Possibilité d’ajouter des commentaires</a:t>
-            </a:r>
-          </a:p>
-          <a:p>
-            <a:pPr marL="0" indent="0">
-              <a:buNone/>
-            </a:pPr>
-            <a:r>
-              <a:rPr lang="fr-FR" dirty="0"/>
-              <a:t>                      - Utilisation de la police </a:t>
-            </a:r>
-            <a:r>
-              <a:rPr lang="fr-FR" dirty="0" err="1"/>
-              <a:t>brushed</a:t>
-            </a:r>
-            <a:endParaRPr lang="fr-FR" dirty="0"/>
-          </a:p>
-          <a:p>
-            <a:pPr marL="0" indent="0">
-              <a:buNone/>
-            </a:pPr>
-            <a:r>
-              <a:rPr lang="fr-FR" dirty="0"/>
-              <a:t>			  -  Affichage d’un carrousel</a:t>
-            </a:r>
-          </a:p>
-          <a:p>
-            <a:pPr marL="0" indent="0">
-              <a:buNone/>
-            </a:pPr>
-            <a:r>
-              <a:rPr lang="fr-FR" b="1" u="sng" dirty="0">
-                <a:solidFill>
-                  <a:srgbClr val="751515"/>
-                </a:solidFill>
-              </a:rPr>
-              <a:t>Eléments à conserver:</a:t>
-            </a:r>
-          </a:p>
-          <a:p>
-            <a:pPr marL="0" indent="0">
-              <a:buNone/>
-            </a:pPr>
-            <a:r>
-              <a:rPr lang="fr-FR" dirty="0"/>
-              <a:t>	Le tableau de la carte de visite.</a:t>
-            </a:r>
-          </a:p>
-          <a:p>
-            <a:pPr marL="0" indent="0">
-              <a:buNone/>
-            </a:pPr>
-            <a:r>
-              <a:rPr lang="fr-FR" dirty="0"/>
-              <a:t>	Le slogan : Le peintre passionné.</a:t>
-            </a:r>
-          </a:p>
-          <a:p>
-            <a:pPr marL="0" indent="0">
-              <a:buNone/>
-            </a:pPr>
-            <a:endParaRPr lang="fr-FR" dirty="0"/>
-          </a:p>
-        </p:txBody>
-      </p:sp>
-      <p:pic>
-        <p:nvPicPr>
-          <p:cNvPr id="5" name="Image 4">
-            <a:extLst>
-              <a:ext uri="{FF2B5EF4-FFF2-40B4-BE49-F238E27FC236}">
-                <a16:creationId xmlns:a16="http://schemas.microsoft.com/office/drawing/2014/main" id="{125F0144-20A3-CC92-7FE4-2DDD63E9C0EC}"/>
-              </a:ext>
-            </a:extLst>
-          </p:cNvPr>
-          <p:cNvPicPr>
-            <a:picLocks noChangeAspect="1"/>
-          </p:cNvPicPr>
-          <p:nvPr/>
-        </p:nvPicPr>
-        <p:blipFill>
-          <a:blip r:embed="rId2"/>
-          <a:stretch>
-            <a:fillRect/>
-          </a:stretch>
-        </p:blipFill>
-        <p:spPr>
-          <a:xfrm>
-            <a:off x="4571999" y="1535534"/>
-            <a:ext cx="3500637" cy="815536"/>
-          </a:xfrm>
-          <a:prstGeom prst="rect">
-            <a:avLst/>
-          </a:prstGeom>
-        </p:spPr>
-      </p:pic>
-      <p:sp>
-        <p:nvSpPr>
-          <p:cNvPr id="4" name="ZoneTexte 3">
-            <a:extLst>
-              <a:ext uri="{FF2B5EF4-FFF2-40B4-BE49-F238E27FC236}">
-                <a16:creationId xmlns:a16="http://schemas.microsoft.com/office/drawing/2014/main" id="{F99CA914-1A8C-4C5E-E0D8-5022F803FD62}"/>
-              </a:ext>
-            </a:extLst>
-          </p:cNvPr>
-          <p:cNvSpPr txBox="1"/>
-          <p:nvPr/>
-        </p:nvSpPr>
-        <p:spPr>
-          <a:xfrm>
-            <a:off x="7479908" y="2100966"/>
-            <a:ext cx="587829" cy="215444"/>
-          </a:xfrm>
-          <a:prstGeom prst="rect">
-            <a:avLst/>
-          </a:prstGeom>
-          <a:noFill/>
-        </p:spPr>
-        <p:txBody>
-          <a:bodyPr wrap="square" rtlCol="0">
-            <a:spAutoFit/>
-          </a:bodyPr>
-          <a:lstStyle/>
-          <a:p>
-            <a:r>
-              <a:rPr lang="fr-FR" sz="800" dirty="0">
-                <a:solidFill>
-                  <a:schemeClr val="bg1"/>
-                </a:solidFill>
-              </a:rPr>
-              <a:t>#ceeff4</a:t>
-            </a:r>
-          </a:p>
-        </p:txBody>
-      </p:sp>
-      <p:sp>
-        <p:nvSpPr>
-          <p:cNvPr id="6" name="ZoneTexte 5">
-            <a:extLst>
-              <a:ext uri="{FF2B5EF4-FFF2-40B4-BE49-F238E27FC236}">
-                <a16:creationId xmlns:a16="http://schemas.microsoft.com/office/drawing/2014/main" id="{A466705A-B05E-F515-1739-101FDA6762E0}"/>
-              </a:ext>
-            </a:extLst>
-          </p:cNvPr>
-          <p:cNvSpPr txBox="1"/>
-          <p:nvPr/>
-        </p:nvSpPr>
-        <p:spPr>
-          <a:xfrm>
-            <a:off x="6769993" y="2100966"/>
-            <a:ext cx="587829" cy="215444"/>
-          </a:xfrm>
-          <a:prstGeom prst="rect">
-            <a:avLst/>
-          </a:prstGeom>
-          <a:noFill/>
-        </p:spPr>
-        <p:txBody>
-          <a:bodyPr wrap="square" rtlCol="0">
-            <a:spAutoFit/>
-          </a:bodyPr>
-          <a:lstStyle/>
-          <a:p>
-            <a:r>
-              <a:rPr lang="fr-FR" sz="800" dirty="0">
-                <a:solidFill>
-                  <a:schemeClr val="bg1"/>
-                </a:solidFill>
-              </a:rPr>
-              <a:t>#f59fbd</a:t>
-            </a:r>
-          </a:p>
-        </p:txBody>
-      </p:sp>
-      <p:sp>
-        <p:nvSpPr>
-          <p:cNvPr id="7" name="ZoneTexte 6">
-            <a:extLst>
-              <a:ext uri="{FF2B5EF4-FFF2-40B4-BE49-F238E27FC236}">
-                <a16:creationId xmlns:a16="http://schemas.microsoft.com/office/drawing/2014/main" id="{8B41E3E6-C2B7-F494-5C1E-43AEE6586EE7}"/>
-              </a:ext>
-            </a:extLst>
-          </p:cNvPr>
-          <p:cNvSpPr txBox="1"/>
-          <p:nvPr/>
-        </p:nvSpPr>
-        <p:spPr>
-          <a:xfrm>
-            <a:off x="6005152" y="2100966"/>
-            <a:ext cx="587829" cy="215444"/>
-          </a:xfrm>
-          <a:prstGeom prst="rect">
-            <a:avLst/>
-          </a:prstGeom>
-          <a:noFill/>
-        </p:spPr>
-        <p:txBody>
-          <a:bodyPr wrap="square" rtlCol="0">
-            <a:spAutoFit/>
-          </a:bodyPr>
-          <a:lstStyle/>
-          <a:p>
-            <a:r>
-              <a:rPr lang="fr-FR" sz="800" dirty="0">
-                <a:solidFill>
-                  <a:schemeClr val="bg1"/>
-                </a:solidFill>
-              </a:rPr>
-              <a:t>#f36d8f</a:t>
-            </a:r>
-          </a:p>
-        </p:txBody>
-      </p:sp>
-      <p:sp>
-        <p:nvSpPr>
-          <p:cNvPr id="8" name="ZoneTexte 7">
-            <a:extLst>
-              <a:ext uri="{FF2B5EF4-FFF2-40B4-BE49-F238E27FC236}">
-                <a16:creationId xmlns:a16="http://schemas.microsoft.com/office/drawing/2014/main" id="{1907888D-D91D-EF52-40D9-2D06AD1198A9}"/>
-              </a:ext>
-            </a:extLst>
-          </p:cNvPr>
-          <p:cNvSpPr txBox="1"/>
-          <p:nvPr/>
-        </p:nvSpPr>
-        <p:spPr>
-          <a:xfrm>
-            <a:off x="5294883" y="2100966"/>
-            <a:ext cx="641178" cy="215444"/>
-          </a:xfrm>
-          <a:prstGeom prst="rect">
-            <a:avLst/>
-          </a:prstGeom>
-          <a:noFill/>
-        </p:spPr>
-        <p:txBody>
-          <a:bodyPr wrap="square" rtlCol="0">
-            <a:spAutoFit/>
-          </a:bodyPr>
-          <a:lstStyle/>
-          <a:p>
-            <a:r>
-              <a:rPr lang="fr-FR" sz="800" dirty="0"/>
-              <a:t>#de2e4b</a:t>
-            </a:r>
-          </a:p>
-        </p:txBody>
-      </p:sp>
-      <p:sp>
-        <p:nvSpPr>
-          <p:cNvPr id="9" name="ZoneTexte 8">
-            <a:extLst>
-              <a:ext uri="{FF2B5EF4-FFF2-40B4-BE49-F238E27FC236}">
-                <a16:creationId xmlns:a16="http://schemas.microsoft.com/office/drawing/2014/main" id="{6502D781-8239-C6EB-BAF8-B6E39D0A4D39}"/>
-              </a:ext>
-            </a:extLst>
-          </p:cNvPr>
-          <p:cNvSpPr txBox="1"/>
-          <p:nvPr/>
-        </p:nvSpPr>
-        <p:spPr>
-          <a:xfrm>
-            <a:off x="4571999" y="2100966"/>
-            <a:ext cx="640849" cy="215444"/>
-          </a:xfrm>
-          <a:prstGeom prst="rect">
-            <a:avLst/>
-          </a:prstGeom>
-          <a:noFill/>
-        </p:spPr>
-        <p:txBody>
-          <a:bodyPr wrap="square" rtlCol="0">
-            <a:spAutoFit/>
-          </a:bodyPr>
-          <a:lstStyle/>
-          <a:p>
-            <a:r>
-              <a:rPr lang="fr-FR" sz="800" dirty="0"/>
-              <a:t>#650900</a:t>
-            </a:r>
-          </a:p>
-        </p:txBody>
-      </p:sp>
-    </p:spTree>
-    <p:extLst>
-      <p:ext uri="{BB962C8B-B14F-4D97-AF65-F5344CB8AC3E}">
-        <p14:creationId xmlns:p14="http://schemas.microsoft.com/office/powerpoint/2010/main" val="728227095"/>
-      </p:ext>
-    </p:extLst>
-  </p:cSld>
-  <p:clrMapOvr>
-    <a:masterClrMapping/>
-  </p:clrMapOvr>
-</p:sld>
-</file>
-
-<file path=ppt/slides/slide6.xml><?xml version="1.0" encoding="utf-8"?>
-<p:sld xmlns:a="http://schemas.openxmlformats.org/drawingml/2006/main" xmlns:r="http://schemas.openxmlformats.org/officeDocument/2006/relationships" xmlns:p="http://schemas.openxmlformats.org/presentationml/2006/main">
-  <p:cSld>
-    <p:spTree>
-      <p:nvGrpSpPr>
-        <p:cNvPr id="1" name=""/>
-        <p:cNvGrpSpPr/>
-        <p:nvPr/>
-      </p:nvGrpSpPr>
-      <p:grpSpPr>
-        <a:xfrm>
-          <a:off x="0" y="0"/>
-          <a:ext cx="0" cy="0"/>
-          <a:chOff x="0" y="0"/>
-          <a:chExt cx="0" cy="0"/>
-        </a:xfrm>
-      </p:grpSpPr>
-      <p:sp>
-        <p:nvSpPr>
-          <p:cNvPr id="3" name="Espace réservé du contenu 2">
-            <a:extLst>
-              <a:ext uri="{FF2B5EF4-FFF2-40B4-BE49-F238E27FC236}">
-                <a16:creationId xmlns:a16="http://schemas.microsoft.com/office/drawing/2014/main" id="{56C74CC0-09F7-DCA3-28E2-6B6EF2A5D4AD}"/>
-              </a:ext>
-            </a:extLst>
-          </p:cNvPr>
-          <p:cNvSpPr>
-            <a:spLocks noGrp="1"/>
-          </p:cNvSpPr>
-          <p:nvPr>
-            <p:ph idx="1"/>
-          </p:nvPr>
-        </p:nvSpPr>
-        <p:spPr>
-          <a:xfrm>
-            <a:off x="731713" y="-944033"/>
-            <a:ext cx="8534400" cy="3615267"/>
-          </a:xfrm>
-        </p:spPr>
-        <p:txBody>
-          <a:bodyPr/>
-          <a:lstStyle/>
-          <a:p>
-            <a:pPr marL="0" indent="0">
-              <a:buNone/>
-            </a:pPr>
-            <a:r>
-              <a:rPr lang="fr-FR" b="1" u="sng" dirty="0">
-                <a:solidFill>
-                  <a:srgbClr val="751515"/>
-                </a:solidFill>
-              </a:rPr>
-              <a:t>Site exemple: </a:t>
-            </a:r>
-          </a:p>
-          <a:p>
-            <a:pPr marL="0" indent="0">
-              <a:buNone/>
-            </a:pPr>
-            <a:r>
-              <a:rPr lang="fr-FR" dirty="0"/>
-              <a:t>			    - </a:t>
-            </a:r>
-            <a:r>
-              <a:rPr lang="fr-FR" dirty="0">
-                <a:hlinkClick r:id="rId2"/>
-              </a:rPr>
-              <a:t>https://jcocheril.wixsite.com/jacquescocheril</a:t>
-            </a:r>
-            <a:endParaRPr lang="fr-FR" dirty="0"/>
-          </a:p>
-          <a:p>
-            <a:pPr marL="0" indent="0">
-              <a:buNone/>
-            </a:pPr>
-            <a:r>
-              <a:rPr lang="fr-FR" dirty="0"/>
-              <a:t>			    - http://www.joannaflatau-leblog.com</a:t>
-            </a:r>
-          </a:p>
-        </p:txBody>
-      </p:sp>
-      <p:pic>
-        <p:nvPicPr>
-          <p:cNvPr id="4" name="Image 3">
-            <a:extLst>
-              <a:ext uri="{FF2B5EF4-FFF2-40B4-BE49-F238E27FC236}">
-                <a16:creationId xmlns:a16="http://schemas.microsoft.com/office/drawing/2014/main" id="{80EE0126-9534-3082-E0E5-1E5692A5F5C5}"/>
-              </a:ext>
-            </a:extLst>
-          </p:cNvPr>
-          <p:cNvPicPr>
-            <a:picLocks noChangeAspect="1"/>
-          </p:cNvPicPr>
-          <p:nvPr/>
-        </p:nvPicPr>
-        <p:blipFill>
-          <a:blip r:embed="rId3"/>
-          <a:stretch>
-            <a:fillRect/>
-          </a:stretch>
-        </p:blipFill>
-        <p:spPr>
-          <a:xfrm>
-            <a:off x="1799110" y="2054121"/>
-            <a:ext cx="2968536" cy="3360715"/>
-          </a:xfrm>
-          <a:prstGeom prst="rect">
-            <a:avLst/>
-          </a:prstGeom>
-        </p:spPr>
-      </p:pic>
-      <p:pic>
-        <p:nvPicPr>
-          <p:cNvPr id="6" name="Image 5">
-            <a:extLst>
-              <a:ext uri="{FF2B5EF4-FFF2-40B4-BE49-F238E27FC236}">
-                <a16:creationId xmlns:a16="http://schemas.microsoft.com/office/drawing/2014/main" id="{34F6DB7B-F8E2-424A-A393-5A62181BC917}"/>
-              </a:ext>
-            </a:extLst>
-          </p:cNvPr>
-          <p:cNvPicPr>
-            <a:picLocks noChangeAspect="1"/>
-          </p:cNvPicPr>
-          <p:nvPr/>
-        </p:nvPicPr>
-        <p:blipFill>
-          <a:blip r:embed="rId4"/>
-          <a:stretch>
-            <a:fillRect/>
-          </a:stretch>
-        </p:blipFill>
-        <p:spPr>
-          <a:xfrm>
-            <a:off x="5985164" y="2095995"/>
-            <a:ext cx="3019774" cy="3360716"/>
-          </a:xfrm>
-          <a:prstGeom prst="rect">
-            <a:avLst/>
-          </a:prstGeom>
-        </p:spPr>
-      </p:pic>
-    </p:spTree>
-    <p:extLst>
-      <p:ext uri="{BB962C8B-B14F-4D97-AF65-F5344CB8AC3E}">
-        <p14:creationId xmlns:p14="http://schemas.microsoft.com/office/powerpoint/2010/main" val="1651569058"/>
-      </p:ext>
-    </p:extLst>
-  </p:cSld>
-  <p:clrMapOvr>
-    <a:masterClrMapping/>
-  </p:clrMapOvr>
-</p:sld>
-</file>
-
-<file path=ppt/slides/slide7.xml><?xml version="1.0" encoding="utf-8"?>
 <p:sld xmlns:a="http://schemas.openxmlformats.org/drawingml/2006/main" xmlns:r="http://schemas.openxmlformats.org/officeDocument/2006/relationships" xmlns:p="http://schemas.openxmlformats.org/presentationml/2006/main">
   <p:cSld>
     <p:spTree>
@@ -10236,6 +10934,325 @@
 </p:sld>
 </file>
 
+<file path=ppt/slides/slide6.xml><?xml version="1.0" encoding="utf-8"?>
+<p:sld xmlns:a="http://schemas.openxmlformats.org/drawingml/2006/main" xmlns:r="http://schemas.openxmlformats.org/officeDocument/2006/relationships" xmlns:p="http://schemas.openxmlformats.org/presentationml/2006/main">
+  <p:cSld>
+    <p:spTree>
+      <p:nvGrpSpPr>
+        <p:cNvPr id="1" name=""/>
+        <p:cNvGrpSpPr/>
+        <p:nvPr/>
+      </p:nvGrpSpPr>
+      <p:grpSpPr>
+        <a:xfrm>
+          <a:off x="0" y="0"/>
+          <a:ext cx="0" cy="0"/>
+          <a:chOff x="0" y="0"/>
+          <a:chExt cx="0" cy="0"/>
+        </a:xfrm>
+      </p:grpSpPr>
+      <p:sp>
+        <p:nvSpPr>
+          <p:cNvPr id="6" name="ZoneTexte 5">
+            <a:extLst>
+              <a:ext uri="{FF2B5EF4-FFF2-40B4-BE49-F238E27FC236}">
+                <a16:creationId xmlns:a16="http://schemas.microsoft.com/office/drawing/2014/main" id="{C547E21B-BCB9-D52B-C5AB-7AC538003AD4}"/>
+              </a:ext>
+            </a:extLst>
+          </p:cNvPr>
+          <p:cNvSpPr txBox="1"/>
+          <p:nvPr/>
+        </p:nvSpPr>
+        <p:spPr>
+          <a:xfrm>
+            <a:off x="1050966" y="1211743"/>
+            <a:ext cx="9429008" cy="2031325"/>
+          </a:xfrm>
+          <a:prstGeom prst="rect">
+            <a:avLst/>
+          </a:prstGeom>
+          <a:noFill/>
+        </p:spPr>
+        <p:txBody>
+          <a:bodyPr wrap="square" rtlCol="0">
+            <a:spAutoFit/>
+          </a:bodyPr>
+          <a:lstStyle/>
+          <a:p>
+            <a:r>
+              <a:rPr lang="fr-FR" b="1" u="sng" dirty="0">
+                <a:solidFill>
+                  <a:srgbClr val="751515"/>
+                </a:solidFill>
+              </a:rPr>
+              <a:t>Les contraintes:</a:t>
+            </a:r>
+          </a:p>
+          <a:p>
+            <a:pPr lvl="1"/>
+            <a:r>
+              <a:rPr lang="fr-FR" dirty="0"/>
+              <a:t>- Présence d’un carrousel pour visionner les tableaux.</a:t>
+            </a:r>
+          </a:p>
+          <a:p>
+            <a:pPr lvl="1"/>
+            <a:r>
+              <a:rPr lang="fr-FR" dirty="0"/>
+              <a:t>- Développer une base de données pour les commentaires et les tableaux.</a:t>
+            </a:r>
+          </a:p>
+          <a:p>
+            <a:pPr lvl="1"/>
+            <a:r>
+              <a:rPr lang="fr-FR" dirty="0"/>
+              <a:t>- Utilisation du HTML/CSS, JavaScript, PHP, MySQL.</a:t>
+            </a:r>
+          </a:p>
+          <a:p>
+            <a:pPr lvl="1"/>
+            <a:r>
+              <a:rPr lang="fr-FR" dirty="0"/>
+              <a:t>- Assurer la maintenance, l’hébergement du site.</a:t>
+            </a:r>
+          </a:p>
+          <a:p>
+            <a:pPr lvl="1"/>
+            <a:r>
+              <a:rPr lang="fr-FR" dirty="0"/>
+              <a:t>- Petite formation pour l’ajout des tableaux.</a:t>
+            </a:r>
+          </a:p>
+          <a:p>
+            <a:endParaRPr lang="fr-FR" dirty="0"/>
+          </a:p>
+        </p:txBody>
+      </p:sp>
+      <p:sp>
+        <p:nvSpPr>
+          <p:cNvPr id="7" name="ZoneTexte 6">
+            <a:extLst>
+              <a:ext uri="{FF2B5EF4-FFF2-40B4-BE49-F238E27FC236}">
+                <a16:creationId xmlns:a16="http://schemas.microsoft.com/office/drawing/2014/main" id="{57C6970D-45B3-E42A-42FC-07A833CD706F}"/>
+              </a:ext>
+            </a:extLst>
+          </p:cNvPr>
+          <p:cNvSpPr txBox="1"/>
+          <p:nvPr/>
+        </p:nvSpPr>
+        <p:spPr>
+          <a:xfrm>
+            <a:off x="1050966" y="3614932"/>
+            <a:ext cx="9619013" cy="1200329"/>
+          </a:xfrm>
+          <a:prstGeom prst="rect">
+            <a:avLst/>
+          </a:prstGeom>
+          <a:noFill/>
+        </p:spPr>
+        <p:txBody>
+          <a:bodyPr wrap="square" rtlCol="0">
+            <a:spAutoFit/>
+          </a:bodyPr>
+          <a:lstStyle/>
+          <a:p>
+            <a:r>
+              <a:rPr lang="fr-FR" b="1" u="sng" dirty="0">
+                <a:solidFill>
+                  <a:srgbClr val="751515"/>
+                </a:solidFill>
+              </a:rPr>
+              <a:t>Les contraintes légales:</a:t>
+            </a:r>
+          </a:p>
+          <a:p>
+            <a:r>
+              <a:rPr lang="fr-FR" dirty="0"/>
+              <a:t>	- Propriétaires du site Mr Soulier.</a:t>
+            </a:r>
+          </a:p>
+          <a:p>
+            <a:r>
+              <a:rPr lang="fr-FR" dirty="0"/>
+              <a:t>	- Maquettage, intégrations ainsi que le code source appartiennent à Mr Pierrot.</a:t>
+            </a:r>
+          </a:p>
+          <a:p>
+            <a:r>
+              <a:rPr lang="fr-FR" dirty="0"/>
+              <a:t>	</a:t>
+            </a:r>
+          </a:p>
+        </p:txBody>
+      </p:sp>
+    </p:spTree>
+    <p:extLst>
+      <p:ext uri="{BB962C8B-B14F-4D97-AF65-F5344CB8AC3E}">
+        <p14:creationId xmlns:p14="http://schemas.microsoft.com/office/powerpoint/2010/main" val="1279676495"/>
+      </p:ext>
+    </p:extLst>
+  </p:cSld>
+  <p:clrMapOvr>
+    <a:masterClrMapping/>
+  </p:clrMapOvr>
+</p:sld>
+</file>
+
+<file path=ppt/slides/slide7.xml><?xml version="1.0" encoding="utf-8"?>
+<p:sld xmlns:a="http://schemas.openxmlformats.org/drawingml/2006/main" xmlns:r="http://schemas.openxmlformats.org/officeDocument/2006/relationships" xmlns:p="http://schemas.openxmlformats.org/presentationml/2006/main">
+  <p:cSld>
+    <p:spTree>
+      <p:nvGrpSpPr>
+        <p:cNvPr id="1" name=""/>
+        <p:cNvGrpSpPr/>
+        <p:nvPr/>
+      </p:nvGrpSpPr>
+      <p:grpSpPr>
+        <a:xfrm>
+          <a:off x="0" y="0"/>
+          <a:ext cx="0" cy="0"/>
+          <a:chOff x="0" y="0"/>
+          <a:chExt cx="0" cy="0"/>
+        </a:xfrm>
+      </p:grpSpPr>
+      <p:sp>
+        <p:nvSpPr>
+          <p:cNvPr id="3" name="Espace réservé du contenu 2">
+            <a:extLst>
+              <a:ext uri="{FF2B5EF4-FFF2-40B4-BE49-F238E27FC236}">
+                <a16:creationId xmlns:a16="http://schemas.microsoft.com/office/drawing/2014/main" id="{56C74CC0-09F7-DCA3-28E2-6B6EF2A5D4AD}"/>
+              </a:ext>
+            </a:extLst>
+          </p:cNvPr>
+          <p:cNvSpPr>
+            <a:spLocks noGrp="1"/>
+          </p:cNvSpPr>
+          <p:nvPr>
+            <p:ph idx="1"/>
+          </p:nvPr>
+        </p:nvSpPr>
+        <p:spPr>
+          <a:xfrm>
+            <a:off x="731713" y="-944033"/>
+            <a:ext cx="8534400" cy="3615267"/>
+          </a:xfrm>
+        </p:spPr>
+        <p:txBody>
+          <a:bodyPr/>
+          <a:lstStyle/>
+          <a:p>
+            <a:pPr marL="0" indent="0">
+              <a:buNone/>
+            </a:pPr>
+            <a:r>
+              <a:rPr lang="fr-FR" b="1" u="sng" dirty="0">
+                <a:solidFill>
+                  <a:srgbClr val="751515"/>
+                </a:solidFill>
+              </a:rPr>
+              <a:t>Site exemple: </a:t>
+            </a:r>
+          </a:p>
+          <a:p>
+            <a:pPr marL="0" indent="0">
+              <a:buNone/>
+            </a:pPr>
+            <a:r>
+              <a:rPr lang="fr-FR" dirty="0"/>
+              <a:t>			    - </a:t>
+            </a:r>
+            <a:r>
+              <a:rPr lang="fr-FR" dirty="0">
+                <a:hlinkClick r:id="rId2"/>
+              </a:rPr>
+              <a:t>https://jcocheril.wixsite.com/jacquescocheril</a:t>
+            </a:r>
+            <a:endParaRPr lang="fr-FR" dirty="0"/>
+          </a:p>
+          <a:p>
+            <a:pPr marL="0" indent="0">
+              <a:buNone/>
+            </a:pPr>
+            <a:r>
+              <a:rPr lang="fr-FR" dirty="0"/>
+              <a:t>			    - http://www.joannaflatau-leblog.com</a:t>
+            </a:r>
+          </a:p>
+        </p:txBody>
+      </p:sp>
+      <p:pic>
+        <p:nvPicPr>
+          <p:cNvPr id="4" name="Image 3">
+            <a:extLst>
+              <a:ext uri="{FF2B5EF4-FFF2-40B4-BE49-F238E27FC236}">
+                <a16:creationId xmlns:a16="http://schemas.microsoft.com/office/drawing/2014/main" id="{80EE0126-9534-3082-E0E5-1E5692A5F5C5}"/>
+              </a:ext>
+            </a:extLst>
+          </p:cNvPr>
+          <p:cNvPicPr>
+            <a:picLocks noChangeAspect="1"/>
+          </p:cNvPicPr>
+          <p:nvPr/>
+        </p:nvPicPr>
+        <p:blipFill>
+          <a:blip r:embed="rId3"/>
+          <a:stretch>
+            <a:fillRect/>
+          </a:stretch>
+        </p:blipFill>
+        <p:spPr>
+          <a:xfrm>
+            <a:off x="1799110" y="2054121"/>
+            <a:ext cx="2968536" cy="3360715"/>
+          </a:xfrm>
+          <a:prstGeom prst="rect">
+            <a:avLst/>
+          </a:prstGeom>
+        </p:spPr>
+      </p:pic>
+      <p:pic>
+        <p:nvPicPr>
+          <p:cNvPr id="6" name="Image 5">
+            <a:extLst>
+              <a:ext uri="{FF2B5EF4-FFF2-40B4-BE49-F238E27FC236}">
+                <a16:creationId xmlns:a16="http://schemas.microsoft.com/office/drawing/2014/main" id="{34F6DB7B-F8E2-424A-A393-5A62181BC917}"/>
+              </a:ext>
+            </a:extLst>
+          </p:cNvPr>
+          <p:cNvPicPr>
+            <a:picLocks noChangeAspect="1"/>
+          </p:cNvPicPr>
+          <p:nvPr/>
+        </p:nvPicPr>
+        <p:blipFill>
+          <a:blip r:embed="rId4"/>
+          <a:stretch>
+            <a:fillRect/>
+          </a:stretch>
+        </p:blipFill>
+        <p:spPr>
+          <a:xfrm>
+            <a:off x="5985164" y="2095995"/>
+            <a:ext cx="3019774" cy="3360716"/>
+          </a:xfrm>
+          <a:prstGeom prst="rect">
+            <a:avLst/>
+          </a:prstGeom>
+        </p:spPr>
+      </p:pic>
+    </p:spTree>
+    <p:extLst>
+      <p:ext uri="{BB962C8B-B14F-4D97-AF65-F5344CB8AC3E}">
+        <p14:creationId xmlns:p14="http://schemas.microsoft.com/office/powerpoint/2010/main" val="1651569058"/>
+      </p:ext>
+    </p:extLst>
+  </p:cSld>
+  <p:clrMapOvr>
+    <a:masterClrMapping/>
+  </p:clrMapOvr>
+</p:sld>
+</file>
+
 <file path=ppt/slides/slide8.xml><?xml version="1.0" encoding="utf-8"?>
 <p:sld xmlns:a="http://schemas.openxmlformats.org/drawingml/2006/main" xmlns:r="http://schemas.openxmlformats.org/officeDocument/2006/relationships" xmlns:p="http://schemas.openxmlformats.org/presentationml/2006/main">
   <p:cSld>
@@ -10253,52 +11270,12 @@
           <a:chExt cx="0" cy="0"/>
         </a:xfrm>
       </p:grpSpPr>
-      <p:sp>
-        <p:nvSpPr>
-          <p:cNvPr id="3" name="Espace réservé du contenu 2">
+      <p:pic>
+        <p:nvPicPr>
+          <p:cNvPr id="5" name="Image 4">
             <a:extLst>
               <a:ext uri="{FF2B5EF4-FFF2-40B4-BE49-F238E27FC236}">
-                <a16:creationId xmlns:a16="http://schemas.microsoft.com/office/drawing/2014/main" id="{2F4828E4-7313-5F64-2274-5E5DC1C0E42B}"/>
-              </a:ext>
-            </a:extLst>
-          </p:cNvPr>
-          <p:cNvSpPr>
-            <a:spLocks noGrp="1"/>
-          </p:cNvSpPr>
-          <p:nvPr>
-            <p:ph idx="1"/>
-          </p:nvPr>
-        </p:nvSpPr>
-        <p:spPr>
-          <a:xfrm>
-            <a:off x="684212" y="685800"/>
-            <a:ext cx="2345182" cy="813391"/>
-          </a:xfrm>
-        </p:spPr>
-        <p:txBody>
-          <a:bodyPr/>
-          <a:lstStyle/>
-          <a:p>
-            <a:pPr marL="0" indent="0">
-              <a:buNone/>
-            </a:pPr>
-            <a:r>
-              <a:rPr lang="fr-FR" b="1" u="sng" dirty="0">
-                <a:solidFill>
-                  <a:srgbClr val="751515"/>
-                </a:solidFill>
-              </a:rPr>
-              <a:t>Maquettage:</a:t>
-            </a:r>
-          </a:p>
-        </p:txBody>
-      </p:sp>
-      <p:pic>
-        <p:nvPicPr>
-          <p:cNvPr id="6" name="Image 5">
-            <a:extLst>
-              <a:ext uri="{FF2B5EF4-FFF2-40B4-BE49-F238E27FC236}">
-                <a16:creationId xmlns:a16="http://schemas.microsoft.com/office/drawing/2014/main" id="{B4C03A27-D96A-548C-36FB-4BCF8E2D5090}"/>
+                <a16:creationId xmlns:a16="http://schemas.microsoft.com/office/drawing/2014/main" id="{D1BCB135-8320-99DB-A8A5-443A048CFAD9}"/>
               </a:ext>
             </a:extLst>
           </p:cNvPr>
@@ -10315,18 +11292,309 @@
         </p:blipFill>
         <p:spPr>
           <a:xfrm>
-            <a:off x="3127633" y="1848018"/>
-            <a:ext cx="4985009" cy="3161963"/>
+            <a:off x="669658" y="1092158"/>
+            <a:ext cx="5155190" cy="3725408"/>
           </a:xfrm>
           <a:prstGeom prst="rect">
             <a:avLst/>
           </a:prstGeom>
         </p:spPr>
       </p:pic>
+      <p:sp>
+        <p:nvSpPr>
+          <p:cNvPr id="6" name="ZoneTexte 5">
+            <a:extLst>
+              <a:ext uri="{FF2B5EF4-FFF2-40B4-BE49-F238E27FC236}">
+                <a16:creationId xmlns:a16="http://schemas.microsoft.com/office/drawing/2014/main" id="{59101B24-B94B-C392-C424-D95FDA322356}"/>
+              </a:ext>
+            </a:extLst>
+          </p:cNvPr>
+          <p:cNvSpPr txBox="1"/>
+          <p:nvPr/>
+        </p:nvSpPr>
+        <p:spPr>
+          <a:xfrm>
+            <a:off x="748145" y="154379"/>
+            <a:ext cx="4399808" cy="646331"/>
+          </a:xfrm>
+          <a:prstGeom prst="rect">
+            <a:avLst/>
+          </a:prstGeom>
+          <a:noFill/>
+        </p:spPr>
+        <p:txBody>
+          <a:bodyPr wrap="square" rtlCol="0">
+            <a:spAutoFit/>
+          </a:bodyPr>
+          <a:lstStyle/>
+          <a:p>
+            <a:r>
+              <a:rPr lang="fr-FR" b="1" u="sng" dirty="0" err="1">
+                <a:solidFill>
+                  <a:srgbClr val="8F1919"/>
+                </a:solidFill>
+              </a:rPr>
+              <a:t>Usecase</a:t>
+            </a:r>
+            <a:r>
+              <a:rPr lang="fr-FR" b="1" u="sng" dirty="0">
+                <a:solidFill>
+                  <a:srgbClr val="8F1919"/>
+                </a:solidFill>
+              </a:rPr>
+              <a:t>:</a:t>
+            </a:r>
+            <a:r>
+              <a:rPr lang="fr-FR" b="1" dirty="0">
+                <a:solidFill>
+                  <a:srgbClr val="8F1919"/>
+                </a:solidFill>
+              </a:rPr>
+              <a:t>  </a:t>
+            </a:r>
+            <a:r>
+              <a:rPr lang="fr-FR" dirty="0">
+                <a:solidFill>
+                  <a:schemeClr val="bg1"/>
+                </a:solidFill>
+              </a:rPr>
+              <a:t>définie les interactions entre les acteurs et le système</a:t>
+            </a:r>
+            <a:endParaRPr lang="fr-FR" b="1" u="sng" dirty="0">
+              <a:solidFill>
+                <a:srgbClr val="8F1919"/>
+              </a:solidFill>
+            </a:endParaRPr>
+          </a:p>
+        </p:txBody>
+      </p:sp>
+      <p:sp>
+        <p:nvSpPr>
+          <p:cNvPr id="7" name="ZoneTexte 6">
+            <a:extLst>
+              <a:ext uri="{FF2B5EF4-FFF2-40B4-BE49-F238E27FC236}">
+                <a16:creationId xmlns:a16="http://schemas.microsoft.com/office/drawing/2014/main" id="{AE857B4E-8153-4529-C16D-2C07F4B75BA2}"/>
+              </a:ext>
+            </a:extLst>
+          </p:cNvPr>
+          <p:cNvSpPr txBox="1"/>
+          <p:nvPr/>
+        </p:nvSpPr>
+        <p:spPr>
+          <a:xfrm>
+            <a:off x="6852062" y="1033153"/>
+            <a:ext cx="4714504" cy="3754874"/>
+          </a:xfrm>
+          <a:prstGeom prst="rect">
+            <a:avLst/>
+          </a:prstGeom>
+          <a:noFill/>
+        </p:spPr>
+        <p:txBody>
+          <a:bodyPr wrap="square" rtlCol="0">
+            <a:spAutoFit/>
+          </a:bodyPr>
+          <a:lstStyle/>
+          <a:p>
+            <a:r>
+              <a:rPr lang="fr-FR" sz="1400" dirty="0">
+                <a:solidFill>
+                  <a:schemeClr val="bg1"/>
+                </a:solidFill>
+              </a:rPr>
+              <a:t>2 acteurs: Le visiteur et l’administrateur.</a:t>
+            </a:r>
+          </a:p>
+          <a:p>
+            <a:endParaRPr lang="fr-FR" sz="1400" dirty="0">
+              <a:solidFill>
+                <a:schemeClr val="bg1"/>
+              </a:solidFill>
+            </a:endParaRPr>
+          </a:p>
+          <a:p>
+            <a:r>
+              <a:rPr lang="fr-FR" sz="1400" dirty="0">
+                <a:solidFill>
+                  <a:schemeClr val="bg1"/>
+                </a:solidFill>
+              </a:rPr>
+              <a:t>Le visiteur doit pouvoir :</a:t>
+            </a:r>
+          </a:p>
+          <a:p>
+            <a:r>
+              <a:rPr lang="fr-FR" sz="1400" dirty="0">
+                <a:solidFill>
+                  <a:schemeClr val="bg1"/>
+                </a:solidFill>
+              </a:rPr>
+              <a:t>-     Naviguer entre les pages du site</a:t>
+            </a:r>
+          </a:p>
+          <a:p>
+            <a:pPr marL="285750" indent="-285750">
+              <a:buFontTx/>
+              <a:buChar char="-"/>
+            </a:pPr>
+            <a:r>
+              <a:rPr lang="fr-FR" sz="1400" dirty="0">
+                <a:solidFill>
+                  <a:schemeClr val="bg1"/>
+                </a:solidFill>
+              </a:rPr>
+              <a:t>Déposer un avis sur le dernier tableau</a:t>
+            </a:r>
+          </a:p>
+          <a:p>
+            <a:pPr marL="285750" indent="-285750">
+              <a:buFontTx/>
+              <a:buChar char="-"/>
+            </a:pPr>
+            <a:r>
+              <a:rPr lang="fr-FR" sz="1400" dirty="0">
+                <a:solidFill>
+                  <a:schemeClr val="bg1"/>
+                </a:solidFill>
+              </a:rPr>
+              <a:t>Agrandir le dernier tableau</a:t>
+            </a:r>
+          </a:p>
+          <a:p>
+            <a:pPr marL="285750" indent="-285750">
+              <a:buFontTx/>
+              <a:buChar char="-"/>
+            </a:pPr>
+            <a:r>
+              <a:rPr lang="fr-FR" sz="1400" dirty="0">
+                <a:solidFill>
+                  <a:schemeClr val="bg1"/>
+                </a:solidFill>
+              </a:rPr>
+              <a:t>Se rendre sur Facebook</a:t>
+            </a:r>
+          </a:p>
+          <a:p>
+            <a:pPr marL="285750" indent="-285750">
+              <a:buFontTx/>
+              <a:buChar char="-"/>
+            </a:pPr>
+            <a:r>
+              <a:rPr lang="fr-FR" sz="1400" dirty="0">
+                <a:solidFill>
+                  <a:schemeClr val="bg1"/>
+                </a:solidFill>
+              </a:rPr>
+              <a:t>Effectuer une demande de contact dans un formulaire</a:t>
+            </a:r>
+          </a:p>
+          <a:p>
+            <a:pPr marL="285750" indent="-285750">
+              <a:buFontTx/>
+              <a:buChar char="-"/>
+            </a:pPr>
+            <a:r>
+              <a:rPr lang="fr-FR" sz="1400" dirty="0">
+                <a:solidFill>
+                  <a:schemeClr val="bg1"/>
+                </a:solidFill>
+              </a:rPr>
+              <a:t>Visualiser les différents tableaux dans la galerie</a:t>
+            </a:r>
+          </a:p>
+          <a:p>
+            <a:endParaRPr lang="fr-FR" sz="1400" dirty="0">
+              <a:solidFill>
+                <a:schemeClr val="bg1"/>
+              </a:solidFill>
+            </a:endParaRPr>
+          </a:p>
+          <a:p>
+            <a:r>
+              <a:rPr lang="fr-FR" sz="1400" dirty="0">
+                <a:solidFill>
+                  <a:schemeClr val="bg1"/>
+                </a:solidFill>
+              </a:rPr>
+              <a:t>L’administrateur quant a lui doit pouvoir :</a:t>
+            </a:r>
+          </a:p>
+          <a:p>
+            <a:pPr marL="285750" indent="-285750">
+              <a:buFontTx/>
+              <a:buChar char="-"/>
+            </a:pPr>
+            <a:r>
+              <a:rPr lang="fr-FR" sz="1400" dirty="0">
+                <a:solidFill>
+                  <a:schemeClr val="bg1"/>
+                </a:solidFill>
+              </a:rPr>
+              <a:t>Se connecter et se déconnecter</a:t>
+            </a:r>
+          </a:p>
+          <a:p>
+            <a:pPr marL="285750" indent="-285750">
+              <a:buFontTx/>
+              <a:buChar char="-"/>
+            </a:pPr>
+            <a:r>
+              <a:rPr lang="fr-FR" sz="1400" dirty="0">
+                <a:solidFill>
+                  <a:schemeClr val="bg1"/>
+                </a:solidFill>
+              </a:rPr>
+              <a:t>Ajouter, supprimer des titres et les tableaux</a:t>
+            </a:r>
+          </a:p>
+          <a:p>
+            <a:pPr marL="285750" indent="-285750">
+              <a:buFontTx/>
+              <a:buChar char="-"/>
+            </a:pPr>
+            <a:r>
+              <a:rPr lang="fr-FR" sz="1400" dirty="0">
+                <a:solidFill>
+                  <a:schemeClr val="bg1"/>
+                </a:solidFill>
+              </a:rPr>
+              <a:t>Supprimer les avis</a:t>
+            </a:r>
+          </a:p>
+          <a:p>
+            <a:pPr marL="285750" indent="-285750">
+              <a:buFontTx/>
+              <a:buChar char="-"/>
+            </a:pPr>
+            <a:r>
+              <a:rPr lang="fr-FR" sz="1400" dirty="0">
+                <a:solidFill>
+                  <a:schemeClr val="bg1"/>
+                </a:solidFill>
+              </a:rPr>
+              <a:t>Changer le dernier tableau</a:t>
+            </a:r>
+          </a:p>
+          <a:p>
+            <a:pPr marL="285750" indent="-285750">
+              <a:buFontTx/>
+              <a:buChar char="-"/>
+            </a:pPr>
+            <a:r>
+              <a:rPr lang="fr-FR" sz="1400" dirty="0">
+                <a:solidFill>
+                  <a:schemeClr val="bg1"/>
+                </a:solidFill>
+              </a:rPr>
+              <a:t>Recevoir les demandes de contact</a:t>
+            </a:r>
+          </a:p>
+        </p:txBody>
+      </p:sp>
     </p:spTree>
     <p:extLst>
       <p:ext uri="{BB962C8B-B14F-4D97-AF65-F5344CB8AC3E}">
-        <p14:creationId xmlns:p14="http://schemas.microsoft.com/office/powerpoint/2010/main" val="2417484879"/>
+        <p14:creationId xmlns:p14="http://schemas.microsoft.com/office/powerpoint/2010/main" val="672800375"/>
       </p:ext>
     </p:extLst>
   </p:cSld>
@@ -10353,59 +11621,12 @@
           <a:chExt cx="0" cy="0"/>
         </a:xfrm>
       </p:grpSpPr>
-      <p:sp>
-        <p:nvSpPr>
-          <p:cNvPr id="4" name="ZoneTexte 3">
+      <p:pic>
+        <p:nvPicPr>
+          <p:cNvPr id="5" name="Image 4">
             <a:extLst>
               <a:ext uri="{FF2B5EF4-FFF2-40B4-BE49-F238E27FC236}">
-                <a16:creationId xmlns:a16="http://schemas.microsoft.com/office/drawing/2014/main" id="{4621F259-1F04-9B5A-8812-4A8DDED1E49B}"/>
-              </a:ext>
-            </a:extLst>
-          </p:cNvPr>
-          <p:cNvSpPr txBox="1"/>
-          <p:nvPr/>
-        </p:nvSpPr>
-        <p:spPr>
-          <a:xfrm>
-            <a:off x="691116" y="265814"/>
-            <a:ext cx="2392325" cy="400110"/>
-          </a:xfrm>
-          <a:prstGeom prst="rect">
-            <a:avLst/>
-          </a:prstGeom>
-          <a:noFill/>
-        </p:spPr>
-        <p:txBody>
-          <a:bodyPr wrap="square" rtlCol="0">
-            <a:spAutoFit/>
-          </a:bodyPr>
-          <a:lstStyle/>
-          <a:p>
-            <a:r>
-              <a:rPr lang="fr-FR" sz="2000" b="1" u="sng" dirty="0">
-                <a:solidFill>
-                  <a:srgbClr val="8F1919"/>
-                </a:solidFill>
-              </a:rPr>
-              <a:t>Zoning</a:t>
-            </a:r>
-            <a:r>
-              <a:rPr lang="fr-FR" b="1" u="sng" dirty="0">
-                <a:solidFill>
-                  <a:srgbClr val="8F1919"/>
-                </a:solidFill>
-              </a:rPr>
-              <a:t>:</a:t>
-            </a:r>
-          </a:p>
-        </p:txBody>
-      </p:sp>
-      <p:pic>
-        <p:nvPicPr>
-          <p:cNvPr id="6" name="Image 5">
-            <a:extLst>
-              <a:ext uri="{FF2B5EF4-FFF2-40B4-BE49-F238E27FC236}">
-                <a16:creationId xmlns:a16="http://schemas.microsoft.com/office/drawing/2014/main" id="{29F5E604-492A-EDF3-526D-8A44DE1EFCA6}"/>
+                <a16:creationId xmlns:a16="http://schemas.microsoft.com/office/drawing/2014/main" id="{DE0F499C-C88C-B39D-0BFE-0E2242BD77A3}"/>
               </a:ext>
             </a:extLst>
           </p:cNvPr>
@@ -10422,48 +11643,143 @@
         </p:blipFill>
         <p:spPr>
           <a:xfrm>
-            <a:off x="344339" y="1071274"/>
-            <a:ext cx="5772084" cy="3926028"/>
+            <a:off x="377287" y="937549"/>
+            <a:ext cx="7367676" cy="5545478"/>
           </a:xfrm>
           <a:prstGeom prst="rect">
             <a:avLst/>
           </a:prstGeom>
         </p:spPr>
       </p:pic>
-      <p:pic>
-        <p:nvPicPr>
-          <p:cNvPr id="8" name="Image 7">
+      <p:sp>
+        <p:nvSpPr>
+          <p:cNvPr id="6" name="ZoneTexte 5">
             <a:extLst>
               <a:ext uri="{FF2B5EF4-FFF2-40B4-BE49-F238E27FC236}">
-                <a16:creationId xmlns:a16="http://schemas.microsoft.com/office/drawing/2014/main" id="{FFBFA800-E64C-3C3F-131C-0BD211A751BB}"/>
+                <a16:creationId xmlns:a16="http://schemas.microsoft.com/office/drawing/2014/main" id="{CD1B6325-899A-1D68-CB50-28E3B86F818A}"/>
               </a:ext>
             </a:extLst>
           </p:cNvPr>
-          <p:cNvPicPr>
-            <a:picLocks noChangeAspect="1"/>
-          </p:cNvPicPr>
+          <p:cNvSpPr txBox="1"/>
           <p:nvPr/>
-        </p:nvPicPr>
-        <p:blipFill>
-          <a:blip r:embed="rId3"/>
-          <a:stretch>
-            <a:fillRect/>
-          </a:stretch>
-        </p:blipFill>
+        </p:nvSpPr>
         <p:spPr>
           <a:xfrm>
-            <a:off x="6407016" y="1071274"/>
-            <a:ext cx="5751942" cy="3926028"/>
+            <a:off x="1407226" y="97710"/>
+            <a:ext cx="5771407" cy="646331"/>
           </a:xfrm>
           <a:prstGeom prst="rect">
             <a:avLst/>
           </a:prstGeom>
+          <a:noFill/>
         </p:spPr>
-      </p:pic>
+        <p:txBody>
+          <a:bodyPr wrap="square" rtlCol="0">
+            <a:spAutoFit/>
+          </a:bodyPr>
+          <a:lstStyle/>
+          <a:p>
+            <a:r>
+              <a:rPr lang="fr-FR" b="1" u="sng" dirty="0">
+                <a:solidFill>
+                  <a:srgbClr val="8F1919"/>
+                </a:solidFill>
+              </a:rPr>
+              <a:t>Diagramme d’activité:</a:t>
+            </a:r>
+            <a:r>
+              <a:rPr lang="fr-FR" dirty="0">
+                <a:solidFill>
+                  <a:srgbClr val="8F1919"/>
+                </a:solidFill>
+              </a:rPr>
+              <a:t>  </a:t>
+            </a:r>
+            <a:r>
+              <a:rPr lang="fr-FR" dirty="0">
+                <a:solidFill>
+                  <a:schemeClr val="bg1"/>
+                </a:solidFill>
+              </a:rPr>
+              <a:t> Illustration des activités exécutées par le SI ici </a:t>
+            </a:r>
+            <a:r>
+              <a:rPr lang="fr-FR" dirty="0">
+                <a:solidFill>
+                  <a:schemeClr val="bg1"/>
+                </a:solidFill>
+                <a:effectLst>
+                  <a:outerShdw blurRad="38100" dist="38100" dir="2700000" algn="tl">
+                    <a:srgbClr val="000000">
+                      <a:alpha val="43137"/>
+                    </a:srgbClr>
+                  </a:outerShdw>
+                </a:effectLst>
+              </a:rPr>
+              <a:t>suppression d’un tableau</a:t>
+            </a:r>
+          </a:p>
+        </p:txBody>
+      </p:sp>
+      <p:sp>
+        <p:nvSpPr>
+          <p:cNvPr id="7" name="ZoneTexte 6">
+            <a:extLst>
+              <a:ext uri="{FF2B5EF4-FFF2-40B4-BE49-F238E27FC236}">
+                <a16:creationId xmlns:a16="http://schemas.microsoft.com/office/drawing/2014/main" id="{9426E854-AB88-05A2-5610-8EC0A2E32C2C}"/>
+              </a:ext>
+            </a:extLst>
+          </p:cNvPr>
+          <p:cNvSpPr txBox="1"/>
+          <p:nvPr/>
+        </p:nvSpPr>
+        <p:spPr>
+          <a:xfrm>
+            <a:off x="8252749" y="1193060"/>
+            <a:ext cx="3136739" cy="5262979"/>
+          </a:xfrm>
+          <a:prstGeom prst="rect">
+            <a:avLst/>
+          </a:prstGeom>
+          <a:noFill/>
+        </p:spPr>
+        <p:txBody>
+          <a:bodyPr wrap="square" rtlCol="0">
+            <a:spAutoFit/>
+          </a:bodyPr>
+          <a:lstStyle/>
+          <a:p>
+            <a:r>
+              <a:rPr lang="fr-FR" sz="1600" dirty="0">
+                <a:solidFill>
+                  <a:schemeClr val="bg1"/>
+                </a:solidFill>
+              </a:rPr>
+              <a:t>Point de départ Le SI, permet a l’administrateur de cliquer sur un bouton supprimer un tableau, le SI va envoyer une requête select a la base de données qui renverra la liste des tableaux ou un message de défaut; l’administrateur pourra alors sélectionner le tableau a supprimer ; le SI demandera une confirmation de suppression; si non retour a la liste des tableaux, si oui envoie d’une requête </a:t>
+            </a:r>
+            <a:r>
+              <a:rPr lang="fr-FR" sz="1600" dirty="0" err="1">
+                <a:solidFill>
+                  <a:schemeClr val="bg1"/>
+                </a:solidFill>
+              </a:rPr>
+              <a:t>delete</a:t>
+            </a:r>
+            <a:r>
+              <a:rPr lang="fr-FR" sz="1600" dirty="0">
+                <a:solidFill>
+                  <a:schemeClr val="bg1"/>
+                </a:solidFill>
+              </a:rPr>
+              <a:t> a la base de données qui renverra soit un message d’erreur si il y a un problème ou un message de confirmation si la suppression a bien été faites. Point de sortie.</a:t>
+            </a:r>
+          </a:p>
+        </p:txBody>
+      </p:sp>
     </p:spTree>
     <p:extLst>
       <p:ext uri="{BB962C8B-B14F-4D97-AF65-F5344CB8AC3E}">
-        <p14:creationId xmlns:p14="http://schemas.microsoft.com/office/powerpoint/2010/main" val="244449949"/>
+        <p14:creationId xmlns:p14="http://schemas.microsoft.com/office/powerpoint/2010/main" val="2083864002"/>
       </p:ext>
     </p:extLst>
   </p:cSld>

--- a/CDC/L_artiste.pptx
+++ b/CDC/L_artiste.pptx
@@ -255,7 +255,7 @@
           <a:p>
             <a:fld id="{CE3F9B10-F744-47E1-871E-98B3AC9B3E4F}" type="datetimeFigureOut">
               <a:rPr lang="fr-FR" smtClean="0"/>
-              <a:t>06/03/2023</a:t>
+              <a:t>08/03/2023</a:t>
             </a:fld>
             <a:endParaRPr lang="fr-FR"/>
           </a:p>
@@ -664,10 +664,9 @@
           <a:bodyPr/>
           <a:lstStyle/>
           <a:p>
-            <a:fld id="{B61BEF0D-F0BB-DE4B-95CE-6DB70DBA9567}" type="datetimeFigureOut">
-              <a:rPr lang="en-US" dirty="0"/>
-              <a:pPr/>
-              <a:t>3/6/2023</a:t>
+            <a:fld id="{795B0F33-6398-43E2-B783-514E6293E97E}" type="datetime1">
+              <a:rPr lang="en-US" smtClean="0"/>
+              <a:t>3/8/2023</a:t>
             </a:fld>
             <a:endParaRPr lang="en-US" dirty="0"/>
           </a:p>
@@ -1097,10 +1096,9 @@
           <a:bodyPr/>
           <a:lstStyle/>
           <a:p>
-            <a:fld id="{B61BEF0D-F0BB-DE4B-95CE-6DB70DBA9567}" type="datetimeFigureOut">
-              <a:rPr lang="en-US" dirty="0"/>
-              <a:pPr/>
-              <a:t>3/6/2023</a:t>
+            <a:fld id="{270AED2E-2550-4305-AD46-9177EE377B20}" type="datetime1">
+              <a:rPr lang="en-US" smtClean="0"/>
+              <a:t>3/8/2023</a:t>
             </a:fld>
             <a:endParaRPr lang="en-US" dirty="0"/>
           </a:p>
@@ -1344,10 +1342,9 @@
           <a:bodyPr/>
           <a:lstStyle/>
           <a:p>
-            <a:fld id="{B61BEF0D-F0BB-DE4B-95CE-6DB70DBA9567}" type="datetimeFigureOut">
-              <a:rPr lang="en-US" dirty="0"/>
-              <a:pPr/>
-              <a:t>3/6/2023</a:t>
+            <a:fld id="{87A632E5-0FE5-4CA5-98B3-93A5B703C776}" type="datetime1">
+              <a:rPr lang="en-US" smtClean="0"/>
+              <a:t>3/8/2023</a:t>
             </a:fld>
             <a:endParaRPr lang="en-US" dirty="0"/>
           </a:p>
@@ -1649,10 +1646,9 @@
           <a:bodyPr/>
           <a:lstStyle/>
           <a:p>
-            <a:fld id="{B61BEF0D-F0BB-DE4B-95CE-6DB70DBA9567}" type="datetimeFigureOut">
-              <a:rPr lang="en-US" dirty="0"/>
-              <a:pPr/>
-              <a:t>3/6/2023</a:t>
+            <a:fld id="{6563236B-D1A4-4B38-953C-CBE44AAFB604}" type="datetime1">
+              <a:rPr lang="en-US" smtClean="0"/>
+              <a:t>3/8/2023</a:t>
             </a:fld>
             <a:endParaRPr lang="en-US" dirty="0"/>
           </a:p>
@@ -1964,10 +1960,9 @@
           <a:bodyPr/>
           <a:lstStyle/>
           <a:p>
-            <a:fld id="{B61BEF0D-F0BB-DE4B-95CE-6DB70DBA9567}" type="datetimeFigureOut">
-              <a:rPr lang="en-US" dirty="0"/>
-              <a:pPr/>
-              <a:t>3/6/2023</a:t>
+            <a:fld id="{AF12EEA3-159D-4F8A-9B05-5065548C93FE}" type="datetime1">
+              <a:rPr lang="en-US" smtClean="0"/>
+              <a:t>3/8/2023</a:t>
             </a:fld>
             <a:endParaRPr lang="en-US" dirty="0"/>
           </a:p>
@@ -2263,10 +2258,9 @@
           <a:bodyPr/>
           <a:lstStyle/>
           <a:p>
-            <a:fld id="{B61BEF0D-F0BB-DE4B-95CE-6DB70DBA9567}" type="datetimeFigureOut">
-              <a:rPr lang="en-US" dirty="0"/>
-              <a:pPr/>
-              <a:t>3/6/2023</a:t>
+            <a:fld id="{5E6194DB-34B3-434A-9A89-27994F5036D6}" type="datetime1">
+              <a:rPr lang="en-US" smtClean="0"/>
+              <a:t>3/8/2023</a:t>
             </a:fld>
             <a:endParaRPr lang="en-US" dirty="0"/>
           </a:p>
@@ -2627,10 +2621,9 @@
           <a:bodyPr/>
           <a:lstStyle/>
           <a:p>
-            <a:fld id="{B61BEF0D-F0BB-DE4B-95CE-6DB70DBA9567}" type="datetimeFigureOut">
-              <a:rPr lang="en-US" dirty="0"/>
-              <a:pPr/>
-              <a:t>3/6/2023</a:t>
+            <a:fld id="{D86AD7A5-28E1-4605-A305-D41C33CC9287}" type="datetime1">
+              <a:rPr lang="en-US" smtClean="0"/>
+              <a:t>3/8/2023</a:t>
             </a:fld>
             <a:endParaRPr lang="en-US" dirty="0"/>
           </a:p>
@@ -2798,10 +2791,9 @@
           <a:bodyPr/>
           <a:lstStyle/>
           <a:p>
-            <a:fld id="{B61BEF0D-F0BB-DE4B-95CE-6DB70DBA9567}" type="datetimeFigureOut">
-              <a:rPr lang="en-US" dirty="0"/>
-              <a:pPr/>
-              <a:t>3/6/2023</a:t>
+            <a:fld id="{4E07EDF1-E9A2-491C-8826-19CBCA408BE7}" type="datetime1">
+              <a:rPr lang="en-US" smtClean="0"/>
+              <a:t>3/8/2023</a:t>
             </a:fld>
             <a:endParaRPr lang="en-US" dirty="0"/>
           </a:p>
@@ -2975,10 +2967,9 @@
           <a:bodyPr/>
           <a:lstStyle/>
           <a:p>
-            <a:fld id="{B61BEF0D-F0BB-DE4B-95CE-6DB70DBA9567}" type="datetimeFigureOut">
-              <a:rPr lang="en-US" dirty="0"/>
-              <a:pPr/>
-              <a:t>3/6/2023</a:t>
+            <a:fld id="{8D992E7E-E44A-4B25-9BC1-A150740391BE}" type="datetime1">
+              <a:rPr lang="en-US" smtClean="0"/>
+              <a:t>3/8/2023</a:t>
             </a:fld>
             <a:endParaRPr lang="en-US" dirty="0"/>
           </a:p>
@@ -3142,10 +3133,9 @@
           <a:bodyPr/>
           <a:lstStyle/>
           <a:p>
-            <a:fld id="{B61BEF0D-F0BB-DE4B-95CE-6DB70DBA9567}" type="datetimeFigureOut">
-              <a:rPr lang="en-US" dirty="0"/>
-              <a:pPr/>
-              <a:t>3/6/2023</a:t>
+            <a:fld id="{BAA9BD18-2FFD-4FD8-AC2D-AB11B750B8BB}" type="datetime1">
+              <a:rPr lang="en-US" smtClean="0"/>
+              <a:t>3/8/2023</a:t>
             </a:fld>
             <a:endParaRPr lang="en-US" dirty="0"/>
           </a:p>
@@ -3389,10 +3379,9 @@
           <a:bodyPr/>
           <a:lstStyle/>
           <a:p>
-            <a:fld id="{B61BEF0D-F0BB-DE4B-95CE-6DB70DBA9567}" type="datetimeFigureOut">
-              <a:rPr lang="en-US" dirty="0"/>
-              <a:pPr/>
-              <a:t>3/6/2023</a:t>
+            <a:fld id="{501B211B-C5F7-4692-9103-D612D8C54866}" type="datetime1">
+              <a:rPr lang="en-US" smtClean="0"/>
+              <a:t>3/8/2023</a:t>
             </a:fld>
             <a:endParaRPr lang="en-US" dirty="0"/>
           </a:p>
@@ -3622,10 +3611,9 @@
           <a:bodyPr/>
           <a:lstStyle/>
           <a:p>
-            <a:fld id="{B61BEF0D-F0BB-DE4B-95CE-6DB70DBA9567}" type="datetimeFigureOut">
-              <a:rPr lang="en-US" dirty="0"/>
-              <a:pPr/>
-              <a:t>3/6/2023</a:t>
+            <a:fld id="{A79DAFCD-D21F-45E6-8176-EA21AE5EA4A9}" type="datetime1">
+              <a:rPr lang="en-US" smtClean="0"/>
+              <a:t>3/8/2023</a:t>
             </a:fld>
             <a:endParaRPr lang="en-US" dirty="0"/>
           </a:p>
@@ -4001,10 +3989,9 @@
           <a:bodyPr/>
           <a:lstStyle/>
           <a:p>
-            <a:fld id="{B61BEF0D-F0BB-DE4B-95CE-6DB70DBA9567}" type="datetimeFigureOut">
-              <a:rPr lang="en-US" dirty="0"/>
-              <a:pPr/>
-              <a:t>3/6/2023</a:t>
+            <a:fld id="{0678A836-37FA-43B4-8622-D2D43F13CF23}" type="datetime1">
+              <a:rPr lang="en-US" smtClean="0"/>
+              <a:t>3/8/2023</a:t>
             </a:fld>
             <a:endParaRPr lang="en-US" dirty="0"/>
           </a:p>
@@ -4116,10 +4103,9 @@
           <a:bodyPr/>
           <a:lstStyle/>
           <a:p>
-            <a:fld id="{B61BEF0D-F0BB-DE4B-95CE-6DB70DBA9567}" type="datetimeFigureOut">
-              <a:rPr lang="en-US" dirty="0"/>
-              <a:pPr/>
-              <a:t>3/6/2023</a:t>
+            <a:fld id="{30C44C70-21C1-4E34-A740-6CA8CED8D3F7}" type="datetime1">
+              <a:rPr lang="en-US" smtClean="0"/>
+              <a:t>3/8/2023</a:t>
             </a:fld>
             <a:endParaRPr lang="en-US" dirty="0"/>
           </a:p>
@@ -4208,10 +4194,9 @@
           <a:bodyPr/>
           <a:lstStyle/>
           <a:p>
-            <a:fld id="{B61BEF0D-F0BB-DE4B-95CE-6DB70DBA9567}" type="datetimeFigureOut">
-              <a:rPr lang="en-US" dirty="0"/>
-              <a:pPr/>
-              <a:t>3/6/2023</a:t>
+            <a:fld id="{0EDB3C2B-4C1D-416C-BC4D-A42C653629FD}" type="datetime1">
+              <a:rPr lang="en-US" smtClean="0"/>
+              <a:t>3/8/2023</a:t>
             </a:fld>
             <a:endParaRPr lang="en-US" dirty="0"/>
           </a:p>
@@ -4460,10 +4445,9 @@
           <a:bodyPr/>
           <a:lstStyle/>
           <a:p>
-            <a:fld id="{B61BEF0D-F0BB-DE4B-95CE-6DB70DBA9567}" type="datetimeFigureOut">
-              <a:rPr lang="en-US" dirty="0"/>
-              <a:pPr/>
-              <a:t>3/6/2023</a:t>
+            <a:fld id="{08BA71F5-3ED0-4982-B390-04A96C5F3C52}" type="datetime1">
+              <a:rPr lang="en-US" smtClean="0"/>
+              <a:t>3/8/2023</a:t>
             </a:fld>
             <a:endParaRPr lang="en-US" dirty="0"/>
           </a:p>
@@ -4740,10 +4724,9 @@
           <a:bodyPr/>
           <a:lstStyle/>
           <a:p>
-            <a:fld id="{B61BEF0D-F0BB-DE4B-95CE-6DB70DBA9567}" type="datetimeFigureOut">
-              <a:rPr lang="en-US" dirty="0"/>
-              <a:pPr/>
-              <a:t>3/6/2023</a:t>
+            <a:fld id="{0F6B8777-FBF0-4ACB-90E3-60548ABBEE49}" type="datetime1">
+              <a:rPr lang="en-US" smtClean="0"/>
+              <a:t>3/8/2023</a:t>
             </a:fld>
             <a:endParaRPr lang="en-US" dirty="0"/>
           </a:p>
@@ -5143,10 +5126,9 @@
             </a:lvl1pPr>
           </a:lstStyle>
           <a:p>
-            <a:fld id="{B61BEF0D-F0BB-DE4B-95CE-6DB70DBA9567}" type="datetimeFigureOut">
-              <a:rPr lang="en-US" dirty="0"/>
-              <a:pPr/>
-              <a:t>3/6/2023</a:t>
+            <a:fld id="{AE768BA4-DD45-41F2-A6B6-61791039AE84}" type="datetime1">
+              <a:rPr lang="en-US" smtClean="0"/>
+              <a:t>3/8/2023</a:t>
             </a:fld>
             <a:endParaRPr lang="en-US" dirty="0"/>
           </a:p>
@@ -5257,6 +5239,7 @@
     <p:sldLayoutId id="2147483658" r:id="rId16"/>
     <p:sldLayoutId id="2147483659" r:id="rId17"/>
   </p:sldLayoutIdLst>
+  <p:hf hdr="0" ftr="0" dt="0"/>
   <p:txStyles>
     <p:titleStyle>
       <a:lvl1pPr algn="l" defTabSz="457200" rtl="0" eaLnBrk="1" latinLnBrk="0" hangingPunct="1">
@@ -5696,7 +5679,7 @@
         <p:spPr>
           <a:xfrm>
             <a:off x="1952907" y="1491909"/>
-            <a:ext cx="3169331" cy="1092530"/>
+            <a:ext cx="4214359" cy="1092530"/>
           </a:xfrm>
         </p:spPr>
         <p:txBody>
@@ -5813,7 +5796,7 @@
         </p:blipFill>
         <p:spPr>
           <a:xfrm>
-            <a:off x="8793678" y="3324744"/>
+            <a:off x="8477794" y="3324744"/>
             <a:ext cx="3647913" cy="3611580"/>
           </a:xfrm>
           <a:prstGeom prst="rect">
@@ -5821,6 +5804,30 @@
           </a:prstGeom>
         </p:spPr>
       </p:pic>
+      <p:sp>
+        <p:nvSpPr>
+          <p:cNvPr id="5" name="Espace réservé du numéro de diapositive 4"/>
+          <p:cNvSpPr>
+            <a:spLocks noGrp="1"/>
+          </p:cNvSpPr>
+          <p:nvPr>
+            <p:ph type="sldNum" sz="quarter" idx="12"/>
+          </p:nvPr>
+        </p:nvSpPr>
+        <p:spPr/>
+        <p:txBody>
+          <a:bodyPr/>
+          <a:lstStyle/>
+          <a:p>
+            <a:fld id="{D57F1E4F-1CFF-5643-939E-217C01CDF565}" type="slidenum">
+              <a:rPr lang="en-US" smtClean="0"/>
+              <a:pPr/>
+              <a:t>1</a:t>
+            </a:fld>
+            <a:endParaRPr lang="en-US" dirty="0"/>
+          </a:p>
+        </p:txBody>
+      </p:sp>
     </p:spTree>
     <p:extLst>
       <p:ext uri="{BB962C8B-B14F-4D97-AF65-F5344CB8AC3E}">
@@ -6104,6 +6111,30 @@
           </a:p>
         </p:txBody>
       </p:sp>
+      <p:sp>
+        <p:nvSpPr>
+          <p:cNvPr id="3" name="Espace réservé du numéro de diapositive 2"/>
+          <p:cNvSpPr>
+            <a:spLocks noGrp="1"/>
+          </p:cNvSpPr>
+          <p:nvPr>
+            <p:ph type="sldNum" sz="quarter" idx="12"/>
+          </p:nvPr>
+        </p:nvSpPr>
+        <p:spPr/>
+        <p:txBody>
+          <a:bodyPr/>
+          <a:lstStyle/>
+          <a:p>
+            <a:fld id="{D57F1E4F-1CFF-5643-939E-217C01CDF565}" type="slidenum">
+              <a:rPr lang="en-US" smtClean="0"/>
+              <a:pPr/>
+              <a:t>10</a:t>
+            </a:fld>
+            <a:endParaRPr lang="en-US" dirty="0"/>
+          </a:p>
+        </p:txBody>
+      </p:sp>
     </p:spTree>
     <p:extLst>
       <p:ext uri="{BB962C8B-B14F-4D97-AF65-F5344CB8AC3E}">
@@ -6204,6 +6235,30 @@
           </a:prstGeom>
         </p:spPr>
       </p:pic>
+      <p:sp>
+        <p:nvSpPr>
+          <p:cNvPr id="4" name="Espace réservé du numéro de diapositive 3"/>
+          <p:cNvSpPr>
+            <a:spLocks noGrp="1"/>
+          </p:cNvSpPr>
+          <p:nvPr>
+            <p:ph type="sldNum" sz="quarter" idx="12"/>
+          </p:nvPr>
+        </p:nvSpPr>
+        <p:spPr/>
+        <p:txBody>
+          <a:bodyPr/>
+          <a:lstStyle/>
+          <a:p>
+            <a:fld id="{D57F1E4F-1CFF-5643-939E-217C01CDF565}" type="slidenum">
+              <a:rPr lang="en-US" smtClean="0"/>
+              <a:pPr/>
+              <a:t>11</a:t>
+            </a:fld>
+            <a:endParaRPr lang="en-US" dirty="0"/>
+          </a:p>
+        </p:txBody>
+      </p:sp>
     </p:spTree>
     <p:extLst>
       <p:ext uri="{BB962C8B-B14F-4D97-AF65-F5344CB8AC3E}">
@@ -6583,6 +6638,30 @@
               <a:rPr lang="fr-FR" sz="800" dirty="0"/>
               <a:t>#650900</a:t>
             </a:r>
+          </a:p>
+        </p:txBody>
+      </p:sp>
+      <p:sp>
+        <p:nvSpPr>
+          <p:cNvPr id="10" name="Espace réservé du numéro de diapositive 9"/>
+          <p:cNvSpPr>
+            <a:spLocks noGrp="1"/>
+          </p:cNvSpPr>
+          <p:nvPr>
+            <p:ph type="sldNum" sz="quarter" idx="12"/>
+          </p:nvPr>
+        </p:nvSpPr>
+        <p:spPr/>
+        <p:txBody>
+          <a:bodyPr/>
+          <a:lstStyle/>
+          <a:p>
+            <a:fld id="{D57F1E4F-1CFF-5643-939E-217C01CDF565}" type="slidenum">
+              <a:rPr lang="en-US" smtClean="0"/>
+              <a:pPr/>
+              <a:t>12</a:t>
+            </a:fld>
+            <a:endParaRPr lang="en-US" dirty="0"/>
           </a:p>
         </p:txBody>
       </p:sp>
@@ -6723,6 +6802,30 @@
           </a:prstGeom>
         </p:spPr>
       </p:pic>
+      <p:sp>
+        <p:nvSpPr>
+          <p:cNvPr id="3" name="Espace réservé du numéro de diapositive 2"/>
+          <p:cNvSpPr>
+            <a:spLocks noGrp="1"/>
+          </p:cNvSpPr>
+          <p:nvPr>
+            <p:ph type="sldNum" sz="quarter" idx="12"/>
+          </p:nvPr>
+        </p:nvSpPr>
+        <p:spPr/>
+        <p:txBody>
+          <a:bodyPr/>
+          <a:lstStyle/>
+          <a:p>
+            <a:fld id="{D57F1E4F-1CFF-5643-939E-217C01CDF565}" type="slidenum">
+              <a:rPr lang="en-US" smtClean="0"/>
+              <a:pPr/>
+              <a:t>13</a:t>
+            </a:fld>
+            <a:endParaRPr lang="en-US" dirty="0"/>
+          </a:p>
+        </p:txBody>
+      </p:sp>
     </p:spTree>
     <p:extLst>
       <p:ext uri="{BB962C8B-B14F-4D97-AF65-F5344CB8AC3E}">
@@ -6822,6 +6925,30 @@
           </a:prstGeom>
         </p:spPr>
       </p:pic>
+      <p:sp>
+        <p:nvSpPr>
+          <p:cNvPr id="3" name="Espace réservé du numéro de diapositive 2"/>
+          <p:cNvSpPr>
+            <a:spLocks noGrp="1"/>
+          </p:cNvSpPr>
+          <p:nvPr>
+            <p:ph type="sldNum" sz="quarter" idx="12"/>
+          </p:nvPr>
+        </p:nvSpPr>
+        <p:spPr/>
+        <p:txBody>
+          <a:bodyPr/>
+          <a:lstStyle/>
+          <a:p>
+            <a:fld id="{D57F1E4F-1CFF-5643-939E-217C01CDF565}" type="slidenum">
+              <a:rPr lang="en-US" smtClean="0"/>
+              <a:pPr/>
+              <a:t>14</a:t>
+            </a:fld>
+            <a:endParaRPr lang="en-US" dirty="0"/>
+          </a:p>
+        </p:txBody>
+      </p:sp>
     </p:spTree>
     <p:extLst>
       <p:ext uri="{BB962C8B-B14F-4D97-AF65-F5344CB8AC3E}">
@@ -6921,6 +7048,30 @@
           </a:prstGeom>
         </p:spPr>
       </p:pic>
+      <p:sp>
+        <p:nvSpPr>
+          <p:cNvPr id="5" name="Espace réservé du numéro de diapositive 4"/>
+          <p:cNvSpPr>
+            <a:spLocks noGrp="1"/>
+          </p:cNvSpPr>
+          <p:nvPr>
+            <p:ph type="sldNum" sz="quarter" idx="12"/>
+          </p:nvPr>
+        </p:nvSpPr>
+        <p:spPr/>
+        <p:txBody>
+          <a:bodyPr/>
+          <a:lstStyle/>
+          <a:p>
+            <a:fld id="{D57F1E4F-1CFF-5643-939E-217C01CDF565}" type="slidenum">
+              <a:rPr lang="en-US" smtClean="0"/>
+              <a:pPr/>
+              <a:t>15</a:t>
+            </a:fld>
+            <a:endParaRPr lang="en-US" dirty="0"/>
+          </a:p>
+        </p:txBody>
+      </p:sp>
     </p:spTree>
     <p:extLst>
       <p:ext uri="{BB962C8B-B14F-4D97-AF65-F5344CB8AC3E}">
@@ -7036,6 +7187,30 @@
           </a:prstGeom>
         </p:spPr>
       </p:pic>
+      <p:sp>
+        <p:nvSpPr>
+          <p:cNvPr id="3" name="Espace réservé du numéro de diapositive 2"/>
+          <p:cNvSpPr>
+            <a:spLocks noGrp="1"/>
+          </p:cNvSpPr>
+          <p:nvPr>
+            <p:ph type="sldNum" sz="quarter" idx="12"/>
+          </p:nvPr>
+        </p:nvSpPr>
+        <p:spPr/>
+        <p:txBody>
+          <a:bodyPr/>
+          <a:lstStyle/>
+          <a:p>
+            <a:fld id="{D57F1E4F-1CFF-5643-939E-217C01CDF565}" type="slidenum">
+              <a:rPr lang="en-US" smtClean="0"/>
+              <a:pPr/>
+              <a:t>16</a:t>
+            </a:fld>
+            <a:endParaRPr lang="en-US" dirty="0"/>
+          </a:p>
+        </p:txBody>
+      </p:sp>
     </p:spTree>
     <p:extLst>
       <p:ext uri="{BB962C8B-B14F-4D97-AF65-F5344CB8AC3E}">
@@ -7143,6 +7318,30 @@
           </a:prstGeom>
         </p:spPr>
       </p:pic>
+      <p:sp>
+        <p:nvSpPr>
+          <p:cNvPr id="5" name="Espace réservé du numéro de diapositive 4"/>
+          <p:cNvSpPr>
+            <a:spLocks noGrp="1"/>
+          </p:cNvSpPr>
+          <p:nvPr>
+            <p:ph type="sldNum" sz="quarter" idx="12"/>
+          </p:nvPr>
+        </p:nvSpPr>
+        <p:spPr/>
+        <p:txBody>
+          <a:bodyPr/>
+          <a:lstStyle/>
+          <a:p>
+            <a:fld id="{D57F1E4F-1CFF-5643-939E-217C01CDF565}" type="slidenum">
+              <a:rPr lang="en-US" smtClean="0"/>
+              <a:pPr/>
+              <a:t>17</a:t>
+            </a:fld>
+            <a:endParaRPr lang="en-US" dirty="0"/>
+          </a:p>
+        </p:txBody>
+      </p:sp>
     </p:spTree>
     <p:extLst>
       <p:ext uri="{BB962C8B-B14F-4D97-AF65-F5344CB8AC3E}">
@@ -7250,6 +7449,30 @@
           </a:prstGeom>
         </p:spPr>
       </p:pic>
+      <p:sp>
+        <p:nvSpPr>
+          <p:cNvPr id="3" name="Espace réservé du numéro de diapositive 2"/>
+          <p:cNvSpPr>
+            <a:spLocks noGrp="1"/>
+          </p:cNvSpPr>
+          <p:nvPr>
+            <p:ph type="sldNum" sz="quarter" idx="12"/>
+          </p:nvPr>
+        </p:nvSpPr>
+        <p:spPr/>
+        <p:txBody>
+          <a:bodyPr/>
+          <a:lstStyle/>
+          <a:p>
+            <a:fld id="{D57F1E4F-1CFF-5643-939E-217C01CDF565}" type="slidenum">
+              <a:rPr lang="en-US" smtClean="0"/>
+              <a:pPr/>
+              <a:t>18</a:t>
+            </a:fld>
+            <a:endParaRPr lang="en-US" dirty="0"/>
+          </a:p>
+        </p:txBody>
+      </p:sp>
     </p:spTree>
     <p:extLst>
       <p:ext uri="{BB962C8B-B14F-4D97-AF65-F5344CB8AC3E}">
@@ -7435,6 +7658,30 @@
                 <a:schemeClr val="bg1"/>
               </a:solidFill>
             </a:endParaRPr>
+          </a:p>
+        </p:txBody>
+      </p:sp>
+      <p:sp>
+        <p:nvSpPr>
+          <p:cNvPr id="3" name="Espace réservé du numéro de diapositive 2"/>
+          <p:cNvSpPr>
+            <a:spLocks noGrp="1"/>
+          </p:cNvSpPr>
+          <p:nvPr>
+            <p:ph type="sldNum" sz="quarter" idx="12"/>
+          </p:nvPr>
+        </p:nvSpPr>
+        <p:spPr/>
+        <p:txBody>
+          <a:bodyPr/>
+          <a:lstStyle/>
+          <a:p>
+            <a:fld id="{D57F1E4F-1CFF-5643-939E-217C01CDF565}" type="slidenum">
+              <a:rPr lang="en-US" smtClean="0"/>
+              <a:pPr/>
+              <a:t>19</a:t>
+            </a:fld>
+            <a:endParaRPr lang="en-US" dirty="0"/>
           </a:p>
         </p:txBody>
       </p:sp>
@@ -7644,6 +7891,30 @@
           </a:p>
           <a:p>
             <a:endParaRPr lang="fr-FR" dirty="0"/>
+          </a:p>
+        </p:txBody>
+      </p:sp>
+      <p:sp>
+        <p:nvSpPr>
+          <p:cNvPr id="4" name="Espace réservé du numéro de diapositive 3"/>
+          <p:cNvSpPr>
+            <a:spLocks noGrp="1"/>
+          </p:cNvSpPr>
+          <p:nvPr>
+            <p:ph type="sldNum" sz="quarter" idx="12"/>
+          </p:nvPr>
+        </p:nvSpPr>
+        <p:spPr/>
+        <p:txBody>
+          <a:bodyPr/>
+          <a:lstStyle/>
+          <a:p>
+            <a:fld id="{D57F1E4F-1CFF-5643-939E-217C01CDF565}" type="slidenum">
+              <a:rPr lang="en-US" smtClean="0"/>
+              <a:pPr/>
+              <a:t>2</a:t>
+            </a:fld>
+            <a:endParaRPr lang="en-US" dirty="0"/>
           </a:p>
         </p:txBody>
       </p:sp>
@@ -9236,6 +9507,30 @@
           </a:prstGeom>
         </p:spPr>
       </p:pic>
+      <p:sp>
+        <p:nvSpPr>
+          <p:cNvPr id="3" name="Espace réservé du numéro de diapositive 2"/>
+          <p:cNvSpPr>
+            <a:spLocks noGrp="1"/>
+          </p:cNvSpPr>
+          <p:nvPr>
+            <p:ph type="sldNum" sz="quarter" idx="12"/>
+          </p:nvPr>
+        </p:nvSpPr>
+        <p:spPr/>
+        <p:txBody>
+          <a:bodyPr/>
+          <a:lstStyle/>
+          <a:p>
+            <a:fld id="{D57F1E4F-1CFF-5643-939E-217C01CDF565}" type="slidenum">
+              <a:rPr lang="en-US" smtClean="0"/>
+              <a:pPr/>
+              <a:t>20</a:t>
+            </a:fld>
+            <a:endParaRPr lang="en-US" dirty="0"/>
+          </a:p>
+        </p:txBody>
+      </p:sp>
     </p:spTree>
     <p:extLst>
       <p:ext uri="{BB962C8B-B14F-4D97-AF65-F5344CB8AC3E}">
@@ -9428,6 +9723,30 @@
           </a:prstGeom>
         </p:spPr>
       </p:pic>
+      <p:sp>
+        <p:nvSpPr>
+          <p:cNvPr id="3" name="Espace réservé du numéro de diapositive 2"/>
+          <p:cNvSpPr>
+            <a:spLocks noGrp="1"/>
+          </p:cNvSpPr>
+          <p:nvPr>
+            <p:ph type="sldNum" sz="quarter" idx="12"/>
+          </p:nvPr>
+        </p:nvSpPr>
+        <p:spPr/>
+        <p:txBody>
+          <a:bodyPr/>
+          <a:lstStyle/>
+          <a:p>
+            <a:fld id="{D57F1E4F-1CFF-5643-939E-217C01CDF565}" type="slidenum">
+              <a:rPr lang="en-US" smtClean="0"/>
+              <a:pPr/>
+              <a:t>21</a:t>
+            </a:fld>
+            <a:endParaRPr lang="en-US" dirty="0"/>
+          </a:p>
+        </p:txBody>
+      </p:sp>
     </p:spTree>
     <p:extLst>
       <p:ext uri="{BB962C8B-B14F-4D97-AF65-F5344CB8AC3E}">
@@ -9511,6 +9830,30 @@
           </a:p>
         </p:txBody>
       </p:sp>
+      <p:sp>
+        <p:nvSpPr>
+          <p:cNvPr id="4" name="Espace réservé du numéro de diapositive 3"/>
+          <p:cNvSpPr>
+            <a:spLocks noGrp="1"/>
+          </p:cNvSpPr>
+          <p:nvPr>
+            <p:ph type="sldNum" sz="quarter" idx="12"/>
+          </p:nvPr>
+        </p:nvSpPr>
+        <p:spPr/>
+        <p:txBody>
+          <a:bodyPr/>
+          <a:lstStyle/>
+          <a:p>
+            <a:fld id="{D57F1E4F-1CFF-5643-939E-217C01CDF565}" type="slidenum">
+              <a:rPr lang="en-US" smtClean="0"/>
+              <a:pPr/>
+              <a:t>22</a:t>
+            </a:fld>
+            <a:endParaRPr lang="en-US" dirty="0"/>
+          </a:p>
+        </p:txBody>
+      </p:sp>
     </p:spTree>
     <p:extLst>
       <p:ext uri="{BB962C8B-B14F-4D97-AF65-F5344CB8AC3E}">
@@ -9627,6 +9970,30 @@
           </a:p>
         </p:txBody>
       </p:sp>
+      <p:sp>
+        <p:nvSpPr>
+          <p:cNvPr id="3" name="Espace réservé du numéro de diapositive 2"/>
+          <p:cNvSpPr>
+            <a:spLocks noGrp="1"/>
+          </p:cNvSpPr>
+          <p:nvPr>
+            <p:ph type="sldNum" sz="quarter" idx="12"/>
+          </p:nvPr>
+        </p:nvSpPr>
+        <p:spPr/>
+        <p:txBody>
+          <a:bodyPr/>
+          <a:lstStyle/>
+          <a:p>
+            <a:fld id="{D57F1E4F-1CFF-5643-939E-217C01CDF565}" type="slidenum">
+              <a:rPr lang="en-US" smtClean="0"/>
+              <a:pPr/>
+              <a:t>23</a:t>
+            </a:fld>
+            <a:endParaRPr lang="en-US" dirty="0"/>
+          </a:p>
+        </p:txBody>
+      </p:sp>
     </p:spTree>
     <p:extLst>
       <p:ext uri="{BB962C8B-B14F-4D97-AF65-F5344CB8AC3E}">
@@ -9729,6 +10096,30 @@
           </a:prstGeom>
         </p:spPr>
       </p:pic>
+      <p:sp>
+        <p:nvSpPr>
+          <p:cNvPr id="3" name="Espace réservé du numéro de diapositive 2"/>
+          <p:cNvSpPr>
+            <a:spLocks noGrp="1"/>
+          </p:cNvSpPr>
+          <p:nvPr>
+            <p:ph type="sldNum" sz="quarter" idx="12"/>
+          </p:nvPr>
+        </p:nvSpPr>
+        <p:spPr/>
+        <p:txBody>
+          <a:bodyPr/>
+          <a:lstStyle/>
+          <a:p>
+            <a:fld id="{D57F1E4F-1CFF-5643-939E-217C01CDF565}" type="slidenum">
+              <a:rPr lang="en-US" smtClean="0"/>
+              <a:pPr/>
+              <a:t>24</a:t>
+            </a:fld>
+            <a:endParaRPr lang="en-US" dirty="0"/>
+          </a:p>
+        </p:txBody>
+      </p:sp>
     </p:spTree>
     <p:extLst>
       <p:ext uri="{BB962C8B-B14F-4D97-AF65-F5344CB8AC3E}">
@@ -9935,6 +10326,30 @@
           </a:prstGeom>
         </p:spPr>
       </p:pic>
+      <p:sp>
+        <p:nvSpPr>
+          <p:cNvPr id="4" name="Espace réservé du numéro de diapositive 3"/>
+          <p:cNvSpPr>
+            <a:spLocks noGrp="1"/>
+          </p:cNvSpPr>
+          <p:nvPr>
+            <p:ph type="sldNum" sz="quarter" idx="12"/>
+          </p:nvPr>
+        </p:nvSpPr>
+        <p:spPr/>
+        <p:txBody>
+          <a:bodyPr/>
+          <a:lstStyle/>
+          <a:p>
+            <a:fld id="{D57F1E4F-1CFF-5643-939E-217C01CDF565}" type="slidenum">
+              <a:rPr lang="en-US" smtClean="0"/>
+              <a:pPr/>
+              <a:t>3</a:t>
+            </a:fld>
+            <a:endParaRPr lang="en-US" dirty="0"/>
+          </a:p>
+        </p:txBody>
+      </p:sp>
     </p:spTree>
     <p:extLst>
       <p:ext uri="{BB962C8B-B14F-4D97-AF65-F5344CB8AC3E}">
@@ -10230,6 +10645,30 @@
               </a:rPr>
               <a:t>Perte du pouvoir d’achat.</a:t>
             </a:r>
+          </a:p>
+        </p:txBody>
+      </p:sp>
+      <p:sp>
+        <p:nvSpPr>
+          <p:cNvPr id="4" name="Espace réservé du numéro de diapositive 3"/>
+          <p:cNvSpPr>
+            <a:spLocks noGrp="1"/>
+          </p:cNvSpPr>
+          <p:nvPr>
+            <p:ph type="sldNum" sz="quarter" idx="12"/>
+          </p:nvPr>
+        </p:nvSpPr>
+        <p:spPr/>
+        <p:txBody>
+          <a:bodyPr/>
+          <a:lstStyle/>
+          <a:p>
+            <a:fld id="{D57F1E4F-1CFF-5643-939E-217C01CDF565}" type="slidenum">
+              <a:rPr lang="en-US" smtClean="0"/>
+              <a:pPr/>
+              <a:t>4</a:t>
+            </a:fld>
+            <a:endParaRPr lang="en-US" dirty="0"/>
           </a:p>
         </p:txBody>
       </p:sp>
@@ -10921,6 +11360,30 @@
           </p:txBody>
         </p:sp>
       </p:grpSp>
+      <p:sp>
+        <p:nvSpPr>
+          <p:cNvPr id="6" name="Espace réservé du numéro de diapositive 5"/>
+          <p:cNvSpPr>
+            <a:spLocks noGrp="1"/>
+          </p:cNvSpPr>
+          <p:nvPr>
+            <p:ph type="sldNum" sz="quarter" idx="12"/>
+          </p:nvPr>
+        </p:nvSpPr>
+        <p:spPr/>
+        <p:txBody>
+          <a:bodyPr/>
+          <a:lstStyle/>
+          <a:p>
+            <a:fld id="{D57F1E4F-1CFF-5643-939E-217C01CDF565}" type="slidenum">
+              <a:rPr lang="en-US" smtClean="0"/>
+              <a:pPr/>
+              <a:t>5</a:t>
+            </a:fld>
+            <a:endParaRPr lang="en-US" dirty="0"/>
+          </a:p>
+        </p:txBody>
+      </p:sp>
     </p:spTree>
     <p:extLst>
       <p:ext uri="{BB962C8B-B14F-4D97-AF65-F5344CB8AC3E}">
@@ -11082,6 +11545,30 @@
               <a:rPr lang="fr-FR" dirty="0"/>
               <a:t>	</a:t>
             </a:r>
+          </a:p>
+        </p:txBody>
+      </p:sp>
+      <p:sp>
+        <p:nvSpPr>
+          <p:cNvPr id="3" name="Espace réservé du numéro de diapositive 2"/>
+          <p:cNvSpPr>
+            <a:spLocks noGrp="1"/>
+          </p:cNvSpPr>
+          <p:nvPr>
+            <p:ph type="sldNum" sz="quarter" idx="12"/>
+          </p:nvPr>
+        </p:nvSpPr>
+        <p:spPr/>
+        <p:txBody>
+          <a:bodyPr/>
+          <a:lstStyle/>
+          <a:p>
+            <a:fld id="{D57F1E4F-1CFF-5643-939E-217C01CDF565}" type="slidenum">
+              <a:rPr lang="en-US" smtClean="0"/>
+              <a:pPr/>
+              <a:t>6</a:t>
+            </a:fld>
+            <a:endParaRPr lang="en-US" dirty="0"/>
           </a:p>
         </p:txBody>
       </p:sp>
@@ -11240,6 +11727,30 @@
           </a:prstGeom>
         </p:spPr>
       </p:pic>
+      <p:sp>
+        <p:nvSpPr>
+          <p:cNvPr id="5" name="Espace réservé du numéro de diapositive 4"/>
+          <p:cNvSpPr>
+            <a:spLocks noGrp="1"/>
+          </p:cNvSpPr>
+          <p:nvPr>
+            <p:ph type="sldNum" sz="quarter" idx="12"/>
+          </p:nvPr>
+        </p:nvSpPr>
+        <p:spPr/>
+        <p:txBody>
+          <a:bodyPr/>
+          <a:lstStyle/>
+          <a:p>
+            <a:fld id="{D57F1E4F-1CFF-5643-939E-217C01CDF565}" type="slidenum">
+              <a:rPr lang="en-US" smtClean="0"/>
+              <a:pPr/>
+              <a:t>7</a:t>
+            </a:fld>
+            <a:endParaRPr lang="en-US" dirty="0"/>
+          </a:p>
+        </p:txBody>
+      </p:sp>
     </p:spTree>
     <p:extLst>
       <p:ext uri="{BB962C8B-B14F-4D97-AF65-F5344CB8AC3E}">
@@ -11591,6 +12102,30 @@
           </a:p>
         </p:txBody>
       </p:sp>
+      <p:sp>
+        <p:nvSpPr>
+          <p:cNvPr id="3" name="Espace réservé du numéro de diapositive 2"/>
+          <p:cNvSpPr>
+            <a:spLocks noGrp="1"/>
+          </p:cNvSpPr>
+          <p:nvPr>
+            <p:ph type="sldNum" sz="quarter" idx="12"/>
+          </p:nvPr>
+        </p:nvSpPr>
+        <p:spPr/>
+        <p:txBody>
+          <a:bodyPr/>
+          <a:lstStyle/>
+          <a:p>
+            <a:fld id="{D57F1E4F-1CFF-5643-939E-217C01CDF565}" type="slidenum">
+              <a:rPr lang="en-US" smtClean="0"/>
+              <a:pPr/>
+              <a:t>8</a:t>
+            </a:fld>
+            <a:endParaRPr lang="en-US" dirty="0"/>
+          </a:p>
+        </p:txBody>
+      </p:sp>
     </p:spTree>
     <p:extLst>
       <p:ext uri="{BB962C8B-B14F-4D97-AF65-F5344CB8AC3E}">
@@ -11773,6 +12308,30 @@
               </a:rPr>
               <a:t> a la base de données qui renverra soit un message d’erreur si il y a un problème ou un message de confirmation si la suppression a bien été faites. Point de sortie.</a:t>
             </a:r>
+          </a:p>
+        </p:txBody>
+      </p:sp>
+      <p:sp>
+        <p:nvSpPr>
+          <p:cNvPr id="3" name="Espace réservé du numéro de diapositive 2"/>
+          <p:cNvSpPr>
+            <a:spLocks noGrp="1"/>
+          </p:cNvSpPr>
+          <p:nvPr>
+            <p:ph type="sldNum" sz="quarter" idx="12"/>
+          </p:nvPr>
+        </p:nvSpPr>
+        <p:spPr/>
+        <p:txBody>
+          <a:bodyPr/>
+          <a:lstStyle/>
+          <a:p>
+            <a:fld id="{D57F1E4F-1CFF-5643-939E-217C01CDF565}" type="slidenum">
+              <a:rPr lang="en-US" smtClean="0"/>
+              <a:pPr/>
+              <a:t>9</a:t>
+            </a:fld>
+            <a:endParaRPr lang="en-US" dirty="0"/>
           </a:p>
         </p:txBody>
       </p:sp>

--- a/CDC/L_artiste.pptx
+++ b/CDC/L_artiste.pptx
@@ -5,33 +5,36 @@
     <p:sldMasterId id="2147483648" r:id="rId1"/>
   </p:sldMasterIdLst>
   <p:notesMasterIdLst>
-    <p:notesMasterId r:id="rId26"/>
+    <p:notesMasterId r:id="rId29"/>
   </p:notesMasterIdLst>
   <p:sldIdLst>
     <p:sldId id="256" r:id="rId2"/>
-    <p:sldId id="257" r:id="rId3"/>
-    <p:sldId id="258" r:id="rId4"/>
-    <p:sldId id="259" r:id="rId5"/>
-    <p:sldId id="263" r:id="rId6"/>
-    <p:sldId id="264" r:id="rId7"/>
-    <p:sldId id="261" r:id="rId8"/>
-    <p:sldId id="274" r:id="rId9"/>
-    <p:sldId id="276" r:id="rId10"/>
-    <p:sldId id="277" r:id="rId11"/>
-    <p:sldId id="262" r:id="rId12"/>
-    <p:sldId id="260" r:id="rId13"/>
-    <p:sldId id="266" r:id="rId14"/>
-    <p:sldId id="267" r:id="rId15"/>
-    <p:sldId id="269" r:id="rId16"/>
-    <p:sldId id="268" r:id="rId17"/>
-    <p:sldId id="270" r:id="rId18"/>
-    <p:sldId id="272" r:id="rId19"/>
-    <p:sldId id="278" r:id="rId20"/>
-    <p:sldId id="279" r:id="rId21"/>
-    <p:sldId id="280" r:id="rId22"/>
-    <p:sldId id="265" r:id="rId23"/>
-    <p:sldId id="275" r:id="rId24"/>
-    <p:sldId id="273" r:id="rId25"/>
+    <p:sldId id="282" r:id="rId3"/>
+    <p:sldId id="257" r:id="rId4"/>
+    <p:sldId id="258" r:id="rId5"/>
+    <p:sldId id="259" r:id="rId6"/>
+    <p:sldId id="263" r:id="rId7"/>
+    <p:sldId id="264" r:id="rId8"/>
+    <p:sldId id="261" r:id="rId9"/>
+    <p:sldId id="274" r:id="rId10"/>
+    <p:sldId id="276" r:id="rId11"/>
+    <p:sldId id="277" r:id="rId12"/>
+    <p:sldId id="262" r:id="rId13"/>
+    <p:sldId id="260" r:id="rId14"/>
+    <p:sldId id="266" r:id="rId15"/>
+    <p:sldId id="267" r:id="rId16"/>
+    <p:sldId id="269" r:id="rId17"/>
+    <p:sldId id="268" r:id="rId18"/>
+    <p:sldId id="270" r:id="rId19"/>
+    <p:sldId id="272" r:id="rId20"/>
+    <p:sldId id="281" r:id="rId21"/>
+    <p:sldId id="283" r:id="rId22"/>
+    <p:sldId id="278" r:id="rId23"/>
+    <p:sldId id="279" r:id="rId24"/>
+    <p:sldId id="280" r:id="rId25"/>
+    <p:sldId id="265" r:id="rId26"/>
+    <p:sldId id="275" r:id="rId27"/>
+    <p:sldId id="273" r:id="rId28"/>
   </p:sldIdLst>
   <p:sldSz cx="12192000" cy="6858000"/>
   <p:notesSz cx="6858000" cy="9144000"/>
@@ -136,6 +139,7 @@
         <p14:section name="Section par défaut" id="{30FD83FE-DD4F-41E3-99BA-977709F7E92F}">
           <p14:sldIdLst>
             <p14:sldId id="256"/>
+            <p14:sldId id="282"/>
             <p14:sldId id="257"/>
             <p14:sldId id="258"/>
             <p14:sldId id="259"/>
@@ -153,6 +157,8 @@
             <p14:sldId id="268"/>
             <p14:sldId id="270"/>
             <p14:sldId id="272"/>
+            <p14:sldId id="281"/>
+            <p14:sldId id="283"/>
             <p14:sldId id="278"/>
             <p14:sldId id="279"/>
             <p14:sldId id="280"/>
@@ -255,7 +261,7 @@
           <a:p>
             <a:fld id="{CE3F9B10-F744-47E1-871E-98B3AC9B3E4F}" type="datetimeFigureOut">
               <a:rPr lang="fr-FR" smtClean="0"/>
-              <a:t>08/03/2023</a:t>
+              <a:t>09/03/2023</a:t>
             </a:fld>
             <a:endParaRPr lang="fr-FR"/>
           </a:p>
@@ -666,7 +672,7 @@
           <a:p>
             <a:fld id="{795B0F33-6398-43E2-B783-514E6293E97E}" type="datetime1">
               <a:rPr lang="en-US" smtClean="0"/>
-              <a:t>3/8/2023</a:t>
+              <a:t>3/9/2023</a:t>
             </a:fld>
             <a:endParaRPr lang="en-US" dirty="0"/>
           </a:p>
@@ -1098,7 +1104,7 @@
           <a:p>
             <a:fld id="{270AED2E-2550-4305-AD46-9177EE377B20}" type="datetime1">
               <a:rPr lang="en-US" smtClean="0"/>
-              <a:t>3/8/2023</a:t>
+              <a:t>3/9/2023</a:t>
             </a:fld>
             <a:endParaRPr lang="en-US" dirty="0"/>
           </a:p>
@@ -1344,7 +1350,7 @@
           <a:p>
             <a:fld id="{87A632E5-0FE5-4CA5-98B3-93A5B703C776}" type="datetime1">
               <a:rPr lang="en-US" smtClean="0"/>
-              <a:t>3/8/2023</a:t>
+              <a:t>3/9/2023</a:t>
             </a:fld>
             <a:endParaRPr lang="en-US" dirty="0"/>
           </a:p>
@@ -1648,7 +1654,7 @@
           <a:p>
             <a:fld id="{6563236B-D1A4-4B38-953C-CBE44AAFB604}" type="datetime1">
               <a:rPr lang="en-US" smtClean="0"/>
-              <a:t>3/8/2023</a:t>
+              <a:t>3/9/2023</a:t>
             </a:fld>
             <a:endParaRPr lang="en-US" dirty="0"/>
           </a:p>
@@ -1962,7 +1968,7 @@
           <a:p>
             <a:fld id="{AF12EEA3-159D-4F8A-9B05-5065548C93FE}" type="datetime1">
               <a:rPr lang="en-US" smtClean="0"/>
-              <a:t>3/8/2023</a:t>
+              <a:t>3/9/2023</a:t>
             </a:fld>
             <a:endParaRPr lang="en-US" dirty="0"/>
           </a:p>
@@ -2260,7 +2266,7 @@
           <a:p>
             <a:fld id="{5E6194DB-34B3-434A-9A89-27994F5036D6}" type="datetime1">
               <a:rPr lang="en-US" smtClean="0"/>
-              <a:t>3/8/2023</a:t>
+              <a:t>3/9/2023</a:t>
             </a:fld>
             <a:endParaRPr lang="en-US" dirty="0"/>
           </a:p>
@@ -2623,7 +2629,7 @@
           <a:p>
             <a:fld id="{D86AD7A5-28E1-4605-A305-D41C33CC9287}" type="datetime1">
               <a:rPr lang="en-US" smtClean="0"/>
-              <a:t>3/8/2023</a:t>
+              <a:t>3/9/2023</a:t>
             </a:fld>
             <a:endParaRPr lang="en-US" dirty="0"/>
           </a:p>
@@ -2793,7 +2799,7 @@
           <a:p>
             <a:fld id="{4E07EDF1-E9A2-491C-8826-19CBCA408BE7}" type="datetime1">
               <a:rPr lang="en-US" smtClean="0"/>
-              <a:t>3/8/2023</a:t>
+              <a:t>3/9/2023</a:t>
             </a:fld>
             <a:endParaRPr lang="en-US" dirty="0"/>
           </a:p>
@@ -2969,7 +2975,7 @@
           <a:p>
             <a:fld id="{8D992E7E-E44A-4B25-9BC1-A150740391BE}" type="datetime1">
               <a:rPr lang="en-US" smtClean="0"/>
-              <a:t>3/8/2023</a:t>
+              <a:t>3/9/2023</a:t>
             </a:fld>
             <a:endParaRPr lang="en-US" dirty="0"/>
           </a:p>
@@ -3135,7 +3141,7 @@
           <a:p>
             <a:fld id="{BAA9BD18-2FFD-4FD8-AC2D-AB11B750B8BB}" type="datetime1">
               <a:rPr lang="en-US" smtClean="0"/>
-              <a:t>3/8/2023</a:t>
+              <a:t>3/9/2023</a:t>
             </a:fld>
             <a:endParaRPr lang="en-US" dirty="0"/>
           </a:p>
@@ -3381,7 +3387,7 @@
           <a:p>
             <a:fld id="{501B211B-C5F7-4692-9103-D612D8C54866}" type="datetime1">
               <a:rPr lang="en-US" smtClean="0"/>
-              <a:t>3/8/2023</a:t>
+              <a:t>3/9/2023</a:t>
             </a:fld>
             <a:endParaRPr lang="en-US" dirty="0"/>
           </a:p>
@@ -3613,7 +3619,7 @@
           <a:p>
             <a:fld id="{A79DAFCD-D21F-45E6-8176-EA21AE5EA4A9}" type="datetime1">
               <a:rPr lang="en-US" smtClean="0"/>
-              <a:t>3/8/2023</a:t>
+              <a:t>3/9/2023</a:t>
             </a:fld>
             <a:endParaRPr lang="en-US" dirty="0"/>
           </a:p>
@@ -3991,7 +3997,7 @@
           <a:p>
             <a:fld id="{0678A836-37FA-43B4-8622-D2D43F13CF23}" type="datetime1">
               <a:rPr lang="en-US" smtClean="0"/>
-              <a:t>3/8/2023</a:t>
+              <a:t>3/9/2023</a:t>
             </a:fld>
             <a:endParaRPr lang="en-US" dirty="0"/>
           </a:p>
@@ -4105,7 +4111,7 @@
           <a:p>
             <a:fld id="{30C44C70-21C1-4E34-A740-6CA8CED8D3F7}" type="datetime1">
               <a:rPr lang="en-US" smtClean="0"/>
-              <a:t>3/8/2023</a:t>
+              <a:t>3/9/2023</a:t>
             </a:fld>
             <a:endParaRPr lang="en-US" dirty="0"/>
           </a:p>
@@ -4196,7 +4202,7 @@
           <a:p>
             <a:fld id="{0EDB3C2B-4C1D-416C-BC4D-A42C653629FD}" type="datetime1">
               <a:rPr lang="en-US" smtClean="0"/>
-              <a:t>3/8/2023</a:t>
+              <a:t>3/9/2023</a:t>
             </a:fld>
             <a:endParaRPr lang="en-US" dirty="0"/>
           </a:p>
@@ -4447,7 +4453,7 @@
           <a:p>
             <a:fld id="{08BA71F5-3ED0-4982-B390-04A96C5F3C52}" type="datetime1">
               <a:rPr lang="en-US" smtClean="0"/>
-              <a:t>3/8/2023</a:t>
+              <a:t>3/9/2023</a:t>
             </a:fld>
             <a:endParaRPr lang="en-US" dirty="0"/>
           </a:p>
@@ -4726,7 +4732,7 @@
           <a:p>
             <a:fld id="{0F6B8777-FBF0-4ACB-90E3-60548ABBEE49}" type="datetime1">
               <a:rPr lang="en-US" smtClean="0"/>
-              <a:t>3/8/2023</a:t>
+              <a:t>3/9/2023</a:t>
             </a:fld>
             <a:endParaRPr lang="en-US" dirty="0"/>
           </a:p>
@@ -5128,7 +5134,7 @@
           <a:p>
             <a:fld id="{AE768BA4-DD45-41F2-A6B6-61791039AE84}" type="datetime1">
               <a:rPr lang="en-US" smtClean="0"/>
-              <a:t>3/8/2023</a:t>
+              <a:t>3/9/2023</a:t>
             </a:fld>
             <a:endParaRPr lang="en-US" dirty="0"/>
           </a:p>
@@ -5987,6 +5993,215 @@
           <p:cNvPr id="5" name="Image 4">
             <a:extLst>
               <a:ext uri="{FF2B5EF4-FFF2-40B4-BE49-F238E27FC236}">
+                <a16:creationId xmlns:a16="http://schemas.microsoft.com/office/drawing/2014/main" id="{DE0F499C-C88C-B39D-0BFE-0E2242BD77A3}"/>
+              </a:ext>
+            </a:extLst>
+          </p:cNvPr>
+          <p:cNvPicPr>
+            <a:picLocks noChangeAspect="1"/>
+          </p:cNvPicPr>
+          <p:nvPr/>
+        </p:nvPicPr>
+        <p:blipFill>
+          <a:blip r:embed="rId2"/>
+          <a:stretch>
+            <a:fillRect/>
+          </a:stretch>
+        </p:blipFill>
+        <p:spPr>
+          <a:xfrm>
+            <a:off x="377287" y="937549"/>
+            <a:ext cx="7367676" cy="5545478"/>
+          </a:xfrm>
+          <a:prstGeom prst="rect">
+            <a:avLst/>
+          </a:prstGeom>
+        </p:spPr>
+      </p:pic>
+      <p:sp>
+        <p:nvSpPr>
+          <p:cNvPr id="6" name="ZoneTexte 5">
+            <a:extLst>
+              <a:ext uri="{FF2B5EF4-FFF2-40B4-BE49-F238E27FC236}">
+                <a16:creationId xmlns:a16="http://schemas.microsoft.com/office/drawing/2014/main" id="{CD1B6325-899A-1D68-CB50-28E3B86F818A}"/>
+              </a:ext>
+            </a:extLst>
+          </p:cNvPr>
+          <p:cNvSpPr txBox="1"/>
+          <p:nvPr/>
+        </p:nvSpPr>
+        <p:spPr>
+          <a:xfrm>
+            <a:off x="1407226" y="97710"/>
+            <a:ext cx="5771407" cy="646331"/>
+          </a:xfrm>
+          <a:prstGeom prst="rect">
+            <a:avLst/>
+          </a:prstGeom>
+          <a:noFill/>
+        </p:spPr>
+        <p:txBody>
+          <a:bodyPr wrap="square" rtlCol="0">
+            <a:spAutoFit/>
+          </a:bodyPr>
+          <a:lstStyle/>
+          <a:p>
+            <a:r>
+              <a:rPr lang="fr-FR" b="1" u="sng" dirty="0">
+                <a:solidFill>
+                  <a:srgbClr val="8F1919"/>
+                </a:solidFill>
+              </a:rPr>
+              <a:t>Diagramme d’activité:</a:t>
+            </a:r>
+            <a:r>
+              <a:rPr lang="fr-FR" dirty="0">
+                <a:solidFill>
+                  <a:srgbClr val="8F1919"/>
+                </a:solidFill>
+              </a:rPr>
+              <a:t>  </a:t>
+            </a:r>
+            <a:r>
+              <a:rPr lang="fr-FR" dirty="0">
+                <a:solidFill>
+                  <a:schemeClr val="bg1"/>
+                </a:solidFill>
+              </a:rPr>
+              <a:t> Illustration des activités exécutées par le SI ici </a:t>
+            </a:r>
+            <a:r>
+              <a:rPr lang="fr-FR" dirty="0">
+                <a:solidFill>
+                  <a:schemeClr val="bg1"/>
+                </a:solidFill>
+                <a:effectLst>
+                  <a:outerShdw blurRad="38100" dist="38100" dir="2700000" algn="tl">
+                    <a:srgbClr val="000000">
+                      <a:alpha val="43137"/>
+                    </a:srgbClr>
+                  </a:outerShdw>
+                </a:effectLst>
+              </a:rPr>
+              <a:t>suppression d’un tableau</a:t>
+            </a:r>
+          </a:p>
+        </p:txBody>
+      </p:sp>
+      <p:sp>
+        <p:nvSpPr>
+          <p:cNvPr id="7" name="ZoneTexte 6">
+            <a:extLst>
+              <a:ext uri="{FF2B5EF4-FFF2-40B4-BE49-F238E27FC236}">
+                <a16:creationId xmlns:a16="http://schemas.microsoft.com/office/drawing/2014/main" id="{9426E854-AB88-05A2-5610-8EC0A2E32C2C}"/>
+              </a:ext>
+            </a:extLst>
+          </p:cNvPr>
+          <p:cNvSpPr txBox="1"/>
+          <p:nvPr/>
+        </p:nvSpPr>
+        <p:spPr>
+          <a:xfrm>
+            <a:off x="8252749" y="1193060"/>
+            <a:ext cx="3136739" cy="5262979"/>
+          </a:xfrm>
+          <a:prstGeom prst="rect">
+            <a:avLst/>
+          </a:prstGeom>
+          <a:noFill/>
+        </p:spPr>
+        <p:txBody>
+          <a:bodyPr wrap="square" rtlCol="0">
+            <a:spAutoFit/>
+          </a:bodyPr>
+          <a:lstStyle/>
+          <a:p>
+            <a:r>
+              <a:rPr lang="fr-FR" sz="1600" dirty="0">
+                <a:solidFill>
+                  <a:schemeClr val="bg1"/>
+                </a:solidFill>
+              </a:rPr>
+              <a:t>Point de départ Le SI, permet a l’administrateur de cliquer sur un bouton supprimer un tableau, le SI va envoyer une requête select a la base de données qui renverra la liste des tableaux ou un message de défaut; l’administrateur pourra alors sélectionner le tableau a supprimer ; le SI demandera une confirmation de suppression; si non retour a la liste des tableaux, si oui envoie d’une requête </a:t>
+            </a:r>
+            <a:r>
+              <a:rPr lang="fr-FR" sz="1600" dirty="0" err="1">
+                <a:solidFill>
+                  <a:schemeClr val="bg1"/>
+                </a:solidFill>
+              </a:rPr>
+              <a:t>delete</a:t>
+            </a:r>
+            <a:r>
+              <a:rPr lang="fr-FR" sz="1600" dirty="0">
+                <a:solidFill>
+                  <a:schemeClr val="bg1"/>
+                </a:solidFill>
+              </a:rPr>
+              <a:t> a la base de données qui renverra soit un message d’erreur si il y a un problème ou un message de confirmation si la suppression a bien été faites. Point de sortie.</a:t>
+            </a:r>
+          </a:p>
+        </p:txBody>
+      </p:sp>
+      <p:sp>
+        <p:nvSpPr>
+          <p:cNvPr id="3" name="Espace réservé du numéro de diapositive 2"/>
+          <p:cNvSpPr>
+            <a:spLocks noGrp="1"/>
+          </p:cNvSpPr>
+          <p:nvPr>
+            <p:ph type="sldNum" sz="quarter" idx="12"/>
+          </p:nvPr>
+        </p:nvSpPr>
+        <p:spPr/>
+        <p:txBody>
+          <a:bodyPr/>
+          <a:lstStyle/>
+          <a:p>
+            <a:fld id="{D57F1E4F-1CFF-5643-939E-217C01CDF565}" type="slidenum">
+              <a:rPr lang="en-US" smtClean="0"/>
+              <a:pPr/>
+              <a:t>10</a:t>
+            </a:fld>
+            <a:endParaRPr lang="en-US" dirty="0"/>
+          </a:p>
+        </p:txBody>
+      </p:sp>
+    </p:spTree>
+    <p:extLst>
+      <p:ext uri="{BB962C8B-B14F-4D97-AF65-F5344CB8AC3E}">
+        <p14:creationId xmlns:p14="http://schemas.microsoft.com/office/powerpoint/2010/main" val="2083864002"/>
+      </p:ext>
+    </p:extLst>
+  </p:cSld>
+  <p:clrMapOvr>
+    <a:masterClrMapping/>
+  </p:clrMapOvr>
+</p:sld>
+</file>
+
+<file path=ppt/slides/slide11.xml><?xml version="1.0" encoding="utf-8"?>
+<p:sld xmlns:a="http://schemas.openxmlformats.org/drawingml/2006/main" xmlns:r="http://schemas.openxmlformats.org/officeDocument/2006/relationships" xmlns:p="http://schemas.openxmlformats.org/presentationml/2006/main">
+  <p:cSld>
+    <p:spTree>
+      <p:nvGrpSpPr>
+        <p:cNvPr id="1" name=""/>
+        <p:cNvGrpSpPr/>
+        <p:nvPr/>
+      </p:nvGrpSpPr>
+      <p:grpSpPr>
+        <a:xfrm>
+          <a:off x="0" y="0"/>
+          <a:ext cx="0" cy="0"/>
+          <a:chOff x="0" y="0"/>
+          <a:chExt cx="0" cy="0"/>
+        </a:xfrm>
+      </p:grpSpPr>
+      <p:pic>
+        <p:nvPicPr>
+          <p:cNvPr id="5" name="Image 4">
+            <a:extLst>
+              <a:ext uri="{FF2B5EF4-FFF2-40B4-BE49-F238E27FC236}">
                 <a16:creationId xmlns:a16="http://schemas.microsoft.com/office/drawing/2014/main" id="{C2EF05CA-A740-E3DF-C713-D11FCF089B5A}"/>
               </a:ext>
             </a:extLst>
@@ -6129,7 +6344,7 @@
             <a:fld id="{D57F1E4F-1CFF-5643-939E-217C01CDF565}" type="slidenum">
               <a:rPr lang="en-US" smtClean="0"/>
               <a:pPr/>
-              <a:t>10</a:t>
+              <a:t>11</a:t>
             </a:fld>
             <a:endParaRPr lang="en-US" dirty="0"/>
           </a:p>
@@ -6148,7 +6363,7 @@
 </p:sld>
 </file>
 
-<file path=ppt/slides/slide11.xml><?xml version="1.0" encoding="utf-8"?>
+<file path=ppt/slides/slide12.xml><?xml version="1.0" encoding="utf-8"?>
 <p:sld xmlns:a="http://schemas.openxmlformats.org/drawingml/2006/main" xmlns:r="http://schemas.openxmlformats.org/officeDocument/2006/relationships" xmlns:p="http://schemas.openxmlformats.org/presentationml/2006/main">
   <p:cSld>
     <p:spTree>
@@ -6253,7 +6468,7 @@
             <a:fld id="{D57F1E4F-1CFF-5643-939E-217C01CDF565}" type="slidenum">
               <a:rPr lang="en-US" smtClean="0"/>
               <a:pPr/>
-              <a:t>11</a:t>
+              <a:t>12</a:t>
             </a:fld>
             <a:endParaRPr lang="en-US" dirty="0"/>
           </a:p>
@@ -6272,7 +6487,7 @@
 </p:sld>
 </file>
 
-<file path=ppt/slides/slide12.xml><?xml version="1.0" encoding="utf-8"?>
+<file path=ppt/slides/slide13.xml><?xml version="1.0" encoding="utf-8"?>
 <p:sld xmlns:a="http://schemas.openxmlformats.org/drawingml/2006/main" xmlns:r="http://schemas.openxmlformats.org/officeDocument/2006/relationships" xmlns:p="http://schemas.openxmlformats.org/presentationml/2006/main">
   <p:cSld>
     <p:spTree>
@@ -6659,7 +6874,7 @@
             <a:fld id="{D57F1E4F-1CFF-5643-939E-217C01CDF565}" type="slidenum">
               <a:rPr lang="en-US" smtClean="0"/>
               <a:pPr/>
-              <a:t>12</a:t>
+              <a:t>13</a:t>
             </a:fld>
             <a:endParaRPr lang="en-US" dirty="0"/>
           </a:p>
@@ -6678,7 +6893,7 @@
 </p:sld>
 </file>
 
-<file path=ppt/slides/slide13.xml><?xml version="1.0" encoding="utf-8"?>
+<file path=ppt/slides/slide14.xml><?xml version="1.0" encoding="utf-8"?>
 <p:sld xmlns:a="http://schemas.openxmlformats.org/drawingml/2006/main" xmlns:r="http://schemas.openxmlformats.org/officeDocument/2006/relationships" xmlns:p="http://schemas.openxmlformats.org/presentationml/2006/main">
   <p:cSld>
     <p:spTree>
@@ -6820,7 +7035,7 @@
             <a:fld id="{D57F1E4F-1CFF-5643-939E-217C01CDF565}" type="slidenum">
               <a:rPr lang="en-US" smtClean="0"/>
               <a:pPr/>
-              <a:t>13</a:t>
+              <a:t>14</a:t>
             </a:fld>
             <a:endParaRPr lang="en-US" dirty="0"/>
           </a:p>
@@ -6839,7 +7054,7 @@
 </p:sld>
 </file>
 
-<file path=ppt/slides/slide14.xml><?xml version="1.0" encoding="utf-8"?>
+<file path=ppt/slides/slide15.xml><?xml version="1.0" encoding="utf-8"?>
 <p:sld xmlns:a="http://schemas.openxmlformats.org/drawingml/2006/main" xmlns:r="http://schemas.openxmlformats.org/officeDocument/2006/relationships" xmlns:p="http://schemas.openxmlformats.org/presentationml/2006/main">
   <p:cSld>
     <p:spTree>
@@ -6943,7 +7158,7 @@
             <a:fld id="{D57F1E4F-1CFF-5643-939E-217C01CDF565}" type="slidenum">
               <a:rPr lang="en-US" smtClean="0"/>
               <a:pPr/>
-              <a:t>14</a:t>
+              <a:t>15</a:t>
             </a:fld>
             <a:endParaRPr lang="en-US" dirty="0"/>
           </a:p>
@@ -6962,7 +7177,7 @@
 </p:sld>
 </file>
 
-<file path=ppt/slides/slide15.xml><?xml version="1.0" encoding="utf-8"?>
+<file path=ppt/slides/slide16.xml><?xml version="1.0" encoding="utf-8"?>
 <p:sld xmlns:a="http://schemas.openxmlformats.org/drawingml/2006/main" xmlns:r="http://schemas.openxmlformats.org/officeDocument/2006/relationships" xmlns:p="http://schemas.openxmlformats.org/presentationml/2006/main">
   <p:cSld>
     <p:spTree>
@@ -7066,7 +7281,7 @@
             <a:fld id="{D57F1E4F-1CFF-5643-939E-217C01CDF565}" type="slidenum">
               <a:rPr lang="en-US" smtClean="0"/>
               <a:pPr/>
-              <a:t>15</a:t>
+              <a:t>16</a:t>
             </a:fld>
             <a:endParaRPr lang="en-US" dirty="0"/>
           </a:p>
@@ -7085,7 +7300,7 @@
 </p:sld>
 </file>
 
-<file path=ppt/slides/slide16.xml><?xml version="1.0" encoding="utf-8"?>
+<file path=ppt/slides/slide17.xml><?xml version="1.0" encoding="utf-8"?>
 <p:sld xmlns:a="http://schemas.openxmlformats.org/drawingml/2006/main" xmlns:r="http://schemas.openxmlformats.org/officeDocument/2006/relationships" xmlns:p="http://schemas.openxmlformats.org/presentationml/2006/main">
   <p:cSld>
     <p:spTree>
@@ -7205,7 +7420,7 @@
             <a:fld id="{D57F1E4F-1CFF-5643-939E-217C01CDF565}" type="slidenum">
               <a:rPr lang="en-US" smtClean="0"/>
               <a:pPr/>
-              <a:t>16</a:t>
+              <a:t>17</a:t>
             </a:fld>
             <a:endParaRPr lang="en-US" dirty="0"/>
           </a:p>
@@ -7224,7 +7439,7 @@
 </p:sld>
 </file>
 
-<file path=ppt/slides/slide17.xml><?xml version="1.0" encoding="utf-8"?>
+<file path=ppt/slides/slide18.xml><?xml version="1.0" encoding="utf-8"?>
 <p:sld xmlns:a="http://schemas.openxmlformats.org/drawingml/2006/main" xmlns:r="http://schemas.openxmlformats.org/officeDocument/2006/relationships" xmlns:p="http://schemas.openxmlformats.org/presentationml/2006/main">
   <p:cSld>
     <p:spTree>
@@ -7336,7 +7551,7 @@
             <a:fld id="{D57F1E4F-1CFF-5643-939E-217C01CDF565}" type="slidenum">
               <a:rPr lang="en-US" smtClean="0"/>
               <a:pPr/>
-              <a:t>17</a:t>
+              <a:t>18</a:t>
             </a:fld>
             <a:endParaRPr lang="en-US" dirty="0"/>
           </a:p>
@@ -7355,7 +7570,7 @@
 </p:sld>
 </file>
 
-<file path=ppt/slides/slide18.xml><?xml version="1.0" encoding="utf-8"?>
+<file path=ppt/slides/slide19.xml><?xml version="1.0" encoding="utf-8"?>
 <p:sld xmlns:a="http://schemas.openxmlformats.org/drawingml/2006/main" xmlns:r="http://schemas.openxmlformats.org/officeDocument/2006/relationships" xmlns:p="http://schemas.openxmlformats.org/presentationml/2006/main">
   <p:cSld>
     <p:spTree>
@@ -7467,7 +7682,7 @@
             <a:fld id="{D57F1E4F-1CFF-5643-939E-217C01CDF565}" type="slidenum">
               <a:rPr lang="en-US" smtClean="0"/>
               <a:pPr/>
-              <a:t>18</a:t>
+              <a:t>19</a:t>
             </a:fld>
             <a:endParaRPr lang="en-US" dirty="0"/>
           </a:p>
@@ -7486,7 +7701,7 @@
 </p:sld>
 </file>
 
-<file path=ppt/slides/slide19.xml><?xml version="1.0" encoding="utf-8"?>
+<file path=ppt/slides/slide2.xml><?xml version="1.0" encoding="utf-8"?>
 <p:sld xmlns:a="http://schemas.openxmlformats.org/drawingml/2006/main" xmlns:r="http://schemas.openxmlformats.org/officeDocument/2006/relationships" xmlns:p="http://schemas.openxmlformats.org/presentationml/2006/main">
   <p:cSld>
     <p:spTree>
@@ -7505,6 +7720,897 @@
       </p:grpSpPr>
       <p:sp>
         <p:nvSpPr>
+          <p:cNvPr id="4" name="Espace réservé du numéro de diapositive 3"/>
+          <p:cNvSpPr>
+            <a:spLocks noGrp="1"/>
+          </p:cNvSpPr>
+          <p:nvPr>
+            <p:ph type="sldNum" sz="quarter" idx="12"/>
+          </p:nvPr>
+        </p:nvSpPr>
+        <p:spPr/>
+        <p:txBody>
+          <a:bodyPr/>
+          <a:lstStyle/>
+          <a:p>
+            <a:fld id="{D57F1E4F-1CFF-5643-939E-217C01CDF565}" type="slidenum">
+              <a:rPr lang="en-US" smtClean="0"/>
+              <a:pPr/>
+              <a:t>2</a:t>
+            </a:fld>
+            <a:endParaRPr lang="en-US" dirty="0"/>
+          </a:p>
+        </p:txBody>
+      </p:sp>
+      <p:sp>
+        <p:nvSpPr>
+          <p:cNvPr id="5" name="ZoneTexte 4"/>
+          <p:cNvSpPr txBox="1"/>
+          <p:nvPr/>
+        </p:nvSpPr>
+        <p:spPr>
+          <a:xfrm>
+            <a:off x="839585" y="357447"/>
+            <a:ext cx="5311833" cy="369332"/>
+          </a:xfrm>
+          <a:prstGeom prst="rect">
+            <a:avLst/>
+          </a:prstGeom>
+          <a:noFill/>
+        </p:spPr>
+        <p:txBody>
+          <a:bodyPr wrap="square" rtlCol="0">
+            <a:spAutoFit/>
+          </a:bodyPr>
+          <a:lstStyle/>
+          <a:p>
+            <a:r>
+              <a:rPr lang="fr-FR" b="1" u="sng" dirty="0" smtClean="0">
+                <a:solidFill>
+                  <a:srgbClr val="8F1919"/>
+                </a:solidFill>
+              </a:rPr>
+              <a:t>Sommaire:</a:t>
+            </a:r>
+            <a:endParaRPr lang="fr-FR" b="1" u="sng" dirty="0">
+              <a:solidFill>
+                <a:srgbClr val="8F1919"/>
+              </a:solidFill>
+            </a:endParaRPr>
+          </a:p>
+        </p:txBody>
+      </p:sp>
+      <p:sp>
+        <p:nvSpPr>
+          <p:cNvPr id="7" name="ZoneTexte 6"/>
+          <p:cNvSpPr txBox="1"/>
+          <p:nvPr/>
+        </p:nvSpPr>
+        <p:spPr>
+          <a:xfrm>
+            <a:off x="1147156" y="822959"/>
+            <a:ext cx="8686800" cy="6124754"/>
+          </a:xfrm>
+          <a:prstGeom prst="rect">
+            <a:avLst/>
+          </a:prstGeom>
+          <a:noFill/>
+        </p:spPr>
+        <p:txBody>
+          <a:bodyPr wrap="square" rtlCol="0">
+            <a:spAutoFit/>
+          </a:bodyPr>
+          <a:lstStyle/>
+          <a:p>
+            <a:r>
+              <a:rPr lang="fr-FR" sz="1400" dirty="0" smtClean="0">
+                <a:solidFill>
+                  <a:schemeClr val="bg1"/>
+                </a:solidFill>
+              </a:rPr>
+              <a:t>1.Analyse du besoin</a:t>
+            </a:r>
+            <a:r>
+              <a:rPr lang="fr-FR" sz="1400" dirty="0" smtClean="0">
+                <a:solidFill>
+                  <a:schemeClr val="bg1"/>
+                </a:solidFill>
+              </a:rPr>
+              <a:t>…………………………………………………………………………………………3</a:t>
+            </a:r>
+            <a:endParaRPr lang="fr-FR" sz="1400" dirty="0" smtClean="0">
+              <a:solidFill>
+                <a:schemeClr val="bg1"/>
+              </a:solidFill>
+            </a:endParaRPr>
+          </a:p>
+          <a:p>
+            <a:r>
+              <a:rPr lang="fr-FR" sz="1400" dirty="0" smtClean="0">
+                <a:solidFill>
+                  <a:schemeClr val="bg1"/>
+                </a:solidFill>
+              </a:rPr>
+              <a:t>	a. Présentation de l’entreprise……………………………………………………………..3</a:t>
+            </a:r>
+          </a:p>
+          <a:p>
+            <a:r>
+              <a:rPr lang="fr-FR" sz="1400" dirty="0" smtClean="0">
+                <a:solidFill>
+                  <a:schemeClr val="bg1"/>
+                </a:solidFill>
+              </a:rPr>
+              <a:t>	b. Intervenant principaux…………………………………………………………………...3</a:t>
+            </a:r>
+          </a:p>
+          <a:p>
+            <a:r>
+              <a:rPr lang="fr-FR" sz="1400" dirty="0" smtClean="0">
+                <a:solidFill>
+                  <a:schemeClr val="bg1"/>
+                </a:solidFill>
+              </a:rPr>
+              <a:t>	c. Objectif du site……………………………………………………………………………..4</a:t>
+            </a:r>
+          </a:p>
+          <a:p>
+            <a:r>
+              <a:rPr lang="fr-FR" sz="1400" dirty="0" smtClean="0">
+                <a:solidFill>
+                  <a:schemeClr val="bg1"/>
+                </a:solidFill>
+              </a:rPr>
+              <a:t>	d. Les cibles……………………………………………………………………………............4</a:t>
+            </a:r>
+          </a:p>
+          <a:p>
+            <a:r>
+              <a:rPr lang="fr-FR" sz="1400" dirty="0" smtClean="0">
+                <a:solidFill>
+                  <a:schemeClr val="bg1"/>
+                </a:solidFill>
+              </a:rPr>
+              <a:t>	e. Le SWOT</a:t>
+            </a:r>
+            <a:r>
+              <a:rPr lang="fr-FR" sz="1400" dirty="0" smtClean="0">
+                <a:solidFill>
+                  <a:schemeClr val="bg1"/>
+                </a:solidFill>
+              </a:rPr>
+              <a:t>………………………………………………………………...…………………...5</a:t>
+            </a:r>
+            <a:endParaRPr lang="fr-FR" sz="1400" dirty="0" smtClean="0">
+              <a:solidFill>
+                <a:schemeClr val="bg1"/>
+              </a:solidFill>
+            </a:endParaRPr>
+          </a:p>
+          <a:p>
+            <a:r>
+              <a:rPr lang="fr-FR" sz="1400" dirty="0" smtClean="0">
+                <a:solidFill>
+                  <a:schemeClr val="bg1"/>
+                </a:solidFill>
+              </a:rPr>
+              <a:t>	f. Les Besoins</a:t>
+            </a:r>
+            <a:r>
+              <a:rPr lang="fr-FR" sz="1400" dirty="0" smtClean="0">
+                <a:solidFill>
+                  <a:schemeClr val="bg1"/>
+                </a:solidFill>
+              </a:rPr>
+              <a:t>……………………………………………………………………………………6</a:t>
+            </a:r>
+            <a:endParaRPr lang="fr-FR" sz="1400" dirty="0" smtClean="0">
+              <a:solidFill>
+                <a:schemeClr val="bg1"/>
+              </a:solidFill>
+            </a:endParaRPr>
+          </a:p>
+          <a:p>
+            <a:r>
+              <a:rPr lang="fr-FR" sz="1400" dirty="0">
+                <a:solidFill>
+                  <a:schemeClr val="bg1"/>
+                </a:solidFill>
+              </a:rPr>
+              <a:t>	</a:t>
+            </a:r>
+            <a:r>
+              <a:rPr lang="fr-FR" sz="1400" dirty="0" smtClean="0">
+                <a:solidFill>
+                  <a:schemeClr val="bg1"/>
+                </a:solidFill>
+              </a:rPr>
+              <a:t>g. Les contraintes techniques</a:t>
+            </a:r>
+            <a:r>
+              <a:rPr lang="fr-FR" sz="1400" dirty="0" smtClean="0">
+                <a:solidFill>
+                  <a:schemeClr val="bg1"/>
+                </a:solidFill>
+              </a:rPr>
+              <a:t>……………………………………………………………....7</a:t>
+            </a:r>
+            <a:endParaRPr lang="fr-FR" sz="1400" dirty="0" smtClean="0">
+              <a:solidFill>
+                <a:schemeClr val="bg1"/>
+              </a:solidFill>
+            </a:endParaRPr>
+          </a:p>
+          <a:p>
+            <a:r>
+              <a:rPr lang="fr-FR" sz="1400" dirty="0">
+                <a:solidFill>
+                  <a:schemeClr val="bg1"/>
+                </a:solidFill>
+              </a:rPr>
+              <a:t>	</a:t>
+            </a:r>
+            <a:r>
+              <a:rPr lang="fr-FR" sz="1400" dirty="0" smtClean="0">
+                <a:solidFill>
+                  <a:schemeClr val="bg1"/>
+                </a:solidFill>
+              </a:rPr>
+              <a:t>h. Les contraintes légales</a:t>
+            </a:r>
+            <a:r>
+              <a:rPr lang="fr-FR" sz="1400" dirty="0" smtClean="0">
+                <a:solidFill>
+                  <a:schemeClr val="bg1"/>
+                </a:solidFill>
+              </a:rPr>
+              <a:t>……………………………………………………………………7</a:t>
+            </a:r>
+            <a:endParaRPr lang="fr-FR" sz="1400" dirty="0" smtClean="0">
+              <a:solidFill>
+                <a:schemeClr val="bg1"/>
+              </a:solidFill>
+            </a:endParaRPr>
+          </a:p>
+          <a:p>
+            <a:r>
+              <a:rPr lang="fr-FR" sz="1400" dirty="0">
+                <a:solidFill>
+                  <a:schemeClr val="bg1"/>
+                </a:solidFill>
+              </a:rPr>
+              <a:t>	</a:t>
+            </a:r>
+            <a:r>
+              <a:rPr lang="fr-FR" sz="1400" dirty="0" smtClean="0">
+                <a:solidFill>
+                  <a:schemeClr val="bg1"/>
+                </a:solidFill>
+              </a:rPr>
+              <a:t>i. Sites exemples</a:t>
+            </a:r>
+            <a:r>
+              <a:rPr lang="fr-FR" sz="1400" dirty="0" smtClean="0">
+                <a:solidFill>
+                  <a:schemeClr val="bg1"/>
+                </a:solidFill>
+              </a:rPr>
+              <a:t>……………………………………………………………………………….8</a:t>
+            </a:r>
+          </a:p>
+          <a:p>
+            <a:r>
+              <a:rPr lang="fr-FR" sz="1400" dirty="0" smtClean="0">
+                <a:solidFill>
+                  <a:schemeClr val="bg1"/>
+                </a:solidFill>
+              </a:rPr>
+              <a:t>2.Spécifications fonctionnelles……………………………………………………………………………9</a:t>
+            </a:r>
+          </a:p>
+          <a:p>
+            <a:r>
+              <a:rPr lang="fr-FR" sz="1400" dirty="0">
+                <a:solidFill>
+                  <a:schemeClr val="bg1"/>
+                </a:solidFill>
+              </a:rPr>
+              <a:t>	</a:t>
+            </a:r>
+            <a:r>
+              <a:rPr lang="fr-FR" sz="1400" dirty="0" smtClean="0">
+                <a:solidFill>
+                  <a:schemeClr val="bg1"/>
+                </a:solidFill>
+              </a:rPr>
+              <a:t>a. Use case……………………………………………………………………………………..9</a:t>
+            </a:r>
+          </a:p>
+          <a:p>
+            <a:r>
+              <a:rPr lang="fr-FR" sz="1400" dirty="0">
+                <a:solidFill>
+                  <a:schemeClr val="bg1"/>
+                </a:solidFill>
+              </a:rPr>
+              <a:t>	</a:t>
+            </a:r>
+            <a:r>
+              <a:rPr lang="fr-FR" sz="1400" dirty="0" smtClean="0">
+                <a:solidFill>
+                  <a:schemeClr val="bg1"/>
+                </a:solidFill>
+              </a:rPr>
+              <a:t>b. Diagramme d’activité…………………………………………………………………..10</a:t>
+            </a:r>
+          </a:p>
+          <a:p>
+            <a:r>
+              <a:rPr lang="fr-FR" sz="1400" dirty="0">
+                <a:solidFill>
+                  <a:schemeClr val="bg1"/>
+                </a:solidFill>
+              </a:rPr>
+              <a:t>	</a:t>
+            </a:r>
+            <a:r>
+              <a:rPr lang="fr-FR" sz="1400" dirty="0" smtClean="0">
+                <a:solidFill>
+                  <a:schemeClr val="bg1"/>
+                </a:solidFill>
+              </a:rPr>
+              <a:t>c. Diagramme de séquence……………………………………………………………...11</a:t>
+            </a:r>
+          </a:p>
+          <a:p>
+            <a:r>
+              <a:rPr lang="fr-FR" sz="1400" dirty="0">
+                <a:solidFill>
+                  <a:schemeClr val="bg1"/>
+                </a:solidFill>
+              </a:rPr>
+              <a:t>	</a:t>
+            </a:r>
+            <a:r>
+              <a:rPr lang="fr-FR" sz="1400" dirty="0" smtClean="0">
+                <a:solidFill>
+                  <a:schemeClr val="bg1"/>
+                </a:solidFill>
+              </a:rPr>
+              <a:t>e. Maquettage……………………………………………………………………...……….12</a:t>
+            </a:r>
+          </a:p>
+          <a:p>
+            <a:r>
+              <a:rPr lang="fr-FR" sz="1400" dirty="0">
+                <a:solidFill>
+                  <a:schemeClr val="bg1"/>
+                </a:solidFill>
+              </a:rPr>
+              <a:t>	</a:t>
+            </a:r>
+            <a:r>
+              <a:rPr lang="fr-FR" sz="1400" dirty="0" smtClean="0">
+                <a:solidFill>
+                  <a:schemeClr val="bg1"/>
+                </a:solidFill>
+              </a:rPr>
+              <a:t>	1.charte graphique…………………………………………………………………..13</a:t>
+            </a:r>
+          </a:p>
+          <a:p>
+            <a:r>
+              <a:rPr lang="fr-FR" sz="1400" dirty="0">
+                <a:solidFill>
+                  <a:schemeClr val="bg1"/>
+                </a:solidFill>
+              </a:rPr>
+              <a:t>	</a:t>
+            </a:r>
+            <a:r>
+              <a:rPr lang="fr-FR" sz="1400" dirty="0" smtClean="0">
+                <a:solidFill>
+                  <a:schemeClr val="bg1"/>
+                </a:solidFill>
+              </a:rPr>
+              <a:t>	2.Elements a conserver…………………………………………………………...…13</a:t>
+            </a:r>
+          </a:p>
+          <a:p>
+            <a:r>
+              <a:rPr lang="fr-FR" sz="1400" dirty="0">
+                <a:solidFill>
+                  <a:schemeClr val="bg1"/>
+                </a:solidFill>
+              </a:rPr>
+              <a:t>	</a:t>
+            </a:r>
+            <a:r>
+              <a:rPr lang="fr-FR" sz="1400" dirty="0" smtClean="0">
+                <a:solidFill>
+                  <a:schemeClr val="bg1"/>
+                </a:solidFill>
+              </a:rPr>
+              <a:t>	3.Zoning…………………………………………………………………………..…….14</a:t>
+            </a:r>
+          </a:p>
+          <a:p>
+            <a:r>
+              <a:rPr lang="fr-FR" sz="1400" dirty="0">
+                <a:solidFill>
+                  <a:schemeClr val="bg1"/>
+                </a:solidFill>
+              </a:rPr>
+              <a:t>	</a:t>
+            </a:r>
+            <a:r>
+              <a:rPr lang="fr-FR" sz="1400" dirty="0" smtClean="0">
+                <a:solidFill>
+                  <a:schemeClr val="bg1"/>
+                </a:solidFill>
+              </a:rPr>
+              <a:t>	4.Wireframe……………………………………………………………………………15/16</a:t>
+            </a:r>
+          </a:p>
+          <a:p>
+            <a:r>
+              <a:rPr lang="fr-FR" sz="1400" dirty="0">
+                <a:solidFill>
+                  <a:schemeClr val="bg1"/>
+                </a:solidFill>
+              </a:rPr>
+              <a:t>	</a:t>
+            </a:r>
+            <a:r>
+              <a:rPr lang="fr-FR" sz="1400" dirty="0" smtClean="0">
+                <a:solidFill>
+                  <a:schemeClr val="bg1"/>
+                </a:solidFill>
+              </a:rPr>
+              <a:t>	5.Style </a:t>
+            </a:r>
+            <a:r>
+              <a:rPr lang="fr-FR" sz="1400" dirty="0" err="1" smtClean="0">
+                <a:solidFill>
+                  <a:schemeClr val="bg1"/>
+                </a:solidFill>
+              </a:rPr>
+              <a:t>title</a:t>
+            </a:r>
+            <a:r>
+              <a:rPr lang="fr-FR" sz="1400" dirty="0" smtClean="0">
+                <a:solidFill>
+                  <a:schemeClr val="bg1"/>
+                </a:solidFill>
+              </a:rPr>
+              <a:t>……………………………………………………………………………...17</a:t>
+            </a:r>
+          </a:p>
+          <a:p>
+            <a:r>
+              <a:rPr lang="fr-FR" sz="1400" dirty="0">
+                <a:solidFill>
+                  <a:schemeClr val="bg1"/>
+                </a:solidFill>
+              </a:rPr>
+              <a:t>	</a:t>
+            </a:r>
+            <a:r>
+              <a:rPr lang="fr-FR" sz="1400" dirty="0" smtClean="0">
+                <a:solidFill>
+                  <a:schemeClr val="bg1"/>
+                </a:solidFill>
+              </a:rPr>
+              <a:t>	6.Mokup………………………………………………………………………………..18/19</a:t>
+            </a:r>
+          </a:p>
+          <a:p>
+            <a:r>
+              <a:rPr lang="fr-FR" sz="1400" dirty="0" smtClean="0">
+                <a:solidFill>
+                  <a:schemeClr val="bg1"/>
+                </a:solidFill>
+              </a:rPr>
+              <a:t>3.Conception……………………………………………………………………………….………………20</a:t>
+            </a:r>
+          </a:p>
+          <a:p>
+            <a:r>
+              <a:rPr lang="fr-FR" sz="1400" dirty="0">
+                <a:solidFill>
+                  <a:schemeClr val="bg1"/>
+                </a:solidFill>
+              </a:rPr>
+              <a:t>	</a:t>
+            </a:r>
+            <a:r>
+              <a:rPr lang="fr-FR" sz="1400" dirty="0" smtClean="0">
+                <a:solidFill>
+                  <a:schemeClr val="bg1"/>
+                </a:solidFill>
+              </a:rPr>
+              <a:t>a. MCD………………………………………………………………………..……………….20</a:t>
+            </a:r>
+          </a:p>
+          <a:p>
+            <a:r>
+              <a:rPr lang="fr-FR" sz="1400" dirty="0">
+                <a:solidFill>
+                  <a:schemeClr val="bg1"/>
+                </a:solidFill>
+              </a:rPr>
+              <a:t>	</a:t>
+            </a:r>
+            <a:r>
+              <a:rPr lang="fr-FR" sz="1400" dirty="0" smtClean="0">
+                <a:solidFill>
+                  <a:schemeClr val="bg1"/>
+                </a:solidFill>
+              </a:rPr>
+              <a:t>b. MLD………………………………………………………………………………………….21</a:t>
+            </a:r>
+          </a:p>
+          <a:p>
+            <a:r>
+              <a:rPr lang="fr-FR" sz="1400" dirty="0" smtClean="0">
+                <a:solidFill>
+                  <a:schemeClr val="bg1"/>
+                </a:solidFill>
+              </a:rPr>
+              <a:t>4.Outils techniques………………………………………………………………………...………………22</a:t>
+            </a:r>
+          </a:p>
+          <a:p>
+            <a:r>
+              <a:rPr lang="fr-FR" sz="1400" dirty="0" smtClean="0">
+                <a:solidFill>
+                  <a:schemeClr val="bg1"/>
+                </a:solidFill>
+              </a:rPr>
+              <a:t>5.Fonctionnalité front………………………………………………………………...……………………23/24</a:t>
+            </a:r>
+            <a:endParaRPr lang="fr-FR" sz="1400" dirty="0" smtClean="0">
+              <a:solidFill>
+                <a:schemeClr val="bg1"/>
+              </a:solidFill>
+            </a:endParaRPr>
+          </a:p>
+          <a:p>
+            <a:r>
+              <a:rPr lang="fr-FR" sz="1400" dirty="0">
+                <a:solidFill>
+                  <a:schemeClr val="bg1"/>
+                </a:solidFill>
+              </a:rPr>
+              <a:t>	</a:t>
+            </a:r>
+            <a:endParaRPr lang="fr-FR" sz="1400" dirty="0" smtClean="0">
+              <a:solidFill>
+                <a:schemeClr val="bg1"/>
+              </a:solidFill>
+            </a:endParaRPr>
+          </a:p>
+          <a:p>
+            <a:endParaRPr lang="fr-FR" sz="1400" dirty="0">
+              <a:solidFill>
+                <a:schemeClr val="bg1"/>
+              </a:solidFill>
+            </a:endParaRPr>
+          </a:p>
+        </p:txBody>
+      </p:sp>
+    </p:spTree>
+    <p:extLst>
+      <p:ext uri="{BB962C8B-B14F-4D97-AF65-F5344CB8AC3E}">
+        <p14:creationId xmlns:p14="http://schemas.microsoft.com/office/powerpoint/2010/main" val="645838372"/>
+      </p:ext>
+    </p:extLst>
+  </p:cSld>
+  <p:clrMapOvr>
+    <a:masterClrMapping/>
+  </p:clrMapOvr>
+</p:sld>
+</file>
+
+<file path=ppt/slides/slide20.xml><?xml version="1.0" encoding="utf-8"?>
+<p:sld xmlns:a="http://schemas.openxmlformats.org/drawingml/2006/main" xmlns:r="http://schemas.openxmlformats.org/officeDocument/2006/relationships" xmlns:p="http://schemas.openxmlformats.org/presentationml/2006/main">
+  <p:cSld>
+    <p:spTree>
+      <p:nvGrpSpPr>
+        <p:cNvPr id="1" name=""/>
+        <p:cNvGrpSpPr/>
+        <p:nvPr/>
+      </p:nvGrpSpPr>
+      <p:grpSpPr>
+        <a:xfrm>
+          <a:off x="0" y="0"/>
+          <a:ext cx="0" cy="0"/>
+          <a:chOff x="0" y="0"/>
+          <a:chExt cx="0" cy="0"/>
+        </a:xfrm>
+      </p:grpSpPr>
+      <p:sp>
+        <p:nvSpPr>
+          <p:cNvPr id="4" name="Espace réservé du numéro de diapositive 3"/>
+          <p:cNvSpPr>
+            <a:spLocks noGrp="1"/>
+          </p:cNvSpPr>
+          <p:nvPr>
+            <p:ph type="sldNum" sz="quarter" idx="12"/>
+          </p:nvPr>
+        </p:nvSpPr>
+        <p:spPr/>
+        <p:txBody>
+          <a:bodyPr/>
+          <a:lstStyle/>
+          <a:p>
+            <a:fld id="{D57F1E4F-1CFF-5643-939E-217C01CDF565}" type="slidenum">
+              <a:rPr lang="en-US" smtClean="0"/>
+              <a:pPr/>
+              <a:t>20</a:t>
+            </a:fld>
+            <a:endParaRPr lang="en-US" dirty="0"/>
+          </a:p>
+        </p:txBody>
+      </p:sp>
+      <p:sp>
+        <p:nvSpPr>
+          <p:cNvPr id="6" name="ZoneTexte 5"/>
+          <p:cNvSpPr txBox="1"/>
+          <p:nvPr/>
+        </p:nvSpPr>
+        <p:spPr>
+          <a:xfrm>
+            <a:off x="1064029" y="207818"/>
+            <a:ext cx="4123113" cy="923330"/>
+          </a:xfrm>
+          <a:prstGeom prst="rect">
+            <a:avLst/>
+          </a:prstGeom>
+          <a:noFill/>
+        </p:spPr>
+        <p:txBody>
+          <a:bodyPr wrap="square" rtlCol="0">
+            <a:spAutoFit/>
+          </a:bodyPr>
+          <a:lstStyle/>
+          <a:p>
+            <a:r>
+              <a:rPr lang="fr-FR" b="1" u="sng" dirty="0" smtClean="0">
+                <a:solidFill>
+                  <a:srgbClr val="8F1919"/>
+                </a:solidFill>
+              </a:rPr>
+              <a:t>MCD:</a:t>
+            </a:r>
+            <a:r>
+              <a:rPr lang="fr-FR" dirty="0" smtClean="0">
+                <a:solidFill>
+                  <a:srgbClr val="8F1919"/>
+                </a:solidFill>
+              </a:rPr>
+              <a:t>  </a:t>
+            </a:r>
+            <a:r>
+              <a:rPr lang="fr-FR" dirty="0" smtClean="0">
+                <a:solidFill>
+                  <a:schemeClr val="bg1"/>
+                </a:solidFill>
+              </a:rPr>
+              <a:t>(modèle conceptuel des données)</a:t>
+            </a:r>
+          </a:p>
+          <a:p>
+            <a:endParaRPr lang="fr-FR" b="1" u="sng" dirty="0">
+              <a:solidFill>
+                <a:srgbClr val="8F1919"/>
+              </a:solidFill>
+            </a:endParaRPr>
+          </a:p>
+        </p:txBody>
+      </p:sp>
+      <p:pic>
+        <p:nvPicPr>
+          <p:cNvPr id="2" name="Image 1"/>
+          <p:cNvPicPr>
+            <a:picLocks noChangeAspect="1"/>
+          </p:cNvPicPr>
+          <p:nvPr/>
+        </p:nvPicPr>
+        <p:blipFill>
+          <a:blip r:embed="rId2">
+            <a:extLst>
+              <a:ext uri="{28A0092B-C50C-407E-A947-70E740481C1C}">
+                <a14:useLocalDpi xmlns:a14="http://schemas.microsoft.com/office/drawing/2010/main" val="0"/>
+              </a:ext>
+            </a:extLst>
+          </a:blip>
+          <a:stretch>
+            <a:fillRect/>
+          </a:stretch>
+        </p:blipFill>
+        <p:spPr>
+          <a:xfrm>
+            <a:off x="2052073" y="1538023"/>
+            <a:ext cx="8087854" cy="3781953"/>
+          </a:xfrm>
+          <a:prstGeom prst="rect">
+            <a:avLst/>
+          </a:prstGeom>
+        </p:spPr>
+      </p:pic>
+    </p:spTree>
+    <p:extLst>
+      <p:ext uri="{BB962C8B-B14F-4D97-AF65-F5344CB8AC3E}">
+        <p14:creationId xmlns:p14="http://schemas.microsoft.com/office/powerpoint/2010/main" val="4018490546"/>
+      </p:ext>
+    </p:extLst>
+  </p:cSld>
+  <p:clrMapOvr>
+    <a:masterClrMapping/>
+  </p:clrMapOvr>
+</p:sld>
+</file>
+
+<file path=ppt/slides/slide21.xml><?xml version="1.0" encoding="utf-8"?>
+<p:sld xmlns:a="http://schemas.openxmlformats.org/drawingml/2006/main" xmlns:r="http://schemas.openxmlformats.org/officeDocument/2006/relationships" xmlns:p="http://schemas.openxmlformats.org/presentationml/2006/main">
+  <p:cSld>
+    <p:spTree>
+      <p:nvGrpSpPr>
+        <p:cNvPr id="1" name=""/>
+        <p:cNvGrpSpPr/>
+        <p:nvPr/>
+      </p:nvGrpSpPr>
+      <p:grpSpPr>
+        <a:xfrm>
+          <a:off x="0" y="0"/>
+          <a:ext cx="0" cy="0"/>
+          <a:chOff x="0" y="0"/>
+          <a:chExt cx="0" cy="0"/>
+        </a:xfrm>
+      </p:grpSpPr>
+      <p:sp>
+        <p:nvSpPr>
+          <p:cNvPr id="4" name="Espace réservé du numéro de diapositive 3"/>
+          <p:cNvSpPr>
+            <a:spLocks noGrp="1"/>
+          </p:cNvSpPr>
+          <p:nvPr>
+            <p:ph type="sldNum" sz="quarter" idx="12"/>
+          </p:nvPr>
+        </p:nvSpPr>
+        <p:spPr/>
+        <p:txBody>
+          <a:bodyPr/>
+          <a:lstStyle/>
+          <a:p>
+            <a:fld id="{D57F1E4F-1CFF-5643-939E-217C01CDF565}" type="slidenum">
+              <a:rPr lang="en-US" smtClean="0"/>
+              <a:pPr/>
+              <a:t>21</a:t>
+            </a:fld>
+            <a:endParaRPr lang="en-US" dirty="0"/>
+          </a:p>
+        </p:txBody>
+      </p:sp>
+      <p:sp>
+        <p:nvSpPr>
+          <p:cNvPr id="6" name="ZoneTexte 5"/>
+          <p:cNvSpPr txBox="1"/>
+          <p:nvPr/>
+        </p:nvSpPr>
+        <p:spPr>
+          <a:xfrm>
+            <a:off x="1064029" y="207818"/>
+            <a:ext cx="4123113" cy="923330"/>
+          </a:xfrm>
+          <a:prstGeom prst="rect">
+            <a:avLst/>
+          </a:prstGeom>
+          <a:noFill/>
+        </p:spPr>
+        <p:txBody>
+          <a:bodyPr wrap="square" rtlCol="0">
+            <a:spAutoFit/>
+          </a:bodyPr>
+          <a:lstStyle/>
+          <a:p>
+            <a:r>
+              <a:rPr lang="fr-FR" b="1" u="sng" dirty="0" smtClean="0">
+                <a:solidFill>
+                  <a:srgbClr val="8F1919"/>
+                </a:solidFill>
+              </a:rPr>
+              <a:t>MLD:</a:t>
+            </a:r>
+            <a:r>
+              <a:rPr lang="fr-FR" dirty="0" smtClean="0">
+                <a:solidFill>
+                  <a:srgbClr val="8F1919"/>
+                </a:solidFill>
+              </a:rPr>
+              <a:t>  </a:t>
+            </a:r>
+            <a:r>
+              <a:rPr lang="fr-FR" dirty="0" smtClean="0">
+                <a:solidFill>
+                  <a:schemeClr val="bg1"/>
+                </a:solidFill>
+              </a:rPr>
+              <a:t>(modèle logique des données)</a:t>
+            </a:r>
+          </a:p>
+          <a:p>
+            <a:endParaRPr lang="fr-FR" b="1" u="sng" dirty="0">
+              <a:solidFill>
+                <a:srgbClr val="8F1919"/>
+              </a:solidFill>
+            </a:endParaRPr>
+          </a:p>
+        </p:txBody>
+      </p:sp>
+      <p:pic>
+        <p:nvPicPr>
+          <p:cNvPr id="3" name="Image 2"/>
+          <p:cNvPicPr>
+            <a:picLocks noChangeAspect="1"/>
+          </p:cNvPicPr>
+          <p:nvPr/>
+        </p:nvPicPr>
+        <p:blipFill>
+          <a:blip r:embed="rId2">
+            <a:extLst>
+              <a:ext uri="{28A0092B-C50C-407E-A947-70E740481C1C}">
+                <a14:useLocalDpi xmlns:a14="http://schemas.microsoft.com/office/drawing/2010/main" val="0"/>
+              </a:ext>
+            </a:extLst>
+          </a:blip>
+          <a:stretch>
+            <a:fillRect/>
+          </a:stretch>
+        </p:blipFill>
+        <p:spPr>
+          <a:xfrm>
+            <a:off x="1737704" y="1561839"/>
+            <a:ext cx="8716591" cy="3734321"/>
+          </a:xfrm>
+          <a:prstGeom prst="rect">
+            <a:avLst/>
+          </a:prstGeom>
+        </p:spPr>
+      </p:pic>
+    </p:spTree>
+    <p:extLst>
+      <p:ext uri="{BB962C8B-B14F-4D97-AF65-F5344CB8AC3E}">
+        <p14:creationId xmlns:p14="http://schemas.microsoft.com/office/powerpoint/2010/main" val="2724544602"/>
+      </p:ext>
+    </p:extLst>
+  </p:cSld>
+  <p:clrMapOvr>
+    <a:masterClrMapping/>
+  </p:clrMapOvr>
+</p:sld>
+</file>
+
+<file path=ppt/slides/slide22.xml><?xml version="1.0" encoding="utf-8"?>
+<p:sld xmlns:a="http://schemas.openxmlformats.org/drawingml/2006/main" xmlns:r="http://schemas.openxmlformats.org/officeDocument/2006/relationships" xmlns:p="http://schemas.openxmlformats.org/presentationml/2006/main">
+  <p:cSld>
+    <p:spTree>
+      <p:nvGrpSpPr>
+        <p:cNvPr id="1" name=""/>
+        <p:cNvGrpSpPr/>
+        <p:nvPr/>
+      </p:nvGrpSpPr>
+      <p:grpSpPr>
+        <a:xfrm>
+          <a:off x="0" y="0"/>
+          <a:ext cx="0" cy="0"/>
+          <a:chOff x="0" y="0"/>
+          <a:chExt cx="0" cy="0"/>
+        </a:xfrm>
+      </p:grpSpPr>
+      <p:sp>
+        <p:nvSpPr>
           <p:cNvPr id="4" name="ZoneTexte 3">
             <a:extLst>
               <a:ext uri="{FF2B5EF4-FFF2-40B4-BE49-F238E27FC236}">
@@ -7679,7 +8785,7 @@
             <a:fld id="{D57F1E4F-1CFF-5643-939E-217C01CDF565}" type="slidenum">
               <a:rPr lang="en-US" smtClean="0"/>
               <a:pPr/>
-              <a:t>19</a:t>
+              <a:t>22</a:t>
             </a:fld>
             <a:endParaRPr lang="en-US" dirty="0"/>
           </a:p>
@@ -7698,7 +8804,796 @@
 </p:sld>
 </file>
 
-<file path=ppt/slides/slide2.xml><?xml version="1.0" encoding="utf-8"?>
+<file path=ppt/slides/slide23.xml><?xml version="1.0" encoding="utf-8"?>
+<p:sld xmlns:a="http://schemas.openxmlformats.org/drawingml/2006/main" xmlns:r="http://schemas.openxmlformats.org/officeDocument/2006/relationships" xmlns:p="http://schemas.openxmlformats.org/presentationml/2006/main">
+  <p:cSld>
+    <p:spTree>
+      <p:nvGrpSpPr>
+        <p:cNvPr id="1" name=""/>
+        <p:cNvGrpSpPr/>
+        <p:nvPr/>
+      </p:nvGrpSpPr>
+      <p:grpSpPr>
+        <a:xfrm>
+          <a:off x="0" y="0"/>
+          <a:ext cx="0" cy="0"/>
+          <a:chOff x="0" y="0"/>
+          <a:chExt cx="0" cy="0"/>
+        </a:xfrm>
+      </p:grpSpPr>
+      <p:sp>
+        <p:nvSpPr>
+          <p:cNvPr id="4" name="ZoneTexte 3">
+            <a:extLst>
+              <a:ext uri="{FF2B5EF4-FFF2-40B4-BE49-F238E27FC236}">
+                <a16:creationId xmlns:a16="http://schemas.microsoft.com/office/drawing/2014/main" id="{47A50AC8-1AD1-7E31-B9CE-943E885052FC}"/>
+              </a:ext>
+            </a:extLst>
+          </p:cNvPr>
+          <p:cNvSpPr txBox="1"/>
+          <p:nvPr/>
+        </p:nvSpPr>
+        <p:spPr>
+          <a:xfrm>
+            <a:off x="960699" y="682906"/>
+            <a:ext cx="9838481" cy="923330"/>
+          </a:xfrm>
+          <a:prstGeom prst="rect">
+            <a:avLst/>
+          </a:prstGeom>
+          <a:noFill/>
+        </p:spPr>
+        <p:txBody>
+          <a:bodyPr wrap="square" rtlCol="0">
+            <a:spAutoFit/>
+          </a:bodyPr>
+          <a:lstStyle/>
+          <a:p>
+            <a:r>
+              <a:rPr lang="fr-FR" b="1" u="sng" dirty="0">
+                <a:solidFill>
+                  <a:srgbClr val="8F1919"/>
+                </a:solidFill>
+              </a:rPr>
+              <a:t>Fonctionnalité front:</a:t>
+            </a:r>
+          </a:p>
+          <a:p>
+            <a:endParaRPr lang="fr-FR" b="1" u="sng" dirty="0">
+              <a:solidFill>
+                <a:srgbClr val="8F1919"/>
+              </a:solidFill>
+            </a:endParaRPr>
+          </a:p>
+          <a:p>
+            <a:r>
+              <a:rPr lang="fr-FR" dirty="0">
+                <a:solidFill>
+                  <a:schemeClr val="bg1"/>
+                </a:solidFill>
+              </a:rPr>
+              <a:t>Création d’avis visiteurs</a:t>
+            </a:r>
+          </a:p>
+        </p:txBody>
+      </p:sp>
+      <p:pic>
+        <p:nvPicPr>
+          <p:cNvPr id="6" name="Image 5">
+            <a:extLst>
+              <a:ext uri="{FF2B5EF4-FFF2-40B4-BE49-F238E27FC236}">
+                <a16:creationId xmlns:a16="http://schemas.microsoft.com/office/drawing/2014/main" id="{6C54ED65-BF81-992D-4ADF-2B5AD394E439}"/>
+              </a:ext>
+            </a:extLst>
+          </p:cNvPr>
+          <p:cNvPicPr>
+            <a:picLocks noChangeAspect="1"/>
+          </p:cNvPicPr>
+          <p:nvPr/>
+        </p:nvPicPr>
+        <p:blipFill>
+          <a:blip r:embed="rId2"/>
+          <a:stretch>
+            <a:fillRect/>
+          </a:stretch>
+        </p:blipFill>
+        <p:spPr>
+          <a:xfrm>
+            <a:off x="665166" y="1953492"/>
+            <a:ext cx="3864602" cy="3794166"/>
+          </a:xfrm>
+          <a:prstGeom prst="rect">
+            <a:avLst/>
+          </a:prstGeom>
+        </p:spPr>
+      </p:pic>
+      <p:pic>
+        <p:nvPicPr>
+          <p:cNvPr id="10" name="Image 9">
+            <a:extLst>
+              <a:ext uri="{FF2B5EF4-FFF2-40B4-BE49-F238E27FC236}">
+                <a16:creationId xmlns:a16="http://schemas.microsoft.com/office/drawing/2014/main" id="{921B55B9-62C8-44E9-A519-048BCC8F4A55}"/>
+              </a:ext>
+            </a:extLst>
+          </p:cNvPr>
+          <p:cNvPicPr>
+            <a:picLocks noChangeAspect="1"/>
+          </p:cNvPicPr>
+          <p:nvPr/>
+        </p:nvPicPr>
+        <p:blipFill>
+          <a:blip r:embed="rId3"/>
+          <a:stretch>
+            <a:fillRect/>
+          </a:stretch>
+        </p:blipFill>
+        <p:spPr>
+          <a:xfrm>
+            <a:off x="4903996" y="2606634"/>
+            <a:ext cx="7151438" cy="3880504"/>
+          </a:xfrm>
+          <a:prstGeom prst="rect">
+            <a:avLst/>
+          </a:prstGeom>
+        </p:spPr>
+      </p:pic>
+      <p:pic>
+        <p:nvPicPr>
+          <p:cNvPr id="14" name="Image 13">
+            <a:extLst>
+              <a:ext uri="{FF2B5EF4-FFF2-40B4-BE49-F238E27FC236}">
+                <a16:creationId xmlns:a16="http://schemas.microsoft.com/office/drawing/2014/main" id="{2CC676BF-7715-B3CF-CB94-C9764598D015}"/>
+              </a:ext>
+            </a:extLst>
+          </p:cNvPr>
+          <p:cNvPicPr>
+            <a:picLocks noChangeAspect="1"/>
+          </p:cNvPicPr>
+          <p:nvPr/>
+        </p:nvPicPr>
+        <p:blipFill>
+          <a:blip r:embed="rId4"/>
+          <a:stretch>
+            <a:fillRect/>
+          </a:stretch>
+        </p:blipFill>
+        <p:spPr>
+          <a:xfrm>
+            <a:off x="4903996" y="1698729"/>
+            <a:ext cx="3716976" cy="907905"/>
+          </a:xfrm>
+          <a:prstGeom prst="rect">
+            <a:avLst/>
+          </a:prstGeom>
+        </p:spPr>
+      </p:pic>
+      <p:sp>
+        <p:nvSpPr>
+          <p:cNvPr id="3" name="Espace réservé du numéro de diapositive 2"/>
+          <p:cNvSpPr>
+            <a:spLocks noGrp="1"/>
+          </p:cNvSpPr>
+          <p:nvPr>
+            <p:ph type="sldNum" sz="quarter" idx="12"/>
+          </p:nvPr>
+        </p:nvSpPr>
+        <p:spPr/>
+        <p:txBody>
+          <a:bodyPr/>
+          <a:lstStyle/>
+          <a:p>
+            <a:fld id="{D57F1E4F-1CFF-5643-939E-217C01CDF565}" type="slidenum">
+              <a:rPr lang="en-US" smtClean="0"/>
+              <a:pPr/>
+              <a:t>23</a:t>
+            </a:fld>
+            <a:endParaRPr lang="en-US" dirty="0"/>
+          </a:p>
+        </p:txBody>
+      </p:sp>
+    </p:spTree>
+    <p:extLst>
+      <p:ext uri="{BB962C8B-B14F-4D97-AF65-F5344CB8AC3E}">
+        <p14:creationId xmlns:p14="http://schemas.microsoft.com/office/powerpoint/2010/main" val="4070325940"/>
+      </p:ext>
+    </p:extLst>
+  </p:cSld>
+  <p:clrMapOvr>
+    <a:masterClrMapping/>
+  </p:clrMapOvr>
+</p:sld>
+</file>
+
+<file path=ppt/slides/slide24.xml><?xml version="1.0" encoding="utf-8"?>
+<p:sld xmlns:a="http://schemas.openxmlformats.org/drawingml/2006/main" xmlns:r="http://schemas.openxmlformats.org/officeDocument/2006/relationships" xmlns:p="http://schemas.openxmlformats.org/presentationml/2006/main">
+  <p:cSld>
+    <p:spTree>
+      <p:nvGrpSpPr>
+        <p:cNvPr id="1" name=""/>
+        <p:cNvGrpSpPr/>
+        <p:nvPr/>
+      </p:nvGrpSpPr>
+      <p:grpSpPr>
+        <a:xfrm>
+          <a:off x="0" y="0"/>
+          <a:ext cx="0" cy="0"/>
+          <a:chOff x="0" y="0"/>
+          <a:chExt cx="0" cy="0"/>
+        </a:xfrm>
+      </p:grpSpPr>
+      <p:sp>
+        <p:nvSpPr>
+          <p:cNvPr id="7" name="ZoneTexte 6">
+            <a:extLst>
+              <a:ext uri="{FF2B5EF4-FFF2-40B4-BE49-F238E27FC236}">
+                <a16:creationId xmlns:a16="http://schemas.microsoft.com/office/drawing/2014/main" id="{6909ECCF-75ED-F0AE-C896-F58BC3C22773}"/>
+              </a:ext>
+            </a:extLst>
+          </p:cNvPr>
+          <p:cNvSpPr txBox="1"/>
+          <p:nvPr/>
+        </p:nvSpPr>
+        <p:spPr>
+          <a:xfrm>
+            <a:off x="6898511" y="251414"/>
+            <a:ext cx="5013141" cy="2585323"/>
+          </a:xfrm>
+          <a:prstGeom prst="rect">
+            <a:avLst/>
+          </a:prstGeom>
+          <a:noFill/>
+        </p:spPr>
+        <p:txBody>
+          <a:bodyPr wrap="square" rtlCol="0">
+            <a:spAutoFit/>
+          </a:bodyPr>
+          <a:lstStyle/>
+          <a:p>
+            <a:r>
+              <a:rPr lang="fr-FR" dirty="0">
+                <a:solidFill>
+                  <a:schemeClr val="bg1"/>
+                </a:solidFill>
+              </a:rPr>
+              <a:t>Je récupère les balises input/ </a:t>
+            </a:r>
+            <a:r>
+              <a:rPr lang="fr-FR" dirty="0" err="1">
+                <a:solidFill>
+                  <a:schemeClr val="bg1"/>
+                </a:solidFill>
+              </a:rPr>
+              <a:t>textarea</a:t>
+            </a:r>
+            <a:r>
+              <a:rPr lang="fr-FR" dirty="0">
+                <a:solidFill>
+                  <a:schemeClr val="bg1"/>
+                </a:solidFill>
+              </a:rPr>
+              <a:t> et le bouton avec des </a:t>
+            </a:r>
+            <a:r>
+              <a:rPr lang="fr-FR" dirty="0" err="1">
+                <a:solidFill>
+                  <a:schemeClr val="bg1"/>
+                </a:solidFill>
+              </a:rPr>
+              <a:t>queryselector</a:t>
+            </a:r>
+            <a:r>
+              <a:rPr lang="fr-FR" dirty="0">
+                <a:solidFill>
+                  <a:schemeClr val="bg1"/>
+                </a:solidFill>
+              </a:rPr>
+              <a:t> via </a:t>
+            </a:r>
+            <a:r>
+              <a:rPr lang="fr-FR" dirty="0" err="1">
+                <a:solidFill>
+                  <a:schemeClr val="bg1"/>
+                </a:solidFill>
+              </a:rPr>
+              <a:t>l’id</a:t>
+            </a:r>
+            <a:r>
+              <a:rPr lang="fr-FR" dirty="0">
+                <a:solidFill>
+                  <a:schemeClr val="bg1"/>
+                </a:solidFill>
+              </a:rPr>
+              <a:t> ou la classe. Je met un écouteur d’événement sur le bouton de soumission; au clique je récupère les valeurs écrites par le visiteur ou si un des champs est vide j’envoie un message d’alerte pour remplir tout </a:t>
+            </a:r>
+            <a:r>
+              <a:rPr lang="fr-FR">
+                <a:solidFill>
+                  <a:schemeClr val="bg1"/>
+                </a:solidFill>
+              </a:rPr>
+              <a:t>les champs.</a:t>
+            </a:r>
+          </a:p>
+          <a:p>
+            <a:endParaRPr lang="fr-FR" dirty="0">
+              <a:solidFill>
+                <a:schemeClr val="bg1"/>
+              </a:solidFill>
+            </a:endParaRPr>
+          </a:p>
+        </p:txBody>
+      </p:sp>
+      <p:pic>
+        <p:nvPicPr>
+          <p:cNvPr id="9" name="Image 8">
+            <a:extLst>
+              <a:ext uri="{FF2B5EF4-FFF2-40B4-BE49-F238E27FC236}">
+                <a16:creationId xmlns:a16="http://schemas.microsoft.com/office/drawing/2014/main" id="{E4E3CA2A-04A6-A5DC-201D-0D3AD6938453}"/>
+              </a:ext>
+            </a:extLst>
+          </p:cNvPr>
+          <p:cNvPicPr>
+            <a:picLocks noChangeAspect="1"/>
+          </p:cNvPicPr>
+          <p:nvPr/>
+        </p:nvPicPr>
+        <p:blipFill>
+          <a:blip r:embed="rId2"/>
+          <a:stretch>
+            <a:fillRect/>
+          </a:stretch>
+        </p:blipFill>
+        <p:spPr>
+          <a:xfrm>
+            <a:off x="280348" y="2005740"/>
+            <a:ext cx="6256062" cy="4600846"/>
+          </a:xfrm>
+          <a:prstGeom prst="rect">
+            <a:avLst/>
+          </a:prstGeom>
+        </p:spPr>
+      </p:pic>
+      <p:pic>
+        <p:nvPicPr>
+          <p:cNvPr id="6" name="Image 5">
+            <a:extLst>
+              <a:ext uri="{FF2B5EF4-FFF2-40B4-BE49-F238E27FC236}">
+                <a16:creationId xmlns:a16="http://schemas.microsoft.com/office/drawing/2014/main" id="{52A209EF-C0E9-5E53-0241-28A9E98F5C8E}"/>
+              </a:ext>
+            </a:extLst>
+          </p:cNvPr>
+          <p:cNvPicPr>
+            <a:picLocks noChangeAspect="1"/>
+          </p:cNvPicPr>
+          <p:nvPr/>
+        </p:nvPicPr>
+        <p:blipFill>
+          <a:blip r:embed="rId3"/>
+          <a:stretch>
+            <a:fillRect/>
+          </a:stretch>
+        </p:blipFill>
+        <p:spPr>
+          <a:xfrm>
+            <a:off x="280348" y="364229"/>
+            <a:ext cx="5522026" cy="1699594"/>
+          </a:xfrm>
+          <a:prstGeom prst="rect">
+            <a:avLst/>
+          </a:prstGeom>
+        </p:spPr>
+      </p:pic>
+      <p:sp>
+        <p:nvSpPr>
+          <p:cNvPr id="3" name="Espace réservé du numéro de diapositive 2"/>
+          <p:cNvSpPr>
+            <a:spLocks noGrp="1"/>
+          </p:cNvSpPr>
+          <p:nvPr>
+            <p:ph type="sldNum" sz="quarter" idx="12"/>
+          </p:nvPr>
+        </p:nvSpPr>
+        <p:spPr/>
+        <p:txBody>
+          <a:bodyPr/>
+          <a:lstStyle/>
+          <a:p>
+            <a:fld id="{D57F1E4F-1CFF-5643-939E-217C01CDF565}" type="slidenum">
+              <a:rPr lang="en-US" smtClean="0"/>
+              <a:pPr/>
+              <a:t>24</a:t>
+            </a:fld>
+            <a:endParaRPr lang="en-US" dirty="0"/>
+          </a:p>
+        </p:txBody>
+      </p:sp>
+    </p:spTree>
+    <p:extLst>
+      <p:ext uri="{BB962C8B-B14F-4D97-AF65-F5344CB8AC3E}">
+        <p14:creationId xmlns:p14="http://schemas.microsoft.com/office/powerpoint/2010/main" val="1107590566"/>
+      </p:ext>
+    </p:extLst>
+  </p:cSld>
+  <p:clrMapOvr>
+    <a:masterClrMapping/>
+  </p:clrMapOvr>
+</p:sld>
+</file>
+
+<file path=ppt/slides/slide25.xml><?xml version="1.0" encoding="utf-8"?>
+<p:sld xmlns:a="http://schemas.openxmlformats.org/drawingml/2006/main" xmlns:r="http://schemas.openxmlformats.org/officeDocument/2006/relationships" xmlns:p="http://schemas.openxmlformats.org/presentationml/2006/main">
+  <p:cSld>
+    <p:spTree>
+      <p:nvGrpSpPr>
+        <p:cNvPr id="1" name=""/>
+        <p:cNvGrpSpPr/>
+        <p:nvPr/>
+      </p:nvGrpSpPr>
+      <p:grpSpPr>
+        <a:xfrm>
+          <a:off x="0" y="0"/>
+          <a:ext cx="0" cy="0"/>
+          <a:chOff x="0" y="0"/>
+          <a:chExt cx="0" cy="0"/>
+        </a:xfrm>
+      </p:grpSpPr>
+      <p:sp>
+        <p:nvSpPr>
+          <p:cNvPr id="3" name="Espace réservé du contenu 2">
+            <a:extLst>
+              <a:ext uri="{FF2B5EF4-FFF2-40B4-BE49-F238E27FC236}">
+                <a16:creationId xmlns:a16="http://schemas.microsoft.com/office/drawing/2014/main" id="{E209249B-AB26-E703-4BF8-BDB15EA80F2B}"/>
+              </a:ext>
+            </a:extLst>
+          </p:cNvPr>
+          <p:cNvSpPr>
+            <a:spLocks noGrp="1"/>
+          </p:cNvSpPr>
+          <p:nvPr>
+            <p:ph idx="1"/>
+          </p:nvPr>
+        </p:nvSpPr>
+        <p:spPr>
+          <a:xfrm>
+            <a:off x="1218602" y="2003961"/>
+            <a:ext cx="9053554" cy="2431473"/>
+          </a:xfrm>
+        </p:spPr>
+        <p:txBody>
+          <a:bodyPr/>
+          <a:lstStyle/>
+          <a:p>
+            <a:pPr marL="0" indent="0">
+              <a:buNone/>
+            </a:pPr>
+            <a:r>
+              <a:rPr lang="fr-FR" b="1" u="sng" dirty="0">
+                <a:solidFill>
+                  <a:srgbClr val="751515"/>
+                </a:solidFill>
+              </a:rPr>
+              <a:t>Récapitulatif:</a:t>
+            </a:r>
+          </a:p>
+          <a:p>
+            <a:pPr marL="457200" lvl="1" indent="0">
+              <a:buNone/>
+            </a:pPr>
+            <a:r>
+              <a:rPr lang="fr-FR" dirty="0"/>
+              <a:t>Nous livrons un site internet début juillet de style galerie, comprenant un nouveau logo, une page d’accueil contenant une bio  la dernière peinture et des commentaires, une page galerie contenant les peintures du client, une page de contact, une page de gestion des tableaux.	</a:t>
+            </a:r>
+          </a:p>
+          <a:p>
+            <a:pPr lvl="1"/>
+            <a:endParaRPr lang="fr-FR" dirty="0"/>
+          </a:p>
+        </p:txBody>
+      </p:sp>
+      <p:sp>
+        <p:nvSpPr>
+          <p:cNvPr id="4" name="Espace réservé du numéro de diapositive 3"/>
+          <p:cNvSpPr>
+            <a:spLocks noGrp="1"/>
+          </p:cNvSpPr>
+          <p:nvPr>
+            <p:ph type="sldNum" sz="quarter" idx="12"/>
+          </p:nvPr>
+        </p:nvSpPr>
+        <p:spPr/>
+        <p:txBody>
+          <a:bodyPr/>
+          <a:lstStyle/>
+          <a:p>
+            <a:fld id="{D57F1E4F-1CFF-5643-939E-217C01CDF565}" type="slidenum">
+              <a:rPr lang="en-US" smtClean="0"/>
+              <a:pPr/>
+              <a:t>25</a:t>
+            </a:fld>
+            <a:endParaRPr lang="en-US" dirty="0"/>
+          </a:p>
+        </p:txBody>
+      </p:sp>
+    </p:spTree>
+    <p:extLst>
+      <p:ext uri="{BB962C8B-B14F-4D97-AF65-F5344CB8AC3E}">
+        <p14:creationId xmlns:p14="http://schemas.microsoft.com/office/powerpoint/2010/main" val="3690427952"/>
+      </p:ext>
+    </p:extLst>
+  </p:cSld>
+  <p:clrMapOvr>
+    <a:masterClrMapping/>
+  </p:clrMapOvr>
+</p:sld>
+</file>
+
+<file path=ppt/slides/slide26.xml><?xml version="1.0" encoding="utf-8"?>
+<p:sld xmlns:a="http://schemas.openxmlformats.org/drawingml/2006/main" xmlns:r="http://schemas.openxmlformats.org/officeDocument/2006/relationships" xmlns:p="http://schemas.openxmlformats.org/presentationml/2006/main">
+  <p:cSld>
+    <p:spTree>
+      <p:nvGrpSpPr>
+        <p:cNvPr id="1" name=""/>
+        <p:cNvGrpSpPr/>
+        <p:nvPr/>
+      </p:nvGrpSpPr>
+      <p:grpSpPr>
+        <a:xfrm>
+          <a:off x="0" y="0"/>
+          <a:ext cx="0" cy="0"/>
+          <a:chOff x="0" y="0"/>
+          <a:chExt cx="0" cy="0"/>
+        </a:xfrm>
+      </p:grpSpPr>
+      <p:sp>
+        <p:nvSpPr>
+          <p:cNvPr id="4" name="ZoneTexte 3">
+            <a:extLst>
+              <a:ext uri="{FF2B5EF4-FFF2-40B4-BE49-F238E27FC236}">
+                <a16:creationId xmlns:a16="http://schemas.microsoft.com/office/drawing/2014/main" id="{A36F338B-F922-DB62-2584-A41AD766EB27}"/>
+              </a:ext>
+            </a:extLst>
+          </p:cNvPr>
+          <p:cNvSpPr txBox="1"/>
+          <p:nvPr/>
+        </p:nvSpPr>
+        <p:spPr>
+          <a:xfrm>
+            <a:off x="1213659" y="2227811"/>
+            <a:ext cx="9077498" cy="2031325"/>
+          </a:xfrm>
+          <a:prstGeom prst="rect">
+            <a:avLst/>
+          </a:prstGeom>
+          <a:noFill/>
+        </p:spPr>
+        <p:txBody>
+          <a:bodyPr wrap="square" rtlCol="0">
+            <a:spAutoFit/>
+          </a:bodyPr>
+          <a:lstStyle/>
+          <a:p>
+            <a:r>
+              <a:rPr lang="fr-FR" b="1" u="sng" dirty="0">
+                <a:solidFill>
+                  <a:srgbClr val="751515"/>
+                </a:solidFill>
+              </a:rPr>
+              <a:t>Les coûts et délais:</a:t>
+            </a:r>
+          </a:p>
+          <a:p>
+            <a:r>
+              <a:rPr lang="fr-FR" dirty="0"/>
+              <a:t>	</a:t>
+            </a:r>
+            <a:r>
+              <a:rPr lang="fr-FR" dirty="0">
+                <a:solidFill>
+                  <a:schemeClr val="bg1"/>
+                </a:solidFill>
+              </a:rPr>
+              <a:t>- Site offert soit un gain de 150 euros/jour/développeur pour 10 jours.</a:t>
+            </a:r>
+          </a:p>
+          <a:p>
+            <a:r>
+              <a:rPr lang="fr-FR" dirty="0">
+                <a:solidFill>
+                  <a:schemeClr val="bg1"/>
+                </a:solidFill>
+              </a:rPr>
+              <a:t>	  comprenant le cahier des charges, le maquettage, la création d’un logo, 	  la création du site, la création de la base de données.</a:t>
+            </a:r>
+          </a:p>
+          <a:p>
+            <a:r>
+              <a:rPr lang="fr-FR" dirty="0">
+                <a:solidFill>
+                  <a:schemeClr val="bg1"/>
+                </a:solidFill>
+              </a:rPr>
+              <a:t>	  Les frais de  mise en ligne a  la charge du client.</a:t>
+            </a:r>
+          </a:p>
+          <a:p>
+            <a:r>
+              <a:rPr lang="fr-FR" dirty="0">
+                <a:solidFill>
+                  <a:schemeClr val="bg1"/>
+                </a:solidFill>
+              </a:rPr>
+              <a:t>	- Livraisons prévu début juillet 2023.</a:t>
+            </a:r>
+          </a:p>
+          <a:p>
+            <a:endParaRPr lang="fr-FR" dirty="0"/>
+          </a:p>
+        </p:txBody>
+      </p:sp>
+      <p:sp>
+        <p:nvSpPr>
+          <p:cNvPr id="3" name="Espace réservé du numéro de diapositive 2"/>
+          <p:cNvSpPr>
+            <a:spLocks noGrp="1"/>
+          </p:cNvSpPr>
+          <p:nvPr>
+            <p:ph type="sldNum" sz="quarter" idx="12"/>
+          </p:nvPr>
+        </p:nvSpPr>
+        <p:spPr/>
+        <p:txBody>
+          <a:bodyPr/>
+          <a:lstStyle/>
+          <a:p>
+            <a:fld id="{D57F1E4F-1CFF-5643-939E-217C01CDF565}" type="slidenum">
+              <a:rPr lang="en-US" smtClean="0"/>
+              <a:pPr/>
+              <a:t>26</a:t>
+            </a:fld>
+            <a:endParaRPr lang="en-US" dirty="0"/>
+          </a:p>
+        </p:txBody>
+      </p:sp>
+    </p:spTree>
+    <p:extLst>
+      <p:ext uri="{BB962C8B-B14F-4D97-AF65-F5344CB8AC3E}">
+        <p14:creationId xmlns:p14="http://schemas.microsoft.com/office/powerpoint/2010/main" val="1317641096"/>
+      </p:ext>
+    </p:extLst>
+  </p:cSld>
+  <p:clrMapOvr>
+    <a:masterClrMapping/>
+  </p:clrMapOvr>
+</p:sld>
+</file>
+
+<file path=ppt/slides/slide27.xml><?xml version="1.0" encoding="utf-8"?>
+<p:sld xmlns:a="http://schemas.openxmlformats.org/drawingml/2006/main" xmlns:r="http://schemas.openxmlformats.org/officeDocument/2006/relationships" xmlns:p="http://schemas.openxmlformats.org/presentationml/2006/main">
+  <p:cSld>
+    <p:spTree>
+      <p:nvGrpSpPr>
+        <p:cNvPr id="1" name=""/>
+        <p:cNvGrpSpPr/>
+        <p:nvPr/>
+      </p:nvGrpSpPr>
+      <p:grpSpPr>
+        <a:xfrm>
+          <a:off x="0" y="0"/>
+          <a:ext cx="0" cy="0"/>
+          <a:chOff x="0" y="0"/>
+          <a:chExt cx="0" cy="0"/>
+        </a:xfrm>
+      </p:grpSpPr>
+      <p:sp>
+        <p:nvSpPr>
+          <p:cNvPr id="4" name="ZoneTexte 3">
+            <a:extLst>
+              <a:ext uri="{FF2B5EF4-FFF2-40B4-BE49-F238E27FC236}">
+                <a16:creationId xmlns:a16="http://schemas.microsoft.com/office/drawing/2014/main" id="{2A66F914-04BA-DAC5-3CB8-39C1C8CBFE25}"/>
+              </a:ext>
+            </a:extLst>
+          </p:cNvPr>
+          <p:cNvSpPr txBox="1"/>
+          <p:nvPr/>
+        </p:nvSpPr>
+        <p:spPr>
+          <a:xfrm>
+            <a:off x="950026" y="528452"/>
+            <a:ext cx="2844140" cy="646331"/>
+          </a:xfrm>
+          <a:prstGeom prst="rect">
+            <a:avLst/>
+          </a:prstGeom>
+          <a:noFill/>
+        </p:spPr>
+        <p:txBody>
+          <a:bodyPr wrap="square" rtlCol="0">
+            <a:spAutoFit/>
+          </a:bodyPr>
+          <a:lstStyle/>
+          <a:p>
+            <a:r>
+              <a:rPr lang="fr-FR" b="1" u="sng" dirty="0">
+                <a:solidFill>
+                  <a:srgbClr val="751515"/>
+                </a:solidFill>
+              </a:rPr>
+              <a:t>Planning:</a:t>
+            </a:r>
+          </a:p>
+          <a:p>
+            <a:endParaRPr lang="fr-FR" dirty="0"/>
+          </a:p>
+        </p:txBody>
+      </p:sp>
+      <p:pic>
+        <p:nvPicPr>
+          <p:cNvPr id="6" name="Image 5">
+            <a:extLst>
+              <a:ext uri="{FF2B5EF4-FFF2-40B4-BE49-F238E27FC236}">
+                <a16:creationId xmlns:a16="http://schemas.microsoft.com/office/drawing/2014/main" id="{1E25515D-80E7-CBC6-C036-7660A343731E}"/>
+              </a:ext>
+            </a:extLst>
+          </p:cNvPr>
+          <p:cNvPicPr>
+            <a:picLocks noChangeAspect="1"/>
+          </p:cNvPicPr>
+          <p:nvPr/>
+        </p:nvPicPr>
+        <p:blipFill>
+          <a:blip r:embed="rId2"/>
+          <a:stretch>
+            <a:fillRect/>
+          </a:stretch>
+        </p:blipFill>
+        <p:spPr>
+          <a:xfrm>
+            <a:off x="2600696" y="876504"/>
+            <a:ext cx="8390279" cy="5877509"/>
+          </a:xfrm>
+          <a:prstGeom prst="rect">
+            <a:avLst/>
+          </a:prstGeom>
+        </p:spPr>
+      </p:pic>
+      <p:sp>
+        <p:nvSpPr>
+          <p:cNvPr id="3" name="Espace réservé du numéro de diapositive 2"/>
+          <p:cNvSpPr>
+            <a:spLocks noGrp="1"/>
+          </p:cNvSpPr>
+          <p:nvPr>
+            <p:ph type="sldNum" sz="quarter" idx="12"/>
+          </p:nvPr>
+        </p:nvSpPr>
+        <p:spPr/>
+        <p:txBody>
+          <a:bodyPr/>
+          <a:lstStyle/>
+          <a:p>
+            <a:fld id="{D57F1E4F-1CFF-5643-939E-217C01CDF565}" type="slidenum">
+              <a:rPr lang="en-US" smtClean="0"/>
+              <a:pPr/>
+              <a:t>27</a:t>
+            </a:fld>
+            <a:endParaRPr lang="en-US" dirty="0"/>
+          </a:p>
+        </p:txBody>
+      </p:sp>
+    </p:spTree>
+    <p:extLst>
+      <p:ext uri="{BB962C8B-B14F-4D97-AF65-F5344CB8AC3E}">
+        <p14:creationId xmlns:p14="http://schemas.microsoft.com/office/powerpoint/2010/main" val="2368108637"/>
+      </p:ext>
+    </p:extLst>
+  </p:cSld>
+  <p:clrMapOvr>
+    <a:masterClrMapping/>
+  </p:clrMapOvr>
+</p:sld>
+</file>
+
+<file path=ppt/slides/slide3.xml><?xml version="1.0" encoding="utf-8"?>
 <p:sld xmlns:a="http://schemas.openxmlformats.org/drawingml/2006/main" xmlns:r="http://schemas.openxmlformats.org/officeDocument/2006/relationships" xmlns:p="http://schemas.openxmlformats.org/presentationml/2006/main">
   <p:cSld>
     <p:bg>
@@ -7912,7 +9807,7 @@
             <a:fld id="{D57F1E4F-1CFF-5643-939E-217C01CDF565}" type="slidenum">
               <a:rPr lang="en-US" smtClean="0"/>
               <a:pPr/>
-              <a:t>2</a:t>
+              <a:t>3</a:t>
             </a:fld>
             <a:endParaRPr lang="en-US" dirty="0"/>
           </a:p>
@@ -9344,796 +11239,7 @@
 </p:sld>
 </file>
 
-<file path=ppt/slides/slide20.xml><?xml version="1.0" encoding="utf-8"?>
-<p:sld xmlns:a="http://schemas.openxmlformats.org/drawingml/2006/main" xmlns:r="http://schemas.openxmlformats.org/officeDocument/2006/relationships" xmlns:p="http://schemas.openxmlformats.org/presentationml/2006/main">
-  <p:cSld>
-    <p:spTree>
-      <p:nvGrpSpPr>
-        <p:cNvPr id="1" name=""/>
-        <p:cNvGrpSpPr/>
-        <p:nvPr/>
-      </p:nvGrpSpPr>
-      <p:grpSpPr>
-        <a:xfrm>
-          <a:off x="0" y="0"/>
-          <a:ext cx="0" cy="0"/>
-          <a:chOff x="0" y="0"/>
-          <a:chExt cx="0" cy="0"/>
-        </a:xfrm>
-      </p:grpSpPr>
-      <p:sp>
-        <p:nvSpPr>
-          <p:cNvPr id="4" name="ZoneTexte 3">
-            <a:extLst>
-              <a:ext uri="{FF2B5EF4-FFF2-40B4-BE49-F238E27FC236}">
-                <a16:creationId xmlns:a16="http://schemas.microsoft.com/office/drawing/2014/main" id="{47A50AC8-1AD1-7E31-B9CE-943E885052FC}"/>
-              </a:ext>
-            </a:extLst>
-          </p:cNvPr>
-          <p:cNvSpPr txBox="1"/>
-          <p:nvPr/>
-        </p:nvSpPr>
-        <p:spPr>
-          <a:xfrm>
-            <a:off x="960699" y="682906"/>
-            <a:ext cx="9838481" cy="923330"/>
-          </a:xfrm>
-          <a:prstGeom prst="rect">
-            <a:avLst/>
-          </a:prstGeom>
-          <a:noFill/>
-        </p:spPr>
-        <p:txBody>
-          <a:bodyPr wrap="square" rtlCol="0">
-            <a:spAutoFit/>
-          </a:bodyPr>
-          <a:lstStyle/>
-          <a:p>
-            <a:r>
-              <a:rPr lang="fr-FR" b="1" u="sng" dirty="0">
-                <a:solidFill>
-                  <a:srgbClr val="8F1919"/>
-                </a:solidFill>
-              </a:rPr>
-              <a:t>Fonctionnalité front:</a:t>
-            </a:r>
-          </a:p>
-          <a:p>
-            <a:endParaRPr lang="fr-FR" b="1" u="sng" dirty="0">
-              <a:solidFill>
-                <a:srgbClr val="8F1919"/>
-              </a:solidFill>
-            </a:endParaRPr>
-          </a:p>
-          <a:p>
-            <a:r>
-              <a:rPr lang="fr-FR" dirty="0">
-                <a:solidFill>
-                  <a:schemeClr val="bg1"/>
-                </a:solidFill>
-              </a:rPr>
-              <a:t>Création d’avis visiteurs</a:t>
-            </a:r>
-          </a:p>
-        </p:txBody>
-      </p:sp>
-      <p:pic>
-        <p:nvPicPr>
-          <p:cNvPr id="6" name="Image 5">
-            <a:extLst>
-              <a:ext uri="{FF2B5EF4-FFF2-40B4-BE49-F238E27FC236}">
-                <a16:creationId xmlns:a16="http://schemas.microsoft.com/office/drawing/2014/main" id="{6C54ED65-BF81-992D-4ADF-2B5AD394E439}"/>
-              </a:ext>
-            </a:extLst>
-          </p:cNvPr>
-          <p:cNvPicPr>
-            <a:picLocks noChangeAspect="1"/>
-          </p:cNvPicPr>
-          <p:nvPr/>
-        </p:nvPicPr>
-        <p:blipFill>
-          <a:blip r:embed="rId2"/>
-          <a:stretch>
-            <a:fillRect/>
-          </a:stretch>
-        </p:blipFill>
-        <p:spPr>
-          <a:xfrm>
-            <a:off x="665166" y="1953492"/>
-            <a:ext cx="3864602" cy="3794166"/>
-          </a:xfrm>
-          <a:prstGeom prst="rect">
-            <a:avLst/>
-          </a:prstGeom>
-        </p:spPr>
-      </p:pic>
-      <p:pic>
-        <p:nvPicPr>
-          <p:cNvPr id="10" name="Image 9">
-            <a:extLst>
-              <a:ext uri="{FF2B5EF4-FFF2-40B4-BE49-F238E27FC236}">
-                <a16:creationId xmlns:a16="http://schemas.microsoft.com/office/drawing/2014/main" id="{921B55B9-62C8-44E9-A519-048BCC8F4A55}"/>
-              </a:ext>
-            </a:extLst>
-          </p:cNvPr>
-          <p:cNvPicPr>
-            <a:picLocks noChangeAspect="1"/>
-          </p:cNvPicPr>
-          <p:nvPr/>
-        </p:nvPicPr>
-        <p:blipFill>
-          <a:blip r:embed="rId3"/>
-          <a:stretch>
-            <a:fillRect/>
-          </a:stretch>
-        </p:blipFill>
-        <p:spPr>
-          <a:xfrm>
-            <a:off x="4903996" y="2606634"/>
-            <a:ext cx="7151438" cy="3880504"/>
-          </a:xfrm>
-          <a:prstGeom prst="rect">
-            <a:avLst/>
-          </a:prstGeom>
-        </p:spPr>
-      </p:pic>
-      <p:pic>
-        <p:nvPicPr>
-          <p:cNvPr id="14" name="Image 13">
-            <a:extLst>
-              <a:ext uri="{FF2B5EF4-FFF2-40B4-BE49-F238E27FC236}">
-                <a16:creationId xmlns:a16="http://schemas.microsoft.com/office/drawing/2014/main" id="{2CC676BF-7715-B3CF-CB94-C9764598D015}"/>
-              </a:ext>
-            </a:extLst>
-          </p:cNvPr>
-          <p:cNvPicPr>
-            <a:picLocks noChangeAspect="1"/>
-          </p:cNvPicPr>
-          <p:nvPr/>
-        </p:nvPicPr>
-        <p:blipFill>
-          <a:blip r:embed="rId4"/>
-          <a:stretch>
-            <a:fillRect/>
-          </a:stretch>
-        </p:blipFill>
-        <p:spPr>
-          <a:xfrm>
-            <a:off x="4903996" y="1698729"/>
-            <a:ext cx="3716976" cy="907905"/>
-          </a:xfrm>
-          <a:prstGeom prst="rect">
-            <a:avLst/>
-          </a:prstGeom>
-        </p:spPr>
-      </p:pic>
-      <p:sp>
-        <p:nvSpPr>
-          <p:cNvPr id="3" name="Espace réservé du numéro de diapositive 2"/>
-          <p:cNvSpPr>
-            <a:spLocks noGrp="1"/>
-          </p:cNvSpPr>
-          <p:nvPr>
-            <p:ph type="sldNum" sz="quarter" idx="12"/>
-          </p:nvPr>
-        </p:nvSpPr>
-        <p:spPr/>
-        <p:txBody>
-          <a:bodyPr/>
-          <a:lstStyle/>
-          <a:p>
-            <a:fld id="{D57F1E4F-1CFF-5643-939E-217C01CDF565}" type="slidenum">
-              <a:rPr lang="en-US" smtClean="0"/>
-              <a:pPr/>
-              <a:t>20</a:t>
-            </a:fld>
-            <a:endParaRPr lang="en-US" dirty="0"/>
-          </a:p>
-        </p:txBody>
-      </p:sp>
-    </p:spTree>
-    <p:extLst>
-      <p:ext uri="{BB962C8B-B14F-4D97-AF65-F5344CB8AC3E}">
-        <p14:creationId xmlns:p14="http://schemas.microsoft.com/office/powerpoint/2010/main" val="4070325940"/>
-      </p:ext>
-    </p:extLst>
-  </p:cSld>
-  <p:clrMapOvr>
-    <a:masterClrMapping/>
-  </p:clrMapOvr>
-</p:sld>
-</file>
-
-<file path=ppt/slides/slide21.xml><?xml version="1.0" encoding="utf-8"?>
-<p:sld xmlns:a="http://schemas.openxmlformats.org/drawingml/2006/main" xmlns:r="http://schemas.openxmlformats.org/officeDocument/2006/relationships" xmlns:p="http://schemas.openxmlformats.org/presentationml/2006/main">
-  <p:cSld>
-    <p:spTree>
-      <p:nvGrpSpPr>
-        <p:cNvPr id="1" name=""/>
-        <p:cNvGrpSpPr/>
-        <p:nvPr/>
-      </p:nvGrpSpPr>
-      <p:grpSpPr>
-        <a:xfrm>
-          <a:off x="0" y="0"/>
-          <a:ext cx="0" cy="0"/>
-          <a:chOff x="0" y="0"/>
-          <a:chExt cx="0" cy="0"/>
-        </a:xfrm>
-      </p:grpSpPr>
-      <p:sp>
-        <p:nvSpPr>
-          <p:cNvPr id="7" name="ZoneTexte 6">
-            <a:extLst>
-              <a:ext uri="{FF2B5EF4-FFF2-40B4-BE49-F238E27FC236}">
-                <a16:creationId xmlns:a16="http://schemas.microsoft.com/office/drawing/2014/main" id="{6909ECCF-75ED-F0AE-C896-F58BC3C22773}"/>
-              </a:ext>
-            </a:extLst>
-          </p:cNvPr>
-          <p:cNvSpPr txBox="1"/>
-          <p:nvPr/>
-        </p:nvSpPr>
-        <p:spPr>
-          <a:xfrm>
-            <a:off x="6898511" y="251414"/>
-            <a:ext cx="5013141" cy="2585323"/>
-          </a:xfrm>
-          <a:prstGeom prst="rect">
-            <a:avLst/>
-          </a:prstGeom>
-          <a:noFill/>
-        </p:spPr>
-        <p:txBody>
-          <a:bodyPr wrap="square" rtlCol="0">
-            <a:spAutoFit/>
-          </a:bodyPr>
-          <a:lstStyle/>
-          <a:p>
-            <a:r>
-              <a:rPr lang="fr-FR" dirty="0">
-                <a:solidFill>
-                  <a:schemeClr val="bg1"/>
-                </a:solidFill>
-              </a:rPr>
-              <a:t>Je récupère les balises input/ </a:t>
-            </a:r>
-            <a:r>
-              <a:rPr lang="fr-FR" dirty="0" err="1">
-                <a:solidFill>
-                  <a:schemeClr val="bg1"/>
-                </a:solidFill>
-              </a:rPr>
-              <a:t>textarea</a:t>
-            </a:r>
-            <a:r>
-              <a:rPr lang="fr-FR" dirty="0">
-                <a:solidFill>
-                  <a:schemeClr val="bg1"/>
-                </a:solidFill>
-              </a:rPr>
-              <a:t> et le bouton avec des </a:t>
-            </a:r>
-            <a:r>
-              <a:rPr lang="fr-FR" dirty="0" err="1">
-                <a:solidFill>
-                  <a:schemeClr val="bg1"/>
-                </a:solidFill>
-              </a:rPr>
-              <a:t>queryselector</a:t>
-            </a:r>
-            <a:r>
-              <a:rPr lang="fr-FR" dirty="0">
-                <a:solidFill>
-                  <a:schemeClr val="bg1"/>
-                </a:solidFill>
-              </a:rPr>
-              <a:t> via </a:t>
-            </a:r>
-            <a:r>
-              <a:rPr lang="fr-FR" dirty="0" err="1">
-                <a:solidFill>
-                  <a:schemeClr val="bg1"/>
-                </a:solidFill>
-              </a:rPr>
-              <a:t>l’id</a:t>
-            </a:r>
-            <a:r>
-              <a:rPr lang="fr-FR" dirty="0">
-                <a:solidFill>
-                  <a:schemeClr val="bg1"/>
-                </a:solidFill>
-              </a:rPr>
-              <a:t> ou la classe. Je met un écouteur d’événement sur le bouton de soumission; au clique je récupère les valeurs écrites par le visiteur ou si un des champs est vide j’envoie un message d’alerte pour remplir tout </a:t>
-            </a:r>
-            <a:r>
-              <a:rPr lang="fr-FR">
-                <a:solidFill>
-                  <a:schemeClr val="bg1"/>
-                </a:solidFill>
-              </a:rPr>
-              <a:t>les champs.</a:t>
-            </a:r>
-          </a:p>
-          <a:p>
-            <a:endParaRPr lang="fr-FR" dirty="0">
-              <a:solidFill>
-                <a:schemeClr val="bg1"/>
-              </a:solidFill>
-            </a:endParaRPr>
-          </a:p>
-        </p:txBody>
-      </p:sp>
-      <p:pic>
-        <p:nvPicPr>
-          <p:cNvPr id="9" name="Image 8">
-            <a:extLst>
-              <a:ext uri="{FF2B5EF4-FFF2-40B4-BE49-F238E27FC236}">
-                <a16:creationId xmlns:a16="http://schemas.microsoft.com/office/drawing/2014/main" id="{E4E3CA2A-04A6-A5DC-201D-0D3AD6938453}"/>
-              </a:ext>
-            </a:extLst>
-          </p:cNvPr>
-          <p:cNvPicPr>
-            <a:picLocks noChangeAspect="1"/>
-          </p:cNvPicPr>
-          <p:nvPr/>
-        </p:nvPicPr>
-        <p:blipFill>
-          <a:blip r:embed="rId2"/>
-          <a:stretch>
-            <a:fillRect/>
-          </a:stretch>
-        </p:blipFill>
-        <p:spPr>
-          <a:xfrm>
-            <a:off x="280348" y="2005740"/>
-            <a:ext cx="6256062" cy="4600846"/>
-          </a:xfrm>
-          <a:prstGeom prst="rect">
-            <a:avLst/>
-          </a:prstGeom>
-        </p:spPr>
-      </p:pic>
-      <p:pic>
-        <p:nvPicPr>
-          <p:cNvPr id="6" name="Image 5">
-            <a:extLst>
-              <a:ext uri="{FF2B5EF4-FFF2-40B4-BE49-F238E27FC236}">
-                <a16:creationId xmlns:a16="http://schemas.microsoft.com/office/drawing/2014/main" id="{52A209EF-C0E9-5E53-0241-28A9E98F5C8E}"/>
-              </a:ext>
-            </a:extLst>
-          </p:cNvPr>
-          <p:cNvPicPr>
-            <a:picLocks noChangeAspect="1"/>
-          </p:cNvPicPr>
-          <p:nvPr/>
-        </p:nvPicPr>
-        <p:blipFill>
-          <a:blip r:embed="rId3"/>
-          <a:stretch>
-            <a:fillRect/>
-          </a:stretch>
-        </p:blipFill>
-        <p:spPr>
-          <a:xfrm>
-            <a:off x="280348" y="364229"/>
-            <a:ext cx="5522026" cy="1699594"/>
-          </a:xfrm>
-          <a:prstGeom prst="rect">
-            <a:avLst/>
-          </a:prstGeom>
-        </p:spPr>
-      </p:pic>
-      <p:sp>
-        <p:nvSpPr>
-          <p:cNvPr id="3" name="Espace réservé du numéro de diapositive 2"/>
-          <p:cNvSpPr>
-            <a:spLocks noGrp="1"/>
-          </p:cNvSpPr>
-          <p:nvPr>
-            <p:ph type="sldNum" sz="quarter" idx="12"/>
-          </p:nvPr>
-        </p:nvSpPr>
-        <p:spPr/>
-        <p:txBody>
-          <a:bodyPr/>
-          <a:lstStyle/>
-          <a:p>
-            <a:fld id="{D57F1E4F-1CFF-5643-939E-217C01CDF565}" type="slidenum">
-              <a:rPr lang="en-US" smtClean="0"/>
-              <a:pPr/>
-              <a:t>21</a:t>
-            </a:fld>
-            <a:endParaRPr lang="en-US" dirty="0"/>
-          </a:p>
-        </p:txBody>
-      </p:sp>
-    </p:spTree>
-    <p:extLst>
-      <p:ext uri="{BB962C8B-B14F-4D97-AF65-F5344CB8AC3E}">
-        <p14:creationId xmlns:p14="http://schemas.microsoft.com/office/powerpoint/2010/main" val="1107590566"/>
-      </p:ext>
-    </p:extLst>
-  </p:cSld>
-  <p:clrMapOvr>
-    <a:masterClrMapping/>
-  </p:clrMapOvr>
-</p:sld>
-</file>
-
-<file path=ppt/slides/slide22.xml><?xml version="1.0" encoding="utf-8"?>
-<p:sld xmlns:a="http://schemas.openxmlformats.org/drawingml/2006/main" xmlns:r="http://schemas.openxmlformats.org/officeDocument/2006/relationships" xmlns:p="http://schemas.openxmlformats.org/presentationml/2006/main">
-  <p:cSld>
-    <p:spTree>
-      <p:nvGrpSpPr>
-        <p:cNvPr id="1" name=""/>
-        <p:cNvGrpSpPr/>
-        <p:nvPr/>
-      </p:nvGrpSpPr>
-      <p:grpSpPr>
-        <a:xfrm>
-          <a:off x="0" y="0"/>
-          <a:ext cx="0" cy="0"/>
-          <a:chOff x="0" y="0"/>
-          <a:chExt cx="0" cy="0"/>
-        </a:xfrm>
-      </p:grpSpPr>
-      <p:sp>
-        <p:nvSpPr>
-          <p:cNvPr id="3" name="Espace réservé du contenu 2">
-            <a:extLst>
-              <a:ext uri="{FF2B5EF4-FFF2-40B4-BE49-F238E27FC236}">
-                <a16:creationId xmlns:a16="http://schemas.microsoft.com/office/drawing/2014/main" id="{E209249B-AB26-E703-4BF8-BDB15EA80F2B}"/>
-              </a:ext>
-            </a:extLst>
-          </p:cNvPr>
-          <p:cNvSpPr>
-            <a:spLocks noGrp="1"/>
-          </p:cNvSpPr>
-          <p:nvPr>
-            <p:ph idx="1"/>
-          </p:nvPr>
-        </p:nvSpPr>
-        <p:spPr>
-          <a:xfrm>
-            <a:off x="1218602" y="2003961"/>
-            <a:ext cx="9053554" cy="2431473"/>
-          </a:xfrm>
-        </p:spPr>
-        <p:txBody>
-          <a:bodyPr/>
-          <a:lstStyle/>
-          <a:p>
-            <a:pPr marL="0" indent="0">
-              <a:buNone/>
-            </a:pPr>
-            <a:r>
-              <a:rPr lang="fr-FR" b="1" u="sng" dirty="0">
-                <a:solidFill>
-                  <a:srgbClr val="751515"/>
-                </a:solidFill>
-              </a:rPr>
-              <a:t>Récapitulatif:</a:t>
-            </a:r>
-          </a:p>
-          <a:p>
-            <a:pPr marL="457200" lvl="1" indent="0">
-              <a:buNone/>
-            </a:pPr>
-            <a:r>
-              <a:rPr lang="fr-FR" dirty="0"/>
-              <a:t>Nous livrons un site internet début juillet de style galerie, comprenant un nouveau logo, une page d’accueil contenant une bio  la dernière peinture et des commentaires, une page galerie contenant les peintures du client, une page de contact, une page de gestion des tableaux.	</a:t>
-            </a:r>
-          </a:p>
-          <a:p>
-            <a:pPr lvl="1"/>
-            <a:endParaRPr lang="fr-FR" dirty="0"/>
-          </a:p>
-        </p:txBody>
-      </p:sp>
-      <p:sp>
-        <p:nvSpPr>
-          <p:cNvPr id="4" name="Espace réservé du numéro de diapositive 3"/>
-          <p:cNvSpPr>
-            <a:spLocks noGrp="1"/>
-          </p:cNvSpPr>
-          <p:nvPr>
-            <p:ph type="sldNum" sz="quarter" idx="12"/>
-          </p:nvPr>
-        </p:nvSpPr>
-        <p:spPr/>
-        <p:txBody>
-          <a:bodyPr/>
-          <a:lstStyle/>
-          <a:p>
-            <a:fld id="{D57F1E4F-1CFF-5643-939E-217C01CDF565}" type="slidenum">
-              <a:rPr lang="en-US" smtClean="0"/>
-              <a:pPr/>
-              <a:t>22</a:t>
-            </a:fld>
-            <a:endParaRPr lang="en-US" dirty="0"/>
-          </a:p>
-        </p:txBody>
-      </p:sp>
-    </p:spTree>
-    <p:extLst>
-      <p:ext uri="{BB962C8B-B14F-4D97-AF65-F5344CB8AC3E}">
-        <p14:creationId xmlns:p14="http://schemas.microsoft.com/office/powerpoint/2010/main" val="3690427952"/>
-      </p:ext>
-    </p:extLst>
-  </p:cSld>
-  <p:clrMapOvr>
-    <a:masterClrMapping/>
-  </p:clrMapOvr>
-</p:sld>
-</file>
-
-<file path=ppt/slides/slide23.xml><?xml version="1.0" encoding="utf-8"?>
-<p:sld xmlns:a="http://schemas.openxmlformats.org/drawingml/2006/main" xmlns:r="http://schemas.openxmlformats.org/officeDocument/2006/relationships" xmlns:p="http://schemas.openxmlformats.org/presentationml/2006/main">
-  <p:cSld>
-    <p:spTree>
-      <p:nvGrpSpPr>
-        <p:cNvPr id="1" name=""/>
-        <p:cNvGrpSpPr/>
-        <p:nvPr/>
-      </p:nvGrpSpPr>
-      <p:grpSpPr>
-        <a:xfrm>
-          <a:off x="0" y="0"/>
-          <a:ext cx="0" cy="0"/>
-          <a:chOff x="0" y="0"/>
-          <a:chExt cx="0" cy="0"/>
-        </a:xfrm>
-      </p:grpSpPr>
-      <p:sp>
-        <p:nvSpPr>
-          <p:cNvPr id="4" name="ZoneTexte 3">
-            <a:extLst>
-              <a:ext uri="{FF2B5EF4-FFF2-40B4-BE49-F238E27FC236}">
-                <a16:creationId xmlns:a16="http://schemas.microsoft.com/office/drawing/2014/main" id="{A36F338B-F922-DB62-2584-A41AD766EB27}"/>
-              </a:ext>
-            </a:extLst>
-          </p:cNvPr>
-          <p:cNvSpPr txBox="1"/>
-          <p:nvPr/>
-        </p:nvSpPr>
-        <p:spPr>
-          <a:xfrm>
-            <a:off x="1213659" y="2227811"/>
-            <a:ext cx="9077498" cy="2031325"/>
-          </a:xfrm>
-          <a:prstGeom prst="rect">
-            <a:avLst/>
-          </a:prstGeom>
-          <a:noFill/>
-        </p:spPr>
-        <p:txBody>
-          <a:bodyPr wrap="square" rtlCol="0">
-            <a:spAutoFit/>
-          </a:bodyPr>
-          <a:lstStyle/>
-          <a:p>
-            <a:r>
-              <a:rPr lang="fr-FR" b="1" u="sng" dirty="0">
-                <a:solidFill>
-                  <a:srgbClr val="751515"/>
-                </a:solidFill>
-              </a:rPr>
-              <a:t>Les coûts et délais:</a:t>
-            </a:r>
-          </a:p>
-          <a:p>
-            <a:r>
-              <a:rPr lang="fr-FR" dirty="0"/>
-              <a:t>	</a:t>
-            </a:r>
-            <a:r>
-              <a:rPr lang="fr-FR" dirty="0">
-                <a:solidFill>
-                  <a:schemeClr val="bg1"/>
-                </a:solidFill>
-              </a:rPr>
-              <a:t>- Site offert soit un gain de 150 euros/jour/développeur pour 10 jours.</a:t>
-            </a:r>
-          </a:p>
-          <a:p>
-            <a:r>
-              <a:rPr lang="fr-FR" dirty="0">
-                <a:solidFill>
-                  <a:schemeClr val="bg1"/>
-                </a:solidFill>
-              </a:rPr>
-              <a:t>	  comprenant le cahier des charges, le maquettage, la création d’un logo, 	  la création du site, la création de la base de données.</a:t>
-            </a:r>
-          </a:p>
-          <a:p>
-            <a:r>
-              <a:rPr lang="fr-FR" dirty="0">
-                <a:solidFill>
-                  <a:schemeClr val="bg1"/>
-                </a:solidFill>
-              </a:rPr>
-              <a:t>	  Les frais de  mise en ligne a  la charge du client.</a:t>
-            </a:r>
-          </a:p>
-          <a:p>
-            <a:r>
-              <a:rPr lang="fr-FR" dirty="0">
-                <a:solidFill>
-                  <a:schemeClr val="bg1"/>
-                </a:solidFill>
-              </a:rPr>
-              <a:t>	- Livraisons prévu début juillet 2023.</a:t>
-            </a:r>
-          </a:p>
-          <a:p>
-            <a:endParaRPr lang="fr-FR" dirty="0"/>
-          </a:p>
-        </p:txBody>
-      </p:sp>
-      <p:sp>
-        <p:nvSpPr>
-          <p:cNvPr id="3" name="Espace réservé du numéro de diapositive 2"/>
-          <p:cNvSpPr>
-            <a:spLocks noGrp="1"/>
-          </p:cNvSpPr>
-          <p:nvPr>
-            <p:ph type="sldNum" sz="quarter" idx="12"/>
-          </p:nvPr>
-        </p:nvSpPr>
-        <p:spPr/>
-        <p:txBody>
-          <a:bodyPr/>
-          <a:lstStyle/>
-          <a:p>
-            <a:fld id="{D57F1E4F-1CFF-5643-939E-217C01CDF565}" type="slidenum">
-              <a:rPr lang="en-US" smtClean="0"/>
-              <a:pPr/>
-              <a:t>23</a:t>
-            </a:fld>
-            <a:endParaRPr lang="en-US" dirty="0"/>
-          </a:p>
-        </p:txBody>
-      </p:sp>
-    </p:spTree>
-    <p:extLst>
-      <p:ext uri="{BB962C8B-B14F-4D97-AF65-F5344CB8AC3E}">
-        <p14:creationId xmlns:p14="http://schemas.microsoft.com/office/powerpoint/2010/main" val="1317641096"/>
-      </p:ext>
-    </p:extLst>
-  </p:cSld>
-  <p:clrMapOvr>
-    <a:masterClrMapping/>
-  </p:clrMapOvr>
-</p:sld>
-</file>
-
-<file path=ppt/slides/slide24.xml><?xml version="1.0" encoding="utf-8"?>
-<p:sld xmlns:a="http://schemas.openxmlformats.org/drawingml/2006/main" xmlns:r="http://schemas.openxmlformats.org/officeDocument/2006/relationships" xmlns:p="http://schemas.openxmlformats.org/presentationml/2006/main">
-  <p:cSld>
-    <p:spTree>
-      <p:nvGrpSpPr>
-        <p:cNvPr id="1" name=""/>
-        <p:cNvGrpSpPr/>
-        <p:nvPr/>
-      </p:nvGrpSpPr>
-      <p:grpSpPr>
-        <a:xfrm>
-          <a:off x="0" y="0"/>
-          <a:ext cx="0" cy="0"/>
-          <a:chOff x="0" y="0"/>
-          <a:chExt cx="0" cy="0"/>
-        </a:xfrm>
-      </p:grpSpPr>
-      <p:sp>
-        <p:nvSpPr>
-          <p:cNvPr id="4" name="ZoneTexte 3">
-            <a:extLst>
-              <a:ext uri="{FF2B5EF4-FFF2-40B4-BE49-F238E27FC236}">
-                <a16:creationId xmlns:a16="http://schemas.microsoft.com/office/drawing/2014/main" id="{2A66F914-04BA-DAC5-3CB8-39C1C8CBFE25}"/>
-              </a:ext>
-            </a:extLst>
-          </p:cNvPr>
-          <p:cNvSpPr txBox="1"/>
-          <p:nvPr/>
-        </p:nvSpPr>
-        <p:spPr>
-          <a:xfrm>
-            <a:off x="950026" y="528452"/>
-            <a:ext cx="2844140" cy="646331"/>
-          </a:xfrm>
-          <a:prstGeom prst="rect">
-            <a:avLst/>
-          </a:prstGeom>
-          <a:noFill/>
-        </p:spPr>
-        <p:txBody>
-          <a:bodyPr wrap="square" rtlCol="0">
-            <a:spAutoFit/>
-          </a:bodyPr>
-          <a:lstStyle/>
-          <a:p>
-            <a:r>
-              <a:rPr lang="fr-FR" b="1" u="sng" dirty="0">
-                <a:solidFill>
-                  <a:srgbClr val="751515"/>
-                </a:solidFill>
-              </a:rPr>
-              <a:t>Planning:</a:t>
-            </a:r>
-          </a:p>
-          <a:p>
-            <a:endParaRPr lang="fr-FR" dirty="0"/>
-          </a:p>
-        </p:txBody>
-      </p:sp>
-      <p:pic>
-        <p:nvPicPr>
-          <p:cNvPr id="6" name="Image 5">
-            <a:extLst>
-              <a:ext uri="{FF2B5EF4-FFF2-40B4-BE49-F238E27FC236}">
-                <a16:creationId xmlns:a16="http://schemas.microsoft.com/office/drawing/2014/main" id="{1E25515D-80E7-CBC6-C036-7660A343731E}"/>
-              </a:ext>
-            </a:extLst>
-          </p:cNvPr>
-          <p:cNvPicPr>
-            <a:picLocks noChangeAspect="1"/>
-          </p:cNvPicPr>
-          <p:nvPr/>
-        </p:nvPicPr>
-        <p:blipFill>
-          <a:blip r:embed="rId2"/>
-          <a:stretch>
-            <a:fillRect/>
-          </a:stretch>
-        </p:blipFill>
-        <p:spPr>
-          <a:xfrm>
-            <a:off x="2600696" y="876504"/>
-            <a:ext cx="8390279" cy="5877509"/>
-          </a:xfrm>
-          <a:prstGeom prst="rect">
-            <a:avLst/>
-          </a:prstGeom>
-        </p:spPr>
-      </p:pic>
-      <p:sp>
-        <p:nvSpPr>
-          <p:cNvPr id="3" name="Espace réservé du numéro de diapositive 2"/>
-          <p:cNvSpPr>
-            <a:spLocks noGrp="1"/>
-          </p:cNvSpPr>
-          <p:nvPr>
-            <p:ph type="sldNum" sz="quarter" idx="12"/>
-          </p:nvPr>
-        </p:nvSpPr>
-        <p:spPr/>
-        <p:txBody>
-          <a:bodyPr/>
-          <a:lstStyle/>
-          <a:p>
-            <a:fld id="{D57F1E4F-1CFF-5643-939E-217C01CDF565}" type="slidenum">
-              <a:rPr lang="en-US" smtClean="0"/>
-              <a:pPr/>
-              <a:t>24</a:t>
-            </a:fld>
-            <a:endParaRPr lang="en-US" dirty="0"/>
-          </a:p>
-        </p:txBody>
-      </p:sp>
-    </p:spTree>
-    <p:extLst>
-      <p:ext uri="{BB962C8B-B14F-4D97-AF65-F5344CB8AC3E}">
-        <p14:creationId xmlns:p14="http://schemas.microsoft.com/office/powerpoint/2010/main" val="2368108637"/>
-      </p:ext>
-    </p:extLst>
-  </p:cSld>
-  <p:clrMapOvr>
-    <a:masterClrMapping/>
-  </p:clrMapOvr>
-</p:sld>
-</file>
-
-<file path=ppt/slides/slide3.xml><?xml version="1.0" encoding="utf-8"?>
+<file path=ppt/slides/slide4.xml><?xml version="1.0" encoding="utf-8"?>
 <p:sld xmlns:a="http://schemas.openxmlformats.org/drawingml/2006/main" xmlns:r="http://schemas.openxmlformats.org/officeDocument/2006/relationships" xmlns:p="http://schemas.openxmlformats.org/presentationml/2006/main">
   <p:cSld>
     <p:spTree>
@@ -10344,7 +11450,7 @@
             <a:fld id="{D57F1E4F-1CFF-5643-939E-217C01CDF565}" type="slidenum">
               <a:rPr lang="en-US" smtClean="0"/>
               <a:pPr/>
-              <a:t>3</a:t>
+              <a:t>4</a:t>
             </a:fld>
             <a:endParaRPr lang="en-US" dirty="0"/>
           </a:p>
@@ -10363,7 +11469,7 @@
 </p:sld>
 </file>
 
-<file path=ppt/slides/slide4.xml><?xml version="1.0" encoding="utf-8"?>
+<file path=ppt/slides/slide5.xml><?xml version="1.0" encoding="utf-8"?>
 <p:sld xmlns:a="http://schemas.openxmlformats.org/drawingml/2006/main" xmlns:r="http://schemas.openxmlformats.org/officeDocument/2006/relationships" xmlns:p="http://schemas.openxmlformats.org/presentationml/2006/main">
   <p:cSld>
     <p:spTree>
@@ -10666,7 +11772,7 @@
             <a:fld id="{D57F1E4F-1CFF-5643-939E-217C01CDF565}" type="slidenum">
               <a:rPr lang="en-US" smtClean="0"/>
               <a:pPr/>
-              <a:t>4</a:t>
+              <a:t>5</a:t>
             </a:fld>
             <a:endParaRPr lang="en-US" dirty="0"/>
           </a:p>
@@ -10685,7 +11791,7 @@
 </p:sld>
 </file>
 
-<file path=ppt/slides/slide5.xml><?xml version="1.0" encoding="utf-8"?>
+<file path=ppt/slides/slide6.xml><?xml version="1.0" encoding="utf-8"?>
 <p:sld xmlns:a="http://schemas.openxmlformats.org/drawingml/2006/main" xmlns:r="http://schemas.openxmlformats.org/officeDocument/2006/relationships" xmlns:p="http://schemas.openxmlformats.org/presentationml/2006/main">
   <p:cSld>
     <p:spTree>
@@ -11378,7 +12484,7 @@
             <a:fld id="{D57F1E4F-1CFF-5643-939E-217C01CDF565}" type="slidenum">
               <a:rPr lang="en-US" smtClean="0"/>
               <a:pPr/>
-              <a:t>5</a:t>
+              <a:t>6</a:t>
             </a:fld>
             <a:endParaRPr lang="en-US" dirty="0"/>
           </a:p>
@@ -11397,7 +12503,7 @@
 </p:sld>
 </file>
 
-<file path=ppt/slides/slide6.xml><?xml version="1.0" encoding="utf-8"?>
+<file path=ppt/slides/slide7.xml><?xml version="1.0" encoding="utf-8"?>
 <p:sld xmlns:a="http://schemas.openxmlformats.org/drawingml/2006/main" xmlns:r="http://schemas.openxmlformats.org/officeDocument/2006/relationships" xmlns:p="http://schemas.openxmlformats.org/presentationml/2006/main">
   <p:cSld>
     <p:spTree>
@@ -11448,8 +12554,21 @@
                   <a:srgbClr val="751515"/>
                 </a:solidFill>
               </a:rPr>
-              <a:t>Les contraintes:</a:t>
-            </a:r>
+              <a:t>Les </a:t>
+            </a:r>
+            <a:r>
+              <a:rPr lang="fr-FR" b="1" u="sng" dirty="0" smtClean="0">
+                <a:solidFill>
+                  <a:srgbClr val="751515"/>
+                </a:solidFill>
+              </a:rPr>
+              <a:t>contraintes techniques:</a:t>
+            </a:r>
+            <a:endParaRPr lang="fr-FR" b="1" u="sng" dirty="0">
+              <a:solidFill>
+                <a:srgbClr val="751515"/>
+              </a:solidFill>
+            </a:endParaRPr>
           </a:p>
           <a:p>
             <a:pPr lvl="1"/>
@@ -11566,7 +12685,7 @@
             <a:fld id="{D57F1E4F-1CFF-5643-939E-217C01CDF565}" type="slidenum">
               <a:rPr lang="en-US" smtClean="0"/>
               <a:pPr/>
-              <a:t>6</a:t>
+              <a:t>7</a:t>
             </a:fld>
             <a:endParaRPr lang="en-US" dirty="0"/>
           </a:p>
@@ -11585,7 +12704,7 @@
 </p:sld>
 </file>
 
-<file path=ppt/slides/slide7.xml><?xml version="1.0" encoding="utf-8"?>
+<file path=ppt/slides/slide8.xml><?xml version="1.0" encoding="utf-8"?>
 <p:sld xmlns:a="http://schemas.openxmlformats.org/drawingml/2006/main" xmlns:r="http://schemas.openxmlformats.org/officeDocument/2006/relationships" xmlns:p="http://schemas.openxmlformats.org/presentationml/2006/main">
   <p:cSld>
     <p:spTree>
@@ -11745,7 +12864,7 @@
             <a:fld id="{D57F1E4F-1CFF-5643-939E-217C01CDF565}" type="slidenum">
               <a:rPr lang="en-US" smtClean="0"/>
               <a:pPr/>
-              <a:t>7</a:t>
+              <a:t>8</a:t>
             </a:fld>
             <a:endParaRPr lang="en-US" dirty="0"/>
           </a:p>
@@ -11755,381 +12874,6 @@
     <p:extLst>
       <p:ext uri="{BB962C8B-B14F-4D97-AF65-F5344CB8AC3E}">
         <p14:creationId xmlns:p14="http://schemas.microsoft.com/office/powerpoint/2010/main" val="1651569058"/>
-      </p:ext>
-    </p:extLst>
-  </p:cSld>
-  <p:clrMapOvr>
-    <a:masterClrMapping/>
-  </p:clrMapOvr>
-</p:sld>
-</file>
-
-<file path=ppt/slides/slide8.xml><?xml version="1.0" encoding="utf-8"?>
-<p:sld xmlns:a="http://schemas.openxmlformats.org/drawingml/2006/main" xmlns:r="http://schemas.openxmlformats.org/officeDocument/2006/relationships" xmlns:p="http://schemas.openxmlformats.org/presentationml/2006/main">
-  <p:cSld>
-    <p:spTree>
-      <p:nvGrpSpPr>
-        <p:cNvPr id="1" name=""/>
-        <p:cNvGrpSpPr/>
-        <p:nvPr/>
-      </p:nvGrpSpPr>
-      <p:grpSpPr>
-        <a:xfrm>
-          <a:off x="0" y="0"/>
-          <a:ext cx="0" cy="0"/>
-          <a:chOff x="0" y="0"/>
-          <a:chExt cx="0" cy="0"/>
-        </a:xfrm>
-      </p:grpSpPr>
-      <p:pic>
-        <p:nvPicPr>
-          <p:cNvPr id="5" name="Image 4">
-            <a:extLst>
-              <a:ext uri="{FF2B5EF4-FFF2-40B4-BE49-F238E27FC236}">
-                <a16:creationId xmlns:a16="http://schemas.microsoft.com/office/drawing/2014/main" id="{D1BCB135-8320-99DB-A8A5-443A048CFAD9}"/>
-              </a:ext>
-            </a:extLst>
-          </p:cNvPr>
-          <p:cNvPicPr>
-            <a:picLocks noChangeAspect="1"/>
-          </p:cNvPicPr>
-          <p:nvPr/>
-        </p:nvPicPr>
-        <p:blipFill>
-          <a:blip r:embed="rId2"/>
-          <a:stretch>
-            <a:fillRect/>
-          </a:stretch>
-        </p:blipFill>
-        <p:spPr>
-          <a:xfrm>
-            <a:off x="669658" y="1092158"/>
-            <a:ext cx="5155190" cy="3725408"/>
-          </a:xfrm>
-          <a:prstGeom prst="rect">
-            <a:avLst/>
-          </a:prstGeom>
-        </p:spPr>
-      </p:pic>
-      <p:sp>
-        <p:nvSpPr>
-          <p:cNvPr id="6" name="ZoneTexte 5">
-            <a:extLst>
-              <a:ext uri="{FF2B5EF4-FFF2-40B4-BE49-F238E27FC236}">
-                <a16:creationId xmlns:a16="http://schemas.microsoft.com/office/drawing/2014/main" id="{59101B24-B94B-C392-C424-D95FDA322356}"/>
-              </a:ext>
-            </a:extLst>
-          </p:cNvPr>
-          <p:cNvSpPr txBox="1"/>
-          <p:nvPr/>
-        </p:nvSpPr>
-        <p:spPr>
-          <a:xfrm>
-            <a:off x="748145" y="154379"/>
-            <a:ext cx="4399808" cy="646331"/>
-          </a:xfrm>
-          <a:prstGeom prst="rect">
-            <a:avLst/>
-          </a:prstGeom>
-          <a:noFill/>
-        </p:spPr>
-        <p:txBody>
-          <a:bodyPr wrap="square" rtlCol="0">
-            <a:spAutoFit/>
-          </a:bodyPr>
-          <a:lstStyle/>
-          <a:p>
-            <a:r>
-              <a:rPr lang="fr-FR" b="1" u="sng" dirty="0" err="1">
-                <a:solidFill>
-                  <a:srgbClr val="8F1919"/>
-                </a:solidFill>
-              </a:rPr>
-              <a:t>Usecase</a:t>
-            </a:r>
-            <a:r>
-              <a:rPr lang="fr-FR" b="1" u="sng" dirty="0">
-                <a:solidFill>
-                  <a:srgbClr val="8F1919"/>
-                </a:solidFill>
-              </a:rPr>
-              <a:t>:</a:t>
-            </a:r>
-            <a:r>
-              <a:rPr lang="fr-FR" b="1" dirty="0">
-                <a:solidFill>
-                  <a:srgbClr val="8F1919"/>
-                </a:solidFill>
-              </a:rPr>
-              <a:t>  </a:t>
-            </a:r>
-            <a:r>
-              <a:rPr lang="fr-FR" dirty="0">
-                <a:solidFill>
-                  <a:schemeClr val="bg1"/>
-                </a:solidFill>
-              </a:rPr>
-              <a:t>définie les interactions entre les acteurs et le système</a:t>
-            </a:r>
-            <a:endParaRPr lang="fr-FR" b="1" u="sng" dirty="0">
-              <a:solidFill>
-                <a:srgbClr val="8F1919"/>
-              </a:solidFill>
-            </a:endParaRPr>
-          </a:p>
-        </p:txBody>
-      </p:sp>
-      <p:sp>
-        <p:nvSpPr>
-          <p:cNvPr id="7" name="ZoneTexte 6">
-            <a:extLst>
-              <a:ext uri="{FF2B5EF4-FFF2-40B4-BE49-F238E27FC236}">
-                <a16:creationId xmlns:a16="http://schemas.microsoft.com/office/drawing/2014/main" id="{AE857B4E-8153-4529-C16D-2C07F4B75BA2}"/>
-              </a:ext>
-            </a:extLst>
-          </p:cNvPr>
-          <p:cNvSpPr txBox="1"/>
-          <p:nvPr/>
-        </p:nvSpPr>
-        <p:spPr>
-          <a:xfrm>
-            <a:off x="6852062" y="1033153"/>
-            <a:ext cx="4714504" cy="3754874"/>
-          </a:xfrm>
-          <a:prstGeom prst="rect">
-            <a:avLst/>
-          </a:prstGeom>
-          <a:noFill/>
-        </p:spPr>
-        <p:txBody>
-          <a:bodyPr wrap="square" rtlCol="0">
-            <a:spAutoFit/>
-          </a:bodyPr>
-          <a:lstStyle/>
-          <a:p>
-            <a:r>
-              <a:rPr lang="fr-FR" sz="1400" dirty="0">
-                <a:solidFill>
-                  <a:schemeClr val="bg1"/>
-                </a:solidFill>
-              </a:rPr>
-              <a:t>2 acteurs: Le visiteur et l’administrateur.</a:t>
-            </a:r>
-          </a:p>
-          <a:p>
-            <a:endParaRPr lang="fr-FR" sz="1400" dirty="0">
-              <a:solidFill>
-                <a:schemeClr val="bg1"/>
-              </a:solidFill>
-            </a:endParaRPr>
-          </a:p>
-          <a:p>
-            <a:r>
-              <a:rPr lang="fr-FR" sz="1400" dirty="0">
-                <a:solidFill>
-                  <a:schemeClr val="bg1"/>
-                </a:solidFill>
-              </a:rPr>
-              <a:t>Le visiteur doit pouvoir :</a:t>
-            </a:r>
-          </a:p>
-          <a:p>
-            <a:r>
-              <a:rPr lang="fr-FR" sz="1400" dirty="0">
-                <a:solidFill>
-                  <a:schemeClr val="bg1"/>
-                </a:solidFill>
-              </a:rPr>
-              <a:t>-     Naviguer entre les pages du site</a:t>
-            </a:r>
-          </a:p>
-          <a:p>
-            <a:pPr marL="285750" indent="-285750">
-              <a:buFontTx/>
-              <a:buChar char="-"/>
-            </a:pPr>
-            <a:r>
-              <a:rPr lang="fr-FR" sz="1400" dirty="0">
-                <a:solidFill>
-                  <a:schemeClr val="bg1"/>
-                </a:solidFill>
-              </a:rPr>
-              <a:t>Déposer un avis sur le dernier tableau</a:t>
-            </a:r>
-          </a:p>
-          <a:p>
-            <a:pPr marL="285750" indent="-285750">
-              <a:buFontTx/>
-              <a:buChar char="-"/>
-            </a:pPr>
-            <a:r>
-              <a:rPr lang="fr-FR" sz="1400" dirty="0">
-                <a:solidFill>
-                  <a:schemeClr val="bg1"/>
-                </a:solidFill>
-              </a:rPr>
-              <a:t>Agrandir le dernier tableau</a:t>
-            </a:r>
-          </a:p>
-          <a:p>
-            <a:pPr marL="285750" indent="-285750">
-              <a:buFontTx/>
-              <a:buChar char="-"/>
-            </a:pPr>
-            <a:r>
-              <a:rPr lang="fr-FR" sz="1400" dirty="0">
-                <a:solidFill>
-                  <a:schemeClr val="bg1"/>
-                </a:solidFill>
-              </a:rPr>
-              <a:t>Se rendre sur Facebook</a:t>
-            </a:r>
-          </a:p>
-          <a:p>
-            <a:pPr marL="285750" indent="-285750">
-              <a:buFontTx/>
-              <a:buChar char="-"/>
-            </a:pPr>
-            <a:r>
-              <a:rPr lang="fr-FR" sz="1400" dirty="0">
-                <a:solidFill>
-                  <a:schemeClr val="bg1"/>
-                </a:solidFill>
-              </a:rPr>
-              <a:t>Effectuer une demande de contact dans un formulaire</a:t>
-            </a:r>
-          </a:p>
-          <a:p>
-            <a:pPr marL="285750" indent="-285750">
-              <a:buFontTx/>
-              <a:buChar char="-"/>
-            </a:pPr>
-            <a:r>
-              <a:rPr lang="fr-FR" sz="1400" dirty="0">
-                <a:solidFill>
-                  <a:schemeClr val="bg1"/>
-                </a:solidFill>
-              </a:rPr>
-              <a:t>Visualiser les différents tableaux dans la galerie</a:t>
-            </a:r>
-          </a:p>
-          <a:p>
-            <a:endParaRPr lang="fr-FR" sz="1400" dirty="0">
-              <a:solidFill>
-                <a:schemeClr val="bg1"/>
-              </a:solidFill>
-            </a:endParaRPr>
-          </a:p>
-          <a:p>
-            <a:r>
-              <a:rPr lang="fr-FR" sz="1400" dirty="0">
-                <a:solidFill>
-                  <a:schemeClr val="bg1"/>
-                </a:solidFill>
-              </a:rPr>
-              <a:t>L’administrateur quant a lui doit pouvoir :</a:t>
-            </a:r>
-          </a:p>
-          <a:p>
-            <a:pPr marL="285750" indent="-285750">
-              <a:buFontTx/>
-              <a:buChar char="-"/>
-            </a:pPr>
-            <a:r>
-              <a:rPr lang="fr-FR" sz="1400" dirty="0">
-                <a:solidFill>
-                  <a:schemeClr val="bg1"/>
-                </a:solidFill>
-              </a:rPr>
-              <a:t>Se connecter et se déconnecter</a:t>
-            </a:r>
-          </a:p>
-          <a:p>
-            <a:pPr marL="285750" indent="-285750">
-              <a:buFontTx/>
-              <a:buChar char="-"/>
-            </a:pPr>
-            <a:r>
-              <a:rPr lang="fr-FR" sz="1400" dirty="0">
-                <a:solidFill>
-                  <a:schemeClr val="bg1"/>
-                </a:solidFill>
-              </a:rPr>
-              <a:t>Ajouter, supprimer des titres et les tableaux</a:t>
-            </a:r>
-          </a:p>
-          <a:p>
-            <a:pPr marL="285750" indent="-285750">
-              <a:buFontTx/>
-              <a:buChar char="-"/>
-            </a:pPr>
-            <a:r>
-              <a:rPr lang="fr-FR" sz="1400" dirty="0">
-                <a:solidFill>
-                  <a:schemeClr val="bg1"/>
-                </a:solidFill>
-              </a:rPr>
-              <a:t>Supprimer les avis</a:t>
-            </a:r>
-          </a:p>
-          <a:p>
-            <a:pPr marL="285750" indent="-285750">
-              <a:buFontTx/>
-              <a:buChar char="-"/>
-            </a:pPr>
-            <a:r>
-              <a:rPr lang="fr-FR" sz="1400" dirty="0">
-                <a:solidFill>
-                  <a:schemeClr val="bg1"/>
-                </a:solidFill>
-              </a:rPr>
-              <a:t>Changer le dernier tableau</a:t>
-            </a:r>
-          </a:p>
-          <a:p>
-            <a:pPr marL="285750" indent="-285750">
-              <a:buFontTx/>
-              <a:buChar char="-"/>
-            </a:pPr>
-            <a:r>
-              <a:rPr lang="fr-FR" sz="1400" dirty="0">
-                <a:solidFill>
-                  <a:schemeClr val="bg1"/>
-                </a:solidFill>
-              </a:rPr>
-              <a:t>Recevoir les demandes de contact</a:t>
-            </a:r>
-          </a:p>
-        </p:txBody>
-      </p:sp>
-      <p:sp>
-        <p:nvSpPr>
-          <p:cNvPr id="3" name="Espace réservé du numéro de diapositive 2"/>
-          <p:cNvSpPr>
-            <a:spLocks noGrp="1"/>
-          </p:cNvSpPr>
-          <p:nvPr>
-            <p:ph type="sldNum" sz="quarter" idx="12"/>
-          </p:nvPr>
-        </p:nvSpPr>
-        <p:spPr/>
-        <p:txBody>
-          <a:bodyPr/>
-          <a:lstStyle/>
-          <a:p>
-            <a:fld id="{D57F1E4F-1CFF-5643-939E-217C01CDF565}" type="slidenum">
-              <a:rPr lang="en-US" smtClean="0"/>
-              <a:pPr/>
-              <a:t>8</a:t>
-            </a:fld>
-            <a:endParaRPr lang="en-US" dirty="0"/>
-          </a:p>
-        </p:txBody>
-      </p:sp>
-    </p:spTree>
-    <p:extLst>
-      <p:ext uri="{BB962C8B-B14F-4D97-AF65-F5344CB8AC3E}">
-        <p14:creationId xmlns:p14="http://schemas.microsoft.com/office/powerpoint/2010/main" val="672800375"/>
       </p:ext>
     </p:extLst>
   </p:cSld>
@@ -12156,42 +12900,12 @@
           <a:chExt cx="0" cy="0"/>
         </a:xfrm>
       </p:grpSpPr>
-      <p:pic>
-        <p:nvPicPr>
-          <p:cNvPr id="5" name="Image 4">
-            <a:extLst>
-              <a:ext uri="{FF2B5EF4-FFF2-40B4-BE49-F238E27FC236}">
-                <a16:creationId xmlns:a16="http://schemas.microsoft.com/office/drawing/2014/main" id="{DE0F499C-C88C-B39D-0BFE-0E2242BD77A3}"/>
-              </a:ext>
-            </a:extLst>
-          </p:cNvPr>
-          <p:cNvPicPr>
-            <a:picLocks noChangeAspect="1"/>
-          </p:cNvPicPr>
-          <p:nvPr/>
-        </p:nvPicPr>
-        <p:blipFill>
-          <a:blip r:embed="rId2"/>
-          <a:stretch>
-            <a:fillRect/>
-          </a:stretch>
-        </p:blipFill>
-        <p:spPr>
-          <a:xfrm>
-            <a:off x="377287" y="937549"/>
-            <a:ext cx="7367676" cy="5545478"/>
-          </a:xfrm>
-          <a:prstGeom prst="rect">
-            <a:avLst/>
-          </a:prstGeom>
-        </p:spPr>
-      </p:pic>
       <p:sp>
         <p:nvSpPr>
           <p:cNvPr id="6" name="ZoneTexte 5">
             <a:extLst>
               <a:ext uri="{FF2B5EF4-FFF2-40B4-BE49-F238E27FC236}">
-                <a16:creationId xmlns:a16="http://schemas.microsoft.com/office/drawing/2014/main" id="{CD1B6325-899A-1D68-CB50-28E3B86F818A}"/>
+                <a16:creationId xmlns:a16="http://schemas.microsoft.com/office/drawing/2014/main" id="{59101B24-B94B-C392-C424-D95FDA322356}"/>
               </a:ext>
             </a:extLst>
           </p:cNvPr>
@@ -12200,8 +12914,8 @@
         </p:nvSpPr>
         <p:spPr>
           <a:xfrm>
-            <a:off x="1407226" y="97710"/>
-            <a:ext cx="5771407" cy="646331"/>
+            <a:off x="748145" y="154379"/>
+            <a:ext cx="4399808" cy="646331"/>
           </a:xfrm>
           <a:prstGeom prst="rect">
             <a:avLst/>
@@ -12215,44 +12929,42 @@
           <a:lstStyle/>
           <a:p>
             <a:r>
+              <a:rPr lang="fr-FR" b="1" u="sng" dirty="0" err="1">
+                <a:solidFill>
+                  <a:srgbClr val="8F1919"/>
+                </a:solidFill>
+              </a:rPr>
+              <a:t>Usecase</a:t>
+            </a:r>
+            <a:r>
               <a:rPr lang="fr-FR" b="1" u="sng" dirty="0">
                 <a:solidFill>
                   <a:srgbClr val="8F1919"/>
                 </a:solidFill>
               </a:rPr>
-              <a:t>Diagramme d’activité:</a:t>
+              <a:t>:</a:t>
+            </a:r>
+            <a:r>
+              <a:rPr lang="fr-FR" b="1" dirty="0">
+                <a:solidFill>
+                  <a:srgbClr val="8F1919"/>
+                </a:solidFill>
+              </a:rPr>
+              <a:t>  </a:t>
             </a:r>
             <a:r>
               <a:rPr lang="fr-FR" dirty="0">
                 <a:solidFill>
-                  <a:srgbClr val="8F1919"/>
-                </a:solidFill>
-              </a:rPr>
-              <a:t>  </a:t>
-            </a:r>
-            <a:r>
-              <a:rPr lang="fr-FR" dirty="0">
-                <a:solidFill>
                   <a:schemeClr val="bg1"/>
                 </a:solidFill>
               </a:rPr>
-              <a:t> Illustration des activités exécutées par le SI ici </a:t>
-            </a:r>
-            <a:r>
-              <a:rPr lang="fr-FR" dirty="0">
-                <a:solidFill>
-                  <a:schemeClr val="bg1"/>
-                </a:solidFill>
-                <a:effectLst>
-                  <a:outerShdw blurRad="38100" dist="38100" dir="2700000" algn="tl">
-                    <a:srgbClr val="000000">
-                      <a:alpha val="43137"/>
-                    </a:srgbClr>
-                  </a:outerShdw>
-                </a:effectLst>
-              </a:rPr>
-              <a:t>suppression d’un tableau</a:t>
-            </a:r>
+              <a:t>définie les interactions entre les acteurs et le système</a:t>
+            </a:r>
+            <a:endParaRPr lang="fr-FR" b="1" u="sng" dirty="0">
+              <a:solidFill>
+                <a:srgbClr val="8F1919"/>
+              </a:solidFill>
+            </a:endParaRPr>
           </a:p>
         </p:txBody>
       </p:sp>
@@ -12261,7 +12973,7 @@
           <p:cNvPr id="7" name="ZoneTexte 6">
             <a:extLst>
               <a:ext uri="{FF2B5EF4-FFF2-40B4-BE49-F238E27FC236}">
-                <a16:creationId xmlns:a16="http://schemas.microsoft.com/office/drawing/2014/main" id="{9426E854-AB88-05A2-5610-8EC0A2E32C2C}"/>
+                <a16:creationId xmlns:a16="http://schemas.microsoft.com/office/drawing/2014/main" id="{AE857B4E-8153-4529-C16D-2C07F4B75BA2}"/>
               </a:ext>
             </a:extLst>
           </p:cNvPr>
@@ -12270,8 +12982,8 @@
         </p:nvSpPr>
         <p:spPr>
           <a:xfrm>
-            <a:off x="8252749" y="1193060"/>
-            <a:ext cx="3136739" cy="5262979"/>
+            <a:off x="6852062" y="1033153"/>
+            <a:ext cx="4714504" cy="4832092"/>
           </a:xfrm>
           <a:prstGeom prst="rect">
             <a:avLst/>
@@ -12285,28 +12997,299 @@
           <a:lstStyle/>
           <a:p>
             <a:r>
-              <a:rPr lang="fr-FR" sz="1600" dirty="0">
+              <a:rPr lang="fr-FR" sz="1400" dirty="0">
                 <a:solidFill>
                   <a:schemeClr val="bg1"/>
                 </a:solidFill>
               </a:rPr>
-              <a:t>Point de départ Le SI, permet a l’administrateur de cliquer sur un bouton supprimer un tableau, le SI va envoyer une requête select a la base de données qui renverra la liste des tableaux ou un message de défaut; l’administrateur pourra alors sélectionner le tableau a supprimer ; le SI demandera une confirmation de suppression; si non retour a la liste des tableaux, si oui envoie d’une requête </a:t>
-            </a:r>
-            <a:r>
-              <a:rPr lang="fr-FR" sz="1600" dirty="0" err="1">
+              <a:t>3</a:t>
+            </a:r>
+            <a:r>
+              <a:rPr lang="fr-FR" sz="1400" dirty="0" smtClean="0">
                 <a:solidFill>
                   <a:schemeClr val="bg1"/>
                 </a:solidFill>
               </a:rPr>
-              <a:t>delete</a:t>
-            </a:r>
-            <a:r>
-              <a:rPr lang="fr-FR" sz="1600" dirty="0">
+              <a:t> </a:t>
+            </a:r>
+            <a:r>
+              <a:rPr lang="fr-FR" sz="1400" dirty="0">
                 <a:solidFill>
                   <a:schemeClr val="bg1"/>
                 </a:solidFill>
               </a:rPr>
-              <a:t> a la base de données qui renverra soit un message d’erreur si il y a un problème ou un message de confirmation si la suppression a bien été faites. Point de sortie.</a:t>
+              <a:t>acteurs: Le </a:t>
+            </a:r>
+            <a:r>
+              <a:rPr lang="fr-FR" sz="1400" dirty="0" smtClean="0">
+                <a:solidFill>
+                  <a:schemeClr val="bg1"/>
+                </a:solidFill>
+              </a:rPr>
+              <a:t>visiteur, l’acteur connexion </a:t>
+            </a:r>
+            <a:r>
+              <a:rPr lang="fr-FR" sz="1400" dirty="0">
+                <a:solidFill>
+                  <a:schemeClr val="bg1"/>
+                </a:solidFill>
+              </a:rPr>
+              <a:t>et l’administrateur.</a:t>
+            </a:r>
+          </a:p>
+          <a:p>
+            <a:endParaRPr lang="fr-FR" sz="1400" dirty="0">
+              <a:solidFill>
+                <a:schemeClr val="bg1"/>
+              </a:solidFill>
+            </a:endParaRPr>
+          </a:p>
+          <a:p>
+            <a:r>
+              <a:rPr lang="fr-FR" sz="1400" dirty="0">
+                <a:solidFill>
+                  <a:schemeClr val="bg1"/>
+                </a:solidFill>
+              </a:rPr>
+              <a:t>Le visiteur doit pouvoir :</a:t>
+            </a:r>
+          </a:p>
+          <a:p>
+            <a:r>
+              <a:rPr lang="fr-FR" sz="1400" dirty="0">
+                <a:solidFill>
+                  <a:schemeClr val="bg1"/>
+                </a:solidFill>
+              </a:rPr>
+              <a:t>-     Naviguer entre les pages du site</a:t>
+            </a:r>
+          </a:p>
+          <a:p>
+            <a:pPr marL="285750" indent="-285750">
+              <a:buFontTx/>
+              <a:buChar char="-"/>
+            </a:pPr>
+            <a:r>
+              <a:rPr lang="fr-FR" sz="1400" dirty="0">
+                <a:solidFill>
+                  <a:schemeClr val="bg1"/>
+                </a:solidFill>
+              </a:rPr>
+              <a:t>Déposer un avis sur le dernier tableau</a:t>
+            </a:r>
+          </a:p>
+          <a:p>
+            <a:pPr marL="285750" indent="-285750">
+              <a:buFontTx/>
+              <a:buChar char="-"/>
+            </a:pPr>
+            <a:r>
+              <a:rPr lang="fr-FR" sz="1400" dirty="0">
+                <a:solidFill>
+                  <a:schemeClr val="bg1"/>
+                </a:solidFill>
+              </a:rPr>
+              <a:t>Agrandir le dernier tableau</a:t>
+            </a:r>
+          </a:p>
+          <a:p>
+            <a:pPr marL="285750" indent="-285750">
+              <a:buFontTx/>
+              <a:buChar char="-"/>
+            </a:pPr>
+            <a:r>
+              <a:rPr lang="fr-FR" sz="1400" dirty="0">
+                <a:solidFill>
+                  <a:schemeClr val="bg1"/>
+                </a:solidFill>
+              </a:rPr>
+              <a:t>Se rendre sur Facebook</a:t>
+            </a:r>
+          </a:p>
+          <a:p>
+            <a:pPr marL="285750" indent="-285750">
+              <a:buFontTx/>
+              <a:buChar char="-"/>
+            </a:pPr>
+            <a:r>
+              <a:rPr lang="fr-FR" sz="1400" dirty="0">
+                <a:solidFill>
+                  <a:schemeClr val="bg1"/>
+                </a:solidFill>
+              </a:rPr>
+              <a:t>Effectuer une demande de contact dans un formulaire</a:t>
+            </a:r>
+          </a:p>
+          <a:p>
+            <a:pPr marL="285750" indent="-285750">
+              <a:buFontTx/>
+              <a:buChar char="-"/>
+            </a:pPr>
+            <a:r>
+              <a:rPr lang="fr-FR" sz="1400" dirty="0">
+                <a:solidFill>
+                  <a:schemeClr val="bg1"/>
+                </a:solidFill>
+              </a:rPr>
+              <a:t>Visualiser les différents tableaux dans la </a:t>
+            </a:r>
+            <a:r>
+              <a:rPr lang="fr-FR" sz="1400" dirty="0" smtClean="0">
+                <a:solidFill>
+                  <a:schemeClr val="bg1"/>
+                </a:solidFill>
+              </a:rPr>
+              <a:t>galerie</a:t>
+            </a:r>
+          </a:p>
+          <a:p>
+            <a:endParaRPr lang="fr-FR" sz="1400" dirty="0">
+              <a:solidFill>
+                <a:schemeClr val="bg1"/>
+              </a:solidFill>
+            </a:endParaRPr>
+          </a:p>
+          <a:p>
+            <a:r>
+              <a:rPr lang="fr-FR" sz="1400" dirty="0" smtClean="0">
+                <a:solidFill>
+                  <a:schemeClr val="bg1"/>
+                </a:solidFill>
+              </a:rPr>
+              <a:t>L’acteur connexion :</a:t>
+            </a:r>
+          </a:p>
+          <a:p>
+            <a:pPr marL="285750" indent="-285750">
+              <a:buFontTx/>
+              <a:buChar char="-"/>
+            </a:pPr>
+            <a:r>
+              <a:rPr lang="fr-FR" sz="1400" dirty="0" smtClean="0">
+                <a:solidFill>
+                  <a:schemeClr val="bg1"/>
+                </a:solidFill>
+              </a:rPr>
+              <a:t>Se connecte</a:t>
+            </a:r>
+          </a:p>
+          <a:p>
+            <a:pPr marL="285750" indent="-285750">
+              <a:buFontTx/>
+              <a:buChar char="-"/>
+            </a:pPr>
+            <a:r>
+              <a:rPr lang="fr-FR" sz="1400" dirty="0" smtClean="0">
+                <a:solidFill>
+                  <a:schemeClr val="bg1"/>
+                </a:solidFill>
+              </a:rPr>
+              <a:t>Se déconnecte</a:t>
+            </a:r>
+            <a:endParaRPr lang="fr-FR" sz="1400" dirty="0">
+              <a:solidFill>
+                <a:schemeClr val="bg1"/>
+              </a:solidFill>
+            </a:endParaRPr>
+          </a:p>
+          <a:p>
+            <a:endParaRPr lang="fr-FR" sz="1400" dirty="0">
+              <a:solidFill>
+                <a:schemeClr val="bg1"/>
+              </a:solidFill>
+            </a:endParaRPr>
+          </a:p>
+          <a:p>
+            <a:r>
+              <a:rPr lang="fr-FR" sz="1400" dirty="0">
+                <a:solidFill>
+                  <a:schemeClr val="bg1"/>
+                </a:solidFill>
+              </a:rPr>
+              <a:t>L’administrateur quant a lui doit pouvoir :</a:t>
+            </a:r>
+          </a:p>
+          <a:p>
+            <a:pPr marL="285750" indent="-285750">
+              <a:buFontTx/>
+              <a:buChar char="-"/>
+            </a:pPr>
+            <a:r>
+              <a:rPr lang="fr-FR" sz="1400" smtClean="0">
+                <a:solidFill>
+                  <a:schemeClr val="bg1"/>
+                </a:solidFill>
+              </a:rPr>
+              <a:t>Récupère </a:t>
+            </a:r>
+            <a:r>
+              <a:rPr lang="fr-FR" sz="1400" dirty="0" smtClean="0">
+                <a:solidFill>
+                  <a:schemeClr val="bg1"/>
+                </a:solidFill>
+              </a:rPr>
+              <a:t>les droits de l’acteur connexion</a:t>
+            </a:r>
+            <a:endParaRPr lang="fr-FR" sz="1400" dirty="0">
+              <a:solidFill>
+                <a:schemeClr val="bg1"/>
+              </a:solidFill>
+            </a:endParaRPr>
+          </a:p>
+          <a:p>
+            <a:pPr marL="285750" indent="-285750">
+              <a:buFontTx/>
+              <a:buChar char="-"/>
+            </a:pPr>
+            <a:r>
+              <a:rPr lang="fr-FR" sz="1400" dirty="0">
+                <a:solidFill>
+                  <a:schemeClr val="bg1"/>
+                </a:solidFill>
+              </a:rPr>
+              <a:t>Ajouter, supprimer des titres et les tableaux</a:t>
+            </a:r>
+          </a:p>
+          <a:p>
+            <a:pPr marL="285750" indent="-285750">
+              <a:buFontTx/>
+              <a:buChar char="-"/>
+            </a:pPr>
+            <a:r>
+              <a:rPr lang="fr-FR" sz="1400" dirty="0">
+                <a:solidFill>
+                  <a:schemeClr val="bg1"/>
+                </a:solidFill>
+              </a:rPr>
+              <a:t>Supprimer les avis</a:t>
+            </a:r>
+          </a:p>
+          <a:p>
+            <a:pPr marL="285750" indent="-285750">
+              <a:buFontTx/>
+              <a:buChar char="-"/>
+            </a:pPr>
+            <a:r>
+              <a:rPr lang="fr-FR" sz="1400" dirty="0">
+                <a:solidFill>
+                  <a:schemeClr val="bg1"/>
+                </a:solidFill>
+              </a:rPr>
+              <a:t>Changer le dernier tableau</a:t>
+            </a:r>
+          </a:p>
+          <a:p>
+            <a:pPr marL="285750" indent="-285750">
+              <a:buFontTx/>
+              <a:buChar char="-"/>
+            </a:pPr>
+            <a:r>
+              <a:rPr lang="fr-FR" sz="1400" dirty="0">
+                <a:solidFill>
+                  <a:schemeClr val="bg1"/>
+                </a:solidFill>
+              </a:rPr>
+              <a:t>Recevoir les demandes de contact</a:t>
             </a:r>
           </a:p>
         </p:txBody>
@@ -12335,10 +13318,40 @@
           </a:p>
         </p:txBody>
       </p:sp>
+      <p:pic>
+        <p:nvPicPr>
+          <p:cNvPr id="9" name="Image 8"/>
+          <p:cNvPicPr>
+            <a:picLocks noChangeAspect="1"/>
+          </p:cNvPicPr>
+          <p:nvPr/>
+        </p:nvPicPr>
+        <p:blipFill>
+          <a:blip r:embed="rId2">
+            <a:extLst>
+              <a:ext uri="{28A0092B-C50C-407E-A947-70E740481C1C}">
+                <a14:useLocalDpi xmlns:a14="http://schemas.microsoft.com/office/drawing/2010/main" val="0"/>
+              </a:ext>
+            </a:extLst>
+          </a:blip>
+          <a:stretch>
+            <a:fillRect/>
+          </a:stretch>
+        </p:blipFill>
+        <p:spPr>
+          <a:xfrm>
+            <a:off x="256616" y="1033153"/>
+            <a:ext cx="6155838" cy="4401205"/>
+          </a:xfrm>
+          <a:prstGeom prst="rect">
+            <a:avLst/>
+          </a:prstGeom>
+        </p:spPr>
+      </p:pic>
     </p:spTree>
     <p:extLst>
       <p:ext uri="{BB962C8B-B14F-4D97-AF65-F5344CB8AC3E}">
-        <p14:creationId xmlns:p14="http://schemas.microsoft.com/office/powerpoint/2010/main" val="2083864002"/>
+        <p14:creationId xmlns:p14="http://schemas.microsoft.com/office/powerpoint/2010/main" val="672800375"/>
       </p:ext>
     </p:extLst>
   </p:cSld>

--- a/CDC/L_artiste.pptx
+++ b/CDC/L_artiste.pptx
@@ -261,7 +261,7 @@
           <a:p>
             <a:fld id="{CE3F9B10-F744-47E1-871E-98B3AC9B3E4F}" type="datetimeFigureOut">
               <a:rPr lang="fr-FR" smtClean="0"/>
-              <a:t>09/03/2023</a:t>
+              <a:t>10/03/2023</a:t>
             </a:fld>
             <a:endParaRPr lang="fr-FR"/>
           </a:p>
@@ -672,7 +672,7 @@
           <a:p>
             <a:fld id="{795B0F33-6398-43E2-B783-514E6293E97E}" type="datetime1">
               <a:rPr lang="en-US" smtClean="0"/>
-              <a:t>3/9/2023</a:t>
+              <a:t>3/10/2023</a:t>
             </a:fld>
             <a:endParaRPr lang="en-US" dirty="0"/>
           </a:p>
@@ -1104,7 +1104,7 @@
           <a:p>
             <a:fld id="{270AED2E-2550-4305-AD46-9177EE377B20}" type="datetime1">
               <a:rPr lang="en-US" smtClean="0"/>
-              <a:t>3/9/2023</a:t>
+              <a:t>3/10/2023</a:t>
             </a:fld>
             <a:endParaRPr lang="en-US" dirty="0"/>
           </a:p>
@@ -1350,7 +1350,7 @@
           <a:p>
             <a:fld id="{87A632E5-0FE5-4CA5-98B3-93A5B703C776}" type="datetime1">
               <a:rPr lang="en-US" smtClean="0"/>
-              <a:t>3/9/2023</a:t>
+              <a:t>3/10/2023</a:t>
             </a:fld>
             <a:endParaRPr lang="en-US" dirty="0"/>
           </a:p>
@@ -1654,7 +1654,7 @@
           <a:p>
             <a:fld id="{6563236B-D1A4-4B38-953C-CBE44AAFB604}" type="datetime1">
               <a:rPr lang="en-US" smtClean="0"/>
-              <a:t>3/9/2023</a:t>
+              <a:t>3/10/2023</a:t>
             </a:fld>
             <a:endParaRPr lang="en-US" dirty="0"/>
           </a:p>
@@ -1968,7 +1968,7 @@
           <a:p>
             <a:fld id="{AF12EEA3-159D-4F8A-9B05-5065548C93FE}" type="datetime1">
               <a:rPr lang="en-US" smtClean="0"/>
-              <a:t>3/9/2023</a:t>
+              <a:t>3/10/2023</a:t>
             </a:fld>
             <a:endParaRPr lang="en-US" dirty="0"/>
           </a:p>
@@ -2266,7 +2266,7 @@
           <a:p>
             <a:fld id="{5E6194DB-34B3-434A-9A89-27994F5036D6}" type="datetime1">
               <a:rPr lang="en-US" smtClean="0"/>
-              <a:t>3/9/2023</a:t>
+              <a:t>3/10/2023</a:t>
             </a:fld>
             <a:endParaRPr lang="en-US" dirty="0"/>
           </a:p>
@@ -2629,7 +2629,7 @@
           <a:p>
             <a:fld id="{D86AD7A5-28E1-4605-A305-D41C33CC9287}" type="datetime1">
               <a:rPr lang="en-US" smtClean="0"/>
-              <a:t>3/9/2023</a:t>
+              <a:t>3/10/2023</a:t>
             </a:fld>
             <a:endParaRPr lang="en-US" dirty="0"/>
           </a:p>
@@ -2799,7 +2799,7 @@
           <a:p>
             <a:fld id="{4E07EDF1-E9A2-491C-8826-19CBCA408BE7}" type="datetime1">
               <a:rPr lang="en-US" smtClean="0"/>
-              <a:t>3/9/2023</a:t>
+              <a:t>3/10/2023</a:t>
             </a:fld>
             <a:endParaRPr lang="en-US" dirty="0"/>
           </a:p>
@@ -2975,7 +2975,7 @@
           <a:p>
             <a:fld id="{8D992E7E-E44A-4B25-9BC1-A150740391BE}" type="datetime1">
               <a:rPr lang="en-US" smtClean="0"/>
-              <a:t>3/9/2023</a:t>
+              <a:t>3/10/2023</a:t>
             </a:fld>
             <a:endParaRPr lang="en-US" dirty="0"/>
           </a:p>
@@ -3141,7 +3141,7 @@
           <a:p>
             <a:fld id="{BAA9BD18-2FFD-4FD8-AC2D-AB11B750B8BB}" type="datetime1">
               <a:rPr lang="en-US" smtClean="0"/>
-              <a:t>3/9/2023</a:t>
+              <a:t>3/10/2023</a:t>
             </a:fld>
             <a:endParaRPr lang="en-US" dirty="0"/>
           </a:p>
@@ -3387,7 +3387,7 @@
           <a:p>
             <a:fld id="{501B211B-C5F7-4692-9103-D612D8C54866}" type="datetime1">
               <a:rPr lang="en-US" smtClean="0"/>
-              <a:t>3/9/2023</a:t>
+              <a:t>3/10/2023</a:t>
             </a:fld>
             <a:endParaRPr lang="en-US" dirty="0"/>
           </a:p>
@@ -3619,7 +3619,7 @@
           <a:p>
             <a:fld id="{A79DAFCD-D21F-45E6-8176-EA21AE5EA4A9}" type="datetime1">
               <a:rPr lang="en-US" smtClean="0"/>
-              <a:t>3/9/2023</a:t>
+              <a:t>3/10/2023</a:t>
             </a:fld>
             <a:endParaRPr lang="en-US" dirty="0"/>
           </a:p>
@@ -3997,7 +3997,7 @@
           <a:p>
             <a:fld id="{0678A836-37FA-43B4-8622-D2D43F13CF23}" type="datetime1">
               <a:rPr lang="en-US" smtClean="0"/>
-              <a:t>3/9/2023</a:t>
+              <a:t>3/10/2023</a:t>
             </a:fld>
             <a:endParaRPr lang="en-US" dirty="0"/>
           </a:p>
@@ -4111,7 +4111,7 @@
           <a:p>
             <a:fld id="{30C44C70-21C1-4E34-A740-6CA8CED8D3F7}" type="datetime1">
               <a:rPr lang="en-US" smtClean="0"/>
-              <a:t>3/9/2023</a:t>
+              <a:t>3/10/2023</a:t>
             </a:fld>
             <a:endParaRPr lang="en-US" dirty="0"/>
           </a:p>
@@ -4202,7 +4202,7 @@
           <a:p>
             <a:fld id="{0EDB3C2B-4C1D-416C-BC4D-A42C653629FD}" type="datetime1">
               <a:rPr lang="en-US" smtClean="0"/>
-              <a:t>3/9/2023</a:t>
+              <a:t>3/10/2023</a:t>
             </a:fld>
             <a:endParaRPr lang="en-US" dirty="0"/>
           </a:p>
@@ -4453,7 +4453,7 @@
           <a:p>
             <a:fld id="{08BA71F5-3ED0-4982-B390-04A96C5F3C52}" type="datetime1">
               <a:rPr lang="en-US" smtClean="0"/>
-              <a:t>3/9/2023</a:t>
+              <a:t>3/10/2023</a:t>
             </a:fld>
             <a:endParaRPr lang="en-US" dirty="0"/>
           </a:p>
@@ -4732,7 +4732,7 @@
           <a:p>
             <a:fld id="{0F6B8777-FBF0-4ACB-90E3-60548ABBEE49}" type="datetime1">
               <a:rPr lang="en-US" smtClean="0"/>
-              <a:t>3/9/2023</a:t>
+              <a:t>3/10/2023</a:t>
             </a:fld>
             <a:endParaRPr lang="en-US" dirty="0"/>
           </a:p>
@@ -5134,7 +5134,7 @@
           <a:p>
             <a:fld id="{AE768BA4-DD45-41F2-A6B6-61791039AE84}" type="datetime1">
               <a:rPr lang="en-US" smtClean="0"/>
-              <a:t>3/9/2023</a:t>
+              <a:t>3/10/2023</a:t>
             </a:fld>
             <a:endParaRPr lang="en-US" dirty="0"/>
           </a:p>
@@ -7750,7 +7750,7 @@
         </p:nvSpPr>
         <p:spPr>
           <a:xfrm>
-            <a:off x="839585" y="357447"/>
+            <a:off x="483325" y="143691"/>
             <a:ext cx="5311833" cy="369332"/>
           </a:xfrm>
           <a:prstGeom prst="rect">
@@ -7765,18 +7765,13 @@
           <a:lstStyle/>
           <a:p>
             <a:r>
-              <a:rPr lang="fr-FR" b="1" u="sng" dirty="0" smtClean="0">
+              <a:rPr lang="fr-FR" b="1" u="sng" dirty="0">
                 <a:solidFill>
                   <a:srgbClr val="8F1919"/>
                 </a:solidFill>
               </a:rPr>
               <a:t>Sommaire:</a:t>
             </a:r>
-            <a:endParaRPr lang="fr-FR" b="1" u="sng" dirty="0">
-              <a:solidFill>
-                <a:srgbClr val="8F1919"/>
-              </a:solidFill>
-            </a:endParaRPr>
           </a:p>
         </p:txBody>
       </p:sp>
@@ -7788,8 +7783,8 @@
         </p:nvSpPr>
         <p:spPr>
           <a:xfrm>
-            <a:off x="1147156" y="822959"/>
-            <a:ext cx="8686800" cy="6124754"/>
+            <a:off x="1016528" y="517803"/>
+            <a:ext cx="8686800" cy="6340197"/>
           </a:xfrm>
           <a:prstGeom prst="rect">
             <a:avLst/>
@@ -7803,30 +7798,17 @@
           <a:lstStyle/>
           <a:p>
             <a:r>
-              <a:rPr lang="fr-FR" sz="1400" dirty="0" smtClean="0">
+              <a:rPr lang="fr-FR" sz="1400" dirty="0">
                 <a:solidFill>
                   <a:schemeClr val="bg1"/>
                 </a:solidFill>
               </a:rPr>
-              <a:t>1.Analyse du besoin</a:t>
-            </a:r>
-            <a:r>
-              <a:rPr lang="fr-FR" sz="1400" dirty="0" smtClean="0">
-                <a:solidFill>
-                  <a:schemeClr val="bg1"/>
-                </a:solidFill>
-              </a:rPr>
-              <a:t>…………………………………………………………………………………………3</a:t>
-            </a:r>
-            <a:endParaRPr lang="fr-FR" sz="1400" dirty="0" smtClean="0">
-              <a:solidFill>
-                <a:schemeClr val="bg1"/>
-              </a:solidFill>
-            </a:endParaRPr>
-          </a:p>
-          <a:p>
-            <a:r>
-              <a:rPr lang="fr-FR" sz="1400" dirty="0" smtClean="0">
+              <a:t>1.Analyse du besoin…………………………………………………………………………………………3</a:t>
+            </a:r>
+          </a:p>
+          <a:p>
+            <a:r>
+              <a:rPr lang="fr-FR" sz="1400" dirty="0">
                 <a:solidFill>
                   <a:schemeClr val="bg1"/>
                 </a:solidFill>
@@ -7836,7 +7818,7 @@
           </a:p>
           <a:p>
             <a:r>
-              <a:rPr lang="fr-FR" sz="1400" dirty="0" smtClean="0">
+              <a:rPr lang="fr-FR" sz="1400" dirty="0">
                 <a:solidFill>
                   <a:schemeClr val="bg1"/>
                 </a:solidFill>
@@ -7846,7 +7828,7 @@
           </a:p>
           <a:p>
             <a:r>
-              <a:rPr lang="fr-FR" sz="1400" dirty="0" smtClean="0">
+              <a:rPr lang="fr-FR" sz="1400" dirty="0">
                 <a:solidFill>
                   <a:schemeClr val="bg1"/>
                 </a:solidFill>
@@ -7856,7 +7838,7 @@
           </a:p>
           <a:p>
             <a:r>
-              <a:rPr lang="fr-FR" sz="1400" dirty="0" smtClean="0">
+              <a:rPr lang="fr-FR" sz="1400" dirty="0">
                 <a:solidFill>
                   <a:schemeClr val="bg1"/>
                 </a:solidFill>
@@ -7866,49 +7848,239 @@
           </a:p>
           <a:p>
             <a:r>
-              <a:rPr lang="fr-FR" sz="1400" dirty="0" smtClean="0">
+              <a:rPr lang="fr-FR" sz="1400" dirty="0">
                 <a:solidFill>
                   <a:schemeClr val="bg1"/>
                 </a:solidFill>
               </a:rPr>
-              <a:t>	e. Le SWOT</a:t>
-            </a:r>
-            <a:r>
-              <a:rPr lang="fr-FR" sz="1400" dirty="0" smtClean="0">
+              <a:t>	e. Le SWOT………………………………………………………………...…………………...5</a:t>
+            </a:r>
+          </a:p>
+          <a:p>
+            <a:r>
+              <a:rPr lang="fr-FR" sz="1400" dirty="0">
                 <a:solidFill>
                   <a:schemeClr val="bg1"/>
                 </a:solidFill>
               </a:rPr>
-              <a:t>………………………………………………………………...…………………...5</a:t>
-            </a:r>
-            <a:endParaRPr lang="fr-FR" sz="1400" dirty="0" smtClean="0">
-              <a:solidFill>
-                <a:schemeClr val="bg1"/>
-              </a:solidFill>
-            </a:endParaRPr>
-          </a:p>
-          <a:p>
-            <a:r>
-              <a:rPr lang="fr-FR" sz="1400" dirty="0" smtClean="0">
+              <a:t>	f. Les Besoins……………………………………………………………………………………6</a:t>
+            </a:r>
+          </a:p>
+          <a:p>
+            <a:r>
+              <a:rPr lang="fr-FR" sz="1400" dirty="0">
                 <a:solidFill>
                   <a:schemeClr val="bg1"/>
                 </a:solidFill>
               </a:rPr>
-              <a:t>	f. Les Besoins</a:t>
-            </a:r>
-            <a:r>
-              <a:rPr lang="fr-FR" sz="1400" dirty="0" smtClean="0">
+              <a:t>	g. Les contraintes techniques……………………………………………………………....7</a:t>
+            </a:r>
+          </a:p>
+          <a:p>
+            <a:r>
+              <a:rPr lang="fr-FR" sz="1400" dirty="0">
                 <a:solidFill>
                   <a:schemeClr val="bg1"/>
                 </a:solidFill>
               </a:rPr>
-              <a:t>……………………………………………………………………………………6</a:t>
-            </a:r>
-            <a:endParaRPr lang="fr-FR" sz="1400" dirty="0" smtClean="0">
-              <a:solidFill>
-                <a:schemeClr val="bg1"/>
-              </a:solidFill>
-            </a:endParaRPr>
+              <a:t>	h. Les contraintes légales……………………………………………………………………7</a:t>
+            </a:r>
+          </a:p>
+          <a:p>
+            <a:r>
+              <a:rPr lang="fr-FR" sz="1400" dirty="0">
+                <a:solidFill>
+                  <a:schemeClr val="bg1"/>
+                </a:solidFill>
+              </a:rPr>
+              <a:t>	i. Sites exemples……………………………………………………………………………….8</a:t>
+            </a:r>
+          </a:p>
+          <a:p>
+            <a:r>
+              <a:rPr lang="fr-FR" sz="1400" dirty="0">
+                <a:solidFill>
+                  <a:schemeClr val="bg1"/>
+                </a:solidFill>
+              </a:rPr>
+              <a:t>2.Spécifications fonctionnelles……………………………………………………………………………9</a:t>
+            </a:r>
+          </a:p>
+          <a:p>
+            <a:r>
+              <a:rPr lang="fr-FR" sz="1400" dirty="0">
+                <a:solidFill>
+                  <a:schemeClr val="bg1"/>
+                </a:solidFill>
+              </a:rPr>
+              <a:t>	a. Use case……………………………………………………………………………………..9</a:t>
+            </a:r>
+          </a:p>
+          <a:p>
+            <a:r>
+              <a:rPr lang="fr-FR" sz="1400" dirty="0">
+                <a:solidFill>
+                  <a:schemeClr val="bg1"/>
+                </a:solidFill>
+              </a:rPr>
+              <a:t>	b. Diagramme d’activité…………………………………………………………………..10</a:t>
+            </a:r>
+          </a:p>
+          <a:p>
+            <a:r>
+              <a:rPr lang="fr-FR" sz="1400" dirty="0">
+                <a:solidFill>
+                  <a:schemeClr val="bg1"/>
+                </a:solidFill>
+              </a:rPr>
+              <a:t>	c. Diagramme de séquence……………………………………………………………...11</a:t>
+            </a:r>
+          </a:p>
+          <a:p>
+            <a:r>
+              <a:rPr lang="fr-FR" sz="1400" dirty="0">
+                <a:solidFill>
+                  <a:schemeClr val="bg1"/>
+                </a:solidFill>
+              </a:rPr>
+              <a:t>	e. Maquettage……………………………………………………………………...……….12</a:t>
+            </a:r>
+          </a:p>
+          <a:p>
+            <a:r>
+              <a:rPr lang="fr-FR" sz="1400" dirty="0">
+                <a:solidFill>
+                  <a:schemeClr val="bg1"/>
+                </a:solidFill>
+              </a:rPr>
+              <a:t>		1.charte graphique…………………………………………………………………..13</a:t>
+            </a:r>
+          </a:p>
+          <a:p>
+            <a:r>
+              <a:rPr lang="fr-FR" sz="1400" dirty="0">
+                <a:solidFill>
+                  <a:schemeClr val="bg1"/>
+                </a:solidFill>
+              </a:rPr>
+              <a:t>		2.Elements a conserver…………………………………………………………...…13</a:t>
+            </a:r>
+          </a:p>
+          <a:p>
+            <a:r>
+              <a:rPr lang="fr-FR" sz="1400" dirty="0">
+                <a:solidFill>
+                  <a:schemeClr val="bg1"/>
+                </a:solidFill>
+              </a:rPr>
+              <a:t>		3.Zoning…………………………………………………………………………..…….14</a:t>
+            </a:r>
+          </a:p>
+          <a:p>
+            <a:r>
+              <a:rPr lang="fr-FR" sz="1400" dirty="0">
+                <a:solidFill>
+                  <a:schemeClr val="bg1"/>
+                </a:solidFill>
+              </a:rPr>
+              <a:t>		4.Wireframe……………………………………………………………………………15/16</a:t>
+            </a:r>
+          </a:p>
+          <a:p>
+            <a:r>
+              <a:rPr lang="fr-FR" sz="1400" dirty="0">
+                <a:solidFill>
+                  <a:schemeClr val="bg1"/>
+                </a:solidFill>
+              </a:rPr>
+              <a:t>		5.Style </a:t>
+            </a:r>
+            <a:r>
+              <a:rPr lang="fr-FR" sz="1400" dirty="0" err="1">
+                <a:solidFill>
+                  <a:schemeClr val="bg1"/>
+                </a:solidFill>
+              </a:rPr>
+              <a:t>title</a:t>
+            </a:r>
+            <a:r>
+              <a:rPr lang="fr-FR" sz="1400" dirty="0">
+                <a:solidFill>
+                  <a:schemeClr val="bg1"/>
+                </a:solidFill>
+              </a:rPr>
+              <a:t>……………………………………………………………………………...17</a:t>
+            </a:r>
+          </a:p>
+          <a:p>
+            <a:r>
+              <a:rPr lang="fr-FR" sz="1400" dirty="0">
+                <a:solidFill>
+                  <a:schemeClr val="bg1"/>
+                </a:solidFill>
+              </a:rPr>
+              <a:t>		6.Mokup………………………………………………………………………………..18/19</a:t>
+            </a:r>
+          </a:p>
+          <a:p>
+            <a:r>
+              <a:rPr lang="fr-FR" sz="1400" dirty="0">
+                <a:solidFill>
+                  <a:schemeClr val="bg1"/>
+                </a:solidFill>
+              </a:rPr>
+              <a:t>3.Conception……………………………………………………………………………….………………20</a:t>
+            </a:r>
+          </a:p>
+          <a:p>
+            <a:r>
+              <a:rPr lang="fr-FR" sz="1400" dirty="0">
+                <a:solidFill>
+                  <a:schemeClr val="bg1"/>
+                </a:solidFill>
+              </a:rPr>
+              <a:t>	a. MCD………………………………………………………………………..……………….20</a:t>
+            </a:r>
+          </a:p>
+          <a:p>
+            <a:r>
+              <a:rPr lang="fr-FR" sz="1400" dirty="0">
+                <a:solidFill>
+                  <a:schemeClr val="bg1"/>
+                </a:solidFill>
+              </a:rPr>
+              <a:t>	b. MLD………………………………………………………………………………………….21</a:t>
+            </a:r>
+          </a:p>
+          <a:p>
+            <a:r>
+              <a:rPr lang="fr-FR" sz="1400" dirty="0">
+                <a:solidFill>
+                  <a:schemeClr val="bg1"/>
+                </a:solidFill>
+              </a:rPr>
+              <a:t>4.Outils techniques………………………………………………………………………...………………22</a:t>
+            </a:r>
+          </a:p>
+          <a:p>
+            <a:r>
+              <a:rPr lang="fr-FR" sz="1400" dirty="0">
+                <a:solidFill>
+                  <a:schemeClr val="bg1"/>
+                </a:solidFill>
+              </a:rPr>
+              <a:t>5.Fonctionnalité front………………………………………………………………...……………………23/24</a:t>
+            </a:r>
+          </a:p>
+          <a:p>
+            <a:r>
+              <a:rPr lang="fr-FR" sz="1400" dirty="0">
+                <a:solidFill>
+                  <a:schemeClr val="bg1"/>
+                </a:solidFill>
+              </a:rPr>
+              <a:t>6.Récapitulatif………………………………………………………………………………………………25</a:t>
+            </a:r>
           </a:p>
           <a:p>
             <a:r>
@@ -7919,376 +8091,6 @@
               </a:rPr>
               <a:t>	</a:t>
             </a:r>
-            <a:r>
-              <a:rPr lang="fr-FR" sz="1400" dirty="0" smtClean="0">
-                <a:solidFill>
-                  <a:schemeClr val="bg1"/>
-                </a:solidFill>
-              </a:rPr>
-              <a:t>g. Les contraintes techniques</a:t>
-            </a:r>
-            <a:r>
-              <a:rPr lang="fr-FR" sz="1400" dirty="0" smtClean="0">
-                <a:solidFill>
-                  <a:schemeClr val="bg1"/>
-                </a:solidFill>
-              </a:rPr>
-              <a:t>……………………………………………………………....7</a:t>
-            </a:r>
-            <a:endParaRPr lang="fr-FR" sz="1400" dirty="0" smtClean="0">
-              <a:solidFill>
-                <a:schemeClr val="bg1"/>
-              </a:solidFill>
-            </a:endParaRPr>
-          </a:p>
-          <a:p>
-            <a:r>
-              <a:rPr lang="fr-FR" sz="1400" dirty="0">
-                <a:solidFill>
-                  <a:schemeClr val="bg1"/>
-                </a:solidFill>
-              </a:rPr>
-              <a:t>	</a:t>
-            </a:r>
-            <a:r>
-              <a:rPr lang="fr-FR" sz="1400" dirty="0" smtClean="0">
-                <a:solidFill>
-                  <a:schemeClr val="bg1"/>
-                </a:solidFill>
-              </a:rPr>
-              <a:t>h. Les contraintes légales</a:t>
-            </a:r>
-            <a:r>
-              <a:rPr lang="fr-FR" sz="1400" dirty="0" smtClean="0">
-                <a:solidFill>
-                  <a:schemeClr val="bg1"/>
-                </a:solidFill>
-              </a:rPr>
-              <a:t>……………………………………………………………………7</a:t>
-            </a:r>
-            <a:endParaRPr lang="fr-FR" sz="1400" dirty="0" smtClean="0">
-              <a:solidFill>
-                <a:schemeClr val="bg1"/>
-              </a:solidFill>
-            </a:endParaRPr>
-          </a:p>
-          <a:p>
-            <a:r>
-              <a:rPr lang="fr-FR" sz="1400" dirty="0">
-                <a:solidFill>
-                  <a:schemeClr val="bg1"/>
-                </a:solidFill>
-              </a:rPr>
-              <a:t>	</a:t>
-            </a:r>
-            <a:r>
-              <a:rPr lang="fr-FR" sz="1400" dirty="0" smtClean="0">
-                <a:solidFill>
-                  <a:schemeClr val="bg1"/>
-                </a:solidFill>
-              </a:rPr>
-              <a:t>i. Sites exemples</a:t>
-            </a:r>
-            <a:r>
-              <a:rPr lang="fr-FR" sz="1400" dirty="0" smtClean="0">
-                <a:solidFill>
-                  <a:schemeClr val="bg1"/>
-                </a:solidFill>
-              </a:rPr>
-              <a:t>……………………………………………………………………………….8</a:t>
-            </a:r>
-          </a:p>
-          <a:p>
-            <a:r>
-              <a:rPr lang="fr-FR" sz="1400" dirty="0" smtClean="0">
-                <a:solidFill>
-                  <a:schemeClr val="bg1"/>
-                </a:solidFill>
-              </a:rPr>
-              <a:t>2.Spécifications fonctionnelles……………………………………………………………………………9</a:t>
-            </a:r>
-          </a:p>
-          <a:p>
-            <a:r>
-              <a:rPr lang="fr-FR" sz="1400" dirty="0">
-                <a:solidFill>
-                  <a:schemeClr val="bg1"/>
-                </a:solidFill>
-              </a:rPr>
-              <a:t>	</a:t>
-            </a:r>
-            <a:r>
-              <a:rPr lang="fr-FR" sz="1400" dirty="0" smtClean="0">
-                <a:solidFill>
-                  <a:schemeClr val="bg1"/>
-                </a:solidFill>
-              </a:rPr>
-              <a:t>a. Use case……………………………………………………………………………………..9</a:t>
-            </a:r>
-          </a:p>
-          <a:p>
-            <a:r>
-              <a:rPr lang="fr-FR" sz="1400" dirty="0">
-                <a:solidFill>
-                  <a:schemeClr val="bg1"/>
-                </a:solidFill>
-              </a:rPr>
-              <a:t>	</a:t>
-            </a:r>
-            <a:r>
-              <a:rPr lang="fr-FR" sz="1400" dirty="0" smtClean="0">
-                <a:solidFill>
-                  <a:schemeClr val="bg1"/>
-                </a:solidFill>
-              </a:rPr>
-              <a:t>b. Diagramme d’activité…………………………………………………………………..10</a:t>
-            </a:r>
-          </a:p>
-          <a:p>
-            <a:r>
-              <a:rPr lang="fr-FR" sz="1400" dirty="0">
-                <a:solidFill>
-                  <a:schemeClr val="bg1"/>
-                </a:solidFill>
-              </a:rPr>
-              <a:t>	</a:t>
-            </a:r>
-            <a:r>
-              <a:rPr lang="fr-FR" sz="1400" dirty="0" smtClean="0">
-                <a:solidFill>
-                  <a:schemeClr val="bg1"/>
-                </a:solidFill>
-              </a:rPr>
-              <a:t>c. Diagramme de séquence……………………………………………………………...11</a:t>
-            </a:r>
-          </a:p>
-          <a:p>
-            <a:r>
-              <a:rPr lang="fr-FR" sz="1400" dirty="0">
-                <a:solidFill>
-                  <a:schemeClr val="bg1"/>
-                </a:solidFill>
-              </a:rPr>
-              <a:t>	</a:t>
-            </a:r>
-            <a:r>
-              <a:rPr lang="fr-FR" sz="1400" dirty="0" smtClean="0">
-                <a:solidFill>
-                  <a:schemeClr val="bg1"/>
-                </a:solidFill>
-              </a:rPr>
-              <a:t>e. Maquettage……………………………………………………………………...……….12</a:t>
-            </a:r>
-          </a:p>
-          <a:p>
-            <a:r>
-              <a:rPr lang="fr-FR" sz="1400" dirty="0">
-                <a:solidFill>
-                  <a:schemeClr val="bg1"/>
-                </a:solidFill>
-              </a:rPr>
-              <a:t>	</a:t>
-            </a:r>
-            <a:r>
-              <a:rPr lang="fr-FR" sz="1400" dirty="0" smtClean="0">
-                <a:solidFill>
-                  <a:schemeClr val="bg1"/>
-                </a:solidFill>
-              </a:rPr>
-              <a:t>	1.charte graphique…………………………………………………………………..13</a:t>
-            </a:r>
-          </a:p>
-          <a:p>
-            <a:r>
-              <a:rPr lang="fr-FR" sz="1400" dirty="0">
-                <a:solidFill>
-                  <a:schemeClr val="bg1"/>
-                </a:solidFill>
-              </a:rPr>
-              <a:t>	</a:t>
-            </a:r>
-            <a:r>
-              <a:rPr lang="fr-FR" sz="1400" dirty="0" smtClean="0">
-                <a:solidFill>
-                  <a:schemeClr val="bg1"/>
-                </a:solidFill>
-              </a:rPr>
-              <a:t>	2.Elements a conserver…………………………………………………………...…13</a:t>
-            </a:r>
-          </a:p>
-          <a:p>
-            <a:r>
-              <a:rPr lang="fr-FR" sz="1400" dirty="0">
-                <a:solidFill>
-                  <a:schemeClr val="bg1"/>
-                </a:solidFill>
-              </a:rPr>
-              <a:t>	</a:t>
-            </a:r>
-            <a:r>
-              <a:rPr lang="fr-FR" sz="1400" dirty="0" smtClean="0">
-                <a:solidFill>
-                  <a:schemeClr val="bg1"/>
-                </a:solidFill>
-              </a:rPr>
-              <a:t>	3.Zoning…………………………………………………………………………..…….14</a:t>
-            </a:r>
-          </a:p>
-          <a:p>
-            <a:r>
-              <a:rPr lang="fr-FR" sz="1400" dirty="0">
-                <a:solidFill>
-                  <a:schemeClr val="bg1"/>
-                </a:solidFill>
-              </a:rPr>
-              <a:t>	</a:t>
-            </a:r>
-            <a:r>
-              <a:rPr lang="fr-FR" sz="1400" dirty="0" smtClean="0">
-                <a:solidFill>
-                  <a:schemeClr val="bg1"/>
-                </a:solidFill>
-              </a:rPr>
-              <a:t>	4.Wireframe……………………………………………………………………………15/16</a:t>
-            </a:r>
-          </a:p>
-          <a:p>
-            <a:r>
-              <a:rPr lang="fr-FR" sz="1400" dirty="0">
-                <a:solidFill>
-                  <a:schemeClr val="bg1"/>
-                </a:solidFill>
-              </a:rPr>
-              <a:t>	</a:t>
-            </a:r>
-            <a:r>
-              <a:rPr lang="fr-FR" sz="1400" dirty="0" smtClean="0">
-                <a:solidFill>
-                  <a:schemeClr val="bg1"/>
-                </a:solidFill>
-              </a:rPr>
-              <a:t>	5.Style </a:t>
-            </a:r>
-            <a:r>
-              <a:rPr lang="fr-FR" sz="1400" dirty="0" err="1" smtClean="0">
-                <a:solidFill>
-                  <a:schemeClr val="bg1"/>
-                </a:solidFill>
-              </a:rPr>
-              <a:t>title</a:t>
-            </a:r>
-            <a:r>
-              <a:rPr lang="fr-FR" sz="1400" dirty="0" smtClean="0">
-                <a:solidFill>
-                  <a:schemeClr val="bg1"/>
-                </a:solidFill>
-              </a:rPr>
-              <a:t>……………………………………………………………………………...17</a:t>
-            </a:r>
-          </a:p>
-          <a:p>
-            <a:r>
-              <a:rPr lang="fr-FR" sz="1400" dirty="0">
-                <a:solidFill>
-                  <a:schemeClr val="bg1"/>
-                </a:solidFill>
-              </a:rPr>
-              <a:t>	</a:t>
-            </a:r>
-            <a:r>
-              <a:rPr lang="fr-FR" sz="1400" dirty="0" smtClean="0">
-                <a:solidFill>
-                  <a:schemeClr val="bg1"/>
-                </a:solidFill>
-              </a:rPr>
-              <a:t>	6.Mokup………………………………………………………………………………..18/19</a:t>
-            </a:r>
-          </a:p>
-          <a:p>
-            <a:r>
-              <a:rPr lang="fr-FR" sz="1400" dirty="0" smtClean="0">
-                <a:solidFill>
-                  <a:schemeClr val="bg1"/>
-                </a:solidFill>
-              </a:rPr>
-              <a:t>3.Conception……………………………………………………………………………….………………20</a:t>
-            </a:r>
-          </a:p>
-          <a:p>
-            <a:r>
-              <a:rPr lang="fr-FR" sz="1400" dirty="0">
-                <a:solidFill>
-                  <a:schemeClr val="bg1"/>
-                </a:solidFill>
-              </a:rPr>
-              <a:t>	</a:t>
-            </a:r>
-            <a:r>
-              <a:rPr lang="fr-FR" sz="1400" dirty="0" smtClean="0">
-                <a:solidFill>
-                  <a:schemeClr val="bg1"/>
-                </a:solidFill>
-              </a:rPr>
-              <a:t>a. MCD………………………………………………………………………..……………….20</a:t>
-            </a:r>
-          </a:p>
-          <a:p>
-            <a:r>
-              <a:rPr lang="fr-FR" sz="1400" dirty="0">
-                <a:solidFill>
-                  <a:schemeClr val="bg1"/>
-                </a:solidFill>
-              </a:rPr>
-              <a:t>	</a:t>
-            </a:r>
-            <a:r>
-              <a:rPr lang="fr-FR" sz="1400" dirty="0" smtClean="0">
-                <a:solidFill>
-                  <a:schemeClr val="bg1"/>
-                </a:solidFill>
-              </a:rPr>
-              <a:t>b. MLD………………………………………………………………………………………….21</a:t>
-            </a:r>
-          </a:p>
-          <a:p>
-            <a:r>
-              <a:rPr lang="fr-FR" sz="1400" dirty="0" smtClean="0">
-                <a:solidFill>
-                  <a:schemeClr val="bg1"/>
-                </a:solidFill>
-              </a:rPr>
-              <a:t>4.Outils techniques………………………………………………………………………...………………22</a:t>
-            </a:r>
-          </a:p>
-          <a:p>
-            <a:r>
-              <a:rPr lang="fr-FR" sz="1400" dirty="0" smtClean="0">
-                <a:solidFill>
-                  <a:schemeClr val="bg1"/>
-                </a:solidFill>
-              </a:rPr>
-              <a:t>5.Fonctionnalité front………………………………………………………………...……………………23/24</a:t>
-            </a:r>
-            <a:endParaRPr lang="fr-FR" sz="1400" dirty="0" smtClean="0">
-              <a:solidFill>
-                <a:schemeClr val="bg1"/>
-              </a:solidFill>
-            </a:endParaRPr>
-          </a:p>
-          <a:p>
-            <a:r>
-              <a:rPr lang="fr-FR" sz="1400" dirty="0">
-                <a:solidFill>
-                  <a:schemeClr val="bg1"/>
-                </a:solidFill>
-              </a:rPr>
-              <a:t>	</a:t>
-            </a:r>
-            <a:endParaRPr lang="fr-FR" sz="1400" dirty="0" smtClean="0">
-              <a:solidFill>
-                <a:schemeClr val="bg1"/>
-              </a:solidFill>
-            </a:endParaRPr>
           </a:p>
           <a:p>
             <a:endParaRPr lang="fr-FR" sz="1400" dirty="0">
@@ -8376,7 +8178,7 @@
           <a:lstStyle/>
           <a:p>
             <a:r>
-              <a:rPr lang="fr-FR" b="1" u="sng" dirty="0" smtClean="0">
+              <a:rPr lang="fr-FR" b="1" u="sng" dirty="0">
                 <a:solidFill>
                   <a:srgbClr val="8F1919"/>
                 </a:solidFill>
@@ -8384,7 +8186,7 @@
               <a:t>MCD:</a:t>
             </a:r>
             <a:r>
-              <a:rPr lang="fr-FR" dirty="0" smtClean="0">
+              <a:rPr lang="fr-FR" dirty="0">
                 <a:solidFill>
                   <a:srgbClr val="8F1919"/>
                 </a:solidFill>
@@ -8392,7 +8194,7 @@
               <a:t>  </a:t>
             </a:r>
             <a:r>
-              <a:rPr lang="fr-FR" dirty="0" smtClean="0">
+              <a:rPr lang="fr-FR" dirty="0">
                 <a:solidFill>
                   <a:schemeClr val="bg1"/>
                 </a:solidFill>
@@ -8516,7 +8318,7 @@
           <a:lstStyle/>
           <a:p>
             <a:r>
-              <a:rPr lang="fr-FR" b="1" u="sng" dirty="0" smtClean="0">
+              <a:rPr lang="fr-FR" b="1" u="sng" dirty="0">
                 <a:solidFill>
                   <a:srgbClr val="8F1919"/>
                 </a:solidFill>
@@ -8524,7 +8326,7 @@
               <a:t>MLD:</a:t>
             </a:r>
             <a:r>
-              <a:rPr lang="fr-FR" dirty="0" smtClean="0">
+              <a:rPr lang="fr-FR" dirty="0">
                 <a:solidFill>
                   <a:srgbClr val="8F1919"/>
                 </a:solidFill>
@@ -8532,7 +8334,7 @@
               <a:t>  </a:t>
             </a:r>
             <a:r>
-              <a:rPr lang="fr-FR" dirty="0" smtClean="0">
+              <a:rPr lang="fr-FR" dirty="0">
                 <a:solidFill>
                   <a:schemeClr val="bg1"/>
                 </a:solidFill>
@@ -9036,7 +8838,7 @@
         <p:spPr>
           <a:xfrm>
             <a:off x="6898511" y="251414"/>
-            <a:ext cx="5013141" cy="2585323"/>
+            <a:ext cx="5013141" cy="3970318"/>
           </a:xfrm>
           <a:prstGeom prst="rect">
             <a:avLst/>
@@ -9103,7 +8905,17 @@
                   <a:schemeClr val="bg1"/>
                 </a:solidFill>
               </a:rPr>
-              <a:t> ou la classe. Je met un écouteur d’événement sur le bouton de soumission; au clique je récupère les valeurs écrites par le visiteur ou si un des champs est vide j’envoie un message d’alerte pour remplir tout </a:t>
+              <a:t> ou la classe. Je mets un écouteur d’événement sur le bouton de soumission; au clique je récupère les valeurs écrites par le visiteur ou si un des champs est vide j’envoie un message d’alerte pour remplir tout les champs.</a:t>
+            </a:r>
+          </a:p>
+          <a:p>
+            <a:r>
+              <a:rPr lang="fr-FR" dirty="0">
+                <a:solidFill>
+                  <a:schemeClr val="bg1"/>
+                </a:solidFill>
+              </a:rPr>
+              <a:t>Je récupère la date du jour si elle est inferieur a 10 je rajoute un zéro. Je crée une div, j’y insère via un titre et un paragraphe le prénom et l’avis du visiteur et je l’affiche. Je vide ensuite </a:t>
             </a:r>
             <a:r>
               <a:rPr lang="fr-FR">
@@ -9113,22 +8925,27 @@
               </a:rPr>
               <a:t>les champs.</a:t>
             </a:r>
-          </a:p>
-          <a:p>
             <a:endParaRPr lang="fr-FR" dirty="0">
               <a:solidFill>
                 <a:schemeClr val="bg1"/>
               </a:solidFill>
             </a:endParaRPr>
           </a:p>
+          <a:p>
+            <a:endParaRPr lang="fr-FR" dirty="0">
+              <a:solidFill>
+                <a:schemeClr val="bg1"/>
+              </a:solidFill>
+            </a:endParaRPr>
+          </a:p>
         </p:txBody>
       </p:sp>
       <p:pic>
         <p:nvPicPr>
-          <p:cNvPr id="9" name="Image 8">
+          <p:cNvPr id="6" name="Image 5">
             <a:extLst>
               <a:ext uri="{FF2B5EF4-FFF2-40B4-BE49-F238E27FC236}">
-                <a16:creationId xmlns:a16="http://schemas.microsoft.com/office/drawing/2014/main" id="{E4E3CA2A-04A6-A5DC-201D-0D3AD6938453}"/>
+                <a16:creationId xmlns:a16="http://schemas.microsoft.com/office/drawing/2014/main" id="{52A209EF-C0E9-5E53-0241-28A9E98F5C8E}"/>
               </a:ext>
             </a:extLst>
           </p:cNvPr>
@@ -9145,20 +8962,44 @@
         </p:blipFill>
         <p:spPr>
           <a:xfrm>
-            <a:off x="280348" y="2005740"/>
-            <a:ext cx="6256062" cy="4600846"/>
+            <a:off x="280348" y="364229"/>
+            <a:ext cx="5522026" cy="1699594"/>
           </a:xfrm>
           <a:prstGeom prst="rect">
             <a:avLst/>
           </a:prstGeom>
         </p:spPr>
       </p:pic>
+      <p:sp>
+        <p:nvSpPr>
+          <p:cNvPr id="3" name="Espace réservé du numéro de diapositive 2"/>
+          <p:cNvSpPr>
+            <a:spLocks noGrp="1"/>
+          </p:cNvSpPr>
+          <p:nvPr>
+            <p:ph type="sldNum" sz="quarter" idx="12"/>
+          </p:nvPr>
+        </p:nvSpPr>
+        <p:spPr/>
+        <p:txBody>
+          <a:bodyPr/>
+          <a:lstStyle/>
+          <a:p>
+            <a:fld id="{D57F1E4F-1CFF-5643-939E-217C01CDF565}" type="slidenum">
+              <a:rPr lang="en-US" smtClean="0"/>
+              <a:pPr/>
+              <a:t>24</a:t>
+            </a:fld>
+            <a:endParaRPr lang="en-US" dirty="0"/>
+          </a:p>
+        </p:txBody>
+      </p:sp>
       <p:pic>
         <p:nvPicPr>
-          <p:cNvPr id="6" name="Image 5">
+          <p:cNvPr id="4" name="Image 3">
             <a:extLst>
               <a:ext uri="{FF2B5EF4-FFF2-40B4-BE49-F238E27FC236}">
-                <a16:creationId xmlns:a16="http://schemas.microsoft.com/office/drawing/2014/main" id="{52A209EF-C0E9-5E53-0241-28A9E98F5C8E}"/>
+                <a16:creationId xmlns:a16="http://schemas.microsoft.com/office/drawing/2014/main" id="{D31C14DC-F5A8-5B42-EDEA-C7F1172AB1E8}"/>
               </a:ext>
             </a:extLst>
           </p:cNvPr>
@@ -9175,38 +9016,14 @@
         </p:blipFill>
         <p:spPr>
           <a:xfrm>
-            <a:off x="280348" y="364229"/>
-            <a:ext cx="5522026" cy="1699594"/>
+            <a:off x="280348" y="2063823"/>
+            <a:ext cx="6123369" cy="4681361"/>
           </a:xfrm>
           <a:prstGeom prst="rect">
             <a:avLst/>
           </a:prstGeom>
         </p:spPr>
       </p:pic>
-      <p:sp>
-        <p:nvSpPr>
-          <p:cNvPr id="3" name="Espace réservé du numéro de diapositive 2"/>
-          <p:cNvSpPr>
-            <a:spLocks noGrp="1"/>
-          </p:cNvSpPr>
-          <p:nvPr>
-            <p:ph type="sldNum" sz="quarter" idx="12"/>
-          </p:nvPr>
-        </p:nvSpPr>
-        <p:spPr/>
-        <p:txBody>
-          <a:bodyPr/>
-          <a:lstStyle/>
-          <a:p>
-            <a:fld id="{D57F1E4F-1CFF-5643-939E-217C01CDF565}" type="slidenum">
-              <a:rPr lang="en-US" smtClean="0"/>
-              <a:pPr/>
-              <a:t>24</a:t>
-            </a:fld>
-            <a:endParaRPr lang="en-US" dirty="0"/>
-          </a:p>
-        </p:txBody>
-      </p:sp>
     </p:spTree>
     <p:extLst>
       <p:ext uri="{BB962C8B-B14F-4D97-AF65-F5344CB8AC3E}">
@@ -12554,21 +12371,8 @@
                   <a:srgbClr val="751515"/>
                 </a:solidFill>
               </a:rPr>
-              <a:t>Les </a:t>
-            </a:r>
-            <a:r>
-              <a:rPr lang="fr-FR" b="1" u="sng" dirty="0" smtClean="0">
-                <a:solidFill>
-                  <a:srgbClr val="751515"/>
-                </a:solidFill>
-              </a:rPr>
-              <a:t>contraintes techniques:</a:t>
-            </a:r>
-            <a:endParaRPr lang="fr-FR" b="1" u="sng" dirty="0">
-              <a:solidFill>
-                <a:srgbClr val="751515"/>
-              </a:solidFill>
-            </a:endParaRPr>
+              <a:t>Les contraintes techniques:</a:t>
+            </a:r>
           </a:p>
           <a:p>
             <a:pPr lvl="1"/>
@@ -13002,39 +12806,7 @@
                   <a:schemeClr val="bg1"/>
                 </a:solidFill>
               </a:rPr>
-              <a:t>3</a:t>
-            </a:r>
-            <a:r>
-              <a:rPr lang="fr-FR" sz="1400" dirty="0" smtClean="0">
-                <a:solidFill>
-                  <a:schemeClr val="bg1"/>
-                </a:solidFill>
-              </a:rPr>
-              <a:t> </a:t>
-            </a:r>
-            <a:r>
-              <a:rPr lang="fr-FR" sz="1400" dirty="0">
-                <a:solidFill>
-                  <a:schemeClr val="bg1"/>
-                </a:solidFill>
-              </a:rPr>
-              <a:t>acteurs: Le </a:t>
-            </a:r>
-            <a:r>
-              <a:rPr lang="fr-FR" sz="1400" dirty="0" smtClean="0">
-                <a:solidFill>
-                  <a:schemeClr val="bg1"/>
-                </a:solidFill>
-              </a:rPr>
-              <a:t>visiteur, l’acteur connexion </a:t>
-            </a:r>
-            <a:r>
-              <a:rPr lang="fr-FR" sz="1400" dirty="0">
-                <a:solidFill>
-                  <a:schemeClr val="bg1"/>
-                </a:solidFill>
-              </a:rPr>
-              <a:t>et l’administrateur.</a:t>
+              <a:t>3 acteurs: Le visiteur, l’acteur connexion et l’administrateur.</a:t>
             </a:r>
           </a:p>
           <a:p>
@@ -13131,15 +12903,7 @@
                   <a:schemeClr val="bg1"/>
                 </a:solidFill>
               </a:rPr>
-              <a:t>Visualiser les différents tableaux dans la </a:t>
-            </a:r>
-            <a:r>
-              <a:rPr lang="fr-FR" sz="1400" dirty="0" smtClean="0">
-                <a:solidFill>
-                  <a:schemeClr val="bg1"/>
-                </a:solidFill>
-              </a:rPr>
-              <a:t>galerie</a:t>
+              <a:t>Visualiser les différents tableaux dans la galerie</a:t>
             </a:r>
           </a:p>
           <a:p>
@@ -13151,7 +12915,7 @@
           </a:p>
           <a:p>
             <a:r>
-              <a:rPr lang="fr-FR" sz="1400" dirty="0" smtClean="0">
+              <a:rPr lang="fr-FR" sz="1400" dirty="0">
                 <a:solidFill>
                   <a:schemeClr val="bg1"/>
                 </a:solidFill>
@@ -13165,7 +12929,7 @@
               <a:buChar char="-"/>
             </a:pPr>
             <a:r>
-              <a:rPr lang="fr-FR" sz="1400" dirty="0" smtClean="0">
+              <a:rPr lang="fr-FR" sz="1400" dirty="0">
                 <a:solidFill>
                   <a:schemeClr val="bg1"/>
                 </a:solidFill>
@@ -13179,13 +12943,15 @@
               <a:buChar char="-"/>
             </a:pPr>
             <a:r>
-              <a:rPr lang="fr-FR" sz="1400" dirty="0" smtClean="0">
+              <a:rPr lang="fr-FR" sz="1400" dirty="0">
                 <a:solidFill>
                   <a:schemeClr val="bg1"/>
                 </a:solidFill>
               </a:rPr>
               <a:t>Se déconnecte</a:t>
             </a:r>
+          </a:p>
+          <a:p>
             <a:endParaRPr lang="fr-FR" sz="1400" dirty="0">
               <a:solidFill>
                 <a:schemeClr val="bg1"/>
@@ -13193,13 +12959,6 @@
             </a:endParaRPr>
           </a:p>
           <a:p>
-            <a:endParaRPr lang="fr-FR" sz="1400" dirty="0">
-              <a:solidFill>
-                <a:schemeClr val="bg1"/>
-              </a:solidFill>
-            </a:endParaRPr>
-          </a:p>
-          <a:p>
             <a:r>
               <a:rPr lang="fr-FR" sz="1400" dirty="0">
                 <a:solidFill>
@@ -13215,7 +12974,7 @@
               <a:buChar char="-"/>
             </a:pPr>
             <a:r>
-              <a:rPr lang="fr-FR" sz="1400" smtClean="0">
+              <a:rPr lang="fr-FR" sz="1400">
                 <a:solidFill>
                   <a:schemeClr val="bg1"/>
                 </a:solidFill>
@@ -13223,18 +12982,13 @@
               <a:t>Récupère </a:t>
             </a:r>
             <a:r>
-              <a:rPr lang="fr-FR" sz="1400" dirty="0" smtClean="0">
+              <a:rPr lang="fr-FR" sz="1400" dirty="0">
                 <a:solidFill>
                   <a:schemeClr val="bg1"/>
                 </a:solidFill>
               </a:rPr>
               <a:t>les droits de l’acteur connexion</a:t>
             </a:r>
-            <a:endParaRPr lang="fr-FR" sz="1400" dirty="0">
-              <a:solidFill>
-                <a:schemeClr val="bg1"/>
-              </a:solidFill>
-            </a:endParaRPr>
           </a:p>
           <a:p>
             <a:pPr marL="285750" indent="-285750">

--- a/CDC/L_artiste.pptx
+++ b/CDC/L_artiste.pptx
@@ -5,36 +5,39 @@
     <p:sldMasterId id="2147483648" r:id="rId1"/>
   </p:sldMasterIdLst>
   <p:notesMasterIdLst>
-    <p:notesMasterId r:id="rId29"/>
+    <p:notesMasterId r:id="rId32"/>
   </p:notesMasterIdLst>
   <p:sldIdLst>
     <p:sldId id="256" r:id="rId2"/>
     <p:sldId id="282" r:id="rId3"/>
-    <p:sldId id="257" r:id="rId4"/>
-    <p:sldId id="258" r:id="rId5"/>
-    <p:sldId id="259" r:id="rId6"/>
-    <p:sldId id="263" r:id="rId7"/>
-    <p:sldId id="264" r:id="rId8"/>
-    <p:sldId id="261" r:id="rId9"/>
-    <p:sldId id="274" r:id="rId10"/>
-    <p:sldId id="276" r:id="rId11"/>
-    <p:sldId id="277" r:id="rId12"/>
-    <p:sldId id="262" r:id="rId13"/>
-    <p:sldId id="260" r:id="rId14"/>
-    <p:sldId id="266" r:id="rId15"/>
-    <p:sldId id="267" r:id="rId16"/>
-    <p:sldId id="269" r:id="rId17"/>
-    <p:sldId id="268" r:id="rId18"/>
-    <p:sldId id="270" r:id="rId19"/>
-    <p:sldId id="272" r:id="rId20"/>
-    <p:sldId id="281" r:id="rId21"/>
-    <p:sldId id="283" r:id="rId22"/>
-    <p:sldId id="278" r:id="rId23"/>
-    <p:sldId id="279" r:id="rId24"/>
-    <p:sldId id="280" r:id="rId25"/>
-    <p:sldId id="265" r:id="rId26"/>
-    <p:sldId id="275" r:id="rId27"/>
-    <p:sldId id="273" r:id="rId28"/>
+    <p:sldId id="284" r:id="rId4"/>
+    <p:sldId id="257" r:id="rId5"/>
+    <p:sldId id="258" r:id="rId6"/>
+    <p:sldId id="259" r:id="rId7"/>
+    <p:sldId id="263" r:id="rId8"/>
+    <p:sldId id="264" r:id="rId9"/>
+    <p:sldId id="261" r:id="rId10"/>
+    <p:sldId id="285" r:id="rId11"/>
+    <p:sldId id="274" r:id="rId12"/>
+    <p:sldId id="276" r:id="rId13"/>
+    <p:sldId id="277" r:id="rId14"/>
+    <p:sldId id="286" r:id="rId15"/>
+    <p:sldId id="262" r:id="rId16"/>
+    <p:sldId id="260" r:id="rId17"/>
+    <p:sldId id="266" r:id="rId18"/>
+    <p:sldId id="267" r:id="rId19"/>
+    <p:sldId id="269" r:id="rId20"/>
+    <p:sldId id="268" r:id="rId21"/>
+    <p:sldId id="270" r:id="rId22"/>
+    <p:sldId id="272" r:id="rId23"/>
+    <p:sldId id="287" r:id="rId24"/>
+    <p:sldId id="281" r:id="rId25"/>
+    <p:sldId id="283" r:id="rId26"/>
+    <p:sldId id="288" r:id="rId27"/>
+    <p:sldId id="278" r:id="rId28"/>
+    <p:sldId id="279" r:id="rId29"/>
+    <p:sldId id="280" r:id="rId30"/>
+    <p:sldId id="265" r:id="rId31"/>
   </p:sldIdLst>
   <p:sldSz cx="12192000" cy="6858000"/>
   <p:notesSz cx="6858000" cy="9144000"/>
@@ -140,15 +143,18 @@
           <p14:sldIdLst>
             <p14:sldId id="256"/>
             <p14:sldId id="282"/>
+            <p14:sldId id="284"/>
             <p14:sldId id="257"/>
             <p14:sldId id="258"/>
             <p14:sldId id="259"/>
             <p14:sldId id="263"/>
             <p14:sldId id="264"/>
             <p14:sldId id="261"/>
+            <p14:sldId id="285"/>
             <p14:sldId id="274"/>
             <p14:sldId id="276"/>
             <p14:sldId id="277"/>
+            <p14:sldId id="286"/>
             <p14:sldId id="262"/>
             <p14:sldId id="260"/>
             <p14:sldId id="266"/>
@@ -157,14 +163,14 @@
             <p14:sldId id="268"/>
             <p14:sldId id="270"/>
             <p14:sldId id="272"/>
+            <p14:sldId id="287"/>
             <p14:sldId id="281"/>
             <p14:sldId id="283"/>
+            <p14:sldId id="288"/>
             <p14:sldId id="278"/>
             <p14:sldId id="279"/>
             <p14:sldId id="280"/>
             <p14:sldId id="265"/>
-            <p14:sldId id="275"/>
-            <p14:sldId id="273"/>
           </p14:sldIdLst>
         </p14:section>
       </p14:sectionLst>
@@ -261,7 +267,7 @@
           <a:p>
             <a:fld id="{CE3F9B10-F744-47E1-871E-98B3AC9B3E4F}" type="datetimeFigureOut">
               <a:rPr lang="fr-FR" smtClean="0"/>
-              <a:t>10/03/2023</a:t>
+              <a:t>20/03/2023</a:t>
             </a:fld>
             <a:endParaRPr lang="fr-FR"/>
           </a:p>
@@ -672,7 +678,7 @@
           <a:p>
             <a:fld id="{795B0F33-6398-43E2-B783-514E6293E97E}" type="datetime1">
               <a:rPr lang="en-US" smtClean="0"/>
-              <a:t>3/10/2023</a:t>
+              <a:t>3/20/2023</a:t>
             </a:fld>
             <a:endParaRPr lang="en-US" dirty="0"/>
           </a:p>
@@ -1104,7 +1110,7 @@
           <a:p>
             <a:fld id="{270AED2E-2550-4305-AD46-9177EE377B20}" type="datetime1">
               <a:rPr lang="en-US" smtClean="0"/>
-              <a:t>3/10/2023</a:t>
+              <a:t>3/20/2023</a:t>
             </a:fld>
             <a:endParaRPr lang="en-US" dirty="0"/>
           </a:p>
@@ -1350,7 +1356,7 @@
           <a:p>
             <a:fld id="{87A632E5-0FE5-4CA5-98B3-93A5B703C776}" type="datetime1">
               <a:rPr lang="en-US" smtClean="0"/>
-              <a:t>3/10/2023</a:t>
+              <a:t>3/20/2023</a:t>
             </a:fld>
             <a:endParaRPr lang="en-US" dirty="0"/>
           </a:p>
@@ -1654,7 +1660,7 @@
           <a:p>
             <a:fld id="{6563236B-D1A4-4B38-953C-CBE44AAFB604}" type="datetime1">
               <a:rPr lang="en-US" smtClean="0"/>
-              <a:t>3/10/2023</a:t>
+              <a:t>3/20/2023</a:t>
             </a:fld>
             <a:endParaRPr lang="en-US" dirty="0"/>
           </a:p>
@@ -1968,7 +1974,7 @@
           <a:p>
             <a:fld id="{AF12EEA3-159D-4F8A-9B05-5065548C93FE}" type="datetime1">
               <a:rPr lang="en-US" smtClean="0"/>
-              <a:t>3/10/2023</a:t>
+              <a:t>3/20/2023</a:t>
             </a:fld>
             <a:endParaRPr lang="en-US" dirty="0"/>
           </a:p>
@@ -2266,7 +2272,7 @@
           <a:p>
             <a:fld id="{5E6194DB-34B3-434A-9A89-27994F5036D6}" type="datetime1">
               <a:rPr lang="en-US" smtClean="0"/>
-              <a:t>3/10/2023</a:t>
+              <a:t>3/20/2023</a:t>
             </a:fld>
             <a:endParaRPr lang="en-US" dirty="0"/>
           </a:p>
@@ -2629,7 +2635,7 @@
           <a:p>
             <a:fld id="{D86AD7A5-28E1-4605-A305-D41C33CC9287}" type="datetime1">
               <a:rPr lang="en-US" smtClean="0"/>
-              <a:t>3/10/2023</a:t>
+              <a:t>3/20/2023</a:t>
             </a:fld>
             <a:endParaRPr lang="en-US" dirty="0"/>
           </a:p>
@@ -2799,7 +2805,7 @@
           <a:p>
             <a:fld id="{4E07EDF1-E9A2-491C-8826-19CBCA408BE7}" type="datetime1">
               <a:rPr lang="en-US" smtClean="0"/>
-              <a:t>3/10/2023</a:t>
+              <a:t>3/20/2023</a:t>
             </a:fld>
             <a:endParaRPr lang="en-US" dirty="0"/>
           </a:p>
@@ -2975,7 +2981,7 @@
           <a:p>
             <a:fld id="{8D992E7E-E44A-4B25-9BC1-A150740391BE}" type="datetime1">
               <a:rPr lang="en-US" smtClean="0"/>
-              <a:t>3/10/2023</a:t>
+              <a:t>3/20/2023</a:t>
             </a:fld>
             <a:endParaRPr lang="en-US" dirty="0"/>
           </a:p>
@@ -3141,7 +3147,7 @@
           <a:p>
             <a:fld id="{BAA9BD18-2FFD-4FD8-AC2D-AB11B750B8BB}" type="datetime1">
               <a:rPr lang="en-US" smtClean="0"/>
-              <a:t>3/10/2023</a:t>
+              <a:t>3/20/2023</a:t>
             </a:fld>
             <a:endParaRPr lang="en-US" dirty="0"/>
           </a:p>
@@ -3387,7 +3393,7 @@
           <a:p>
             <a:fld id="{501B211B-C5F7-4692-9103-D612D8C54866}" type="datetime1">
               <a:rPr lang="en-US" smtClean="0"/>
-              <a:t>3/10/2023</a:t>
+              <a:t>3/20/2023</a:t>
             </a:fld>
             <a:endParaRPr lang="en-US" dirty="0"/>
           </a:p>
@@ -3619,7 +3625,7 @@
           <a:p>
             <a:fld id="{A79DAFCD-D21F-45E6-8176-EA21AE5EA4A9}" type="datetime1">
               <a:rPr lang="en-US" smtClean="0"/>
-              <a:t>3/10/2023</a:t>
+              <a:t>3/20/2023</a:t>
             </a:fld>
             <a:endParaRPr lang="en-US" dirty="0"/>
           </a:p>
@@ -3997,7 +4003,7 @@
           <a:p>
             <a:fld id="{0678A836-37FA-43B4-8622-D2D43F13CF23}" type="datetime1">
               <a:rPr lang="en-US" smtClean="0"/>
-              <a:t>3/10/2023</a:t>
+              <a:t>3/20/2023</a:t>
             </a:fld>
             <a:endParaRPr lang="en-US" dirty="0"/>
           </a:p>
@@ -4111,7 +4117,7 @@
           <a:p>
             <a:fld id="{30C44C70-21C1-4E34-A740-6CA8CED8D3F7}" type="datetime1">
               <a:rPr lang="en-US" smtClean="0"/>
-              <a:t>3/10/2023</a:t>
+              <a:t>3/20/2023</a:t>
             </a:fld>
             <a:endParaRPr lang="en-US" dirty="0"/>
           </a:p>
@@ -4202,7 +4208,7 @@
           <a:p>
             <a:fld id="{0EDB3C2B-4C1D-416C-BC4D-A42C653629FD}" type="datetime1">
               <a:rPr lang="en-US" smtClean="0"/>
-              <a:t>3/10/2023</a:t>
+              <a:t>3/20/2023</a:t>
             </a:fld>
             <a:endParaRPr lang="en-US" dirty="0"/>
           </a:p>
@@ -4453,7 +4459,7 @@
           <a:p>
             <a:fld id="{08BA71F5-3ED0-4982-B390-04A96C5F3C52}" type="datetime1">
               <a:rPr lang="en-US" smtClean="0"/>
-              <a:t>3/10/2023</a:t>
+              <a:t>3/20/2023</a:t>
             </a:fld>
             <a:endParaRPr lang="en-US" dirty="0"/>
           </a:p>
@@ -4732,7 +4738,7 @@
           <a:p>
             <a:fld id="{0F6B8777-FBF0-4ACB-90E3-60548ABBEE49}" type="datetime1">
               <a:rPr lang="en-US" smtClean="0"/>
-              <a:t>3/10/2023</a:t>
+              <a:t>3/20/2023</a:t>
             </a:fld>
             <a:endParaRPr lang="en-US" dirty="0"/>
           </a:p>
@@ -5134,7 +5140,7 @@
           <a:p>
             <a:fld id="{AE768BA4-DD45-41F2-A6B6-61791039AE84}" type="datetime1">
               <a:rPr lang="en-US" smtClean="0"/>
-              <a:t>3/10/2023</a:t>
+              <a:t>3/20/2023</a:t>
             </a:fld>
             <a:endParaRPr lang="en-US" dirty="0"/>
           </a:p>
@@ -5988,6 +5994,576 @@
           <a:chExt cx="0" cy="0"/>
         </a:xfrm>
       </p:grpSpPr>
+      <p:sp>
+        <p:nvSpPr>
+          <p:cNvPr id="4" name="Espace réservé du numéro de diapositive 3">
+            <a:extLst>
+              <a:ext uri="{FF2B5EF4-FFF2-40B4-BE49-F238E27FC236}">
+                <a16:creationId xmlns:a16="http://schemas.microsoft.com/office/drawing/2014/main" id="{A31F6498-CC9B-E539-F93C-2B9FADDFB89B}"/>
+              </a:ext>
+            </a:extLst>
+          </p:cNvPr>
+          <p:cNvSpPr>
+            <a:spLocks noGrp="1"/>
+          </p:cNvSpPr>
+          <p:nvPr>
+            <p:ph type="sldNum" sz="quarter" idx="12"/>
+          </p:nvPr>
+        </p:nvSpPr>
+        <p:spPr/>
+        <p:txBody>
+          <a:bodyPr/>
+          <a:lstStyle/>
+          <a:p>
+            <a:fld id="{D57F1E4F-1CFF-5643-939E-217C01CDF565}" type="slidenum">
+              <a:rPr lang="en-US" smtClean="0"/>
+              <a:pPr/>
+              <a:t>10</a:t>
+            </a:fld>
+            <a:endParaRPr lang="en-US" dirty="0"/>
+          </a:p>
+        </p:txBody>
+      </p:sp>
+      <p:sp>
+        <p:nvSpPr>
+          <p:cNvPr id="5" name="ZoneTexte 4">
+            <a:extLst>
+              <a:ext uri="{FF2B5EF4-FFF2-40B4-BE49-F238E27FC236}">
+                <a16:creationId xmlns:a16="http://schemas.microsoft.com/office/drawing/2014/main" id="{DAD0C4BB-3E50-38BA-0BC7-FCBBF486C08E}"/>
+              </a:ext>
+            </a:extLst>
+          </p:cNvPr>
+          <p:cNvSpPr txBox="1"/>
+          <p:nvPr/>
+        </p:nvSpPr>
+        <p:spPr>
+          <a:xfrm>
+            <a:off x="565778" y="1270660"/>
+            <a:ext cx="9778639" cy="1754326"/>
+          </a:xfrm>
+          <a:prstGeom prst="rect">
+            <a:avLst/>
+          </a:prstGeom>
+          <a:noFill/>
+        </p:spPr>
+        <p:txBody>
+          <a:bodyPr wrap="none" rtlCol="0">
+            <a:spAutoFit/>
+          </a:bodyPr>
+          <a:lstStyle/>
+          <a:p>
+            <a:r>
+              <a:rPr lang="fr-FR" sz="1800" dirty="0">
+                <a:solidFill>
+                  <a:schemeClr val="bg1"/>
+                </a:solidFill>
+              </a:rPr>
+              <a:t>2. Spécifications fonctionnelles :</a:t>
+            </a:r>
+          </a:p>
+          <a:p>
+            <a:r>
+              <a:rPr lang="fr-FR" sz="1800" dirty="0">
+                <a:solidFill>
+                  <a:schemeClr val="bg1"/>
+                </a:solidFill>
+              </a:rPr>
+              <a:t>	a. Use case……………………………………………………………………………………11</a:t>
+            </a:r>
+          </a:p>
+          <a:p>
+            <a:r>
+              <a:rPr lang="fr-FR" sz="1800" dirty="0">
+                <a:solidFill>
+                  <a:schemeClr val="bg1"/>
+                </a:solidFill>
+              </a:rPr>
+              <a:t>	b. Diagramme d’activité…………………………………………………………………..12</a:t>
+            </a:r>
+          </a:p>
+          <a:p>
+            <a:r>
+              <a:rPr lang="fr-FR" sz="1800" dirty="0">
+                <a:solidFill>
+                  <a:schemeClr val="bg1"/>
+                </a:solidFill>
+              </a:rPr>
+              <a:t>	c. Diagramme de séquence……………………………………………………………...13</a:t>
+            </a:r>
+          </a:p>
+          <a:p>
+            <a:r>
+              <a:rPr lang="fr-FR" sz="1800" dirty="0">
+                <a:solidFill>
+                  <a:schemeClr val="bg1"/>
+                </a:solidFill>
+              </a:rPr>
+              <a:t>	e. Maquettage……………………………………………………………………...……….14</a:t>
+            </a:r>
+          </a:p>
+          <a:p>
+            <a:endParaRPr lang="fr-FR" dirty="0"/>
+          </a:p>
+        </p:txBody>
+      </p:sp>
+    </p:spTree>
+    <p:extLst>
+      <p:ext uri="{BB962C8B-B14F-4D97-AF65-F5344CB8AC3E}">
+        <p14:creationId xmlns:p14="http://schemas.microsoft.com/office/powerpoint/2010/main" val="4062242205"/>
+      </p:ext>
+    </p:extLst>
+  </p:cSld>
+  <p:clrMapOvr>
+    <a:masterClrMapping/>
+  </p:clrMapOvr>
+</p:sld>
+</file>
+
+<file path=ppt/slides/slide11.xml><?xml version="1.0" encoding="utf-8"?>
+<p:sld xmlns:a="http://schemas.openxmlformats.org/drawingml/2006/main" xmlns:r="http://schemas.openxmlformats.org/officeDocument/2006/relationships" xmlns:p="http://schemas.openxmlformats.org/presentationml/2006/main">
+  <p:cSld>
+    <p:spTree>
+      <p:nvGrpSpPr>
+        <p:cNvPr id="1" name=""/>
+        <p:cNvGrpSpPr/>
+        <p:nvPr/>
+      </p:nvGrpSpPr>
+      <p:grpSpPr>
+        <a:xfrm>
+          <a:off x="0" y="0"/>
+          <a:ext cx="0" cy="0"/>
+          <a:chOff x="0" y="0"/>
+          <a:chExt cx="0" cy="0"/>
+        </a:xfrm>
+      </p:grpSpPr>
+      <p:sp>
+        <p:nvSpPr>
+          <p:cNvPr id="6" name="ZoneTexte 5">
+            <a:extLst>
+              <a:ext uri="{FF2B5EF4-FFF2-40B4-BE49-F238E27FC236}">
+                <a16:creationId xmlns:a16="http://schemas.microsoft.com/office/drawing/2014/main" id="{59101B24-B94B-C392-C424-D95FDA322356}"/>
+              </a:ext>
+            </a:extLst>
+          </p:cNvPr>
+          <p:cNvSpPr txBox="1"/>
+          <p:nvPr/>
+        </p:nvSpPr>
+        <p:spPr>
+          <a:xfrm>
+            <a:off x="748145" y="154379"/>
+            <a:ext cx="4399808" cy="646331"/>
+          </a:xfrm>
+          <a:prstGeom prst="rect">
+            <a:avLst/>
+          </a:prstGeom>
+          <a:noFill/>
+        </p:spPr>
+        <p:txBody>
+          <a:bodyPr wrap="square" rtlCol="0">
+            <a:spAutoFit/>
+          </a:bodyPr>
+          <a:lstStyle/>
+          <a:p>
+            <a:r>
+              <a:rPr lang="fr-FR" b="1" u="sng" dirty="0" err="1">
+                <a:solidFill>
+                  <a:srgbClr val="8F1919"/>
+                </a:solidFill>
+              </a:rPr>
+              <a:t>Usecase</a:t>
+            </a:r>
+            <a:r>
+              <a:rPr lang="fr-FR" b="1" u="sng" dirty="0">
+                <a:solidFill>
+                  <a:srgbClr val="8F1919"/>
+                </a:solidFill>
+              </a:rPr>
+              <a:t>:</a:t>
+            </a:r>
+            <a:r>
+              <a:rPr lang="fr-FR" b="1" dirty="0">
+                <a:solidFill>
+                  <a:srgbClr val="8F1919"/>
+                </a:solidFill>
+              </a:rPr>
+              <a:t>  </a:t>
+            </a:r>
+            <a:r>
+              <a:rPr lang="fr-FR" dirty="0">
+                <a:solidFill>
+                  <a:schemeClr val="bg1"/>
+                </a:solidFill>
+              </a:rPr>
+              <a:t>définie les interactions entre les acteurs et le système</a:t>
+            </a:r>
+            <a:endParaRPr lang="fr-FR" b="1" u="sng" dirty="0">
+              <a:solidFill>
+                <a:srgbClr val="8F1919"/>
+              </a:solidFill>
+            </a:endParaRPr>
+          </a:p>
+        </p:txBody>
+      </p:sp>
+      <p:sp>
+        <p:nvSpPr>
+          <p:cNvPr id="7" name="ZoneTexte 6">
+            <a:extLst>
+              <a:ext uri="{FF2B5EF4-FFF2-40B4-BE49-F238E27FC236}">
+                <a16:creationId xmlns:a16="http://schemas.microsoft.com/office/drawing/2014/main" id="{AE857B4E-8153-4529-C16D-2C07F4B75BA2}"/>
+              </a:ext>
+            </a:extLst>
+          </p:cNvPr>
+          <p:cNvSpPr txBox="1"/>
+          <p:nvPr/>
+        </p:nvSpPr>
+        <p:spPr>
+          <a:xfrm>
+            <a:off x="6852062" y="1033153"/>
+            <a:ext cx="4714504" cy="4832092"/>
+          </a:xfrm>
+          <a:prstGeom prst="rect">
+            <a:avLst/>
+          </a:prstGeom>
+          <a:noFill/>
+        </p:spPr>
+        <p:txBody>
+          <a:bodyPr wrap="square" rtlCol="0">
+            <a:spAutoFit/>
+          </a:bodyPr>
+          <a:lstStyle/>
+          <a:p>
+            <a:r>
+              <a:rPr lang="fr-FR" sz="1400" dirty="0">
+                <a:solidFill>
+                  <a:schemeClr val="bg1"/>
+                </a:solidFill>
+              </a:rPr>
+              <a:t>3 acteurs: Le visiteur, l’acteur connexion et l’administrateur.</a:t>
+            </a:r>
+          </a:p>
+          <a:p>
+            <a:endParaRPr lang="fr-FR" sz="1400" dirty="0">
+              <a:solidFill>
+                <a:schemeClr val="bg1"/>
+              </a:solidFill>
+            </a:endParaRPr>
+          </a:p>
+          <a:p>
+            <a:r>
+              <a:rPr lang="fr-FR" sz="1400" dirty="0">
+                <a:solidFill>
+                  <a:schemeClr val="bg1"/>
+                </a:solidFill>
+              </a:rPr>
+              <a:t>Le visiteur doit pouvoir :</a:t>
+            </a:r>
+          </a:p>
+          <a:p>
+            <a:r>
+              <a:rPr lang="fr-FR" sz="1400" dirty="0">
+                <a:solidFill>
+                  <a:schemeClr val="bg1"/>
+                </a:solidFill>
+              </a:rPr>
+              <a:t>-     Naviguer entre les pages du site</a:t>
+            </a:r>
+          </a:p>
+          <a:p>
+            <a:pPr marL="285750" indent="-285750">
+              <a:buFontTx/>
+              <a:buChar char="-"/>
+            </a:pPr>
+            <a:r>
+              <a:rPr lang="fr-FR" sz="1400" dirty="0">
+                <a:solidFill>
+                  <a:schemeClr val="bg1"/>
+                </a:solidFill>
+              </a:rPr>
+              <a:t>Déposer un avis sur le dernier tableau</a:t>
+            </a:r>
+          </a:p>
+          <a:p>
+            <a:pPr marL="285750" indent="-285750">
+              <a:buFontTx/>
+              <a:buChar char="-"/>
+            </a:pPr>
+            <a:r>
+              <a:rPr lang="fr-FR" sz="1400" dirty="0">
+                <a:solidFill>
+                  <a:schemeClr val="bg1"/>
+                </a:solidFill>
+              </a:rPr>
+              <a:t>Agrandir le dernier tableau</a:t>
+            </a:r>
+          </a:p>
+          <a:p>
+            <a:pPr marL="285750" indent="-285750">
+              <a:buFontTx/>
+              <a:buChar char="-"/>
+            </a:pPr>
+            <a:r>
+              <a:rPr lang="fr-FR" sz="1400" dirty="0">
+                <a:solidFill>
+                  <a:schemeClr val="bg1"/>
+                </a:solidFill>
+              </a:rPr>
+              <a:t>Se rendre sur Facebook</a:t>
+            </a:r>
+          </a:p>
+          <a:p>
+            <a:pPr marL="285750" indent="-285750">
+              <a:buFontTx/>
+              <a:buChar char="-"/>
+            </a:pPr>
+            <a:r>
+              <a:rPr lang="fr-FR" sz="1400" dirty="0">
+                <a:solidFill>
+                  <a:schemeClr val="bg1"/>
+                </a:solidFill>
+              </a:rPr>
+              <a:t>Effectuer une demande de contact dans un formulaire</a:t>
+            </a:r>
+          </a:p>
+          <a:p>
+            <a:pPr marL="285750" indent="-285750">
+              <a:buFontTx/>
+              <a:buChar char="-"/>
+            </a:pPr>
+            <a:r>
+              <a:rPr lang="fr-FR" sz="1400" dirty="0">
+                <a:solidFill>
+                  <a:schemeClr val="bg1"/>
+                </a:solidFill>
+              </a:rPr>
+              <a:t>Visualiser les différents tableaux dans la galerie</a:t>
+            </a:r>
+          </a:p>
+          <a:p>
+            <a:endParaRPr lang="fr-FR" sz="1400" dirty="0">
+              <a:solidFill>
+                <a:schemeClr val="bg1"/>
+              </a:solidFill>
+            </a:endParaRPr>
+          </a:p>
+          <a:p>
+            <a:r>
+              <a:rPr lang="fr-FR" sz="1400" dirty="0">
+                <a:solidFill>
+                  <a:schemeClr val="bg1"/>
+                </a:solidFill>
+              </a:rPr>
+              <a:t>L’acteur connexion :</a:t>
+            </a:r>
+          </a:p>
+          <a:p>
+            <a:pPr marL="285750" indent="-285750">
+              <a:buFontTx/>
+              <a:buChar char="-"/>
+            </a:pPr>
+            <a:r>
+              <a:rPr lang="fr-FR" sz="1400" dirty="0">
+                <a:solidFill>
+                  <a:schemeClr val="bg1"/>
+                </a:solidFill>
+              </a:rPr>
+              <a:t>Se connecte</a:t>
+            </a:r>
+          </a:p>
+          <a:p>
+            <a:pPr marL="285750" indent="-285750">
+              <a:buFontTx/>
+              <a:buChar char="-"/>
+            </a:pPr>
+            <a:r>
+              <a:rPr lang="fr-FR" sz="1400" dirty="0">
+                <a:solidFill>
+                  <a:schemeClr val="bg1"/>
+                </a:solidFill>
+              </a:rPr>
+              <a:t>Se déconnecte</a:t>
+            </a:r>
+          </a:p>
+          <a:p>
+            <a:endParaRPr lang="fr-FR" sz="1400" dirty="0">
+              <a:solidFill>
+                <a:schemeClr val="bg1"/>
+              </a:solidFill>
+            </a:endParaRPr>
+          </a:p>
+          <a:p>
+            <a:r>
+              <a:rPr lang="fr-FR" sz="1400" dirty="0">
+                <a:solidFill>
+                  <a:schemeClr val="bg1"/>
+                </a:solidFill>
+              </a:rPr>
+              <a:t>L’administrateur quant a lui doit pouvoir :</a:t>
+            </a:r>
+          </a:p>
+          <a:p>
+            <a:pPr marL="285750" indent="-285750">
+              <a:buFontTx/>
+              <a:buChar char="-"/>
+            </a:pPr>
+            <a:r>
+              <a:rPr lang="fr-FR" sz="1400">
+                <a:solidFill>
+                  <a:schemeClr val="bg1"/>
+                </a:solidFill>
+              </a:rPr>
+              <a:t>Récupère </a:t>
+            </a:r>
+            <a:r>
+              <a:rPr lang="fr-FR" sz="1400" dirty="0">
+                <a:solidFill>
+                  <a:schemeClr val="bg1"/>
+                </a:solidFill>
+              </a:rPr>
+              <a:t>les droits de l’acteur connexion</a:t>
+            </a:r>
+          </a:p>
+          <a:p>
+            <a:pPr marL="285750" indent="-285750">
+              <a:buFontTx/>
+              <a:buChar char="-"/>
+            </a:pPr>
+            <a:r>
+              <a:rPr lang="fr-FR" sz="1400" dirty="0">
+                <a:solidFill>
+                  <a:schemeClr val="bg1"/>
+                </a:solidFill>
+              </a:rPr>
+              <a:t>Ajouter, supprimer des titres et les tableaux</a:t>
+            </a:r>
+          </a:p>
+          <a:p>
+            <a:pPr marL="285750" indent="-285750">
+              <a:buFontTx/>
+              <a:buChar char="-"/>
+            </a:pPr>
+            <a:r>
+              <a:rPr lang="fr-FR" sz="1400" dirty="0">
+                <a:solidFill>
+                  <a:schemeClr val="bg1"/>
+                </a:solidFill>
+              </a:rPr>
+              <a:t>Supprimer les avis</a:t>
+            </a:r>
+          </a:p>
+          <a:p>
+            <a:pPr marL="285750" indent="-285750">
+              <a:buFontTx/>
+              <a:buChar char="-"/>
+            </a:pPr>
+            <a:r>
+              <a:rPr lang="fr-FR" sz="1400" dirty="0">
+                <a:solidFill>
+                  <a:schemeClr val="bg1"/>
+                </a:solidFill>
+              </a:rPr>
+              <a:t>Changer le dernier tableau</a:t>
+            </a:r>
+          </a:p>
+          <a:p>
+            <a:pPr marL="285750" indent="-285750">
+              <a:buFontTx/>
+              <a:buChar char="-"/>
+            </a:pPr>
+            <a:r>
+              <a:rPr lang="fr-FR" sz="1400" dirty="0">
+                <a:solidFill>
+                  <a:schemeClr val="bg1"/>
+                </a:solidFill>
+              </a:rPr>
+              <a:t>Recevoir les demandes de contact</a:t>
+            </a:r>
+          </a:p>
+        </p:txBody>
+      </p:sp>
+      <p:sp>
+        <p:nvSpPr>
+          <p:cNvPr id="3" name="Espace réservé du numéro de diapositive 2"/>
+          <p:cNvSpPr>
+            <a:spLocks noGrp="1"/>
+          </p:cNvSpPr>
+          <p:nvPr>
+            <p:ph type="sldNum" sz="quarter" idx="12"/>
+          </p:nvPr>
+        </p:nvSpPr>
+        <p:spPr/>
+        <p:txBody>
+          <a:bodyPr/>
+          <a:lstStyle/>
+          <a:p>
+            <a:fld id="{D57F1E4F-1CFF-5643-939E-217C01CDF565}" type="slidenum">
+              <a:rPr lang="en-US" smtClean="0"/>
+              <a:pPr/>
+              <a:t>11</a:t>
+            </a:fld>
+            <a:endParaRPr lang="en-US" dirty="0"/>
+          </a:p>
+        </p:txBody>
+      </p:sp>
+      <p:pic>
+        <p:nvPicPr>
+          <p:cNvPr id="9" name="Image 8"/>
+          <p:cNvPicPr>
+            <a:picLocks noChangeAspect="1"/>
+          </p:cNvPicPr>
+          <p:nvPr/>
+        </p:nvPicPr>
+        <p:blipFill>
+          <a:blip r:embed="rId2">
+            <a:extLst>
+              <a:ext uri="{28A0092B-C50C-407E-A947-70E740481C1C}">
+                <a14:useLocalDpi xmlns:a14="http://schemas.microsoft.com/office/drawing/2010/main" val="0"/>
+              </a:ext>
+            </a:extLst>
+          </a:blip>
+          <a:stretch>
+            <a:fillRect/>
+          </a:stretch>
+        </p:blipFill>
+        <p:spPr>
+          <a:xfrm>
+            <a:off x="256616" y="1033153"/>
+            <a:ext cx="6155838" cy="4401205"/>
+          </a:xfrm>
+          <a:prstGeom prst="rect">
+            <a:avLst/>
+          </a:prstGeom>
+        </p:spPr>
+      </p:pic>
+    </p:spTree>
+    <p:extLst>
+      <p:ext uri="{BB962C8B-B14F-4D97-AF65-F5344CB8AC3E}">
+        <p14:creationId xmlns:p14="http://schemas.microsoft.com/office/powerpoint/2010/main" val="672800375"/>
+      </p:ext>
+    </p:extLst>
+  </p:cSld>
+  <p:clrMapOvr>
+    <a:masterClrMapping/>
+  </p:clrMapOvr>
+</p:sld>
+</file>
+
+<file path=ppt/slides/slide12.xml><?xml version="1.0" encoding="utf-8"?>
+<p:sld xmlns:a="http://schemas.openxmlformats.org/drawingml/2006/main" xmlns:r="http://schemas.openxmlformats.org/officeDocument/2006/relationships" xmlns:p="http://schemas.openxmlformats.org/presentationml/2006/main">
+  <p:cSld>
+    <p:spTree>
+      <p:nvGrpSpPr>
+        <p:cNvPr id="1" name=""/>
+        <p:cNvGrpSpPr/>
+        <p:nvPr/>
+      </p:nvGrpSpPr>
+      <p:grpSpPr>
+        <a:xfrm>
+          <a:off x="0" y="0"/>
+          <a:ext cx="0" cy="0"/>
+          <a:chOff x="0" y="0"/>
+          <a:chExt cx="0" cy="0"/>
+        </a:xfrm>
+      </p:grpSpPr>
       <p:pic>
         <p:nvPicPr>
           <p:cNvPr id="5" name="Image 4">
@@ -6161,7 +6737,7 @@
             <a:fld id="{D57F1E4F-1CFF-5643-939E-217C01CDF565}" type="slidenum">
               <a:rPr lang="en-US" smtClean="0"/>
               <a:pPr/>
-              <a:t>10</a:t>
+              <a:t>12</a:t>
             </a:fld>
             <a:endParaRPr lang="en-US" dirty="0"/>
           </a:p>
@@ -6180,7 +6756,7 @@
 </p:sld>
 </file>
 
-<file path=ppt/slides/slide11.xml><?xml version="1.0" encoding="utf-8"?>
+<file path=ppt/slides/slide13.xml><?xml version="1.0" encoding="utf-8"?>
 <p:sld xmlns:a="http://schemas.openxmlformats.org/drawingml/2006/main" xmlns:r="http://schemas.openxmlformats.org/officeDocument/2006/relationships" xmlns:p="http://schemas.openxmlformats.org/presentationml/2006/main">
   <p:cSld>
     <p:spTree>
@@ -6344,7 +6920,7 @@
             <a:fld id="{D57F1E4F-1CFF-5643-939E-217C01CDF565}" type="slidenum">
               <a:rPr lang="en-US" smtClean="0"/>
               <a:pPr/>
-              <a:t>11</a:t>
+              <a:t>13</a:t>
             </a:fld>
             <a:endParaRPr lang="en-US" dirty="0"/>
           </a:p>
@@ -6363,7 +6939,185 @@
 </p:sld>
 </file>
 
-<file path=ppt/slides/slide12.xml><?xml version="1.0" encoding="utf-8"?>
+<file path=ppt/slides/slide14.xml><?xml version="1.0" encoding="utf-8"?>
+<p:sld xmlns:a="http://schemas.openxmlformats.org/drawingml/2006/main" xmlns:r="http://schemas.openxmlformats.org/officeDocument/2006/relationships" xmlns:p="http://schemas.openxmlformats.org/presentationml/2006/main">
+  <p:cSld>
+    <p:spTree>
+      <p:nvGrpSpPr>
+        <p:cNvPr id="1" name=""/>
+        <p:cNvGrpSpPr/>
+        <p:nvPr/>
+      </p:nvGrpSpPr>
+      <p:grpSpPr>
+        <a:xfrm>
+          <a:off x="0" y="0"/>
+          <a:ext cx="0" cy="0"/>
+          <a:chOff x="0" y="0"/>
+          <a:chExt cx="0" cy="0"/>
+        </a:xfrm>
+      </p:grpSpPr>
+      <p:sp>
+        <p:nvSpPr>
+          <p:cNvPr id="4" name="Espace réservé du numéro de diapositive 3">
+            <a:extLst>
+              <a:ext uri="{FF2B5EF4-FFF2-40B4-BE49-F238E27FC236}">
+                <a16:creationId xmlns:a16="http://schemas.microsoft.com/office/drawing/2014/main" id="{AE7BD7B4-5738-E3CD-2CD9-C2DE1702723A}"/>
+              </a:ext>
+            </a:extLst>
+          </p:cNvPr>
+          <p:cNvSpPr>
+            <a:spLocks noGrp="1"/>
+          </p:cNvSpPr>
+          <p:nvPr>
+            <p:ph type="sldNum" sz="quarter" idx="12"/>
+          </p:nvPr>
+        </p:nvSpPr>
+        <p:spPr/>
+        <p:txBody>
+          <a:bodyPr/>
+          <a:lstStyle/>
+          <a:p>
+            <a:fld id="{D57F1E4F-1CFF-5643-939E-217C01CDF565}" type="slidenum">
+              <a:rPr lang="en-US" smtClean="0"/>
+              <a:pPr/>
+              <a:t>14</a:t>
+            </a:fld>
+            <a:endParaRPr lang="en-US" dirty="0"/>
+          </a:p>
+        </p:txBody>
+      </p:sp>
+      <p:sp>
+        <p:nvSpPr>
+          <p:cNvPr id="5" name="ZoneTexte 4">
+            <a:extLst>
+              <a:ext uri="{FF2B5EF4-FFF2-40B4-BE49-F238E27FC236}">
+                <a16:creationId xmlns:a16="http://schemas.microsoft.com/office/drawing/2014/main" id="{32441E65-13E0-DAFD-5F1F-4C6E895004DE}"/>
+              </a:ext>
+            </a:extLst>
+          </p:cNvPr>
+          <p:cNvSpPr txBox="1"/>
+          <p:nvPr/>
+        </p:nvSpPr>
+        <p:spPr>
+          <a:xfrm>
+            <a:off x="789709" y="1276597"/>
+            <a:ext cx="9761005" cy="2308324"/>
+          </a:xfrm>
+          <a:prstGeom prst="rect">
+            <a:avLst/>
+          </a:prstGeom>
+          <a:noFill/>
+        </p:spPr>
+        <p:txBody>
+          <a:bodyPr wrap="none" rtlCol="0">
+            <a:spAutoFit/>
+          </a:bodyPr>
+          <a:lstStyle/>
+          <a:p>
+            <a:r>
+              <a:rPr lang="fr-FR" sz="1800" dirty="0">
+                <a:solidFill>
+                  <a:schemeClr val="bg1"/>
+                </a:solidFill>
+              </a:rPr>
+              <a:t> Maquettage :</a:t>
+            </a:r>
+          </a:p>
+          <a:p>
+            <a:r>
+              <a:rPr lang="fr-FR" sz="1800" dirty="0">
+                <a:solidFill>
+                  <a:schemeClr val="bg1"/>
+                </a:solidFill>
+              </a:rPr>
+              <a:t>		1.charte graphique…………………………………………………………………..16</a:t>
+            </a:r>
+          </a:p>
+          <a:p>
+            <a:r>
+              <a:rPr lang="fr-FR" sz="1800" dirty="0">
+                <a:solidFill>
+                  <a:schemeClr val="bg1"/>
+                </a:solidFill>
+              </a:rPr>
+              <a:t>		2.Elements a conserver…………………………………………………………...…16</a:t>
+            </a:r>
+          </a:p>
+          <a:p>
+            <a:r>
+              <a:rPr lang="fr-FR" sz="1800" dirty="0">
+                <a:solidFill>
+                  <a:schemeClr val="bg1"/>
+                </a:solidFill>
+              </a:rPr>
+              <a:t>		3.Zoning…………………………………………………………………………..…….17</a:t>
+            </a:r>
+          </a:p>
+          <a:p>
+            <a:r>
+              <a:rPr lang="fr-FR" sz="1800" dirty="0">
+                <a:solidFill>
+                  <a:schemeClr val="bg1"/>
+                </a:solidFill>
+              </a:rPr>
+              <a:t>		4.Wireframe……………………………………………………………………………18/19</a:t>
+            </a:r>
+          </a:p>
+          <a:p>
+            <a:r>
+              <a:rPr lang="fr-FR" sz="1800" dirty="0">
+                <a:solidFill>
+                  <a:schemeClr val="bg1"/>
+                </a:solidFill>
+              </a:rPr>
+              <a:t>		5.Style </a:t>
+            </a:r>
+            <a:r>
+              <a:rPr lang="fr-FR" sz="1800" dirty="0" err="1">
+                <a:solidFill>
+                  <a:schemeClr val="bg1"/>
+                </a:solidFill>
+              </a:rPr>
+              <a:t>title</a:t>
+            </a:r>
+            <a:r>
+              <a:rPr lang="fr-FR" sz="1800" dirty="0">
+                <a:solidFill>
+                  <a:schemeClr val="bg1"/>
+                </a:solidFill>
+              </a:rPr>
+              <a:t>……………………………………………………………………………...20</a:t>
+            </a:r>
+          </a:p>
+          <a:p>
+            <a:r>
+              <a:rPr lang="fr-FR" sz="1800" dirty="0">
+                <a:solidFill>
+                  <a:schemeClr val="bg1"/>
+                </a:solidFill>
+              </a:rPr>
+              <a:t>		6.Mokup………………………………………………………………………………...21/22</a:t>
+            </a:r>
+          </a:p>
+          <a:p>
+            <a:endParaRPr lang="fr-FR" dirty="0"/>
+          </a:p>
+        </p:txBody>
+      </p:sp>
+    </p:spTree>
+    <p:extLst>
+      <p:ext uri="{BB962C8B-B14F-4D97-AF65-F5344CB8AC3E}">
+        <p14:creationId xmlns:p14="http://schemas.microsoft.com/office/powerpoint/2010/main" val="768176839"/>
+      </p:ext>
+    </p:extLst>
+  </p:cSld>
+  <p:clrMapOvr>
+    <a:masterClrMapping/>
+  </p:clrMapOvr>
+</p:sld>
+</file>
+
+<file path=ppt/slides/slide15.xml><?xml version="1.0" encoding="utf-8"?>
 <p:sld xmlns:a="http://schemas.openxmlformats.org/drawingml/2006/main" xmlns:r="http://schemas.openxmlformats.org/officeDocument/2006/relationships" xmlns:p="http://schemas.openxmlformats.org/presentationml/2006/main">
   <p:cSld>
     <p:spTree>
@@ -6468,7 +7222,7 @@
             <a:fld id="{D57F1E4F-1CFF-5643-939E-217C01CDF565}" type="slidenum">
               <a:rPr lang="en-US" smtClean="0"/>
               <a:pPr/>
-              <a:t>12</a:t>
+              <a:t>15</a:t>
             </a:fld>
             <a:endParaRPr lang="en-US" dirty="0"/>
           </a:p>
@@ -6487,7 +7241,7 @@
 </p:sld>
 </file>
 
-<file path=ppt/slides/slide13.xml><?xml version="1.0" encoding="utf-8"?>
+<file path=ppt/slides/slide16.xml><?xml version="1.0" encoding="utf-8"?>
 <p:sld xmlns:a="http://schemas.openxmlformats.org/drawingml/2006/main" xmlns:r="http://schemas.openxmlformats.org/officeDocument/2006/relationships" xmlns:p="http://schemas.openxmlformats.org/presentationml/2006/main">
   <p:cSld>
     <p:spTree>
@@ -6874,7 +7628,7 @@
             <a:fld id="{D57F1E4F-1CFF-5643-939E-217C01CDF565}" type="slidenum">
               <a:rPr lang="en-US" smtClean="0"/>
               <a:pPr/>
-              <a:t>13</a:t>
+              <a:t>16</a:t>
             </a:fld>
             <a:endParaRPr lang="en-US" dirty="0"/>
           </a:p>
@@ -6893,7 +7647,7 @@
 </p:sld>
 </file>
 
-<file path=ppt/slides/slide14.xml><?xml version="1.0" encoding="utf-8"?>
+<file path=ppt/slides/slide17.xml><?xml version="1.0" encoding="utf-8"?>
 <p:sld xmlns:a="http://schemas.openxmlformats.org/drawingml/2006/main" xmlns:r="http://schemas.openxmlformats.org/officeDocument/2006/relationships" xmlns:p="http://schemas.openxmlformats.org/presentationml/2006/main">
   <p:cSld>
     <p:spTree>
@@ -7035,7 +7789,7 @@
             <a:fld id="{D57F1E4F-1CFF-5643-939E-217C01CDF565}" type="slidenum">
               <a:rPr lang="en-US" smtClean="0"/>
               <a:pPr/>
-              <a:t>14</a:t>
+              <a:t>17</a:t>
             </a:fld>
             <a:endParaRPr lang="en-US" dirty="0"/>
           </a:p>
@@ -7054,7 +7808,7 @@
 </p:sld>
 </file>
 
-<file path=ppt/slides/slide15.xml><?xml version="1.0" encoding="utf-8"?>
+<file path=ppt/slides/slide18.xml><?xml version="1.0" encoding="utf-8"?>
 <p:sld xmlns:a="http://schemas.openxmlformats.org/drawingml/2006/main" xmlns:r="http://schemas.openxmlformats.org/officeDocument/2006/relationships" xmlns:p="http://schemas.openxmlformats.org/presentationml/2006/main">
   <p:cSld>
     <p:spTree>
@@ -7158,7 +7912,7 @@
             <a:fld id="{D57F1E4F-1CFF-5643-939E-217C01CDF565}" type="slidenum">
               <a:rPr lang="en-US" smtClean="0"/>
               <a:pPr/>
-              <a:t>15</a:t>
+              <a:t>18</a:t>
             </a:fld>
             <a:endParaRPr lang="en-US" dirty="0"/>
           </a:p>
@@ -7177,7 +7931,7 @@
 </p:sld>
 </file>
 
-<file path=ppt/slides/slide16.xml><?xml version="1.0" encoding="utf-8"?>
+<file path=ppt/slides/slide19.xml><?xml version="1.0" encoding="utf-8"?>
 <p:sld xmlns:a="http://schemas.openxmlformats.org/drawingml/2006/main" xmlns:r="http://schemas.openxmlformats.org/officeDocument/2006/relationships" xmlns:p="http://schemas.openxmlformats.org/presentationml/2006/main">
   <p:cSld>
     <p:spTree>
@@ -7281,7 +8035,7 @@
             <a:fld id="{D57F1E4F-1CFF-5643-939E-217C01CDF565}" type="slidenum">
               <a:rPr lang="en-US" smtClean="0"/>
               <a:pPr/>
-              <a:t>16</a:t>
+              <a:t>19</a:t>
             </a:fld>
             <a:endParaRPr lang="en-US" dirty="0"/>
           </a:p>
@@ -7300,7 +8054,194 @@
 </p:sld>
 </file>
 
-<file path=ppt/slides/slide17.xml><?xml version="1.0" encoding="utf-8"?>
+<file path=ppt/slides/slide2.xml><?xml version="1.0" encoding="utf-8"?>
+<p:sld xmlns:a="http://schemas.openxmlformats.org/drawingml/2006/main" xmlns:r="http://schemas.openxmlformats.org/officeDocument/2006/relationships" xmlns:p="http://schemas.openxmlformats.org/presentationml/2006/main">
+  <p:cSld>
+    <p:spTree>
+      <p:nvGrpSpPr>
+        <p:cNvPr id="1" name=""/>
+        <p:cNvGrpSpPr/>
+        <p:nvPr/>
+      </p:nvGrpSpPr>
+      <p:grpSpPr>
+        <a:xfrm>
+          <a:off x="0" y="0"/>
+          <a:ext cx="0" cy="0"/>
+          <a:chOff x="0" y="0"/>
+          <a:chExt cx="0" cy="0"/>
+        </a:xfrm>
+      </p:grpSpPr>
+      <p:sp>
+        <p:nvSpPr>
+          <p:cNvPr id="4" name="Espace réservé du numéro de diapositive 3"/>
+          <p:cNvSpPr>
+            <a:spLocks noGrp="1"/>
+          </p:cNvSpPr>
+          <p:nvPr>
+            <p:ph type="sldNum" sz="quarter" idx="12"/>
+          </p:nvPr>
+        </p:nvSpPr>
+        <p:spPr/>
+        <p:txBody>
+          <a:bodyPr/>
+          <a:lstStyle/>
+          <a:p>
+            <a:fld id="{D57F1E4F-1CFF-5643-939E-217C01CDF565}" type="slidenum">
+              <a:rPr lang="en-US" smtClean="0"/>
+              <a:pPr/>
+              <a:t>2</a:t>
+            </a:fld>
+            <a:endParaRPr lang="en-US" dirty="0"/>
+          </a:p>
+        </p:txBody>
+      </p:sp>
+      <p:sp>
+        <p:nvSpPr>
+          <p:cNvPr id="5" name="ZoneTexte 4"/>
+          <p:cNvSpPr txBox="1"/>
+          <p:nvPr/>
+        </p:nvSpPr>
+        <p:spPr>
+          <a:xfrm>
+            <a:off x="435824" y="755270"/>
+            <a:ext cx="5311833" cy="369332"/>
+          </a:xfrm>
+          <a:prstGeom prst="rect">
+            <a:avLst/>
+          </a:prstGeom>
+          <a:noFill/>
+        </p:spPr>
+        <p:txBody>
+          <a:bodyPr wrap="square" rtlCol="0">
+            <a:spAutoFit/>
+          </a:bodyPr>
+          <a:lstStyle/>
+          <a:p>
+            <a:r>
+              <a:rPr lang="fr-FR" b="1" u="sng" dirty="0">
+                <a:solidFill>
+                  <a:srgbClr val="8F1919"/>
+                </a:solidFill>
+              </a:rPr>
+              <a:t>Sommaire:</a:t>
+            </a:r>
+          </a:p>
+        </p:txBody>
+      </p:sp>
+      <p:sp>
+        <p:nvSpPr>
+          <p:cNvPr id="7" name="ZoneTexte 6"/>
+          <p:cNvSpPr txBox="1"/>
+          <p:nvPr/>
+        </p:nvSpPr>
+        <p:spPr>
+          <a:xfrm>
+            <a:off x="802773" y="1384702"/>
+            <a:ext cx="10294718" cy="2000548"/>
+          </a:xfrm>
+          <a:prstGeom prst="rect">
+            <a:avLst/>
+          </a:prstGeom>
+          <a:noFill/>
+        </p:spPr>
+        <p:txBody>
+          <a:bodyPr wrap="square" rtlCol="0">
+            <a:spAutoFit/>
+          </a:bodyPr>
+          <a:lstStyle/>
+          <a:p>
+            <a:r>
+              <a:rPr lang="fr-FR" sz="1600" dirty="0">
+                <a:solidFill>
+                  <a:schemeClr val="bg1"/>
+                </a:solidFill>
+              </a:rPr>
+              <a:t>1. Analyse du besoin…………………………………………………………………………………………3</a:t>
+            </a:r>
+          </a:p>
+          <a:p>
+            <a:r>
+              <a:rPr lang="fr-FR" sz="1600" dirty="0">
+                <a:solidFill>
+                  <a:schemeClr val="bg1"/>
+                </a:solidFill>
+              </a:rPr>
+              <a:t>2. Spécifications fonctionnelles…………………………………………………...……………………….10</a:t>
+            </a:r>
+          </a:p>
+          <a:p>
+            <a:r>
+              <a:rPr lang="fr-FR" sz="1600" dirty="0">
+                <a:solidFill>
+                  <a:schemeClr val="bg1"/>
+                </a:solidFill>
+              </a:rPr>
+              <a:t>3. Conception……………………………………………………………………………….………………...23</a:t>
+            </a:r>
+          </a:p>
+          <a:p>
+            <a:r>
+              <a:rPr lang="fr-FR" sz="1600" dirty="0">
+                <a:solidFill>
+                  <a:schemeClr val="bg1"/>
+                </a:solidFill>
+              </a:rPr>
+              <a:t>4. Outils techniques………………………………………………………………………..………….………27</a:t>
+            </a:r>
+          </a:p>
+          <a:p>
+            <a:r>
+              <a:rPr lang="fr-FR" sz="1600" dirty="0">
+                <a:solidFill>
+                  <a:schemeClr val="bg1"/>
+                </a:solidFill>
+              </a:rPr>
+              <a:t>5. Fonctionnalité front………………………………………………………………...……..………….……28</a:t>
+            </a:r>
+          </a:p>
+          <a:p>
+            <a:r>
+              <a:rPr lang="fr-FR" sz="1600" dirty="0">
+                <a:solidFill>
+                  <a:schemeClr val="bg1"/>
+                </a:solidFill>
+              </a:rPr>
+              <a:t>6. Remerciements……………………………………………………………………………..….…………..30</a:t>
+            </a:r>
+          </a:p>
+          <a:p>
+            <a:r>
+              <a:rPr lang="fr-FR" sz="1400" dirty="0">
+                <a:solidFill>
+                  <a:schemeClr val="bg1"/>
+                </a:solidFill>
+              </a:rPr>
+              <a:t>	</a:t>
+            </a:r>
+          </a:p>
+          <a:p>
+            <a:endParaRPr lang="fr-FR" sz="1400" dirty="0">
+              <a:solidFill>
+                <a:schemeClr val="bg1"/>
+              </a:solidFill>
+            </a:endParaRPr>
+          </a:p>
+        </p:txBody>
+      </p:sp>
+    </p:spTree>
+    <p:extLst>
+      <p:ext uri="{BB962C8B-B14F-4D97-AF65-F5344CB8AC3E}">
+        <p14:creationId xmlns:p14="http://schemas.microsoft.com/office/powerpoint/2010/main" val="645838372"/>
+      </p:ext>
+    </p:extLst>
+  </p:cSld>
+  <p:clrMapOvr>
+    <a:masterClrMapping/>
+  </p:clrMapOvr>
+</p:sld>
+</file>
+
+<file path=ppt/slides/slide20.xml><?xml version="1.0" encoding="utf-8"?>
 <p:sld xmlns:a="http://schemas.openxmlformats.org/drawingml/2006/main" xmlns:r="http://schemas.openxmlformats.org/officeDocument/2006/relationships" xmlns:p="http://schemas.openxmlformats.org/presentationml/2006/main">
   <p:cSld>
     <p:spTree>
@@ -7420,7 +8361,7 @@
             <a:fld id="{D57F1E4F-1CFF-5643-939E-217C01CDF565}" type="slidenum">
               <a:rPr lang="en-US" smtClean="0"/>
               <a:pPr/>
-              <a:t>17</a:t>
+              <a:t>20</a:t>
             </a:fld>
             <a:endParaRPr lang="en-US" dirty="0"/>
           </a:p>
@@ -7439,7 +8380,7 @@
 </p:sld>
 </file>
 
-<file path=ppt/slides/slide18.xml><?xml version="1.0" encoding="utf-8"?>
+<file path=ppt/slides/slide21.xml><?xml version="1.0" encoding="utf-8"?>
 <p:sld xmlns:a="http://schemas.openxmlformats.org/drawingml/2006/main" xmlns:r="http://schemas.openxmlformats.org/officeDocument/2006/relationships" xmlns:p="http://schemas.openxmlformats.org/presentationml/2006/main">
   <p:cSld>
     <p:spTree>
@@ -7551,7 +8492,7 @@
             <a:fld id="{D57F1E4F-1CFF-5643-939E-217C01CDF565}" type="slidenum">
               <a:rPr lang="en-US" smtClean="0"/>
               <a:pPr/>
-              <a:t>18</a:t>
+              <a:t>21</a:t>
             </a:fld>
             <a:endParaRPr lang="en-US" dirty="0"/>
           </a:p>
@@ -7570,7 +8511,7 @@
 </p:sld>
 </file>
 
-<file path=ppt/slides/slide19.xml><?xml version="1.0" encoding="utf-8"?>
+<file path=ppt/slides/slide22.xml><?xml version="1.0" encoding="utf-8"?>
 <p:sld xmlns:a="http://schemas.openxmlformats.org/drawingml/2006/main" xmlns:r="http://schemas.openxmlformats.org/officeDocument/2006/relationships" xmlns:p="http://schemas.openxmlformats.org/presentationml/2006/main">
   <p:cSld>
     <p:spTree>
@@ -7682,7 +8623,7 @@
             <a:fld id="{D57F1E4F-1CFF-5643-939E-217C01CDF565}" type="slidenum">
               <a:rPr lang="en-US" smtClean="0"/>
               <a:pPr/>
-              <a:t>19</a:t>
+              <a:t>22</a:t>
             </a:fld>
             <a:endParaRPr lang="en-US" dirty="0"/>
           </a:p>
@@ -7701,7 +8642,7 @@
 </p:sld>
 </file>
 
-<file path=ppt/slides/slide2.xml><?xml version="1.0" encoding="utf-8"?>
+<file path=ppt/slides/slide23.xml><?xml version="1.0" encoding="utf-8"?>
 <p:sld xmlns:a="http://schemas.openxmlformats.org/drawingml/2006/main" xmlns:r="http://schemas.openxmlformats.org/officeDocument/2006/relationships" xmlns:p="http://schemas.openxmlformats.org/presentationml/2006/main">
   <p:cSld>
     <p:spTree>
@@ -7720,7 +8661,13 @@
       </p:grpSpPr>
       <p:sp>
         <p:nvSpPr>
-          <p:cNvPr id="4" name="Espace réservé du numéro de diapositive 3"/>
+          <p:cNvPr id="4" name="Espace réservé du numéro de diapositive 3">
+            <a:extLst>
+              <a:ext uri="{FF2B5EF4-FFF2-40B4-BE49-F238E27FC236}">
+                <a16:creationId xmlns:a16="http://schemas.microsoft.com/office/drawing/2014/main" id="{C75116E3-1E11-48D0-4771-1936623D3A12}"/>
+              </a:ext>
+            </a:extLst>
+          </p:cNvPr>
           <p:cNvSpPr>
             <a:spLocks noGrp="1"/>
           </p:cNvSpPr>
@@ -7736,7 +8683,7 @@
             <a:fld id="{D57F1E4F-1CFF-5643-939E-217C01CDF565}" type="slidenum">
               <a:rPr lang="en-US" smtClean="0"/>
               <a:pPr/>
-              <a:t>2</a:t>
+              <a:t>23</a:t>
             </a:fld>
             <a:endParaRPr lang="en-US" dirty="0"/>
           </a:p>
@@ -7744,14 +8691,20 @@
       </p:sp>
       <p:sp>
         <p:nvSpPr>
-          <p:cNvPr id="5" name="ZoneTexte 4"/>
+          <p:cNvPr id="5" name="ZoneTexte 4">
+            <a:extLst>
+              <a:ext uri="{FF2B5EF4-FFF2-40B4-BE49-F238E27FC236}">
+                <a16:creationId xmlns:a16="http://schemas.microsoft.com/office/drawing/2014/main" id="{D7F9055F-E2C3-9997-A54A-D8E004579CC9}"/>
+              </a:ext>
+            </a:extLst>
+          </p:cNvPr>
           <p:cNvSpPr txBox="1"/>
           <p:nvPr/>
         </p:nvSpPr>
         <p:spPr>
           <a:xfrm>
-            <a:off x="483325" y="143691"/>
-            <a:ext cx="5311833" cy="369332"/>
+            <a:off x="480951" y="1181595"/>
+            <a:ext cx="9591087" cy="1477328"/>
           </a:xfrm>
           <a:prstGeom prst="rect">
             <a:avLst/>
@@ -7759,352 +8712,64 @@
           <a:noFill/>
         </p:spPr>
         <p:txBody>
-          <a:bodyPr wrap="square" rtlCol="0">
+          <a:bodyPr wrap="none" rtlCol="0">
             <a:spAutoFit/>
           </a:bodyPr>
           <a:lstStyle/>
           <a:p>
             <a:r>
-              <a:rPr lang="fr-FR" b="1" u="sng" dirty="0">
-                <a:solidFill>
-                  <a:srgbClr val="8F1919"/>
-                </a:solidFill>
-              </a:rPr>
-              <a:t>Sommaire:</a:t>
-            </a:r>
-          </a:p>
-        </p:txBody>
-      </p:sp>
-      <p:sp>
-        <p:nvSpPr>
-          <p:cNvPr id="7" name="ZoneTexte 6"/>
-          <p:cNvSpPr txBox="1"/>
-          <p:nvPr/>
-        </p:nvSpPr>
-        <p:spPr>
-          <a:xfrm>
-            <a:off x="1016528" y="517803"/>
-            <a:ext cx="8686800" cy="6340197"/>
-          </a:xfrm>
-          <a:prstGeom prst="rect">
-            <a:avLst/>
-          </a:prstGeom>
-          <a:noFill/>
-        </p:spPr>
-        <p:txBody>
-          <a:bodyPr wrap="square" rtlCol="0">
-            <a:spAutoFit/>
-          </a:bodyPr>
-          <a:lstStyle/>
-          <a:p>
-            <a:r>
-              <a:rPr lang="fr-FR" sz="1400" dirty="0">
+              <a:rPr lang="fr-FR" sz="1800" dirty="0">
                 <a:solidFill>
                   <a:schemeClr val="bg1"/>
                 </a:solidFill>
               </a:rPr>
-              <a:t>1.Analyse du besoin…………………………………………………………………………………………3</a:t>
-            </a:r>
-          </a:p>
-          <a:p>
-            <a:r>
-              <a:rPr lang="fr-FR" sz="1400" dirty="0">
+              <a:t>3. Conception :</a:t>
+            </a:r>
+          </a:p>
+          <a:p>
+            <a:r>
+              <a:rPr lang="fr-FR" sz="1800" dirty="0">
                 <a:solidFill>
                   <a:schemeClr val="bg1"/>
                 </a:solidFill>
               </a:rPr>
-              <a:t>	a. Présentation de l’entreprise……………………………………………………………..3</a:t>
-            </a:r>
-          </a:p>
-          <a:p>
-            <a:r>
-              <a:rPr lang="fr-FR" sz="1400" dirty="0">
+              <a:t>	a. MCD………………………………………………………………………..……………….24</a:t>
+            </a:r>
+          </a:p>
+          <a:p>
+            <a:r>
+              <a:rPr lang="fr-FR" sz="1800" dirty="0">
                 <a:solidFill>
                   <a:schemeClr val="bg1"/>
                 </a:solidFill>
               </a:rPr>
-              <a:t>	b. Intervenant principaux…………………………………………………………………...3</a:t>
-            </a:r>
-          </a:p>
-          <a:p>
-            <a:r>
-              <a:rPr lang="fr-FR" sz="1400" dirty="0">
+              <a:t>	b. MLD………………………………………………………………………………………….25</a:t>
+            </a:r>
+          </a:p>
+          <a:p>
+            <a:r>
+              <a:rPr lang="fr-FR" dirty="0">
                 <a:solidFill>
                   <a:schemeClr val="bg1"/>
                 </a:solidFill>
               </a:rPr>
-              <a:t>	c. Objectif du site……………………………………………………………………………..4</a:t>
-            </a:r>
-          </a:p>
-          <a:p>
-            <a:r>
-              <a:rPr lang="fr-FR" sz="1400" dirty="0">
-                <a:solidFill>
-                  <a:schemeClr val="bg1"/>
-                </a:solidFill>
-              </a:rPr>
-              <a:t>	d. Les cibles……………………………………………………………………………............4</a:t>
-            </a:r>
-          </a:p>
-          <a:p>
-            <a:r>
-              <a:rPr lang="fr-FR" sz="1400" dirty="0">
-                <a:solidFill>
-                  <a:schemeClr val="bg1"/>
-                </a:solidFill>
-              </a:rPr>
-              <a:t>	e. Le SWOT………………………………………………………………...…………………...5</a:t>
-            </a:r>
-          </a:p>
-          <a:p>
-            <a:r>
-              <a:rPr lang="fr-FR" sz="1400" dirty="0">
-                <a:solidFill>
-                  <a:schemeClr val="bg1"/>
-                </a:solidFill>
-              </a:rPr>
-              <a:t>	f. Les Besoins……………………………………………………………………………………6</a:t>
-            </a:r>
-          </a:p>
-          <a:p>
-            <a:r>
-              <a:rPr lang="fr-FR" sz="1400" dirty="0">
-                <a:solidFill>
-                  <a:schemeClr val="bg1"/>
-                </a:solidFill>
-              </a:rPr>
-              <a:t>	g. Les contraintes techniques……………………………………………………………....7</a:t>
-            </a:r>
-          </a:p>
-          <a:p>
-            <a:r>
-              <a:rPr lang="fr-FR" sz="1400" dirty="0">
-                <a:solidFill>
-                  <a:schemeClr val="bg1"/>
-                </a:solidFill>
-              </a:rPr>
-              <a:t>	h. Les contraintes légales……………………………………………………………………7</a:t>
-            </a:r>
-          </a:p>
-          <a:p>
-            <a:r>
-              <a:rPr lang="fr-FR" sz="1400" dirty="0">
-                <a:solidFill>
-                  <a:schemeClr val="bg1"/>
-                </a:solidFill>
-              </a:rPr>
-              <a:t>	i. Sites exemples……………………………………………………………………………….8</a:t>
-            </a:r>
-          </a:p>
-          <a:p>
-            <a:r>
-              <a:rPr lang="fr-FR" sz="1400" dirty="0">
-                <a:solidFill>
-                  <a:schemeClr val="bg1"/>
-                </a:solidFill>
-              </a:rPr>
-              <a:t>2.Spécifications fonctionnelles……………………………………………………………………………9</a:t>
-            </a:r>
-          </a:p>
-          <a:p>
-            <a:r>
-              <a:rPr lang="fr-FR" sz="1400" dirty="0">
-                <a:solidFill>
-                  <a:schemeClr val="bg1"/>
-                </a:solidFill>
-              </a:rPr>
-              <a:t>	a. Use case……………………………………………………………………………………..9</a:t>
-            </a:r>
-          </a:p>
-          <a:p>
-            <a:r>
-              <a:rPr lang="fr-FR" sz="1400" dirty="0">
-                <a:solidFill>
-                  <a:schemeClr val="bg1"/>
-                </a:solidFill>
-              </a:rPr>
-              <a:t>	b. Diagramme d’activité…………………………………………………………………..10</a:t>
-            </a:r>
-          </a:p>
-          <a:p>
-            <a:r>
-              <a:rPr lang="fr-FR" sz="1400" dirty="0">
-                <a:solidFill>
-                  <a:schemeClr val="bg1"/>
-                </a:solidFill>
-              </a:rPr>
-              <a:t>	c. Diagramme de séquence……………………………………………………………...11</a:t>
-            </a:r>
-          </a:p>
-          <a:p>
-            <a:r>
-              <a:rPr lang="fr-FR" sz="1400" dirty="0">
-                <a:solidFill>
-                  <a:schemeClr val="bg1"/>
-                </a:solidFill>
-              </a:rPr>
-              <a:t>	e. Maquettage……………………………………………………………………...……….12</a:t>
-            </a:r>
-          </a:p>
-          <a:p>
-            <a:r>
-              <a:rPr lang="fr-FR" sz="1400" dirty="0">
-                <a:solidFill>
-                  <a:schemeClr val="bg1"/>
-                </a:solidFill>
-              </a:rPr>
-              <a:t>		1.charte graphique…………………………………………………………………..13</a:t>
-            </a:r>
-          </a:p>
-          <a:p>
-            <a:r>
-              <a:rPr lang="fr-FR" sz="1400" dirty="0">
-                <a:solidFill>
-                  <a:schemeClr val="bg1"/>
-                </a:solidFill>
-              </a:rPr>
-              <a:t>		2.Elements a conserver…………………………………………………………...…13</a:t>
-            </a:r>
-          </a:p>
-          <a:p>
-            <a:r>
-              <a:rPr lang="fr-FR" sz="1400" dirty="0">
-                <a:solidFill>
-                  <a:schemeClr val="bg1"/>
-                </a:solidFill>
-              </a:rPr>
-              <a:t>		3.Zoning…………………………………………………………………………..…….14</a:t>
-            </a:r>
-          </a:p>
-          <a:p>
-            <a:r>
-              <a:rPr lang="fr-FR" sz="1400" dirty="0">
-                <a:solidFill>
-                  <a:schemeClr val="bg1"/>
-                </a:solidFill>
-              </a:rPr>
-              <a:t>		4.Wireframe……………………………………………………………………………15/16</a:t>
-            </a:r>
-          </a:p>
-          <a:p>
-            <a:r>
-              <a:rPr lang="fr-FR" sz="1400" dirty="0">
-                <a:solidFill>
-                  <a:schemeClr val="bg1"/>
-                </a:solidFill>
-              </a:rPr>
-              <a:t>		5.Style </a:t>
-            </a:r>
-            <a:r>
-              <a:rPr lang="fr-FR" sz="1400" dirty="0" err="1">
-                <a:solidFill>
-                  <a:schemeClr val="bg1"/>
-                </a:solidFill>
-              </a:rPr>
-              <a:t>title</a:t>
-            </a:r>
-            <a:r>
-              <a:rPr lang="fr-FR" sz="1400" dirty="0">
-                <a:solidFill>
-                  <a:schemeClr val="bg1"/>
-                </a:solidFill>
-              </a:rPr>
-              <a:t>……………………………………………………………………………...17</a:t>
-            </a:r>
-          </a:p>
-          <a:p>
-            <a:r>
-              <a:rPr lang="fr-FR" sz="1400" dirty="0">
-                <a:solidFill>
-                  <a:schemeClr val="bg1"/>
-                </a:solidFill>
-              </a:rPr>
-              <a:t>		6.Mokup………………………………………………………………………………..18/19</a:t>
-            </a:r>
-          </a:p>
-          <a:p>
-            <a:r>
-              <a:rPr lang="fr-FR" sz="1400" dirty="0">
-                <a:solidFill>
-                  <a:schemeClr val="bg1"/>
-                </a:solidFill>
-              </a:rPr>
-              <a:t>3.Conception……………………………………………………………………………….………………20</a:t>
-            </a:r>
-          </a:p>
-          <a:p>
-            <a:r>
-              <a:rPr lang="fr-FR" sz="1400" dirty="0">
-                <a:solidFill>
-                  <a:schemeClr val="bg1"/>
-                </a:solidFill>
-              </a:rPr>
-              <a:t>	a. MCD………………………………………………………………………..……………….20</a:t>
-            </a:r>
-          </a:p>
-          <a:p>
-            <a:r>
-              <a:rPr lang="fr-FR" sz="1400" dirty="0">
-                <a:solidFill>
-                  <a:schemeClr val="bg1"/>
-                </a:solidFill>
-              </a:rPr>
-              <a:t>	b. MLD………………………………………………………………………………………….21</a:t>
-            </a:r>
-          </a:p>
-          <a:p>
-            <a:r>
-              <a:rPr lang="fr-FR" sz="1400" dirty="0">
-                <a:solidFill>
-                  <a:schemeClr val="bg1"/>
-                </a:solidFill>
-              </a:rPr>
-              <a:t>4.Outils techniques………………………………………………………………………...………………22</a:t>
-            </a:r>
-          </a:p>
-          <a:p>
-            <a:r>
-              <a:rPr lang="fr-FR" sz="1400" dirty="0">
-                <a:solidFill>
-                  <a:schemeClr val="bg1"/>
-                </a:solidFill>
-              </a:rPr>
-              <a:t>5.Fonctionnalité front………………………………………………………………...……………………23/24</a:t>
-            </a:r>
-          </a:p>
-          <a:p>
-            <a:r>
-              <a:rPr lang="fr-FR" sz="1400" dirty="0">
-                <a:solidFill>
-                  <a:schemeClr val="bg1"/>
-                </a:solidFill>
-              </a:rPr>
-              <a:t>6.Récapitulatif………………………………………………………………………………………………25</a:t>
-            </a:r>
-          </a:p>
-          <a:p>
-            <a:r>
-              <a:rPr lang="fr-FR" sz="1400" dirty="0">
-                <a:solidFill>
-                  <a:schemeClr val="bg1"/>
-                </a:solidFill>
-              </a:rPr>
-              <a:t>	</a:t>
-            </a:r>
-          </a:p>
-          <a:p>
-            <a:endParaRPr lang="fr-FR" sz="1400" dirty="0">
+              <a:t>	c. SQL…………………………………………………………………………………………..26</a:t>
+            </a:r>
+            <a:endParaRPr lang="fr-FR" sz="1800" dirty="0">
               <a:solidFill>
                 <a:schemeClr val="bg1"/>
               </a:solidFill>
             </a:endParaRPr>
           </a:p>
+          <a:p>
+            <a:endParaRPr lang="fr-FR" dirty="0"/>
+          </a:p>
         </p:txBody>
       </p:sp>
     </p:spTree>
     <p:extLst>
       <p:ext uri="{BB962C8B-B14F-4D97-AF65-F5344CB8AC3E}">
-        <p14:creationId xmlns:p14="http://schemas.microsoft.com/office/powerpoint/2010/main" val="645838372"/>
+        <p14:creationId xmlns:p14="http://schemas.microsoft.com/office/powerpoint/2010/main" val="1000521212"/>
       </p:ext>
     </p:extLst>
   </p:cSld>
@@ -8114,7 +8779,7 @@
 </p:sld>
 </file>
 
-<file path=ppt/slides/slide20.xml><?xml version="1.0" encoding="utf-8"?>
+<file path=ppt/slides/slide24.xml><?xml version="1.0" encoding="utf-8"?>
 <p:sld xmlns:a="http://schemas.openxmlformats.org/drawingml/2006/main" xmlns:r="http://schemas.openxmlformats.org/officeDocument/2006/relationships" xmlns:p="http://schemas.openxmlformats.org/presentationml/2006/main">
   <p:cSld>
     <p:spTree>
@@ -8149,7 +8814,7 @@
             <a:fld id="{D57F1E4F-1CFF-5643-939E-217C01CDF565}" type="slidenum">
               <a:rPr lang="en-US" smtClean="0"/>
               <a:pPr/>
-              <a:t>20</a:t>
+              <a:t>24</a:t>
             </a:fld>
             <a:endParaRPr lang="en-US" dirty="0"/>
           </a:p>
@@ -8164,7 +8829,7 @@
         <p:spPr>
           <a:xfrm>
             <a:off x="1064029" y="207818"/>
-            <a:ext cx="4123113" cy="923330"/>
+            <a:ext cx="4123113" cy="1200329"/>
           </a:xfrm>
           <a:prstGeom prst="rect">
             <a:avLst/>
@@ -8199,7 +8864,7 @@
                   <a:schemeClr val="bg1"/>
                 </a:solidFill>
               </a:rPr>
-              <a:t>(modèle conceptuel des données)</a:t>
+              <a:t>(modèle conceptuel des données)représente la relation entre les bases de données.</a:t>
             </a:r>
           </a:p>
           <a:p>
@@ -8254,7 +8919,7 @@
 </p:sld>
 </file>
 
-<file path=ppt/slides/slide21.xml><?xml version="1.0" encoding="utf-8"?>
+<file path=ppt/slides/slide25.xml><?xml version="1.0" encoding="utf-8"?>
 <p:sld xmlns:a="http://schemas.openxmlformats.org/drawingml/2006/main" xmlns:r="http://schemas.openxmlformats.org/officeDocument/2006/relationships" xmlns:p="http://schemas.openxmlformats.org/presentationml/2006/main">
   <p:cSld>
     <p:spTree>
@@ -8289,7 +8954,7 @@
             <a:fld id="{D57F1E4F-1CFF-5643-939E-217C01CDF565}" type="slidenum">
               <a:rPr lang="en-US" smtClean="0"/>
               <a:pPr/>
-              <a:t>21</a:t>
+              <a:t>25</a:t>
             </a:fld>
             <a:endParaRPr lang="en-US" dirty="0"/>
           </a:p>
@@ -8394,7 +9059,7 @@
 </p:sld>
 </file>
 
-<file path=ppt/slides/slide22.xml><?xml version="1.0" encoding="utf-8"?>
+<file path=ppt/slides/slide26.xml><?xml version="1.0" encoding="utf-8"?>
 <p:sld xmlns:a="http://schemas.openxmlformats.org/drawingml/2006/main" xmlns:r="http://schemas.openxmlformats.org/officeDocument/2006/relationships" xmlns:p="http://schemas.openxmlformats.org/presentationml/2006/main">
   <p:cSld>
     <p:spTree>
@@ -8413,6 +9078,234 @@
       </p:grpSpPr>
       <p:sp>
         <p:nvSpPr>
+          <p:cNvPr id="6" name="ZoneTexte 5">
+            <a:extLst>
+              <a:ext uri="{FF2B5EF4-FFF2-40B4-BE49-F238E27FC236}">
+                <a16:creationId xmlns:a16="http://schemas.microsoft.com/office/drawing/2014/main" id="{796EA7EB-19A8-7888-826C-42B44EF06283}"/>
+              </a:ext>
+            </a:extLst>
+          </p:cNvPr>
+          <p:cNvSpPr txBox="1"/>
+          <p:nvPr/>
+        </p:nvSpPr>
+        <p:spPr>
+          <a:xfrm>
+            <a:off x="512123" y="311129"/>
+            <a:ext cx="6106884" cy="369332"/>
+          </a:xfrm>
+          <a:prstGeom prst="rect">
+            <a:avLst/>
+          </a:prstGeom>
+          <a:noFill/>
+        </p:spPr>
+        <p:txBody>
+          <a:bodyPr wrap="square">
+            <a:spAutoFit/>
+          </a:bodyPr>
+          <a:lstStyle/>
+          <a:p>
+            <a:r>
+              <a:rPr lang="fr-FR" b="1" u="sng" dirty="0">
+                <a:solidFill>
+                  <a:srgbClr val="8F1919"/>
+                </a:solidFill>
+              </a:rPr>
+              <a:t>SQL:</a:t>
+            </a:r>
+            <a:r>
+              <a:rPr lang="fr-FR" dirty="0">
+                <a:solidFill>
+                  <a:srgbClr val="8F1919"/>
+                </a:solidFill>
+              </a:rPr>
+              <a:t>  </a:t>
+            </a:r>
+            <a:r>
+              <a:rPr lang="fr-FR" dirty="0">
+                <a:solidFill>
+                  <a:schemeClr val="bg1"/>
+                </a:solidFill>
+              </a:rPr>
+              <a:t>(</a:t>
+            </a:r>
+            <a:r>
+              <a:rPr lang="fr-FR" dirty="0" err="1">
+                <a:solidFill>
+                  <a:schemeClr val="bg1"/>
+                </a:solidFill>
+              </a:rPr>
+              <a:t>Structured</a:t>
+            </a:r>
+            <a:r>
+              <a:rPr lang="fr-FR" dirty="0">
+                <a:solidFill>
+                  <a:schemeClr val="bg1"/>
+                </a:solidFill>
+              </a:rPr>
+              <a:t> </a:t>
+            </a:r>
+            <a:r>
+              <a:rPr lang="fr-FR" dirty="0" err="1">
+                <a:solidFill>
+                  <a:schemeClr val="bg1"/>
+                </a:solidFill>
+              </a:rPr>
+              <a:t>Query</a:t>
+            </a:r>
+            <a:r>
+              <a:rPr lang="fr-FR" dirty="0">
+                <a:solidFill>
+                  <a:schemeClr val="bg1"/>
+                </a:solidFill>
+              </a:rPr>
+              <a:t> </a:t>
+            </a:r>
+            <a:r>
+              <a:rPr lang="fr-FR" dirty="0" err="1">
+                <a:solidFill>
+                  <a:schemeClr val="bg1"/>
+                </a:solidFill>
+              </a:rPr>
+              <a:t>Language</a:t>
+            </a:r>
+            <a:r>
+              <a:rPr lang="fr-FR" dirty="0">
+                <a:solidFill>
+                  <a:schemeClr val="bg1"/>
+                </a:solidFill>
+              </a:rPr>
+              <a:t>)</a:t>
+            </a:r>
+          </a:p>
+        </p:txBody>
+      </p:sp>
+      <p:pic>
+        <p:nvPicPr>
+          <p:cNvPr id="14" name="Image 13">
+            <a:extLst>
+              <a:ext uri="{FF2B5EF4-FFF2-40B4-BE49-F238E27FC236}">
+                <a16:creationId xmlns:a16="http://schemas.microsoft.com/office/drawing/2014/main" id="{07D616D0-DE6D-2E44-263A-508B747198D3}"/>
+              </a:ext>
+            </a:extLst>
+          </p:cNvPr>
+          <p:cNvPicPr>
+            <a:picLocks noChangeAspect="1"/>
+          </p:cNvPicPr>
+          <p:nvPr/>
+        </p:nvPicPr>
+        <p:blipFill>
+          <a:blip r:embed="rId2"/>
+          <a:stretch>
+            <a:fillRect/>
+          </a:stretch>
+        </p:blipFill>
+        <p:spPr>
+          <a:xfrm>
+            <a:off x="5688644" y="211862"/>
+            <a:ext cx="6173061" cy="6335009"/>
+          </a:xfrm>
+          <a:prstGeom prst="rect">
+            <a:avLst/>
+          </a:prstGeom>
+        </p:spPr>
+      </p:pic>
+      <p:sp>
+        <p:nvSpPr>
+          <p:cNvPr id="4" name="Espace réservé du numéro de diapositive 3">
+            <a:extLst>
+              <a:ext uri="{FF2B5EF4-FFF2-40B4-BE49-F238E27FC236}">
+                <a16:creationId xmlns:a16="http://schemas.microsoft.com/office/drawing/2014/main" id="{D8B127FD-31F4-2A08-F75A-4AAB89A6A2DE}"/>
+              </a:ext>
+            </a:extLst>
+          </p:cNvPr>
+          <p:cNvSpPr>
+            <a:spLocks noGrp="1"/>
+          </p:cNvSpPr>
+          <p:nvPr>
+            <p:ph type="sldNum" sz="quarter" idx="12"/>
+          </p:nvPr>
+        </p:nvSpPr>
+        <p:spPr>
+          <a:xfrm>
+            <a:off x="10719460" y="5913437"/>
+            <a:ext cx="1142245" cy="669925"/>
+          </a:xfrm>
+        </p:spPr>
+        <p:txBody>
+          <a:bodyPr/>
+          <a:lstStyle/>
+          <a:p>
+            <a:fld id="{D57F1E4F-1CFF-5643-939E-217C01CDF565}" type="slidenum">
+              <a:rPr lang="en-US" smtClean="0"/>
+              <a:pPr/>
+              <a:t>26</a:t>
+            </a:fld>
+            <a:endParaRPr lang="en-US" dirty="0"/>
+          </a:p>
+        </p:txBody>
+      </p:sp>
+      <p:pic>
+        <p:nvPicPr>
+          <p:cNvPr id="12" name="Image 11">
+            <a:extLst>
+              <a:ext uri="{FF2B5EF4-FFF2-40B4-BE49-F238E27FC236}">
+                <a16:creationId xmlns:a16="http://schemas.microsoft.com/office/drawing/2014/main" id="{88994215-922B-7684-2E9E-C4B33420354A}"/>
+              </a:ext>
+            </a:extLst>
+          </p:cNvPr>
+          <p:cNvPicPr>
+            <a:picLocks noChangeAspect="1"/>
+          </p:cNvPicPr>
+          <p:nvPr/>
+        </p:nvPicPr>
+        <p:blipFill>
+          <a:blip r:embed="rId3"/>
+          <a:stretch>
+            <a:fillRect/>
+          </a:stretch>
+        </p:blipFill>
+        <p:spPr>
+          <a:xfrm>
+            <a:off x="267307" y="967012"/>
+            <a:ext cx="5106113" cy="4553585"/>
+          </a:xfrm>
+          <a:prstGeom prst="rect">
+            <a:avLst/>
+          </a:prstGeom>
+        </p:spPr>
+      </p:pic>
+    </p:spTree>
+    <p:extLst>
+      <p:ext uri="{BB962C8B-B14F-4D97-AF65-F5344CB8AC3E}">
+        <p14:creationId xmlns:p14="http://schemas.microsoft.com/office/powerpoint/2010/main" val="3916259861"/>
+      </p:ext>
+    </p:extLst>
+  </p:cSld>
+  <p:clrMapOvr>
+    <a:masterClrMapping/>
+  </p:clrMapOvr>
+</p:sld>
+</file>
+
+<file path=ppt/slides/slide27.xml><?xml version="1.0" encoding="utf-8"?>
+<p:sld xmlns:a="http://schemas.openxmlformats.org/drawingml/2006/main" xmlns:r="http://schemas.openxmlformats.org/officeDocument/2006/relationships" xmlns:p="http://schemas.openxmlformats.org/presentationml/2006/main">
+  <p:cSld>
+    <p:spTree>
+      <p:nvGrpSpPr>
+        <p:cNvPr id="1" name=""/>
+        <p:cNvGrpSpPr/>
+        <p:nvPr/>
+      </p:nvGrpSpPr>
+      <p:grpSpPr>
+        <a:xfrm>
+          <a:off x="0" y="0"/>
+          <a:ext cx="0" cy="0"/>
+          <a:chOff x="0" y="0"/>
+          <a:chExt cx="0" cy="0"/>
+        </a:xfrm>
+      </p:grpSpPr>
+      <p:sp>
+        <p:nvSpPr>
           <p:cNvPr id="4" name="ZoneTexte 3">
             <a:extLst>
               <a:ext uri="{FF2B5EF4-FFF2-40B4-BE49-F238E27FC236}">
@@ -8426,7 +9319,7 @@
         <p:spPr>
           <a:xfrm>
             <a:off x="1284789" y="868101"/>
-            <a:ext cx="10208871" cy="2031325"/>
+            <a:ext cx="10208871" cy="2308324"/>
           </a:xfrm>
           <a:prstGeom prst="rect">
             <a:avLst/>
@@ -8555,6 +9448,20 @@
                 <a:schemeClr val="bg1"/>
               </a:solidFill>
             </a:endParaRPr>
+          </a:p>
+          <a:p>
+            <a:pPr marL="285750" indent="-285750">
+              <a:buFontTx/>
+              <a:buChar char="-"/>
+            </a:pPr>
+            <a:r>
+              <a:rPr lang="fr-FR" dirty="0">
+                <a:solidFill>
+                  <a:schemeClr val="bg1"/>
+                </a:solidFill>
+              </a:rPr>
+              <a:t>Utilisation du langage SQL pour la création et l’exploitation de la base de données</a:t>
+            </a:r>
           </a:p>
           <a:p>
             <a:pPr marL="285750" indent="-285750">
@@ -8587,7 +9494,7 @@
             <a:fld id="{D57F1E4F-1CFF-5643-939E-217C01CDF565}" type="slidenum">
               <a:rPr lang="en-US" smtClean="0"/>
               <a:pPr/>
-              <a:t>22</a:t>
+              <a:t>27</a:t>
             </a:fld>
             <a:endParaRPr lang="en-US" dirty="0"/>
           </a:p>
@@ -8606,7 +9513,7 @@
 </p:sld>
 </file>
 
-<file path=ppt/slides/slide23.xml><?xml version="1.0" encoding="utf-8"?>
+<file path=ppt/slides/slide28.xml><?xml version="1.0" encoding="utf-8"?>
 <p:sld xmlns:a="http://schemas.openxmlformats.org/drawingml/2006/main" xmlns:r="http://schemas.openxmlformats.org/officeDocument/2006/relationships" xmlns:p="http://schemas.openxmlformats.org/presentationml/2006/main">
   <p:cSld>
     <p:spTree>
@@ -8787,7 +9694,7 @@
             <a:fld id="{D57F1E4F-1CFF-5643-939E-217C01CDF565}" type="slidenum">
               <a:rPr lang="en-US" smtClean="0"/>
               <a:pPr/>
-              <a:t>23</a:t>
+              <a:t>28</a:t>
             </a:fld>
             <a:endParaRPr lang="en-US" dirty="0"/>
           </a:p>
@@ -8806,7 +9713,7 @@
 </p:sld>
 </file>
 
-<file path=ppt/slides/slide24.xml><?xml version="1.0" encoding="utf-8"?>
+<file path=ppt/slides/slide29.xml><?xml version="1.0" encoding="utf-8"?>
 <p:sld xmlns:a="http://schemas.openxmlformats.org/drawingml/2006/main" xmlns:r="http://schemas.openxmlformats.org/officeDocument/2006/relationships" xmlns:p="http://schemas.openxmlformats.org/presentationml/2006/main">
   <p:cSld>
     <p:spTree>
@@ -8988,7 +9895,7 @@
             <a:fld id="{D57F1E4F-1CFF-5643-939E-217C01CDF565}" type="slidenum">
               <a:rPr lang="en-US" smtClean="0"/>
               <a:pPr/>
-              <a:t>24</a:t>
+              <a:t>29</a:t>
             </a:fld>
             <a:endParaRPr lang="en-US" dirty="0"/>
           </a:p>
@@ -9037,7 +9944,7 @@
 </p:sld>
 </file>
 
-<file path=ppt/slides/slide25.xml><?xml version="1.0" encoding="utf-8"?>
+<file path=ppt/slides/slide3.xml><?xml version="1.0" encoding="utf-8"?>
 <p:sld xmlns:a="http://schemas.openxmlformats.org/drawingml/2006/main" xmlns:r="http://schemas.openxmlformats.org/officeDocument/2006/relationships" xmlns:p="http://schemas.openxmlformats.org/presentationml/2006/main">
   <p:cSld>
     <p:spTree>
@@ -9056,10 +9963,10 @@
       </p:grpSpPr>
       <p:sp>
         <p:nvSpPr>
-          <p:cNvPr id="3" name="Espace réservé du contenu 2">
+          <p:cNvPr id="4" name="Espace réservé du numéro de diapositive 3">
             <a:extLst>
               <a:ext uri="{FF2B5EF4-FFF2-40B4-BE49-F238E27FC236}">
-                <a16:creationId xmlns:a16="http://schemas.microsoft.com/office/drawing/2014/main" id="{E209249B-AB26-E703-4BF8-BDB15EA80F2B}"/>
+                <a16:creationId xmlns:a16="http://schemas.microsoft.com/office/drawing/2014/main" id="{51AD324E-4DC1-4716-86DC-30E711159704}"/>
               </a:ext>
             </a:extLst>
           </p:cNvPr>
@@ -9067,53 +9974,6 @@
             <a:spLocks noGrp="1"/>
           </p:cNvSpPr>
           <p:nvPr>
-            <p:ph idx="1"/>
-          </p:nvPr>
-        </p:nvSpPr>
-        <p:spPr>
-          <a:xfrm>
-            <a:off x="1218602" y="2003961"/>
-            <a:ext cx="9053554" cy="2431473"/>
-          </a:xfrm>
-        </p:spPr>
-        <p:txBody>
-          <a:bodyPr/>
-          <a:lstStyle/>
-          <a:p>
-            <a:pPr marL="0" indent="0">
-              <a:buNone/>
-            </a:pPr>
-            <a:r>
-              <a:rPr lang="fr-FR" b="1" u="sng" dirty="0">
-                <a:solidFill>
-                  <a:srgbClr val="751515"/>
-                </a:solidFill>
-              </a:rPr>
-              <a:t>Récapitulatif:</a:t>
-            </a:r>
-          </a:p>
-          <a:p>
-            <a:pPr marL="457200" lvl="1" indent="0">
-              <a:buNone/>
-            </a:pPr>
-            <a:r>
-              <a:rPr lang="fr-FR" dirty="0"/>
-              <a:t>Nous livrons un site internet début juillet de style galerie, comprenant un nouveau logo, une page d’accueil contenant une bio  la dernière peinture et des commentaires, une page galerie contenant les peintures du client, une page de contact, une page de gestion des tableaux.	</a:t>
-            </a:r>
-          </a:p>
-          <a:p>
-            <a:pPr lvl="1"/>
-            <a:endParaRPr lang="fr-FR" dirty="0"/>
-          </a:p>
-        </p:txBody>
-      </p:sp>
-      <p:sp>
-        <p:nvSpPr>
-          <p:cNvPr id="4" name="Espace réservé du numéro de diapositive 3"/>
-          <p:cNvSpPr>
-            <a:spLocks noGrp="1"/>
-          </p:cNvSpPr>
-          <p:nvPr>
             <p:ph type="sldNum" sz="quarter" idx="12"/>
           </p:nvPr>
         </p:nvSpPr>
@@ -9125,16 +9985,148 @@
             <a:fld id="{D57F1E4F-1CFF-5643-939E-217C01CDF565}" type="slidenum">
               <a:rPr lang="en-US" smtClean="0"/>
               <a:pPr/>
-              <a:t>25</a:t>
+              <a:t>3</a:t>
             </a:fld>
             <a:endParaRPr lang="en-US" dirty="0"/>
+          </a:p>
+        </p:txBody>
+      </p:sp>
+      <p:sp>
+        <p:nvSpPr>
+          <p:cNvPr id="5" name="ZoneTexte 4">
+            <a:extLst>
+              <a:ext uri="{FF2B5EF4-FFF2-40B4-BE49-F238E27FC236}">
+                <a16:creationId xmlns:a16="http://schemas.microsoft.com/office/drawing/2014/main" id="{DEA8EFC4-5871-35B1-32CC-2E30D0CAA191}"/>
+              </a:ext>
+            </a:extLst>
+          </p:cNvPr>
+          <p:cNvSpPr txBox="1"/>
+          <p:nvPr/>
+        </p:nvSpPr>
+        <p:spPr>
+          <a:xfrm>
+            <a:off x="1145969" y="760021"/>
+            <a:ext cx="9880270" cy="3139321"/>
+          </a:xfrm>
+          <a:prstGeom prst="rect">
+            <a:avLst/>
+          </a:prstGeom>
+          <a:noFill/>
+        </p:spPr>
+        <p:txBody>
+          <a:bodyPr wrap="square" rtlCol="0">
+            <a:spAutoFit/>
+          </a:bodyPr>
+          <a:lstStyle/>
+          <a:p>
+            <a:r>
+              <a:rPr lang="fr-FR" sz="1800" dirty="0">
+                <a:solidFill>
+                  <a:schemeClr val="bg1"/>
+                </a:solidFill>
+              </a:rPr>
+              <a:t>1. Analyse du besoin :</a:t>
+            </a:r>
+          </a:p>
+          <a:p>
+            <a:r>
+              <a:rPr lang="fr-FR" sz="1800" dirty="0">
+                <a:solidFill>
+                  <a:schemeClr val="bg1"/>
+                </a:solidFill>
+              </a:rPr>
+              <a:t>	a. Présentation de l’entreprise ……………………………………………………………..4</a:t>
+            </a:r>
+          </a:p>
+          <a:p>
+            <a:r>
+              <a:rPr lang="fr-FR" sz="1800" dirty="0">
+                <a:solidFill>
+                  <a:schemeClr val="bg1"/>
+                </a:solidFill>
+              </a:rPr>
+              <a:t>	b. Intervenant principaux …………………………………………………………………...4</a:t>
+            </a:r>
+          </a:p>
+          <a:p>
+            <a:r>
+              <a:rPr lang="fr-FR" sz="1800" dirty="0">
+                <a:solidFill>
+                  <a:schemeClr val="bg1"/>
+                </a:solidFill>
+              </a:rPr>
+              <a:t>	c. Objectif du site ……………………………………………………………………………..5</a:t>
+            </a:r>
+          </a:p>
+          <a:p>
+            <a:r>
+              <a:rPr lang="fr-FR" sz="1800" dirty="0">
+                <a:solidFill>
+                  <a:schemeClr val="bg1"/>
+                </a:solidFill>
+              </a:rPr>
+              <a:t>	d. Les cibles ……………………………………………………………………………............5</a:t>
+            </a:r>
+          </a:p>
+          <a:p>
+            <a:r>
+              <a:rPr lang="fr-FR" sz="1800" dirty="0">
+                <a:solidFill>
+                  <a:schemeClr val="bg1"/>
+                </a:solidFill>
+              </a:rPr>
+              <a:t>	e. Le SWOT ………………………………………………………………...…………………...6</a:t>
+            </a:r>
+          </a:p>
+          <a:p>
+            <a:r>
+              <a:rPr lang="fr-FR" sz="1800" dirty="0">
+                <a:solidFill>
+                  <a:schemeClr val="bg1"/>
+                </a:solidFill>
+              </a:rPr>
+              <a:t>	 f. Les Besoins………………………………………………………………………………...…7</a:t>
+            </a:r>
+          </a:p>
+          <a:p>
+            <a:r>
+              <a:rPr lang="fr-FR" sz="1800" dirty="0">
+                <a:solidFill>
+                  <a:schemeClr val="bg1"/>
+                </a:solidFill>
+              </a:rPr>
+              <a:t>	g. Les contraintes techniques ………………………………………………………...…....8</a:t>
+            </a:r>
+          </a:p>
+          <a:p>
+            <a:r>
+              <a:rPr lang="fr-FR" sz="1800" dirty="0">
+                <a:solidFill>
+                  <a:schemeClr val="bg1"/>
+                </a:solidFill>
+              </a:rPr>
+              <a:t>	h. Les contraintes légales ……………………………………………………………………8</a:t>
+            </a:r>
+          </a:p>
+          <a:p>
+            <a:r>
+              <a:rPr lang="fr-FR" sz="1800" dirty="0">
+                <a:solidFill>
+                  <a:schemeClr val="bg1"/>
+                </a:solidFill>
+              </a:rPr>
+              <a:t>	 i. Sites exemples……………………………………………………………………………….9</a:t>
+            </a:r>
+          </a:p>
+          <a:p>
+            <a:endParaRPr lang="fr-FR" dirty="0"/>
           </a:p>
         </p:txBody>
       </p:sp>
     </p:spTree>
     <p:extLst>
       <p:ext uri="{BB962C8B-B14F-4D97-AF65-F5344CB8AC3E}">
-        <p14:creationId xmlns:p14="http://schemas.microsoft.com/office/powerpoint/2010/main" val="3690427952"/>
+        <p14:creationId xmlns:p14="http://schemas.microsoft.com/office/powerpoint/2010/main" val="4075235090"/>
       </p:ext>
     </p:extLst>
   </p:cSld>
@@ -9144,7 +10136,7 @@
 </p:sld>
 </file>
 
-<file path=ppt/slides/slide26.xml><?xml version="1.0" encoding="utf-8"?>
+<file path=ppt/slides/slide30.xml><?xml version="1.0" encoding="utf-8"?>
 <p:sld xmlns:a="http://schemas.openxmlformats.org/drawingml/2006/main" xmlns:r="http://schemas.openxmlformats.org/officeDocument/2006/relationships" xmlns:p="http://schemas.openxmlformats.org/presentationml/2006/main">
   <p:cSld>
     <p:spTree>
@@ -9163,93 +10155,68 @@
       </p:grpSpPr>
       <p:sp>
         <p:nvSpPr>
-          <p:cNvPr id="4" name="ZoneTexte 3">
+          <p:cNvPr id="3" name="Espace réservé du contenu 2">
             <a:extLst>
               <a:ext uri="{FF2B5EF4-FFF2-40B4-BE49-F238E27FC236}">
-                <a16:creationId xmlns:a16="http://schemas.microsoft.com/office/drawing/2014/main" id="{A36F338B-F922-DB62-2584-A41AD766EB27}"/>
+                <a16:creationId xmlns:a16="http://schemas.microsoft.com/office/drawing/2014/main" id="{E209249B-AB26-E703-4BF8-BDB15EA80F2B}"/>
               </a:ext>
             </a:extLst>
           </p:cNvPr>
-          <p:cNvSpPr txBox="1"/>
-          <p:nvPr/>
+          <p:cNvSpPr>
+            <a:spLocks noGrp="1"/>
+          </p:cNvSpPr>
+          <p:nvPr>
+            <p:ph idx="1"/>
+          </p:nvPr>
         </p:nvSpPr>
         <p:spPr>
           <a:xfrm>
-            <a:off x="1213659" y="2227811"/>
-            <a:ext cx="9077498" cy="2031325"/>
+            <a:off x="1218602" y="2003961"/>
+            <a:ext cx="9053554" cy="2431473"/>
           </a:xfrm>
-          <a:prstGeom prst="rect">
-            <a:avLst/>
-          </a:prstGeom>
-          <a:noFill/>
         </p:spPr>
         <p:txBody>
-          <a:bodyPr wrap="square" rtlCol="0">
-            <a:spAutoFit/>
-          </a:bodyPr>
-          <a:lstStyle/>
-          <a:p>
+          <a:bodyPr/>
+          <a:lstStyle/>
+          <a:p>
+            <a:pPr marL="0" indent="0">
+              <a:buNone/>
+            </a:pPr>
             <a:r>
               <a:rPr lang="fr-FR" b="1" u="sng" dirty="0">
                 <a:solidFill>
                   <a:srgbClr val="751515"/>
                 </a:solidFill>
               </a:rPr>
-              <a:t>Les coûts et délais:</a:t>
-            </a:r>
-          </a:p>
-          <a:p>
+              <a:t>Remerciements:</a:t>
+            </a:r>
+          </a:p>
+          <a:p>
+            <a:pPr lvl="1"/>
             <a:r>
               <a:rPr lang="fr-FR" dirty="0"/>
-              <a:t>	</a:t>
-            </a:r>
-            <a:r>
-              <a:rPr lang="fr-FR" dirty="0">
-                <a:solidFill>
-                  <a:schemeClr val="bg1"/>
-                </a:solidFill>
-              </a:rPr>
-              <a:t>- Site offert soit un gain de 150 euros/jour/développeur pour 10 jours.</a:t>
-            </a:r>
-          </a:p>
-          <a:p>
-            <a:r>
-              <a:rPr lang="fr-FR" dirty="0">
-                <a:solidFill>
-                  <a:schemeClr val="bg1"/>
-                </a:solidFill>
-              </a:rPr>
-              <a:t>	  comprenant le cahier des charges, le maquettage, la création d’un logo, 	  la création du site, la création de la base de données.</a:t>
-            </a:r>
-          </a:p>
-          <a:p>
-            <a:r>
-              <a:rPr lang="fr-FR" dirty="0">
-                <a:solidFill>
-                  <a:schemeClr val="bg1"/>
-                </a:solidFill>
-              </a:rPr>
-              <a:t>	  Les frais de  mise en ligne a  la charge du client.</a:t>
-            </a:r>
-          </a:p>
-          <a:p>
-            <a:r>
-              <a:rPr lang="fr-FR" dirty="0">
-                <a:solidFill>
-                  <a:schemeClr val="bg1"/>
-                </a:solidFill>
-              </a:rPr>
-              <a:t>	- Livraisons prévu début juillet 2023.</a:t>
-            </a:r>
-          </a:p>
-          <a:p>
-            <a:endParaRPr lang="fr-FR" dirty="0"/>
-          </a:p>
-        </p:txBody>
-      </p:sp>
-      <p:sp>
-        <p:nvSpPr>
-          <p:cNvPr id="3" name="Espace réservé du numéro de diapositive 2"/>
+              <a:t>A Mr. Soulier pour sa confiance et sa patience.</a:t>
+            </a:r>
+          </a:p>
+          <a:p>
+            <a:pPr lvl="1"/>
+            <a:r>
+              <a:rPr lang="fr-FR" dirty="0"/>
+              <a:t>A l’ADRAR pour m’avoir accueillie.</a:t>
+            </a:r>
+          </a:p>
+          <a:p>
+            <a:pPr lvl="1"/>
+            <a:r>
+              <a:rPr lang="fr-FR" dirty="0"/>
+              <a:t>A Mr Rodrigues pour avoir supporté toutes mes questions.</a:t>
+            </a:r>
+          </a:p>
+        </p:txBody>
+      </p:sp>
+      <p:sp>
+        <p:nvSpPr>
+          <p:cNvPr id="4" name="Espace réservé du numéro de diapositive 3"/>
           <p:cNvSpPr>
             <a:spLocks noGrp="1"/>
           </p:cNvSpPr>
@@ -9265,7 +10232,7 @@
             <a:fld id="{D57F1E4F-1CFF-5643-939E-217C01CDF565}" type="slidenum">
               <a:rPr lang="en-US" smtClean="0"/>
               <a:pPr/>
-              <a:t>26</a:t>
+              <a:t>30</a:t>
             </a:fld>
             <a:endParaRPr lang="en-US" dirty="0"/>
           </a:p>
@@ -9274,7 +10241,7 @@
     </p:spTree>
     <p:extLst>
       <p:ext uri="{BB962C8B-B14F-4D97-AF65-F5344CB8AC3E}">
-        <p14:creationId xmlns:p14="http://schemas.microsoft.com/office/powerpoint/2010/main" val="1317641096"/>
+        <p14:creationId xmlns:p14="http://schemas.microsoft.com/office/powerpoint/2010/main" val="3690427952"/>
       </p:ext>
     </p:extLst>
   </p:cSld>
@@ -9284,133 +10251,7 @@
 </p:sld>
 </file>
 
-<file path=ppt/slides/slide27.xml><?xml version="1.0" encoding="utf-8"?>
-<p:sld xmlns:a="http://schemas.openxmlformats.org/drawingml/2006/main" xmlns:r="http://schemas.openxmlformats.org/officeDocument/2006/relationships" xmlns:p="http://schemas.openxmlformats.org/presentationml/2006/main">
-  <p:cSld>
-    <p:spTree>
-      <p:nvGrpSpPr>
-        <p:cNvPr id="1" name=""/>
-        <p:cNvGrpSpPr/>
-        <p:nvPr/>
-      </p:nvGrpSpPr>
-      <p:grpSpPr>
-        <a:xfrm>
-          <a:off x="0" y="0"/>
-          <a:ext cx="0" cy="0"/>
-          <a:chOff x="0" y="0"/>
-          <a:chExt cx="0" cy="0"/>
-        </a:xfrm>
-      </p:grpSpPr>
-      <p:sp>
-        <p:nvSpPr>
-          <p:cNvPr id="4" name="ZoneTexte 3">
-            <a:extLst>
-              <a:ext uri="{FF2B5EF4-FFF2-40B4-BE49-F238E27FC236}">
-                <a16:creationId xmlns:a16="http://schemas.microsoft.com/office/drawing/2014/main" id="{2A66F914-04BA-DAC5-3CB8-39C1C8CBFE25}"/>
-              </a:ext>
-            </a:extLst>
-          </p:cNvPr>
-          <p:cNvSpPr txBox="1"/>
-          <p:nvPr/>
-        </p:nvSpPr>
-        <p:spPr>
-          <a:xfrm>
-            <a:off x="950026" y="528452"/>
-            <a:ext cx="2844140" cy="646331"/>
-          </a:xfrm>
-          <a:prstGeom prst="rect">
-            <a:avLst/>
-          </a:prstGeom>
-          <a:noFill/>
-        </p:spPr>
-        <p:txBody>
-          <a:bodyPr wrap="square" rtlCol="0">
-            <a:spAutoFit/>
-          </a:bodyPr>
-          <a:lstStyle/>
-          <a:p>
-            <a:r>
-              <a:rPr lang="fr-FR" b="1" u="sng" dirty="0">
-                <a:solidFill>
-                  <a:srgbClr val="751515"/>
-                </a:solidFill>
-              </a:rPr>
-              <a:t>Planning:</a:t>
-            </a:r>
-          </a:p>
-          <a:p>
-            <a:endParaRPr lang="fr-FR" dirty="0"/>
-          </a:p>
-        </p:txBody>
-      </p:sp>
-      <p:pic>
-        <p:nvPicPr>
-          <p:cNvPr id="6" name="Image 5">
-            <a:extLst>
-              <a:ext uri="{FF2B5EF4-FFF2-40B4-BE49-F238E27FC236}">
-                <a16:creationId xmlns:a16="http://schemas.microsoft.com/office/drawing/2014/main" id="{1E25515D-80E7-CBC6-C036-7660A343731E}"/>
-              </a:ext>
-            </a:extLst>
-          </p:cNvPr>
-          <p:cNvPicPr>
-            <a:picLocks noChangeAspect="1"/>
-          </p:cNvPicPr>
-          <p:nvPr/>
-        </p:nvPicPr>
-        <p:blipFill>
-          <a:blip r:embed="rId2"/>
-          <a:stretch>
-            <a:fillRect/>
-          </a:stretch>
-        </p:blipFill>
-        <p:spPr>
-          <a:xfrm>
-            <a:off x="2600696" y="876504"/>
-            <a:ext cx="8390279" cy="5877509"/>
-          </a:xfrm>
-          <a:prstGeom prst="rect">
-            <a:avLst/>
-          </a:prstGeom>
-        </p:spPr>
-      </p:pic>
-      <p:sp>
-        <p:nvSpPr>
-          <p:cNvPr id="3" name="Espace réservé du numéro de diapositive 2"/>
-          <p:cNvSpPr>
-            <a:spLocks noGrp="1"/>
-          </p:cNvSpPr>
-          <p:nvPr>
-            <p:ph type="sldNum" sz="quarter" idx="12"/>
-          </p:nvPr>
-        </p:nvSpPr>
-        <p:spPr/>
-        <p:txBody>
-          <a:bodyPr/>
-          <a:lstStyle/>
-          <a:p>
-            <a:fld id="{D57F1E4F-1CFF-5643-939E-217C01CDF565}" type="slidenum">
-              <a:rPr lang="en-US" smtClean="0"/>
-              <a:pPr/>
-              <a:t>27</a:t>
-            </a:fld>
-            <a:endParaRPr lang="en-US" dirty="0"/>
-          </a:p>
-        </p:txBody>
-      </p:sp>
-    </p:spTree>
-    <p:extLst>
-      <p:ext uri="{BB962C8B-B14F-4D97-AF65-F5344CB8AC3E}">
-        <p14:creationId xmlns:p14="http://schemas.microsoft.com/office/powerpoint/2010/main" val="2368108637"/>
-      </p:ext>
-    </p:extLst>
-  </p:cSld>
-  <p:clrMapOvr>
-    <a:masterClrMapping/>
-  </p:clrMapOvr>
-</p:sld>
-</file>
-
-<file path=ppt/slides/slide3.xml><?xml version="1.0" encoding="utf-8"?>
+<file path=ppt/slides/slide4.xml><?xml version="1.0" encoding="utf-8"?>
 <p:sld xmlns:a="http://schemas.openxmlformats.org/drawingml/2006/main" xmlns:r="http://schemas.openxmlformats.org/officeDocument/2006/relationships" xmlns:p="http://schemas.openxmlformats.org/presentationml/2006/main">
   <p:cSld>
     <p:bg>
@@ -9624,7 +10465,7 @@
             <a:fld id="{D57F1E4F-1CFF-5643-939E-217C01CDF565}" type="slidenum">
               <a:rPr lang="en-US" smtClean="0"/>
               <a:pPr/>
-              <a:t>3</a:t>
+              <a:t>4</a:t>
             </a:fld>
             <a:endParaRPr lang="en-US" dirty="0"/>
           </a:p>
@@ -11056,7 +11897,7 @@
 </p:sld>
 </file>
 
-<file path=ppt/slides/slide4.xml><?xml version="1.0" encoding="utf-8"?>
+<file path=ppt/slides/slide5.xml><?xml version="1.0" encoding="utf-8"?>
 <p:sld xmlns:a="http://schemas.openxmlformats.org/drawingml/2006/main" xmlns:r="http://schemas.openxmlformats.org/officeDocument/2006/relationships" xmlns:p="http://schemas.openxmlformats.org/presentationml/2006/main">
   <p:cSld>
     <p:spTree>
@@ -11267,7 +12108,7 @@
             <a:fld id="{D57F1E4F-1CFF-5643-939E-217C01CDF565}" type="slidenum">
               <a:rPr lang="en-US" smtClean="0"/>
               <a:pPr/>
-              <a:t>4</a:t>
+              <a:t>5</a:t>
             </a:fld>
             <a:endParaRPr lang="en-US" dirty="0"/>
           </a:p>
@@ -11286,7 +12127,7 @@
 </p:sld>
 </file>
 
-<file path=ppt/slides/slide5.xml><?xml version="1.0" encoding="utf-8"?>
+<file path=ppt/slides/slide6.xml><?xml version="1.0" encoding="utf-8"?>
 <p:sld xmlns:a="http://schemas.openxmlformats.org/drawingml/2006/main" xmlns:r="http://schemas.openxmlformats.org/officeDocument/2006/relationships" xmlns:p="http://schemas.openxmlformats.org/presentationml/2006/main">
   <p:cSld>
     <p:spTree>
@@ -11589,7 +12430,7 @@
             <a:fld id="{D57F1E4F-1CFF-5643-939E-217C01CDF565}" type="slidenum">
               <a:rPr lang="en-US" smtClean="0"/>
               <a:pPr/>
-              <a:t>5</a:t>
+              <a:t>6</a:t>
             </a:fld>
             <a:endParaRPr lang="en-US" dirty="0"/>
           </a:p>
@@ -11608,7 +12449,7 @@
 </p:sld>
 </file>
 
-<file path=ppt/slides/slide6.xml><?xml version="1.0" encoding="utf-8"?>
+<file path=ppt/slides/slide7.xml><?xml version="1.0" encoding="utf-8"?>
 <p:sld xmlns:a="http://schemas.openxmlformats.org/drawingml/2006/main" xmlns:r="http://schemas.openxmlformats.org/officeDocument/2006/relationships" xmlns:p="http://schemas.openxmlformats.org/presentationml/2006/main">
   <p:cSld>
     <p:spTree>
@@ -12301,7 +13142,7 @@
             <a:fld id="{D57F1E4F-1CFF-5643-939E-217C01CDF565}" type="slidenum">
               <a:rPr lang="en-US" smtClean="0"/>
               <a:pPr/>
-              <a:t>6</a:t>
+              <a:t>7</a:t>
             </a:fld>
             <a:endParaRPr lang="en-US" dirty="0"/>
           </a:p>
@@ -12320,7 +13161,7 @@
 </p:sld>
 </file>
 
-<file path=ppt/slides/slide7.xml><?xml version="1.0" encoding="utf-8"?>
+<file path=ppt/slides/slide8.xml><?xml version="1.0" encoding="utf-8"?>
 <p:sld xmlns:a="http://schemas.openxmlformats.org/drawingml/2006/main" xmlns:r="http://schemas.openxmlformats.org/officeDocument/2006/relationships" xmlns:p="http://schemas.openxmlformats.org/presentationml/2006/main">
   <p:cSld>
     <p:spTree>
@@ -12489,7 +13330,7 @@
             <a:fld id="{D57F1E4F-1CFF-5643-939E-217C01CDF565}" type="slidenum">
               <a:rPr lang="en-US" smtClean="0"/>
               <a:pPr/>
-              <a:t>7</a:t>
+              <a:t>8</a:t>
             </a:fld>
             <a:endParaRPr lang="en-US" dirty="0"/>
           </a:p>
@@ -12508,7 +13349,7 @@
 </p:sld>
 </file>
 
-<file path=ppt/slides/slide8.xml><?xml version="1.0" encoding="utf-8"?>
+<file path=ppt/slides/slide9.xml><?xml version="1.0" encoding="utf-8"?>
 <p:sld xmlns:a="http://schemas.openxmlformats.org/drawingml/2006/main" xmlns:r="http://schemas.openxmlformats.org/officeDocument/2006/relationships" xmlns:p="http://schemas.openxmlformats.org/presentationml/2006/main">
   <p:cSld>
     <p:spTree>
@@ -12668,7 +13509,7 @@
             <a:fld id="{D57F1E4F-1CFF-5643-939E-217C01CDF565}" type="slidenum">
               <a:rPr lang="en-US" smtClean="0"/>
               <a:pPr/>
-              <a:t>8</a:t>
+              <a:t>9</a:t>
             </a:fld>
             <a:endParaRPr lang="en-US" dirty="0"/>
           </a:p>
@@ -12678,434 +13519,6 @@
     <p:extLst>
       <p:ext uri="{BB962C8B-B14F-4D97-AF65-F5344CB8AC3E}">
         <p14:creationId xmlns:p14="http://schemas.microsoft.com/office/powerpoint/2010/main" val="1651569058"/>
-      </p:ext>
-    </p:extLst>
-  </p:cSld>
-  <p:clrMapOvr>
-    <a:masterClrMapping/>
-  </p:clrMapOvr>
-</p:sld>
-</file>
-
-<file path=ppt/slides/slide9.xml><?xml version="1.0" encoding="utf-8"?>
-<p:sld xmlns:a="http://schemas.openxmlformats.org/drawingml/2006/main" xmlns:r="http://schemas.openxmlformats.org/officeDocument/2006/relationships" xmlns:p="http://schemas.openxmlformats.org/presentationml/2006/main">
-  <p:cSld>
-    <p:spTree>
-      <p:nvGrpSpPr>
-        <p:cNvPr id="1" name=""/>
-        <p:cNvGrpSpPr/>
-        <p:nvPr/>
-      </p:nvGrpSpPr>
-      <p:grpSpPr>
-        <a:xfrm>
-          <a:off x="0" y="0"/>
-          <a:ext cx="0" cy="0"/>
-          <a:chOff x="0" y="0"/>
-          <a:chExt cx="0" cy="0"/>
-        </a:xfrm>
-      </p:grpSpPr>
-      <p:sp>
-        <p:nvSpPr>
-          <p:cNvPr id="6" name="ZoneTexte 5">
-            <a:extLst>
-              <a:ext uri="{FF2B5EF4-FFF2-40B4-BE49-F238E27FC236}">
-                <a16:creationId xmlns:a16="http://schemas.microsoft.com/office/drawing/2014/main" id="{59101B24-B94B-C392-C424-D95FDA322356}"/>
-              </a:ext>
-            </a:extLst>
-          </p:cNvPr>
-          <p:cNvSpPr txBox="1"/>
-          <p:nvPr/>
-        </p:nvSpPr>
-        <p:spPr>
-          <a:xfrm>
-            <a:off x="748145" y="154379"/>
-            <a:ext cx="4399808" cy="646331"/>
-          </a:xfrm>
-          <a:prstGeom prst="rect">
-            <a:avLst/>
-          </a:prstGeom>
-          <a:noFill/>
-        </p:spPr>
-        <p:txBody>
-          <a:bodyPr wrap="square" rtlCol="0">
-            <a:spAutoFit/>
-          </a:bodyPr>
-          <a:lstStyle/>
-          <a:p>
-            <a:r>
-              <a:rPr lang="fr-FR" b="1" u="sng" dirty="0" err="1">
-                <a:solidFill>
-                  <a:srgbClr val="8F1919"/>
-                </a:solidFill>
-              </a:rPr>
-              <a:t>Usecase</a:t>
-            </a:r>
-            <a:r>
-              <a:rPr lang="fr-FR" b="1" u="sng" dirty="0">
-                <a:solidFill>
-                  <a:srgbClr val="8F1919"/>
-                </a:solidFill>
-              </a:rPr>
-              <a:t>:</a:t>
-            </a:r>
-            <a:r>
-              <a:rPr lang="fr-FR" b="1" dirty="0">
-                <a:solidFill>
-                  <a:srgbClr val="8F1919"/>
-                </a:solidFill>
-              </a:rPr>
-              <a:t>  </a:t>
-            </a:r>
-            <a:r>
-              <a:rPr lang="fr-FR" dirty="0">
-                <a:solidFill>
-                  <a:schemeClr val="bg1"/>
-                </a:solidFill>
-              </a:rPr>
-              <a:t>définie les interactions entre les acteurs et le système</a:t>
-            </a:r>
-            <a:endParaRPr lang="fr-FR" b="1" u="sng" dirty="0">
-              <a:solidFill>
-                <a:srgbClr val="8F1919"/>
-              </a:solidFill>
-            </a:endParaRPr>
-          </a:p>
-        </p:txBody>
-      </p:sp>
-      <p:sp>
-        <p:nvSpPr>
-          <p:cNvPr id="7" name="ZoneTexte 6">
-            <a:extLst>
-              <a:ext uri="{FF2B5EF4-FFF2-40B4-BE49-F238E27FC236}">
-                <a16:creationId xmlns:a16="http://schemas.microsoft.com/office/drawing/2014/main" id="{AE857B4E-8153-4529-C16D-2C07F4B75BA2}"/>
-              </a:ext>
-            </a:extLst>
-          </p:cNvPr>
-          <p:cNvSpPr txBox="1"/>
-          <p:nvPr/>
-        </p:nvSpPr>
-        <p:spPr>
-          <a:xfrm>
-            <a:off x="6852062" y="1033153"/>
-            <a:ext cx="4714504" cy="4832092"/>
-          </a:xfrm>
-          <a:prstGeom prst="rect">
-            <a:avLst/>
-          </a:prstGeom>
-          <a:noFill/>
-        </p:spPr>
-        <p:txBody>
-          <a:bodyPr wrap="square" rtlCol="0">
-            <a:spAutoFit/>
-          </a:bodyPr>
-          <a:lstStyle/>
-          <a:p>
-            <a:r>
-              <a:rPr lang="fr-FR" sz="1400" dirty="0">
-                <a:solidFill>
-                  <a:schemeClr val="bg1"/>
-                </a:solidFill>
-              </a:rPr>
-              <a:t>3 acteurs: Le visiteur, l’acteur connexion et l’administrateur.</a:t>
-            </a:r>
-          </a:p>
-          <a:p>
-            <a:endParaRPr lang="fr-FR" sz="1400" dirty="0">
-              <a:solidFill>
-                <a:schemeClr val="bg1"/>
-              </a:solidFill>
-            </a:endParaRPr>
-          </a:p>
-          <a:p>
-            <a:r>
-              <a:rPr lang="fr-FR" sz="1400" dirty="0">
-                <a:solidFill>
-                  <a:schemeClr val="bg1"/>
-                </a:solidFill>
-              </a:rPr>
-              <a:t>Le visiteur doit pouvoir :</a:t>
-            </a:r>
-          </a:p>
-          <a:p>
-            <a:r>
-              <a:rPr lang="fr-FR" sz="1400" dirty="0">
-                <a:solidFill>
-                  <a:schemeClr val="bg1"/>
-                </a:solidFill>
-              </a:rPr>
-              <a:t>-     Naviguer entre les pages du site</a:t>
-            </a:r>
-          </a:p>
-          <a:p>
-            <a:pPr marL="285750" indent="-285750">
-              <a:buFontTx/>
-              <a:buChar char="-"/>
-            </a:pPr>
-            <a:r>
-              <a:rPr lang="fr-FR" sz="1400" dirty="0">
-                <a:solidFill>
-                  <a:schemeClr val="bg1"/>
-                </a:solidFill>
-              </a:rPr>
-              <a:t>Déposer un avis sur le dernier tableau</a:t>
-            </a:r>
-          </a:p>
-          <a:p>
-            <a:pPr marL="285750" indent="-285750">
-              <a:buFontTx/>
-              <a:buChar char="-"/>
-            </a:pPr>
-            <a:r>
-              <a:rPr lang="fr-FR" sz="1400" dirty="0">
-                <a:solidFill>
-                  <a:schemeClr val="bg1"/>
-                </a:solidFill>
-              </a:rPr>
-              <a:t>Agrandir le dernier tableau</a:t>
-            </a:r>
-          </a:p>
-          <a:p>
-            <a:pPr marL="285750" indent="-285750">
-              <a:buFontTx/>
-              <a:buChar char="-"/>
-            </a:pPr>
-            <a:r>
-              <a:rPr lang="fr-FR" sz="1400" dirty="0">
-                <a:solidFill>
-                  <a:schemeClr val="bg1"/>
-                </a:solidFill>
-              </a:rPr>
-              <a:t>Se rendre sur Facebook</a:t>
-            </a:r>
-          </a:p>
-          <a:p>
-            <a:pPr marL="285750" indent="-285750">
-              <a:buFontTx/>
-              <a:buChar char="-"/>
-            </a:pPr>
-            <a:r>
-              <a:rPr lang="fr-FR" sz="1400" dirty="0">
-                <a:solidFill>
-                  <a:schemeClr val="bg1"/>
-                </a:solidFill>
-              </a:rPr>
-              <a:t>Effectuer une demande de contact dans un formulaire</a:t>
-            </a:r>
-          </a:p>
-          <a:p>
-            <a:pPr marL="285750" indent="-285750">
-              <a:buFontTx/>
-              <a:buChar char="-"/>
-            </a:pPr>
-            <a:r>
-              <a:rPr lang="fr-FR" sz="1400" dirty="0">
-                <a:solidFill>
-                  <a:schemeClr val="bg1"/>
-                </a:solidFill>
-              </a:rPr>
-              <a:t>Visualiser les différents tableaux dans la galerie</a:t>
-            </a:r>
-          </a:p>
-          <a:p>
-            <a:endParaRPr lang="fr-FR" sz="1400" dirty="0">
-              <a:solidFill>
-                <a:schemeClr val="bg1"/>
-              </a:solidFill>
-            </a:endParaRPr>
-          </a:p>
-          <a:p>
-            <a:r>
-              <a:rPr lang="fr-FR" sz="1400" dirty="0">
-                <a:solidFill>
-                  <a:schemeClr val="bg1"/>
-                </a:solidFill>
-              </a:rPr>
-              <a:t>L’acteur connexion :</a:t>
-            </a:r>
-          </a:p>
-          <a:p>
-            <a:pPr marL="285750" indent="-285750">
-              <a:buFontTx/>
-              <a:buChar char="-"/>
-            </a:pPr>
-            <a:r>
-              <a:rPr lang="fr-FR" sz="1400" dirty="0">
-                <a:solidFill>
-                  <a:schemeClr val="bg1"/>
-                </a:solidFill>
-              </a:rPr>
-              <a:t>Se connecte</a:t>
-            </a:r>
-          </a:p>
-          <a:p>
-            <a:pPr marL="285750" indent="-285750">
-              <a:buFontTx/>
-              <a:buChar char="-"/>
-            </a:pPr>
-            <a:r>
-              <a:rPr lang="fr-FR" sz="1400" dirty="0">
-                <a:solidFill>
-                  <a:schemeClr val="bg1"/>
-                </a:solidFill>
-              </a:rPr>
-              <a:t>Se déconnecte</a:t>
-            </a:r>
-          </a:p>
-          <a:p>
-            <a:endParaRPr lang="fr-FR" sz="1400" dirty="0">
-              <a:solidFill>
-                <a:schemeClr val="bg1"/>
-              </a:solidFill>
-            </a:endParaRPr>
-          </a:p>
-          <a:p>
-            <a:r>
-              <a:rPr lang="fr-FR" sz="1400" dirty="0">
-                <a:solidFill>
-                  <a:schemeClr val="bg1"/>
-                </a:solidFill>
-              </a:rPr>
-              <a:t>L’administrateur quant a lui doit pouvoir :</a:t>
-            </a:r>
-          </a:p>
-          <a:p>
-            <a:pPr marL="285750" indent="-285750">
-              <a:buFontTx/>
-              <a:buChar char="-"/>
-            </a:pPr>
-            <a:r>
-              <a:rPr lang="fr-FR" sz="1400">
-                <a:solidFill>
-                  <a:schemeClr val="bg1"/>
-                </a:solidFill>
-              </a:rPr>
-              <a:t>Récupère </a:t>
-            </a:r>
-            <a:r>
-              <a:rPr lang="fr-FR" sz="1400" dirty="0">
-                <a:solidFill>
-                  <a:schemeClr val="bg1"/>
-                </a:solidFill>
-              </a:rPr>
-              <a:t>les droits de l’acteur connexion</a:t>
-            </a:r>
-          </a:p>
-          <a:p>
-            <a:pPr marL="285750" indent="-285750">
-              <a:buFontTx/>
-              <a:buChar char="-"/>
-            </a:pPr>
-            <a:r>
-              <a:rPr lang="fr-FR" sz="1400" dirty="0">
-                <a:solidFill>
-                  <a:schemeClr val="bg1"/>
-                </a:solidFill>
-              </a:rPr>
-              <a:t>Ajouter, supprimer des titres et les tableaux</a:t>
-            </a:r>
-          </a:p>
-          <a:p>
-            <a:pPr marL="285750" indent="-285750">
-              <a:buFontTx/>
-              <a:buChar char="-"/>
-            </a:pPr>
-            <a:r>
-              <a:rPr lang="fr-FR" sz="1400" dirty="0">
-                <a:solidFill>
-                  <a:schemeClr val="bg1"/>
-                </a:solidFill>
-              </a:rPr>
-              <a:t>Supprimer les avis</a:t>
-            </a:r>
-          </a:p>
-          <a:p>
-            <a:pPr marL="285750" indent="-285750">
-              <a:buFontTx/>
-              <a:buChar char="-"/>
-            </a:pPr>
-            <a:r>
-              <a:rPr lang="fr-FR" sz="1400" dirty="0">
-                <a:solidFill>
-                  <a:schemeClr val="bg1"/>
-                </a:solidFill>
-              </a:rPr>
-              <a:t>Changer le dernier tableau</a:t>
-            </a:r>
-          </a:p>
-          <a:p>
-            <a:pPr marL="285750" indent="-285750">
-              <a:buFontTx/>
-              <a:buChar char="-"/>
-            </a:pPr>
-            <a:r>
-              <a:rPr lang="fr-FR" sz="1400" dirty="0">
-                <a:solidFill>
-                  <a:schemeClr val="bg1"/>
-                </a:solidFill>
-              </a:rPr>
-              <a:t>Recevoir les demandes de contact</a:t>
-            </a:r>
-          </a:p>
-        </p:txBody>
-      </p:sp>
-      <p:sp>
-        <p:nvSpPr>
-          <p:cNvPr id="3" name="Espace réservé du numéro de diapositive 2"/>
-          <p:cNvSpPr>
-            <a:spLocks noGrp="1"/>
-          </p:cNvSpPr>
-          <p:nvPr>
-            <p:ph type="sldNum" sz="quarter" idx="12"/>
-          </p:nvPr>
-        </p:nvSpPr>
-        <p:spPr/>
-        <p:txBody>
-          <a:bodyPr/>
-          <a:lstStyle/>
-          <a:p>
-            <a:fld id="{D57F1E4F-1CFF-5643-939E-217C01CDF565}" type="slidenum">
-              <a:rPr lang="en-US" smtClean="0"/>
-              <a:pPr/>
-              <a:t>9</a:t>
-            </a:fld>
-            <a:endParaRPr lang="en-US" dirty="0"/>
-          </a:p>
-        </p:txBody>
-      </p:sp>
-      <p:pic>
-        <p:nvPicPr>
-          <p:cNvPr id="9" name="Image 8"/>
-          <p:cNvPicPr>
-            <a:picLocks noChangeAspect="1"/>
-          </p:cNvPicPr>
-          <p:nvPr/>
-        </p:nvPicPr>
-        <p:blipFill>
-          <a:blip r:embed="rId2">
-            <a:extLst>
-              <a:ext uri="{28A0092B-C50C-407E-A947-70E740481C1C}">
-                <a14:useLocalDpi xmlns:a14="http://schemas.microsoft.com/office/drawing/2010/main" val="0"/>
-              </a:ext>
-            </a:extLst>
-          </a:blip>
-          <a:stretch>
-            <a:fillRect/>
-          </a:stretch>
-        </p:blipFill>
-        <p:spPr>
-          <a:xfrm>
-            <a:off x="256616" y="1033153"/>
-            <a:ext cx="6155838" cy="4401205"/>
-          </a:xfrm>
-          <a:prstGeom prst="rect">
-            <a:avLst/>
-          </a:prstGeom>
-        </p:spPr>
-      </p:pic>
-    </p:spTree>
-    <p:extLst>
-      <p:ext uri="{BB962C8B-B14F-4D97-AF65-F5344CB8AC3E}">
-        <p14:creationId xmlns:p14="http://schemas.microsoft.com/office/powerpoint/2010/main" val="672800375"/>
       </p:ext>
     </p:extLst>
   </p:cSld>

--- a/CDC/L_artiste.pptx
+++ b/CDC/L_artiste.pptx
@@ -185,6 +185,47 @@
 </p:presentation>
 </file>
 
+<file path=ppt/commentAuthors.xml><?xml version="1.0" encoding="utf-8"?>
+<p:cmAuthorLst xmlns:a="http://schemas.openxmlformats.org/drawingml/2006/main" xmlns:r="http://schemas.openxmlformats.org/officeDocument/2006/relationships" xmlns:p="http://schemas.openxmlformats.org/presentationml/2006/main">
+  <p:cmAuthor id="1" name="GillesP" initials="G" lastIdx="3" clrIdx="0">
+    <p:extLst>
+      <p:ext uri="{19B8F6BF-5375-455C-9EA6-DF929625EA0E}">
+        <p15:presenceInfo xmlns:p15="http://schemas.microsoft.com/office/powerpoint/2012/main" userId="GillesP" providerId="None"/>
+      </p:ext>
+    </p:extLst>
+  </p:cmAuthor>
+</p:cmAuthorLst>
+</file>
+
+<file path=ppt/comments/comment1.xml><?xml version="1.0" encoding="utf-8"?>
+<p:cmLst xmlns:a="http://schemas.openxmlformats.org/drawingml/2006/main" xmlns:r="http://schemas.openxmlformats.org/officeDocument/2006/relationships" xmlns:p="http://schemas.openxmlformats.org/presentationml/2006/main">
+  <p:cm authorId="1" dt="2023-03-30T14:28:12.908" idx="3">
+    <p:pos x="10" y="10"/>
+    <p:text>Le visiteur doit pouvoir :
+-     Naviguer entre les pages du site
+Déposer un avis sur le dernier tableau
+Agrandir le dernier tableau
+Se rendre sur Facebook
+Effectuer une demande de contact dans un formulaire
+Visualiser les différents tableaux dans la galerie
+L’acteur connexion :
+Se connecte
+Se déconnecte
+L’administrateur quant a lui doit pouvoir :
+Récupère les droits de l’acteur connexion
+Ajouter, supprimer des titres et les tableaux
+Supprimer les avis
+Changer le dernier tableau
+Recevoir les demandes de contact</p:text>
+    <p:extLst>
+      <p:ext uri="{C676402C-5697-4E1C-873F-D02D1690AC5C}">
+        <p15:threadingInfo xmlns:p15="http://schemas.microsoft.com/office/powerpoint/2012/main" timeZoneBias="-120"/>
+      </p:ext>
+    </p:extLst>
+  </p:cm>
+</p:cmLst>
+</file>
+
 <file path=ppt/notesMasters/notesMaster1.xml><?xml version="1.0" encoding="utf-8"?>
 <p:notesMaster xmlns:a="http://schemas.openxmlformats.org/drawingml/2006/main" xmlns:r="http://schemas.openxmlformats.org/officeDocument/2006/relationships" xmlns:p="http://schemas.openxmlformats.org/presentationml/2006/main">
   <p:cSld>
@@ -267,7 +308,7 @@
           <a:p>
             <a:fld id="{CE3F9B10-F744-47E1-871E-98B3AC9B3E4F}" type="datetimeFigureOut">
               <a:rPr lang="fr-FR" smtClean="0"/>
-              <a:t>20/03/2023</a:t>
+              <a:t>30/03/2023</a:t>
             </a:fld>
             <a:endParaRPr lang="fr-FR"/>
           </a:p>
@@ -487,6 +528,320 @@
 </p:notesMaster>
 </file>
 
+<file path=ppt/notesSlides/notesSlide1.xml><?xml version="1.0" encoding="utf-8"?>
+<p:notes xmlns:a="http://schemas.openxmlformats.org/drawingml/2006/main" xmlns:r="http://schemas.openxmlformats.org/officeDocument/2006/relationships" xmlns:p="http://schemas.openxmlformats.org/presentationml/2006/main">
+  <p:cSld>
+    <p:spTree>
+      <p:nvGrpSpPr>
+        <p:cNvPr id="1" name=""/>
+        <p:cNvGrpSpPr/>
+        <p:nvPr/>
+      </p:nvGrpSpPr>
+      <p:grpSpPr>
+        <a:xfrm>
+          <a:off x="0" y="0"/>
+          <a:ext cx="0" cy="0"/>
+          <a:chOff x="0" y="0"/>
+          <a:chExt cx="0" cy="0"/>
+        </a:xfrm>
+      </p:grpSpPr>
+      <p:sp>
+        <p:nvSpPr>
+          <p:cNvPr id="2" name="Espace réservé de l'image des diapositives 1"/>
+          <p:cNvSpPr>
+            <a:spLocks noGrp="1" noRot="1" noChangeAspect="1"/>
+          </p:cNvSpPr>
+          <p:nvPr>
+            <p:ph type="sldImg"/>
+          </p:nvPr>
+        </p:nvSpPr>
+        <p:spPr/>
+      </p:sp>
+      <p:sp>
+        <p:nvSpPr>
+          <p:cNvPr id="3" name="Espace réservé des notes 2"/>
+          <p:cNvSpPr>
+            <a:spLocks noGrp="1"/>
+          </p:cNvSpPr>
+          <p:nvPr>
+            <p:ph type="body" idx="1"/>
+          </p:nvPr>
+        </p:nvSpPr>
+        <p:spPr>
+          <a:xfrm>
+            <a:off x="685800" y="4400550"/>
+            <a:ext cx="5486400" cy="3600450"/>
+          </a:xfrm>
+          <a:prstGeom prst="rect">
+            <a:avLst/>
+          </a:prstGeom>
+        </p:spPr>
+        <p:txBody>
+          <a:bodyPr/>
+          <a:lstStyle/>
+          <a:p>
+            <a:r>
+              <a:rPr lang="fr-FR" sz="1200" dirty="0" smtClean="0">
+                <a:solidFill>
+                  <a:schemeClr val="bg1"/>
+                </a:solidFill>
+              </a:rPr>
+              <a:t>Le visiteur doit pouvoir :</a:t>
+            </a:r>
+          </a:p>
+          <a:p>
+            <a:r>
+              <a:rPr lang="fr-FR" sz="1200" dirty="0" smtClean="0">
+                <a:solidFill>
+                  <a:schemeClr val="bg1"/>
+                </a:solidFill>
+              </a:rPr>
+              <a:t>-     Naviguer entre les pages du site</a:t>
+            </a:r>
+          </a:p>
+          <a:p>
+            <a:pPr marL="285750" indent="-285750">
+              <a:buFontTx/>
+              <a:buChar char="-"/>
+            </a:pPr>
+            <a:r>
+              <a:rPr lang="fr-FR" sz="1200" dirty="0" smtClean="0">
+                <a:solidFill>
+                  <a:schemeClr val="bg1"/>
+                </a:solidFill>
+              </a:rPr>
+              <a:t>Déposer un avis sur le dernier tableau</a:t>
+            </a:r>
+          </a:p>
+          <a:p>
+            <a:pPr marL="285750" indent="-285750">
+              <a:buFontTx/>
+              <a:buChar char="-"/>
+            </a:pPr>
+            <a:r>
+              <a:rPr lang="fr-FR" sz="1200" dirty="0" smtClean="0">
+                <a:solidFill>
+                  <a:schemeClr val="bg1"/>
+                </a:solidFill>
+              </a:rPr>
+              <a:t>Agrandir le dernier tableau</a:t>
+            </a:r>
+          </a:p>
+          <a:p>
+            <a:pPr marL="285750" indent="-285750">
+              <a:buFontTx/>
+              <a:buChar char="-"/>
+            </a:pPr>
+            <a:r>
+              <a:rPr lang="fr-FR" sz="1200" dirty="0" smtClean="0">
+                <a:solidFill>
+                  <a:schemeClr val="bg1"/>
+                </a:solidFill>
+              </a:rPr>
+              <a:t>Se rendre sur Facebook</a:t>
+            </a:r>
+          </a:p>
+          <a:p>
+            <a:pPr marL="285750" indent="-285750">
+              <a:buFontTx/>
+              <a:buChar char="-"/>
+            </a:pPr>
+            <a:r>
+              <a:rPr lang="fr-FR" sz="1200" dirty="0" smtClean="0">
+                <a:solidFill>
+                  <a:schemeClr val="bg1"/>
+                </a:solidFill>
+              </a:rPr>
+              <a:t>Effectuer une demande de contact dans un formulaire</a:t>
+            </a:r>
+          </a:p>
+          <a:p>
+            <a:pPr marL="285750" indent="-285750">
+              <a:buFontTx/>
+              <a:buChar char="-"/>
+            </a:pPr>
+            <a:r>
+              <a:rPr lang="fr-FR" sz="1200" dirty="0" smtClean="0">
+                <a:solidFill>
+                  <a:schemeClr val="bg1"/>
+                </a:solidFill>
+              </a:rPr>
+              <a:t>Visualiser les différents tableaux dans la galerie</a:t>
+            </a:r>
+          </a:p>
+          <a:p>
+            <a:endParaRPr lang="fr-FR" sz="1200" dirty="0" smtClean="0">
+              <a:solidFill>
+                <a:schemeClr val="bg1"/>
+              </a:solidFill>
+            </a:endParaRPr>
+          </a:p>
+          <a:p>
+            <a:r>
+              <a:rPr lang="fr-FR" sz="1200" dirty="0" smtClean="0">
+                <a:solidFill>
+                  <a:schemeClr val="bg1"/>
+                </a:solidFill>
+              </a:rPr>
+              <a:t>L’acteur connexion :</a:t>
+            </a:r>
+          </a:p>
+          <a:p>
+            <a:pPr marL="285750" indent="-285750">
+              <a:buFontTx/>
+              <a:buChar char="-"/>
+            </a:pPr>
+            <a:r>
+              <a:rPr lang="fr-FR" sz="1200" dirty="0" smtClean="0">
+                <a:solidFill>
+                  <a:schemeClr val="bg1"/>
+                </a:solidFill>
+              </a:rPr>
+              <a:t>Se connecte</a:t>
+            </a:r>
+          </a:p>
+          <a:p>
+            <a:pPr marL="285750" indent="-285750">
+              <a:buFontTx/>
+              <a:buChar char="-"/>
+            </a:pPr>
+            <a:r>
+              <a:rPr lang="fr-FR" sz="1200" dirty="0" smtClean="0">
+                <a:solidFill>
+                  <a:schemeClr val="bg1"/>
+                </a:solidFill>
+              </a:rPr>
+              <a:t>Se déconnecte</a:t>
+            </a:r>
+          </a:p>
+          <a:p>
+            <a:endParaRPr lang="fr-FR" sz="1200" dirty="0" smtClean="0">
+              <a:solidFill>
+                <a:schemeClr val="bg1"/>
+              </a:solidFill>
+            </a:endParaRPr>
+          </a:p>
+          <a:p>
+            <a:r>
+              <a:rPr lang="fr-FR" sz="1200" dirty="0" smtClean="0">
+                <a:solidFill>
+                  <a:schemeClr val="bg1"/>
+                </a:solidFill>
+              </a:rPr>
+              <a:t>L’administrateur quant a lui doit pouvoir :</a:t>
+            </a:r>
+          </a:p>
+          <a:p>
+            <a:pPr marL="285750" indent="-285750">
+              <a:buFontTx/>
+              <a:buChar char="-"/>
+            </a:pPr>
+            <a:r>
+              <a:rPr lang="fr-FR" sz="1200" dirty="0" smtClean="0">
+                <a:solidFill>
+                  <a:schemeClr val="bg1"/>
+                </a:solidFill>
+              </a:rPr>
+              <a:t>Récupère les droits de l’acteur connexion</a:t>
+            </a:r>
+          </a:p>
+          <a:p>
+            <a:pPr marL="285750" indent="-285750">
+              <a:buFontTx/>
+              <a:buChar char="-"/>
+            </a:pPr>
+            <a:r>
+              <a:rPr lang="fr-FR" sz="1200" dirty="0" smtClean="0">
+                <a:solidFill>
+                  <a:schemeClr val="bg1"/>
+                </a:solidFill>
+              </a:rPr>
+              <a:t>Ajouter, supprimer des titres et les tableaux</a:t>
+            </a:r>
+          </a:p>
+          <a:p>
+            <a:pPr marL="285750" indent="-285750">
+              <a:buFontTx/>
+              <a:buChar char="-"/>
+            </a:pPr>
+            <a:r>
+              <a:rPr lang="fr-FR" sz="1200" dirty="0" smtClean="0">
+                <a:solidFill>
+                  <a:schemeClr val="bg1"/>
+                </a:solidFill>
+              </a:rPr>
+              <a:t>Supprimer les avis</a:t>
+            </a:r>
+          </a:p>
+          <a:p>
+            <a:pPr marL="285750" indent="-285750">
+              <a:buFontTx/>
+              <a:buChar char="-"/>
+            </a:pPr>
+            <a:r>
+              <a:rPr lang="fr-FR" sz="1200" dirty="0" smtClean="0">
+                <a:solidFill>
+                  <a:schemeClr val="bg1"/>
+                </a:solidFill>
+              </a:rPr>
+              <a:t>Changer le dernier tableau</a:t>
+            </a:r>
+          </a:p>
+          <a:p>
+            <a:pPr marL="285750" indent="-285750">
+              <a:buFontTx/>
+              <a:buChar char="-"/>
+            </a:pPr>
+            <a:r>
+              <a:rPr lang="fr-FR" sz="1200" dirty="0" smtClean="0">
+                <a:solidFill>
+                  <a:schemeClr val="bg1"/>
+                </a:solidFill>
+              </a:rPr>
+              <a:t>Recevoir les demandes de contact</a:t>
+            </a:r>
+          </a:p>
+          <a:p>
+            <a:endParaRPr lang="fr-FR" dirty="0"/>
+          </a:p>
+        </p:txBody>
+      </p:sp>
+      <p:sp>
+        <p:nvSpPr>
+          <p:cNvPr id="4" name="Espace réservé du numéro de diapositive 3"/>
+          <p:cNvSpPr>
+            <a:spLocks noGrp="1"/>
+          </p:cNvSpPr>
+          <p:nvPr>
+            <p:ph type="sldNum" sz="quarter" idx="10"/>
+          </p:nvPr>
+        </p:nvSpPr>
+        <p:spPr/>
+        <p:txBody>
+          <a:bodyPr/>
+          <a:lstStyle/>
+          <a:p>
+            <a:fld id="{76E71219-A99D-471B-86CD-CA487E081E23}" type="slidenum">
+              <a:rPr lang="fr-FR" smtClean="0"/>
+              <a:t>11</a:t>
+            </a:fld>
+            <a:endParaRPr lang="fr-FR"/>
+          </a:p>
+        </p:txBody>
+      </p:sp>
+    </p:spTree>
+    <p:extLst>
+      <p:ext uri="{BB962C8B-B14F-4D97-AF65-F5344CB8AC3E}">
+        <p14:creationId xmlns:p14="http://schemas.microsoft.com/office/powerpoint/2010/main" val="54982272"/>
+      </p:ext>
+    </p:extLst>
+  </p:cSld>
+  <p:clrMapOvr>
+    <a:masterClrMapping/>
+  </p:clrMapOvr>
+</p:notes>
+</file>
+
 <file path=ppt/slideLayouts/slideLayout1.xml><?xml version="1.0" encoding="utf-8"?>
 <p:sldLayout xmlns:a="http://schemas.openxmlformats.org/drawingml/2006/main" xmlns:r="http://schemas.openxmlformats.org/officeDocument/2006/relationships" xmlns:p="http://schemas.openxmlformats.org/presentationml/2006/main" showMasterSp="0" type="title" preserve="1">
   <p:cSld name="Diapositive de titre">
@@ -678,7 +1033,7 @@
           <a:p>
             <a:fld id="{795B0F33-6398-43E2-B783-514E6293E97E}" type="datetime1">
               <a:rPr lang="en-US" smtClean="0"/>
-              <a:t>3/20/2023</a:t>
+              <a:t>3/30/2023</a:t>
             </a:fld>
             <a:endParaRPr lang="en-US" dirty="0"/>
           </a:p>
@@ -1110,7 +1465,7 @@
           <a:p>
             <a:fld id="{270AED2E-2550-4305-AD46-9177EE377B20}" type="datetime1">
               <a:rPr lang="en-US" smtClean="0"/>
-              <a:t>3/20/2023</a:t>
+              <a:t>3/30/2023</a:t>
             </a:fld>
             <a:endParaRPr lang="en-US" dirty="0"/>
           </a:p>
@@ -1356,7 +1711,7 @@
           <a:p>
             <a:fld id="{87A632E5-0FE5-4CA5-98B3-93A5B703C776}" type="datetime1">
               <a:rPr lang="en-US" smtClean="0"/>
-              <a:t>3/20/2023</a:t>
+              <a:t>3/30/2023</a:t>
             </a:fld>
             <a:endParaRPr lang="en-US" dirty="0"/>
           </a:p>
@@ -1660,7 +2015,7 @@
           <a:p>
             <a:fld id="{6563236B-D1A4-4B38-953C-CBE44AAFB604}" type="datetime1">
               <a:rPr lang="en-US" smtClean="0"/>
-              <a:t>3/20/2023</a:t>
+              <a:t>3/30/2023</a:t>
             </a:fld>
             <a:endParaRPr lang="en-US" dirty="0"/>
           </a:p>
@@ -1974,7 +2329,7 @@
           <a:p>
             <a:fld id="{AF12EEA3-159D-4F8A-9B05-5065548C93FE}" type="datetime1">
               <a:rPr lang="en-US" smtClean="0"/>
-              <a:t>3/20/2023</a:t>
+              <a:t>3/30/2023</a:t>
             </a:fld>
             <a:endParaRPr lang="en-US" dirty="0"/>
           </a:p>
@@ -2272,7 +2627,7 @@
           <a:p>
             <a:fld id="{5E6194DB-34B3-434A-9A89-27994F5036D6}" type="datetime1">
               <a:rPr lang="en-US" smtClean="0"/>
-              <a:t>3/20/2023</a:t>
+              <a:t>3/30/2023</a:t>
             </a:fld>
             <a:endParaRPr lang="en-US" dirty="0"/>
           </a:p>
@@ -2635,7 +2990,7 @@
           <a:p>
             <a:fld id="{D86AD7A5-28E1-4605-A305-D41C33CC9287}" type="datetime1">
               <a:rPr lang="en-US" smtClean="0"/>
-              <a:t>3/20/2023</a:t>
+              <a:t>3/30/2023</a:t>
             </a:fld>
             <a:endParaRPr lang="en-US" dirty="0"/>
           </a:p>
@@ -2805,7 +3160,7 @@
           <a:p>
             <a:fld id="{4E07EDF1-E9A2-491C-8826-19CBCA408BE7}" type="datetime1">
               <a:rPr lang="en-US" smtClean="0"/>
-              <a:t>3/20/2023</a:t>
+              <a:t>3/30/2023</a:t>
             </a:fld>
             <a:endParaRPr lang="en-US" dirty="0"/>
           </a:p>
@@ -2981,7 +3336,7 @@
           <a:p>
             <a:fld id="{8D992E7E-E44A-4B25-9BC1-A150740391BE}" type="datetime1">
               <a:rPr lang="en-US" smtClean="0"/>
-              <a:t>3/20/2023</a:t>
+              <a:t>3/30/2023</a:t>
             </a:fld>
             <a:endParaRPr lang="en-US" dirty="0"/>
           </a:p>
@@ -3147,7 +3502,7 @@
           <a:p>
             <a:fld id="{BAA9BD18-2FFD-4FD8-AC2D-AB11B750B8BB}" type="datetime1">
               <a:rPr lang="en-US" smtClean="0"/>
-              <a:t>3/20/2023</a:t>
+              <a:t>3/30/2023</a:t>
             </a:fld>
             <a:endParaRPr lang="en-US" dirty="0"/>
           </a:p>
@@ -3393,7 +3748,7 @@
           <a:p>
             <a:fld id="{501B211B-C5F7-4692-9103-D612D8C54866}" type="datetime1">
               <a:rPr lang="en-US" smtClean="0"/>
-              <a:t>3/20/2023</a:t>
+              <a:t>3/30/2023</a:t>
             </a:fld>
             <a:endParaRPr lang="en-US" dirty="0"/>
           </a:p>
@@ -3625,7 +3980,7 @@
           <a:p>
             <a:fld id="{A79DAFCD-D21F-45E6-8176-EA21AE5EA4A9}" type="datetime1">
               <a:rPr lang="en-US" smtClean="0"/>
-              <a:t>3/20/2023</a:t>
+              <a:t>3/30/2023</a:t>
             </a:fld>
             <a:endParaRPr lang="en-US" dirty="0"/>
           </a:p>
@@ -4003,7 +4358,7 @@
           <a:p>
             <a:fld id="{0678A836-37FA-43B4-8622-D2D43F13CF23}" type="datetime1">
               <a:rPr lang="en-US" smtClean="0"/>
-              <a:t>3/20/2023</a:t>
+              <a:t>3/30/2023</a:t>
             </a:fld>
             <a:endParaRPr lang="en-US" dirty="0"/>
           </a:p>
@@ -4117,7 +4472,7 @@
           <a:p>
             <a:fld id="{30C44C70-21C1-4E34-A740-6CA8CED8D3F7}" type="datetime1">
               <a:rPr lang="en-US" smtClean="0"/>
-              <a:t>3/20/2023</a:t>
+              <a:t>3/30/2023</a:t>
             </a:fld>
             <a:endParaRPr lang="en-US" dirty="0"/>
           </a:p>
@@ -4208,7 +4563,7 @@
           <a:p>
             <a:fld id="{0EDB3C2B-4C1D-416C-BC4D-A42C653629FD}" type="datetime1">
               <a:rPr lang="en-US" smtClean="0"/>
-              <a:t>3/20/2023</a:t>
+              <a:t>3/30/2023</a:t>
             </a:fld>
             <a:endParaRPr lang="en-US" dirty="0"/>
           </a:p>
@@ -4459,7 +4814,7 @@
           <a:p>
             <a:fld id="{08BA71F5-3ED0-4982-B390-04A96C5F3C52}" type="datetime1">
               <a:rPr lang="en-US" smtClean="0"/>
-              <a:t>3/20/2023</a:t>
+              <a:t>3/30/2023</a:t>
             </a:fld>
             <a:endParaRPr lang="en-US" dirty="0"/>
           </a:p>
@@ -4738,7 +5093,7 @@
           <a:p>
             <a:fld id="{0F6B8777-FBF0-4ACB-90E3-60548ABBEE49}" type="datetime1">
               <a:rPr lang="en-US" smtClean="0"/>
-              <a:t>3/20/2023</a:t>
+              <a:t>3/30/2023</a:t>
             </a:fld>
             <a:endParaRPr lang="en-US" dirty="0"/>
           </a:p>
@@ -5140,7 +5495,7 @@
           <a:p>
             <a:fld id="{AE768BA4-DD45-41F2-A6B6-61791039AE84}" type="datetime1">
               <a:rPr lang="en-US" smtClean="0"/>
-              <a:t>3/20/2023</a:t>
+              <a:t>3/30/2023</a:t>
             </a:fld>
             <a:endParaRPr lang="en-US" dirty="0"/>
           </a:p>
@@ -6116,6 +6471,13 @@
   <p:clrMapOvr>
     <a:masterClrMapping/>
   </p:clrMapOvr>
+  <p:timing>
+    <p:tnLst>
+      <p:par>
+        <p:cTn id="1" dur="indefinite" restart="never" nodeType="tmRoot"/>
+      </p:par>
+    </p:tnLst>
+  </p:timing>
 </p:sld>
 </file>
 
@@ -6406,20 +6768,12 @@
               <a:buChar char="-"/>
             </a:pPr>
             <a:r>
-              <a:rPr lang="fr-FR" sz="1400">
+              <a:rPr lang="fr-FR" sz="1400" dirty="0">
                 <a:solidFill>
                   <a:schemeClr val="bg1"/>
                 </a:solidFill>
               </a:rPr>
-              <a:t>Récupère </a:t>
-            </a:r>
-            <a:r>
-              <a:rPr lang="fr-FR" sz="1400" dirty="0">
-                <a:solidFill>
-                  <a:schemeClr val="bg1"/>
-                </a:solidFill>
-              </a:rPr>
-              <a:t>les droits de l’acteur connexion</a:t>
+              <a:t>Récupère les droits de l’acteur connexion</a:t>
             </a:r>
           </a:p>
           <a:p>
@@ -6513,7 +6867,7 @@
           <p:nvPr/>
         </p:nvPicPr>
         <p:blipFill>
-          <a:blip r:embed="rId2">
+          <a:blip r:embed="rId3">
             <a:extLst>
               <a:ext uri="{28A0092B-C50C-407E-A947-70E740481C1C}">
                 <a14:useLocalDpi xmlns:a14="http://schemas.microsoft.com/office/drawing/2010/main" val="0"/>
@@ -6544,6 +6898,13 @@
   <p:clrMapOvr>
     <a:masterClrMapping/>
   </p:clrMapOvr>
+  <p:timing>
+    <p:tnLst>
+      <p:par>
+        <p:cTn id="1" dur="indefinite" restart="never" nodeType="tmRoot"/>
+      </p:par>
+    </p:tnLst>
+  </p:timing>
 </p:sld>
 </file>
 
@@ -6753,6 +7114,13 @@
   <p:clrMapOvr>
     <a:masterClrMapping/>
   </p:clrMapOvr>
+  <p:timing>
+    <p:tnLst>
+      <p:par>
+        <p:cTn id="1" dur="indefinite" restart="never" nodeType="tmRoot"/>
+      </p:par>
+    </p:tnLst>
+  </p:timing>
 </p:sld>
 </file>
 
@@ -6936,6 +7304,13 @@
   <p:clrMapOvr>
     <a:masterClrMapping/>
   </p:clrMapOvr>
+  <p:timing>
+    <p:tnLst>
+      <p:par>
+        <p:cTn id="1" dur="indefinite" restart="never" nodeType="tmRoot"/>
+      </p:par>
+    </p:tnLst>
+  </p:timing>
 </p:sld>
 </file>
 
@@ -7114,6 +7489,13 @@
   <p:clrMapOvr>
     <a:masterClrMapping/>
   </p:clrMapOvr>
+  <p:timing>
+    <p:tnLst>
+      <p:par>
+        <p:cTn id="1" dur="indefinite" restart="never" nodeType="tmRoot"/>
+      </p:par>
+    </p:tnLst>
+  </p:timing>
 </p:sld>
 </file>
 
@@ -7238,6 +7620,13 @@
   <p:clrMapOvr>
     <a:masterClrMapping/>
   </p:clrMapOvr>
+  <p:timing>
+    <p:tnLst>
+      <p:par>
+        <p:cTn id="1" dur="indefinite" restart="never" nodeType="tmRoot"/>
+      </p:par>
+    </p:tnLst>
+  </p:timing>
 </p:sld>
 </file>
 
@@ -7644,6 +8033,13 @@
   <p:clrMapOvr>
     <a:masterClrMapping/>
   </p:clrMapOvr>
+  <p:timing>
+    <p:tnLst>
+      <p:par>
+        <p:cTn id="1" dur="indefinite" restart="never" nodeType="tmRoot"/>
+      </p:par>
+    </p:tnLst>
+  </p:timing>
 </p:sld>
 </file>
 
@@ -7805,6 +8201,13 @@
   <p:clrMapOvr>
     <a:masterClrMapping/>
   </p:clrMapOvr>
+  <p:timing>
+    <p:tnLst>
+      <p:par>
+        <p:cTn id="1" dur="indefinite" restart="never" nodeType="tmRoot"/>
+      </p:par>
+    </p:tnLst>
+  </p:timing>
 </p:sld>
 </file>
 
@@ -7928,6 +8331,13 @@
   <p:clrMapOvr>
     <a:masterClrMapping/>
   </p:clrMapOvr>
+  <p:timing>
+    <p:tnLst>
+      <p:par>
+        <p:cTn id="1" dur="indefinite" restart="never" nodeType="tmRoot"/>
+      </p:par>
+    </p:tnLst>
+  </p:timing>
 </p:sld>
 </file>
 
@@ -8051,6 +8461,13 @@
   <p:clrMapOvr>
     <a:masterClrMapping/>
   </p:clrMapOvr>
+  <p:timing>
+    <p:tnLst>
+      <p:par>
+        <p:cTn id="1" dur="indefinite" restart="never" nodeType="tmRoot"/>
+      </p:par>
+    </p:tnLst>
+  </p:timing>
 </p:sld>
 </file>
 
@@ -8238,6 +8655,13 @@
   <p:clrMapOvr>
     <a:masterClrMapping/>
   </p:clrMapOvr>
+  <p:timing>
+    <p:tnLst>
+      <p:par>
+        <p:cTn id="1" dur="indefinite" restart="never" nodeType="tmRoot"/>
+      </p:par>
+    </p:tnLst>
+  </p:timing>
 </p:sld>
 </file>
 
@@ -8377,6 +8801,13 @@
   <p:clrMapOvr>
     <a:masterClrMapping/>
   </p:clrMapOvr>
+  <p:timing>
+    <p:tnLst>
+      <p:par>
+        <p:cTn id="1" dur="indefinite" restart="never" nodeType="tmRoot"/>
+      </p:par>
+    </p:tnLst>
+  </p:timing>
 </p:sld>
 </file>
 
@@ -8508,6 +8939,13 @@
   <p:clrMapOvr>
     <a:masterClrMapping/>
   </p:clrMapOvr>
+  <p:timing>
+    <p:tnLst>
+      <p:par>
+        <p:cTn id="1" dur="indefinite" restart="never" nodeType="tmRoot"/>
+      </p:par>
+    </p:tnLst>
+  </p:timing>
 </p:sld>
 </file>
 
@@ -8639,6 +9077,13 @@
   <p:clrMapOvr>
     <a:masterClrMapping/>
   </p:clrMapOvr>
+  <p:timing>
+    <p:tnLst>
+      <p:par>
+        <p:cTn id="1" dur="indefinite" restart="never" nodeType="tmRoot"/>
+      </p:par>
+    </p:tnLst>
+  </p:timing>
 </p:sld>
 </file>
 
@@ -8776,6 +9221,13 @@
   <p:clrMapOvr>
     <a:masterClrMapping/>
   </p:clrMapOvr>
+  <p:timing>
+    <p:tnLst>
+      <p:par>
+        <p:cTn id="1" dur="indefinite" restart="never" nodeType="tmRoot"/>
+      </p:par>
+    </p:tnLst>
+  </p:timing>
 </p:sld>
 </file>
 
@@ -8916,6 +9368,13 @@
   <p:clrMapOvr>
     <a:masterClrMapping/>
   </p:clrMapOvr>
+  <p:timing>
+    <p:tnLst>
+      <p:par>
+        <p:cTn id="1" dur="indefinite" restart="never" nodeType="tmRoot"/>
+      </p:par>
+    </p:tnLst>
+  </p:timing>
 </p:sld>
 </file>
 
@@ -9056,6 +9515,13 @@
   <p:clrMapOvr>
     <a:masterClrMapping/>
   </p:clrMapOvr>
+  <p:timing>
+    <p:tnLst>
+      <p:par>
+        <p:cTn id="1" dur="indefinite" restart="never" nodeType="tmRoot"/>
+      </p:par>
+    </p:tnLst>
+  </p:timing>
 </p:sld>
 </file>
 
@@ -9284,6 +9750,13 @@
   <p:clrMapOvr>
     <a:masterClrMapping/>
   </p:clrMapOvr>
+  <p:timing>
+    <p:tnLst>
+      <p:par>
+        <p:cTn id="1" dur="indefinite" restart="never" nodeType="tmRoot"/>
+      </p:par>
+    </p:tnLst>
+  </p:timing>
 </p:sld>
 </file>
 
@@ -9510,6 +9983,13 @@
   <p:clrMapOvr>
     <a:masterClrMapping/>
   </p:clrMapOvr>
+  <p:timing>
+    <p:tnLst>
+      <p:par>
+        <p:cTn id="1" dur="indefinite" restart="never" nodeType="tmRoot"/>
+      </p:par>
+    </p:tnLst>
+  </p:timing>
 </p:sld>
 </file>
 
@@ -9710,6 +10190,13 @@
   <p:clrMapOvr>
     <a:masterClrMapping/>
   </p:clrMapOvr>
+  <p:timing>
+    <p:tnLst>
+      <p:par>
+        <p:cTn id="1" dur="indefinite" restart="never" nodeType="tmRoot"/>
+      </p:par>
+    </p:tnLst>
+  </p:timing>
 </p:sld>
 </file>
 
@@ -9941,6 +10428,13 @@
   <p:clrMapOvr>
     <a:masterClrMapping/>
   </p:clrMapOvr>
+  <p:timing>
+    <p:tnLst>
+      <p:par>
+        <p:cTn id="1" dur="indefinite" restart="never" nodeType="tmRoot"/>
+      </p:par>
+    </p:tnLst>
+  </p:timing>
 </p:sld>
 </file>
 
@@ -10133,6 +10627,13 @@
   <p:clrMapOvr>
     <a:masterClrMapping/>
   </p:clrMapOvr>
+  <p:timing>
+    <p:tnLst>
+      <p:par>
+        <p:cTn id="1" dur="indefinite" restart="never" nodeType="tmRoot"/>
+      </p:par>
+    </p:tnLst>
+  </p:timing>
 </p:sld>
 </file>
 
@@ -10248,6 +10749,13 @@
   <p:clrMapOvr>
     <a:masterClrMapping/>
   </p:clrMapOvr>
+  <p:timing>
+    <p:tnLst>
+      <p:par>
+        <p:cTn id="1" dur="indefinite" restart="never" nodeType="tmRoot"/>
+      </p:par>
+    </p:tnLst>
+  </p:timing>
 </p:sld>
 </file>
 
@@ -12124,6 +12632,13 @@
   <p:clrMapOvr>
     <a:masterClrMapping/>
   </p:clrMapOvr>
+  <p:timing>
+    <p:tnLst>
+      <p:par>
+        <p:cTn id="1" dur="indefinite" restart="never" nodeType="tmRoot"/>
+      </p:par>
+    </p:tnLst>
+  </p:timing>
 </p:sld>
 </file>
 
@@ -12446,6 +12961,13 @@
   <p:clrMapOvr>
     <a:masterClrMapping/>
   </p:clrMapOvr>
+  <p:timing>
+    <p:tnLst>
+      <p:par>
+        <p:cTn id="1" dur="indefinite" restart="never" nodeType="tmRoot"/>
+      </p:par>
+    </p:tnLst>
+  </p:timing>
 </p:sld>
 </file>
 
@@ -13158,6 +13680,13 @@
   <p:clrMapOvr>
     <a:masterClrMapping/>
   </p:clrMapOvr>
+  <p:timing>
+    <p:tnLst>
+      <p:par>
+        <p:cTn id="1" dur="indefinite" restart="never" nodeType="tmRoot"/>
+      </p:par>
+    </p:tnLst>
+  </p:timing>
 </p:sld>
 </file>
 
@@ -13346,6 +13875,13 @@
   <p:clrMapOvr>
     <a:masterClrMapping/>
   </p:clrMapOvr>
+  <p:timing>
+    <p:tnLst>
+      <p:par>
+        <p:cTn id="1" dur="indefinite" restart="never" nodeType="tmRoot"/>
+      </p:par>
+    </p:tnLst>
+  </p:timing>
 </p:sld>
 </file>
 
@@ -13525,6 +14061,13 @@
   <p:clrMapOvr>
     <a:masterClrMapping/>
   </p:clrMapOvr>
+  <p:timing>
+    <p:tnLst>
+      <p:par>
+        <p:cTn id="1" dur="indefinite" restart="never" nodeType="tmRoot"/>
+      </p:par>
+    </p:tnLst>
+  </p:timing>
 </p:sld>
 </file>
 

--- a/CDC/L_artiste.pptx
+++ b/CDC/L_artiste.pptx
@@ -185,47 +185,6 @@
 </p:presentation>
 </file>
 
-<file path=ppt/commentAuthors.xml><?xml version="1.0" encoding="utf-8"?>
-<p:cmAuthorLst xmlns:a="http://schemas.openxmlformats.org/drawingml/2006/main" xmlns:r="http://schemas.openxmlformats.org/officeDocument/2006/relationships" xmlns:p="http://schemas.openxmlformats.org/presentationml/2006/main">
-  <p:cmAuthor id="1" name="GillesP" initials="G" lastIdx="3" clrIdx="0">
-    <p:extLst>
-      <p:ext uri="{19B8F6BF-5375-455C-9EA6-DF929625EA0E}">
-        <p15:presenceInfo xmlns:p15="http://schemas.microsoft.com/office/powerpoint/2012/main" userId="GillesP" providerId="None"/>
-      </p:ext>
-    </p:extLst>
-  </p:cmAuthor>
-</p:cmAuthorLst>
-</file>
-
-<file path=ppt/comments/comment1.xml><?xml version="1.0" encoding="utf-8"?>
-<p:cmLst xmlns:a="http://schemas.openxmlformats.org/drawingml/2006/main" xmlns:r="http://schemas.openxmlformats.org/officeDocument/2006/relationships" xmlns:p="http://schemas.openxmlformats.org/presentationml/2006/main">
-  <p:cm authorId="1" dt="2023-03-30T14:28:12.908" idx="3">
-    <p:pos x="10" y="10"/>
-    <p:text>Le visiteur doit pouvoir :
--     Naviguer entre les pages du site
-Déposer un avis sur le dernier tableau
-Agrandir le dernier tableau
-Se rendre sur Facebook
-Effectuer une demande de contact dans un formulaire
-Visualiser les différents tableaux dans la galerie
-L’acteur connexion :
-Se connecte
-Se déconnecte
-L’administrateur quant a lui doit pouvoir :
-Récupère les droits de l’acteur connexion
-Ajouter, supprimer des titres et les tableaux
-Supprimer les avis
-Changer le dernier tableau
-Recevoir les demandes de contact</p:text>
-    <p:extLst>
-      <p:ext uri="{C676402C-5697-4E1C-873F-D02D1690AC5C}">
-        <p15:threadingInfo xmlns:p15="http://schemas.microsoft.com/office/powerpoint/2012/main" timeZoneBias="-120"/>
-      </p:ext>
-    </p:extLst>
-  </p:cm>
-</p:cmLst>
-</file>
-
 <file path=ppt/notesMasters/notesMaster1.xml><?xml version="1.0" encoding="utf-8"?>
 <p:notesMaster xmlns:a="http://schemas.openxmlformats.org/drawingml/2006/main" xmlns:r="http://schemas.openxmlformats.org/officeDocument/2006/relationships" xmlns:p="http://schemas.openxmlformats.org/presentationml/2006/main">
   <p:cSld>
@@ -308,7 +267,7 @@
           <a:p>
             <a:fld id="{CE3F9B10-F744-47E1-871E-98B3AC9B3E4F}" type="datetimeFigureOut">
               <a:rPr lang="fr-FR" smtClean="0"/>
-              <a:t>30/03/2023</a:t>
+              <a:t>20/03/2023</a:t>
             </a:fld>
             <a:endParaRPr lang="fr-FR"/>
           </a:p>
@@ -528,320 +487,6 @@
 </p:notesMaster>
 </file>
 
-<file path=ppt/notesSlides/notesSlide1.xml><?xml version="1.0" encoding="utf-8"?>
-<p:notes xmlns:a="http://schemas.openxmlformats.org/drawingml/2006/main" xmlns:r="http://schemas.openxmlformats.org/officeDocument/2006/relationships" xmlns:p="http://schemas.openxmlformats.org/presentationml/2006/main">
-  <p:cSld>
-    <p:spTree>
-      <p:nvGrpSpPr>
-        <p:cNvPr id="1" name=""/>
-        <p:cNvGrpSpPr/>
-        <p:nvPr/>
-      </p:nvGrpSpPr>
-      <p:grpSpPr>
-        <a:xfrm>
-          <a:off x="0" y="0"/>
-          <a:ext cx="0" cy="0"/>
-          <a:chOff x="0" y="0"/>
-          <a:chExt cx="0" cy="0"/>
-        </a:xfrm>
-      </p:grpSpPr>
-      <p:sp>
-        <p:nvSpPr>
-          <p:cNvPr id="2" name="Espace réservé de l'image des diapositives 1"/>
-          <p:cNvSpPr>
-            <a:spLocks noGrp="1" noRot="1" noChangeAspect="1"/>
-          </p:cNvSpPr>
-          <p:nvPr>
-            <p:ph type="sldImg"/>
-          </p:nvPr>
-        </p:nvSpPr>
-        <p:spPr/>
-      </p:sp>
-      <p:sp>
-        <p:nvSpPr>
-          <p:cNvPr id="3" name="Espace réservé des notes 2"/>
-          <p:cNvSpPr>
-            <a:spLocks noGrp="1"/>
-          </p:cNvSpPr>
-          <p:nvPr>
-            <p:ph type="body" idx="1"/>
-          </p:nvPr>
-        </p:nvSpPr>
-        <p:spPr>
-          <a:xfrm>
-            <a:off x="685800" y="4400550"/>
-            <a:ext cx="5486400" cy="3600450"/>
-          </a:xfrm>
-          <a:prstGeom prst="rect">
-            <a:avLst/>
-          </a:prstGeom>
-        </p:spPr>
-        <p:txBody>
-          <a:bodyPr/>
-          <a:lstStyle/>
-          <a:p>
-            <a:r>
-              <a:rPr lang="fr-FR" sz="1200" dirty="0" smtClean="0">
-                <a:solidFill>
-                  <a:schemeClr val="bg1"/>
-                </a:solidFill>
-              </a:rPr>
-              <a:t>Le visiteur doit pouvoir :</a:t>
-            </a:r>
-          </a:p>
-          <a:p>
-            <a:r>
-              <a:rPr lang="fr-FR" sz="1200" dirty="0" smtClean="0">
-                <a:solidFill>
-                  <a:schemeClr val="bg1"/>
-                </a:solidFill>
-              </a:rPr>
-              <a:t>-     Naviguer entre les pages du site</a:t>
-            </a:r>
-          </a:p>
-          <a:p>
-            <a:pPr marL="285750" indent="-285750">
-              <a:buFontTx/>
-              <a:buChar char="-"/>
-            </a:pPr>
-            <a:r>
-              <a:rPr lang="fr-FR" sz="1200" dirty="0" smtClean="0">
-                <a:solidFill>
-                  <a:schemeClr val="bg1"/>
-                </a:solidFill>
-              </a:rPr>
-              <a:t>Déposer un avis sur le dernier tableau</a:t>
-            </a:r>
-          </a:p>
-          <a:p>
-            <a:pPr marL="285750" indent="-285750">
-              <a:buFontTx/>
-              <a:buChar char="-"/>
-            </a:pPr>
-            <a:r>
-              <a:rPr lang="fr-FR" sz="1200" dirty="0" smtClean="0">
-                <a:solidFill>
-                  <a:schemeClr val="bg1"/>
-                </a:solidFill>
-              </a:rPr>
-              <a:t>Agrandir le dernier tableau</a:t>
-            </a:r>
-          </a:p>
-          <a:p>
-            <a:pPr marL="285750" indent="-285750">
-              <a:buFontTx/>
-              <a:buChar char="-"/>
-            </a:pPr>
-            <a:r>
-              <a:rPr lang="fr-FR" sz="1200" dirty="0" smtClean="0">
-                <a:solidFill>
-                  <a:schemeClr val="bg1"/>
-                </a:solidFill>
-              </a:rPr>
-              <a:t>Se rendre sur Facebook</a:t>
-            </a:r>
-          </a:p>
-          <a:p>
-            <a:pPr marL="285750" indent="-285750">
-              <a:buFontTx/>
-              <a:buChar char="-"/>
-            </a:pPr>
-            <a:r>
-              <a:rPr lang="fr-FR" sz="1200" dirty="0" smtClean="0">
-                <a:solidFill>
-                  <a:schemeClr val="bg1"/>
-                </a:solidFill>
-              </a:rPr>
-              <a:t>Effectuer une demande de contact dans un formulaire</a:t>
-            </a:r>
-          </a:p>
-          <a:p>
-            <a:pPr marL="285750" indent="-285750">
-              <a:buFontTx/>
-              <a:buChar char="-"/>
-            </a:pPr>
-            <a:r>
-              <a:rPr lang="fr-FR" sz="1200" dirty="0" smtClean="0">
-                <a:solidFill>
-                  <a:schemeClr val="bg1"/>
-                </a:solidFill>
-              </a:rPr>
-              <a:t>Visualiser les différents tableaux dans la galerie</a:t>
-            </a:r>
-          </a:p>
-          <a:p>
-            <a:endParaRPr lang="fr-FR" sz="1200" dirty="0" smtClean="0">
-              <a:solidFill>
-                <a:schemeClr val="bg1"/>
-              </a:solidFill>
-            </a:endParaRPr>
-          </a:p>
-          <a:p>
-            <a:r>
-              <a:rPr lang="fr-FR" sz="1200" dirty="0" smtClean="0">
-                <a:solidFill>
-                  <a:schemeClr val="bg1"/>
-                </a:solidFill>
-              </a:rPr>
-              <a:t>L’acteur connexion :</a:t>
-            </a:r>
-          </a:p>
-          <a:p>
-            <a:pPr marL="285750" indent="-285750">
-              <a:buFontTx/>
-              <a:buChar char="-"/>
-            </a:pPr>
-            <a:r>
-              <a:rPr lang="fr-FR" sz="1200" dirty="0" smtClean="0">
-                <a:solidFill>
-                  <a:schemeClr val="bg1"/>
-                </a:solidFill>
-              </a:rPr>
-              <a:t>Se connecte</a:t>
-            </a:r>
-          </a:p>
-          <a:p>
-            <a:pPr marL="285750" indent="-285750">
-              <a:buFontTx/>
-              <a:buChar char="-"/>
-            </a:pPr>
-            <a:r>
-              <a:rPr lang="fr-FR" sz="1200" dirty="0" smtClean="0">
-                <a:solidFill>
-                  <a:schemeClr val="bg1"/>
-                </a:solidFill>
-              </a:rPr>
-              <a:t>Se déconnecte</a:t>
-            </a:r>
-          </a:p>
-          <a:p>
-            <a:endParaRPr lang="fr-FR" sz="1200" dirty="0" smtClean="0">
-              <a:solidFill>
-                <a:schemeClr val="bg1"/>
-              </a:solidFill>
-            </a:endParaRPr>
-          </a:p>
-          <a:p>
-            <a:r>
-              <a:rPr lang="fr-FR" sz="1200" dirty="0" smtClean="0">
-                <a:solidFill>
-                  <a:schemeClr val="bg1"/>
-                </a:solidFill>
-              </a:rPr>
-              <a:t>L’administrateur quant a lui doit pouvoir :</a:t>
-            </a:r>
-          </a:p>
-          <a:p>
-            <a:pPr marL="285750" indent="-285750">
-              <a:buFontTx/>
-              <a:buChar char="-"/>
-            </a:pPr>
-            <a:r>
-              <a:rPr lang="fr-FR" sz="1200" dirty="0" smtClean="0">
-                <a:solidFill>
-                  <a:schemeClr val="bg1"/>
-                </a:solidFill>
-              </a:rPr>
-              <a:t>Récupère les droits de l’acteur connexion</a:t>
-            </a:r>
-          </a:p>
-          <a:p>
-            <a:pPr marL="285750" indent="-285750">
-              <a:buFontTx/>
-              <a:buChar char="-"/>
-            </a:pPr>
-            <a:r>
-              <a:rPr lang="fr-FR" sz="1200" dirty="0" smtClean="0">
-                <a:solidFill>
-                  <a:schemeClr val="bg1"/>
-                </a:solidFill>
-              </a:rPr>
-              <a:t>Ajouter, supprimer des titres et les tableaux</a:t>
-            </a:r>
-          </a:p>
-          <a:p>
-            <a:pPr marL="285750" indent="-285750">
-              <a:buFontTx/>
-              <a:buChar char="-"/>
-            </a:pPr>
-            <a:r>
-              <a:rPr lang="fr-FR" sz="1200" dirty="0" smtClean="0">
-                <a:solidFill>
-                  <a:schemeClr val="bg1"/>
-                </a:solidFill>
-              </a:rPr>
-              <a:t>Supprimer les avis</a:t>
-            </a:r>
-          </a:p>
-          <a:p>
-            <a:pPr marL="285750" indent="-285750">
-              <a:buFontTx/>
-              <a:buChar char="-"/>
-            </a:pPr>
-            <a:r>
-              <a:rPr lang="fr-FR" sz="1200" dirty="0" smtClean="0">
-                <a:solidFill>
-                  <a:schemeClr val="bg1"/>
-                </a:solidFill>
-              </a:rPr>
-              <a:t>Changer le dernier tableau</a:t>
-            </a:r>
-          </a:p>
-          <a:p>
-            <a:pPr marL="285750" indent="-285750">
-              <a:buFontTx/>
-              <a:buChar char="-"/>
-            </a:pPr>
-            <a:r>
-              <a:rPr lang="fr-FR" sz="1200" dirty="0" smtClean="0">
-                <a:solidFill>
-                  <a:schemeClr val="bg1"/>
-                </a:solidFill>
-              </a:rPr>
-              <a:t>Recevoir les demandes de contact</a:t>
-            </a:r>
-          </a:p>
-          <a:p>
-            <a:endParaRPr lang="fr-FR" dirty="0"/>
-          </a:p>
-        </p:txBody>
-      </p:sp>
-      <p:sp>
-        <p:nvSpPr>
-          <p:cNvPr id="4" name="Espace réservé du numéro de diapositive 3"/>
-          <p:cNvSpPr>
-            <a:spLocks noGrp="1"/>
-          </p:cNvSpPr>
-          <p:nvPr>
-            <p:ph type="sldNum" sz="quarter" idx="10"/>
-          </p:nvPr>
-        </p:nvSpPr>
-        <p:spPr/>
-        <p:txBody>
-          <a:bodyPr/>
-          <a:lstStyle/>
-          <a:p>
-            <a:fld id="{76E71219-A99D-471B-86CD-CA487E081E23}" type="slidenum">
-              <a:rPr lang="fr-FR" smtClean="0"/>
-              <a:t>11</a:t>
-            </a:fld>
-            <a:endParaRPr lang="fr-FR"/>
-          </a:p>
-        </p:txBody>
-      </p:sp>
-    </p:spTree>
-    <p:extLst>
-      <p:ext uri="{BB962C8B-B14F-4D97-AF65-F5344CB8AC3E}">
-        <p14:creationId xmlns:p14="http://schemas.microsoft.com/office/powerpoint/2010/main" val="54982272"/>
-      </p:ext>
-    </p:extLst>
-  </p:cSld>
-  <p:clrMapOvr>
-    <a:masterClrMapping/>
-  </p:clrMapOvr>
-</p:notes>
-</file>
-
 <file path=ppt/slideLayouts/slideLayout1.xml><?xml version="1.0" encoding="utf-8"?>
 <p:sldLayout xmlns:a="http://schemas.openxmlformats.org/drawingml/2006/main" xmlns:r="http://schemas.openxmlformats.org/officeDocument/2006/relationships" xmlns:p="http://schemas.openxmlformats.org/presentationml/2006/main" showMasterSp="0" type="title" preserve="1">
   <p:cSld name="Diapositive de titre">
@@ -1033,7 +678,7 @@
           <a:p>
             <a:fld id="{795B0F33-6398-43E2-B783-514E6293E97E}" type="datetime1">
               <a:rPr lang="en-US" smtClean="0"/>
-              <a:t>3/30/2023</a:t>
+              <a:t>3/20/2023</a:t>
             </a:fld>
             <a:endParaRPr lang="en-US" dirty="0"/>
           </a:p>
@@ -1465,7 +1110,7 @@
           <a:p>
             <a:fld id="{270AED2E-2550-4305-AD46-9177EE377B20}" type="datetime1">
               <a:rPr lang="en-US" smtClean="0"/>
-              <a:t>3/30/2023</a:t>
+              <a:t>3/20/2023</a:t>
             </a:fld>
             <a:endParaRPr lang="en-US" dirty="0"/>
           </a:p>
@@ -1711,7 +1356,7 @@
           <a:p>
             <a:fld id="{87A632E5-0FE5-4CA5-98B3-93A5B703C776}" type="datetime1">
               <a:rPr lang="en-US" smtClean="0"/>
-              <a:t>3/30/2023</a:t>
+              <a:t>3/20/2023</a:t>
             </a:fld>
             <a:endParaRPr lang="en-US" dirty="0"/>
           </a:p>
@@ -2015,7 +1660,7 @@
           <a:p>
             <a:fld id="{6563236B-D1A4-4B38-953C-CBE44AAFB604}" type="datetime1">
               <a:rPr lang="en-US" smtClean="0"/>
-              <a:t>3/30/2023</a:t>
+              <a:t>3/20/2023</a:t>
             </a:fld>
             <a:endParaRPr lang="en-US" dirty="0"/>
           </a:p>
@@ -2329,7 +1974,7 @@
           <a:p>
             <a:fld id="{AF12EEA3-159D-4F8A-9B05-5065548C93FE}" type="datetime1">
               <a:rPr lang="en-US" smtClean="0"/>
-              <a:t>3/30/2023</a:t>
+              <a:t>3/20/2023</a:t>
             </a:fld>
             <a:endParaRPr lang="en-US" dirty="0"/>
           </a:p>
@@ -2627,7 +2272,7 @@
           <a:p>
             <a:fld id="{5E6194DB-34B3-434A-9A89-27994F5036D6}" type="datetime1">
               <a:rPr lang="en-US" smtClean="0"/>
-              <a:t>3/30/2023</a:t>
+              <a:t>3/20/2023</a:t>
             </a:fld>
             <a:endParaRPr lang="en-US" dirty="0"/>
           </a:p>
@@ -2990,7 +2635,7 @@
           <a:p>
             <a:fld id="{D86AD7A5-28E1-4605-A305-D41C33CC9287}" type="datetime1">
               <a:rPr lang="en-US" smtClean="0"/>
-              <a:t>3/30/2023</a:t>
+              <a:t>3/20/2023</a:t>
             </a:fld>
             <a:endParaRPr lang="en-US" dirty="0"/>
           </a:p>
@@ -3160,7 +2805,7 @@
           <a:p>
             <a:fld id="{4E07EDF1-E9A2-491C-8826-19CBCA408BE7}" type="datetime1">
               <a:rPr lang="en-US" smtClean="0"/>
-              <a:t>3/30/2023</a:t>
+              <a:t>3/20/2023</a:t>
             </a:fld>
             <a:endParaRPr lang="en-US" dirty="0"/>
           </a:p>
@@ -3336,7 +2981,7 @@
           <a:p>
             <a:fld id="{8D992E7E-E44A-4B25-9BC1-A150740391BE}" type="datetime1">
               <a:rPr lang="en-US" smtClean="0"/>
-              <a:t>3/30/2023</a:t>
+              <a:t>3/20/2023</a:t>
             </a:fld>
             <a:endParaRPr lang="en-US" dirty="0"/>
           </a:p>
@@ -3502,7 +3147,7 @@
           <a:p>
             <a:fld id="{BAA9BD18-2FFD-4FD8-AC2D-AB11B750B8BB}" type="datetime1">
               <a:rPr lang="en-US" smtClean="0"/>
-              <a:t>3/30/2023</a:t>
+              <a:t>3/20/2023</a:t>
             </a:fld>
             <a:endParaRPr lang="en-US" dirty="0"/>
           </a:p>
@@ -3748,7 +3393,7 @@
           <a:p>
             <a:fld id="{501B211B-C5F7-4692-9103-D612D8C54866}" type="datetime1">
               <a:rPr lang="en-US" smtClean="0"/>
-              <a:t>3/30/2023</a:t>
+              <a:t>3/20/2023</a:t>
             </a:fld>
             <a:endParaRPr lang="en-US" dirty="0"/>
           </a:p>
@@ -3980,7 +3625,7 @@
           <a:p>
             <a:fld id="{A79DAFCD-D21F-45E6-8176-EA21AE5EA4A9}" type="datetime1">
               <a:rPr lang="en-US" smtClean="0"/>
-              <a:t>3/30/2023</a:t>
+              <a:t>3/20/2023</a:t>
             </a:fld>
             <a:endParaRPr lang="en-US" dirty="0"/>
           </a:p>
@@ -4358,7 +4003,7 @@
           <a:p>
             <a:fld id="{0678A836-37FA-43B4-8622-D2D43F13CF23}" type="datetime1">
               <a:rPr lang="en-US" smtClean="0"/>
-              <a:t>3/30/2023</a:t>
+              <a:t>3/20/2023</a:t>
             </a:fld>
             <a:endParaRPr lang="en-US" dirty="0"/>
           </a:p>
@@ -4472,7 +4117,7 @@
           <a:p>
             <a:fld id="{30C44C70-21C1-4E34-A740-6CA8CED8D3F7}" type="datetime1">
               <a:rPr lang="en-US" smtClean="0"/>
-              <a:t>3/30/2023</a:t>
+              <a:t>3/20/2023</a:t>
             </a:fld>
             <a:endParaRPr lang="en-US" dirty="0"/>
           </a:p>
@@ -4563,7 +4208,7 @@
           <a:p>
             <a:fld id="{0EDB3C2B-4C1D-416C-BC4D-A42C653629FD}" type="datetime1">
               <a:rPr lang="en-US" smtClean="0"/>
-              <a:t>3/30/2023</a:t>
+              <a:t>3/20/2023</a:t>
             </a:fld>
             <a:endParaRPr lang="en-US" dirty="0"/>
           </a:p>
@@ -4814,7 +4459,7 @@
           <a:p>
             <a:fld id="{08BA71F5-3ED0-4982-B390-04A96C5F3C52}" type="datetime1">
               <a:rPr lang="en-US" smtClean="0"/>
-              <a:t>3/30/2023</a:t>
+              <a:t>3/20/2023</a:t>
             </a:fld>
             <a:endParaRPr lang="en-US" dirty="0"/>
           </a:p>
@@ -5093,7 +4738,7 @@
           <a:p>
             <a:fld id="{0F6B8777-FBF0-4ACB-90E3-60548ABBEE49}" type="datetime1">
               <a:rPr lang="en-US" smtClean="0"/>
-              <a:t>3/30/2023</a:t>
+              <a:t>3/20/2023</a:t>
             </a:fld>
             <a:endParaRPr lang="en-US" dirty="0"/>
           </a:p>
@@ -5495,7 +5140,7 @@
           <a:p>
             <a:fld id="{AE768BA4-DD45-41F2-A6B6-61791039AE84}" type="datetime1">
               <a:rPr lang="en-US" smtClean="0"/>
-              <a:t>3/30/2023</a:t>
+              <a:t>3/20/2023</a:t>
             </a:fld>
             <a:endParaRPr lang="en-US" dirty="0"/>
           </a:p>
@@ -6471,13 +6116,6 @@
   <p:clrMapOvr>
     <a:masterClrMapping/>
   </p:clrMapOvr>
-  <p:timing>
-    <p:tnLst>
-      <p:par>
-        <p:cTn id="1" dur="indefinite" restart="never" nodeType="tmRoot"/>
-      </p:par>
-    </p:tnLst>
-  </p:timing>
 </p:sld>
 </file>
 
@@ -6768,12 +6406,20 @@
               <a:buChar char="-"/>
             </a:pPr>
             <a:r>
+              <a:rPr lang="fr-FR" sz="1400">
+                <a:solidFill>
+                  <a:schemeClr val="bg1"/>
+                </a:solidFill>
+              </a:rPr>
+              <a:t>Récupère </a:t>
+            </a:r>
+            <a:r>
               <a:rPr lang="fr-FR" sz="1400" dirty="0">
                 <a:solidFill>
                   <a:schemeClr val="bg1"/>
                 </a:solidFill>
               </a:rPr>
-              <a:t>Récupère les droits de l’acteur connexion</a:t>
+              <a:t>les droits de l’acteur connexion</a:t>
             </a:r>
           </a:p>
           <a:p>
@@ -6867,7 +6513,7 @@
           <p:nvPr/>
         </p:nvPicPr>
         <p:blipFill>
-          <a:blip r:embed="rId3">
+          <a:blip r:embed="rId2">
             <a:extLst>
               <a:ext uri="{28A0092B-C50C-407E-A947-70E740481C1C}">
                 <a14:useLocalDpi xmlns:a14="http://schemas.microsoft.com/office/drawing/2010/main" val="0"/>
@@ -6898,13 +6544,6 @@
   <p:clrMapOvr>
     <a:masterClrMapping/>
   </p:clrMapOvr>
-  <p:timing>
-    <p:tnLst>
-      <p:par>
-        <p:cTn id="1" dur="indefinite" restart="never" nodeType="tmRoot"/>
-      </p:par>
-    </p:tnLst>
-  </p:timing>
 </p:sld>
 </file>
 
@@ -7114,13 +6753,6 @@
   <p:clrMapOvr>
     <a:masterClrMapping/>
   </p:clrMapOvr>
-  <p:timing>
-    <p:tnLst>
-      <p:par>
-        <p:cTn id="1" dur="indefinite" restart="never" nodeType="tmRoot"/>
-      </p:par>
-    </p:tnLst>
-  </p:timing>
 </p:sld>
 </file>
 
@@ -7304,13 +6936,6 @@
   <p:clrMapOvr>
     <a:masterClrMapping/>
   </p:clrMapOvr>
-  <p:timing>
-    <p:tnLst>
-      <p:par>
-        <p:cTn id="1" dur="indefinite" restart="never" nodeType="tmRoot"/>
-      </p:par>
-    </p:tnLst>
-  </p:timing>
 </p:sld>
 </file>
 
@@ -7489,13 +7114,6 @@
   <p:clrMapOvr>
     <a:masterClrMapping/>
   </p:clrMapOvr>
-  <p:timing>
-    <p:tnLst>
-      <p:par>
-        <p:cTn id="1" dur="indefinite" restart="never" nodeType="tmRoot"/>
-      </p:par>
-    </p:tnLst>
-  </p:timing>
 </p:sld>
 </file>
 
@@ -7620,13 +7238,6 @@
   <p:clrMapOvr>
     <a:masterClrMapping/>
   </p:clrMapOvr>
-  <p:timing>
-    <p:tnLst>
-      <p:par>
-        <p:cTn id="1" dur="indefinite" restart="never" nodeType="tmRoot"/>
-      </p:par>
-    </p:tnLst>
-  </p:timing>
 </p:sld>
 </file>
 
@@ -8033,13 +7644,6 @@
   <p:clrMapOvr>
     <a:masterClrMapping/>
   </p:clrMapOvr>
-  <p:timing>
-    <p:tnLst>
-      <p:par>
-        <p:cTn id="1" dur="indefinite" restart="never" nodeType="tmRoot"/>
-      </p:par>
-    </p:tnLst>
-  </p:timing>
 </p:sld>
 </file>
 
@@ -8201,13 +7805,6 @@
   <p:clrMapOvr>
     <a:masterClrMapping/>
   </p:clrMapOvr>
-  <p:timing>
-    <p:tnLst>
-      <p:par>
-        <p:cTn id="1" dur="indefinite" restart="never" nodeType="tmRoot"/>
-      </p:par>
-    </p:tnLst>
-  </p:timing>
 </p:sld>
 </file>
 
@@ -8331,13 +7928,6 @@
   <p:clrMapOvr>
     <a:masterClrMapping/>
   </p:clrMapOvr>
-  <p:timing>
-    <p:tnLst>
-      <p:par>
-        <p:cTn id="1" dur="indefinite" restart="never" nodeType="tmRoot"/>
-      </p:par>
-    </p:tnLst>
-  </p:timing>
 </p:sld>
 </file>
 
@@ -8461,13 +8051,6 @@
   <p:clrMapOvr>
     <a:masterClrMapping/>
   </p:clrMapOvr>
-  <p:timing>
-    <p:tnLst>
-      <p:par>
-        <p:cTn id="1" dur="indefinite" restart="never" nodeType="tmRoot"/>
-      </p:par>
-    </p:tnLst>
-  </p:timing>
 </p:sld>
 </file>
 
@@ -8655,13 +8238,6 @@
   <p:clrMapOvr>
     <a:masterClrMapping/>
   </p:clrMapOvr>
-  <p:timing>
-    <p:tnLst>
-      <p:par>
-        <p:cTn id="1" dur="indefinite" restart="never" nodeType="tmRoot"/>
-      </p:par>
-    </p:tnLst>
-  </p:timing>
 </p:sld>
 </file>
 
@@ -8801,13 +8377,6 @@
   <p:clrMapOvr>
     <a:masterClrMapping/>
   </p:clrMapOvr>
-  <p:timing>
-    <p:tnLst>
-      <p:par>
-        <p:cTn id="1" dur="indefinite" restart="never" nodeType="tmRoot"/>
-      </p:par>
-    </p:tnLst>
-  </p:timing>
 </p:sld>
 </file>
 
@@ -8939,13 +8508,6 @@
   <p:clrMapOvr>
     <a:masterClrMapping/>
   </p:clrMapOvr>
-  <p:timing>
-    <p:tnLst>
-      <p:par>
-        <p:cTn id="1" dur="indefinite" restart="never" nodeType="tmRoot"/>
-      </p:par>
-    </p:tnLst>
-  </p:timing>
 </p:sld>
 </file>
 
@@ -9077,13 +8639,6 @@
   <p:clrMapOvr>
     <a:masterClrMapping/>
   </p:clrMapOvr>
-  <p:timing>
-    <p:tnLst>
-      <p:par>
-        <p:cTn id="1" dur="indefinite" restart="never" nodeType="tmRoot"/>
-      </p:par>
-    </p:tnLst>
-  </p:timing>
 </p:sld>
 </file>
 
@@ -9221,13 +8776,6 @@
   <p:clrMapOvr>
     <a:masterClrMapping/>
   </p:clrMapOvr>
-  <p:timing>
-    <p:tnLst>
-      <p:par>
-        <p:cTn id="1" dur="indefinite" restart="never" nodeType="tmRoot"/>
-      </p:par>
-    </p:tnLst>
-  </p:timing>
 </p:sld>
 </file>
 
@@ -9368,13 +8916,6 @@
   <p:clrMapOvr>
     <a:masterClrMapping/>
   </p:clrMapOvr>
-  <p:timing>
-    <p:tnLst>
-      <p:par>
-        <p:cTn id="1" dur="indefinite" restart="never" nodeType="tmRoot"/>
-      </p:par>
-    </p:tnLst>
-  </p:timing>
 </p:sld>
 </file>
 
@@ -9515,13 +9056,6 @@
   <p:clrMapOvr>
     <a:masterClrMapping/>
   </p:clrMapOvr>
-  <p:timing>
-    <p:tnLst>
-      <p:par>
-        <p:cTn id="1" dur="indefinite" restart="never" nodeType="tmRoot"/>
-      </p:par>
-    </p:tnLst>
-  </p:timing>
 </p:sld>
 </file>
 
@@ -9750,13 +9284,6 @@
   <p:clrMapOvr>
     <a:masterClrMapping/>
   </p:clrMapOvr>
-  <p:timing>
-    <p:tnLst>
-      <p:par>
-        <p:cTn id="1" dur="indefinite" restart="never" nodeType="tmRoot"/>
-      </p:par>
-    </p:tnLst>
-  </p:timing>
 </p:sld>
 </file>
 
@@ -9983,13 +9510,6 @@
   <p:clrMapOvr>
     <a:masterClrMapping/>
   </p:clrMapOvr>
-  <p:timing>
-    <p:tnLst>
-      <p:par>
-        <p:cTn id="1" dur="indefinite" restart="never" nodeType="tmRoot"/>
-      </p:par>
-    </p:tnLst>
-  </p:timing>
 </p:sld>
 </file>
 
@@ -10190,13 +9710,6 @@
   <p:clrMapOvr>
     <a:masterClrMapping/>
   </p:clrMapOvr>
-  <p:timing>
-    <p:tnLst>
-      <p:par>
-        <p:cTn id="1" dur="indefinite" restart="never" nodeType="tmRoot"/>
-      </p:par>
-    </p:tnLst>
-  </p:timing>
 </p:sld>
 </file>
 
@@ -10428,13 +9941,6 @@
   <p:clrMapOvr>
     <a:masterClrMapping/>
   </p:clrMapOvr>
-  <p:timing>
-    <p:tnLst>
-      <p:par>
-        <p:cTn id="1" dur="indefinite" restart="never" nodeType="tmRoot"/>
-      </p:par>
-    </p:tnLst>
-  </p:timing>
 </p:sld>
 </file>
 
@@ -10627,13 +10133,6 @@
   <p:clrMapOvr>
     <a:masterClrMapping/>
   </p:clrMapOvr>
-  <p:timing>
-    <p:tnLst>
-      <p:par>
-        <p:cTn id="1" dur="indefinite" restart="never" nodeType="tmRoot"/>
-      </p:par>
-    </p:tnLst>
-  </p:timing>
 </p:sld>
 </file>
 
@@ -10749,13 +10248,6 @@
   <p:clrMapOvr>
     <a:masterClrMapping/>
   </p:clrMapOvr>
-  <p:timing>
-    <p:tnLst>
-      <p:par>
-        <p:cTn id="1" dur="indefinite" restart="never" nodeType="tmRoot"/>
-      </p:par>
-    </p:tnLst>
-  </p:timing>
 </p:sld>
 </file>
 
@@ -12632,13 +12124,6 @@
   <p:clrMapOvr>
     <a:masterClrMapping/>
   </p:clrMapOvr>
-  <p:timing>
-    <p:tnLst>
-      <p:par>
-        <p:cTn id="1" dur="indefinite" restart="never" nodeType="tmRoot"/>
-      </p:par>
-    </p:tnLst>
-  </p:timing>
 </p:sld>
 </file>
 
@@ -12961,13 +12446,6 @@
   <p:clrMapOvr>
     <a:masterClrMapping/>
   </p:clrMapOvr>
-  <p:timing>
-    <p:tnLst>
-      <p:par>
-        <p:cTn id="1" dur="indefinite" restart="never" nodeType="tmRoot"/>
-      </p:par>
-    </p:tnLst>
-  </p:timing>
 </p:sld>
 </file>
 
@@ -13680,13 +13158,6 @@
   <p:clrMapOvr>
     <a:masterClrMapping/>
   </p:clrMapOvr>
-  <p:timing>
-    <p:tnLst>
-      <p:par>
-        <p:cTn id="1" dur="indefinite" restart="never" nodeType="tmRoot"/>
-      </p:par>
-    </p:tnLst>
-  </p:timing>
 </p:sld>
 </file>
 
@@ -13875,13 +13346,6 @@
   <p:clrMapOvr>
     <a:masterClrMapping/>
   </p:clrMapOvr>
-  <p:timing>
-    <p:tnLst>
-      <p:par>
-        <p:cTn id="1" dur="indefinite" restart="never" nodeType="tmRoot"/>
-      </p:par>
-    </p:tnLst>
-  </p:timing>
 </p:sld>
 </file>
 
@@ -14061,13 +13525,6 @@
   <p:clrMapOvr>
     <a:masterClrMapping/>
   </p:clrMapOvr>
-  <p:timing>
-    <p:tnLst>
-      <p:par>
-        <p:cTn id="1" dur="indefinite" restart="never" nodeType="tmRoot"/>
-      </p:par>
-    </p:tnLst>
-  </p:timing>
 </p:sld>
 </file>
 
